--- a/輪講2019-1_鈴木洸太.pptx
+++ b/輪講2019-1_鈴木洸太.pptx
@@ -5,14 +5,25 @@
     <p:sldMasterId id="2147483819" r:id="rId1"/>
   </p:sldMasterIdLst>
   <p:notesMasterIdLst>
-    <p:notesMasterId r:id="rId5"/>
+    <p:notesMasterId r:id="rId16"/>
   </p:notesMasterIdLst>
   <p:sldIdLst>
     <p:sldId id="256" r:id="rId2"/>
     <p:sldId id="257" r:id="rId3"/>
     <p:sldId id="258" r:id="rId4"/>
+    <p:sldId id="259" r:id="rId5"/>
+    <p:sldId id="260" r:id="rId6"/>
+    <p:sldId id="261" r:id="rId7"/>
+    <p:sldId id="264" r:id="rId8"/>
+    <p:sldId id="266" r:id="rId9"/>
+    <p:sldId id="262" r:id="rId10"/>
+    <p:sldId id="263" r:id="rId11"/>
+    <p:sldId id="265" r:id="rId12"/>
+    <p:sldId id="267" r:id="rId13"/>
+    <p:sldId id="268" r:id="rId14"/>
+    <p:sldId id="269" r:id="rId15"/>
   </p:sldIdLst>
-  <p:sldSz cx="12192000" cy="6858000"/>
+  <p:sldSz cx="9144000" cy="6858000" type="screen4x3"/>
   <p:notesSz cx="6858000" cy="9144000"/>
   <p:defaultTextStyle>
     <a:defPPr>
@@ -117,7 +128,7 @@
             <a:srgbClr val="A4A3A4"/>
           </p15:clr>
         </p15:guide>
-        <p15:guide id="2" pos="3840" userDrawn="1">
+        <p15:guide id="2" pos="2880" userDrawn="1">
           <p15:clr>
             <a:srgbClr val="A4A3A4"/>
           </p15:clr>
@@ -126,6 +137,1488 @@
     </p:ext>
   </p:extLst>
 </p:presentation>
+</file>
+
+<file path=ppt/charts/chart1.xml><?xml version="1.0" encoding="utf-8"?>
+<c:chartSpace xmlns:c="http://schemas.openxmlformats.org/drawingml/2006/chart" xmlns:a="http://schemas.openxmlformats.org/drawingml/2006/main" xmlns:r="http://schemas.openxmlformats.org/officeDocument/2006/relationships" xmlns:c16r2="http://schemas.microsoft.com/office/drawing/2015/06/chart">
+  <c:date1904 val="0"/>
+  <c:lang val="ja-JP"/>
+  <c:roundedCorners val="0"/>
+  <mc:AlternateContent xmlns:mc="http://schemas.openxmlformats.org/markup-compatibility/2006">
+    <mc:Choice xmlns:c14="http://schemas.microsoft.com/office/drawing/2007/8/2/chart" Requires="c14">
+      <c14:style val="102"/>
+    </mc:Choice>
+    <mc:Fallback>
+      <c:style val="2"/>
+    </mc:Fallback>
+  </mc:AlternateContent>
+  <c:chart>
+    <c:title>
+      <c:tx>
+        <c:rich>
+          <a:bodyPr rot="0" spcFirstLastPara="1" vertOverflow="ellipsis" vert="horz" wrap="square" anchor="ctr" anchorCtr="1"/>
+          <a:lstStyle/>
+          <a:p>
+            <a:pPr>
+              <a:defRPr sz="2400" b="1" i="0" u="none" strike="noStrike" kern="1200" cap="all" spc="120" normalizeH="0" baseline="0">
+                <a:solidFill>
+                  <a:schemeClr val="tx1">
+                    <a:lumMod val="65000"/>
+                    <a:lumOff val="35000"/>
+                  </a:schemeClr>
+                </a:solidFill>
+                <a:latin typeface="+mn-lt"/>
+                <a:ea typeface="+mn-ea"/>
+                <a:cs typeface="+mn-cs"/>
+              </a:defRPr>
+            </a:pPr>
+            <a:r>
+              <a:rPr lang="ja-JP" sz="2400"/>
+              <a:t>クラウドサービスの利用状況</a:t>
+            </a:r>
+          </a:p>
+        </c:rich>
+      </c:tx>
+      <c:overlay val="0"/>
+      <c:spPr>
+        <a:noFill/>
+        <a:ln>
+          <a:noFill/>
+        </a:ln>
+        <a:effectLst/>
+      </c:spPr>
+      <c:txPr>
+        <a:bodyPr rot="0" spcFirstLastPara="1" vertOverflow="ellipsis" vert="horz" wrap="square" anchor="ctr" anchorCtr="1"/>
+        <a:lstStyle/>
+        <a:p>
+          <a:pPr>
+            <a:defRPr sz="2400" b="1" i="0" u="none" strike="noStrike" kern="1200" cap="all" spc="120" normalizeH="0" baseline="0">
+              <a:solidFill>
+                <a:schemeClr val="tx1">
+                  <a:lumMod val="65000"/>
+                  <a:lumOff val="35000"/>
+                </a:schemeClr>
+              </a:solidFill>
+              <a:latin typeface="+mn-lt"/>
+              <a:ea typeface="+mn-ea"/>
+              <a:cs typeface="+mn-cs"/>
+            </a:defRPr>
+          </a:pPr>
+          <a:endParaRPr lang="ja-JP"/>
+        </a:p>
+      </c:txPr>
+    </c:title>
+    <c:autoTitleDeleted val="0"/>
+    <c:plotArea>
+      <c:layout>
+        <c:manualLayout>
+          <c:layoutTarget val="inner"/>
+          <c:xMode val="edge"/>
+          <c:yMode val="edge"/>
+          <c:x val="0.16958715661423904"/>
+          <c:y val="0.11660952950010178"/>
+          <c:w val="0.77165212740860045"/>
+          <c:h val="0.55165820400317245"/>
+        </c:manualLayout>
+      </c:layout>
+      <c:barChart>
+        <c:barDir val="bar"/>
+        <c:grouping val="percentStacked"/>
+        <c:varyColors val="0"/>
+        <c:ser>
+          <c:idx val="0"/>
+          <c:order val="0"/>
+          <c:tx>
+            <c:strRef>
+              <c:f>Sheet1!$B$4</c:f>
+              <c:strCache>
+                <c:ptCount val="1"/>
+                <c:pt idx="0">
+                  <c:v>全社的に利用している</c:v>
+                </c:pt>
+              </c:strCache>
+            </c:strRef>
+          </c:tx>
+          <c:spPr>
+            <a:solidFill>
+              <a:schemeClr val="accent1"/>
+            </a:solidFill>
+            <a:ln w="50800">
+              <a:solidFill>
+                <a:srgbClr val="FF0000"/>
+              </a:solidFill>
+            </a:ln>
+            <a:effectLst/>
+          </c:spPr>
+          <c:invertIfNegative val="0"/>
+          <c:dLbls>
+            <c:spPr>
+              <a:noFill/>
+              <a:ln>
+                <a:noFill/>
+              </a:ln>
+              <a:effectLst/>
+            </c:spPr>
+            <c:txPr>
+              <a:bodyPr rot="0" spcFirstLastPara="1" vertOverflow="ellipsis" vert="horz" wrap="square" lIns="38100" tIns="19050" rIns="38100" bIns="19050" anchor="ctr" anchorCtr="1">
+                <a:spAutoFit/>
+              </a:bodyPr>
+              <a:lstStyle/>
+              <a:p>
+                <a:pPr>
+                  <a:defRPr sz="2000" b="0" i="0" u="none" strike="noStrike" kern="1200" baseline="0">
+                    <a:solidFill>
+                      <a:schemeClr val="lt1"/>
+                    </a:solidFill>
+                    <a:latin typeface="+mn-lt"/>
+                    <a:ea typeface="+mn-ea"/>
+                    <a:cs typeface="+mn-cs"/>
+                  </a:defRPr>
+                </a:pPr>
+                <a:endParaRPr lang="ja-JP"/>
+              </a:p>
+            </c:txPr>
+            <c:dLblPos val="ctr"/>
+            <c:showLegendKey val="0"/>
+            <c:showVal val="1"/>
+            <c:showCatName val="0"/>
+            <c:showSerName val="0"/>
+            <c:showPercent val="0"/>
+            <c:showBubbleSize val="0"/>
+            <c:showLeaderLines val="0"/>
+            <c:extLst>
+              <c:ext xmlns:c15="http://schemas.microsoft.com/office/drawing/2012/chart" uri="{CE6537A1-D6FC-4f65-9D91-7224C49458BB}">
+                <c15:showLeaderLines val="1"/>
+                <c15:leaderLines>
+                  <c:spPr>
+                    <a:ln w="9525">
+                      <a:solidFill>
+                        <a:schemeClr val="tx1">
+                          <a:lumMod val="35000"/>
+                          <a:lumOff val="65000"/>
+                        </a:schemeClr>
+                      </a:solidFill>
+                    </a:ln>
+                    <a:effectLst/>
+                  </c:spPr>
+                </c15:leaderLines>
+              </c:ext>
+            </c:extLst>
+          </c:dLbls>
+          <c:cat>
+            <c:strRef>
+              <c:f>Sheet1!$A$5:$A$9</c:f>
+              <c:strCache>
+                <c:ptCount val="5"/>
+                <c:pt idx="0">
+                  <c:v>2017年</c:v>
+                </c:pt>
+                <c:pt idx="1">
+                  <c:v>2016年</c:v>
+                </c:pt>
+                <c:pt idx="2">
+                  <c:v>2015年</c:v>
+                </c:pt>
+                <c:pt idx="3">
+                  <c:v>2014年</c:v>
+                </c:pt>
+                <c:pt idx="4">
+                  <c:v>2013年</c:v>
+                </c:pt>
+              </c:strCache>
+            </c:strRef>
+          </c:cat>
+          <c:val>
+            <c:numRef>
+              <c:f>Sheet1!$B$5:$B$9</c:f>
+              <c:numCache>
+                <c:formatCode>0.0_ </c:formatCode>
+                <c:ptCount val="5"/>
+                <c:pt idx="0">
+                  <c:v>29.4</c:v>
+                </c:pt>
+                <c:pt idx="1">
+                  <c:v>24.4</c:v>
+                </c:pt>
+                <c:pt idx="2">
+                  <c:v>22.8</c:v>
+                </c:pt>
+                <c:pt idx="3">
+                  <c:v>20.7</c:v>
+                </c:pt>
+                <c:pt idx="4">
+                  <c:v>15</c:v>
+                </c:pt>
+              </c:numCache>
+            </c:numRef>
+          </c:val>
+          <c:extLst>
+            <c:ext xmlns:c16="http://schemas.microsoft.com/office/drawing/2014/chart" uri="{C3380CC4-5D6E-409C-BE32-E72D297353CC}">
+              <c16:uniqueId val="{00000000-FC31-4C35-BFF6-23C0B3BA8733}"/>
+            </c:ext>
+          </c:extLst>
+        </c:ser>
+        <c:ser>
+          <c:idx val="1"/>
+          <c:order val="1"/>
+          <c:tx>
+            <c:strRef>
+              <c:f>Sheet1!$C$4</c:f>
+              <c:strCache>
+                <c:ptCount val="1"/>
+                <c:pt idx="0">
+                  <c:v>一部の事業所又は部門で利用している</c:v>
+                </c:pt>
+              </c:strCache>
+            </c:strRef>
+          </c:tx>
+          <c:spPr>
+            <a:solidFill>
+              <a:schemeClr val="accent2"/>
+            </a:solidFill>
+            <a:ln w="47625" cap="flat">
+              <a:solidFill>
+                <a:srgbClr val="FF0000"/>
+              </a:solidFill>
+              <a:prstDash val="solid"/>
+              <a:miter lim="800000"/>
+            </a:ln>
+            <a:effectLst/>
+          </c:spPr>
+          <c:invertIfNegative val="0"/>
+          <c:dLbls>
+            <c:spPr>
+              <a:noFill/>
+              <a:ln>
+                <a:noFill/>
+              </a:ln>
+              <a:effectLst/>
+            </c:spPr>
+            <c:txPr>
+              <a:bodyPr rot="0" spcFirstLastPara="1" vertOverflow="ellipsis" vert="horz" wrap="square" lIns="38100" tIns="19050" rIns="38100" bIns="19050" anchor="ctr" anchorCtr="1">
+                <a:spAutoFit/>
+              </a:bodyPr>
+              <a:lstStyle/>
+              <a:p>
+                <a:pPr>
+                  <a:defRPr sz="2000" b="0" i="0" u="none" strike="noStrike" kern="1200" baseline="0">
+                    <a:solidFill>
+                      <a:schemeClr val="lt1"/>
+                    </a:solidFill>
+                    <a:latin typeface="+mn-lt"/>
+                    <a:ea typeface="+mn-ea"/>
+                    <a:cs typeface="+mn-cs"/>
+                  </a:defRPr>
+                </a:pPr>
+                <a:endParaRPr lang="ja-JP"/>
+              </a:p>
+            </c:txPr>
+            <c:dLblPos val="ctr"/>
+            <c:showLegendKey val="0"/>
+            <c:showVal val="1"/>
+            <c:showCatName val="0"/>
+            <c:showSerName val="0"/>
+            <c:showPercent val="0"/>
+            <c:showBubbleSize val="0"/>
+            <c:showLeaderLines val="0"/>
+            <c:extLst>
+              <c:ext xmlns:c15="http://schemas.microsoft.com/office/drawing/2012/chart" uri="{CE6537A1-D6FC-4f65-9D91-7224C49458BB}">
+                <c15:showLeaderLines val="1"/>
+                <c15:leaderLines>
+                  <c:spPr>
+                    <a:ln w="9525">
+                      <a:solidFill>
+                        <a:schemeClr val="tx1">
+                          <a:lumMod val="35000"/>
+                          <a:lumOff val="65000"/>
+                        </a:schemeClr>
+                      </a:solidFill>
+                    </a:ln>
+                    <a:effectLst/>
+                  </c:spPr>
+                </c15:leaderLines>
+              </c:ext>
+            </c:extLst>
+          </c:dLbls>
+          <c:cat>
+            <c:strRef>
+              <c:f>Sheet1!$A$5:$A$9</c:f>
+              <c:strCache>
+                <c:ptCount val="5"/>
+                <c:pt idx="0">
+                  <c:v>2017年</c:v>
+                </c:pt>
+                <c:pt idx="1">
+                  <c:v>2016年</c:v>
+                </c:pt>
+                <c:pt idx="2">
+                  <c:v>2015年</c:v>
+                </c:pt>
+                <c:pt idx="3">
+                  <c:v>2014年</c:v>
+                </c:pt>
+                <c:pt idx="4">
+                  <c:v>2013年</c:v>
+                </c:pt>
+              </c:strCache>
+            </c:strRef>
+          </c:cat>
+          <c:val>
+            <c:numRef>
+              <c:f>Sheet1!$C$5:$C$9</c:f>
+              <c:numCache>
+                <c:formatCode>0.0_ </c:formatCode>
+                <c:ptCount val="5"/>
+                <c:pt idx="0">
+                  <c:v>27.5</c:v>
+                </c:pt>
+                <c:pt idx="1">
+                  <c:v>22.5</c:v>
+                </c:pt>
+                <c:pt idx="2">
+                  <c:v>21.7</c:v>
+                </c:pt>
+                <c:pt idx="3">
+                  <c:v>18</c:v>
+                </c:pt>
+                <c:pt idx="4">
+                  <c:v>18</c:v>
+                </c:pt>
+              </c:numCache>
+            </c:numRef>
+          </c:val>
+          <c:extLst>
+            <c:ext xmlns:c16="http://schemas.microsoft.com/office/drawing/2014/chart" uri="{C3380CC4-5D6E-409C-BE32-E72D297353CC}">
+              <c16:uniqueId val="{00000001-FC31-4C35-BFF6-23C0B3BA8733}"/>
+            </c:ext>
+          </c:extLst>
+        </c:ser>
+        <c:ser>
+          <c:idx val="2"/>
+          <c:order val="2"/>
+          <c:tx>
+            <c:strRef>
+              <c:f>Sheet1!$D$4</c:f>
+              <c:strCache>
+                <c:ptCount val="1"/>
+                <c:pt idx="0">
+                  <c:v>利用していないが、今後利用する予定がある</c:v>
+                </c:pt>
+              </c:strCache>
+            </c:strRef>
+          </c:tx>
+          <c:spPr>
+            <a:solidFill>
+              <a:schemeClr val="accent3"/>
+            </a:solidFill>
+            <a:ln>
+              <a:noFill/>
+            </a:ln>
+            <a:effectLst/>
+          </c:spPr>
+          <c:invertIfNegative val="0"/>
+          <c:dLbls>
+            <c:spPr>
+              <a:noFill/>
+              <a:ln>
+                <a:noFill/>
+              </a:ln>
+              <a:effectLst/>
+            </c:spPr>
+            <c:txPr>
+              <a:bodyPr rot="0" spcFirstLastPara="1" vertOverflow="ellipsis" vert="horz" wrap="square" lIns="38100" tIns="19050" rIns="38100" bIns="19050" anchor="ctr" anchorCtr="1">
+                <a:spAutoFit/>
+              </a:bodyPr>
+              <a:lstStyle/>
+              <a:p>
+                <a:pPr>
+                  <a:defRPr sz="2000" b="0" i="0" u="none" strike="noStrike" kern="1200" baseline="0">
+                    <a:solidFill>
+                      <a:schemeClr val="lt1"/>
+                    </a:solidFill>
+                    <a:latin typeface="+mn-lt"/>
+                    <a:ea typeface="+mn-ea"/>
+                    <a:cs typeface="+mn-cs"/>
+                  </a:defRPr>
+                </a:pPr>
+                <a:endParaRPr lang="ja-JP"/>
+              </a:p>
+            </c:txPr>
+            <c:dLblPos val="ctr"/>
+            <c:showLegendKey val="0"/>
+            <c:showVal val="1"/>
+            <c:showCatName val="0"/>
+            <c:showSerName val="0"/>
+            <c:showPercent val="0"/>
+            <c:showBubbleSize val="0"/>
+            <c:showLeaderLines val="0"/>
+            <c:extLst>
+              <c:ext xmlns:c15="http://schemas.microsoft.com/office/drawing/2012/chart" uri="{CE6537A1-D6FC-4f65-9D91-7224C49458BB}">
+                <c15:showLeaderLines val="1"/>
+                <c15:leaderLines>
+                  <c:spPr>
+                    <a:ln w="9525">
+                      <a:solidFill>
+                        <a:schemeClr val="tx1">
+                          <a:lumMod val="35000"/>
+                          <a:lumOff val="65000"/>
+                        </a:schemeClr>
+                      </a:solidFill>
+                    </a:ln>
+                    <a:effectLst/>
+                  </c:spPr>
+                </c15:leaderLines>
+              </c:ext>
+            </c:extLst>
+          </c:dLbls>
+          <c:cat>
+            <c:strRef>
+              <c:f>Sheet1!$A$5:$A$9</c:f>
+              <c:strCache>
+                <c:ptCount val="5"/>
+                <c:pt idx="0">
+                  <c:v>2017年</c:v>
+                </c:pt>
+                <c:pt idx="1">
+                  <c:v>2016年</c:v>
+                </c:pt>
+                <c:pt idx="2">
+                  <c:v>2015年</c:v>
+                </c:pt>
+                <c:pt idx="3">
+                  <c:v>2014年</c:v>
+                </c:pt>
+                <c:pt idx="4">
+                  <c:v>2013年</c:v>
+                </c:pt>
+              </c:strCache>
+            </c:strRef>
+          </c:cat>
+          <c:val>
+            <c:numRef>
+              <c:f>Sheet1!$D$5:$D$9</c:f>
+              <c:numCache>
+                <c:formatCode>0.0_ </c:formatCode>
+                <c:ptCount val="5"/>
+                <c:pt idx="0">
+                  <c:v>13.4</c:v>
+                </c:pt>
+                <c:pt idx="1">
+                  <c:v>14.5</c:v>
+                </c:pt>
+                <c:pt idx="2">
+                  <c:v>15</c:v>
+                </c:pt>
+                <c:pt idx="3">
+                  <c:v>15.9</c:v>
+                </c:pt>
+                <c:pt idx="4">
+                  <c:v>17.5</c:v>
+                </c:pt>
+              </c:numCache>
+            </c:numRef>
+          </c:val>
+          <c:extLst>
+            <c:ext xmlns:c16="http://schemas.microsoft.com/office/drawing/2014/chart" uri="{C3380CC4-5D6E-409C-BE32-E72D297353CC}">
+              <c16:uniqueId val="{00000002-FC31-4C35-BFF6-23C0B3BA8733}"/>
+            </c:ext>
+          </c:extLst>
+        </c:ser>
+        <c:ser>
+          <c:idx val="3"/>
+          <c:order val="3"/>
+          <c:tx>
+            <c:strRef>
+              <c:f>Sheet1!$E$4</c:f>
+              <c:strCache>
+                <c:ptCount val="1"/>
+                <c:pt idx="0">
+                  <c:v>利用していないし、今後も利用する予定もない</c:v>
+                </c:pt>
+              </c:strCache>
+            </c:strRef>
+          </c:tx>
+          <c:spPr>
+            <a:solidFill>
+              <a:schemeClr val="accent4"/>
+            </a:solidFill>
+            <a:ln>
+              <a:noFill/>
+            </a:ln>
+            <a:effectLst/>
+          </c:spPr>
+          <c:invertIfNegative val="0"/>
+          <c:dLbls>
+            <c:spPr>
+              <a:noFill/>
+              <a:ln>
+                <a:noFill/>
+              </a:ln>
+              <a:effectLst/>
+            </c:spPr>
+            <c:txPr>
+              <a:bodyPr rot="0" spcFirstLastPara="1" vertOverflow="ellipsis" vert="horz" wrap="square" lIns="38100" tIns="19050" rIns="38100" bIns="19050" anchor="ctr" anchorCtr="1">
+                <a:spAutoFit/>
+              </a:bodyPr>
+              <a:lstStyle/>
+              <a:p>
+                <a:pPr>
+                  <a:defRPr sz="2000" b="0" i="0" u="none" strike="noStrike" kern="1200" baseline="0">
+                    <a:solidFill>
+                      <a:schemeClr val="lt1"/>
+                    </a:solidFill>
+                    <a:latin typeface="+mn-lt"/>
+                    <a:ea typeface="+mn-ea"/>
+                    <a:cs typeface="+mn-cs"/>
+                  </a:defRPr>
+                </a:pPr>
+                <a:endParaRPr lang="ja-JP"/>
+              </a:p>
+            </c:txPr>
+            <c:dLblPos val="ctr"/>
+            <c:showLegendKey val="0"/>
+            <c:showVal val="1"/>
+            <c:showCatName val="0"/>
+            <c:showSerName val="0"/>
+            <c:showPercent val="0"/>
+            <c:showBubbleSize val="0"/>
+            <c:showLeaderLines val="0"/>
+            <c:extLst>
+              <c:ext xmlns:c15="http://schemas.microsoft.com/office/drawing/2012/chart" uri="{CE6537A1-D6FC-4f65-9D91-7224C49458BB}">
+                <c15:showLeaderLines val="1"/>
+                <c15:leaderLines>
+                  <c:spPr>
+                    <a:ln w="9525">
+                      <a:solidFill>
+                        <a:schemeClr val="tx1">
+                          <a:lumMod val="35000"/>
+                          <a:lumOff val="65000"/>
+                        </a:schemeClr>
+                      </a:solidFill>
+                    </a:ln>
+                    <a:effectLst/>
+                  </c:spPr>
+                </c15:leaderLines>
+              </c:ext>
+            </c:extLst>
+          </c:dLbls>
+          <c:cat>
+            <c:strRef>
+              <c:f>Sheet1!$A$5:$A$9</c:f>
+              <c:strCache>
+                <c:ptCount val="5"/>
+                <c:pt idx="0">
+                  <c:v>2017年</c:v>
+                </c:pt>
+                <c:pt idx="1">
+                  <c:v>2016年</c:v>
+                </c:pt>
+                <c:pt idx="2">
+                  <c:v>2015年</c:v>
+                </c:pt>
+                <c:pt idx="3">
+                  <c:v>2014年</c:v>
+                </c:pt>
+                <c:pt idx="4">
+                  <c:v>2013年</c:v>
+                </c:pt>
+              </c:strCache>
+            </c:strRef>
+          </c:cat>
+          <c:val>
+            <c:numRef>
+              <c:f>Sheet1!$E$5:$E$9</c:f>
+              <c:numCache>
+                <c:formatCode>0.0_ </c:formatCode>
+                <c:ptCount val="5"/>
+                <c:pt idx="0">
+                  <c:v>22.1</c:v>
+                </c:pt>
+                <c:pt idx="1">
+                  <c:v>29.3</c:v>
+                </c:pt>
+                <c:pt idx="2">
+                  <c:v>30</c:v>
+                </c:pt>
+                <c:pt idx="3">
+                  <c:v>32.200000000000003</c:v>
+                </c:pt>
+                <c:pt idx="4">
+                  <c:v>34.4</c:v>
+                </c:pt>
+              </c:numCache>
+            </c:numRef>
+          </c:val>
+          <c:extLst>
+            <c:ext xmlns:c16="http://schemas.microsoft.com/office/drawing/2014/chart" uri="{C3380CC4-5D6E-409C-BE32-E72D297353CC}">
+              <c16:uniqueId val="{00000003-FC31-4C35-BFF6-23C0B3BA8733}"/>
+            </c:ext>
+          </c:extLst>
+        </c:ser>
+        <c:ser>
+          <c:idx val="4"/>
+          <c:order val="4"/>
+          <c:tx>
+            <c:strRef>
+              <c:f>Sheet1!$F$4</c:f>
+              <c:strCache>
+                <c:ptCount val="1"/>
+                <c:pt idx="0">
+                  <c:v>クラウドサービスについてよく分からない</c:v>
+                </c:pt>
+              </c:strCache>
+            </c:strRef>
+          </c:tx>
+          <c:spPr>
+            <a:solidFill>
+              <a:schemeClr val="accent5"/>
+            </a:solidFill>
+            <a:ln>
+              <a:noFill/>
+            </a:ln>
+            <a:effectLst/>
+          </c:spPr>
+          <c:invertIfNegative val="0"/>
+          <c:dLbls>
+            <c:spPr>
+              <a:noFill/>
+              <a:ln>
+                <a:noFill/>
+              </a:ln>
+              <a:effectLst/>
+            </c:spPr>
+            <c:txPr>
+              <a:bodyPr rot="0" spcFirstLastPara="1" vertOverflow="ellipsis" vert="horz" wrap="square" lIns="38100" tIns="19050" rIns="38100" bIns="19050" anchor="ctr" anchorCtr="1">
+                <a:spAutoFit/>
+              </a:bodyPr>
+              <a:lstStyle/>
+              <a:p>
+                <a:pPr>
+                  <a:defRPr sz="2000" b="0" i="0" u="none" strike="noStrike" kern="1200" baseline="0">
+                    <a:solidFill>
+                      <a:schemeClr val="lt1"/>
+                    </a:solidFill>
+                    <a:latin typeface="+mn-lt"/>
+                    <a:ea typeface="+mn-ea"/>
+                    <a:cs typeface="+mn-cs"/>
+                  </a:defRPr>
+                </a:pPr>
+                <a:endParaRPr lang="ja-JP"/>
+              </a:p>
+            </c:txPr>
+            <c:dLblPos val="ctr"/>
+            <c:showLegendKey val="0"/>
+            <c:showVal val="1"/>
+            <c:showCatName val="0"/>
+            <c:showSerName val="0"/>
+            <c:showPercent val="0"/>
+            <c:showBubbleSize val="0"/>
+            <c:showLeaderLines val="0"/>
+            <c:extLst>
+              <c:ext xmlns:c15="http://schemas.microsoft.com/office/drawing/2012/chart" uri="{CE6537A1-D6FC-4f65-9D91-7224C49458BB}">
+                <c15:showLeaderLines val="1"/>
+                <c15:leaderLines>
+                  <c:spPr>
+                    <a:ln w="9525">
+                      <a:solidFill>
+                        <a:schemeClr val="tx1">
+                          <a:lumMod val="35000"/>
+                          <a:lumOff val="65000"/>
+                        </a:schemeClr>
+                      </a:solidFill>
+                    </a:ln>
+                    <a:effectLst/>
+                  </c:spPr>
+                </c15:leaderLines>
+              </c:ext>
+            </c:extLst>
+          </c:dLbls>
+          <c:cat>
+            <c:strRef>
+              <c:f>Sheet1!$A$5:$A$9</c:f>
+              <c:strCache>
+                <c:ptCount val="5"/>
+                <c:pt idx="0">
+                  <c:v>2017年</c:v>
+                </c:pt>
+                <c:pt idx="1">
+                  <c:v>2016年</c:v>
+                </c:pt>
+                <c:pt idx="2">
+                  <c:v>2015年</c:v>
+                </c:pt>
+                <c:pt idx="3">
+                  <c:v>2014年</c:v>
+                </c:pt>
+                <c:pt idx="4">
+                  <c:v>2013年</c:v>
+                </c:pt>
+              </c:strCache>
+            </c:strRef>
+          </c:cat>
+          <c:val>
+            <c:numRef>
+              <c:f>Sheet1!$F$5:$F$9</c:f>
+              <c:numCache>
+                <c:formatCode>0.0_ </c:formatCode>
+                <c:ptCount val="5"/>
+                <c:pt idx="0">
+                  <c:v>7.6</c:v>
+                </c:pt>
+                <c:pt idx="1">
+                  <c:v>9.3000000000000007</c:v>
+                </c:pt>
+                <c:pt idx="2">
+                  <c:v>10.4</c:v>
+                </c:pt>
+                <c:pt idx="3">
+                  <c:v>13.1</c:v>
+                </c:pt>
+                <c:pt idx="4">
+                  <c:v>15</c:v>
+                </c:pt>
+              </c:numCache>
+            </c:numRef>
+          </c:val>
+          <c:extLst>
+            <c:ext xmlns:c16="http://schemas.microsoft.com/office/drawing/2014/chart" uri="{C3380CC4-5D6E-409C-BE32-E72D297353CC}">
+              <c16:uniqueId val="{00000004-FC31-4C35-BFF6-23C0B3BA8733}"/>
+            </c:ext>
+          </c:extLst>
+        </c:ser>
+        <c:dLbls>
+          <c:dLblPos val="ctr"/>
+          <c:showLegendKey val="0"/>
+          <c:showVal val="1"/>
+          <c:showCatName val="0"/>
+          <c:showSerName val="0"/>
+          <c:showPercent val="0"/>
+          <c:showBubbleSize val="0"/>
+        </c:dLbls>
+        <c:gapWidth val="79"/>
+        <c:overlap val="100"/>
+        <c:axId val="523212360"/>
+        <c:axId val="523212688"/>
+      </c:barChart>
+      <c:catAx>
+        <c:axId val="523212360"/>
+        <c:scaling>
+          <c:orientation val="minMax"/>
+        </c:scaling>
+        <c:delete val="0"/>
+        <c:axPos val="l"/>
+        <c:majorGridlines>
+          <c:spPr>
+            <a:ln w="9525" cap="flat" cmpd="sng" algn="ctr">
+              <a:solidFill>
+                <a:schemeClr val="tx1">
+                  <a:lumMod val="15000"/>
+                  <a:lumOff val="85000"/>
+                </a:schemeClr>
+              </a:solidFill>
+              <a:round/>
+            </a:ln>
+            <a:effectLst/>
+          </c:spPr>
+        </c:majorGridlines>
+        <c:numFmt formatCode="General" sourceLinked="1"/>
+        <c:majorTickMark val="none"/>
+        <c:minorTickMark val="none"/>
+        <c:tickLblPos val="nextTo"/>
+        <c:spPr>
+          <a:noFill/>
+          <a:ln w="9525" cap="flat" cmpd="sng" algn="ctr">
+            <a:solidFill>
+              <a:schemeClr val="tx1">
+                <a:lumMod val="15000"/>
+                <a:lumOff val="85000"/>
+              </a:schemeClr>
+            </a:solidFill>
+            <a:round/>
+          </a:ln>
+          <a:effectLst/>
+        </c:spPr>
+        <c:txPr>
+          <a:bodyPr rot="-60000000" spcFirstLastPara="1" vertOverflow="ellipsis" vert="horz" wrap="square" anchor="ctr" anchorCtr="1"/>
+          <a:lstStyle/>
+          <a:p>
+            <a:pPr>
+              <a:defRPr sz="2200" b="0" i="0" u="none" strike="noStrike" kern="1200" cap="all" spc="120" normalizeH="0" baseline="0">
+                <a:solidFill>
+                  <a:schemeClr val="tx1">
+                    <a:lumMod val="65000"/>
+                    <a:lumOff val="35000"/>
+                  </a:schemeClr>
+                </a:solidFill>
+                <a:latin typeface="+mn-lt"/>
+                <a:ea typeface="+mn-ea"/>
+                <a:cs typeface="+mn-cs"/>
+              </a:defRPr>
+            </a:pPr>
+            <a:endParaRPr lang="ja-JP"/>
+          </a:p>
+        </c:txPr>
+        <c:crossAx val="523212688"/>
+        <c:crosses val="autoZero"/>
+        <c:auto val="1"/>
+        <c:lblAlgn val="ctr"/>
+        <c:lblOffset val="100"/>
+        <c:noMultiLvlLbl val="0"/>
+      </c:catAx>
+      <c:valAx>
+        <c:axId val="523212688"/>
+        <c:scaling>
+          <c:orientation val="minMax"/>
+        </c:scaling>
+        <c:delete val="1"/>
+        <c:axPos val="b"/>
+        <c:numFmt formatCode="0%" sourceLinked="1"/>
+        <c:majorTickMark val="none"/>
+        <c:minorTickMark val="none"/>
+        <c:tickLblPos val="nextTo"/>
+        <c:crossAx val="523212360"/>
+        <c:crosses val="autoZero"/>
+        <c:crossBetween val="between"/>
+      </c:valAx>
+      <c:spPr>
+        <a:noFill/>
+        <a:ln>
+          <a:noFill/>
+        </a:ln>
+        <a:effectLst/>
+      </c:spPr>
+    </c:plotArea>
+    <c:legend>
+      <c:legendPos val="t"/>
+      <c:layout>
+        <c:manualLayout>
+          <c:xMode val="edge"/>
+          <c:yMode val="edge"/>
+          <c:x val="0"/>
+          <c:y val="0.66656915278999462"/>
+          <c:w val="1"/>
+          <c:h val="0.31133488212212729"/>
+        </c:manualLayout>
+      </c:layout>
+      <c:overlay val="0"/>
+      <c:spPr>
+        <a:noFill/>
+        <a:ln>
+          <a:noFill/>
+        </a:ln>
+        <a:effectLst/>
+      </c:spPr>
+      <c:txPr>
+        <a:bodyPr rot="0" spcFirstLastPara="1" vertOverflow="ellipsis" vert="horz" wrap="square" anchor="ctr" anchorCtr="1"/>
+        <a:lstStyle/>
+        <a:p>
+          <a:pPr>
+            <a:defRPr sz="1700" b="0" i="0" u="none" strike="noStrike" kern="1200" baseline="0">
+              <a:solidFill>
+                <a:schemeClr val="tx1">
+                  <a:lumMod val="65000"/>
+                  <a:lumOff val="35000"/>
+                </a:schemeClr>
+              </a:solidFill>
+              <a:latin typeface="+mn-lt"/>
+              <a:ea typeface="+mn-ea"/>
+              <a:cs typeface="+mn-cs"/>
+            </a:defRPr>
+          </a:pPr>
+          <a:endParaRPr lang="ja-JP"/>
+        </a:p>
+      </c:txPr>
+    </c:legend>
+    <c:plotVisOnly val="1"/>
+    <c:dispBlanksAs val="gap"/>
+    <c:extLst>
+      <c:ext xmlns:c16r3="http://schemas.microsoft.com/office/drawing/2017/03/chart" uri="{56B9EC1D-385E-4148-901F-78D8002777C0}">
+        <c16r3:dataDisplayOptions16>
+          <c16r3:dispNaAsBlank val="1"/>
+        </c16r3:dataDisplayOptions16>
+      </c:ext>
+    </c:extLst>
+    <c:showDLblsOverMax val="0"/>
+  </c:chart>
+  <c:spPr>
+    <a:noFill/>
+    <a:ln>
+      <a:noFill/>
+    </a:ln>
+    <a:effectLst/>
+  </c:spPr>
+  <c:txPr>
+    <a:bodyPr/>
+    <a:lstStyle/>
+    <a:p>
+      <a:pPr>
+        <a:defRPr/>
+      </a:pPr>
+      <a:endParaRPr lang="ja-JP"/>
+    </a:p>
+  </c:txPr>
+  <c:externalData r:id="rId3">
+    <c:autoUpdate val="0"/>
+  </c:externalData>
+</c:chartSpace>
+</file>
+
+<file path=ppt/charts/colors1.xml><?xml version="1.0" encoding="utf-8"?>
+<cs:colorStyle xmlns:cs="http://schemas.microsoft.com/office/drawing/2012/chartStyle" xmlns:a="http://schemas.openxmlformats.org/drawingml/2006/main" meth="cycle" id="10">
+  <a:schemeClr val="accent1"/>
+  <a:schemeClr val="accent2"/>
+  <a:schemeClr val="accent3"/>
+  <a:schemeClr val="accent4"/>
+  <a:schemeClr val="accent5"/>
+  <a:schemeClr val="accent6"/>
+  <cs:variation/>
+  <cs:variation>
+    <a:lumMod val="60000"/>
+  </cs:variation>
+  <cs:variation>
+    <a:lumMod val="80000"/>
+    <a:lumOff val="20000"/>
+  </cs:variation>
+  <cs:variation>
+    <a:lumMod val="80000"/>
+  </cs:variation>
+  <cs:variation>
+    <a:lumMod val="60000"/>
+    <a:lumOff val="40000"/>
+  </cs:variation>
+  <cs:variation>
+    <a:lumMod val="50000"/>
+  </cs:variation>
+  <cs:variation>
+    <a:lumMod val="70000"/>
+    <a:lumOff val="30000"/>
+  </cs:variation>
+  <cs:variation>
+    <a:lumMod val="70000"/>
+  </cs:variation>
+  <cs:variation>
+    <a:lumMod val="50000"/>
+    <a:lumOff val="50000"/>
+  </cs:variation>
+</cs:colorStyle>
+</file>
+
+<file path=ppt/charts/style1.xml><?xml version="1.0" encoding="utf-8"?>
+<cs:chartStyle xmlns:cs="http://schemas.microsoft.com/office/drawing/2012/chartStyle" xmlns:a="http://schemas.openxmlformats.org/drawingml/2006/main" id="298">
+  <cs:axisTitle>
+    <cs:lnRef idx="0"/>
+    <cs:fillRef idx="0"/>
+    <cs:effectRef idx="0"/>
+    <cs:fontRef idx="minor">
+      <a:schemeClr val="tx1">
+        <a:lumMod val="65000"/>
+        <a:lumOff val="35000"/>
+      </a:schemeClr>
+    </cs:fontRef>
+    <cs:defRPr sz="900" kern="1200" cap="all"/>
+  </cs:axisTitle>
+  <cs:categoryAxis>
+    <cs:lnRef idx="0"/>
+    <cs:fillRef idx="0"/>
+    <cs:effectRef idx="0"/>
+    <cs:fontRef idx="minor">
+      <a:schemeClr val="tx1">
+        <a:lumMod val="65000"/>
+        <a:lumOff val="35000"/>
+      </a:schemeClr>
+    </cs:fontRef>
+    <cs:spPr>
+      <a:ln w="9525" cap="flat" cmpd="sng" algn="ctr">
+        <a:solidFill>
+          <a:schemeClr val="tx1">
+            <a:lumMod val="15000"/>
+            <a:lumOff val="85000"/>
+          </a:schemeClr>
+        </a:solidFill>
+        <a:round/>
+      </a:ln>
+    </cs:spPr>
+    <cs:defRPr sz="800" kern="1200" cap="all" spc="120" normalizeH="0" baseline="0"/>
+  </cs:categoryAxis>
+  <cs:chartArea mods="allowNoFillOverride allowNoLineOverride">
+    <cs:lnRef idx="0"/>
+    <cs:fillRef idx="0"/>
+    <cs:effectRef idx="0"/>
+    <cs:fontRef idx="minor">
+      <a:schemeClr val="dk1"/>
+    </cs:fontRef>
+    <cs:spPr>
+      <a:solidFill>
+        <a:schemeClr val="lt1"/>
+      </a:solidFill>
+      <a:ln w="9525" cap="flat" cmpd="sng" algn="ctr">
+        <a:solidFill>
+          <a:schemeClr val="tx1">
+            <a:lumMod val="15000"/>
+            <a:lumOff val="85000"/>
+          </a:schemeClr>
+        </a:solidFill>
+        <a:round/>
+      </a:ln>
+    </cs:spPr>
+    <cs:defRPr sz="900" kern="1200"/>
+  </cs:chartArea>
+  <cs:dataLabel>
+    <cs:lnRef idx="0"/>
+    <cs:fillRef idx="0"/>
+    <cs:effectRef idx="0"/>
+    <cs:fontRef idx="minor">
+      <a:schemeClr val="lt1"/>
+    </cs:fontRef>
+    <cs:defRPr sz="900" b="0" i="0" u="none" strike="noStrike" kern="1200" baseline="0"/>
+  </cs:dataLabel>
+  <cs:dataLabelCallout>
+    <cs:lnRef idx="0"/>
+    <cs:fillRef idx="0"/>
+    <cs:effectRef idx="0"/>
+    <cs:fontRef idx="minor">
+      <a:schemeClr val="dk1">
+        <a:lumMod val="65000"/>
+        <a:lumOff val="35000"/>
+      </a:schemeClr>
+    </cs:fontRef>
+    <cs:spPr>
+      <a:solidFill>
+        <a:schemeClr val="lt1"/>
+      </a:solidFill>
+      <a:ln>
+        <a:solidFill>
+          <a:schemeClr val="dk1">
+            <a:lumMod val="25000"/>
+            <a:lumOff val="75000"/>
+          </a:schemeClr>
+        </a:solidFill>
+      </a:ln>
+    </cs:spPr>
+    <cs:defRPr sz="900" kern="1200"/>
+    <cs:bodyPr rot="0" spcFirstLastPara="1" vertOverflow="clip" horzOverflow="clip" vert="horz" wrap="square" lIns="36576" tIns="18288" rIns="36576" bIns="18288" anchor="ctr" anchorCtr="1">
+      <a:spAutoFit/>
+    </cs:bodyPr>
+  </cs:dataLabelCallout>
+  <cs:dataPoint>
+    <cs:lnRef idx="0"/>
+    <cs:fillRef idx="0">
+      <cs:styleClr val="auto"/>
+    </cs:fillRef>
+    <cs:effectRef idx="0"/>
+    <cs:fontRef idx="minor">
+      <a:schemeClr val="dk1"/>
+    </cs:fontRef>
+    <cs:spPr>
+      <a:solidFill>
+        <a:schemeClr val="phClr"/>
+      </a:solidFill>
+    </cs:spPr>
+  </cs:dataPoint>
+  <cs:dataPoint3D>
+    <cs:lnRef idx="0"/>
+    <cs:fillRef idx="0">
+      <cs:styleClr val="auto"/>
+    </cs:fillRef>
+    <cs:effectRef idx="0"/>
+    <cs:fontRef idx="minor">
+      <a:schemeClr val="dk1"/>
+    </cs:fontRef>
+    <cs:spPr>
+      <a:solidFill>
+        <a:schemeClr val="phClr"/>
+      </a:solidFill>
+    </cs:spPr>
+  </cs:dataPoint3D>
+  <cs:dataPointLine>
+    <cs:lnRef idx="0">
+      <cs:styleClr val="auto"/>
+    </cs:lnRef>
+    <cs:fillRef idx="0"/>
+    <cs:effectRef idx="0"/>
+    <cs:fontRef idx="minor">
+      <a:schemeClr val="dk1"/>
+    </cs:fontRef>
+    <cs:spPr>
+      <a:ln w="22225" cap="rnd">
+        <a:solidFill>
+          <a:schemeClr val="phClr"/>
+        </a:solidFill>
+        <a:round/>
+      </a:ln>
+    </cs:spPr>
+  </cs:dataPointLine>
+  <cs:dataPointMarker>
+    <cs:lnRef idx="0">
+      <cs:styleClr val="auto"/>
+    </cs:lnRef>
+    <cs:fillRef idx="0">
+      <cs:styleClr val="auto"/>
+    </cs:fillRef>
+    <cs:effectRef idx="0"/>
+    <cs:fontRef idx="minor">
+      <a:schemeClr val="dk1"/>
+    </cs:fontRef>
+    <cs:spPr>
+      <a:solidFill>
+        <a:schemeClr val="phClr"/>
+      </a:solidFill>
+      <a:ln w="9525">
+        <a:solidFill>
+          <a:schemeClr val="phClr"/>
+        </a:solidFill>
+        <a:round/>
+      </a:ln>
+    </cs:spPr>
+  </cs:dataPointMarker>
+  <cs:dataPointMarkerLayout size="6"/>
+  <cs:dataPointWireframe>
+    <cs:lnRef idx="0">
+      <cs:styleClr val="auto"/>
+    </cs:lnRef>
+    <cs:fillRef idx="0"/>
+    <cs:effectRef idx="0"/>
+    <cs:fontRef idx="minor">
+      <a:schemeClr val="dk1"/>
+    </cs:fontRef>
+    <cs:spPr>
+      <a:ln w="9525" cap="rnd">
+        <a:solidFill>
+          <a:schemeClr val="phClr"/>
+        </a:solidFill>
+        <a:round/>
+      </a:ln>
+    </cs:spPr>
+  </cs:dataPointWireframe>
+  <cs:dataTable>
+    <cs:lnRef idx="0"/>
+    <cs:fillRef idx="0"/>
+    <cs:effectRef idx="0"/>
+    <cs:fontRef idx="minor">
+      <a:schemeClr val="tx1">
+        <a:lumMod val="65000"/>
+        <a:lumOff val="35000"/>
+      </a:schemeClr>
+    </cs:fontRef>
+    <cs:spPr>
+      <a:ln w="9525">
+        <a:solidFill>
+          <a:schemeClr val="tx1">
+            <a:lumMod val="15000"/>
+            <a:lumOff val="85000"/>
+          </a:schemeClr>
+        </a:solidFill>
+      </a:ln>
+    </cs:spPr>
+    <cs:defRPr sz="900" kern="1200"/>
+  </cs:dataTable>
+  <cs:downBar>
+    <cs:lnRef idx="0"/>
+    <cs:fillRef idx="0"/>
+    <cs:effectRef idx="0"/>
+    <cs:fontRef idx="minor">
+      <a:schemeClr val="dk1"/>
+    </cs:fontRef>
+    <cs:spPr>
+      <a:solidFill>
+        <a:schemeClr val="dk1">
+          <a:lumMod val="75000"/>
+          <a:lumOff val="25000"/>
+        </a:schemeClr>
+      </a:solidFill>
+      <a:ln w="9525">
+        <a:solidFill>
+          <a:schemeClr val="tx1">
+            <a:lumMod val="15000"/>
+            <a:lumOff val="85000"/>
+          </a:schemeClr>
+        </a:solidFill>
+      </a:ln>
+    </cs:spPr>
+  </cs:downBar>
+  <cs:dropLine>
+    <cs:lnRef idx="0"/>
+    <cs:fillRef idx="0"/>
+    <cs:effectRef idx="0"/>
+    <cs:fontRef idx="minor">
+      <a:schemeClr val="dk1"/>
+    </cs:fontRef>
+    <cs:spPr>
+      <a:ln w="9525">
+        <a:solidFill>
+          <a:schemeClr val="tx1">
+            <a:lumMod val="35000"/>
+            <a:lumOff val="65000"/>
+          </a:schemeClr>
+        </a:solidFill>
+      </a:ln>
+    </cs:spPr>
+  </cs:dropLine>
+  <cs:errorBar>
+    <cs:lnRef idx="0"/>
+    <cs:fillRef idx="0"/>
+    <cs:effectRef idx="0"/>
+    <cs:fontRef idx="minor">
+      <a:schemeClr val="dk1"/>
+    </cs:fontRef>
+    <cs:spPr>
+      <a:ln w="9525">
+        <a:solidFill>
+          <a:schemeClr val="tx1">
+            <a:lumMod val="65000"/>
+            <a:lumOff val="35000"/>
+          </a:schemeClr>
+        </a:solidFill>
+        <a:round/>
+      </a:ln>
+    </cs:spPr>
+  </cs:errorBar>
+  <cs:floor>
+    <cs:lnRef idx="0"/>
+    <cs:fillRef idx="0"/>
+    <cs:effectRef idx="0"/>
+    <cs:fontRef idx="minor">
+      <a:schemeClr val="dk1"/>
+    </cs:fontRef>
+  </cs:floor>
+  <cs:gridlineMajor>
+    <cs:lnRef idx="0"/>
+    <cs:fillRef idx="0"/>
+    <cs:effectRef idx="0"/>
+    <cs:fontRef idx="minor">
+      <a:schemeClr val="dk1"/>
+    </cs:fontRef>
+    <cs:spPr>
+      <a:ln w="9525" cap="flat" cmpd="sng" algn="ctr">
+        <a:solidFill>
+          <a:schemeClr val="tx1">
+            <a:lumMod val="15000"/>
+            <a:lumOff val="85000"/>
+          </a:schemeClr>
+        </a:solidFill>
+        <a:round/>
+      </a:ln>
+    </cs:spPr>
+  </cs:gridlineMajor>
+  <cs:gridlineMinor>
+    <cs:lnRef idx="0"/>
+    <cs:fillRef idx="0"/>
+    <cs:effectRef idx="0"/>
+    <cs:fontRef idx="minor">
+      <a:schemeClr val="dk1"/>
+    </cs:fontRef>
+    <cs:spPr>
+      <a:ln>
+        <a:solidFill>
+          <a:schemeClr val="tx1">
+            <a:lumMod val="5000"/>
+            <a:lumOff val="95000"/>
+          </a:schemeClr>
+        </a:solidFill>
+      </a:ln>
+    </cs:spPr>
+  </cs:gridlineMinor>
+  <cs:hiLoLine>
+    <cs:lnRef idx="0"/>
+    <cs:fillRef idx="0"/>
+    <cs:effectRef idx="0"/>
+    <cs:fontRef idx="minor">
+      <a:schemeClr val="dk1"/>
+    </cs:fontRef>
+    <cs:spPr>
+      <a:ln w="9525">
+        <a:solidFill>
+          <a:schemeClr val="tx1">
+            <a:lumMod val="50000"/>
+            <a:lumOff val="50000"/>
+          </a:schemeClr>
+        </a:solidFill>
+      </a:ln>
+    </cs:spPr>
+  </cs:hiLoLine>
+  <cs:leaderLine>
+    <cs:lnRef idx="0"/>
+    <cs:fillRef idx="0"/>
+    <cs:effectRef idx="0"/>
+    <cs:fontRef idx="minor">
+      <a:schemeClr val="dk1"/>
+    </cs:fontRef>
+    <cs:spPr>
+      <a:ln w="9525">
+        <a:solidFill>
+          <a:schemeClr val="tx1">
+            <a:lumMod val="35000"/>
+            <a:lumOff val="65000"/>
+          </a:schemeClr>
+        </a:solidFill>
+      </a:ln>
+    </cs:spPr>
+  </cs:leaderLine>
+  <cs:legend>
+    <cs:lnRef idx="0"/>
+    <cs:fillRef idx="0"/>
+    <cs:effectRef idx="0"/>
+    <cs:fontRef idx="minor">
+      <a:schemeClr val="tx1">
+        <a:lumMod val="65000"/>
+        <a:lumOff val="35000"/>
+      </a:schemeClr>
+    </cs:fontRef>
+    <cs:defRPr sz="900" kern="1200"/>
+  </cs:legend>
+  <cs:plotArea mods="allowNoFillOverride allowNoLineOverride">
+    <cs:lnRef idx="0"/>
+    <cs:fillRef idx="0"/>
+    <cs:effectRef idx="0"/>
+    <cs:fontRef idx="minor">
+      <a:schemeClr val="dk1"/>
+    </cs:fontRef>
+  </cs:plotArea>
+  <cs:plotArea3D mods="allowNoFillOverride allowNoLineOverride">
+    <cs:lnRef idx="0"/>
+    <cs:fillRef idx="0"/>
+    <cs:effectRef idx="0"/>
+    <cs:fontRef idx="minor">
+      <a:schemeClr val="dk1"/>
+    </cs:fontRef>
+  </cs:plotArea3D>
+  <cs:seriesAxis>
+    <cs:lnRef idx="0"/>
+    <cs:fillRef idx="0"/>
+    <cs:effectRef idx="0"/>
+    <cs:fontRef idx="minor">
+      <a:schemeClr val="tx1">
+        <a:lumMod val="65000"/>
+        <a:lumOff val="35000"/>
+      </a:schemeClr>
+    </cs:fontRef>
+    <cs:spPr>
+      <a:ln w="9525" cap="flat" cmpd="sng" algn="ctr">
+        <a:solidFill>
+          <a:schemeClr val="tx1">
+            <a:lumMod val="15000"/>
+            <a:lumOff val="85000"/>
+          </a:schemeClr>
+        </a:solidFill>
+        <a:round/>
+      </a:ln>
+    </cs:spPr>
+    <cs:defRPr sz="900" kern="1200"/>
+  </cs:seriesAxis>
+  <cs:seriesLine>
+    <cs:lnRef idx="0"/>
+    <cs:fillRef idx="0"/>
+    <cs:effectRef idx="0"/>
+    <cs:fontRef idx="minor">
+      <a:schemeClr val="dk1"/>
+    </cs:fontRef>
+    <cs:spPr>
+      <a:ln w="9525">
+        <a:solidFill>
+          <a:schemeClr val="tx1">
+            <a:lumMod val="35000"/>
+            <a:lumOff val="65000"/>
+          </a:schemeClr>
+        </a:solidFill>
+        <a:round/>
+      </a:ln>
+    </cs:spPr>
+  </cs:seriesLine>
+  <cs:title>
+    <cs:lnRef idx="0"/>
+    <cs:fillRef idx="0"/>
+    <cs:effectRef idx="0"/>
+    <cs:fontRef idx="minor">
+      <a:schemeClr val="tx1">
+        <a:lumMod val="65000"/>
+        <a:lumOff val="35000"/>
+      </a:schemeClr>
+    </cs:fontRef>
+    <cs:defRPr sz="1600" b="1" kern="1200" cap="all" spc="120" normalizeH="0" baseline="0"/>
+  </cs:title>
+  <cs:trendline>
+    <cs:lnRef idx="0">
+      <cs:styleClr val="auto"/>
+    </cs:lnRef>
+    <cs:fillRef idx="0"/>
+    <cs:effectRef idx="0"/>
+    <cs:fontRef idx="minor">
+      <a:schemeClr val="dk1"/>
+    </cs:fontRef>
+    <cs:spPr>
+      <a:ln w="19050" cap="rnd">
+        <a:solidFill>
+          <a:schemeClr val="phClr"/>
+        </a:solidFill>
+        <a:prstDash val="sysDash"/>
+      </a:ln>
+    </cs:spPr>
+  </cs:trendline>
+  <cs:trendlineLabel>
+    <cs:lnRef idx="0"/>
+    <cs:fillRef idx="0"/>
+    <cs:effectRef idx="0"/>
+    <cs:fontRef idx="minor">
+      <a:schemeClr val="tx1">
+        <a:lumMod val="65000"/>
+        <a:lumOff val="35000"/>
+      </a:schemeClr>
+    </cs:fontRef>
+    <cs:defRPr sz="800" kern="1200"/>
+  </cs:trendlineLabel>
+  <cs:upBar>
+    <cs:lnRef idx="0"/>
+    <cs:fillRef idx="0"/>
+    <cs:effectRef idx="0"/>
+    <cs:fontRef idx="minor">
+      <a:schemeClr val="dk1"/>
+    </cs:fontRef>
+    <cs:spPr>
+      <a:solidFill>
+        <a:schemeClr val="lt1"/>
+      </a:solidFill>
+      <a:ln w="9525">
+        <a:solidFill>
+          <a:schemeClr val="tx1">
+            <a:lumMod val="65000"/>
+            <a:lumOff val="35000"/>
+          </a:schemeClr>
+        </a:solidFill>
+      </a:ln>
+    </cs:spPr>
+  </cs:upBar>
+  <cs:valueAxis>
+    <cs:lnRef idx="0"/>
+    <cs:fillRef idx="0"/>
+    <cs:effectRef idx="0"/>
+    <cs:fontRef idx="minor">
+      <a:schemeClr val="tx1">
+        <a:lumMod val="65000"/>
+        <a:lumOff val="35000"/>
+      </a:schemeClr>
+    </cs:fontRef>
+    <cs:spPr>
+      <a:ln w="9525" cap="flat" cmpd="sng" algn="ctr">
+        <a:solidFill>
+          <a:schemeClr val="dk1">
+            <a:lumMod val="15000"/>
+            <a:lumOff val="85000"/>
+          </a:schemeClr>
+        </a:solidFill>
+        <a:round/>
+      </a:ln>
+    </cs:spPr>
+    <cs:defRPr sz="900" kern="1200"/>
+  </cs:valueAxis>
+  <cs:wall>
+    <cs:lnRef idx="0"/>
+    <cs:fillRef idx="0"/>
+    <cs:effectRef idx="0"/>
+    <cs:fontRef idx="minor">
+      <a:schemeClr val="dk1"/>
+    </cs:fontRef>
+  </cs:wall>
+</cs:chartStyle>
 </file>
 
 <file path=ppt/notesMasters/notesMaster1.xml><?xml version="1.0" encoding="utf-8"?>
@@ -210,7 +1703,7 @@
           <a:p>
             <a:fld id="{F078B2A7-EC9C-43E3-BD68-4451654AB58E}" type="datetimeFigureOut">
               <a:rPr kumimoji="1" lang="ja-JP" altLang="en-US" smtClean="0"/>
-              <a:t>2019/4/27</a:t>
+              <a:t>2019/5/1</a:t>
             </a:fld>
             <a:endParaRPr kumimoji="1" lang="ja-JP" altLang="en-US"/>
           </a:p>
@@ -535,7 +2028,7 @@
         <p:spPr>
           <a:xfrm>
             <a:off x="1" y="6400800"/>
-            <a:ext cx="12192000" cy="457200"/>
+            <a:ext cx="9144000" cy="457200"/>
           </a:xfrm>
           <a:prstGeom prst="rect">
             <a:avLst/>
@@ -573,7 +2066,7 @@
         <p:spPr>
           <a:xfrm>
             <a:off x="1" y="6334316"/>
-            <a:ext cx="12192000" cy="66484"/>
+            <a:ext cx="9144000" cy="66484"/>
           </a:xfrm>
           <a:prstGeom prst="rect">
             <a:avLst/>
@@ -614,8 +2107,8 @@
         </p:nvSpPr>
         <p:spPr>
           <a:xfrm>
-            <a:off x="1097280" y="758952"/>
-            <a:ext cx="10058400" cy="3566160"/>
+            <a:off x="822960" y="758952"/>
+            <a:ext cx="7543800" cy="3566160"/>
           </a:xfrm>
         </p:spPr>
         <p:txBody>
@@ -627,7 +2120,7 @@
               <a:lnSpc>
                 <a:spcPct val="85000"/>
               </a:lnSpc>
-              <a:defRPr sz="8000" spc="-50" baseline="0">
+              <a:defRPr sz="6000" spc="-38" baseline="0">
                 <a:solidFill>
                   <a:schemeClr val="tx1">
                     <a:lumMod val="85000"/>
@@ -658,8 +2151,8 @@
         </p:nvSpPr>
         <p:spPr>
           <a:xfrm>
-            <a:off x="1100051" y="4455621"/>
-            <a:ext cx="10058400" cy="1143000"/>
+            <a:off x="825038" y="4455621"/>
+            <a:ext cx="7543800" cy="1143000"/>
           </a:xfrm>
         </p:spPr>
         <p:txBody>
@@ -669,44 +2162,44 @@
           <a:lstStyle>
             <a:lvl1pPr marL="0" indent="0" algn="l">
               <a:buNone/>
-              <a:defRPr sz="2400" cap="all" spc="200" baseline="0">
+              <a:defRPr sz="1800" cap="all" spc="150" baseline="0">
                 <a:solidFill>
                   <a:schemeClr val="tx2"/>
                 </a:solidFill>
                 <a:latin typeface="+mj-lt"/>
               </a:defRPr>
             </a:lvl1pPr>
-            <a:lvl2pPr marL="457200" indent="0" algn="ctr">
+            <a:lvl2pPr marL="342900" indent="0" algn="ctr">
               <a:buNone/>
-              <a:defRPr sz="2400"/>
+              <a:defRPr sz="1800"/>
             </a:lvl2pPr>
-            <a:lvl3pPr marL="914400" indent="0" algn="ctr">
+            <a:lvl3pPr marL="685800" indent="0" algn="ctr">
               <a:buNone/>
-              <a:defRPr sz="2400"/>
+              <a:defRPr sz="1800"/>
             </a:lvl3pPr>
-            <a:lvl4pPr marL="1371600" indent="0" algn="ctr">
+            <a:lvl4pPr marL="1028700" indent="0" algn="ctr">
               <a:buNone/>
-              <a:defRPr sz="2000"/>
+              <a:defRPr sz="1500"/>
             </a:lvl4pPr>
-            <a:lvl5pPr marL="1828800" indent="0" algn="ctr">
+            <a:lvl5pPr marL="1371600" indent="0" algn="ctr">
               <a:buNone/>
-              <a:defRPr sz="2000"/>
+              <a:defRPr sz="1500"/>
             </a:lvl5pPr>
-            <a:lvl6pPr marL="2286000" indent="0" algn="ctr">
+            <a:lvl6pPr marL="1714500" indent="0" algn="ctr">
               <a:buNone/>
-              <a:defRPr sz="2000"/>
+              <a:defRPr sz="1500"/>
             </a:lvl6pPr>
-            <a:lvl7pPr marL="2743200" indent="0" algn="ctr">
+            <a:lvl7pPr marL="2057400" indent="0" algn="ctr">
               <a:buNone/>
-              <a:defRPr sz="2000"/>
+              <a:defRPr sz="1500"/>
             </a:lvl7pPr>
-            <a:lvl8pPr marL="3200400" indent="0" algn="ctr">
+            <a:lvl8pPr marL="2400300" indent="0" algn="ctr">
               <a:buNone/>
-              <a:defRPr sz="2000"/>
+              <a:defRPr sz="1500"/>
             </a:lvl8pPr>
-            <a:lvl9pPr marL="3657600" indent="0" algn="ctr">
+            <a:lvl9pPr marL="2743200" indent="0" algn="ctr">
               <a:buNone/>
-              <a:defRPr sz="2000"/>
+              <a:defRPr sz="1500"/>
             </a:lvl9pPr>
           </a:lstStyle>
           <a:p>
@@ -735,7 +2228,7 @@
           <a:p>
             <a:fld id="{2F2A3BAA-AE56-4B39-BB85-0AC61BE7E721}" type="datetimeFigureOut">
               <a:rPr kumimoji="1" lang="ja-JP" altLang="en-US" smtClean="0"/>
-              <a:t>2019/4/27</a:t>
+              <a:t>2019/5/1</a:t>
             </a:fld>
             <a:endParaRPr kumimoji="1" lang="ja-JP" altLang="en-US"/>
           </a:p>
@@ -791,8 +2284,8 @@
         </p:nvCxnSpPr>
         <p:spPr>
           <a:xfrm>
-            <a:off x="1207658" y="4343400"/>
-            <a:ext cx="9875520" cy="0"/>
+            <a:off x="905744" y="4343400"/>
+            <a:ext cx="7406640" cy="0"/>
           </a:xfrm>
           <a:prstGeom prst="line">
             <a:avLst/>
@@ -975,7 +2468,7 @@
           <a:p>
             <a:fld id="{2F2A3BAA-AE56-4B39-BB85-0AC61BE7E721}" type="datetimeFigureOut">
               <a:rPr kumimoji="1" lang="ja-JP" altLang="en-US" smtClean="0"/>
-              <a:t>2019/4/27</a:t>
+              <a:t>2019/5/1</a:t>
             </a:fld>
             <a:endParaRPr kumimoji="1" lang="ja-JP" altLang="en-US"/>
           </a:p>
@@ -1061,8 +2554,8 @@
         </p:nvSpPr>
         <p:spPr>
           <a:xfrm>
-            <a:off x="3175" y="6400800"/>
-            <a:ext cx="12188825" cy="457200"/>
+            <a:off x="2382" y="6400800"/>
+            <a:ext cx="9141619" cy="457200"/>
           </a:xfrm>
           <a:prstGeom prst="rect">
             <a:avLst/>
@@ -1099,8 +2592,8 @@
         </p:nvSpPr>
         <p:spPr>
           <a:xfrm>
-            <a:off x="15" y="6334316"/>
-            <a:ext cx="12188825" cy="64008"/>
+            <a:off x="12" y="6334316"/>
+            <a:ext cx="9141619" cy="64008"/>
           </a:xfrm>
           <a:prstGeom prst="rect">
             <a:avLst/>
@@ -1141,8 +2634,8 @@
         </p:nvSpPr>
         <p:spPr>
           <a:xfrm>
-            <a:off x="8724900" y="412302"/>
-            <a:ext cx="2628900" cy="5759898"/>
+            <a:off x="6543675" y="412302"/>
+            <a:ext cx="1971675" cy="5759898"/>
           </a:xfrm>
         </p:spPr>
         <p:txBody>
@@ -1169,8 +2662,8 @@
         </p:nvSpPr>
         <p:spPr>
           <a:xfrm>
-            <a:off x="838200" y="412302"/>
-            <a:ext cx="7734300" cy="5759898"/>
+            <a:off x="628650" y="412302"/>
+            <a:ext cx="5800725" cy="5759898"/>
           </a:xfrm>
         </p:spPr>
         <p:txBody>
@@ -1263,7 +2756,7 @@
           <a:p>
             <a:fld id="{2F2A3BAA-AE56-4B39-BB85-0AC61BE7E721}" type="datetimeFigureOut">
               <a:rPr kumimoji="1" lang="ja-JP" altLang="en-US" smtClean="0"/>
-              <a:t>2019/4/27</a:t>
+              <a:t>2019/5/1</a:t>
             </a:fld>
             <a:endParaRPr kumimoji="1" lang="ja-JP" altLang="en-US"/>
           </a:p>
@@ -1379,19 +2872,27 @@
           <a:bodyPr/>
           <a:lstStyle>
             <a:lvl1pPr>
-              <a:defRPr sz="2800"/>
+              <a:defRPr sz="2000"/>
             </a:lvl1pPr>
-            <a:lvl2pPr>
-              <a:defRPr sz="2800"/>
+            <a:lvl2pPr marL="384048" indent="-182880">
+              <a:buFont typeface="Wingdings" panose="05000000000000000000" pitchFamily="2" charset="2"/>
+              <a:buChar char="Ø"/>
+              <a:defRPr sz="2000"/>
             </a:lvl2pPr>
-            <a:lvl3pPr>
-              <a:defRPr sz="2400"/>
+            <a:lvl3pPr marL="566928" indent="-182880">
+              <a:buFont typeface="Wingdings" panose="05000000000000000000" pitchFamily="2" charset="2"/>
+              <a:buChar char="Ø"/>
+              <a:defRPr sz="1800"/>
             </a:lvl3pPr>
-            <a:lvl4pPr>
-              <a:defRPr sz="2400"/>
+            <a:lvl4pPr marL="749808" indent="-182880">
+              <a:buFont typeface="Wingdings" panose="05000000000000000000" pitchFamily="2" charset="2"/>
+              <a:buChar char="Ø"/>
+              <a:defRPr sz="1800"/>
             </a:lvl4pPr>
-            <a:lvl5pPr>
-              <a:defRPr sz="2000"/>
+            <a:lvl5pPr marL="932688" indent="-182880">
+              <a:buFont typeface="Wingdings" panose="05000000000000000000" pitchFamily="2" charset="2"/>
+              <a:buChar char="Ø"/>
+              <a:defRPr sz="1500"/>
             </a:lvl5pPr>
           </a:lstStyle>
           <a:p>
@@ -1481,7 +2982,7 @@
           <a:p>
             <a:fld id="{2F2A3BAA-AE56-4B39-BB85-0AC61BE7E721}" type="datetimeFigureOut">
               <a:rPr kumimoji="1" lang="ja-JP" altLang="en-US" smtClean="0"/>
-              <a:t>2019/4/27</a:t>
+              <a:t>2019/5/1</a:t>
             </a:fld>
             <a:endParaRPr kumimoji="1" lang="ja-JP" altLang="en-US"/>
           </a:p>
@@ -1575,8 +3076,8 @@
         </p:nvSpPr>
         <p:spPr>
           <a:xfrm>
-            <a:off x="3175" y="6400800"/>
-            <a:ext cx="12188825" cy="457200"/>
+            <a:off x="2382" y="6400800"/>
+            <a:ext cx="9141619" cy="457200"/>
           </a:xfrm>
           <a:prstGeom prst="rect">
             <a:avLst/>
@@ -1613,8 +3114,8 @@
         </p:nvSpPr>
         <p:spPr>
           <a:xfrm>
-            <a:off x="15" y="6334316"/>
-            <a:ext cx="12188825" cy="64008"/>
+            <a:off x="12" y="6334316"/>
+            <a:ext cx="9141619" cy="64008"/>
           </a:xfrm>
           <a:prstGeom prst="rect">
             <a:avLst/>
@@ -1655,8 +3156,8 @@
         </p:nvSpPr>
         <p:spPr>
           <a:xfrm>
-            <a:off x="1097280" y="758952"/>
-            <a:ext cx="10058400" cy="3566160"/>
+            <a:off x="822960" y="758952"/>
+            <a:ext cx="7543800" cy="3566160"/>
           </a:xfrm>
         </p:spPr>
         <p:txBody>
@@ -1668,7 +3169,7 @@
               <a:lnSpc>
                 <a:spcPct val="85000"/>
               </a:lnSpc>
-              <a:defRPr sz="8000" b="0">
+              <a:defRPr sz="6000" b="0">
                 <a:solidFill>
                   <a:schemeClr val="tx1">
                     <a:lumMod val="85000"/>
@@ -1699,8 +3200,8 @@
         </p:nvSpPr>
         <p:spPr>
           <a:xfrm>
-            <a:off x="1097280" y="4453128"/>
-            <a:ext cx="10058400" cy="1143000"/>
+            <a:off x="822960" y="4453128"/>
+            <a:ext cx="7543800" cy="1143000"/>
           </a:xfrm>
         </p:spPr>
         <p:txBody>
@@ -1710,16 +3211,16 @@
           <a:lstStyle>
             <a:lvl1pPr marL="0" indent="0">
               <a:buNone/>
-              <a:defRPr sz="2400" cap="all" spc="200" baseline="0">
+              <a:defRPr sz="1800" cap="all" spc="150" baseline="0">
                 <a:solidFill>
                   <a:schemeClr val="tx2"/>
                 </a:solidFill>
                 <a:latin typeface="+mj-lt"/>
               </a:defRPr>
             </a:lvl1pPr>
-            <a:lvl2pPr marL="457200" indent="0">
+            <a:lvl2pPr marL="342900" indent="0">
               <a:buNone/>
-              <a:defRPr sz="1800">
+              <a:defRPr sz="1350">
                 <a:solidFill>
                   <a:schemeClr val="tx1">
                     <a:tint val="75000"/>
@@ -1727,9 +3228,9 @@
                 </a:solidFill>
               </a:defRPr>
             </a:lvl2pPr>
-            <a:lvl3pPr marL="914400" indent="0">
+            <a:lvl3pPr marL="685800" indent="0">
               <a:buNone/>
-              <a:defRPr sz="1600">
+              <a:defRPr sz="1200">
                 <a:solidFill>
                   <a:schemeClr val="tx1">
                     <a:tint val="75000"/>
@@ -1737,9 +3238,9 @@
                 </a:solidFill>
               </a:defRPr>
             </a:lvl3pPr>
-            <a:lvl4pPr marL="1371600" indent="0">
+            <a:lvl4pPr marL="1028700" indent="0">
               <a:buNone/>
-              <a:defRPr sz="1400">
+              <a:defRPr sz="1050">
                 <a:solidFill>
                   <a:schemeClr val="tx1">
                     <a:tint val="75000"/>
@@ -1747,9 +3248,9 @@
                 </a:solidFill>
               </a:defRPr>
             </a:lvl4pPr>
-            <a:lvl5pPr marL="1828800" indent="0">
+            <a:lvl5pPr marL="1371600" indent="0">
               <a:buNone/>
-              <a:defRPr sz="1400">
+              <a:defRPr sz="1050">
                 <a:solidFill>
                   <a:schemeClr val="tx1">
                     <a:tint val="75000"/>
@@ -1757,9 +3258,9 @@
                 </a:solidFill>
               </a:defRPr>
             </a:lvl5pPr>
-            <a:lvl6pPr marL="2286000" indent="0">
+            <a:lvl6pPr marL="1714500" indent="0">
               <a:buNone/>
-              <a:defRPr sz="1400">
+              <a:defRPr sz="1050">
                 <a:solidFill>
                   <a:schemeClr val="tx1">
                     <a:tint val="75000"/>
@@ -1767,9 +3268,9 @@
                 </a:solidFill>
               </a:defRPr>
             </a:lvl6pPr>
-            <a:lvl7pPr marL="2743200" indent="0">
+            <a:lvl7pPr marL="2057400" indent="0">
               <a:buNone/>
-              <a:defRPr sz="1400">
+              <a:defRPr sz="1050">
                 <a:solidFill>
                   <a:schemeClr val="tx1">
                     <a:tint val="75000"/>
@@ -1777,9 +3278,9 @@
                 </a:solidFill>
               </a:defRPr>
             </a:lvl7pPr>
-            <a:lvl8pPr marL="3200400" indent="0">
+            <a:lvl8pPr marL="2400300" indent="0">
               <a:buNone/>
-              <a:defRPr sz="1400">
+              <a:defRPr sz="1050">
                 <a:solidFill>
                   <a:schemeClr val="tx1">
                     <a:tint val="75000"/>
@@ -1787,9 +3288,9 @@
                 </a:solidFill>
               </a:defRPr>
             </a:lvl8pPr>
-            <a:lvl9pPr marL="3657600" indent="0">
+            <a:lvl9pPr marL="2743200" indent="0">
               <a:buNone/>
-              <a:defRPr sz="1400">
+              <a:defRPr sz="1050">
                 <a:solidFill>
                   <a:schemeClr val="tx1">
                     <a:tint val="75000"/>
@@ -1824,7 +3325,7 @@
           <a:p>
             <a:fld id="{2F2A3BAA-AE56-4B39-BB85-0AC61BE7E721}" type="datetimeFigureOut">
               <a:rPr kumimoji="1" lang="ja-JP" altLang="en-US" smtClean="0"/>
-              <a:t>2019/4/27</a:t>
+              <a:t>2019/5/1</a:t>
             </a:fld>
             <a:endParaRPr kumimoji="1" lang="ja-JP" altLang="en-US"/>
           </a:p>
@@ -1880,8 +3381,8 @@
         </p:nvCxnSpPr>
         <p:spPr>
           <a:xfrm>
-            <a:off x="1207658" y="4343400"/>
-            <a:ext cx="9875520" cy="0"/>
+            <a:off x="905744" y="4343400"/>
+            <a:ext cx="7406640" cy="0"/>
           </a:xfrm>
           <a:prstGeom prst="line">
             <a:avLst/>
@@ -1952,8 +3453,8 @@
         </p:nvSpPr>
         <p:spPr>
           <a:xfrm>
-            <a:off x="1097280" y="286603"/>
-            <a:ext cx="10058400" cy="1450757"/>
+            <a:off x="822960" y="286604"/>
+            <a:ext cx="7543800" cy="1450757"/>
           </a:xfrm>
         </p:spPr>
         <p:txBody>
@@ -1980,8 +3481,8 @@
         </p:nvSpPr>
         <p:spPr>
           <a:xfrm>
-            <a:off x="1097280" y="1845734"/>
-            <a:ext cx="4937760" cy="4023359"/>
+            <a:off x="822960" y="1845735"/>
+            <a:ext cx="3703320" cy="4023359"/>
           </a:xfrm>
         </p:spPr>
         <p:txBody>
@@ -2069,8 +3570,8 @@
         </p:nvSpPr>
         <p:spPr>
           <a:xfrm>
-            <a:off x="6217920" y="1845735"/>
-            <a:ext cx="4937760" cy="4023360"/>
+            <a:off x="4663440" y="1845735"/>
+            <a:ext cx="3703320" cy="4023360"/>
           </a:xfrm>
         </p:spPr>
         <p:txBody>
@@ -2163,7 +3664,7 @@
           <a:p>
             <a:fld id="{2F2A3BAA-AE56-4B39-BB85-0AC61BE7E721}" type="datetimeFigureOut">
               <a:rPr kumimoji="1" lang="ja-JP" altLang="en-US" smtClean="0"/>
-              <a:t>2019/4/27</a:t>
+              <a:t>2019/5/1</a:t>
             </a:fld>
             <a:endParaRPr kumimoji="1" lang="ja-JP" altLang="en-US"/>
           </a:p>
@@ -2253,8 +3754,8 @@
         </p:nvSpPr>
         <p:spPr>
           <a:xfrm>
-            <a:off x="1097280" y="286603"/>
-            <a:ext cx="10058400" cy="1450757"/>
+            <a:off x="822960" y="286604"/>
+            <a:ext cx="7543800" cy="1450757"/>
           </a:xfrm>
         </p:spPr>
         <p:txBody>
@@ -2281,8 +3782,8 @@
         </p:nvSpPr>
         <p:spPr>
           <a:xfrm>
-            <a:off x="1097280" y="1846052"/>
-            <a:ext cx="4937760" cy="736282"/>
+            <a:off x="822960" y="1846052"/>
+            <a:ext cx="3703320" cy="736282"/>
           </a:xfrm>
         </p:spPr>
         <p:txBody>
@@ -2292,43 +3793,43 @@
           <a:lstStyle>
             <a:lvl1pPr marL="0" indent="0">
               <a:buNone/>
-              <a:defRPr sz="2000" b="0" cap="all" baseline="0">
+              <a:defRPr sz="1500" b="0" cap="all" baseline="0">
                 <a:solidFill>
                   <a:schemeClr val="tx2"/>
                 </a:solidFill>
               </a:defRPr>
             </a:lvl1pPr>
-            <a:lvl2pPr marL="457200" indent="0">
+            <a:lvl2pPr marL="342900" indent="0">
               <a:buNone/>
-              <a:defRPr sz="2000" b="1"/>
+              <a:defRPr sz="1500" b="1"/>
             </a:lvl2pPr>
-            <a:lvl3pPr marL="914400" indent="0">
+            <a:lvl3pPr marL="685800" indent="0">
               <a:buNone/>
-              <a:defRPr sz="1800" b="1"/>
+              <a:defRPr sz="1350" b="1"/>
             </a:lvl3pPr>
-            <a:lvl4pPr marL="1371600" indent="0">
+            <a:lvl4pPr marL="1028700" indent="0">
               <a:buNone/>
-              <a:defRPr sz="1600" b="1"/>
+              <a:defRPr sz="1200" b="1"/>
             </a:lvl4pPr>
-            <a:lvl5pPr marL="1828800" indent="0">
+            <a:lvl5pPr marL="1371600" indent="0">
               <a:buNone/>
-              <a:defRPr sz="1600" b="1"/>
+              <a:defRPr sz="1200" b="1"/>
             </a:lvl5pPr>
-            <a:lvl6pPr marL="2286000" indent="0">
+            <a:lvl6pPr marL="1714500" indent="0">
               <a:buNone/>
-              <a:defRPr sz="1600" b="1"/>
+              <a:defRPr sz="1200" b="1"/>
             </a:lvl6pPr>
-            <a:lvl7pPr marL="2743200" indent="0">
+            <a:lvl7pPr marL="2057400" indent="0">
               <a:buNone/>
-              <a:defRPr sz="1600" b="1"/>
+              <a:defRPr sz="1200" b="1"/>
             </a:lvl7pPr>
-            <a:lvl8pPr marL="3200400" indent="0">
+            <a:lvl8pPr marL="2400300" indent="0">
               <a:buNone/>
-              <a:defRPr sz="1600" b="1"/>
+              <a:defRPr sz="1200" b="1"/>
             </a:lvl8pPr>
-            <a:lvl9pPr marL="3657600" indent="0">
+            <a:lvl9pPr marL="2743200" indent="0">
               <a:buNone/>
-              <a:defRPr sz="1600" b="1"/>
+              <a:defRPr sz="1200" b="1"/>
             </a:lvl9pPr>
           </a:lstStyle>
           <a:p>
@@ -2352,8 +3853,8 @@
         </p:nvSpPr>
         <p:spPr>
           <a:xfrm>
-            <a:off x="1097280" y="2582335"/>
-            <a:ext cx="4937760" cy="3286760"/>
+            <a:off x="822960" y="2582335"/>
+            <a:ext cx="3703320" cy="3286760"/>
           </a:xfrm>
         </p:spPr>
         <p:txBody>
@@ -2441,8 +3942,8 @@
         </p:nvSpPr>
         <p:spPr>
           <a:xfrm>
-            <a:off x="6217920" y="1846052"/>
-            <a:ext cx="4937760" cy="736282"/>
+            <a:off x="4663440" y="1846052"/>
+            <a:ext cx="3703320" cy="736282"/>
           </a:xfrm>
         </p:spPr>
         <p:txBody>
@@ -2452,43 +3953,43 @@
           <a:lstStyle>
             <a:lvl1pPr marL="0" indent="0">
               <a:buNone/>
-              <a:defRPr sz="2000" b="0" cap="all" baseline="0">
+              <a:defRPr sz="1500" b="0" cap="all" baseline="0">
                 <a:solidFill>
                   <a:schemeClr val="tx2"/>
                 </a:solidFill>
               </a:defRPr>
             </a:lvl1pPr>
-            <a:lvl2pPr marL="457200" indent="0">
+            <a:lvl2pPr marL="342900" indent="0">
               <a:buNone/>
-              <a:defRPr sz="2000" b="1"/>
+              <a:defRPr sz="1500" b="1"/>
             </a:lvl2pPr>
-            <a:lvl3pPr marL="914400" indent="0">
+            <a:lvl3pPr marL="685800" indent="0">
               <a:buNone/>
-              <a:defRPr sz="1800" b="1"/>
+              <a:defRPr sz="1350" b="1"/>
             </a:lvl3pPr>
-            <a:lvl4pPr marL="1371600" indent="0">
+            <a:lvl4pPr marL="1028700" indent="0">
               <a:buNone/>
-              <a:defRPr sz="1600" b="1"/>
+              <a:defRPr sz="1200" b="1"/>
             </a:lvl4pPr>
-            <a:lvl5pPr marL="1828800" indent="0">
+            <a:lvl5pPr marL="1371600" indent="0">
               <a:buNone/>
-              <a:defRPr sz="1600" b="1"/>
+              <a:defRPr sz="1200" b="1"/>
             </a:lvl5pPr>
-            <a:lvl6pPr marL="2286000" indent="0">
+            <a:lvl6pPr marL="1714500" indent="0">
               <a:buNone/>
-              <a:defRPr sz="1600" b="1"/>
+              <a:defRPr sz="1200" b="1"/>
             </a:lvl6pPr>
-            <a:lvl7pPr marL="2743200" indent="0">
+            <a:lvl7pPr marL="2057400" indent="0">
               <a:buNone/>
-              <a:defRPr sz="1600" b="1"/>
+              <a:defRPr sz="1200" b="1"/>
             </a:lvl7pPr>
-            <a:lvl8pPr marL="3200400" indent="0">
+            <a:lvl8pPr marL="2400300" indent="0">
               <a:buNone/>
-              <a:defRPr sz="1600" b="1"/>
+              <a:defRPr sz="1200" b="1"/>
             </a:lvl8pPr>
-            <a:lvl9pPr marL="3657600" indent="0">
+            <a:lvl9pPr marL="2743200" indent="0">
               <a:buNone/>
-              <a:defRPr sz="1600" b="1"/>
+              <a:defRPr sz="1200" b="1"/>
             </a:lvl9pPr>
           </a:lstStyle>
           <a:p>
@@ -2512,8 +4013,8 @@
         </p:nvSpPr>
         <p:spPr>
           <a:xfrm>
-            <a:off x="6217920" y="2582334"/>
-            <a:ext cx="4937760" cy="3286760"/>
+            <a:off x="4663440" y="2582334"/>
+            <a:ext cx="3703320" cy="3286760"/>
           </a:xfrm>
         </p:spPr>
         <p:txBody>
@@ -2606,7 +4107,7 @@
           <a:p>
             <a:fld id="{2F2A3BAA-AE56-4B39-BB85-0AC61BE7E721}" type="datetimeFigureOut">
               <a:rPr kumimoji="1" lang="ja-JP" altLang="en-US" smtClean="0"/>
-              <a:t>2019/4/27</a:t>
+              <a:t>2019/5/1</a:t>
             </a:fld>
             <a:endParaRPr kumimoji="1" lang="ja-JP" altLang="en-US"/>
           </a:p>
@@ -2724,7 +4225,7 @@
           <a:p>
             <a:fld id="{2F2A3BAA-AE56-4B39-BB85-0AC61BE7E721}" type="datetimeFigureOut">
               <a:rPr kumimoji="1" lang="ja-JP" altLang="en-US" smtClean="0"/>
-              <a:t>2019/4/27</a:t>
+              <a:t>2019/5/1</a:t>
             </a:fld>
             <a:endParaRPr kumimoji="1" lang="ja-JP" altLang="en-US"/>
           </a:p>
@@ -2810,8 +4311,8 @@
         </p:nvSpPr>
         <p:spPr>
           <a:xfrm>
-            <a:off x="3175" y="6400800"/>
-            <a:ext cx="12188825" cy="457200"/>
+            <a:off x="2382" y="6400800"/>
+            <a:ext cx="9141619" cy="457200"/>
           </a:xfrm>
           <a:prstGeom prst="rect">
             <a:avLst/>
@@ -2848,8 +4349,8 @@
         </p:nvSpPr>
         <p:spPr>
           <a:xfrm>
-            <a:off x="15" y="6334316"/>
-            <a:ext cx="12188825" cy="64008"/>
+            <a:off x="12" y="6334316"/>
+            <a:ext cx="9141619" cy="64008"/>
           </a:xfrm>
           <a:prstGeom prst="rect">
             <a:avLst/>
@@ -2895,7 +4396,7 @@
           <a:p>
             <a:fld id="{2F2A3BAA-AE56-4B39-BB85-0AC61BE7E721}" type="datetimeFigureOut">
               <a:rPr kumimoji="1" lang="ja-JP" altLang="en-US" smtClean="0"/>
-              <a:t>2019/4/27</a:t>
+              <a:t>2019/5/1</a:t>
             </a:fld>
             <a:endParaRPr kumimoji="1" lang="ja-JP" altLang="en-US"/>
           </a:p>
@@ -2989,8 +4490,8 @@
         </p:nvSpPr>
         <p:spPr>
           <a:xfrm>
-            <a:off x="16" y="0"/>
-            <a:ext cx="4050791" cy="6858000"/>
+            <a:off x="13" y="0"/>
+            <a:ext cx="3038093" cy="6858000"/>
           </a:xfrm>
           <a:prstGeom prst="rect">
             <a:avLst/>
@@ -3027,8 +4528,8 @@
         </p:nvSpPr>
         <p:spPr>
           <a:xfrm>
-            <a:off x="4040071" y="0"/>
-            <a:ext cx="64008" cy="6858000"/>
+            <a:off x="3030053" y="0"/>
+            <a:ext cx="48006" cy="6858000"/>
           </a:xfrm>
           <a:prstGeom prst="rect">
             <a:avLst/>
@@ -3069,8 +4570,8 @@
         </p:nvSpPr>
         <p:spPr>
           <a:xfrm>
-            <a:off x="457200" y="594359"/>
-            <a:ext cx="3200400" cy="2286000"/>
+            <a:off x="342900" y="594359"/>
+            <a:ext cx="2400300" cy="2286000"/>
           </a:xfrm>
         </p:spPr>
         <p:txBody>
@@ -3079,7 +4580,7 @@
           </a:bodyPr>
           <a:lstStyle>
             <a:lvl1pPr>
-              <a:defRPr sz="3600" b="0">
+              <a:defRPr sz="2700" b="0">
                 <a:solidFill>
                   <a:srgbClr val="FFFFFF"/>
                 </a:solidFill>
@@ -3107,8 +4608,8 @@
         </p:nvSpPr>
         <p:spPr>
           <a:xfrm>
-            <a:off x="4800600" y="731520"/>
-            <a:ext cx="6492240" cy="5257800"/>
+            <a:off x="3600450" y="731520"/>
+            <a:ext cx="4869180" cy="5257800"/>
           </a:xfrm>
         </p:spPr>
         <p:txBody>
@@ -3196,8 +4697,8 @@
         </p:nvSpPr>
         <p:spPr>
           <a:xfrm>
-            <a:off x="457200" y="2926080"/>
-            <a:ext cx="3200400" cy="3379124"/>
+            <a:off x="342900" y="2926080"/>
+            <a:ext cx="2400300" cy="3379124"/>
           </a:xfrm>
         </p:spPr>
         <p:txBody>
@@ -3207,43 +4708,43 @@
           <a:lstStyle>
             <a:lvl1pPr marL="0" indent="0">
               <a:buNone/>
-              <a:defRPr sz="1500">
+              <a:defRPr sz="1125">
                 <a:solidFill>
                   <a:srgbClr val="FFFFFF"/>
                 </a:solidFill>
               </a:defRPr>
             </a:lvl1pPr>
-            <a:lvl2pPr marL="457200" indent="0">
-              <a:buNone/>
-              <a:defRPr sz="1200"/>
-            </a:lvl2pPr>
-            <a:lvl3pPr marL="914400" indent="0">
-              <a:buNone/>
-              <a:defRPr sz="1000"/>
-            </a:lvl3pPr>
-            <a:lvl4pPr marL="1371600" indent="0">
+            <a:lvl2pPr marL="342900" indent="0">
               <a:buNone/>
               <a:defRPr sz="900"/>
+            </a:lvl2pPr>
+            <a:lvl3pPr marL="685800" indent="0">
+              <a:buNone/>
+              <a:defRPr sz="750"/>
+            </a:lvl3pPr>
+            <a:lvl4pPr marL="1028700" indent="0">
+              <a:buNone/>
+              <a:defRPr sz="675"/>
             </a:lvl4pPr>
-            <a:lvl5pPr marL="1828800" indent="0">
+            <a:lvl5pPr marL="1371600" indent="0">
               <a:buNone/>
-              <a:defRPr sz="900"/>
+              <a:defRPr sz="675"/>
             </a:lvl5pPr>
-            <a:lvl6pPr marL="2286000" indent="0">
+            <a:lvl6pPr marL="1714500" indent="0">
               <a:buNone/>
-              <a:defRPr sz="900"/>
+              <a:defRPr sz="675"/>
             </a:lvl6pPr>
-            <a:lvl7pPr marL="2743200" indent="0">
+            <a:lvl7pPr marL="2057400" indent="0">
               <a:buNone/>
-              <a:defRPr sz="900"/>
+              <a:defRPr sz="675"/>
             </a:lvl7pPr>
-            <a:lvl8pPr marL="3200400" indent="0">
+            <a:lvl8pPr marL="2400300" indent="0">
               <a:buNone/>
-              <a:defRPr sz="900"/>
+              <a:defRPr sz="675"/>
             </a:lvl8pPr>
-            <a:lvl9pPr marL="3657600" indent="0">
+            <a:lvl9pPr marL="2743200" indent="0">
               <a:buNone/>
-              <a:defRPr sz="900"/>
+              <a:defRPr sz="675"/>
             </a:lvl9pPr>
           </a:lstStyle>
           <a:p>
@@ -3267,8 +4768,8 @@
         </p:nvSpPr>
         <p:spPr>
           <a:xfrm>
-            <a:off x="465512" y="6459785"/>
-            <a:ext cx="2618510" cy="365125"/>
+            <a:off x="349134" y="6459786"/>
+            <a:ext cx="1963883" cy="365125"/>
           </a:xfrm>
         </p:spPr>
         <p:txBody>
@@ -3281,7 +4782,7 @@
           <a:p>
             <a:fld id="{2F2A3BAA-AE56-4B39-BB85-0AC61BE7E721}" type="datetimeFigureOut">
               <a:rPr kumimoji="1" lang="ja-JP" altLang="en-US" smtClean="0"/>
-              <a:t>2019/4/27</a:t>
+              <a:t>2019/5/1</a:t>
             </a:fld>
             <a:endParaRPr kumimoji="1" lang="ja-JP" altLang="en-US"/>
           </a:p>
@@ -3299,8 +4800,8 @@
         </p:nvSpPr>
         <p:spPr>
           <a:xfrm>
-            <a:off x="4800600" y="6459785"/>
-            <a:ext cx="4648200" cy="365125"/>
+            <a:off x="3600450" y="6459786"/>
+            <a:ext cx="3486150" cy="365125"/>
           </a:xfrm>
         </p:spPr>
         <p:txBody>
@@ -3389,7 +4890,7 @@
         <p:spPr>
           <a:xfrm>
             <a:off x="0" y="4953000"/>
-            <a:ext cx="12188825" cy="1905000"/>
+            <a:ext cx="9141619" cy="1905000"/>
           </a:xfrm>
           <a:prstGeom prst="rect">
             <a:avLst/>
@@ -3426,8 +4927,8 @@
         </p:nvSpPr>
         <p:spPr>
           <a:xfrm>
-            <a:off x="15" y="4915076"/>
-            <a:ext cx="12188825" cy="64008"/>
+            <a:off x="12" y="4915076"/>
+            <a:ext cx="9141619" cy="64008"/>
           </a:xfrm>
           <a:prstGeom prst="rect">
             <a:avLst/>
@@ -3468,8 +4969,8 @@
         </p:nvSpPr>
         <p:spPr>
           <a:xfrm>
-            <a:off x="1097280" y="5074920"/>
-            <a:ext cx="10113645" cy="822960"/>
+            <a:off x="822960" y="5074920"/>
+            <a:ext cx="7585234" cy="822960"/>
           </a:xfrm>
         </p:spPr>
         <p:txBody>
@@ -3478,7 +4979,7 @@
           </a:bodyPr>
           <a:lstStyle>
             <a:lvl1pPr>
-              <a:defRPr sz="3600" b="0">
+              <a:defRPr sz="2700" b="0">
                 <a:solidFill>
                   <a:srgbClr val="FFFFFF"/>
                 </a:solidFill>
@@ -3506,8 +5007,8 @@
         </p:nvSpPr>
         <p:spPr>
           <a:xfrm>
-            <a:off x="15" y="0"/>
-            <a:ext cx="12191985" cy="4915076"/>
+            <a:off x="12" y="0"/>
+            <a:ext cx="9143989" cy="4915076"/>
           </a:xfrm>
           <a:solidFill>
             <a:schemeClr val="bg2">
@@ -3520,39 +5021,39 @@
           <a:lstStyle>
             <a:lvl1pPr marL="0" indent="0">
               <a:buNone/>
-              <a:defRPr sz="3200"/>
+              <a:defRPr sz="2400"/>
             </a:lvl1pPr>
-            <a:lvl2pPr marL="457200" indent="0">
+            <a:lvl2pPr marL="342900" indent="0">
               <a:buNone/>
-              <a:defRPr sz="2800"/>
+              <a:defRPr sz="2100"/>
             </a:lvl2pPr>
-            <a:lvl3pPr marL="914400" indent="0">
+            <a:lvl3pPr marL="685800" indent="0">
               <a:buNone/>
-              <a:defRPr sz="2400"/>
+              <a:defRPr sz="1800"/>
             </a:lvl3pPr>
-            <a:lvl4pPr marL="1371600" indent="0">
+            <a:lvl4pPr marL="1028700" indent="0">
               <a:buNone/>
-              <a:defRPr sz="2000"/>
+              <a:defRPr sz="1500"/>
             </a:lvl4pPr>
-            <a:lvl5pPr marL="1828800" indent="0">
+            <a:lvl5pPr marL="1371600" indent="0">
               <a:buNone/>
-              <a:defRPr sz="2000"/>
+              <a:defRPr sz="1500"/>
             </a:lvl5pPr>
-            <a:lvl6pPr marL="2286000" indent="0">
+            <a:lvl6pPr marL="1714500" indent="0">
               <a:buNone/>
-              <a:defRPr sz="2000"/>
+              <a:defRPr sz="1500"/>
             </a:lvl6pPr>
-            <a:lvl7pPr marL="2743200" indent="0">
+            <a:lvl7pPr marL="2057400" indent="0">
               <a:buNone/>
-              <a:defRPr sz="2000"/>
+              <a:defRPr sz="1500"/>
             </a:lvl7pPr>
-            <a:lvl8pPr marL="3200400" indent="0">
+            <a:lvl8pPr marL="2400300" indent="0">
               <a:buNone/>
-              <a:defRPr sz="2000"/>
+              <a:defRPr sz="1500"/>
             </a:lvl8pPr>
-            <a:lvl9pPr marL="3657600" indent="0">
+            <a:lvl9pPr marL="2743200" indent="0">
               <a:buNone/>
-              <a:defRPr sz="2000"/>
+              <a:defRPr sz="1500"/>
             </a:lvl9pPr>
           </a:lstStyle>
           <a:p>
@@ -3576,8 +5077,8 @@
         </p:nvSpPr>
         <p:spPr>
           <a:xfrm>
-            <a:off x="1097280" y="5907024"/>
-            <a:ext cx="10113264" cy="594360"/>
+            <a:off x="822960" y="5907024"/>
+            <a:ext cx="7584948" cy="594360"/>
           </a:xfrm>
         </p:spPr>
         <p:txBody>
@@ -3590,46 +5091,46 @@
                 <a:spcPts val="0"/>
               </a:spcBef>
               <a:spcAft>
-                <a:spcPts val="600"/>
+                <a:spcPts val="450"/>
               </a:spcAft>
               <a:buNone/>
-              <a:defRPr sz="1500">
+              <a:defRPr sz="1125">
                 <a:solidFill>
                   <a:srgbClr val="FFFFFF"/>
                 </a:solidFill>
               </a:defRPr>
             </a:lvl1pPr>
-            <a:lvl2pPr marL="457200" indent="0">
-              <a:buNone/>
-              <a:defRPr sz="1200"/>
-            </a:lvl2pPr>
-            <a:lvl3pPr marL="914400" indent="0">
-              <a:buNone/>
-              <a:defRPr sz="1000"/>
-            </a:lvl3pPr>
-            <a:lvl4pPr marL="1371600" indent="0">
+            <a:lvl2pPr marL="342900" indent="0">
               <a:buNone/>
               <a:defRPr sz="900"/>
+            </a:lvl2pPr>
+            <a:lvl3pPr marL="685800" indent="0">
+              <a:buNone/>
+              <a:defRPr sz="750"/>
+            </a:lvl3pPr>
+            <a:lvl4pPr marL="1028700" indent="0">
+              <a:buNone/>
+              <a:defRPr sz="675"/>
             </a:lvl4pPr>
-            <a:lvl5pPr marL="1828800" indent="0">
+            <a:lvl5pPr marL="1371600" indent="0">
               <a:buNone/>
-              <a:defRPr sz="900"/>
+              <a:defRPr sz="675"/>
             </a:lvl5pPr>
-            <a:lvl6pPr marL="2286000" indent="0">
+            <a:lvl6pPr marL="1714500" indent="0">
               <a:buNone/>
-              <a:defRPr sz="900"/>
+              <a:defRPr sz="675"/>
             </a:lvl6pPr>
-            <a:lvl7pPr marL="2743200" indent="0">
+            <a:lvl7pPr marL="2057400" indent="0">
               <a:buNone/>
-              <a:defRPr sz="900"/>
+              <a:defRPr sz="675"/>
             </a:lvl7pPr>
-            <a:lvl8pPr marL="3200400" indent="0">
+            <a:lvl8pPr marL="2400300" indent="0">
               <a:buNone/>
-              <a:defRPr sz="900"/>
+              <a:defRPr sz="675"/>
             </a:lvl8pPr>
-            <a:lvl9pPr marL="3657600" indent="0">
+            <a:lvl9pPr marL="2743200" indent="0">
               <a:buNone/>
-              <a:defRPr sz="900"/>
+              <a:defRPr sz="675"/>
             </a:lvl9pPr>
           </a:lstStyle>
           <a:p>
@@ -3658,7 +5159,7 @@
           <a:p>
             <a:fld id="{2F2A3BAA-AE56-4B39-BB85-0AC61BE7E721}" type="datetimeFigureOut">
               <a:rPr kumimoji="1" lang="ja-JP" altLang="en-US" smtClean="0"/>
-              <a:t>2019/4/27</a:t>
+              <a:t>2019/5/1</a:t>
             </a:fld>
             <a:endParaRPr kumimoji="1" lang="ja-JP" altLang="en-US"/>
           </a:p>
@@ -3749,8 +5250,8 @@
         </p:nvSpPr>
         <p:spPr>
           <a:xfrm>
-            <a:off x="3175" y="6400800"/>
-            <a:ext cx="12188825" cy="457200"/>
+            <a:off x="2382" y="6400800"/>
+            <a:ext cx="9141619" cy="457200"/>
           </a:xfrm>
           <a:prstGeom prst="rect">
             <a:avLst/>
@@ -3787,8 +5288,8 @@
         </p:nvSpPr>
         <p:spPr>
           <a:xfrm>
-            <a:off x="15" y="6334316"/>
-            <a:ext cx="12188825" cy="64008"/>
+            <a:off x="12" y="6334316"/>
+            <a:ext cx="9141619" cy="64008"/>
           </a:xfrm>
           <a:prstGeom prst="rect">
             <a:avLst/>
@@ -3829,8 +5330,8 @@
         </p:nvSpPr>
         <p:spPr>
           <a:xfrm>
-            <a:off x="1097280" y="286603"/>
-            <a:ext cx="10058400" cy="1450757"/>
+            <a:off x="822960" y="286604"/>
+            <a:ext cx="7543800" cy="1450757"/>
           </a:xfrm>
           <a:prstGeom prst="rect">
             <a:avLst/>
@@ -3862,8 +5363,8 @@
         </p:nvSpPr>
         <p:spPr>
           <a:xfrm>
-            <a:off x="1097280" y="1845734"/>
-            <a:ext cx="10058400" cy="4023360"/>
+            <a:off x="822960" y="1845734"/>
+            <a:ext cx="7543800" cy="4023360"/>
           </a:xfrm>
           <a:prstGeom prst="rect">
             <a:avLst/>
@@ -3956,8 +5457,8 @@
         </p:nvSpPr>
         <p:spPr>
           <a:xfrm>
-            <a:off x="1097280" y="6459785"/>
-            <a:ext cx="2472271" cy="365125"/>
+            <a:off x="822961" y="6459786"/>
+            <a:ext cx="1854203" cy="365125"/>
           </a:xfrm>
           <a:prstGeom prst="rect">
             <a:avLst/>
@@ -3967,7 +5468,7 @@
           <a:bodyPr vert="horz" lIns="91440" tIns="45720" rIns="91440" bIns="45720" rtlCol="0" anchor="ctr"/>
           <a:lstStyle>
             <a:lvl1pPr algn="l">
-              <a:defRPr sz="900">
+              <a:defRPr sz="675">
                 <a:solidFill>
                   <a:srgbClr val="FFFFFF"/>
                 </a:solidFill>
@@ -3977,7 +5478,7 @@
           <a:p>
             <a:fld id="{2F2A3BAA-AE56-4B39-BB85-0AC61BE7E721}" type="datetimeFigureOut">
               <a:rPr kumimoji="1" lang="ja-JP" altLang="en-US" smtClean="0"/>
-              <a:t>2019/4/27</a:t>
+              <a:t>2019/5/1</a:t>
             </a:fld>
             <a:endParaRPr kumimoji="1" lang="ja-JP" altLang="en-US"/>
           </a:p>
@@ -3995,8 +5496,8 @@
         </p:nvSpPr>
         <p:spPr>
           <a:xfrm>
-            <a:off x="3686185" y="6459785"/>
-            <a:ext cx="4822804" cy="365125"/>
+            <a:off x="2764639" y="6459786"/>
+            <a:ext cx="3617103" cy="365125"/>
           </a:xfrm>
           <a:prstGeom prst="rect">
             <a:avLst/>
@@ -4006,7 +5507,7 @@
           <a:bodyPr vert="horz" lIns="91440" tIns="45720" rIns="91440" bIns="45720" rtlCol="0" anchor="ctr"/>
           <a:lstStyle>
             <a:lvl1pPr algn="ctr">
-              <a:defRPr sz="900" cap="all" baseline="0">
+              <a:defRPr sz="675" cap="all" baseline="0">
                 <a:solidFill>
                   <a:srgbClr val="FFFFFF"/>
                 </a:solidFill>
@@ -4030,8 +5531,8 @@
         </p:nvSpPr>
         <p:spPr>
           <a:xfrm>
-            <a:off x="9900458" y="6459785"/>
-            <a:ext cx="1312025" cy="365125"/>
+            <a:off x="7425344" y="6459786"/>
+            <a:ext cx="984019" cy="365125"/>
           </a:xfrm>
           <a:prstGeom prst="rect">
             <a:avLst/>
@@ -4041,7 +5542,7 @@
           <a:bodyPr vert="horz" lIns="91440" tIns="45720" rIns="91440" bIns="45720" rtlCol="0" anchor="ctr"/>
           <a:lstStyle>
             <a:lvl1pPr algn="r">
-              <a:defRPr sz="1050">
+              <a:defRPr sz="788">
                 <a:solidFill>
                   <a:srgbClr val="FFFFFF"/>
                 </a:solidFill>
@@ -4065,8 +5566,8 @@
         </p:nvCxnSpPr>
         <p:spPr>
           <a:xfrm>
-            <a:off x="1193532" y="1737845"/>
-            <a:ext cx="9966960" cy="0"/>
+            <a:off x="895149" y="1737845"/>
+            <a:ext cx="7475220" cy="0"/>
           </a:xfrm>
           <a:prstGeom prst="line">
             <a:avLst/>
@@ -4525,15 +6026,15 @@
           <a:lstStyle/>
           <a:p>
             <a:r>
-              <a:rPr kumimoji="1" lang="ja-JP" altLang="en-US" sz="6000" dirty="0"/>
+              <a:rPr kumimoji="1" lang="ja-JP" altLang="en-US" sz="4500" dirty="0"/>
               <a:t>クラウドにおける</a:t>
             </a:r>
             <a:r>
-              <a:rPr kumimoji="1" lang="en-US" altLang="ja-JP" sz="6000" dirty="0"/>
+              <a:rPr kumimoji="1" lang="en-US" altLang="ja-JP" sz="4500" dirty="0"/>
               <a:t>VM</a:t>
             </a:r>
             <a:r>
-              <a:rPr kumimoji="1" lang="ja-JP" altLang="en-US" sz="6000" dirty="0"/>
+              <a:rPr kumimoji="1" lang="ja-JP" altLang="en-US" sz="4500" dirty="0"/>
               <a:t>内コンテナを用いた低コストで迅速な自動障害復旧</a:t>
             </a:r>
           </a:p>
@@ -4557,26 +6058,26 @@
         </p:nvSpPr>
         <p:spPr>
           <a:xfrm>
-            <a:off x="1100051" y="4455619"/>
-            <a:ext cx="10058400" cy="1265911"/>
+            <a:off x="822960" y="4476056"/>
+            <a:ext cx="7543800" cy="949433"/>
           </a:xfrm>
         </p:spPr>
         <p:txBody>
           <a:bodyPr>
-            <a:normAutofit fontScale="92500" lnSpcReduction="20000"/>
+            <a:noAutofit/>
           </a:bodyPr>
           <a:lstStyle/>
           <a:p>
             <a:pPr algn="r"/>
             <a:r>
-              <a:rPr kumimoji="1" lang="ja-JP" altLang="en-US" sz="2600" dirty="0">
+              <a:rPr kumimoji="1" lang="ja-JP" altLang="en-US" sz="2000" dirty="0">
                 <a:solidFill>
                   <a:schemeClr val="tx1"/>
                 </a:solidFill>
               </a:rPr>
               <a:t>名城大学理工学部情報工学科</a:t>
             </a:r>
-            <a:endParaRPr kumimoji="1" lang="en-US" altLang="ja-JP" sz="2600" dirty="0">
+            <a:endParaRPr kumimoji="1" lang="en-US" altLang="ja-JP" sz="2000" dirty="0">
               <a:solidFill>
                 <a:schemeClr val="tx1"/>
               </a:solidFill>
@@ -4585,14 +6086,14 @@
           <a:p>
             <a:pPr algn="r"/>
             <a:r>
-              <a:rPr lang="ja-JP" altLang="en-US" sz="2600" dirty="0">
+              <a:rPr lang="ja-JP" altLang="en-US" sz="2000" dirty="0">
                 <a:solidFill>
                   <a:schemeClr val="tx1"/>
                 </a:solidFill>
               </a:rPr>
               <a:t>鈴木研究室</a:t>
             </a:r>
-            <a:endParaRPr lang="en-US" altLang="ja-JP" sz="2600" dirty="0">
+            <a:endParaRPr lang="en-US" altLang="ja-JP" sz="2000" dirty="0">
               <a:solidFill>
                 <a:schemeClr val="tx1"/>
               </a:solidFill>
@@ -4601,18 +6102,13 @@
           <a:p>
             <a:pPr algn="r"/>
             <a:r>
-              <a:rPr kumimoji="1" lang="ja-JP" altLang="en-US" sz="2600" dirty="0">
+              <a:rPr kumimoji="1" lang="ja-JP" altLang="en-US" sz="2000" dirty="0">
                 <a:solidFill>
                   <a:schemeClr val="tx1"/>
                 </a:solidFill>
               </a:rPr>
               <a:t>鈴木洸太</a:t>
             </a:r>
-            <a:endParaRPr kumimoji="1" lang="ja-JP" altLang="en-US" dirty="0">
-              <a:solidFill>
-                <a:schemeClr val="tx1"/>
-              </a:solidFill>
-            </a:endParaRPr>
           </a:p>
         </p:txBody>
       </p:sp>
@@ -4620,6 +6116,901 @@
     <p:extLst>
       <p:ext uri="{BB962C8B-B14F-4D97-AF65-F5344CB8AC3E}">
         <p14:creationId xmlns:p14="http://schemas.microsoft.com/office/powerpoint/2010/main" val="529325051"/>
+      </p:ext>
+    </p:extLst>
+  </p:cSld>
+  <p:clrMapOvr>
+    <a:masterClrMapping/>
+  </p:clrMapOvr>
+</p:sld>
+</file>
+
+<file path=ppt/slides/slide10.xml><?xml version="1.0" encoding="utf-8"?>
+<p:sld xmlns:a="http://schemas.openxmlformats.org/drawingml/2006/main" xmlns:r="http://schemas.openxmlformats.org/officeDocument/2006/relationships" xmlns:p="http://schemas.openxmlformats.org/presentationml/2006/main">
+  <p:cSld>
+    <p:spTree>
+      <p:nvGrpSpPr>
+        <p:cNvPr id="1" name=""/>
+        <p:cNvGrpSpPr/>
+        <p:nvPr/>
+      </p:nvGrpSpPr>
+      <p:grpSpPr>
+        <a:xfrm>
+          <a:off x="0" y="0"/>
+          <a:ext cx="0" cy="0"/>
+          <a:chOff x="0" y="0"/>
+          <a:chExt cx="0" cy="0"/>
+        </a:xfrm>
+      </p:grpSpPr>
+      <p:pic>
+        <p:nvPicPr>
+          <p:cNvPr id="7" name="図 6">
+            <a:extLst>
+              <a:ext uri="{FF2B5EF4-FFF2-40B4-BE49-F238E27FC236}">
+                <a16:creationId xmlns:a16="http://schemas.microsoft.com/office/drawing/2014/main" id="{CA012572-28FA-411B-8EE1-2EF2A5178824}"/>
+              </a:ext>
+            </a:extLst>
+          </p:cNvPr>
+          <p:cNvPicPr>
+            <a:picLocks noChangeAspect="1"/>
+          </p:cNvPicPr>
+          <p:nvPr/>
+        </p:nvPicPr>
+        <p:blipFill>
+          <a:blip r:embed="rId2">
+            <a:extLst>
+              <a:ext uri="{28A0092B-C50C-407E-A947-70E740481C1C}">
+                <a14:useLocalDpi xmlns:a14="http://schemas.microsoft.com/office/drawing/2010/main" val="0"/>
+              </a:ext>
+            </a:extLst>
+          </a:blip>
+          <a:stretch>
+            <a:fillRect/>
+          </a:stretch>
+        </p:blipFill>
+        <p:spPr>
+          <a:xfrm>
+            <a:off x="493471" y="2573382"/>
+            <a:ext cx="8157058" cy="3874603"/>
+          </a:xfrm>
+          <a:prstGeom prst="rect">
+            <a:avLst/>
+          </a:prstGeom>
+        </p:spPr>
+      </p:pic>
+      <p:sp>
+        <p:nvSpPr>
+          <p:cNvPr id="2" name="タイトル 1">
+            <a:extLst>
+              <a:ext uri="{FF2B5EF4-FFF2-40B4-BE49-F238E27FC236}">
+                <a16:creationId xmlns:a16="http://schemas.microsoft.com/office/drawing/2014/main" id="{D81CBDBA-78DF-D54B-A075-6A4870536491}"/>
+              </a:ext>
+            </a:extLst>
+          </p:cNvPr>
+          <p:cNvSpPr>
+            <a:spLocks noGrp="1"/>
+          </p:cNvSpPr>
+          <p:nvPr>
+            <p:ph type="title"/>
+          </p:nvPr>
+        </p:nvSpPr>
+        <p:spPr/>
+        <p:txBody>
+          <a:bodyPr/>
+          <a:lstStyle/>
+          <a:p>
+            <a:r>
+              <a:rPr lang="ja-JP" altLang="en-US" dirty="0"/>
+              <a:t>提案システム概要（</a:t>
+            </a:r>
+            <a:r>
+              <a:rPr lang="en-US" altLang="ja-JP" dirty="0"/>
+              <a:t>1</a:t>
+            </a:r>
+            <a:r>
+              <a:rPr lang="ja-JP" altLang="en-US" dirty="0"/>
+              <a:t>）</a:t>
+            </a:r>
+          </a:p>
+        </p:txBody>
+      </p:sp>
+      <p:sp>
+        <p:nvSpPr>
+          <p:cNvPr id="3" name="コンテンツ プレースホルダー 2">
+            <a:extLst>
+              <a:ext uri="{FF2B5EF4-FFF2-40B4-BE49-F238E27FC236}">
+                <a16:creationId xmlns:a16="http://schemas.microsoft.com/office/drawing/2014/main" id="{D00786AB-28D5-6042-B522-8FA8B7A733DB}"/>
+              </a:ext>
+            </a:extLst>
+          </p:cNvPr>
+          <p:cNvSpPr>
+            <a:spLocks noGrp="1"/>
+          </p:cNvSpPr>
+          <p:nvPr>
+            <p:ph idx="1"/>
+          </p:nvPr>
+        </p:nvSpPr>
+        <p:spPr>
+          <a:xfrm>
+            <a:off x="822960" y="1845734"/>
+            <a:ext cx="7543800" cy="4023360"/>
+          </a:xfrm>
+        </p:spPr>
+        <p:txBody>
+          <a:bodyPr/>
+          <a:lstStyle/>
+          <a:p>
+            <a:pPr>
+              <a:buFont typeface="Wingdings" panose="05000000000000000000" pitchFamily="2" charset="2"/>
+              <a:buChar char="l"/>
+            </a:pPr>
+            <a:r>
+              <a:rPr lang="en-US" altLang="ja-JP" dirty="0" err="1"/>
+              <a:t>VCRecovery</a:t>
+            </a:r>
+            <a:endParaRPr lang="en-US" altLang="ja-JP" dirty="0"/>
+          </a:p>
+          <a:p>
+            <a:r>
+              <a:rPr lang="en-US" altLang="ja-JP" dirty="0"/>
+              <a:t>VM</a:t>
+            </a:r>
+            <a:r>
+              <a:rPr lang="ja-JP" altLang="en-US" dirty="0"/>
+              <a:t>とコンテナを用いて低コストかつ，高速な復旧を行えるシステム</a:t>
+            </a:r>
+          </a:p>
+        </p:txBody>
+      </p:sp>
+    </p:spTree>
+    <p:extLst>
+      <p:ext uri="{BB962C8B-B14F-4D97-AF65-F5344CB8AC3E}">
+        <p14:creationId xmlns:p14="http://schemas.microsoft.com/office/powerpoint/2010/main" val="3159620816"/>
+      </p:ext>
+    </p:extLst>
+  </p:cSld>
+  <p:clrMapOvr>
+    <a:masterClrMapping/>
+  </p:clrMapOvr>
+</p:sld>
+</file>
+
+<file path=ppt/slides/slide11.xml><?xml version="1.0" encoding="utf-8"?>
+<p:sld xmlns:a="http://schemas.openxmlformats.org/drawingml/2006/main" xmlns:r="http://schemas.openxmlformats.org/officeDocument/2006/relationships" xmlns:p="http://schemas.openxmlformats.org/presentationml/2006/main">
+  <p:cSld>
+    <p:spTree>
+      <p:nvGrpSpPr>
+        <p:cNvPr id="1" name=""/>
+        <p:cNvGrpSpPr/>
+        <p:nvPr/>
+      </p:nvGrpSpPr>
+      <p:grpSpPr>
+        <a:xfrm>
+          <a:off x="0" y="0"/>
+          <a:ext cx="0" cy="0"/>
+          <a:chOff x="0" y="0"/>
+          <a:chExt cx="0" cy="0"/>
+        </a:xfrm>
+      </p:grpSpPr>
+      <p:sp>
+        <p:nvSpPr>
+          <p:cNvPr id="2" name="タイトル 1">
+            <a:extLst>
+              <a:ext uri="{FF2B5EF4-FFF2-40B4-BE49-F238E27FC236}">
+                <a16:creationId xmlns:a16="http://schemas.microsoft.com/office/drawing/2014/main" id="{4180F74B-0A63-4A36-80F9-5EDEC546F70B}"/>
+              </a:ext>
+            </a:extLst>
+          </p:cNvPr>
+          <p:cNvSpPr>
+            <a:spLocks noGrp="1"/>
+          </p:cNvSpPr>
+          <p:nvPr>
+            <p:ph type="title"/>
+          </p:nvPr>
+        </p:nvSpPr>
+        <p:spPr/>
+        <p:txBody>
+          <a:bodyPr/>
+          <a:lstStyle/>
+          <a:p>
+            <a:r>
+              <a:rPr lang="ja-JP" altLang="en-US" dirty="0"/>
+              <a:t>提案システム概要（</a:t>
+            </a:r>
+            <a:r>
+              <a:rPr lang="en-US" altLang="ja-JP" dirty="0"/>
+              <a:t>2</a:t>
+            </a:r>
+            <a:r>
+              <a:rPr lang="ja-JP" altLang="en-US" dirty="0"/>
+              <a:t>）</a:t>
+            </a:r>
+            <a:endParaRPr kumimoji="1" lang="ja-JP" altLang="en-US" dirty="0"/>
+          </a:p>
+        </p:txBody>
+      </p:sp>
+      <p:sp>
+        <p:nvSpPr>
+          <p:cNvPr id="3" name="コンテンツ プレースホルダー 2">
+            <a:extLst>
+              <a:ext uri="{FF2B5EF4-FFF2-40B4-BE49-F238E27FC236}">
+                <a16:creationId xmlns:a16="http://schemas.microsoft.com/office/drawing/2014/main" id="{A531FEC3-8F45-470F-B44D-EB3CCF722C17}"/>
+              </a:ext>
+            </a:extLst>
+          </p:cNvPr>
+          <p:cNvSpPr>
+            <a:spLocks noGrp="1"/>
+          </p:cNvSpPr>
+          <p:nvPr>
+            <p:ph idx="1"/>
+          </p:nvPr>
+        </p:nvSpPr>
+        <p:spPr/>
+        <p:txBody>
+          <a:bodyPr/>
+          <a:lstStyle/>
+          <a:p>
+            <a:pPr>
+              <a:buFont typeface="Wingdings" panose="05000000000000000000" pitchFamily="2" charset="2"/>
+              <a:buChar char="l"/>
+            </a:pPr>
+            <a:r>
+              <a:rPr lang="ja-JP" altLang="en-US" dirty="0"/>
+              <a:t>コンテナの利用</a:t>
+            </a:r>
+            <a:endParaRPr kumimoji="1" lang="en-US" altLang="ja-JP" dirty="0"/>
+          </a:p>
+          <a:p>
+            <a:pPr lvl="1">
+              <a:buFont typeface="Wingdings" panose="05000000000000000000" pitchFamily="2" charset="2"/>
+              <a:buChar char="l"/>
+            </a:pPr>
+            <a:r>
+              <a:rPr kumimoji="1" lang="ja-JP" altLang="en-US" dirty="0"/>
+              <a:t>仮想実行環境であるコンテナは</a:t>
+            </a:r>
+            <a:r>
+              <a:rPr kumimoji="1" lang="en-US" altLang="ja-JP" dirty="0"/>
+              <a:t>VM</a:t>
+            </a:r>
+            <a:r>
+              <a:rPr kumimoji="1" lang="ja-JP" altLang="en-US" dirty="0"/>
+              <a:t>と比較して軽量</a:t>
+            </a:r>
+            <a:endParaRPr kumimoji="1" lang="en-US" altLang="ja-JP" dirty="0"/>
+          </a:p>
+          <a:p>
+            <a:pPr lvl="1">
+              <a:buFont typeface="Wingdings" panose="05000000000000000000" pitchFamily="2" charset="2"/>
+              <a:buChar char="l"/>
+            </a:pPr>
+            <a:r>
+              <a:rPr lang="ja-JP" altLang="en-US" dirty="0"/>
+              <a:t>コンテナを提供するシステムはライブマイグレーションが可能である</a:t>
+            </a:r>
+            <a:r>
+              <a:rPr lang="en-US" altLang="ja-JP" dirty="0"/>
+              <a:t>LXD</a:t>
+            </a:r>
+            <a:r>
+              <a:rPr lang="ja-JP" altLang="en-US" dirty="0"/>
+              <a:t>を利用</a:t>
+            </a:r>
+            <a:endParaRPr lang="en-US" altLang="ja-JP" dirty="0"/>
+          </a:p>
+          <a:p>
+            <a:pPr lvl="1">
+              <a:buFont typeface="Wingdings" panose="05000000000000000000" pitchFamily="2" charset="2"/>
+              <a:buChar char="l"/>
+            </a:pPr>
+            <a:endParaRPr kumimoji="1" lang="en-US" altLang="ja-JP" dirty="0"/>
+          </a:p>
+          <a:p>
+            <a:pPr>
+              <a:buFont typeface="Wingdings" panose="05000000000000000000" pitchFamily="2" charset="2"/>
+              <a:buChar char="l"/>
+            </a:pPr>
+            <a:r>
+              <a:rPr kumimoji="1" lang="ja-JP" altLang="en-US" dirty="0"/>
+              <a:t>障害対策のコスト</a:t>
+            </a:r>
+            <a:endParaRPr kumimoji="1" lang="en-US" altLang="ja-JP" dirty="0"/>
+          </a:p>
+          <a:p>
+            <a:pPr lvl="1">
+              <a:buFont typeface="Wingdings" panose="05000000000000000000" pitchFamily="2" charset="2"/>
+              <a:buChar char="l"/>
+            </a:pPr>
+            <a:r>
+              <a:rPr lang="ja-JP" altLang="en-US" dirty="0"/>
+              <a:t>待機系の</a:t>
+            </a:r>
+            <a:r>
+              <a:rPr lang="en-US" altLang="ja-JP" dirty="0"/>
+              <a:t>VM1</a:t>
+            </a:r>
+            <a:r>
+              <a:rPr lang="ja-JP" altLang="en-US" dirty="0"/>
+              <a:t>台分で済む</a:t>
+            </a:r>
+            <a:endParaRPr lang="en-US" altLang="ja-JP" dirty="0"/>
+          </a:p>
+          <a:p>
+            <a:pPr lvl="1">
+              <a:buFont typeface="Wingdings" panose="05000000000000000000" pitchFamily="2" charset="2"/>
+              <a:buChar char="l"/>
+            </a:pPr>
+            <a:endParaRPr kumimoji="1" lang="en-US" altLang="ja-JP" dirty="0"/>
+          </a:p>
+          <a:p>
+            <a:pPr>
+              <a:buFont typeface="Wingdings" panose="05000000000000000000" pitchFamily="2" charset="2"/>
+              <a:buChar char="l"/>
+            </a:pPr>
+            <a:r>
+              <a:rPr lang="ja-JP" altLang="en-US" dirty="0"/>
+              <a:t>障害検知・復旧</a:t>
+            </a:r>
+            <a:endParaRPr lang="en-US" altLang="ja-JP" dirty="0"/>
+          </a:p>
+          <a:p>
+            <a:pPr lvl="1">
+              <a:buFont typeface="Wingdings" panose="05000000000000000000" pitchFamily="2" charset="2"/>
+              <a:buChar char="l"/>
+            </a:pPr>
+            <a:r>
+              <a:rPr kumimoji="1" lang="en-US" altLang="ja-JP" dirty="0" err="1"/>
+              <a:t>libvirt-snmp</a:t>
+            </a:r>
+            <a:r>
+              <a:rPr kumimoji="1" lang="ja-JP" altLang="en-US" dirty="0"/>
+              <a:t>と</a:t>
+            </a:r>
+            <a:r>
+              <a:rPr kumimoji="1" lang="en-US" altLang="ja-JP" dirty="0"/>
+              <a:t>Zabbix</a:t>
+            </a:r>
+            <a:r>
+              <a:rPr kumimoji="1" lang="ja-JP" altLang="en-US" dirty="0"/>
+              <a:t>を利用</a:t>
+            </a:r>
+          </a:p>
+        </p:txBody>
+      </p:sp>
+    </p:spTree>
+    <p:extLst>
+      <p:ext uri="{BB962C8B-B14F-4D97-AF65-F5344CB8AC3E}">
+        <p14:creationId xmlns:p14="http://schemas.microsoft.com/office/powerpoint/2010/main" val="286540226"/>
+      </p:ext>
+    </p:extLst>
+  </p:cSld>
+  <p:clrMapOvr>
+    <a:masterClrMapping/>
+  </p:clrMapOvr>
+</p:sld>
+</file>
+
+<file path=ppt/slides/slide12.xml><?xml version="1.0" encoding="utf-8"?>
+<p:sld xmlns:a="http://schemas.openxmlformats.org/drawingml/2006/main" xmlns:r="http://schemas.openxmlformats.org/officeDocument/2006/relationships" xmlns:p="http://schemas.openxmlformats.org/presentationml/2006/main">
+  <p:cSld>
+    <p:spTree>
+      <p:nvGrpSpPr>
+        <p:cNvPr id="1" name=""/>
+        <p:cNvGrpSpPr/>
+        <p:nvPr/>
+      </p:nvGrpSpPr>
+      <p:grpSpPr>
+        <a:xfrm>
+          <a:off x="0" y="0"/>
+          <a:ext cx="0" cy="0"/>
+          <a:chOff x="0" y="0"/>
+          <a:chExt cx="0" cy="0"/>
+        </a:xfrm>
+      </p:grpSpPr>
+      <p:sp>
+        <p:nvSpPr>
+          <p:cNvPr id="2" name="タイトル 1">
+            <a:extLst>
+              <a:ext uri="{FF2B5EF4-FFF2-40B4-BE49-F238E27FC236}">
+                <a16:creationId xmlns:a16="http://schemas.microsoft.com/office/drawing/2014/main" id="{EC4A469D-1792-4868-8D82-EBD2C4459C92}"/>
+              </a:ext>
+            </a:extLst>
+          </p:cNvPr>
+          <p:cNvSpPr>
+            <a:spLocks noGrp="1"/>
+          </p:cNvSpPr>
+          <p:nvPr>
+            <p:ph type="title"/>
+          </p:nvPr>
+        </p:nvSpPr>
+        <p:spPr/>
+        <p:txBody>
+          <a:bodyPr/>
+          <a:lstStyle/>
+          <a:p>
+            <a:r>
+              <a:rPr kumimoji="1" lang="ja-JP" altLang="en-US" dirty="0"/>
+              <a:t>障害検知（</a:t>
+            </a:r>
+            <a:r>
+              <a:rPr kumimoji="1" lang="en-US" altLang="ja-JP" dirty="0"/>
+              <a:t>1</a:t>
+            </a:r>
+            <a:r>
+              <a:rPr kumimoji="1" lang="ja-JP" altLang="en-US" dirty="0"/>
+              <a:t>）</a:t>
+            </a:r>
+          </a:p>
+        </p:txBody>
+      </p:sp>
+      <p:sp>
+        <p:nvSpPr>
+          <p:cNvPr id="3" name="コンテンツ プレースホルダー 2">
+            <a:extLst>
+              <a:ext uri="{FF2B5EF4-FFF2-40B4-BE49-F238E27FC236}">
+                <a16:creationId xmlns:a16="http://schemas.microsoft.com/office/drawing/2014/main" id="{AFD79DFF-18FD-4ED2-9DA6-5A77D8747F64}"/>
+              </a:ext>
+            </a:extLst>
+          </p:cNvPr>
+          <p:cNvSpPr>
+            <a:spLocks noGrp="1"/>
+          </p:cNvSpPr>
+          <p:nvPr>
+            <p:ph idx="1"/>
+          </p:nvPr>
+        </p:nvSpPr>
+        <p:spPr/>
+        <p:txBody>
+          <a:bodyPr/>
+          <a:lstStyle/>
+          <a:p>
+            <a:pPr>
+              <a:buFont typeface="Wingdings" panose="05000000000000000000" pitchFamily="2" charset="2"/>
+              <a:buChar char="l"/>
+            </a:pPr>
+            <a:r>
+              <a:rPr kumimoji="1" lang="en-US" altLang="ja-JP" dirty="0" err="1"/>
+              <a:t>libvirt-snmp</a:t>
+            </a:r>
+            <a:r>
+              <a:rPr kumimoji="1" lang="ja-JP" altLang="en-US" dirty="0"/>
+              <a:t>を用いて</a:t>
+            </a:r>
+            <a:r>
+              <a:rPr kumimoji="1" lang="en-US" altLang="ja-JP" dirty="0"/>
+              <a:t>VM</a:t>
+            </a:r>
+            <a:r>
+              <a:rPr kumimoji="1" lang="ja-JP" altLang="en-US" dirty="0"/>
+              <a:t>の</a:t>
+            </a:r>
+            <a:r>
+              <a:rPr kumimoji="1" lang="en-US" altLang="ja-JP" dirty="0"/>
+              <a:t>CPU</a:t>
+            </a:r>
+            <a:r>
+              <a:rPr kumimoji="1" lang="ja-JP" altLang="en-US" dirty="0"/>
+              <a:t>使用量を</a:t>
+            </a:r>
+            <a:r>
+              <a:rPr kumimoji="1" lang="en-US" altLang="ja-JP" dirty="0"/>
+              <a:t>5</a:t>
+            </a:r>
+            <a:r>
+              <a:rPr kumimoji="1" lang="ja-JP" altLang="en-US" dirty="0"/>
+              <a:t>秒間隔で取得する</a:t>
+            </a:r>
+            <a:endParaRPr kumimoji="1" lang="en-US" altLang="ja-JP" dirty="0"/>
+          </a:p>
+          <a:p>
+            <a:pPr lvl="1">
+              <a:buFont typeface="Wingdings" panose="05000000000000000000" pitchFamily="2" charset="2"/>
+              <a:buChar char="l"/>
+            </a:pPr>
+            <a:r>
+              <a:rPr lang="ja-JP" altLang="en-US" dirty="0"/>
+              <a:t>取得した</a:t>
+            </a:r>
+            <a:r>
+              <a:rPr lang="en-US" altLang="ja-JP" dirty="0"/>
+              <a:t>CPU</a:t>
+            </a:r>
+            <a:r>
+              <a:rPr lang="ja-JP" altLang="en-US" dirty="0"/>
+              <a:t>使用量と</a:t>
+            </a:r>
+            <a:r>
+              <a:rPr lang="en-US" altLang="ja-JP" dirty="0"/>
+              <a:t>5</a:t>
+            </a:r>
+            <a:r>
+              <a:rPr lang="ja-JP" altLang="en-US" dirty="0"/>
+              <a:t>秒前の</a:t>
+            </a:r>
+            <a:r>
+              <a:rPr lang="en-US" altLang="ja-JP" dirty="0"/>
+              <a:t>CPU</a:t>
+            </a:r>
+            <a:r>
+              <a:rPr lang="ja-JP" altLang="en-US" dirty="0"/>
+              <a:t>使用量の差分から</a:t>
+            </a:r>
+            <a:r>
+              <a:rPr lang="en-US" altLang="ja-JP" dirty="0"/>
+              <a:t>CPU</a:t>
+            </a:r>
+            <a:r>
+              <a:rPr lang="ja-JP" altLang="en-US" dirty="0"/>
+              <a:t>使用率を算出</a:t>
+            </a:r>
+            <a:endParaRPr kumimoji="1" lang="en-US" altLang="ja-JP" dirty="0"/>
+          </a:p>
+          <a:p>
+            <a:pPr>
+              <a:buFont typeface="Wingdings" panose="05000000000000000000" pitchFamily="2" charset="2"/>
+              <a:buChar char="l"/>
+            </a:pPr>
+            <a:r>
+              <a:rPr lang="ja-JP" altLang="en-US" dirty="0"/>
+              <a:t>求めた</a:t>
+            </a:r>
+            <a:r>
+              <a:rPr lang="en-US" altLang="ja-JP" dirty="0"/>
+              <a:t>CPU</a:t>
+            </a:r>
+            <a:r>
+              <a:rPr lang="ja-JP" altLang="en-US" dirty="0"/>
+              <a:t>使用率を</a:t>
+            </a:r>
+            <a:r>
+              <a:rPr lang="en-US" altLang="ja-JP" dirty="0"/>
+              <a:t>Zabbix</a:t>
+            </a:r>
+            <a:r>
+              <a:rPr lang="ja-JP" altLang="en-US" dirty="0"/>
+              <a:t> </a:t>
+            </a:r>
+            <a:r>
+              <a:rPr lang="en-US" altLang="ja-JP" dirty="0"/>
+              <a:t>Sender</a:t>
+            </a:r>
+            <a:r>
+              <a:rPr lang="ja-JP" altLang="en-US" dirty="0"/>
+              <a:t>を利用して</a:t>
+            </a:r>
+            <a:r>
+              <a:rPr lang="en-US" altLang="ja-JP" dirty="0"/>
+              <a:t>Zabbix</a:t>
+            </a:r>
+            <a:r>
+              <a:rPr lang="ja-JP" altLang="en-US" dirty="0"/>
+              <a:t>サーバに送信</a:t>
+            </a:r>
+            <a:endParaRPr lang="en-US" altLang="ja-JP" dirty="0"/>
+          </a:p>
+          <a:p>
+            <a:pPr lvl="1">
+              <a:buFont typeface="Wingdings" panose="05000000000000000000" pitchFamily="2" charset="2"/>
+              <a:buChar char="l"/>
+            </a:pPr>
+            <a:r>
+              <a:rPr kumimoji="1" lang="en-US" altLang="ja-JP" dirty="0"/>
+              <a:t>VM</a:t>
+            </a:r>
+            <a:r>
+              <a:rPr kumimoji="1" lang="ja-JP" altLang="en-US" dirty="0"/>
+              <a:t>内システムの過負荷状態，異常停止を検出</a:t>
+            </a:r>
+          </a:p>
+        </p:txBody>
+      </p:sp>
+    </p:spTree>
+    <p:extLst>
+      <p:ext uri="{BB962C8B-B14F-4D97-AF65-F5344CB8AC3E}">
+        <p14:creationId xmlns:p14="http://schemas.microsoft.com/office/powerpoint/2010/main" val="3497055469"/>
+      </p:ext>
+    </p:extLst>
+  </p:cSld>
+  <p:clrMapOvr>
+    <a:masterClrMapping/>
+  </p:clrMapOvr>
+</p:sld>
+</file>
+
+<file path=ppt/slides/slide13.xml><?xml version="1.0" encoding="utf-8"?>
+<p:sld xmlns:a="http://schemas.openxmlformats.org/drawingml/2006/main" xmlns:r="http://schemas.openxmlformats.org/officeDocument/2006/relationships" xmlns:p="http://schemas.openxmlformats.org/presentationml/2006/main">
+  <p:cSld>
+    <p:spTree>
+      <p:nvGrpSpPr>
+        <p:cNvPr id="1" name=""/>
+        <p:cNvGrpSpPr/>
+        <p:nvPr/>
+      </p:nvGrpSpPr>
+      <p:grpSpPr>
+        <a:xfrm>
+          <a:off x="0" y="0"/>
+          <a:ext cx="0" cy="0"/>
+          <a:chOff x="0" y="0"/>
+          <a:chExt cx="0" cy="0"/>
+        </a:xfrm>
+      </p:grpSpPr>
+      <p:sp>
+        <p:nvSpPr>
+          <p:cNvPr id="2" name="タイトル 1">
+            <a:extLst>
+              <a:ext uri="{FF2B5EF4-FFF2-40B4-BE49-F238E27FC236}">
+                <a16:creationId xmlns:a16="http://schemas.microsoft.com/office/drawing/2014/main" id="{9C751177-16DB-4629-AD8D-69C32D890478}"/>
+              </a:ext>
+            </a:extLst>
+          </p:cNvPr>
+          <p:cNvSpPr>
+            <a:spLocks noGrp="1"/>
+          </p:cNvSpPr>
+          <p:nvPr>
+            <p:ph type="title"/>
+          </p:nvPr>
+        </p:nvSpPr>
+        <p:spPr/>
+        <p:txBody>
+          <a:bodyPr/>
+          <a:lstStyle/>
+          <a:p>
+            <a:r>
+              <a:rPr kumimoji="1" lang="ja-JP" altLang="en-US" dirty="0"/>
+              <a:t>障害検知（</a:t>
+            </a:r>
+            <a:r>
+              <a:rPr kumimoji="1" lang="en-US" altLang="ja-JP" dirty="0"/>
+              <a:t>2</a:t>
+            </a:r>
+            <a:r>
+              <a:rPr kumimoji="1" lang="ja-JP" altLang="en-US" dirty="0"/>
+              <a:t>）</a:t>
+            </a:r>
+          </a:p>
+        </p:txBody>
+      </p:sp>
+      <p:sp>
+        <p:nvSpPr>
+          <p:cNvPr id="3" name="コンテンツ プレースホルダー 2">
+            <a:extLst>
+              <a:ext uri="{FF2B5EF4-FFF2-40B4-BE49-F238E27FC236}">
+                <a16:creationId xmlns:a16="http://schemas.microsoft.com/office/drawing/2014/main" id="{4635BF75-0A18-49DA-9319-6F7ED7B8582E}"/>
+              </a:ext>
+            </a:extLst>
+          </p:cNvPr>
+          <p:cNvSpPr>
+            <a:spLocks noGrp="1"/>
+          </p:cNvSpPr>
+          <p:nvPr>
+            <p:ph idx="1"/>
+          </p:nvPr>
+        </p:nvSpPr>
+        <p:spPr/>
+        <p:txBody>
+          <a:bodyPr/>
+          <a:lstStyle/>
+          <a:p>
+            <a:pPr>
+              <a:buFont typeface="Wingdings" panose="05000000000000000000" pitchFamily="2" charset="2"/>
+              <a:buChar char="l"/>
+            </a:pPr>
+            <a:r>
+              <a:rPr kumimoji="1" lang="en-US" altLang="ja-JP" dirty="0" err="1"/>
+              <a:t>libvirt-snmp</a:t>
+            </a:r>
+            <a:r>
+              <a:rPr kumimoji="1" lang="ja-JP" altLang="en-US" dirty="0"/>
+              <a:t>は</a:t>
+            </a:r>
+            <a:r>
+              <a:rPr kumimoji="1" lang="en-US" altLang="ja-JP" dirty="0"/>
+              <a:t>VM</a:t>
+            </a:r>
+            <a:r>
+              <a:rPr kumimoji="1" lang="ja-JP" altLang="en-US" dirty="0"/>
+              <a:t>のステータスが変化すると</a:t>
+            </a:r>
+            <a:r>
+              <a:rPr lang="en-US" altLang="ja-JP" dirty="0"/>
+              <a:t>SNMP</a:t>
+            </a:r>
+            <a:r>
+              <a:rPr lang="ja-JP" altLang="en-US" dirty="0"/>
+              <a:t>トラップを発行</a:t>
+            </a:r>
+            <a:endParaRPr lang="en-US" altLang="ja-JP" dirty="0"/>
+          </a:p>
+          <a:p>
+            <a:pPr>
+              <a:buFont typeface="Wingdings" panose="05000000000000000000" pitchFamily="2" charset="2"/>
+              <a:buChar char="l"/>
+            </a:pPr>
+            <a:r>
+              <a:rPr lang="en-US" altLang="ja-JP" dirty="0"/>
+              <a:t>Zabbix</a:t>
+            </a:r>
+            <a:r>
+              <a:rPr lang="ja-JP" altLang="en-US" dirty="0"/>
+              <a:t>サーバに</a:t>
+            </a:r>
+            <a:r>
+              <a:rPr lang="en-US" altLang="ja-JP" dirty="0"/>
+              <a:t>SNMP</a:t>
+            </a:r>
+            <a:r>
+              <a:rPr lang="ja-JP" altLang="en-US" dirty="0"/>
+              <a:t>トラップの情報を送信</a:t>
+            </a:r>
+            <a:endParaRPr lang="en-US" altLang="ja-JP" dirty="0"/>
+          </a:p>
+          <a:p>
+            <a:pPr>
+              <a:buFont typeface="Wingdings" panose="05000000000000000000" pitchFamily="2" charset="2"/>
+              <a:buChar char="l"/>
+            </a:pPr>
+            <a:r>
+              <a:rPr lang="en-US" altLang="ja-JP" dirty="0"/>
+              <a:t>VM</a:t>
+            </a:r>
+            <a:r>
+              <a:rPr lang="ja-JP" altLang="en-US" dirty="0"/>
+              <a:t>の状態変化が「</a:t>
+            </a:r>
+            <a:r>
+              <a:rPr lang="en-US" altLang="ja-JP" dirty="0"/>
+              <a:t>shutoff</a:t>
+            </a:r>
+            <a:r>
+              <a:rPr lang="ja-JP" altLang="en-US" dirty="0"/>
+              <a:t>」の場合に</a:t>
+            </a:r>
+            <a:r>
+              <a:rPr lang="en-US" altLang="ja-JP" dirty="0"/>
+              <a:t>VM</a:t>
+            </a:r>
+            <a:r>
+              <a:rPr lang="ja-JP" altLang="en-US" dirty="0"/>
+              <a:t>がクラッシュしたことを検知</a:t>
+            </a:r>
+            <a:endParaRPr lang="en-US" altLang="ja-JP" dirty="0"/>
+          </a:p>
+        </p:txBody>
+      </p:sp>
+    </p:spTree>
+    <p:extLst>
+      <p:ext uri="{BB962C8B-B14F-4D97-AF65-F5344CB8AC3E}">
+        <p14:creationId xmlns:p14="http://schemas.microsoft.com/office/powerpoint/2010/main" val="227703362"/>
+      </p:ext>
+    </p:extLst>
+  </p:cSld>
+  <p:clrMapOvr>
+    <a:masterClrMapping/>
+  </p:clrMapOvr>
+</p:sld>
+</file>
+
+<file path=ppt/slides/slide14.xml><?xml version="1.0" encoding="utf-8"?>
+<p:sld xmlns:a="http://schemas.openxmlformats.org/drawingml/2006/main" xmlns:r="http://schemas.openxmlformats.org/officeDocument/2006/relationships" xmlns:p="http://schemas.openxmlformats.org/presentationml/2006/main">
+  <p:cSld>
+    <p:spTree>
+      <p:nvGrpSpPr>
+        <p:cNvPr id="1" name=""/>
+        <p:cNvGrpSpPr/>
+        <p:nvPr/>
+      </p:nvGrpSpPr>
+      <p:grpSpPr>
+        <a:xfrm>
+          <a:off x="0" y="0"/>
+          <a:ext cx="0" cy="0"/>
+          <a:chOff x="0" y="0"/>
+          <a:chExt cx="0" cy="0"/>
+        </a:xfrm>
+      </p:grpSpPr>
+      <p:sp>
+        <p:nvSpPr>
+          <p:cNvPr id="2" name="タイトル 1">
+            <a:extLst>
+              <a:ext uri="{FF2B5EF4-FFF2-40B4-BE49-F238E27FC236}">
+                <a16:creationId xmlns:a16="http://schemas.microsoft.com/office/drawing/2014/main" id="{4E5E1896-14F4-4223-B7AB-CA2BC7F75E9F}"/>
+              </a:ext>
+            </a:extLst>
+          </p:cNvPr>
+          <p:cNvSpPr>
+            <a:spLocks noGrp="1"/>
+          </p:cNvSpPr>
+          <p:nvPr>
+            <p:ph type="title"/>
+          </p:nvPr>
+        </p:nvSpPr>
+        <p:spPr/>
+        <p:txBody>
+          <a:bodyPr/>
+          <a:lstStyle/>
+          <a:p>
+            <a:r>
+              <a:rPr kumimoji="1" lang="ja-JP" altLang="en-US" dirty="0"/>
+              <a:t>障害検知（</a:t>
+            </a:r>
+            <a:r>
+              <a:rPr kumimoji="1" lang="en-US" altLang="ja-JP" dirty="0"/>
+              <a:t>3</a:t>
+            </a:r>
+            <a:r>
+              <a:rPr kumimoji="1" lang="ja-JP" altLang="en-US" dirty="0"/>
+              <a:t>）</a:t>
+            </a:r>
+          </a:p>
+        </p:txBody>
+      </p:sp>
+      <p:sp>
+        <p:nvSpPr>
+          <p:cNvPr id="3" name="コンテンツ プレースホルダー 2">
+            <a:extLst>
+              <a:ext uri="{FF2B5EF4-FFF2-40B4-BE49-F238E27FC236}">
+                <a16:creationId xmlns:a16="http://schemas.microsoft.com/office/drawing/2014/main" id="{5E3906CF-A294-479D-9A0D-77EB7A6E43D6}"/>
+              </a:ext>
+            </a:extLst>
+          </p:cNvPr>
+          <p:cNvSpPr>
+            <a:spLocks noGrp="1"/>
+          </p:cNvSpPr>
+          <p:nvPr>
+            <p:ph idx="1"/>
+          </p:nvPr>
+        </p:nvSpPr>
+        <p:spPr/>
+        <p:txBody>
+          <a:bodyPr/>
+          <a:lstStyle/>
+          <a:p>
+            <a:pPr>
+              <a:buFont typeface="Wingdings" panose="05000000000000000000" pitchFamily="2" charset="2"/>
+              <a:buChar char="l"/>
+            </a:pPr>
+            <a:r>
+              <a:rPr kumimoji="1" lang="en-US" altLang="ja-JP" dirty="0"/>
+              <a:t>Zabbix</a:t>
+            </a:r>
+            <a:r>
+              <a:rPr kumimoji="1" lang="ja-JP" altLang="en-US" dirty="0"/>
+              <a:t>サーバと</a:t>
+            </a:r>
+            <a:r>
+              <a:rPr kumimoji="1" lang="en-US" altLang="ja-JP" dirty="0" err="1"/>
+              <a:t>Zabbbix</a:t>
+            </a:r>
+            <a:r>
+              <a:rPr kumimoji="1" lang="ja-JP" altLang="en-US" dirty="0"/>
+              <a:t>エージェント間で死活監視を行う</a:t>
+            </a:r>
+            <a:endParaRPr kumimoji="1" lang="en-US" altLang="ja-JP" dirty="0"/>
+          </a:p>
+          <a:p>
+            <a:pPr lvl="1">
+              <a:buFont typeface="Wingdings" panose="05000000000000000000" pitchFamily="2" charset="2"/>
+              <a:buChar char="l"/>
+            </a:pPr>
+            <a:r>
+              <a:rPr lang="ja-JP" altLang="en-US" dirty="0"/>
+              <a:t>一定期間</a:t>
+            </a:r>
+            <a:r>
+              <a:rPr lang="en-US" altLang="ja-JP" dirty="0"/>
+              <a:t>Zabbix</a:t>
+            </a:r>
+            <a:r>
+              <a:rPr lang="ja-JP" altLang="en-US"/>
+              <a:t>エージェントから応答がない場合，</a:t>
+            </a:r>
+            <a:endParaRPr kumimoji="1" lang="ja-JP" altLang="en-US" dirty="0"/>
+          </a:p>
+        </p:txBody>
+      </p:sp>
+    </p:spTree>
+    <p:extLst>
+      <p:ext uri="{BB962C8B-B14F-4D97-AF65-F5344CB8AC3E}">
+        <p14:creationId xmlns:p14="http://schemas.microsoft.com/office/powerpoint/2010/main" val="204814852"/>
       </p:ext>
     </p:extLst>
   </p:cSld>
@@ -4692,8 +7083,8 @@
         </p:nvSpPr>
         <p:spPr>
           <a:xfrm>
-            <a:off x="1097280" y="1845734"/>
-            <a:ext cx="10058400" cy="4023360"/>
+            <a:off x="822960" y="2241551"/>
+            <a:ext cx="7543800" cy="3017520"/>
           </a:xfrm>
         </p:spPr>
         <p:txBody>
@@ -4702,87 +7093,87 @@
           <a:p>
             <a:pPr>
               <a:tabLst>
-                <a:tab pos="1160463" algn="l"/>
+                <a:tab pos="870347" algn="l"/>
               </a:tabLst>
             </a:pPr>
             <a:r>
-              <a:rPr kumimoji="1" lang="ja-JP" altLang="en-US" sz="2800" dirty="0"/>
+              <a:rPr kumimoji="1" lang="ja-JP" altLang="en-US" sz="2100" dirty="0"/>
               <a:t>論文名：</a:t>
             </a:r>
             <a:r>
-              <a:rPr lang="ja-JP" altLang="en-US" sz="2800" dirty="0"/>
+              <a:rPr lang="ja-JP" altLang="en-US" sz="2100" dirty="0"/>
               <a:t>クラウドにおける</a:t>
             </a:r>
             <a:r>
-              <a:rPr lang="en-US" altLang="ja-JP" sz="2800" dirty="0"/>
+              <a:rPr lang="en-US" altLang="ja-JP" sz="2100" dirty="0"/>
               <a:t>VM</a:t>
             </a:r>
             <a:r>
-              <a:rPr lang="ja-JP" altLang="en-US" sz="2800" dirty="0"/>
+              <a:rPr lang="ja-JP" altLang="en-US" sz="2100" dirty="0"/>
               <a:t>内コンテナを用いた低コストで迅速な自動障害復旧</a:t>
             </a:r>
-            <a:endParaRPr lang="en-US" altLang="ja-JP" sz="2800" dirty="0"/>
-          </a:p>
-          <a:p>
-            <a:r>
-              <a:rPr lang="ja-JP" altLang="en-US" sz="2800" dirty="0"/>
+            <a:endParaRPr lang="en-US" altLang="ja-JP" sz="2100" dirty="0"/>
+          </a:p>
+          <a:p>
+            <a:r>
+              <a:rPr lang="ja-JP" altLang="en-US" sz="2100" dirty="0"/>
               <a:t>出典：</a:t>
             </a:r>
-            <a:endParaRPr lang="en-US" altLang="ja-JP" sz="2800" dirty="0"/>
-          </a:p>
-          <a:p>
-            <a:r>
-              <a:rPr kumimoji="1" lang="ja-JP" altLang="en-US" sz="2800" dirty="0"/>
+            <a:endParaRPr lang="en-US" altLang="ja-JP" sz="2100" dirty="0"/>
+          </a:p>
+          <a:p>
+            <a:r>
+              <a:rPr kumimoji="1" lang="ja-JP" altLang="en-US" sz="2100" dirty="0"/>
               <a:t>発行日：</a:t>
             </a:r>
             <a:r>
-              <a:rPr kumimoji="1" lang="en-US" altLang="ja-JP" sz="2800" dirty="0"/>
+              <a:rPr kumimoji="1" lang="en-US" altLang="ja-JP" sz="2100" dirty="0"/>
               <a:t>2018</a:t>
             </a:r>
             <a:r>
-              <a:rPr kumimoji="1" lang="ja-JP" altLang="en-US" sz="2800" dirty="0"/>
+              <a:rPr kumimoji="1" lang="ja-JP" altLang="en-US" sz="2100" dirty="0"/>
               <a:t>年</a:t>
             </a:r>
             <a:r>
-              <a:rPr kumimoji="1" lang="en-US" altLang="ja-JP" sz="2800" dirty="0"/>
+              <a:rPr kumimoji="1" lang="en-US" altLang="ja-JP" sz="2100" dirty="0"/>
               <a:t>2</a:t>
             </a:r>
             <a:r>
-              <a:rPr kumimoji="1" lang="ja-JP" altLang="en-US" sz="2800" dirty="0"/>
+              <a:rPr kumimoji="1" lang="ja-JP" altLang="en-US" sz="2100" dirty="0"/>
               <a:t>月</a:t>
             </a:r>
             <a:r>
-              <a:rPr kumimoji="1" lang="en-US" altLang="ja-JP" sz="2800" dirty="0"/>
+              <a:rPr kumimoji="1" lang="en-US" altLang="ja-JP" sz="2100" dirty="0"/>
               <a:t>28</a:t>
             </a:r>
             <a:r>
-              <a:rPr kumimoji="1" lang="ja-JP" altLang="en-US" sz="2800" dirty="0"/>
+              <a:rPr kumimoji="1" lang="ja-JP" altLang="en-US" sz="2100" dirty="0"/>
               <a:t>日</a:t>
             </a:r>
-            <a:endParaRPr kumimoji="1" lang="en-US" altLang="ja-JP" sz="2800" dirty="0"/>
-          </a:p>
-          <a:p>
-            <a:r>
-              <a:rPr lang="ja-JP" altLang="en-US" sz="2800" dirty="0"/>
+            <a:endParaRPr kumimoji="1" lang="en-US" altLang="ja-JP" sz="2100" dirty="0"/>
+          </a:p>
+          <a:p>
+            <a:r>
+              <a:rPr lang="ja-JP" altLang="en-US" sz="2100" dirty="0"/>
               <a:t>著者：森川　智紀</a:t>
             </a:r>
             <a:r>
-              <a:rPr lang="en-US" altLang="ja-JP" sz="2800" dirty="0"/>
+              <a:rPr lang="en-US" altLang="ja-JP" sz="2100" dirty="0"/>
               <a:t>†</a:t>
             </a:r>
             <a:r>
-              <a:rPr lang="ja-JP" altLang="en-US" sz="2800" dirty="0" err="1"/>
+              <a:rPr lang="ja-JP" altLang="en-US" sz="2100" dirty="0" err="1"/>
               <a:t>，</a:t>
             </a:r>
             <a:r>
-              <a:rPr lang="ja-JP" altLang="en-US" sz="2800" dirty="0"/>
+              <a:rPr lang="ja-JP" altLang="en-US" sz="2100" dirty="0"/>
               <a:t>光来　健一</a:t>
             </a:r>
             <a:r>
-              <a:rPr lang="en-US" altLang="ja-JP" sz="2800" dirty="0"/>
+              <a:rPr lang="en-US" altLang="ja-JP" sz="2100" dirty="0"/>
               <a:t>†</a:t>
             </a:r>
-            <a:endParaRPr kumimoji="1" lang="en-US" altLang="ja-JP" sz="2800" dirty="0"/>
+            <a:endParaRPr kumimoji="1" lang="en-US" altLang="ja-JP" sz="2100" dirty="0"/>
           </a:p>
           <a:p>
             <a:endParaRPr kumimoji="1" lang="ja-JP" altLang="en-US" dirty="0"/>
@@ -4811,11 +7202,11 @@
           <a:lstStyle/>
           <a:p>
             <a:r>
-              <a:rPr kumimoji="1" lang="en-US" altLang="ja-JP" sz="2000" dirty="0"/>
+              <a:rPr kumimoji="1" lang="en-US" altLang="ja-JP" sz="1500" dirty="0"/>
               <a:t>†</a:t>
             </a:r>
             <a:r>
-              <a:rPr kumimoji="1" lang="ja-JP" altLang="en-US" sz="2000" dirty="0"/>
+              <a:rPr kumimoji="1" lang="ja-JP" altLang="en-US" sz="1500" dirty="0"/>
               <a:t>九州工業大学</a:t>
             </a:r>
           </a:p>
@@ -4851,6 +7242,36 @@
           <a:chExt cx="0" cy="0"/>
         </a:xfrm>
       </p:grpSpPr>
+      <p:graphicFrame>
+        <p:nvGraphicFramePr>
+          <p:cNvPr id="5" name="グラフ 4">
+            <a:extLst>
+              <a:ext uri="{FF2B5EF4-FFF2-40B4-BE49-F238E27FC236}">
+                <a16:creationId xmlns:a16="http://schemas.microsoft.com/office/drawing/2014/main" id="{379CC04E-B205-480D-ABF2-AD749E497199}"/>
+              </a:ext>
+            </a:extLst>
+          </p:cNvPr>
+          <p:cNvGraphicFramePr>
+            <a:graphicFrameLocks/>
+          </p:cNvGraphicFramePr>
+          <p:nvPr>
+            <p:extLst>
+              <p:ext uri="{D42A27DB-BD31-4B8C-83A1-F6EECF244321}">
+                <p14:modId xmlns:p14="http://schemas.microsoft.com/office/powerpoint/2010/main" val="426881336"/>
+              </p:ext>
+            </p:extLst>
+          </p:nvPr>
+        </p:nvGraphicFramePr>
+        <p:xfrm>
+          <a:off x="-1" y="2253313"/>
+          <a:ext cx="9144001" cy="4131733"/>
+        </p:xfrm>
+        <a:graphic>
+          <a:graphicData uri="http://schemas.openxmlformats.org/drawingml/2006/chart">
+            <c:chart xmlns:c="http://schemas.openxmlformats.org/drawingml/2006/chart" xmlns:r="http://schemas.openxmlformats.org/officeDocument/2006/relationships" r:id="rId2"/>
+          </a:graphicData>
+        </a:graphic>
+      </p:graphicFrame>
       <p:sp>
         <p:nvSpPr>
           <p:cNvPr id="2" name="タイトル 1">
@@ -4908,7 +7329,51 @@
           <a:bodyPr/>
           <a:lstStyle/>
           <a:p>
-            <a:endParaRPr kumimoji="1" lang="ja-JP" altLang="en-US"/>
+            <a:r>
+              <a:rPr kumimoji="1" lang="ja-JP" altLang="en-US" dirty="0"/>
+              <a:t>近年，</a:t>
+            </a:r>
+            <a:r>
+              <a:rPr lang="ja-JP" altLang="en-US" dirty="0"/>
+              <a:t>様々なサービスの提供にクラウド環境を活用することが増えている</a:t>
+            </a:r>
+            <a:endParaRPr kumimoji="1" lang="ja-JP" altLang="en-US" dirty="0"/>
+          </a:p>
+        </p:txBody>
+      </p:sp>
+      <p:sp>
+        <p:nvSpPr>
+          <p:cNvPr id="6" name="テキスト ボックス 5">
+            <a:extLst>
+              <a:ext uri="{FF2B5EF4-FFF2-40B4-BE49-F238E27FC236}">
+                <a16:creationId xmlns:a16="http://schemas.microsoft.com/office/drawing/2014/main" id="{15C045FA-220E-4C91-B7DE-94D978F110F6}"/>
+              </a:ext>
+            </a:extLst>
+          </p:cNvPr>
+          <p:cNvSpPr txBox="1"/>
+          <p:nvPr/>
+        </p:nvSpPr>
+        <p:spPr>
+          <a:xfrm>
+            <a:off x="204715" y="6385046"/>
+            <a:ext cx="6549165" cy="369332"/>
+          </a:xfrm>
+          <a:prstGeom prst="rect">
+            <a:avLst/>
+          </a:prstGeom>
+          <a:noFill/>
+        </p:spPr>
+        <p:txBody>
+          <a:bodyPr wrap="none" rtlCol="0">
+            <a:spAutoFit/>
+          </a:bodyPr>
+          <a:lstStyle/>
+          <a:p>
+            <a:r>
+              <a:rPr kumimoji="1" lang="en-US" altLang="zh-TW" dirty="0"/>
+              <a:t>http://www.soumu.go.jp/johotsusintokei/statistics/statistics05.html</a:t>
+            </a:r>
+            <a:endParaRPr kumimoji="1" lang="ja-JP" altLang="en-US" dirty="0"/>
           </a:p>
         </p:txBody>
       </p:sp>
@@ -4916,6 +7381,1126 @@
     <p:extLst>
       <p:ext uri="{BB962C8B-B14F-4D97-AF65-F5344CB8AC3E}">
         <p14:creationId xmlns:p14="http://schemas.microsoft.com/office/powerpoint/2010/main" val="3018890183"/>
+      </p:ext>
+    </p:extLst>
+  </p:cSld>
+  <p:clrMapOvr>
+    <a:masterClrMapping/>
+  </p:clrMapOvr>
+</p:sld>
+</file>
+
+<file path=ppt/slides/slide4.xml><?xml version="1.0" encoding="utf-8"?>
+<p:sld xmlns:a="http://schemas.openxmlformats.org/drawingml/2006/main" xmlns:r="http://schemas.openxmlformats.org/officeDocument/2006/relationships" xmlns:p="http://schemas.openxmlformats.org/presentationml/2006/main">
+  <p:cSld>
+    <p:spTree>
+      <p:nvGrpSpPr>
+        <p:cNvPr id="1" name=""/>
+        <p:cNvGrpSpPr/>
+        <p:nvPr/>
+      </p:nvGrpSpPr>
+      <p:grpSpPr>
+        <a:xfrm>
+          <a:off x="0" y="0"/>
+          <a:ext cx="0" cy="0"/>
+          <a:chOff x="0" y="0"/>
+          <a:chExt cx="0" cy="0"/>
+        </a:xfrm>
+      </p:grpSpPr>
+      <p:pic>
+        <p:nvPicPr>
+          <p:cNvPr id="13" name="図 12">
+            <a:extLst>
+              <a:ext uri="{FF2B5EF4-FFF2-40B4-BE49-F238E27FC236}">
+                <a16:creationId xmlns:a16="http://schemas.microsoft.com/office/drawing/2014/main" id="{3440F850-90C4-4CCC-819F-9779B6E7B142}"/>
+              </a:ext>
+            </a:extLst>
+          </p:cNvPr>
+          <p:cNvPicPr>
+            <a:picLocks noChangeAspect="1"/>
+          </p:cNvPicPr>
+          <p:nvPr/>
+        </p:nvPicPr>
+        <p:blipFill>
+          <a:blip r:embed="rId2">
+            <a:extLst>
+              <a:ext uri="{28A0092B-C50C-407E-A947-70E740481C1C}">
+                <a14:useLocalDpi xmlns:a14="http://schemas.microsoft.com/office/drawing/2010/main" val="0"/>
+              </a:ext>
+            </a:extLst>
+          </a:blip>
+          <a:stretch>
+            <a:fillRect/>
+          </a:stretch>
+        </p:blipFill>
+        <p:spPr>
+          <a:xfrm>
+            <a:off x="514350" y="3429000"/>
+            <a:ext cx="8115300" cy="3080398"/>
+          </a:xfrm>
+          <a:prstGeom prst="rect">
+            <a:avLst/>
+          </a:prstGeom>
+        </p:spPr>
+      </p:pic>
+      <p:sp>
+        <p:nvSpPr>
+          <p:cNvPr id="2" name="タイトル 1">
+            <a:extLst>
+              <a:ext uri="{FF2B5EF4-FFF2-40B4-BE49-F238E27FC236}">
+                <a16:creationId xmlns:a16="http://schemas.microsoft.com/office/drawing/2014/main" id="{E8437E22-2934-EC4A-ABD5-23CE4EE5FBC1}"/>
+              </a:ext>
+            </a:extLst>
+          </p:cNvPr>
+          <p:cNvSpPr>
+            <a:spLocks noGrp="1"/>
+          </p:cNvSpPr>
+          <p:nvPr>
+            <p:ph type="title"/>
+          </p:nvPr>
+        </p:nvSpPr>
+        <p:spPr/>
+        <p:txBody>
+          <a:bodyPr/>
+          <a:lstStyle/>
+          <a:p>
+            <a:r>
+              <a:rPr lang="ja-JP" altLang="en-US" dirty="0"/>
+              <a:t>研究背景（</a:t>
+            </a:r>
+            <a:r>
+              <a:rPr lang="en-US" altLang="ja-JP" dirty="0"/>
+              <a:t>2</a:t>
+            </a:r>
+            <a:r>
+              <a:rPr lang="ja-JP" altLang="en-US" dirty="0"/>
+              <a:t>）</a:t>
+            </a:r>
+          </a:p>
+        </p:txBody>
+      </p:sp>
+      <p:sp>
+        <p:nvSpPr>
+          <p:cNvPr id="3" name="コンテンツ プレースホルダー 2">
+            <a:extLst>
+              <a:ext uri="{FF2B5EF4-FFF2-40B4-BE49-F238E27FC236}">
+                <a16:creationId xmlns:a16="http://schemas.microsoft.com/office/drawing/2014/main" id="{AF712AEF-EE89-6041-92CC-EC0E669E4D94}"/>
+              </a:ext>
+            </a:extLst>
+          </p:cNvPr>
+          <p:cNvSpPr>
+            <a:spLocks noGrp="1"/>
+          </p:cNvSpPr>
+          <p:nvPr>
+            <p:ph idx="1"/>
+          </p:nvPr>
+        </p:nvSpPr>
+        <p:spPr/>
+        <p:txBody>
+          <a:bodyPr/>
+          <a:lstStyle/>
+          <a:p>
+            <a:r>
+              <a:rPr lang="ja-JP" altLang="en-US" dirty="0"/>
+              <a:t>アクティブ・スタンバイ方式</a:t>
+            </a:r>
+            <a:endParaRPr lang="en-US" altLang="ja-JP" dirty="0"/>
+          </a:p>
+          <a:p>
+            <a:pPr>
+              <a:buFont typeface="Wingdings" pitchFamily="2" charset="2"/>
+              <a:buChar char="l"/>
+            </a:pPr>
+            <a:r>
+              <a:rPr lang="ja-JP" altLang="en-US" dirty="0"/>
+              <a:t>システムを運用系，待機系に分け運用系に障害が発生した場合，待機系に切り替え復旧を行う</a:t>
+            </a:r>
+            <a:endParaRPr lang="en-US" altLang="ja-JP" dirty="0"/>
+          </a:p>
+          <a:p>
+            <a:pPr>
+              <a:buFont typeface="Wingdings" pitchFamily="2" charset="2"/>
+              <a:buChar char="l"/>
+            </a:pPr>
+            <a:r>
+              <a:rPr lang="ja-JP" altLang="en-US" dirty="0"/>
+              <a:t>待機系の状態から，ウォームスタンバイ，コールドスタンバイがある</a:t>
+            </a:r>
+            <a:endParaRPr lang="en-US" altLang="ja-JP" dirty="0"/>
+          </a:p>
+          <a:p>
+            <a:endParaRPr lang="en-US" altLang="ja-JP" dirty="0"/>
+          </a:p>
+          <a:p>
+            <a:endParaRPr lang="ja-JP" altLang="en-US" dirty="0"/>
+          </a:p>
+        </p:txBody>
+      </p:sp>
+      <p:sp>
+        <p:nvSpPr>
+          <p:cNvPr id="11" name="テキスト ボックス 10">
+            <a:extLst>
+              <a:ext uri="{FF2B5EF4-FFF2-40B4-BE49-F238E27FC236}">
+                <a16:creationId xmlns:a16="http://schemas.microsoft.com/office/drawing/2014/main" id="{ADFB2ED3-51B8-4E22-A805-769784C74BB5}"/>
+              </a:ext>
+            </a:extLst>
+          </p:cNvPr>
+          <p:cNvSpPr txBox="1"/>
+          <p:nvPr/>
+        </p:nvSpPr>
+        <p:spPr>
+          <a:xfrm>
+            <a:off x="6445690" y="6140066"/>
+            <a:ext cx="2084186" cy="369332"/>
+          </a:xfrm>
+          <a:prstGeom prst="rect">
+            <a:avLst/>
+          </a:prstGeom>
+          <a:noFill/>
+        </p:spPr>
+        <p:txBody>
+          <a:bodyPr wrap="square" rtlCol="0">
+            <a:spAutoFit/>
+          </a:bodyPr>
+          <a:lstStyle/>
+          <a:p>
+            <a:pPr algn="l"/>
+            <a:r>
+              <a:rPr lang="en-US" altLang="ja-JP" dirty="0"/>
+              <a:t>VM:Virtual Machine</a:t>
+            </a:r>
+            <a:endParaRPr lang="ja-JP" altLang="en-US" dirty="0"/>
+          </a:p>
+        </p:txBody>
+      </p:sp>
+    </p:spTree>
+    <p:extLst>
+      <p:ext uri="{BB962C8B-B14F-4D97-AF65-F5344CB8AC3E}">
+        <p14:creationId xmlns:p14="http://schemas.microsoft.com/office/powerpoint/2010/main" val="2285871321"/>
+      </p:ext>
+    </p:extLst>
+  </p:cSld>
+  <p:clrMapOvr>
+    <a:masterClrMapping/>
+  </p:clrMapOvr>
+</p:sld>
+</file>
+
+<file path=ppt/slides/slide5.xml><?xml version="1.0" encoding="utf-8"?>
+<p:sld xmlns:a="http://schemas.openxmlformats.org/drawingml/2006/main" xmlns:r="http://schemas.openxmlformats.org/officeDocument/2006/relationships" xmlns:p="http://schemas.openxmlformats.org/presentationml/2006/main">
+  <p:cSld>
+    <p:spTree>
+      <p:nvGrpSpPr>
+        <p:cNvPr id="1" name=""/>
+        <p:cNvGrpSpPr/>
+        <p:nvPr/>
+      </p:nvGrpSpPr>
+      <p:grpSpPr>
+        <a:xfrm>
+          <a:off x="0" y="0"/>
+          <a:ext cx="0" cy="0"/>
+          <a:chOff x="0" y="0"/>
+          <a:chExt cx="0" cy="0"/>
+        </a:xfrm>
+      </p:grpSpPr>
+      <p:pic>
+        <p:nvPicPr>
+          <p:cNvPr id="9" name="図 8">
+            <a:extLst>
+              <a:ext uri="{FF2B5EF4-FFF2-40B4-BE49-F238E27FC236}">
+                <a16:creationId xmlns:a16="http://schemas.microsoft.com/office/drawing/2014/main" id="{47B3C7AE-702C-4DA7-A8BC-5C95E15C1F6F}"/>
+              </a:ext>
+            </a:extLst>
+          </p:cNvPr>
+          <p:cNvPicPr>
+            <a:picLocks noChangeAspect="1"/>
+          </p:cNvPicPr>
+          <p:nvPr/>
+        </p:nvPicPr>
+        <p:blipFill>
+          <a:blip r:embed="rId2">
+            <a:extLst>
+              <a:ext uri="{28A0092B-C50C-407E-A947-70E740481C1C}">
+                <a14:useLocalDpi xmlns:a14="http://schemas.microsoft.com/office/drawing/2010/main" val="0"/>
+              </a:ext>
+            </a:extLst>
+          </a:blip>
+          <a:stretch>
+            <a:fillRect/>
+          </a:stretch>
+        </p:blipFill>
+        <p:spPr>
+          <a:xfrm>
+            <a:off x="269421" y="2648949"/>
+            <a:ext cx="8650877" cy="3477530"/>
+          </a:xfrm>
+          <a:prstGeom prst="rect">
+            <a:avLst/>
+          </a:prstGeom>
+        </p:spPr>
+      </p:pic>
+      <p:sp>
+        <p:nvSpPr>
+          <p:cNvPr id="2" name="タイトル 1">
+            <a:extLst>
+              <a:ext uri="{FF2B5EF4-FFF2-40B4-BE49-F238E27FC236}">
+                <a16:creationId xmlns:a16="http://schemas.microsoft.com/office/drawing/2014/main" id="{F376CE7E-65B8-9442-BD6A-827A513B11FF}"/>
+              </a:ext>
+            </a:extLst>
+          </p:cNvPr>
+          <p:cNvSpPr>
+            <a:spLocks noGrp="1"/>
+          </p:cNvSpPr>
+          <p:nvPr>
+            <p:ph type="title"/>
+          </p:nvPr>
+        </p:nvSpPr>
+        <p:spPr/>
+        <p:txBody>
+          <a:bodyPr/>
+          <a:lstStyle/>
+          <a:p>
+            <a:r>
+              <a:rPr lang="ja-JP" altLang="en-US" dirty="0"/>
+              <a:t>研究背景（</a:t>
+            </a:r>
+            <a:r>
+              <a:rPr lang="en-US" altLang="ja-JP" dirty="0"/>
+              <a:t>3</a:t>
+            </a:r>
+            <a:r>
+              <a:rPr lang="ja-JP" altLang="en-US" dirty="0"/>
+              <a:t>）</a:t>
+            </a:r>
+          </a:p>
+        </p:txBody>
+      </p:sp>
+      <p:sp>
+        <p:nvSpPr>
+          <p:cNvPr id="3" name="コンテンツ プレースホルダー 2">
+            <a:extLst>
+              <a:ext uri="{FF2B5EF4-FFF2-40B4-BE49-F238E27FC236}">
+                <a16:creationId xmlns:a16="http://schemas.microsoft.com/office/drawing/2014/main" id="{7D2DDC3B-8F71-3448-B388-09A7CD69062A}"/>
+              </a:ext>
+            </a:extLst>
+          </p:cNvPr>
+          <p:cNvSpPr>
+            <a:spLocks noGrp="1"/>
+          </p:cNvSpPr>
+          <p:nvPr>
+            <p:ph idx="1"/>
+          </p:nvPr>
+        </p:nvSpPr>
+        <p:spPr/>
+        <p:txBody>
+          <a:bodyPr/>
+          <a:lstStyle/>
+          <a:p>
+            <a:r>
+              <a:rPr lang="ja-JP" altLang="en-US" dirty="0"/>
+              <a:t>ウォームスタンバイの問題点</a:t>
+            </a:r>
+            <a:endParaRPr lang="en-US" altLang="ja-JP" dirty="0"/>
+          </a:p>
+          <a:p>
+            <a:pPr>
+              <a:buFont typeface="Wingdings" pitchFamily="2" charset="2"/>
+              <a:buChar char="l"/>
+            </a:pPr>
+            <a:r>
+              <a:rPr lang="ja-JP" altLang="en-US" dirty="0"/>
+              <a:t>待機系を常時動作する必要があるため，コストがかかる</a:t>
+            </a:r>
+          </a:p>
+        </p:txBody>
+      </p:sp>
+    </p:spTree>
+    <p:extLst>
+      <p:ext uri="{BB962C8B-B14F-4D97-AF65-F5344CB8AC3E}">
+        <p14:creationId xmlns:p14="http://schemas.microsoft.com/office/powerpoint/2010/main" val="1282030004"/>
+      </p:ext>
+    </p:extLst>
+  </p:cSld>
+  <p:clrMapOvr>
+    <a:masterClrMapping/>
+  </p:clrMapOvr>
+</p:sld>
+</file>
+
+<file path=ppt/slides/slide6.xml><?xml version="1.0" encoding="utf-8"?>
+<p:sld xmlns:a="http://schemas.openxmlformats.org/drawingml/2006/main" xmlns:r="http://schemas.openxmlformats.org/officeDocument/2006/relationships" xmlns:p="http://schemas.openxmlformats.org/presentationml/2006/main">
+  <p:cSld>
+    <p:spTree>
+      <p:nvGrpSpPr>
+        <p:cNvPr id="1" name=""/>
+        <p:cNvGrpSpPr/>
+        <p:nvPr/>
+      </p:nvGrpSpPr>
+      <p:grpSpPr>
+        <a:xfrm>
+          <a:off x="0" y="0"/>
+          <a:ext cx="0" cy="0"/>
+          <a:chOff x="0" y="0"/>
+          <a:chExt cx="0" cy="0"/>
+        </a:xfrm>
+      </p:grpSpPr>
+      <p:pic>
+        <p:nvPicPr>
+          <p:cNvPr id="6" name="図 5">
+            <a:extLst>
+              <a:ext uri="{FF2B5EF4-FFF2-40B4-BE49-F238E27FC236}">
+                <a16:creationId xmlns:a16="http://schemas.microsoft.com/office/drawing/2014/main" id="{2DC9E15C-EB31-4C4C-A346-825D425582D6}"/>
+              </a:ext>
+            </a:extLst>
+          </p:cNvPr>
+          <p:cNvPicPr>
+            <a:picLocks noChangeAspect="1"/>
+          </p:cNvPicPr>
+          <p:nvPr/>
+        </p:nvPicPr>
+        <p:blipFill>
+          <a:blip r:embed="rId2">
+            <a:extLst>
+              <a:ext uri="{28A0092B-C50C-407E-A947-70E740481C1C}">
+                <a14:useLocalDpi xmlns:a14="http://schemas.microsoft.com/office/drawing/2010/main" val="0"/>
+              </a:ext>
+            </a:extLst>
+          </a:blip>
+          <a:stretch>
+            <a:fillRect/>
+          </a:stretch>
+        </p:blipFill>
+        <p:spPr>
+          <a:xfrm>
+            <a:off x="195943" y="2783047"/>
+            <a:ext cx="8752114" cy="3460997"/>
+          </a:xfrm>
+          <a:prstGeom prst="rect">
+            <a:avLst/>
+          </a:prstGeom>
+        </p:spPr>
+      </p:pic>
+      <p:sp>
+        <p:nvSpPr>
+          <p:cNvPr id="2" name="タイトル 1">
+            <a:extLst>
+              <a:ext uri="{FF2B5EF4-FFF2-40B4-BE49-F238E27FC236}">
+                <a16:creationId xmlns:a16="http://schemas.microsoft.com/office/drawing/2014/main" id="{60637218-BE40-EF4F-8DCF-B8DC982E0FB5}"/>
+              </a:ext>
+            </a:extLst>
+          </p:cNvPr>
+          <p:cNvSpPr>
+            <a:spLocks noGrp="1"/>
+          </p:cNvSpPr>
+          <p:nvPr>
+            <p:ph type="title"/>
+          </p:nvPr>
+        </p:nvSpPr>
+        <p:spPr/>
+        <p:txBody>
+          <a:bodyPr/>
+          <a:lstStyle/>
+          <a:p>
+            <a:r>
+              <a:rPr lang="ja-JP" altLang="en-US" dirty="0"/>
+              <a:t>研究背景（</a:t>
+            </a:r>
+            <a:r>
+              <a:rPr lang="en-US" altLang="ja-JP" dirty="0"/>
+              <a:t>4</a:t>
+            </a:r>
+            <a:r>
+              <a:rPr lang="ja-JP" altLang="en-US" dirty="0"/>
+              <a:t>）</a:t>
+            </a:r>
+          </a:p>
+        </p:txBody>
+      </p:sp>
+      <p:sp>
+        <p:nvSpPr>
+          <p:cNvPr id="3" name="コンテンツ プレースホルダー 2">
+            <a:extLst>
+              <a:ext uri="{FF2B5EF4-FFF2-40B4-BE49-F238E27FC236}">
+                <a16:creationId xmlns:a16="http://schemas.microsoft.com/office/drawing/2014/main" id="{5B92B723-B594-664D-A853-581FAD774F6C}"/>
+              </a:ext>
+            </a:extLst>
+          </p:cNvPr>
+          <p:cNvSpPr>
+            <a:spLocks noGrp="1"/>
+          </p:cNvSpPr>
+          <p:nvPr>
+            <p:ph idx="1"/>
+          </p:nvPr>
+        </p:nvSpPr>
+        <p:spPr/>
+        <p:txBody>
+          <a:bodyPr/>
+          <a:lstStyle/>
+          <a:p>
+            <a:r>
+              <a:rPr lang="ja-JP" altLang="en-US" dirty="0"/>
+              <a:t>コールドスタンバイの問題点</a:t>
+            </a:r>
+            <a:endParaRPr lang="en-US" altLang="ja-JP" dirty="0"/>
+          </a:p>
+          <a:p>
+            <a:pPr>
+              <a:buFont typeface="Wingdings" pitchFamily="2" charset="2"/>
+              <a:buChar char="l"/>
+            </a:pPr>
+            <a:r>
+              <a:rPr lang="ja-JP" altLang="en-US" dirty="0"/>
+              <a:t>復旧時間が長くなる</a:t>
+            </a:r>
+          </a:p>
+        </p:txBody>
+      </p:sp>
+    </p:spTree>
+    <p:extLst>
+      <p:ext uri="{BB962C8B-B14F-4D97-AF65-F5344CB8AC3E}">
+        <p14:creationId xmlns:p14="http://schemas.microsoft.com/office/powerpoint/2010/main" val="2523643129"/>
+      </p:ext>
+    </p:extLst>
+  </p:cSld>
+  <p:clrMapOvr>
+    <a:masterClrMapping/>
+  </p:clrMapOvr>
+</p:sld>
+</file>
+
+<file path=ppt/slides/slide7.xml><?xml version="1.0" encoding="utf-8"?>
+<p:sld xmlns:a="http://schemas.openxmlformats.org/drawingml/2006/main" xmlns:r="http://schemas.openxmlformats.org/officeDocument/2006/relationships" xmlns:p="http://schemas.openxmlformats.org/presentationml/2006/main">
+  <p:cSld>
+    <p:spTree>
+      <p:nvGrpSpPr>
+        <p:cNvPr id="1" name=""/>
+        <p:cNvGrpSpPr/>
+        <p:nvPr/>
+      </p:nvGrpSpPr>
+      <p:grpSpPr>
+        <a:xfrm>
+          <a:off x="0" y="0"/>
+          <a:ext cx="0" cy="0"/>
+          <a:chOff x="0" y="0"/>
+          <a:chExt cx="0" cy="0"/>
+        </a:xfrm>
+      </p:grpSpPr>
+      <p:sp>
+        <p:nvSpPr>
+          <p:cNvPr id="2" name="タイトル 1">
+            <a:extLst>
+              <a:ext uri="{FF2B5EF4-FFF2-40B4-BE49-F238E27FC236}">
+                <a16:creationId xmlns:a16="http://schemas.microsoft.com/office/drawing/2014/main" id="{132D21FA-E66E-4CF1-AF43-073D8D6C9B74}"/>
+              </a:ext>
+            </a:extLst>
+          </p:cNvPr>
+          <p:cNvSpPr>
+            <a:spLocks noGrp="1"/>
+          </p:cNvSpPr>
+          <p:nvPr>
+            <p:ph type="title"/>
+          </p:nvPr>
+        </p:nvSpPr>
+        <p:spPr/>
+        <p:txBody>
+          <a:bodyPr/>
+          <a:lstStyle/>
+          <a:p>
+            <a:r>
+              <a:rPr kumimoji="1" lang="ja-JP" altLang="en-US" dirty="0"/>
+              <a:t>関連研究（</a:t>
+            </a:r>
+            <a:r>
+              <a:rPr kumimoji="1" lang="en-US" altLang="ja-JP" dirty="0"/>
+              <a:t>1</a:t>
+            </a:r>
+            <a:r>
+              <a:rPr kumimoji="1" lang="ja-JP" altLang="en-US" dirty="0"/>
+              <a:t>）</a:t>
+            </a:r>
+          </a:p>
+        </p:txBody>
+      </p:sp>
+      <p:sp>
+        <p:nvSpPr>
+          <p:cNvPr id="3" name="コンテンツ プレースホルダー 2">
+            <a:extLst>
+              <a:ext uri="{FF2B5EF4-FFF2-40B4-BE49-F238E27FC236}">
+                <a16:creationId xmlns:a16="http://schemas.microsoft.com/office/drawing/2014/main" id="{7EAD23FF-A2EA-45F9-8027-ED9E7227C104}"/>
+              </a:ext>
+            </a:extLst>
+          </p:cNvPr>
+          <p:cNvSpPr>
+            <a:spLocks noGrp="1"/>
+          </p:cNvSpPr>
+          <p:nvPr>
+            <p:ph idx="1"/>
+          </p:nvPr>
+        </p:nvSpPr>
+        <p:spPr/>
+        <p:txBody>
+          <a:bodyPr/>
+          <a:lstStyle/>
+          <a:p>
+            <a:pPr>
+              <a:buFont typeface="Wingdings" panose="05000000000000000000" pitchFamily="2" charset="2"/>
+              <a:buChar char="l"/>
+            </a:pPr>
+            <a:r>
+              <a:rPr kumimoji="1" lang="en-US" altLang="ja-JP" dirty="0" err="1"/>
+              <a:t>Picocenter</a:t>
+            </a:r>
+            <a:endParaRPr kumimoji="1" lang="en-US" altLang="ja-JP" dirty="0"/>
+          </a:p>
+          <a:p>
+            <a:pPr lvl="1">
+              <a:buFont typeface="Wingdings" panose="05000000000000000000" pitchFamily="2" charset="2"/>
+              <a:buChar char="l"/>
+            </a:pPr>
+            <a:r>
+              <a:rPr kumimoji="1" lang="ja-JP" altLang="en-US" dirty="0"/>
+              <a:t>長期間実行されるが，ほとんど使用</a:t>
+            </a:r>
+            <a:r>
+              <a:rPr lang="ja-JP" altLang="en-US" dirty="0"/>
+              <a:t>されないサービスを</a:t>
+            </a:r>
+            <a:r>
+              <a:rPr lang="en-US" altLang="ja-JP" dirty="0"/>
+              <a:t>VM</a:t>
+            </a:r>
+            <a:r>
+              <a:rPr lang="ja-JP" altLang="en-US" dirty="0"/>
+              <a:t>内コンテナを用いて実行する</a:t>
+            </a:r>
+            <a:endParaRPr lang="en-US" altLang="ja-JP" dirty="0"/>
+          </a:p>
+          <a:p>
+            <a:pPr lvl="1">
+              <a:buFont typeface="Wingdings" panose="05000000000000000000" pitchFamily="2" charset="2"/>
+              <a:buChar char="l"/>
+            </a:pPr>
+            <a:r>
+              <a:rPr kumimoji="1" lang="ja-JP" altLang="en-US" dirty="0"/>
+              <a:t>サービスの要求があるまでは，コンテナごとストレージに退避させる</a:t>
+            </a:r>
+            <a:endParaRPr kumimoji="1" lang="en-US" altLang="ja-JP" dirty="0"/>
+          </a:p>
+        </p:txBody>
+      </p:sp>
+      <p:pic>
+        <p:nvPicPr>
+          <p:cNvPr id="6" name="図 5">
+            <a:extLst>
+              <a:ext uri="{FF2B5EF4-FFF2-40B4-BE49-F238E27FC236}">
+                <a16:creationId xmlns:a16="http://schemas.microsoft.com/office/drawing/2014/main" id="{DDBDB3EB-2E04-47CE-A11A-45E03D769AEB}"/>
+              </a:ext>
+            </a:extLst>
+          </p:cNvPr>
+          <p:cNvPicPr>
+            <a:picLocks noChangeAspect="1"/>
+          </p:cNvPicPr>
+          <p:nvPr/>
+        </p:nvPicPr>
+        <p:blipFill>
+          <a:blip r:embed="rId2">
+            <a:extLst>
+              <a:ext uri="{28A0092B-C50C-407E-A947-70E740481C1C}">
+                <a14:useLocalDpi xmlns:a14="http://schemas.microsoft.com/office/drawing/2010/main" val="0"/>
+              </a:ext>
+            </a:extLst>
+          </a:blip>
+          <a:stretch>
+            <a:fillRect/>
+          </a:stretch>
+        </p:blipFill>
+        <p:spPr>
+          <a:xfrm>
+            <a:off x="202418" y="3297722"/>
+            <a:ext cx="8739163" cy="3273674"/>
+          </a:xfrm>
+          <a:prstGeom prst="rect">
+            <a:avLst/>
+          </a:prstGeom>
+        </p:spPr>
+      </p:pic>
+    </p:spTree>
+    <p:extLst>
+      <p:ext uri="{BB962C8B-B14F-4D97-AF65-F5344CB8AC3E}">
+        <p14:creationId xmlns:p14="http://schemas.microsoft.com/office/powerpoint/2010/main" val="2690523227"/>
+      </p:ext>
+    </p:extLst>
+  </p:cSld>
+  <p:clrMapOvr>
+    <a:masterClrMapping/>
+  </p:clrMapOvr>
+</p:sld>
+</file>
+
+<file path=ppt/slides/slide8.xml><?xml version="1.0" encoding="utf-8"?>
+<p:sld xmlns:a="http://schemas.openxmlformats.org/drawingml/2006/main" xmlns:r="http://schemas.openxmlformats.org/officeDocument/2006/relationships" xmlns:p="http://schemas.openxmlformats.org/presentationml/2006/main">
+  <p:cSld>
+    <p:spTree>
+      <p:nvGrpSpPr>
+        <p:cNvPr id="1" name=""/>
+        <p:cNvGrpSpPr/>
+        <p:nvPr/>
+      </p:nvGrpSpPr>
+      <p:grpSpPr>
+        <a:xfrm>
+          <a:off x="0" y="0"/>
+          <a:ext cx="0" cy="0"/>
+          <a:chOff x="0" y="0"/>
+          <a:chExt cx="0" cy="0"/>
+        </a:xfrm>
+      </p:grpSpPr>
+      <p:sp>
+        <p:nvSpPr>
+          <p:cNvPr id="2" name="タイトル 1">
+            <a:extLst>
+              <a:ext uri="{FF2B5EF4-FFF2-40B4-BE49-F238E27FC236}">
+                <a16:creationId xmlns:a16="http://schemas.microsoft.com/office/drawing/2014/main" id="{09BFE5B6-6CDE-47AB-93F1-578EA3EE55D2}"/>
+              </a:ext>
+            </a:extLst>
+          </p:cNvPr>
+          <p:cNvSpPr>
+            <a:spLocks noGrp="1"/>
+          </p:cNvSpPr>
+          <p:nvPr>
+            <p:ph type="title"/>
+          </p:nvPr>
+        </p:nvSpPr>
+        <p:spPr/>
+        <p:txBody>
+          <a:bodyPr/>
+          <a:lstStyle/>
+          <a:p>
+            <a:r>
+              <a:rPr lang="ja-JP" altLang="en-US" dirty="0"/>
+              <a:t>関連研究（</a:t>
+            </a:r>
+            <a:r>
+              <a:rPr lang="en-US" altLang="ja-JP" dirty="0"/>
+              <a:t>2</a:t>
+            </a:r>
+            <a:r>
+              <a:rPr lang="ja-JP" altLang="en-US" dirty="0"/>
+              <a:t>）</a:t>
+            </a:r>
+            <a:endParaRPr kumimoji="1" lang="ja-JP" altLang="en-US" dirty="0"/>
+          </a:p>
+        </p:txBody>
+      </p:sp>
+      <p:sp>
+        <p:nvSpPr>
+          <p:cNvPr id="3" name="コンテンツ プレースホルダー 2">
+            <a:extLst>
+              <a:ext uri="{FF2B5EF4-FFF2-40B4-BE49-F238E27FC236}">
+                <a16:creationId xmlns:a16="http://schemas.microsoft.com/office/drawing/2014/main" id="{6FBA5505-0C88-42DE-BD37-637189F6D12B}"/>
+              </a:ext>
+            </a:extLst>
+          </p:cNvPr>
+          <p:cNvSpPr>
+            <a:spLocks noGrp="1"/>
+          </p:cNvSpPr>
+          <p:nvPr>
+            <p:ph idx="1"/>
+          </p:nvPr>
+        </p:nvSpPr>
+        <p:spPr/>
+        <p:txBody>
+          <a:bodyPr/>
+          <a:lstStyle/>
+          <a:p>
+            <a:pPr>
+              <a:buFont typeface="Wingdings" panose="05000000000000000000" pitchFamily="2" charset="2"/>
+              <a:buChar char="l"/>
+            </a:pPr>
+            <a:r>
+              <a:rPr lang="en-US" altLang="ja-JP" dirty="0" err="1"/>
+              <a:t>FlexCapsule</a:t>
+            </a:r>
+            <a:endParaRPr lang="en-US" altLang="ja-JP" dirty="0"/>
+          </a:p>
+          <a:p>
+            <a:pPr lvl="1">
+              <a:buFont typeface="Wingdings" panose="05000000000000000000" pitchFamily="2" charset="2"/>
+              <a:buChar char="l"/>
+            </a:pPr>
+            <a:r>
+              <a:rPr lang="en-US" altLang="ja-JP" dirty="0"/>
+              <a:t>VM</a:t>
+            </a:r>
+            <a:r>
+              <a:rPr lang="ja-JP" altLang="en-US" dirty="0"/>
+              <a:t>内で複数の軽量化した</a:t>
+            </a:r>
+            <a:r>
+              <a:rPr lang="en-US" altLang="ja-JP" dirty="0"/>
+              <a:t>VM</a:t>
+            </a:r>
+            <a:r>
+              <a:rPr lang="ja-JP" altLang="en-US" dirty="0"/>
+              <a:t>を用いてサービスを提供する</a:t>
+            </a:r>
+            <a:endParaRPr lang="en-US" altLang="ja-JP" dirty="0"/>
+          </a:p>
+          <a:p>
+            <a:pPr lvl="1">
+              <a:buFont typeface="Wingdings" panose="05000000000000000000" pitchFamily="2" charset="2"/>
+              <a:buChar char="l"/>
+            </a:pPr>
+            <a:r>
+              <a:rPr lang="en-US" altLang="ja-JP" dirty="0"/>
+              <a:t>VM</a:t>
+            </a:r>
+            <a:r>
+              <a:rPr lang="ja-JP" altLang="en-US" dirty="0"/>
+              <a:t>内で</a:t>
+            </a:r>
+            <a:r>
+              <a:rPr lang="en-US" altLang="ja-JP" dirty="0"/>
+              <a:t>VM</a:t>
+            </a:r>
+            <a:r>
+              <a:rPr lang="ja-JP" altLang="en-US" dirty="0"/>
+              <a:t>を利用するため，オーバヘッドが大きい</a:t>
+            </a:r>
+          </a:p>
+          <a:p>
+            <a:endParaRPr kumimoji="1" lang="ja-JP" altLang="en-US" dirty="0"/>
+          </a:p>
+        </p:txBody>
+      </p:sp>
+      <p:pic>
+        <p:nvPicPr>
+          <p:cNvPr id="5" name="図 4">
+            <a:extLst>
+              <a:ext uri="{FF2B5EF4-FFF2-40B4-BE49-F238E27FC236}">
+                <a16:creationId xmlns:a16="http://schemas.microsoft.com/office/drawing/2014/main" id="{6CA1231C-0C3B-4E2B-AFE1-E130C5CBB424}"/>
+              </a:ext>
+            </a:extLst>
+          </p:cNvPr>
+          <p:cNvPicPr>
+            <a:picLocks noChangeAspect="1"/>
+          </p:cNvPicPr>
+          <p:nvPr/>
+        </p:nvPicPr>
+        <p:blipFill rotWithShape="1">
+          <a:blip r:embed="rId2">
+            <a:extLst>
+              <a:ext uri="{28A0092B-C50C-407E-A947-70E740481C1C}">
+                <a14:useLocalDpi xmlns:a14="http://schemas.microsoft.com/office/drawing/2010/main" val="0"/>
+              </a:ext>
+            </a:extLst>
+          </a:blip>
+          <a:srcRect l="3108" t="5475"/>
+          <a:stretch/>
+        </p:blipFill>
+        <p:spPr>
+          <a:xfrm>
+            <a:off x="650693" y="3069772"/>
+            <a:ext cx="7888333" cy="3083612"/>
+          </a:xfrm>
+          <a:prstGeom prst="rect">
+            <a:avLst/>
+          </a:prstGeom>
+        </p:spPr>
+      </p:pic>
+    </p:spTree>
+    <p:extLst>
+      <p:ext uri="{BB962C8B-B14F-4D97-AF65-F5344CB8AC3E}">
+        <p14:creationId xmlns:p14="http://schemas.microsoft.com/office/powerpoint/2010/main" val="3744471788"/>
+      </p:ext>
+    </p:extLst>
+  </p:cSld>
+  <p:clrMapOvr>
+    <a:masterClrMapping/>
+  </p:clrMapOvr>
+</p:sld>
+</file>
+
+<file path=ppt/slides/slide9.xml><?xml version="1.0" encoding="utf-8"?>
+<p:sld xmlns:a="http://schemas.openxmlformats.org/drawingml/2006/main" xmlns:r="http://schemas.openxmlformats.org/officeDocument/2006/relationships" xmlns:p="http://schemas.openxmlformats.org/presentationml/2006/main">
+  <p:cSld>
+    <p:spTree>
+      <p:nvGrpSpPr>
+        <p:cNvPr id="1" name=""/>
+        <p:cNvGrpSpPr/>
+        <p:nvPr/>
+      </p:nvGrpSpPr>
+      <p:grpSpPr>
+        <a:xfrm>
+          <a:off x="0" y="0"/>
+          <a:ext cx="0" cy="0"/>
+          <a:chOff x="0" y="0"/>
+          <a:chExt cx="0" cy="0"/>
+        </a:xfrm>
+      </p:grpSpPr>
+      <p:sp>
+        <p:nvSpPr>
+          <p:cNvPr id="2" name="タイトル 1">
+            <a:extLst>
+              <a:ext uri="{FF2B5EF4-FFF2-40B4-BE49-F238E27FC236}">
+                <a16:creationId xmlns:a16="http://schemas.microsoft.com/office/drawing/2014/main" id="{1680CAF0-73CF-E54B-9C0B-FD80325F8A08}"/>
+              </a:ext>
+            </a:extLst>
+          </p:cNvPr>
+          <p:cNvSpPr>
+            <a:spLocks noGrp="1"/>
+          </p:cNvSpPr>
+          <p:nvPr>
+            <p:ph type="title"/>
+          </p:nvPr>
+        </p:nvSpPr>
+        <p:spPr/>
+        <p:txBody>
+          <a:bodyPr/>
+          <a:lstStyle/>
+          <a:p>
+            <a:r>
+              <a:rPr lang="ja-JP" altLang="en-US" dirty="0"/>
+              <a:t>研究目的</a:t>
+            </a:r>
+          </a:p>
+        </p:txBody>
+      </p:sp>
+      <p:graphicFrame>
+        <p:nvGraphicFramePr>
+          <p:cNvPr id="4" name="表 4">
+            <a:extLst>
+              <a:ext uri="{FF2B5EF4-FFF2-40B4-BE49-F238E27FC236}">
+                <a16:creationId xmlns:a16="http://schemas.microsoft.com/office/drawing/2014/main" id="{D4579310-8E53-FA41-83E8-7A9F57815A9B}"/>
+              </a:ext>
+            </a:extLst>
+          </p:cNvPr>
+          <p:cNvGraphicFramePr>
+            <a:graphicFrameLocks noGrp="1"/>
+          </p:cNvGraphicFramePr>
+          <p:nvPr>
+            <p:ph idx="1"/>
+            <p:extLst>
+              <p:ext uri="{D42A27DB-BD31-4B8C-83A1-F6EECF244321}">
+                <p14:modId xmlns:p14="http://schemas.microsoft.com/office/powerpoint/2010/main" val="2174273837"/>
+              </p:ext>
+            </p:extLst>
+          </p:nvPr>
+        </p:nvGraphicFramePr>
+        <p:xfrm>
+          <a:off x="822963" y="2285625"/>
+          <a:ext cx="7543797" cy="1518162"/>
+        </p:xfrm>
+        <a:graphic>
+          <a:graphicData uri="http://schemas.openxmlformats.org/drawingml/2006/table">
+            <a:tbl>
+              <a:tblPr firstRow="1" bandRow="1">
+                <a:tableStyleId>{5C22544A-7EE6-4342-B048-85BDC9FD1C3A}</a:tableStyleId>
+              </a:tblPr>
+              <a:tblGrid>
+                <a:gridCol w="2514599">
+                  <a:extLst>
+                    <a:ext uri="{9D8B030D-6E8A-4147-A177-3AD203B41FA5}">
+                      <a16:colId xmlns:a16="http://schemas.microsoft.com/office/drawing/2014/main" val="683285811"/>
+                    </a:ext>
+                  </a:extLst>
+                </a:gridCol>
+                <a:gridCol w="2514599">
+                  <a:extLst>
+                    <a:ext uri="{9D8B030D-6E8A-4147-A177-3AD203B41FA5}">
+                      <a16:colId xmlns:a16="http://schemas.microsoft.com/office/drawing/2014/main" val="1124612489"/>
+                    </a:ext>
+                  </a:extLst>
+                </a:gridCol>
+                <a:gridCol w="2514599">
+                  <a:extLst>
+                    <a:ext uri="{9D8B030D-6E8A-4147-A177-3AD203B41FA5}">
+                      <a16:colId xmlns:a16="http://schemas.microsoft.com/office/drawing/2014/main" val="2758401340"/>
+                    </a:ext>
+                  </a:extLst>
+                </a:gridCol>
+              </a:tblGrid>
+              <a:tr h="506054">
+                <a:tc>
+                  <a:txBody>
+                    <a:bodyPr/>
+                    <a:lstStyle/>
+                    <a:p>
+                      <a:r>
+                        <a:rPr kumimoji="1" lang="ja-JP" altLang="en-US" sz="2100" dirty="0"/>
+                        <a:t>待機系の状態</a:t>
+                      </a:r>
+                    </a:p>
+                  </a:txBody>
+                  <a:tcPr marL="68580" marR="68580" marT="34290" marB="34290"/>
+                </a:tc>
+                <a:tc>
+                  <a:txBody>
+                    <a:bodyPr/>
+                    <a:lstStyle/>
+                    <a:p>
+                      <a:r>
+                        <a:rPr kumimoji="1" lang="ja-JP" altLang="en-US" sz="2100" dirty="0"/>
+                        <a:t>コスト</a:t>
+                      </a:r>
+                    </a:p>
+                  </a:txBody>
+                  <a:tcPr marL="68580" marR="68580" marT="34290" marB="34290"/>
+                </a:tc>
+                <a:tc>
+                  <a:txBody>
+                    <a:bodyPr/>
+                    <a:lstStyle/>
+                    <a:p>
+                      <a:r>
+                        <a:rPr kumimoji="1" lang="ja-JP" altLang="en-US" sz="2100" dirty="0"/>
+                        <a:t>復旧の速さ</a:t>
+                      </a:r>
+                    </a:p>
+                  </a:txBody>
+                  <a:tcPr marL="68580" marR="68580" marT="34290" marB="34290"/>
+                </a:tc>
+                <a:extLst>
+                  <a:ext uri="{0D108BD9-81ED-4DB2-BD59-A6C34878D82A}">
+                    <a16:rowId xmlns:a16="http://schemas.microsoft.com/office/drawing/2014/main" val="325463337"/>
+                  </a:ext>
+                </a:extLst>
+              </a:tr>
+              <a:tr h="506054">
+                <a:tc>
+                  <a:txBody>
+                    <a:bodyPr/>
+                    <a:lstStyle/>
+                    <a:p>
+                      <a:r>
+                        <a:rPr kumimoji="1" lang="ja-JP" altLang="en-US" sz="2100" dirty="0"/>
+                        <a:t>ウォームスタンバイ</a:t>
+                      </a:r>
+                    </a:p>
+                  </a:txBody>
+                  <a:tcPr marL="68580" marR="68580" marT="34290" marB="34290"/>
+                </a:tc>
+                <a:tc>
+                  <a:txBody>
+                    <a:bodyPr/>
+                    <a:lstStyle/>
+                    <a:p>
+                      <a:r>
+                        <a:rPr kumimoji="1" lang="ja-JP" altLang="en-US" sz="2100" dirty="0"/>
+                        <a:t>高い</a:t>
+                      </a:r>
+                    </a:p>
+                  </a:txBody>
+                  <a:tcPr marL="68580" marR="68580" marT="34290" marB="34290"/>
+                </a:tc>
+                <a:tc>
+                  <a:txBody>
+                    <a:bodyPr/>
+                    <a:lstStyle/>
+                    <a:p>
+                      <a:r>
+                        <a:rPr kumimoji="1" lang="ja-JP" altLang="en-US" sz="2100" dirty="0"/>
+                        <a:t>速い</a:t>
+                      </a:r>
+                    </a:p>
+                  </a:txBody>
+                  <a:tcPr marL="68580" marR="68580" marT="34290" marB="34290"/>
+                </a:tc>
+                <a:extLst>
+                  <a:ext uri="{0D108BD9-81ED-4DB2-BD59-A6C34878D82A}">
+                    <a16:rowId xmlns:a16="http://schemas.microsoft.com/office/drawing/2014/main" val="280380914"/>
+                  </a:ext>
+                </a:extLst>
+              </a:tr>
+              <a:tr h="506054">
+                <a:tc>
+                  <a:txBody>
+                    <a:bodyPr/>
+                    <a:lstStyle/>
+                    <a:p>
+                      <a:r>
+                        <a:rPr kumimoji="1" lang="ja-JP" altLang="en-US" sz="2100" dirty="0"/>
+                        <a:t>コールドスタンバイ</a:t>
+                      </a:r>
+                    </a:p>
+                  </a:txBody>
+                  <a:tcPr marL="68580" marR="68580" marT="34290" marB="34290"/>
+                </a:tc>
+                <a:tc>
+                  <a:txBody>
+                    <a:bodyPr/>
+                    <a:lstStyle/>
+                    <a:p>
+                      <a:r>
+                        <a:rPr kumimoji="1" lang="ja-JP" altLang="en-US" sz="2100" dirty="0"/>
+                        <a:t>低い</a:t>
+                      </a:r>
+                    </a:p>
+                  </a:txBody>
+                  <a:tcPr marL="68580" marR="68580" marT="34290" marB="34290"/>
+                </a:tc>
+                <a:tc>
+                  <a:txBody>
+                    <a:bodyPr/>
+                    <a:lstStyle/>
+                    <a:p>
+                      <a:r>
+                        <a:rPr kumimoji="1" lang="ja-JP" altLang="en-US" sz="2100" dirty="0"/>
+                        <a:t>遅い</a:t>
+                      </a:r>
+                    </a:p>
+                  </a:txBody>
+                  <a:tcPr marL="68580" marR="68580" marT="34290" marB="34290"/>
+                </a:tc>
+                <a:extLst>
+                  <a:ext uri="{0D108BD9-81ED-4DB2-BD59-A6C34878D82A}">
+                    <a16:rowId xmlns:a16="http://schemas.microsoft.com/office/drawing/2014/main" val="3876564615"/>
+                  </a:ext>
+                </a:extLst>
+              </a:tr>
+            </a:tbl>
+          </a:graphicData>
+        </a:graphic>
+      </p:graphicFrame>
+      <p:sp>
+        <p:nvSpPr>
+          <p:cNvPr id="6" name="テキスト ボックス 5">
+            <a:extLst>
+              <a:ext uri="{FF2B5EF4-FFF2-40B4-BE49-F238E27FC236}">
+                <a16:creationId xmlns:a16="http://schemas.microsoft.com/office/drawing/2014/main" id="{4E7DB0DE-11BA-3A4E-9027-C4D97210020E}"/>
+              </a:ext>
+            </a:extLst>
+          </p:cNvPr>
+          <p:cNvSpPr txBox="1"/>
+          <p:nvPr/>
+        </p:nvSpPr>
+        <p:spPr>
+          <a:xfrm>
+            <a:off x="822962" y="4352051"/>
+            <a:ext cx="7543798" cy="500137"/>
+          </a:xfrm>
+          <a:prstGeom prst="rect">
+            <a:avLst/>
+          </a:prstGeom>
+          <a:noFill/>
+        </p:spPr>
+        <p:txBody>
+          <a:bodyPr wrap="square" lIns="68580" tIns="34290" rIns="68580" bIns="34290" rtlCol="0">
+            <a:spAutoFit/>
+          </a:bodyPr>
+          <a:lstStyle/>
+          <a:p>
+            <a:pPr algn="ctr"/>
+            <a:r>
+              <a:rPr lang="ja-JP" altLang="en-US" sz="2800" b="1" dirty="0"/>
+              <a:t>コストと復旧の速さがトレードオフに</a:t>
+            </a:r>
+          </a:p>
+        </p:txBody>
+      </p:sp>
+    </p:spTree>
+    <p:extLst>
+      <p:ext uri="{BB962C8B-B14F-4D97-AF65-F5344CB8AC3E}">
+        <p14:creationId xmlns:p14="http://schemas.microsoft.com/office/powerpoint/2010/main" val="2708592715"/>
       </p:ext>
     </p:extLst>
   </p:cSld>

--- a/輪講2019-1_鈴木洸太.pptx
+++ b/輪講2019-1_鈴木洸太.pptx
@@ -7000,8 +7000,27 @@
               <a:t>Zabbix</a:t>
             </a:r>
             <a:r>
+              <a:rPr lang="ja-JP" altLang="en-US" dirty="0"/>
+              <a:t>エージェントから応答がない場合，ホストに障害が発生していると判断</a:t>
+            </a:r>
+            <a:endParaRPr lang="en-US" altLang="ja-JP" dirty="0"/>
+          </a:p>
+          <a:p>
+            <a:pPr lvl="1">
+              <a:buFont typeface="Wingdings" panose="05000000000000000000" pitchFamily="2" charset="2"/>
+              <a:buChar char="l"/>
+            </a:pPr>
+            <a:r>
+              <a:rPr lang="ja-JP" altLang="en-US" dirty="0"/>
+              <a:t>特定のクラウド内の</a:t>
+            </a:r>
+            <a:r>
+              <a:rPr lang="en-US" altLang="ja-JP" dirty="0"/>
+              <a:t>Zabbix</a:t>
+            </a:r>
+            <a:r>
               <a:rPr lang="ja-JP" altLang="en-US"/>
-              <a:t>エージェントから応答がない場合，</a:t>
+              <a:t>エージェントからの応答がない場合，クラウドに障害が発生していると判断</a:t>
             </a:r>
             <a:endParaRPr kumimoji="1" lang="ja-JP" altLang="en-US" dirty="0"/>
           </a:p>

--- a/輪講2019-1_鈴木洸太.pptx
+++ b/輪講2019-1_鈴木洸太.pptx
@@ -5,7 +5,7 @@
     <p:sldMasterId id="2147483819" r:id="rId1"/>
   </p:sldMasterIdLst>
   <p:notesMasterIdLst>
-    <p:notesMasterId r:id="rId16"/>
+    <p:notesMasterId r:id="rId17"/>
   </p:notesMasterIdLst>
   <p:sldIdLst>
     <p:sldId id="256" r:id="rId2"/>
@@ -22,6 +22,7 @@
     <p:sldId id="267" r:id="rId13"/>
     <p:sldId id="268" r:id="rId14"/>
     <p:sldId id="269" r:id="rId15"/>
+    <p:sldId id="270" r:id="rId16"/>
   </p:sldIdLst>
   <p:sldSz cx="9144000" cy="6858000" type="screen4x3"/>
   <p:notesSz cx="6858000" cy="9144000"/>
@@ -137,6 +138,14 @@
     </p:ext>
   </p:extLst>
 </p:presentation>
+</file>
+
+<file path=ppt/revisionInfo.xml><?xml version="1.0" encoding="utf-8"?>
+<p1510:revInfo xmlns:a="http://schemas.openxmlformats.org/drawingml/2006/main" xmlns:r="http://schemas.openxmlformats.org/officeDocument/2006/relationships" xmlns:p1510="http://schemas.microsoft.com/office/powerpoint/2015/10/main">
+  <p1510:revLst>
+    <p1510:client id="{4075B4A9-8FFD-4C1E-9B47-82682728FB88}" v="56" dt="2019-04-30T07:06:05.173"/>
+  </p1510:revLst>
+</p1510:revInfo>
 </file>
 
 <file path=ppt/charts/chart1.xml><?xml version="1.0" encoding="utf-8"?>
@@ -1703,7 +1712,7 @@
           <a:p>
             <a:fld id="{F078B2A7-EC9C-43E3-BD68-4451654AB58E}" type="datetimeFigureOut">
               <a:rPr kumimoji="1" lang="ja-JP" altLang="en-US" smtClean="0"/>
-              <a:t>2019/5/1</a:t>
+              <a:t>2019/5/2</a:t>
             </a:fld>
             <a:endParaRPr kumimoji="1" lang="ja-JP" altLang="en-US"/>
           </a:p>
@@ -2228,7 +2237,7 @@
           <a:p>
             <a:fld id="{2F2A3BAA-AE56-4B39-BB85-0AC61BE7E721}" type="datetimeFigureOut">
               <a:rPr kumimoji="1" lang="ja-JP" altLang="en-US" smtClean="0"/>
-              <a:t>2019/5/1</a:t>
+              <a:t>2019/5/2</a:t>
             </a:fld>
             <a:endParaRPr kumimoji="1" lang="ja-JP" altLang="en-US"/>
           </a:p>
@@ -2468,7 +2477,7 @@
           <a:p>
             <a:fld id="{2F2A3BAA-AE56-4B39-BB85-0AC61BE7E721}" type="datetimeFigureOut">
               <a:rPr kumimoji="1" lang="ja-JP" altLang="en-US" smtClean="0"/>
-              <a:t>2019/5/1</a:t>
+              <a:t>2019/5/2</a:t>
             </a:fld>
             <a:endParaRPr kumimoji="1" lang="ja-JP" altLang="en-US"/>
           </a:p>
@@ -2756,7 +2765,7 @@
           <a:p>
             <a:fld id="{2F2A3BAA-AE56-4B39-BB85-0AC61BE7E721}" type="datetimeFigureOut">
               <a:rPr kumimoji="1" lang="ja-JP" altLang="en-US" smtClean="0"/>
-              <a:t>2019/5/1</a:t>
+              <a:t>2019/5/2</a:t>
             </a:fld>
             <a:endParaRPr kumimoji="1" lang="ja-JP" altLang="en-US"/>
           </a:p>
@@ -2982,7 +2991,7 @@
           <a:p>
             <a:fld id="{2F2A3BAA-AE56-4B39-BB85-0AC61BE7E721}" type="datetimeFigureOut">
               <a:rPr kumimoji="1" lang="ja-JP" altLang="en-US" smtClean="0"/>
-              <a:t>2019/5/1</a:t>
+              <a:t>2019/5/2</a:t>
             </a:fld>
             <a:endParaRPr kumimoji="1" lang="ja-JP" altLang="en-US"/>
           </a:p>
@@ -3325,7 +3334,7 @@
           <a:p>
             <a:fld id="{2F2A3BAA-AE56-4B39-BB85-0AC61BE7E721}" type="datetimeFigureOut">
               <a:rPr kumimoji="1" lang="ja-JP" altLang="en-US" smtClean="0"/>
-              <a:t>2019/5/1</a:t>
+              <a:t>2019/5/2</a:t>
             </a:fld>
             <a:endParaRPr kumimoji="1" lang="ja-JP" altLang="en-US"/>
           </a:p>
@@ -3664,7 +3673,7 @@
           <a:p>
             <a:fld id="{2F2A3BAA-AE56-4B39-BB85-0AC61BE7E721}" type="datetimeFigureOut">
               <a:rPr kumimoji="1" lang="ja-JP" altLang="en-US" smtClean="0"/>
-              <a:t>2019/5/1</a:t>
+              <a:t>2019/5/2</a:t>
             </a:fld>
             <a:endParaRPr kumimoji="1" lang="ja-JP" altLang="en-US"/>
           </a:p>
@@ -4107,7 +4116,7 @@
           <a:p>
             <a:fld id="{2F2A3BAA-AE56-4B39-BB85-0AC61BE7E721}" type="datetimeFigureOut">
               <a:rPr kumimoji="1" lang="ja-JP" altLang="en-US" smtClean="0"/>
-              <a:t>2019/5/1</a:t>
+              <a:t>2019/5/2</a:t>
             </a:fld>
             <a:endParaRPr kumimoji="1" lang="ja-JP" altLang="en-US"/>
           </a:p>
@@ -4225,7 +4234,7 @@
           <a:p>
             <a:fld id="{2F2A3BAA-AE56-4B39-BB85-0AC61BE7E721}" type="datetimeFigureOut">
               <a:rPr kumimoji="1" lang="ja-JP" altLang="en-US" smtClean="0"/>
-              <a:t>2019/5/1</a:t>
+              <a:t>2019/5/2</a:t>
             </a:fld>
             <a:endParaRPr kumimoji="1" lang="ja-JP" altLang="en-US"/>
           </a:p>
@@ -4396,7 +4405,7 @@
           <a:p>
             <a:fld id="{2F2A3BAA-AE56-4B39-BB85-0AC61BE7E721}" type="datetimeFigureOut">
               <a:rPr kumimoji="1" lang="ja-JP" altLang="en-US" smtClean="0"/>
-              <a:t>2019/5/1</a:t>
+              <a:t>2019/5/2</a:t>
             </a:fld>
             <a:endParaRPr kumimoji="1" lang="ja-JP" altLang="en-US"/>
           </a:p>
@@ -4782,7 +4791,7 @@
           <a:p>
             <a:fld id="{2F2A3BAA-AE56-4B39-BB85-0AC61BE7E721}" type="datetimeFigureOut">
               <a:rPr kumimoji="1" lang="ja-JP" altLang="en-US" smtClean="0"/>
-              <a:t>2019/5/1</a:t>
+              <a:t>2019/5/2</a:t>
             </a:fld>
             <a:endParaRPr kumimoji="1" lang="ja-JP" altLang="en-US"/>
           </a:p>
@@ -5159,7 +5168,7 @@
           <a:p>
             <a:fld id="{2F2A3BAA-AE56-4B39-BB85-0AC61BE7E721}" type="datetimeFigureOut">
               <a:rPr kumimoji="1" lang="ja-JP" altLang="en-US" smtClean="0"/>
-              <a:t>2019/5/1</a:t>
+              <a:t>2019/5/2</a:t>
             </a:fld>
             <a:endParaRPr kumimoji="1" lang="ja-JP" altLang="en-US"/>
           </a:p>
@@ -5478,7 +5487,7 @@
           <a:p>
             <a:fld id="{2F2A3BAA-AE56-4B39-BB85-0AC61BE7E721}" type="datetimeFigureOut">
               <a:rPr kumimoji="1" lang="ja-JP" altLang="en-US" smtClean="0"/>
-              <a:t>2019/5/1</a:t>
+              <a:t>2019/5/2</a:t>
             </a:fld>
             <a:endParaRPr kumimoji="1" lang="ja-JP" altLang="en-US"/>
           </a:p>
@@ -6144,10 +6153,10 @@
       </p:grpSpPr>
       <p:pic>
         <p:nvPicPr>
-          <p:cNvPr id="7" name="図 6">
+          <p:cNvPr id="5" name="図 4">
             <a:extLst>
               <a:ext uri="{FF2B5EF4-FFF2-40B4-BE49-F238E27FC236}">
-                <a16:creationId xmlns:a16="http://schemas.microsoft.com/office/drawing/2014/main" id="{CA012572-28FA-411B-8EE1-2EF2A5178824}"/>
+                <a16:creationId xmlns:a16="http://schemas.microsoft.com/office/drawing/2014/main" id="{A9C63D75-30A9-4A4F-ACF3-32A758ED2F05}"/>
               </a:ext>
             </a:extLst>
           </p:cNvPr>
@@ -6156,7 +6165,7 @@
           </p:cNvPicPr>
           <p:nvPr/>
         </p:nvPicPr>
-        <p:blipFill>
+        <p:blipFill rotWithShape="1">
           <a:blip r:embed="rId2">
             <a:extLst>
               <a:ext uri="{28A0092B-C50C-407E-A947-70E740481C1C}">
@@ -6164,14 +6173,13 @@
               </a:ext>
             </a:extLst>
           </a:blip>
-          <a:stretch>
-            <a:fillRect/>
-          </a:stretch>
+          <a:srcRect t="5155"/>
+          <a:stretch/>
         </p:blipFill>
         <p:spPr>
           <a:xfrm>
-            <a:off x="493471" y="2573382"/>
-            <a:ext cx="8157058" cy="3874603"/>
+            <a:off x="367393" y="2743200"/>
+            <a:ext cx="8454934" cy="3828196"/>
           </a:xfrm>
           <a:prstGeom prst="rect">
             <a:avLst/>
@@ -7000,27 +7008,8 @@
               <a:t>Zabbix</a:t>
             </a:r>
             <a:r>
-              <a:rPr lang="ja-JP" altLang="en-US" dirty="0"/>
-              <a:t>エージェントから応答がない場合，ホストに障害が発生していると判断</a:t>
-            </a:r>
-            <a:endParaRPr lang="en-US" altLang="ja-JP" dirty="0"/>
-          </a:p>
-          <a:p>
-            <a:pPr lvl="1">
-              <a:buFont typeface="Wingdings" panose="05000000000000000000" pitchFamily="2" charset="2"/>
-              <a:buChar char="l"/>
-            </a:pPr>
-            <a:r>
-              <a:rPr lang="ja-JP" altLang="en-US" dirty="0"/>
-              <a:t>特定のクラウド内の</a:t>
-            </a:r>
-            <a:r>
-              <a:rPr lang="en-US" altLang="ja-JP" dirty="0"/>
-              <a:t>Zabbix</a:t>
-            </a:r>
-            <a:r>
               <a:rPr lang="ja-JP" altLang="en-US"/>
-              <a:t>エージェントからの応答がない場合，クラウドに障害が発生していると判断</a:t>
+              <a:t>エージェントから応答がない場合，</a:t>
             </a:r>
             <a:endParaRPr kumimoji="1" lang="ja-JP" altLang="en-US" dirty="0"/>
           </a:p>
@@ -7030,6 +7019,89 @@
     <p:extLst>
       <p:ext uri="{BB962C8B-B14F-4D97-AF65-F5344CB8AC3E}">
         <p14:creationId xmlns:p14="http://schemas.microsoft.com/office/powerpoint/2010/main" val="204814852"/>
+      </p:ext>
+    </p:extLst>
+  </p:cSld>
+  <p:clrMapOvr>
+    <a:masterClrMapping/>
+  </p:clrMapOvr>
+</p:sld>
+</file>
+
+<file path=ppt/slides/slide15.xml><?xml version="1.0" encoding="utf-8"?>
+<p:sld xmlns:a="http://schemas.openxmlformats.org/drawingml/2006/main" xmlns:r="http://schemas.openxmlformats.org/officeDocument/2006/relationships" xmlns:p="http://schemas.openxmlformats.org/presentationml/2006/main">
+  <p:cSld>
+    <p:spTree>
+      <p:nvGrpSpPr>
+        <p:cNvPr id="1" name=""/>
+        <p:cNvGrpSpPr/>
+        <p:nvPr/>
+      </p:nvGrpSpPr>
+      <p:grpSpPr>
+        <a:xfrm>
+          <a:off x="0" y="0"/>
+          <a:ext cx="0" cy="0"/>
+          <a:chOff x="0" y="0"/>
+          <a:chExt cx="0" cy="0"/>
+        </a:xfrm>
+      </p:grpSpPr>
+      <p:sp>
+        <p:nvSpPr>
+          <p:cNvPr id="2" name="タイトル 1">
+            <a:extLst>
+              <a:ext uri="{FF2B5EF4-FFF2-40B4-BE49-F238E27FC236}">
+                <a16:creationId xmlns:a16="http://schemas.microsoft.com/office/drawing/2014/main" id="{E9D9CB0E-30A8-4099-AADF-4AC2E5B1190B}"/>
+              </a:ext>
+            </a:extLst>
+          </p:cNvPr>
+          <p:cNvSpPr>
+            <a:spLocks noGrp="1"/>
+          </p:cNvSpPr>
+          <p:nvPr>
+            <p:ph type="title"/>
+          </p:nvPr>
+        </p:nvSpPr>
+        <p:spPr/>
+        <p:txBody>
+          <a:bodyPr/>
+          <a:lstStyle/>
+          <a:p>
+            <a:r>
+              <a:rPr kumimoji="1" lang="ja-JP" altLang="en-US" dirty="0"/>
+              <a:t>障害復旧</a:t>
+            </a:r>
+          </a:p>
+        </p:txBody>
+      </p:sp>
+      <p:sp>
+        <p:nvSpPr>
+          <p:cNvPr id="3" name="コンテンツ プレースホルダー 2">
+            <a:extLst>
+              <a:ext uri="{FF2B5EF4-FFF2-40B4-BE49-F238E27FC236}">
+                <a16:creationId xmlns:a16="http://schemas.microsoft.com/office/drawing/2014/main" id="{D74D4EC6-8838-48AD-B620-2CDB881CF769}"/>
+              </a:ext>
+            </a:extLst>
+          </p:cNvPr>
+          <p:cNvSpPr>
+            <a:spLocks noGrp="1"/>
+          </p:cNvSpPr>
+          <p:nvPr>
+            <p:ph idx="1"/>
+          </p:nvPr>
+        </p:nvSpPr>
+        <p:spPr/>
+        <p:txBody>
+          <a:bodyPr/>
+          <a:lstStyle/>
+          <a:p>
+            <a:endParaRPr kumimoji="1" lang="ja-JP" altLang="en-US"/>
+          </a:p>
+        </p:txBody>
+      </p:sp>
+    </p:spTree>
+    <p:extLst>
+      <p:ext uri="{BB962C8B-B14F-4D97-AF65-F5344CB8AC3E}">
+        <p14:creationId xmlns:p14="http://schemas.microsoft.com/office/powerpoint/2010/main" val="3417753094"/>
       </p:ext>
     </p:extLst>
   </p:cSld>
@@ -7428,10 +7500,10 @@
       </p:grpSpPr>
       <p:pic>
         <p:nvPicPr>
-          <p:cNvPr id="13" name="図 12">
+          <p:cNvPr id="5" name="図 4">
             <a:extLst>
               <a:ext uri="{FF2B5EF4-FFF2-40B4-BE49-F238E27FC236}">
-                <a16:creationId xmlns:a16="http://schemas.microsoft.com/office/drawing/2014/main" id="{3440F850-90C4-4CCC-819F-9779B6E7B142}"/>
+                <a16:creationId xmlns:a16="http://schemas.microsoft.com/office/drawing/2014/main" id="{EB0DADA6-AD03-489C-BAB4-72121145E3F1}"/>
               </a:ext>
             </a:extLst>
           </p:cNvPr>
@@ -7440,7 +7512,7 @@
           </p:cNvPicPr>
           <p:nvPr/>
         </p:nvPicPr>
-        <p:blipFill>
+        <p:blipFill rotWithShape="1">
           <a:blip r:embed="rId2">
             <a:extLst>
               <a:ext uri="{28A0092B-C50C-407E-A947-70E740481C1C}">
@@ -7448,14 +7520,13 @@
               </a:ext>
             </a:extLst>
           </a:blip>
-          <a:stretch>
-            <a:fillRect/>
-          </a:stretch>
+          <a:srcRect b="4440"/>
+          <a:stretch/>
         </p:blipFill>
         <p:spPr>
           <a:xfrm>
-            <a:off x="514350" y="3429000"/>
-            <a:ext cx="8115300" cy="3080398"/>
+            <a:off x="408256" y="3429000"/>
+            <a:ext cx="8327487" cy="3080398"/>
           </a:xfrm>
           <a:prstGeom prst="rect">
             <a:avLst/>
@@ -7624,10 +7695,10 @@
       </p:grpSpPr>
       <p:pic>
         <p:nvPicPr>
-          <p:cNvPr id="9" name="図 8">
+          <p:cNvPr id="5" name="図 4">
             <a:extLst>
               <a:ext uri="{FF2B5EF4-FFF2-40B4-BE49-F238E27FC236}">
-                <a16:creationId xmlns:a16="http://schemas.microsoft.com/office/drawing/2014/main" id="{47B3C7AE-702C-4DA7-A8BC-5C95E15C1F6F}"/>
+                <a16:creationId xmlns:a16="http://schemas.microsoft.com/office/drawing/2014/main" id="{377BC16B-D563-473A-BABB-D1B07760AF3C}"/>
               </a:ext>
             </a:extLst>
           </p:cNvPr>
@@ -7650,8 +7721,8 @@
         </p:blipFill>
         <p:spPr>
           <a:xfrm>
-            <a:off x="269421" y="2648949"/>
-            <a:ext cx="8650877" cy="3477530"/>
+            <a:off x="149704" y="2590119"/>
+            <a:ext cx="8844591" cy="3523297"/>
           </a:xfrm>
           <a:prstGeom prst="rect">
             <a:avLst/>
@@ -7765,10 +7836,10 @@
       </p:grpSpPr>
       <p:pic>
         <p:nvPicPr>
-          <p:cNvPr id="6" name="図 5">
+          <p:cNvPr id="5" name="図 4">
             <a:extLst>
               <a:ext uri="{FF2B5EF4-FFF2-40B4-BE49-F238E27FC236}">
-                <a16:creationId xmlns:a16="http://schemas.microsoft.com/office/drawing/2014/main" id="{2DC9E15C-EB31-4C4C-A346-825D425582D6}"/>
+                <a16:creationId xmlns:a16="http://schemas.microsoft.com/office/drawing/2014/main" id="{72FD7014-EAAE-4C1A-9A96-089F307777BB}"/>
               </a:ext>
             </a:extLst>
           </p:cNvPr>
@@ -7791,8 +7862,8 @@
         </p:blipFill>
         <p:spPr>
           <a:xfrm>
-            <a:off x="195943" y="2783047"/>
-            <a:ext cx="8752114" cy="3460997"/>
+            <a:off x="96135" y="2726132"/>
+            <a:ext cx="8951730" cy="3400348"/>
           </a:xfrm>
           <a:prstGeom prst="rect">
             <a:avLst/>

--- a/輪講2019-1_鈴木洸太.pptx
+++ b/輪講2019-1_鈴木洸太.pptx
@@ -5,7 +5,7 @@
     <p:sldMasterId id="2147483819" r:id="rId1"/>
   </p:sldMasterIdLst>
   <p:notesMasterIdLst>
-    <p:notesMasterId r:id="rId17"/>
+    <p:notesMasterId r:id="rId18"/>
   </p:notesMasterIdLst>
   <p:sldIdLst>
     <p:sldId id="256" r:id="rId2"/>
@@ -22,7 +22,8 @@
     <p:sldId id="267" r:id="rId13"/>
     <p:sldId id="268" r:id="rId14"/>
     <p:sldId id="269" r:id="rId15"/>
-    <p:sldId id="270" r:id="rId16"/>
+    <p:sldId id="271" r:id="rId16"/>
+    <p:sldId id="270" r:id="rId17"/>
   </p:sldIdLst>
   <p:sldSz cx="9144000" cy="6858000" type="screen4x3"/>
   <p:notesSz cx="6858000" cy="9144000"/>
@@ -6515,6 +6516,42 @@
           <a:chExt cx="0" cy="0"/>
         </a:xfrm>
       </p:grpSpPr>
+      <p:pic>
+        <p:nvPicPr>
+          <p:cNvPr id="5" name="図 4">
+            <a:extLst>
+              <a:ext uri="{FF2B5EF4-FFF2-40B4-BE49-F238E27FC236}">
+                <a16:creationId xmlns:a16="http://schemas.microsoft.com/office/drawing/2014/main" id="{020F27FE-84AD-4D13-8EEA-135D5E99EBF0}"/>
+              </a:ext>
+            </a:extLst>
+          </p:cNvPr>
+          <p:cNvPicPr>
+            <a:picLocks noChangeAspect="1"/>
+          </p:cNvPicPr>
+          <p:nvPr/>
+        </p:nvPicPr>
+        <p:blipFill>
+          <a:blip r:embed="rId2">
+            <a:extLst>
+              <a:ext uri="{28A0092B-C50C-407E-A947-70E740481C1C}">
+                <a14:useLocalDpi xmlns:a14="http://schemas.microsoft.com/office/drawing/2010/main" val="0"/>
+              </a:ext>
+            </a:extLst>
+          </a:blip>
+          <a:stretch>
+            <a:fillRect/>
+          </a:stretch>
+        </p:blipFill>
+        <p:spPr>
+          <a:xfrm>
+            <a:off x="822960" y="3429000"/>
+            <a:ext cx="7171509" cy="3254858"/>
+          </a:xfrm>
+          <a:prstGeom prst="rect">
+            <a:avLst/>
+          </a:prstGeom>
+        </p:spPr>
+      </p:pic>
       <p:sp>
         <p:nvSpPr>
           <p:cNvPr id="2" name="タイトル 1">
@@ -6742,6 +6779,41 @@
           <a:chExt cx="0" cy="0"/>
         </a:xfrm>
       </p:grpSpPr>
+      <p:pic>
+        <p:nvPicPr>
+          <p:cNvPr id="5" name="図 4">
+            <a:extLst>
+              <a:ext uri="{FF2B5EF4-FFF2-40B4-BE49-F238E27FC236}">
+                <a16:creationId xmlns:a16="http://schemas.microsoft.com/office/drawing/2014/main" id="{6C417F89-38EB-4395-A224-F50D62E1B356}"/>
+              </a:ext>
+            </a:extLst>
+          </p:cNvPr>
+          <p:cNvPicPr>
+            <a:picLocks noChangeAspect="1"/>
+          </p:cNvPicPr>
+          <p:nvPr/>
+        </p:nvPicPr>
+        <p:blipFill rotWithShape="1">
+          <a:blip r:embed="rId2">
+            <a:extLst>
+              <a:ext uri="{28A0092B-C50C-407E-A947-70E740481C1C}">
+                <a14:useLocalDpi xmlns:a14="http://schemas.microsoft.com/office/drawing/2010/main" val="0"/>
+              </a:ext>
+            </a:extLst>
+          </a:blip>
+          <a:srcRect b="4690"/>
+          <a:stretch/>
+        </p:blipFill>
+        <p:spPr>
+          <a:xfrm>
+            <a:off x="164943" y="3095170"/>
+            <a:ext cx="8814114" cy="3623129"/>
+          </a:xfrm>
+          <a:prstGeom prst="rect">
+            <a:avLst/>
+          </a:prstGeom>
+        </p:spPr>
+      </p:pic>
       <p:sp>
         <p:nvSpPr>
           <p:cNvPr id="2" name="タイトル 1">
@@ -6915,6 +6987,42 @@
           <a:chExt cx="0" cy="0"/>
         </a:xfrm>
       </p:grpSpPr>
+      <p:pic>
+        <p:nvPicPr>
+          <p:cNvPr id="5" name="図 4">
+            <a:extLst>
+              <a:ext uri="{FF2B5EF4-FFF2-40B4-BE49-F238E27FC236}">
+                <a16:creationId xmlns:a16="http://schemas.microsoft.com/office/drawing/2014/main" id="{53236FB8-16D2-43D2-B344-62ABD72F7814}"/>
+              </a:ext>
+            </a:extLst>
+          </p:cNvPr>
+          <p:cNvPicPr>
+            <a:picLocks noChangeAspect="1"/>
+          </p:cNvPicPr>
+          <p:nvPr/>
+        </p:nvPicPr>
+        <p:blipFill>
+          <a:blip r:embed="rId2">
+            <a:extLst>
+              <a:ext uri="{28A0092B-C50C-407E-A947-70E740481C1C}">
+                <a14:useLocalDpi xmlns:a14="http://schemas.microsoft.com/office/drawing/2010/main" val="0"/>
+              </a:ext>
+            </a:extLst>
+          </a:blip>
+          <a:stretch>
+            <a:fillRect/>
+          </a:stretch>
+        </p:blipFill>
+        <p:spPr>
+          <a:xfrm>
+            <a:off x="228600" y="3253351"/>
+            <a:ext cx="8686800" cy="3432345"/>
+          </a:xfrm>
+          <a:prstGeom prst="rect">
+            <a:avLst/>
+          </a:prstGeom>
+        </p:spPr>
+      </p:pic>
       <p:sp>
         <p:nvSpPr>
           <p:cNvPr id="2" name="タイトル 1">
@@ -7008,10 +7116,10 @@
               <a:t>Zabbix</a:t>
             </a:r>
             <a:r>
-              <a:rPr lang="ja-JP" altLang="en-US"/>
-              <a:t>エージェントから応答がない場合，</a:t>
-            </a:r>
-            <a:endParaRPr kumimoji="1" lang="ja-JP" altLang="en-US" dirty="0"/>
+              <a:rPr lang="ja-JP" altLang="en-US" dirty="0"/>
+              <a:t>エージェントから応答がない場合，ホストに障害が発生していると判断</a:t>
+            </a:r>
+            <a:endParaRPr lang="en-US" altLang="ja-JP" dirty="0"/>
           </a:p>
         </p:txBody>
       </p:sp>
@@ -7050,6 +7158,155 @@
           <p:cNvPr id="2" name="タイトル 1">
             <a:extLst>
               <a:ext uri="{FF2B5EF4-FFF2-40B4-BE49-F238E27FC236}">
+                <a16:creationId xmlns:a16="http://schemas.microsoft.com/office/drawing/2014/main" id="{0BBE482C-D599-4F6B-96DB-900945280BA2}"/>
+              </a:ext>
+            </a:extLst>
+          </p:cNvPr>
+          <p:cNvSpPr>
+            <a:spLocks noGrp="1"/>
+          </p:cNvSpPr>
+          <p:nvPr>
+            <p:ph type="title"/>
+          </p:nvPr>
+        </p:nvSpPr>
+        <p:spPr/>
+        <p:txBody>
+          <a:bodyPr/>
+          <a:lstStyle/>
+          <a:p>
+            <a:r>
+              <a:rPr kumimoji="1" lang="ja-JP" altLang="en-US" dirty="0"/>
+              <a:t>障害検知（</a:t>
+            </a:r>
+            <a:r>
+              <a:rPr kumimoji="1" lang="en-US" altLang="ja-JP" dirty="0"/>
+              <a:t>4</a:t>
+            </a:r>
+            <a:r>
+              <a:rPr kumimoji="1" lang="ja-JP" altLang="en-US" dirty="0"/>
+              <a:t>）</a:t>
+            </a:r>
+          </a:p>
+        </p:txBody>
+      </p:sp>
+      <p:sp>
+        <p:nvSpPr>
+          <p:cNvPr id="3" name="コンテンツ プレースホルダー 2">
+            <a:extLst>
+              <a:ext uri="{FF2B5EF4-FFF2-40B4-BE49-F238E27FC236}">
+                <a16:creationId xmlns:a16="http://schemas.microsoft.com/office/drawing/2014/main" id="{BE7CBCCB-0916-4514-B473-A6456C0221C7}"/>
+              </a:ext>
+            </a:extLst>
+          </p:cNvPr>
+          <p:cNvSpPr>
+            <a:spLocks noGrp="1"/>
+          </p:cNvSpPr>
+          <p:nvPr>
+            <p:ph idx="1"/>
+          </p:nvPr>
+        </p:nvSpPr>
+        <p:spPr/>
+        <p:txBody>
+          <a:bodyPr/>
+          <a:lstStyle/>
+          <a:p>
+            <a:pPr lvl="1">
+              <a:buFont typeface="Wingdings" panose="05000000000000000000" pitchFamily="2" charset="2"/>
+              <a:buChar char="l"/>
+            </a:pPr>
+            <a:r>
+              <a:rPr lang="ja-JP" altLang="en-US" dirty="0"/>
+              <a:t>特定のクラウド内の</a:t>
+            </a:r>
+            <a:r>
+              <a:rPr lang="en-US" altLang="ja-JP" dirty="0"/>
+              <a:t>Zabbix</a:t>
+            </a:r>
+            <a:r>
+              <a:rPr lang="ja-JP" altLang="en-US" dirty="0"/>
+              <a:t>エージェントからの応答がない場合，クラウドに障害が発生していると判断</a:t>
+            </a:r>
+          </a:p>
+          <a:p>
+            <a:pPr lvl="1">
+              <a:buFont typeface="Wingdings" panose="05000000000000000000" pitchFamily="2" charset="2"/>
+              <a:buChar char="l"/>
+            </a:pPr>
+            <a:endParaRPr kumimoji="1" lang="ja-JP" altLang="en-US" dirty="0"/>
+          </a:p>
+        </p:txBody>
+      </p:sp>
+      <p:pic>
+        <p:nvPicPr>
+          <p:cNvPr id="4" name="図 3">
+            <a:extLst>
+              <a:ext uri="{FF2B5EF4-FFF2-40B4-BE49-F238E27FC236}">
+                <a16:creationId xmlns:a16="http://schemas.microsoft.com/office/drawing/2014/main" id="{203A3F29-68D1-467E-8992-B3715225B1DD}"/>
+              </a:ext>
+            </a:extLst>
+          </p:cNvPr>
+          <p:cNvPicPr>
+            <a:picLocks noChangeAspect="1"/>
+          </p:cNvPicPr>
+          <p:nvPr/>
+        </p:nvPicPr>
+        <p:blipFill>
+          <a:blip r:embed="rId2">
+            <a:extLst>
+              <a:ext uri="{28A0092B-C50C-407E-A947-70E740481C1C}">
+                <a14:useLocalDpi xmlns:a14="http://schemas.microsoft.com/office/drawing/2010/main" val="0"/>
+              </a:ext>
+            </a:extLst>
+          </a:blip>
+          <a:stretch>
+            <a:fillRect/>
+          </a:stretch>
+        </p:blipFill>
+        <p:spPr>
+          <a:xfrm>
+            <a:off x="228600" y="3139051"/>
+            <a:ext cx="8686800" cy="3432345"/>
+          </a:xfrm>
+          <a:prstGeom prst="rect">
+            <a:avLst/>
+          </a:prstGeom>
+        </p:spPr>
+      </p:pic>
+    </p:spTree>
+    <p:extLst>
+      <p:ext uri="{BB962C8B-B14F-4D97-AF65-F5344CB8AC3E}">
+        <p14:creationId xmlns:p14="http://schemas.microsoft.com/office/powerpoint/2010/main" val="2664875199"/>
+      </p:ext>
+    </p:extLst>
+  </p:cSld>
+  <p:clrMapOvr>
+    <a:masterClrMapping/>
+  </p:clrMapOvr>
+</p:sld>
+</file>
+
+<file path=ppt/slides/slide16.xml><?xml version="1.0" encoding="utf-8"?>
+<p:sld xmlns:a="http://schemas.openxmlformats.org/drawingml/2006/main" xmlns:r="http://schemas.openxmlformats.org/officeDocument/2006/relationships" xmlns:p="http://schemas.openxmlformats.org/presentationml/2006/main">
+  <p:cSld>
+    <p:spTree>
+      <p:nvGrpSpPr>
+        <p:cNvPr id="1" name=""/>
+        <p:cNvGrpSpPr/>
+        <p:nvPr/>
+      </p:nvGrpSpPr>
+      <p:grpSpPr>
+        <a:xfrm>
+          <a:off x="0" y="0"/>
+          <a:ext cx="0" cy="0"/>
+          <a:chOff x="0" y="0"/>
+          <a:chExt cx="0" cy="0"/>
+        </a:xfrm>
+      </p:grpSpPr>
+      <p:sp>
+        <p:nvSpPr>
+          <p:cNvPr id="2" name="タイトル 1">
+            <a:extLst>
+              <a:ext uri="{FF2B5EF4-FFF2-40B4-BE49-F238E27FC236}">
                 <a16:creationId xmlns:a16="http://schemas.microsoft.com/office/drawing/2014/main" id="{E9D9CB0E-30A8-4099-AADF-4AC2E5B1190B}"/>
               </a:ext>
             </a:extLst>
@@ -7094,10 +7351,77 @@
           <a:bodyPr/>
           <a:lstStyle/>
           <a:p>
-            <a:endParaRPr kumimoji="1" lang="ja-JP" altLang="en-US"/>
-          </a:p>
-        </p:txBody>
-      </p:sp>
+            <a:pPr>
+              <a:buFont typeface="Wingdings" panose="05000000000000000000" pitchFamily="2" charset="2"/>
+              <a:buChar char="l"/>
+            </a:pPr>
+            <a:r>
+              <a:rPr kumimoji="1" lang="en-US" altLang="ja-JP" dirty="0"/>
+              <a:t>Zabbix</a:t>
+            </a:r>
+            <a:r>
+              <a:rPr kumimoji="1" lang="ja-JP" altLang="en-US" dirty="0"/>
+              <a:t>と</a:t>
+            </a:r>
+            <a:r>
+              <a:rPr kumimoji="1" lang="en-US" altLang="ja-JP" dirty="0"/>
+              <a:t>LXD</a:t>
+            </a:r>
+            <a:r>
+              <a:rPr kumimoji="1" lang="ja-JP" altLang="en-US" dirty="0" err="1"/>
+              <a:t>，</a:t>
+            </a:r>
+            <a:r>
+              <a:rPr kumimoji="1" lang="ja-JP" altLang="en-US" dirty="0"/>
+              <a:t>ダイナミック</a:t>
+            </a:r>
+            <a:r>
+              <a:rPr kumimoji="1" lang="en-US" altLang="ja-JP" dirty="0"/>
+              <a:t>DNS</a:t>
+            </a:r>
+            <a:r>
+              <a:rPr kumimoji="1" lang="ja-JP" altLang="en-US" dirty="0"/>
+              <a:t>を利用</a:t>
+            </a:r>
+          </a:p>
+        </p:txBody>
+      </p:sp>
+      <p:pic>
+        <p:nvPicPr>
+          <p:cNvPr id="5" name="図 4">
+            <a:extLst>
+              <a:ext uri="{FF2B5EF4-FFF2-40B4-BE49-F238E27FC236}">
+                <a16:creationId xmlns:a16="http://schemas.microsoft.com/office/drawing/2014/main" id="{4066BE75-293F-4F2D-9DD3-61FB6A7B13D7}"/>
+              </a:ext>
+            </a:extLst>
+          </p:cNvPr>
+          <p:cNvPicPr>
+            <a:picLocks noChangeAspect="1"/>
+          </p:cNvPicPr>
+          <p:nvPr/>
+        </p:nvPicPr>
+        <p:blipFill>
+          <a:blip r:embed="rId2">
+            <a:extLst>
+              <a:ext uri="{28A0092B-C50C-407E-A947-70E740481C1C}">
+                <a14:useLocalDpi xmlns:a14="http://schemas.microsoft.com/office/drawing/2010/main" val="0"/>
+              </a:ext>
+            </a:extLst>
+          </a:blip>
+          <a:stretch>
+            <a:fillRect/>
+          </a:stretch>
+        </p:blipFill>
+        <p:spPr>
+          <a:xfrm>
+            <a:off x="81280" y="3324912"/>
+            <a:ext cx="8981440" cy="3246484"/>
+          </a:xfrm>
+          <a:prstGeom prst="rect">
+            <a:avLst/>
+          </a:prstGeom>
+        </p:spPr>
+      </p:pic>
     </p:spTree>
     <p:extLst>
       <p:ext uri="{BB962C8B-B14F-4D97-AF65-F5344CB8AC3E}">

--- a/輪講2019-1_鈴木洸太.pptx
+++ b/輪講2019-1_鈴木洸太.pptx
@@ -5,7 +5,7 @@
     <p:sldMasterId id="2147483819" r:id="rId1"/>
   </p:sldMasterIdLst>
   <p:notesMasterIdLst>
-    <p:notesMasterId r:id="rId18"/>
+    <p:notesMasterId r:id="rId29"/>
   </p:notesMasterIdLst>
   <p:sldIdLst>
     <p:sldId id="256" r:id="rId2"/>
@@ -18,12 +18,23 @@
     <p:sldId id="266" r:id="rId9"/>
     <p:sldId id="262" r:id="rId10"/>
     <p:sldId id="263" r:id="rId11"/>
-    <p:sldId id="265" r:id="rId12"/>
-    <p:sldId id="267" r:id="rId13"/>
-    <p:sldId id="268" r:id="rId14"/>
-    <p:sldId id="269" r:id="rId15"/>
-    <p:sldId id="271" r:id="rId16"/>
-    <p:sldId id="270" r:id="rId17"/>
+    <p:sldId id="274" r:id="rId12"/>
+    <p:sldId id="275" r:id="rId13"/>
+    <p:sldId id="265" r:id="rId14"/>
+    <p:sldId id="267" r:id="rId15"/>
+    <p:sldId id="268" r:id="rId16"/>
+    <p:sldId id="269" r:id="rId17"/>
+    <p:sldId id="271" r:id="rId18"/>
+    <p:sldId id="270" r:id="rId19"/>
+    <p:sldId id="272" r:id="rId20"/>
+    <p:sldId id="273" r:id="rId21"/>
+    <p:sldId id="276" r:id="rId22"/>
+    <p:sldId id="280" r:id="rId23"/>
+    <p:sldId id="277" r:id="rId24"/>
+    <p:sldId id="278" r:id="rId25"/>
+    <p:sldId id="279" r:id="rId26"/>
+    <p:sldId id="282" r:id="rId27"/>
+    <p:sldId id="283" r:id="rId28"/>
   </p:sldIdLst>
   <p:sldSz cx="9144000" cy="6858000" type="screen4x3"/>
   <p:notesSz cx="6858000" cy="9144000"/>
@@ -6080,14 +6091,14 @@
           <a:p>
             <a:pPr algn="r"/>
             <a:r>
-              <a:rPr kumimoji="1" lang="ja-JP" altLang="en-US" sz="2000" dirty="0">
+              <a:rPr kumimoji="1" lang="ja-JP" altLang="en-US" sz="2400" dirty="0">
                 <a:solidFill>
                   <a:schemeClr val="tx1"/>
                 </a:solidFill>
               </a:rPr>
               <a:t>名城大学理工学部情報工学科</a:t>
             </a:r>
-            <a:endParaRPr kumimoji="1" lang="en-US" altLang="ja-JP" sz="2000" dirty="0">
+            <a:endParaRPr kumimoji="1" lang="en-US" altLang="ja-JP" sz="2400" dirty="0">
               <a:solidFill>
                 <a:schemeClr val="tx1"/>
               </a:solidFill>
@@ -6096,14 +6107,14 @@
           <a:p>
             <a:pPr algn="r"/>
             <a:r>
-              <a:rPr lang="ja-JP" altLang="en-US" sz="2000" dirty="0">
+              <a:rPr lang="ja-JP" altLang="en-US" sz="2400" dirty="0">
                 <a:solidFill>
                   <a:schemeClr val="tx1"/>
                 </a:solidFill>
               </a:rPr>
               <a:t>鈴木研究室</a:t>
             </a:r>
-            <a:endParaRPr lang="en-US" altLang="ja-JP" sz="2000" dirty="0">
+            <a:endParaRPr lang="en-US" altLang="ja-JP" sz="2400" dirty="0">
               <a:solidFill>
                 <a:schemeClr val="tx1"/>
               </a:solidFill>
@@ -6112,7 +6123,7 @@
           <a:p>
             <a:pPr algn="r"/>
             <a:r>
-              <a:rPr kumimoji="1" lang="ja-JP" altLang="en-US" sz="2000" dirty="0">
+              <a:rPr kumimoji="1" lang="ja-JP" altLang="en-US" sz="2400" dirty="0">
                 <a:solidFill>
                   <a:schemeClr val="tx1"/>
                 </a:solidFill>
@@ -6301,6 +6312,337 @@
           <a:chExt cx="0" cy="0"/>
         </a:xfrm>
       </p:grpSpPr>
+      <p:pic>
+        <p:nvPicPr>
+          <p:cNvPr id="7" name="図 6">
+            <a:extLst>
+              <a:ext uri="{FF2B5EF4-FFF2-40B4-BE49-F238E27FC236}">
+                <a16:creationId xmlns:a16="http://schemas.microsoft.com/office/drawing/2014/main" id="{8D4266CC-36ED-4B33-A74E-96F60F6A4877}"/>
+              </a:ext>
+            </a:extLst>
+          </p:cNvPr>
+          <p:cNvPicPr>
+            <a:picLocks noChangeAspect="1"/>
+          </p:cNvPicPr>
+          <p:nvPr/>
+        </p:nvPicPr>
+        <p:blipFill>
+          <a:blip r:embed="rId2">
+            <a:extLst>
+              <a:ext uri="{28A0092B-C50C-407E-A947-70E740481C1C}">
+                <a14:useLocalDpi xmlns:a14="http://schemas.microsoft.com/office/drawing/2010/main" val="0"/>
+              </a:ext>
+            </a:extLst>
+          </a:blip>
+          <a:stretch>
+            <a:fillRect/>
+          </a:stretch>
+        </p:blipFill>
+        <p:spPr>
+          <a:xfrm>
+            <a:off x="411479" y="2563601"/>
+            <a:ext cx="8634549" cy="3537532"/>
+          </a:xfrm>
+          <a:prstGeom prst="rect">
+            <a:avLst/>
+          </a:prstGeom>
+        </p:spPr>
+      </p:pic>
+      <p:sp>
+        <p:nvSpPr>
+          <p:cNvPr id="2" name="タイトル 1">
+            <a:extLst>
+              <a:ext uri="{FF2B5EF4-FFF2-40B4-BE49-F238E27FC236}">
+                <a16:creationId xmlns:a16="http://schemas.microsoft.com/office/drawing/2014/main" id="{7A70681D-3F14-4161-8C53-257F73A13768}"/>
+              </a:ext>
+            </a:extLst>
+          </p:cNvPr>
+          <p:cNvSpPr>
+            <a:spLocks noGrp="1"/>
+          </p:cNvSpPr>
+          <p:nvPr>
+            <p:ph type="title"/>
+          </p:nvPr>
+        </p:nvSpPr>
+        <p:spPr/>
+        <p:txBody>
+          <a:bodyPr/>
+          <a:lstStyle/>
+          <a:p>
+            <a:r>
+              <a:rPr kumimoji="1" lang="ja-JP" altLang="en-US" dirty="0"/>
+              <a:t>提案システム概要（</a:t>
+            </a:r>
+            <a:r>
+              <a:rPr kumimoji="1" lang="en-US" altLang="ja-JP" dirty="0"/>
+              <a:t>2</a:t>
+            </a:r>
+            <a:r>
+              <a:rPr kumimoji="1" lang="ja-JP" altLang="en-US" dirty="0"/>
+              <a:t>）</a:t>
+            </a:r>
+          </a:p>
+        </p:txBody>
+      </p:sp>
+      <p:sp>
+        <p:nvSpPr>
+          <p:cNvPr id="3" name="コンテンツ プレースホルダー 2">
+            <a:extLst>
+              <a:ext uri="{FF2B5EF4-FFF2-40B4-BE49-F238E27FC236}">
+                <a16:creationId xmlns:a16="http://schemas.microsoft.com/office/drawing/2014/main" id="{7E135AEA-599C-47A8-A1C3-611B834AC702}"/>
+              </a:ext>
+            </a:extLst>
+          </p:cNvPr>
+          <p:cNvSpPr>
+            <a:spLocks noGrp="1"/>
+          </p:cNvSpPr>
+          <p:nvPr>
+            <p:ph idx="1"/>
+          </p:nvPr>
+        </p:nvSpPr>
+        <p:spPr/>
+        <p:txBody>
+          <a:bodyPr/>
+          <a:lstStyle/>
+          <a:p>
+            <a:pPr>
+              <a:buFont typeface="Wingdings" panose="05000000000000000000" pitchFamily="2" charset="2"/>
+              <a:buChar char="l"/>
+            </a:pPr>
+            <a:r>
+              <a:rPr kumimoji="1" lang="ja-JP" altLang="en-US" dirty="0"/>
+              <a:t>ウォームスタンバイ</a:t>
+            </a:r>
+            <a:endParaRPr lang="en-US" altLang="ja-JP" dirty="0"/>
+          </a:p>
+          <a:p>
+            <a:pPr lvl="1">
+              <a:buFont typeface="Wingdings" panose="05000000000000000000" pitchFamily="2" charset="2"/>
+              <a:buChar char="l"/>
+            </a:pPr>
+            <a:r>
+              <a:rPr kumimoji="1" lang="ja-JP" altLang="en-US" dirty="0"/>
+              <a:t>障害対策コストは</a:t>
+            </a:r>
+            <a:r>
+              <a:rPr kumimoji="1" lang="en-US" altLang="ja-JP" dirty="0"/>
+              <a:t>VM1</a:t>
+            </a:r>
+            <a:r>
+              <a:rPr kumimoji="1" lang="ja-JP" altLang="en-US" dirty="0"/>
+              <a:t>台分</a:t>
+            </a:r>
+            <a:endParaRPr kumimoji="1" lang="en-US" altLang="ja-JP" dirty="0"/>
+          </a:p>
+        </p:txBody>
+      </p:sp>
+    </p:spTree>
+    <p:extLst>
+      <p:ext uri="{BB962C8B-B14F-4D97-AF65-F5344CB8AC3E}">
+        <p14:creationId xmlns:p14="http://schemas.microsoft.com/office/powerpoint/2010/main" val="71306013"/>
+      </p:ext>
+    </p:extLst>
+  </p:cSld>
+  <p:clrMapOvr>
+    <a:masterClrMapping/>
+  </p:clrMapOvr>
+</p:sld>
+</file>
+
+<file path=ppt/slides/slide12.xml><?xml version="1.0" encoding="utf-8"?>
+<p:sld xmlns:a="http://schemas.openxmlformats.org/drawingml/2006/main" xmlns:r="http://schemas.openxmlformats.org/officeDocument/2006/relationships" xmlns:p="http://schemas.openxmlformats.org/presentationml/2006/main">
+  <p:cSld>
+    <p:spTree>
+      <p:nvGrpSpPr>
+        <p:cNvPr id="1" name=""/>
+        <p:cNvGrpSpPr/>
+        <p:nvPr/>
+      </p:nvGrpSpPr>
+      <p:grpSpPr>
+        <a:xfrm>
+          <a:off x="0" y="0"/>
+          <a:ext cx="0" cy="0"/>
+          <a:chOff x="0" y="0"/>
+          <a:chExt cx="0" cy="0"/>
+        </a:xfrm>
+      </p:grpSpPr>
+      <p:pic>
+        <p:nvPicPr>
+          <p:cNvPr id="5" name="図 4">
+            <a:extLst>
+              <a:ext uri="{FF2B5EF4-FFF2-40B4-BE49-F238E27FC236}">
+                <a16:creationId xmlns:a16="http://schemas.microsoft.com/office/drawing/2014/main" id="{65DD3EAC-AAF6-4D96-A3BD-80B32858E2BD}"/>
+              </a:ext>
+            </a:extLst>
+          </p:cNvPr>
+          <p:cNvPicPr>
+            <a:picLocks noChangeAspect="1"/>
+          </p:cNvPicPr>
+          <p:nvPr/>
+        </p:nvPicPr>
+        <p:blipFill>
+          <a:blip r:embed="rId2">
+            <a:extLst>
+              <a:ext uri="{28A0092B-C50C-407E-A947-70E740481C1C}">
+                <a14:useLocalDpi xmlns:a14="http://schemas.microsoft.com/office/drawing/2010/main" val="0"/>
+              </a:ext>
+            </a:extLst>
+          </a:blip>
+          <a:stretch>
+            <a:fillRect/>
+          </a:stretch>
+        </p:blipFill>
+        <p:spPr>
+          <a:xfrm>
+            <a:off x="254403" y="3052659"/>
+            <a:ext cx="8680914" cy="3518737"/>
+          </a:xfrm>
+          <a:prstGeom prst="rect">
+            <a:avLst/>
+          </a:prstGeom>
+        </p:spPr>
+      </p:pic>
+      <p:sp>
+        <p:nvSpPr>
+          <p:cNvPr id="2" name="タイトル 1">
+            <a:extLst>
+              <a:ext uri="{FF2B5EF4-FFF2-40B4-BE49-F238E27FC236}">
+                <a16:creationId xmlns:a16="http://schemas.microsoft.com/office/drawing/2014/main" id="{7A70681D-3F14-4161-8C53-257F73A13768}"/>
+              </a:ext>
+            </a:extLst>
+          </p:cNvPr>
+          <p:cNvSpPr>
+            <a:spLocks noGrp="1"/>
+          </p:cNvSpPr>
+          <p:nvPr>
+            <p:ph type="title"/>
+          </p:nvPr>
+        </p:nvSpPr>
+        <p:spPr/>
+        <p:txBody>
+          <a:bodyPr/>
+          <a:lstStyle/>
+          <a:p>
+            <a:r>
+              <a:rPr kumimoji="1" lang="ja-JP" altLang="en-US" dirty="0"/>
+              <a:t>提案システム概要（</a:t>
+            </a:r>
+            <a:r>
+              <a:rPr lang="en-US" altLang="ja-JP" dirty="0"/>
+              <a:t>3</a:t>
+            </a:r>
+            <a:r>
+              <a:rPr kumimoji="1" lang="ja-JP" altLang="en-US" dirty="0"/>
+              <a:t>）</a:t>
+            </a:r>
+          </a:p>
+        </p:txBody>
+      </p:sp>
+      <p:sp>
+        <p:nvSpPr>
+          <p:cNvPr id="3" name="コンテンツ プレースホルダー 2">
+            <a:extLst>
+              <a:ext uri="{FF2B5EF4-FFF2-40B4-BE49-F238E27FC236}">
+                <a16:creationId xmlns:a16="http://schemas.microsoft.com/office/drawing/2014/main" id="{7E135AEA-599C-47A8-A1C3-611B834AC702}"/>
+              </a:ext>
+            </a:extLst>
+          </p:cNvPr>
+          <p:cNvSpPr>
+            <a:spLocks noGrp="1"/>
+          </p:cNvSpPr>
+          <p:nvPr>
+            <p:ph idx="1"/>
+          </p:nvPr>
+        </p:nvSpPr>
+        <p:spPr/>
+        <p:txBody>
+          <a:bodyPr/>
+          <a:lstStyle/>
+          <a:p>
+            <a:pPr>
+              <a:buFont typeface="Wingdings" panose="05000000000000000000" pitchFamily="2" charset="2"/>
+              <a:buChar char="l"/>
+            </a:pPr>
+            <a:r>
+              <a:rPr lang="ja-JP" altLang="en-US" dirty="0"/>
+              <a:t>コールド</a:t>
+            </a:r>
+            <a:r>
+              <a:rPr kumimoji="1" lang="ja-JP" altLang="en-US" dirty="0"/>
+              <a:t>スタンバイ</a:t>
+            </a:r>
+            <a:endParaRPr lang="en-US" altLang="ja-JP" dirty="0"/>
+          </a:p>
+          <a:p>
+            <a:pPr lvl="1">
+              <a:buFont typeface="Wingdings" panose="05000000000000000000" pitchFamily="2" charset="2"/>
+              <a:buChar char="l"/>
+            </a:pPr>
+            <a:r>
+              <a:rPr lang="ja-JP" altLang="en-US" dirty="0"/>
+              <a:t>コンテナは</a:t>
+            </a:r>
+            <a:r>
+              <a:rPr lang="en-US" altLang="ja-JP" dirty="0"/>
+              <a:t>VM</a:t>
+            </a:r>
+            <a:r>
+              <a:rPr lang="ja-JP" altLang="en-US" dirty="0"/>
+              <a:t>より高速な起動が可能</a:t>
+            </a:r>
+            <a:endParaRPr lang="en-US" altLang="ja-JP" dirty="0"/>
+          </a:p>
+          <a:p>
+            <a:pPr lvl="1">
+              <a:buFont typeface="Wingdings" panose="05000000000000000000" pitchFamily="2" charset="2"/>
+              <a:buChar char="l"/>
+            </a:pPr>
+            <a:r>
+              <a:rPr kumimoji="1" lang="ja-JP" altLang="en-US" dirty="0"/>
+              <a:t>待機系</a:t>
+            </a:r>
+            <a:r>
+              <a:rPr kumimoji="1" lang="en-US" altLang="ja-JP" dirty="0"/>
+              <a:t>VM</a:t>
+            </a:r>
+            <a:r>
+              <a:rPr kumimoji="1" lang="ja-JP" altLang="en-US" dirty="0"/>
+              <a:t>は他のサービスと共用利用によりコストを抑える</a:t>
+            </a:r>
+            <a:endParaRPr kumimoji="1" lang="en-US" altLang="ja-JP" dirty="0"/>
+          </a:p>
+        </p:txBody>
+      </p:sp>
+    </p:spTree>
+    <p:extLst>
+      <p:ext uri="{BB962C8B-B14F-4D97-AF65-F5344CB8AC3E}">
+        <p14:creationId xmlns:p14="http://schemas.microsoft.com/office/powerpoint/2010/main" val="2847783206"/>
+      </p:ext>
+    </p:extLst>
+  </p:cSld>
+  <p:clrMapOvr>
+    <a:masterClrMapping/>
+  </p:clrMapOvr>
+</p:sld>
+</file>
+
+<file path=ppt/slides/slide13.xml><?xml version="1.0" encoding="utf-8"?>
+<p:sld xmlns:a="http://schemas.openxmlformats.org/drawingml/2006/main" xmlns:r="http://schemas.openxmlformats.org/officeDocument/2006/relationships" xmlns:p="http://schemas.openxmlformats.org/presentationml/2006/main" show="0">
+  <p:cSld>
+    <p:spTree>
+      <p:nvGrpSpPr>
+        <p:cNvPr id="1" name=""/>
+        <p:cNvGrpSpPr/>
+        <p:nvPr/>
+      </p:nvGrpSpPr>
+      <p:grpSpPr>
+        <a:xfrm>
+          <a:off x="0" y="0"/>
+          <a:ext cx="0" cy="0"/>
+          <a:chOff x="0" y="0"/>
+          <a:chExt cx="0" cy="0"/>
+        </a:xfrm>
+      </p:grpSpPr>
       <p:sp>
         <p:nvSpPr>
           <p:cNvPr id="2" name="タイトル 1">
@@ -6499,7 +6841,7 @@
 </p:sld>
 </file>
 
-<file path=ppt/slides/slide12.xml><?xml version="1.0" encoding="utf-8"?>
+<file path=ppt/slides/slide14.xml><?xml version="1.0" encoding="utf-8"?>
 <p:sld xmlns:a="http://schemas.openxmlformats.org/drawingml/2006/main" xmlns:r="http://schemas.openxmlformats.org/officeDocument/2006/relationships" xmlns:p="http://schemas.openxmlformats.org/presentationml/2006/main">
   <p:cSld>
     <p:spTree>
@@ -6643,7 +6985,7 @@
             </a:r>
             <a:r>
               <a:rPr kumimoji="1" lang="ja-JP" altLang="en-US" dirty="0"/>
-              <a:t>秒間隔で取得する</a:t>
+              <a:t>秒間隔で取得</a:t>
             </a:r>
             <a:endParaRPr kumimoji="1" lang="en-US" altLang="ja-JP" dirty="0"/>
           </a:p>
@@ -6762,7 +7104,7 @@
 </p:sld>
 </file>
 
-<file path=ppt/slides/slide13.xml><?xml version="1.0" encoding="utf-8"?>
+<file path=ppt/slides/slide15.xml><?xml version="1.0" encoding="utf-8"?>
 <p:sld xmlns:a="http://schemas.openxmlformats.org/drawingml/2006/main" xmlns:r="http://schemas.openxmlformats.org/officeDocument/2006/relationships" xmlns:p="http://schemas.openxmlformats.org/presentationml/2006/main">
   <p:cSld>
     <p:spTree>
@@ -6970,7 +7312,7 @@
 </p:sld>
 </file>
 
-<file path=ppt/slides/slide14.xml><?xml version="1.0" encoding="utf-8"?>
+<file path=ppt/slides/slide16.xml><?xml version="1.0" encoding="utf-8"?>
 <p:sld xmlns:a="http://schemas.openxmlformats.org/drawingml/2006/main" xmlns:r="http://schemas.openxmlformats.org/officeDocument/2006/relationships" xmlns:p="http://schemas.openxmlformats.org/presentationml/2006/main">
   <p:cSld>
     <p:spTree>
@@ -7136,7 +7478,7 @@
 </p:sld>
 </file>
 
-<file path=ppt/slides/slide15.xml><?xml version="1.0" encoding="utf-8"?>
+<file path=ppt/slides/slide17.xml><?xml version="1.0" encoding="utf-8"?>
 <p:sld xmlns:a="http://schemas.openxmlformats.org/drawingml/2006/main" xmlns:r="http://schemas.openxmlformats.org/officeDocument/2006/relationships" xmlns:p="http://schemas.openxmlformats.org/presentationml/2006/main">
   <p:cSld>
     <p:spTree>
@@ -7264,7 +7606,7 @@
         </p:blipFill>
         <p:spPr>
           <a:xfrm>
-            <a:off x="228600" y="3139051"/>
+            <a:off x="228600" y="2668789"/>
             <a:ext cx="8686800" cy="3432345"/>
           </a:xfrm>
           <a:prstGeom prst="rect">
@@ -7285,7 +7627,7 @@
 </p:sld>
 </file>
 
-<file path=ppt/slides/slide16.xml><?xml version="1.0" encoding="utf-8"?>
+<file path=ppt/slides/slide18.xml><?xml version="1.0" encoding="utf-8"?>
 <p:sld xmlns:a="http://schemas.openxmlformats.org/drawingml/2006/main" xmlns:r="http://schemas.openxmlformats.org/officeDocument/2006/relationships" xmlns:p="http://schemas.openxmlformats.org/presentationml/2006/main">
   <p:cSld>
     <p:spTree>
@@ -7325,7 +7667,15 @@
           <a:p>
             <a:r>
               <a:rPr kumimoji="1" lang="ja-JP" altLang="en-US" dirty="0"/>
-              <a:t>障害復旧</a:t>
+              <a:t>障害復旧（</a:t>
+            </a:r>
+            <a:r>
+              <a:rPr kumimoji="1" lang="en-US" altLang="ja-JP" dirty="0"/>
+              <a:t>1</a:t>
+            </a:r>
+            <a:r>
+              <a:rPr kumimoji="1" lang="ja-JP" altLang="en-US" dirty="0"/>
+              <a:t>）</a:t>
             </a:r>
           </a:p>
         </p:txBody>
@@ -7356,33 +7706,211 @@
               <a:buChar char="l"/>
             </a:pPr>
             <a:r>
-              <a:rPr kumimoji="1" lang="en-US" altLang="ja-JP" dirty="0"/>
-              <a:t>Zabbix</a:t>
-            </a:r>
+              <a:rPr lang="ja-JP" altLang="en-US" dirty="0"/>
+              <a:t>復旧用スクリプトの実行</a:t>
+            </a:r>
+            <a:endParaRPr lang="en-US" altLang="ja-JP" dirty="0"/>
+          </a:p>
+          <a:p>
+            <a:pPr lvl="1">
+              <a:buFont typeface="Wingdings" panose="05000000000000000000" pitchFamily="2" charset="2"/>
+              <a:buChar char="l"/>
+            </a:pPr>
             <a:r>
               <a:rPr kumimoji="1" lang="ja-JP" altLang="en-US" dirty="0"/>
-              <a:t>と</a:t>
-            </a:r>
-            <a:r>
-              <a:rPr kumimoji="1" lang="en-US" altLang="ja-JP" dirty="0"/>
-              <a:t>LXD</a:t>
-            </a:r>
-            <a:r>
-              <a:rPr kumimoji="1" lang="ja-JP" altLang="en-US" dirty="0" err="1"/>
-              <a:t>，</a:t>
-            </a:r>
+              <a:t>障害検知時に，復旧用スクリプトを実行</a:t>
+            </a:r>
+            <a:endParaRPr kumimoji="1" lang="en-US" altLang="ja-JP" dirty="0"/>
+          </a:p>
+          <a:p>
+            <a:pPr lvl="1">
+              <a:buFont typeface="Wingdings" panose="05000000000000000000" pitchFamily="2" charset="2"/>
+              <a:buChar char="l"/>
+            </a:pPr>
+            <a:r>
+              <a:rPr lang="ja-JP" altLang="en-US" dirty="0"/>
+              <a:t>必要に応じてコンテナの起動</a:t>
+            </a:r>
+            <a:endParaRPr lang="en-US" altLang="ja-JP" dirty="0"/>
+          </a:p>
+          <a:p>
+            <a:pPr lvl="1">
+              <a:buFont typeface="Wingdings" panose="05000000000000000000" pitchFamily="2" charset="2"/>
+              <a:buChar char="l"/>
+            </a:pPr>
             <a:r>
               <a:rPr kumimoji="1" lang="ja-JP" altLang="en-US" dirty="0"/>
-              <a:t>ダイナミック</a:t>
-            </a:r>
-            <a:r>
-              <a:rPr kumimoji="1" lang="en-US" altLang="ja-JP" dirty="0"/>
+              <a:t>バックアップから運用系の状態に復元</a:t>
+            </a:r>
+          </a:p>
+        </p:txBody>
+      </p:sp>
+      <p:pic>
+        <p:nvPicPr>
+          <p:cNvPr id="5" name="図 4">
+            <a:extLst>
+              <a:ext uri="{FF2B5EF4-FFF2-40B4-BE49-F238E27FC236}">
+                <a16:creationId xmlns:a16="http://schemas.microsoft.com/office/drawing/2014/main" id="{4066BE75-293F-4F2D-9DD3-61FB6A7B13D7}"/>
+              </a:ext>
+            </a:extLst>
+          </p:cNvPr>
+          <p:cNvPicPr>
+            <a:picLocks noChangeAspect="1"/>
+          </p:cNvPicPr>
+          <p:nvPr/>
+        </p:nvPicPr>
+        <p:blipFill>
+          <a:blip r:embed="rId2">
+            <a:extLst>
+              <a:ext uri="{28A0092B-C50C-407E-A947-70E740481C1C}">
+                <a14:useLocalDpi xmlns:a14="http://schemas.microsoft.com/office/drawing/2010/main" val="0"/>
+              </a:ext>
+            </a:extLst>
+          </a:blip>
+          <a:stretch>
+            <a:fillRect/>
+          </a:stretch>
+        </p:blipFill>
+        <p:spPr>
+          <a:xfrm>
+            <a:off x="81280" y="3181221"/>
+            <a:ext cx="8981440" cy="3246484"/>
+          </a:xfrm>
+          <a:prstGeom prst="rect">
+            <a:avLst/>
+          </a:prstGeom>
+        </p:spPr>
+      </p:pic>
+    </p:spTree>
+    <p:extLst>
+      <p:ext uri="{BB962C8B-B14F-4D97-AF65-F5344CB8AC3E}">
+        <p14:creationId xmlns:p14="http://schemas.microsoft.com/office/powerpoint/2010/main" val="3417753094"/>
+      </p:ext>
+    </p:extLst>
+  </p:cSld>
+  <p:clrMapOvr>
+    <a:masterClrMapping/>
+  </p:clrMapOvr>
+</p:sld>
+</file>
+
+<file path=ppt/slides/slide19.xml><?xml version="1.0" encoding="utf-8"?>
+<p:sld xmlns:a="http://schemas.openxmlformats.org/drawingml/2006/main" xmlns:r="http://schemas.openxmlformats.org/officeDocument/2006/relationships" xmlns:p="http://schemas.openxmlformats.org/presentationml/2006/main">
+  <p:cSld>
+    <p:spTree>
+      <p:nvGrpSpPr>
+        <p:cNvPr id="1" name=""/>
+        <p:cNvGrpSpPr/>
+        <p:nvPr/>
+      </p:nvGrpSpPr>
+      <p:grpSpPr>
+        <a:xfrm>
+          <a:off x="0" y="0"/>
+          <a:ext cx="0" cy="0"/>
+          <a:chOff x="0" y="0"/>
+          <a:chExt cx="0" cy="0"/>
+        </a:xfrm>
+      </p:grpSpPr>
+      <p:sp>
+        <p:nvSpPr>
+          <p:cNvPr id="2" name="タイトル 1">
+            <a:extLst>
+              <a:ext uri="{FF2B5EF4-FFF2-40B4-BE49-F238E27FC236}">
+                <a16:creationId xmlns:a16="http://schemas.microsoft.com/office/drawing/2014/main" id="{E9D9CB0E-30A8-4099-AADF-4AC2E5B1190B}"/>
+              </a:ext>
+            </a:extLst>
+          </p:cNvPr>
+          <p:cNvSpPr>
+            <a:spLocks noGrp="1"/>
+          </p:cNvSpPr>
+          <p:nvPr>
+            <p:ph type="title"/>
+          </p:nvPr>
+        </p:nvSpPr>
+        <p:spPr/>
+        <p:txBody>
+          <a:bodyPr/>
+          <a:lstStyle/>
+          <a:p>
+            <a:r>
+              <a:rPr kumimoji="1" lang="ja-JP" altLang="en-US" dirty="0"/>
+              <a:t>障害復旧（</a:t>
+            </a:r>
+            <a:r>
+              <a:rPr lang="en-US" altLang="ja-JP" dirty="0"/>
+              <a:t>2</a:t>
+            </a:r>
+            <a:r>
+              <a:rPr kumimoji="1" lang="ja-JP" altLang="en-US" dirty="0"/>
+              <a:t>）</a:t>
+            </a:r>
+          </a:p>
+        </p:txBody>
+      </p:sp>
+      <p:sp>
+        <p:nvSpPr>
+          <p:cNvPr id="3" name="コンテンツ プレースホルダー 2">
+            <a:extLst>
+              <a:ext uri="{FF2B5EF4-FFF2-40B4-BE49-F238E27FC236}">
+                <a16:creationId xmlns:a16="http://schemas.microsoft.com/office/drawing/2014/main" id="{D74D4EC6-8838-48AD-B620-2CDB881CF769}"/>
+              </a:ext>
+            </a:extLst>
+          </p:cNvPr>
+          <p:cNvSpPr>
+            <a:spLocks noGrp="1"/>
+          </p:cNvSpPr>
+          <p:nvPr>
+            <p:ph idx="1"/>
+          </p:nvPr>
+        </p:nvSpPr>
+        <p:spPr/>
+        <p:txBody>
+          <a:bodyPr/>
+          <a:lstStyle/>
+          <a:p>
+            <a:pPr>
+              <a:buFont typeface="Wingdings" panose="05000000000000000000" pitchFamily="2" charset="2"/>
+              <a:buChar char="l"/>
+            </a:pPr>
+            <a:r>
+              <a:rPr lang="ja-JP" altLang="en-US" dirty="0"/>
+              <a:t>サービス提供元の切り替え</a:t>
+            </a:r>
+            <a:endParaRPr lang="en-US" altLang="ja-JP" dirty="0"/>
+          </a:p>
+          <a:p>
+            <a:pPr lvl="1">
+              <a:buFont typeface="Wingdings" panose="05000000000000000000" pitchFamily="2" charset="2"/>
+              <a:buChar char="l"/>
+            </a:pPr>
+            <a:r>
+              <a:rPr kumimoji="1" lang="ja-JP" altLang="en-US" dirty="0"/>
+              <a:t>コンテナが使用するネットワークポートの確認</a:t>
+            </a:r>
+            <a:endParaRPr kumimoji="1" lang="en-US" altLang="ja-JP" dirty="0"/>
+          </a:p>
+          <a:p>
+            <a:pPr lvl="1">
+              <a:buFont typeface="Wingdings" panose="05000000000000000000" pitchFamily="2" charset="2"/>
+              <a:buChar char="l"/>
+            </a:pPr>
+            <a:r>
+              <a:rPr lang="en-US" altLang="ja-JP" dirty="0" err="1"/>
+              <a:t>DNSupdate</a:t>
+            </a:r>
+            <a:r>
+              <a:rPr lang="ja-JP" altLang="en-US" dirty="0"/>
+              <a:t>を実行し，</a:t>
+            </a:r>
+            <a:r>
+              <a:rPr lang="en-US" altLang="ja-JP" dirty="0"/>
               <a:t>DNS</a:t>
             </a:r>
             <a:r>
-              <a:rPr kumimoji="1" lang="ja-JP" altLang="en-US" dirty="0"/>
-              <a:t>を利用</a:t>
-            </a:r>
+              <a:rPr lang="ja-JP" altLang="en-US" dirty="0"/>
+              <a:t>レコードの更新</a:t>
+            </a:r>
+            <a:endParaRPr kumimoji="1" lang="ja-JP" altLang="en-US" dirty="0"/>
           </a:p>
         </p:txBody>
       </p:sp>
@@ -7425,7 +7953,7 @@
     </p:spTree>
     <p:extLst>
       <p:ext uri="{BB962C8B-B14F-4D97-AF65-F5344CB8AC3E}">
-        <p14:creationId xmlns:p14="http://schemas.microsoft.com/office/powerpoint/2010/main" val="3417753094"/>
+        <p14:creationId xmlns:p14="http://schemas.microsoft.com/office/powerpoint/2010/main" val="2255954668"/>
       </p:ext>
     </p:extLst>
   </p:cSld>
@@ -7631,6 +8159,2143 @@
     <p:extLst>
       <p:ext uri="{BB962C8B-B14F-4D97-AF65-F5344CB8AC3E}">
         <p14:creationId xmlns:p14="http://schemas.microsoft.com/office/powerpoint/2010/main" val="548733701"/>
+      </p:ext>
+    </p:extLst>
+  </p:cSld>
+  <p:clrMapOvr>
+    <a:masterClrMapping/>
+  </p:clrMapOvr>
+</p:sld>
+</file>
+
+<file path=ppt/slides/slide20.xml><?xml version="1.0" encoding="utf-8"?>
+<p:sld xmlns:a="http://schemas.openxmlformats.org/drawingml/2006/main" xmlns:r="http://schemas.openxmlformats.org/officeDocument/2006/relationships" xmlns:p="http://schemas.openxmlformats.org/presentationml/2006/main">
+  <p:cSld>
+    <p:spTree>
+      <p:nvGrpSpPr>
+        <p:cNvPr id="1" name=""/>
+        <p:cNvGrpSpPr/>
+        <p:nvPr/>
+      </p:nvGrpSpPr>
+      <p:grpSpPr>
+        <a:xfrm>
+          <a:off x="0" y="0"/>
+          <a:ext cx="0" cy="0"/>
+          <a:chOff x="0" y="0"/>
+          <a:chExt cx="0" cy="0"/>
+        </a:xfrm>
+      </p:grpSpPr>
+      <p:sp>
+        <p:nvSpPr>
+          <p:cNvPr id="2" name="タイトル 1">
+            <a:extLst>
+              <a:ext uri="{FF2B5EF4-FFF2-40B4-BE49-F238E27FC236}">
+                <a16:creationId xmlns:a16="http://schemas.microsoft.com/office/drawing/2014/main" id="{BAE3C59E-8D4C-4FFF-8230-266B26C02D21}"/>
+              </a:ext>
+            </a:extLst>
+          </p:cNvPr>
+          <p:cNvSpPr>
+            <a:spLocks noGrp="1"/>
+          </p:cNvSpPr>
+          <p:nvPr>
+            <p:ph type="title"/>
+          </p:nvPr>
+        </p:nvSpPr>
+        <p:spPr/>
+        <p:txBody>
+          <a:bodyPr/>
+          <a:lstStyle/>
+          <a:p>
+            <a:r>
+              <a:rPr kumimoji="1" lang="ja-JP" altLang="en-US" dirty="0"/>
+              <a:t>マイグレーション</a:t>
+            </a:r>
+          </a:p>
+        </p:txBody>
+      </p:sp>
+      <p:sp>
+        <p:nvSpPr>
+          <p:cNvPr id="3" name="コンテンツ プレースホルダー 2">
+            <a:extLst>
+              <a:ext uri="{FF2B5EF4-FFF2-40B4-BE49-F238E27FC236}">
+                <a16:creationId xmlns:a16="http://schemas.microsoft.com/office/drawing/2014/main" id="{085C08DD-0913-40F1-9371-8262A332B14A}"/>
+              </a:ext>
+            </a:extLst>
+          </p:cNvPr>
+          <p:cNvSpPr>
+            <a:spLocks noGrp="1"/>
+          </p:cNvSpPr>
+          <p:nvPr>
+            <p:ph idx="1"/>
+          </p:nvPr>
+        </p:nvSpPr>
+        <p:spPr/>
+        <p:txBody>
+          <a:bodyPr/>
+          <a:lstStyle/>
+          <a:p>
+            <a:endParaRPr kumimoji="1" lang="ja-JP" altLang="en-US" dirty="0"/>
+          </a:p>
+        </p:txBody>
+      </p:sp>
+    </p:spTree>
+    <p:extLst>
+      <p:ext uri="{BB962C8B-B14F-4D97-AF65-F5344CB8AC3E}">
+        <p14:creationId xmlns:p14="http://schemas.microsoft.com/office/powerpoint/2010/main" val="2218197693"/>
+      </p:ext>
+    </p:extLst>
+  </p:cSld>
+  <p:clrMapOvr>
+    <a:masterClrMapping/>
+  </p:clrMapOvr>
+</p:sld>
+</file>
+
+<file path=ppt/slides/slide21.xml><?xml version="1.0" encoding="utf-8"?>
+<p:sld xmlns:a="http://schemas.openxmlformats.org/drawingml/2006/main" xmlns:r="http://schemas.openxmlformats.org/officeDocument/2006/relationships" xmlns:p="http://schemas.openxmlformats.org/presentationml/2006/main">
+  <p:cSld>
+    <p:spTree>
+      <p:nvGrpSpPr>
+        <p:cNvPr id="1" name=""/>
+        <p:cNvGrpSpPr/>
+        <p:nvPr/>
+      </p:nvGrpSpPr>
+      <p:grpSpPr>
+        <a:xfrm>
+          <a:off x="0" y="0"/>
+          <a:ext cx="0" cy="0"/>
+          <a:chOff x="0" y="0"/>
+          <a:chExt cx="0" cy="0"/>
+        </a:xfrm>
+      </p:grpSpPr>
+      <p:sp>
+        <p:nvSpPr>
+          <p:cNvPr id="2" name="タイトル 1">
+            <a:extLst>
+              <a:ext uri="{FF2B5EF4-FFF2-40B4-BE49-F238E27FC236}">
+                <a16:creationId xmlns:a16="http://schemas.microsoft.com/office/drawing/2014/main" id="{64DC3A58-53DC-4431-965F-13B51D4C5045}"/>
+              </a:ext>
+            </a:extLst>
+          </p:cNvPr>
+          <p:cNvSpPr>
+            <a:spLocks noGrp="1"/>
+          </p:cNvSpPr>
+          <p:nvPr>
+            <p:ph type="title"/>
+          </p:nvPr>
+        </p:nvSpPr>
+        <p:spPr/>
+        <p:txBody>
+          <a:bodyPr/>
+          <a:lstStyle/>
+          <a:p>
+            <a:r>
+              <a:rPr kumimoji="1" lang="ja-JP" altLang="en-US" dirty="0"/>
+              <a:t>実験環境</a:t>
+            </a:r>
+            <a:r>
+              <a:rPr lang="ja-JP" altLang="en-US" dirty="0"/>
+              <a:t>（</a:t>
+            </a:r>
+            <a:r>
+              <a:rPr lang="en-US" altLang="ja-JP" dirty="0"/>
+              <a:t>1</a:t>
+            </a:r>
+            <a:r>
+              <a:rPr lang="ja-JP" altLang="en-US" dirty="0"/>
+              <a:t>）</a:t>
+            </a:r>
+            <a:endParaRPr kumimoji="1" lang="ja-JP" altLang="en-US" dirty="0"/>
+          </a:p>
+        </p:txBody>
+      </p:sp>
+      <p:sp>
+        <p:nvSpPr>
+          <p:cNvPr id="4" name="テキスト プレースホルダー 3">
+            <a:extLst>
+              <a:ext uri="{FF2B5EF4-FFF2-40B4-BE49-F238E27FC236}">
+                <a16:creationId xmlns:a16="http://schemas.microsoft.com/office/drawing/2014/main" id="{C439B877-529F-405F-AB52-C12EDFF6B645}"/>
+              </a:ext>
+            </a:extLst>
+          </p:cNvPr>
+          <p:cNvSpPr>
+            <a:spLocks noGrp="1"/>
+          </p:cNvSpPr>
+          <p:nvPr>
+            <p:ph type="body" idx="1"/>
+          </p:nvPr>
+        </p:nvSpPr>
+        <p:spPr/>
+        <p:txBody>
+          <a:bodyPr>
+            <a:normAutofit/>
+          </a:bodyPr>
+          <a:lstStyle/>
+          <a:p>
+            <a:pPr algn="ctr"/>
+            <a:r>
+              <a:rPr lang="ja-JP" altLang="en-US" sz="2400" dirty="0">
+                <a:solidFill>
+                  <a:schemeClr val="tx1"/>
+                </a:solidFill>
+              </a:rPr>
+              <a:t>運用系と待機系</a:t>
+            </a:r>
+            <a:endParaRPr kumimoji="1" lang="ja-JP" altLang="en-US" sz="2400" dirty="0">
+              <a:solidFill>
+                <a:schemeClr val="tx1"/>
+              </a:solidFill>
+            </a:endParaRPr>
+          </a:p>
+        </p:txBody>
+      </p:sp>
+      <p:graphicFrame>
+        <p:nvGraphicFramePr>
+          <p:cNvPr id="8" name="コンテンツ プレースホルダー 7">
+            <a:extLst>
+              <a:ext uri="{FF2B5EF4-FFF2-40B4-BE49-F238E27FC236}">
+                <a16:creationId xmlns:a16="http://schemas.microsoft.com/office/drawing/2014/main" id="{17209177-DC25-4471-9126-037473E29815}"/>
+              </a:ext>
+            </a:extLst>
+          </p:cNvPr>
+          <p:cNvGraphicFramePr>
+            <a:graphicFrameLocks noGrp="1"/>
+          </p:cNvGraphicFramePr>
+          <p:nvPr>
+            <p:ph sz="half" idx="2"/>
+            <p:extLst>
+              <p:ext uri="{D42A27DB-BD31-4B8C-83A1-F6EECF244321}">
+                <p14:modId xmlns:p14="http://schemas.microsoft.com/office/powerpoint/2010/main" val="3064707789"/>
+              </p:ext>
+            </p:extLst>
+          </p:nvPr>
+        </p:nvGraphicFramePr>
+        <p:xfrm>
+          <a:off x="546100" y="2582334"/>
+          <a:ext cx="4025900" cy="3169920"/>
+        </p:xfrm>
+        <a:graphic>
+          <a:graphicData uri="http://schemas.openxmlformats.org/drawingml/2006/table">
+            <a:tbl>
+              <a:tblPr firstRow="1" bandRow="1">
+                <a:tableStyleId>{5C22544A-7EE6-4342-B048-85BDC9FD1C3A}</a:tableStyleId>
+              </a:tblPr>
+              <a:tblGrid>
+                <a:gridCol w="1358900">
+                  <a:extLst>
+                    <a:ext uri="{9D8B030D-6E8A-4147-A177-3AD203B41FA5}">
+                      <a16:colId xmlns:a16="http://schemas.microsoft.com/office/drawing/2014/main" val="2619831094"/>
+                    </a:ext>
+                  </a:extLst>
+                </a:gridCol>
+                <a:gridCol w="2667000">
+                  <a:extLst>
+                    <a:ext uri="{9D8B030D-6E8A-4147-A177-3AD203B41FA5}">
+                      <a16:colId xmlns:a16="http://schemas.microsoft.com/office/drawing/2014/main" val="2670335651"/>
+                    </a:ext>
+                  </a:extLst>
+                </a:gridCol>
+              </a:tblGrid>
+              <a:tr h="370840">
+                <a:tc>
+                  <a:txBody>
+                    <a:bodyPr/>
+                    <a:lstStyle/>
+                    <a:p>
+                      <a:pPr algn="ctr"/>
+                      <a:r>
+                        <a:rPr kumimoji="1" lang="ja-JP" altLang="en-US" sz="2000" dirty="0"/>
+                        <a:t>項目</a:t>
+                      </a:r>
+                    </a:p>
+                  </a:txBody>
+                  <a:tcPr/>
+                </a:tc>
+                <a:tc>
+                  <a:txBody>
+                    <a:bodyPr/>
+                    <a:lstStyle/>
+                    <a:p>
+                      <a:pPr algn="ctr"/>
+                      <a:r>
+                        <a:rPr kumimoji="1" lang="ja-JP" altLang="en-US" sz="2000" dirty="0"/>
+                        <a:t>内容</a:t>
+                      </a:r>
+                    </a:p>
+                  </a:txBody>
+                  <a:tcPr/>
+                </a:tc>
+                <a:extLst>
+                  <a:ext uri="{0D108BD9-81ED-4DB2-BD59-A6C34878D82A}">
+                    <a16:rowId xmlns:a16="http://schemas.microsoft.com/office/drawing/2014/main" val="1143947370"/>
+                  </a:ext>
+                </a:extLst>
+              </a:tr>
+              <a:tr h="370840">
+                <a:tc>
+                  <a:txBody>
+                    <a:bodyPr/>
+                    <a:lstStyle/>
+                    <a:p>
+                      <a:pPr algn="ctr"/>
+                      <a:r>
+                        <a:rPr kumimoji="1" lang="en-US" altLang="ja-JP" sz="2000" dirty="0"/>
+                        <a:t>CPU</a:t>
+                      </a:r>
+                    </a:p>
+                  </a:txBody>
+                  <a:tcPr/>
+                </a:tc>
+                <a:tc>
+                  <a:txBody>
+                    <a:bodyPr/>
+                    <a:lstStyle/>
+                    <a:p>
+                      <a:pPr algn="ctr"/>
+                      <a:r>
+                        <a:rPr kumimoji="1" lang="en-US" altLang="ja-JP" sz="2000" dirty="0"/>
+                        <a:t>Intel Xeon E3-1226 v3</a:t>
+                      </a:r>
+                      <a:endParaRPr kumimoji="1" lang="ja-JP" altLang="en-US" sz="2000" dirty="0"/>
+                    </a:p>
+                  </a:txBody>
+                  <a:tcPr/>
+                </a:tc>
+                <a:extLst>
+                  <a:ext uri="{0D108BD9-81ED-4DB2-BD59-A6C34878D82A}">
+                    <a16:rowId xmlns:a16="http://schemas.microsoft.com/office/drawing/2014/main" val="1770994285"/>
+                  </a:ext>
+                </a:extLst>
+              </a:tr>
+              <a:tr h="370840">
+                <a:tc>
+                  <a:txBody>
+                    <a:bodyPr/>
+                    <a:lstStyle/>
+                    <a:p>
+                      <a:pPr algn="ctr"/>
+                      <a:r>
+                        <a:rPr kumimoji="1" lang="en-US" altLang="ja-JP" sz="2000" dirty="0"/>
+                        <a:t>Memory</a:t>
+                      </a:r>
+                      <a:endParaRPr kumimoji="1" lang="ja-JP" altLang="en-US" sz="2000" dirty="0"/>
+                    </a:p>
+                  </a:txBody>
+                  <a:tcPr/>
+                </a:tc>
+                <a:tc>
+                  <a:txBody>
+                    <a:bodyPr/>
+                    <a:lstStyle/>
+                    <a:p>
+                      <a:pPr algn="ctr"/>
+                      <a:r>
+                        <a:rPr kumimoji="1" lang="en-US" altLang="ja-JP" sz="2000" dirty="0"/>
+                        <a:t>8GB</a:t>
+                      </a:r>
+                      <a:endParaRPr kumimoji="1" lang="ja-JP" altLang="en-US" sz="2000" dirty="0"/>
+                    </a:p>
+                  </a:txBody>
+                  <a:tcPr/>
+                </a:tc>
+                <a:extLst>
+                  <a:ext uri="{0D108BD9-81ED-4DB2-BD59-A6C34878D82A}">
+                    <a16:rowId xmlns:a16="http://schemas.microsoft.com/office/drawing/2014/main" val="1401305292"/>
+                  </a:ext>
+                </a:extLst>
+              </a:tr>
+              <a:tr h="370840">
+                <a:tc>
+                  <a:txBody>
+                    <a:bodyPr/>
+                    <a:lstStyle/>
+                    <a:p>
+                      <a:pPr algn="ctr"/>
+                      <a:r>
+                        <a:rPr kumimoji="1" lang="en-US" altLang="ja-JP" sz="2000" dirty="0"/>
+                        <a:t>Network</a:t>
+                      </a:r>
+                      <a:endParaRPr kumimoji="1" lang="ja-JP" altLang="en-US" sz="2000" dirty="0"/>
+                    </a:p>
+                  </a:txBody>
+                  <a:tcPr/>
+                </a:tc>
+                <a:tc>
+                  <a:txBody>
+                    <a:bodyPr/>
+                    <a:lstStyle/>
+                    <a:p>
+                      <a:pPr algn="ctr"/>
+                      <a:r>
+                        <a:rPr kumimoji="1" lang="ja-JP" altLang="en-US" sz="2000" dirty="0"/>
+                        <a:t>ギガビットイーサネット</a:t>
+                      </a:r>
+                    </a:p>
+                  </a:txBody>
+                  <a:tcPr/>
+                </a:tc>
+                <a:extLst>
+                  <a:ext uri="{0D108BD9-81ED-4DB2-BD59-A6C34878D82A}">
+                    <a16:rowId xmlns:a16="http://schemas.microsoft.com/office/drawing/2014/main" val="2339114794"/>
+                  </a:ext>
+                </a:extLst>
+              </a:tr>
+              <a:tr h="370840">
+                <a:tc>
+                  <a:txBody>
+                    <a:bodyPr/>
+                    <a:lstStyle/>
+                    <a:p>
+                      <a:pPr algn="ctr"/>
+                      <a:r>
+                        <a:rPr kumimoji="1" lang="en-US" altLang="ja-JP" sz="2000" dirty="0"/>
+                        <a:t>OS</a:t>
+                      </a:r>
+                      <a:endParaRPr kumimoji="1" lang="ja-JP" altLang="en-US" sz="2000" dirty="0"/>
+                    </a:p>
+                  </a:txBody>
+                  <a:tcPr/>
+                </a:tc>
+                <a:tc>
+                  <a:txBody>
+                    <a:bodyPr/>
+                    <a:lstStyle/>
+                    <a:p>
+                      <a:pPr algn="ctr"/>
+                      <a:r>
+                        <a:rPr kumimoji="1" lang="en-US" altLang="ja-JP" sz="2000" dirty="0"/>
+                        <a:t>Ubuntu 16.04.2 LTS</a:t>
+                      </a:r>
+                      <a:endParaRPr kumimoji="1" lang="ja-JP" altLang="en-US" sz="2000" dirty="0"/>
+                    </a:p>
+                  </a:txBody>
+                  <a:tcPr/>
+                </a:tc>
+                <a:extLst>
+                  <a:ext uri="{0D108BD9-81ED-4DB2-BD59-A6C34878D82A}">
+                    <a16:rowId xmlns:a16="http://schemas.microsoft.com/office/drawing/2014/main" val="1399912759"/>
+                  </a:ext>
+                </a:extLst>
+              </a:tr>
+              <a:tr h="370840">
+                <a:tc>
+                  <a:txBody>
+                    <a:bodyPr/>
+                    <a:lstStyle/>
+                    <a:p>
+                      <a:pPr algn="ctr"/>
+                      <a:r>
+                        <a:rPr kumimoji="1" lang="en-US" altLang="ja-JP" sz="2000" dirty="0"/>
+                        <a:t>Kernel</a:t>
+                      </a:r>
+                      <a:endParaRPr kumimoji="1" lang="ja-JP" altLang="en-US" sz="2000" dirty="0"/>
+                    </a:p>
+                  </a:txBody>
+                  <a:tcPr/>
+                </a:tc>
+                <a:tc>
+                  <a:txBody>
+                    <a:bodyPr/>
+                    <a:lstStyle/>
+                    <a:p>
+                      <a:pPr algn="ctr"/>
+                      <a:r>
+                        <a:rPr kumimoji="1" lang="en-US" altLang="ja-JP" sz="2000" dirty="0"/>
+                        <a:t>Linux 4.4.0-101-generic</a:t>
+                      </a:r>
+                      <a:endParaRPr kumimoji="1" lang="ja-JP" altLang="en-US" sz="2000" dirty="0"/>
+                    </a:p>
+                  </a:txBody>
+                  <a:tcPr/>
+                </a:tc>
+                <a:extLst>
+                  <a:ext uri="{0D108BD9-81ED-4DB2-BD59-A6C34878D82A}">
+                    <a16:rowId xmlns:a16="http://schemas.microsoft.com/office/drawing/2014/main" val="3168334886"/>
+                  </a:ext>
+                </a:extLst>
+              </a:tr>
+              <a:tr h="370840">
+                <a:tc>
+                  <a:txBody>
+                    <a:bodyPr/>
+                    <a:lstStyle/>
+                    <a:p>
+                      <a:pPr algn="ctr"/>
+                      <a:r>
+                        <a:rPr kumimoji="1" lang="en-US" altLang="ja-JP" sz="2000" dirty="0"/>
+                        <a:t>Hypervisor</a:t>
+                      </a:r>
+                      <a:endParaRPr kumimoji="1" lang="ja-JP" altLang="en-US" sz="2000" dirty="0"/>
+                    </a:p>
+                  </a:txBody>
+                  <a:tcPr/>
+                </a:tc>
+                <a:tc>
+                  <a:txBody>
+                    <a:bodyPr/>
+                    <a:lstStyle/>
+                    <a:p>
+                      <a:pPr algn="ctr"/>
+                      <a:r>
+                        <a:rPr kumimoji="1" lang="en-US" altLang="ja-JP" sz="2000" dirty="0"/>
+                        <a:t>KVM 2.5.0</a:t>
+                      </a:r>
+                      <a:endParaRPr kumimoji="1" lang="ja-JP" altLang="en-US" sz="2000" dirty="0"/>
+                    </a:p>
+                  </a:txBody>
+                  <a:tcPr/>
+                </a:tc>
+                <a:extLst>
+                  <a:ext uri="{0D108BD9-81ED-4DB2-BD59-A6C34878D82A}">
+                    <a16:rowId xmlns:a16="http://schemas.microsoft.com/office/drawing/2014/main" val="1244551024"/>
+                  </a:ext>
+                </a:extLst>
+              </a:tr>
+              <a:tr h="370840">
+                <a:tc>
+                  <a:txBody>
+                    <a:bodyPr/>
+                    <a:lstStyle/>
+                    <a:p>
+                      <a:pPr algn="ctr"/>
+                      <a:r>
+                        <a:rPr kumimoji="1" lang="en-US" altLang="ja-JP" sz="2000" dirty="0"/>
+                        <a:t>Container</a:t>
+                      </a:r>
+                      <a:endParaRPr kumimoji="1" lang="ja-JP" altLang="en-US" sz="2000" dirty="0"/>
+                    </a:p>
+                  </a:txBody>
+                  <a:tcPr/>
+                </a:tc>
+                <a:tc>
+                  <a:txBody>
+                    <a:bodyPr/>
+                    <a:lstStyle/>
+                    <a:p>
+                      <a:pPr algn="ctr"/>
+                      <a:r>
+                        <a:rPr kumimoji="1" lang="en-US" altLang="ja-JP" sz="2000" dirty="0"/>
+                        <a:t>LXD 2.15</a:t>
+                      </a:r>
+                      <a:endParaRPr kumimoji="1" lang="ja-JP" altLang="en-US" sz="2000" dirty="0"/>
+                    </a:p>
+                  </a:txBody>
+                  <a:tcPr/>
+                </a:tc>
+                <a:extLst>
+                  <a:ext uri="{0D108BD9-81ED-4DB2-BD59-A6C34878D82A}">
+                    <a16:rowId xmlns:a16="http://schemas.microsoft.com/office/drawing/2014/main" val="646464468"/>
+                  </a:ext>
+                </a:extLst>
+              </a:tr>
+            </a:tbl>
+          </a:graphicData>
+        </a:graphic>
+      </p:graphicFrame>
+      <p:sp>
+        <p:nvSpPr>
+          <p:cNvPr id="6" name="テキスト プレースホルダー 5">
+            <a:extLst>
+              <a:ext uri="{FF2B5EF4-FFF2-40B4-BE49-F238E27FC236}">
+                <a16:creationId xmlns:a16="http://schemas.microsoft.com/office/drawing/2014/main" id="{95B1E48A-A2D2-4E56-9A05-56E0DCE65853}"/>
+              </a:ext>
+            </a:extLst>
+          </p:cNvPr>
+          <p:cNvSpPr>
+            <a:spLocks noGrp="1"/>
+          </p:cNvSpPr>
+          <p:nvPr>
+            <p:ph type="body" sz="quarter" idx="3"/>
+          </p:nvPr>
+        </p:nvSpPr>
+        <p:spPr/>
+        <p:txBody>
+          <a:bodyPr>
+            <a:normAutofit/>
+          </a:bodyPr>
+          <a:lstStyle/>
+          <a:p>
+            <a:pPr algn="ctr"/>
+            <a:r>
+              <a:rPr kumimoji="1" lang="en-US" altLang="ja-JP" sz="2400" dirty="0">
+                <a:solidFill>
+                  <a:schemeClr val="tx1"/>
+                </a:solidFill>
+              </a:rPr>
+              <a:t>VM</a:t>
+            </a:r>
+            <a:endParaRPr kumimoji="1" lang="ja-JP" altLang="en-US" sz="2400" dirty="0">
+              <a:solidFill>
+                <a:schemeClr val="tx1"/>
+              </a:solidFill>
+            </a:endParaRPr>
+          </a:p>
+        </p:txBody>
+      </p:sp>
+      <p:graphicFrame>
+        <p:nvGraphicFramePr>
+          <p:cNvPr id="9" name="コンテンツ プレースホルダー 8">
+            <a:extLst>
+              <a:ext uri="{FF2B5EF4-FFF2-40B4-BE49-F238E27FC236}">
+                <a16:creationId xmlns:a16="http://schemas.microsoft.com/office/drawing/2014/main" id="{4860336C-7665-41BB-BB1C-4CB3ADEDF45C}"/>
+              </a:ext>
+            </a:extLst>
+          </p:cNvPr>
+          <p:cNvGraphicFramePr>
+            <a:graphicFrameLocks noGrp="1"/>
+          </p:cNvGraphicFramePr>
+          <p:nvPr>
+            <p:ph sz="quarter" idx="4"/>
+            <p:extLst>
+              <p:ext uri="{D42A27DB-BD31-4B8C-83A1-F6EECF244321}">
+                <p14:modId xmlns:p14="http://schemas.microsoft.com/office/powerpoint/2010/main" val="3360528918"/>
+              </p:ext>
+            </p:extLst>
+          </p:nvPr>
+        </p:nvGraphicFramePr>
+        <p:xfrm>
+          <a:off x="4664075" y="2582863"/>
+          <a:ext cx="3702050" cy="1981200"/>
+        </p:xfrm>
+        <a:graphic>
+          <a:graphicData uri="http://schemas.openxmlformats.org/drawingml/2006/table">
+            <a:tbl>
+              <a:tblPr firstRow="1" bandRow="1">
+                <a:tableStyleId>{5C22544A-7EE6-4342-B048-85BDC9FD1C3A}</a:tableStyleId>
+              </a:tblPr>
+              <a:tblGrid>
+                <a:gridCol w="1083582">
+                  <a:extLst>
+                    <a:ext uri="{9D8B030D-6E8A-4147-A177-3AD203B41FA5}">
+                      <a16:colId xmlns:a16="http://schemas.microsoft.com/office/drawing/2014/main" val="2768448423"/>
+                    </a:ext>
+                  </a:extLst>
+                </a:gridCol>
+                <a:gridCol w="2618468">
+                  <a:extLst>
+                    <a:ext uri="{9D8B030D-6E8A-4147-A177-3AD203B41FA5}">
+                      <a16:colId xmlns:a16="http://schemas.microsoft.com/office/drawing/2014/main" val="2716276712"/>
+                    </a:ext>
+                  </a:extLst>
+                </a:gridCol>
+              </a:tblGrid>
+              <a:tr h="370840">
+                <a:tc>
+                  <a:txBody>
+                    <a:bodyPr/>
+                    <a:lstStyle/>
+                    <a:p>
+                      <a:pPr algn="ctr"/>
+                      <a:r>
+                        <a:rPr kumimoji="1" lang="ja-JP" altLang="en-US" sz="2000" dirty="0"/>
+                        <a:t>項目</a:t>
+                      </a:r>
+                    </a:p>
+                  </a:txBody>
+                  <a:tcPr/>
+                </a:tc>
+                <a:tc>
+                  <a:txBody>
+                    <a:bodyPr/>
+                    <a:lstStyle/>
+                    <a:p>
+                      <a:pPr algn="ctr"/>
+                      <a:r>
+                        <a:rPr kumimoji="1" lang="ja-JP" altLang="en-US" sz="2000" dirty="0"/>
+                        <a:t>内容</a:t>
+                      </a:r>
+                    </a:p>
+                  </a:txBody>
+                  <a:tcPr/>
+                </a:tc>
+                <a:extLst>
+                  <a:ext uri="{0D108BD9-81ED-4DB2-BD59-A6C34878D82A}">
+                    <a16:rowId xmlns:a16="http://schemas.microsoft.com/office/drawing/2014/main" val="876205543"/>
+                  </a:ext>
+                </a:extLst>
+              </a:tr>
+              <a:tr h="370840">
+                <a:tc>
+                  <a:txBody>
+                    <a:bodyPr/>
+                    <a:lstStyle/>
+                    <a:p>
+                      <a:pPr algn="ctr"/>
+                      <a:r>
+                        <a:rPr kumimoji="1" lang="en-US" altLang="ja-JP" sz="2000" dirty="0"/>
+                        <a:t>CPU</a:t>
+                      </a:r>
+                      <a:endParaRPr kumimoji="1" lang="ja-JP" altLang="en-US" sz="2000" dirty="0"/>
+                    </a:p>
+                  </a:txBody>
+                  <a:tcPr/>
+                </a:tc>
+                <a:tc>
+                  <a:txBody>
+                    <a:bodyPr/>
+                    <a:lstStyle/>
+                    <a:p>
+                      <a:pPr algn="ctr"/>
+                      <a:r>
+                        <a:rPr kumimoji="1" lang="en-US" altLang="ja-JP" sz="2000" dirty="0"/>
+                        <a:t>2</a:t>
+                      </a:r>
+                      <a:endParaRPr kumimoji="1" lang="ja-JP" altLang="en-US" sz="2000" dirty="0"/>
+                    </a:p>
+                  </a:txBody>
+                  <a:tcPr/>
+                </a:tc>
+                <a:extLst>
+                  <a:ext uri="{0D108BD9-81ED-4DB2-BD59-A6C34878D82A}">
+                    <a16:rowId xmlns:a16="http://schemas.microsoft.com/office/drawing/2014/main" val="2921535615"/>
+                  </a:ext>
+                </a:extLst>
+              </a:tr>
+              <a:tr h="370840">
+                <a:tc>
+                  <a:txBody>
+                    <a:bodyPr/>
+                    <a:lstStyle/>
+                    <a:p>
+                      <a:pPr algn="ctr"/>
+                      <a:r>
+                        <a:rPr kumimoji="1" lang="en-US" altLang="ja-JP" sz="2000" dirty="0"/>
+                        <a:t>Memory</a:t>
+                      </a:r>
+                      <a:endParaRPr kumimoji="1" lang="ja-JP" altLang="en-US" sz="2000" dirty="0"/>
+                    </a:p>
+                  </a:txBody>
+                  <a:tcPr/>
+                </a:tc>
+                <a:tc>
+                  <a:txBody>
+                    <a:bodyPr/>
+                    <a:lstStyle/>
+                    <a:p>
+                      <a:pPr algn="ctr"/>
+                      <a:r>
+                        <a:rPr kumimoji="1" lang="en-US" altLang="ja-JP" sz="2000" dirty="0"/>
+                        <a:t>2GB</a:t>
+                      </a:r>
+                      <a:endParaRPr kumimoji="1" lang="ja-JP" altLang="en-US" sz="2000" dirty="0"/>
+                    </a:p>
+                  </a:txBody>
+                  <a:tcPr/>
+                </a:tc>
+                <a:extLst>
+                  <a:ext uri="{0D108BD9-81ED-4DB2-BD59-A6C34878D82A}">
+                    <a16:rowId xmlns:a16="http://schemas.microsoft.com/office/drawing/2014/main" val="1322496978"/>
+                  </a:ext>
+                </a:extLst>
+              </a:tr>
+              <a:tr h="370840">
+                <a:tc>
+                  <a:txBody>
+                    <a:bodyPr/>
+                    <a:lstStyle/>
+                    <a:p>
+                      <a:pPr algn="ctr"/>
+                      <a:r>
+                        <a:rPr kumimoji="1" lang="en-US" altLang="ja-JP" sz="2000" dirty="0"/>
+                        <a:t>OS</a:t>
+                      </a:r>
+                      <a:endParaRPr kumimoji="1" lang="ja-JP" altLang="en-US" sz="2000" dirty="0"/>
+                    </a:p>
+                  </a:txBody>
+                  <a:tcPr/>
+                </a:tc>
+                <a:tc>
+                  <a:txBody>
+                    <a:bodyPr/>
+                    <a:lstStyle/>
+                    <a:p>
+                      <a:pPr marL="0" marR="0" lvl="0" indent="0" algn="ctr" defTabSz="914400" rtl="0" eaLnBrk="1" fontAlgn="auto" latinLnBrk="0" hangingPunct="1">
+                        <a:lnSpc>
+                          <a:spcPct val="100000"/>
+                        </a:lnSpc>
+                        <a:spcBef>
+                          <a:spcPts val="0"/>
+                        </a:spcBef>
+                        <a:spcAft>
+                          <a:spcPts val="0"/>
+                        </a:spcAft>
+                        <a:buClrTx/>
+                        <a:buSzTx/>
+                        <a:buFontTx/>
+                        <a:buNone/>
+                        <a:tabLst/>
+                        <a:defRPr/>
+                      </a:pPr>
+                      <a:r>
+                        <a:rPr kumimoji="1" lang="en-US" altLang="ja-JP" sz="2000" dirty="0"/>
+                        <a:t>Ubuntu 16.04.2 LTS</a:t>
+                      </a:r>
+                      <a:endParaRPr kumimoji="1" lang="ja-JP" altLang="en-US" sz="2000" dirty="0"/>
+                    </a:p>
+                  </a:txBody>
+                  <a:tcPr/>
+                </a:tc>
+                <a:extLst>
+                  <a:ext uri="{0D108BD9-81ED-4DB2-BD59-A6C34878D82A}">
+                    <a16:rowId xmlns:a16="http://schemas.microsoft.com/office/drawing/2014/main" val="2195605758"/>
+                  </a:ext>
+                </a:extLst>
+              </a:tr>
+              <a:tr h="370840">
+                <a:tc>
+                  <a:txBody>
+                    <a:bodyPr/>
+                    <a:lstStyle/>
+                    <a:p>
+                      <a:pPr algn="ctr"/>
+                      <a:r>
+                        <a:rPr kumimoji="1" lang="en-US" altLang="ja-JP" sz="2000" dirty="0"/>
+                        <a:t>Kernel</a:t>
+                      </a:r>
+                      <a:endParaRPr kumimoji="1" lang="ja-JP" altLang="en-US" sz="2000" dirty="0"/>
+                    </a:p>
+                  </a:txBody>
+                  <a:tcPr/>
+                </a:tc>
+                <a:tc>
+                  <a:txBody>
+                    <a:bodyPr/>
+                    <a:lstStyle/>
+                    <a:p>
+                      <a:pPr marL="0" marR="0" lvl="0" indent="0" algn="ctr" defTabSz="914400" rtl="0" eaLnBrk="1" fontAlgn="auto" latinLnBrk="0" hangingPunct="1">
+                        <a:lnSpc>
+                          <a:spcPct val="100000"/>
+                        </a:lnSpc>
+                        <a:spcBef>
+                          <a:spcPts val="0"/>
+                        </a:spcBef>
+                        <a:spcAft>
+                          <a:spcPts val="0"/>
+                        </a:spcAft>
+                        <a:buClrTx/>
+                        <a:buSzTx/>
+                        <a:buFontTx/>
+                        <a:buNone/>
+                        <a:tabLst/>
+                        <a:defRPr/>
+                      </a:pPr>
+                      <a:r>
+                        <a:rPr kumimoji="1" lang="en-US" altLang="ja-JP" sz="2000" dirty="0"/>
+                        <a:t>Linux 4.4.0-083-generic</a:t>
+                      </a:r>
+                      <a:endParaRPr kumimoji="1" lang="ja-JP" altLang="en-US" sz="2000" dirty="0"/>
+                    </a:p>
+                  </a:txBody>
+                  <a:tcPr/>
+                </a:tc>
+                <a:extLst>
+                  <a:ext uri="{0D108BD9-81ED-4DB2-BD59-A6C34878D82A}">
+                    <a16:rowId xmlns:a16="http://schemas.microsoft.com/office/drawing/2014/main" val="3939959647"/>
+                  </a:ext>
+                </a:extLst>
+              </a:tr>
+            </a:tbl>
+          </a:graphicData>
+        </a:graphic>
+      </p:graphicFrame>
+    </p:spTree>
+    <p:extLst>
+      <p:ext uri="{BB962C8B-B14F-4D97-AF65-F5344CB8AC3E}">
+        <p14:creationId xmlns:p14="http://schemas.microsoft.com/office/powerpoint/2010/main" val="1478464876"/>
+      </p:ext>
+    </p:extLst>
+  </p:cSld>
+  <p:clrMapOvr>
+    <a:masterClrMapping/>
+  </p:clrMapOvr>
+</p:sld>
+</file>
+
+<file path=ppt/slides/slide22.xml><?xml version="1.0" encoding="utf-8"?>
+<p:sld xmlns:a="http://schemas.openxmlformats.org/drawingml/2006/main" xmlns:r="http://schemas.openxmlformats.org/officeDocument/2006/relationships" xmlns:p="http://schemas.openxmlformats.org/presentationml/2006/main">
+  <p:cSld>
+    <p:spTree>
+      <p:nvGrpSpPr>
+        <p:cNvPr id="1" name=""/>
+        <p:cNvGrpSpPr/>
+        <p:nvPr/>
+      </p:nvGrpSpPr>
+      <p:grpSpPr>
+        <a:xfrm>
+          <a:off x="0" y="0"/>
+          <a:ext cx="0" cy="0"/>
+          <a:chOff x="0" y="0"/>
+          <a:chExt cx="0" cy="0"/>
+        </a:xfrm>
+      </p:grpSpPr>
+      <p:sp>
+        <p:nvSpPr>
+          <p:cNvPr id="7" name="タイトル 6">
+            <a:extLst>
+              <a:ext uri="{FF2B5EF4-FFF2-40B4-BE49-F238E27FC236}">
+                <a16:creationId xmlns:a16="http://schemas.microsoft.com/office/drawing/2014/main" id="{5D721F59-4EA1-412D-A284-46AD70298D3B}"/>
+              </a:ext>
+            </a:extLst>
+          </p:cNvPr>
+          <p:cNvSpPr>
+            <a:spLocks noGrp="1"/>
+          </p:cNvSpPr>
+          <p:nvPr>
+            <p:ph type="title"/>
+          </p:nvPr>
+        </p:nvSpPr>
+        <p:spPr/>
+        <p:txBody>
+          <a:bodyPr/>
+          <a:lstStyle/>
+          <a:p>
+            <a:r>
+              <a:rPr lang="ja-JP" altLang="en-US" dirty="0"/>
+              <a:t>実験環境（</a:t>
+            </a:r>
+            <a:r>
+              <a:rPr lang="en-US" altLang="ja-JP" dirty="0"/>
+              <a:t>2</a:t>
+            </a:r>
+            <a:r>
+              <a:rPr lang="ja-JP" altLang="en-US" dirty="0"/>
+              <a:t>）</a:t>
+            </a:r>
+            <a:endParaRPr kumimoji="1" lang="ja-JP" altLang="en-US" dirty="0"/>
+          </a:p>
+        </p:txBody>
+      </p:sp>
+      <p:graphicFrame>
+        <p:nvGraphicFramePr>
+          <p:cNvPr id="10" name="コンテンツ プレースホルダー 9">
+            <a:extLst>
+              <a:ext uri="{FF2B5EF4-FFF2-40B4-BE49-F238E27FC236}">
+                <a16:creationId xmlns:a16="http://schemas.microsoft.com/office/drawing/2014/main" id="{9E5833A3-1052-49C1-8334-FC490B321550}"/>
+              </a:ext>
+            </a:extLst>
+          </p:cNvPr>
+          <p:cNvGraphicFramePr>
+            <a:graphicFrameLocks noGrp="1"/>
+          </p:cNvGraphicFramePr>
+          <p:nvPr>
+            <p:ph idx="1"/>
+            <p:extLst>
+              <p:ext uri="{D42A27DB-BD31-4B8C-83A1-F6EECF244321}">
+                <p14:modId xmlns:p14="http://schemas.microsoft.com/office/powerpoint/2010/main" val="3372785065"/>
+              </p:ext>
+            </p:extLst>
+          </p:nvPr>
+        </p:nvGraphicFramePr>
+        <p:xfrm>
+          <a:off x="822960" y="2874963"/>
+          <a:ext cx="7543800" cy="2377440"/>
+        </p:xfrm>
+        <a:graphic>
+          <a:graphicData uri="http://schemas.openxmlformats.org/drawingml/2006/table">
+            <a:tbl>
+              <a:tblPr firstRow="1" bandRow="1">
+                <a:tableStyleId>{5C22544A-7EE6-4342-B048-85BDC9FD1C3A}</a:tableStyleId>
+              </a:tblPr>
+              <a:tblGrid>
+                <a:gridCol w="3771900">
+                  <a:extLst>
+                    <a:ext uri="{9D8B030D-6E8A-4147-A177-3AD203B41FA5}">
+                      <a16:colId xmlns:a16="http://schemas.microsoft.com/office/drawing/2014/main" val="3539138258"/>
+                    </a:ext>
+                  </a:extLst>
+                </a:gridCol>
+                <a:gridCol w="3771900">
+                  <a:extLst>
+                    <a:ext uri="{9D8B030D-6E8A-4147-A177-3AD203B41FA5}">
+                      <a16:colId xmlns:a16="http://schemas.microsoft.com/office/drawing/2014/main" val="3159625435"/>
+                    </a:ext>
+                  </a:extLst>
+                </a:gridCol>
+              </a:tblGrid>
+              <a:tr h="370840">
+                <a:tc>
+                  <a:txBody>
+                    <a:bodyPr/>
+                    <a:lstStyle/>
+                    <a:p>
+                      <a:pPr algn="ctr"/>
+                      <a:r>
+                        <a:rPr kumimoji="1" lang="ja-JP" altLang="en-US" sz="2000" dirty="0"/>
+                        <a:t>項目</a:t>
+                      </a:r>
+                    </a:p>
+                  </a:txBody>
+                  <a:tcPr marL="44893" marR="44893"/>
+                </a:tc>
+                <a:tc>
+                  <a:txBody>
+                    <a:bodyPr/>
+                    <a:lstStyle/>
+                    <a:p>
+                      <a:pPr algn="ctr"/>
+                      <a:r>
+                        <a:rPr kumimoji="1" lang="ja-JP" altLang="en-US" sz="2000" dirty="0"/>
+                        <a:t>内容</a:t>
+                      </a:r>
+                    </a:p>
+                  </a:txBody>
+                  <a:tcPr marL="44893" marR="44893"/>
+                </a:tc>
+                <a:extLst>
+                  <a:ext uri="{0D108BD9-81ED-4DB2-BD59-A6C34878D82A}">
+                    <a16:rowId xmlns:a16="http://schemas.microsoft.com/office/drawing/2014/main" val="3650170742"/>
+                  </a:ext>
+                </a:extLst>
+              </a:tr>
+              <a:tr h="370840">
+                <a:tc>
+                  <a:txBody>
+                    <a:bodyPr/>
+                    <a:lstStyle/>
+                    <a:p>
+                      <a:pPr algn="ctr"/>
+                      <a:r>
+                        <a:rPr kumimoji="1" lang="ja-JP" altLang="en-US" sz="2000" dirty="0"/>
+                        <a:t>クラウド</a:t>
+                      </a:r>
+                    </a:p>
+                  </a:txBody>
+                  <a:tcPr marL="44893" marR="44893"/>
+                </a:tc>
+                <a:tc>
+                  <a:txBody>
+                    <a:bodyPr/>
+                    <a:lstStyle/>
+                    <a:p>
+                      <a:pPr algn="ctr"/>
+                      <a:r>
+                        <a:rPr kumimoji="1" lang="en-US" altLang="ja-JP" sz="2000" dirty="0"/>
+                        <a:t>Amazon</a:t>
+                      </a:r>
+                      <a:r>
+                        <a:rPr kumimoji="1" lang="ja-JP" altLang="en-US" sz="2000" dirty="0"/>
+                        <a:t> </a:t>
+                      </a:r>
+                      <a:r>
+                        <a:rPr kumimoji="1" lang="en-US" altLang="ja-JP" sz="2000" dirty="0"/>
+                        <a:t>EC2</a:t>
+                      </a:r>
+                      <a:endParaRPr kumimoji="1" lang="ja-JP" altLang="en-US" sz="2000" dirty="0"/>
+                    </a:p>
+                  </a:txBody>
+                  <a:tcPr marL="44893" marR="44893"/>
+                </a:tc>
+                <a:extLst>
+                  <a:ext uri="{0D108BD9-81ED-4DB2-BD59-A6C34878D82A}">
+                    <a16:rowId xmlns:a16="http://schemas.microsoft.com/office/drawing/2014/main" val="3511209102"/>
+                  </a:ext>
+                </a:extLst>
+              </a:tr>
+              <a:tr h="370840">
+                <a:tc>
+                  <a:txBody>
+                    <a:bodyPr/>
+                    <a:lstStyle/>
+                    <a:p>
+                      <a:pPr algn="ctr"/>
+                      <a:r>
+                        <a:rPr kumimoji="1" lang="ja-JP" altLang="en-US" sz="2000" dirty="0"/>
+                        <a:t>仮想</a:t>
+                      </a:r>
+                      <a:r>
+                        <a:rPr kumimoji="1" lang="en-US" altLang="ja-JP" sz="2000" dirty="0"/>
+                        <a:t>CPU</a:t>
+                      </a:r>
+                      <a:r>
+                        <a:rPr kumimoji="1" lang="ja-JP" altLang="en-US" sz="2000" dirty="0"/>
+                        <a:t>数</a:t>
+                      </a:r>
+                    </a:p>
+                  </a:txBody>
+                  <a:tcPr marL="44893" marR="44893"/>
+                </a:tc>
+                <a:tc>
+                  <a:txBody>
+                    <a:bodyPr/>
+                    <a:lstStyle/>
+                    <a:p>
+                      <a:pPr algn="ctr"/>
+                      <a:r>
+                        <a:rPr kumimoji="1" lang="en-US" altLang="ja-JP" sz="2000" dirty="0"/>
+                        <a:t>8</a:t>
+                      </a:r>
+                      <a:endParaRPr kumimoji="1" lang="ja-JP" altLang="en-US" sz="2000" dirty="0"/>
+                    </a:p>
+                  </a:txBody>
+                  <a:tcPr marL="44893" marR="44893"/>
+                </a:tc>
+                <a:extLst>
+                  <a:ext uri="{0D108BD9-81ED-4DB2-BD59-A6C34878D82A}">
+                    <a16:rowId xmlns:a16="http://schemas.microsoft.com/office/drawing/2014/main" val="2814479153"/>
+                  </a:ext>
+                </a:extLst>
+              </a:tr>
+              <a:tr h="370840">
+                <a:tc>
+                  <a:txBody>
+                    <a:bodyPr/>
+                    <a:lstStyle/>
+                    <a:p>
+                      <a:pPr algn="ctr"/>
+                      <a:r>
+                        <a:rPr kumimoji="1" lang="en-US" altLang="ja-JP" sz="2000" dirty="0"/>
+                        <a:t>Memory</a:t>
+                      </a:r>
+                      <a:endParaRPr kumimoji="1" lang="ja-JP" altLang="en-US" sz="2000" dirty="0"/>
+                    </a:p>
+                  </a:txBody>
+                  <a:tcPr marL="44893" marR="44893"/>
+                </a:tc>
+                <a:tc>
+                  <a:txBody>
+                    <a:bodyPr/>
+                    <a:lstStyle/>
+                    <a:p>
+                      <a:pPr algn="ctr"/>
+                      <a:r>
+                        <a:rPr kumimoji="1" lang="en-US" altLang="ja-JP" sz="2000" dirty="0"/>
+                        <a:t>32GB</a:t>
+                      </a:r>
+                      <a:endParaRPr kumimoji="1" lang="ja-JP" altLang="en-US" sz="2000" dirty="0"/>
+                    </a:p>
+                  </a:txBody>
+                  <a:tcPr marL="44893" marR="44893"/>
+                </a:tc>
+                <a:extLst>
+                  <a:ext uri="{0D108BD9-81ED-4DB2-BD59-A6C34878D82A}">
+                    <a16:rowId xmlns:a16="http://schemas.microsoft.com/office/drawing/2014/main" val="2325864329"/>
+                  </a:ext>
+                </a:extLst>
+              </a:tr>
+              <a:tr h="370840">
+                <a:tc>
+                  <a:txBody>
+                    <a:bodyPr/>
+                    <a:lstStyle/>
+                    <a:p>
+                      <a:pPr algn="ctr"/>
+                      <a:r>
+                        <a:rPr kumimoji="1" lang="en-US" altLang="ja-JP" sz="2000" dirty="0"/>
+                        <a:t>OS</a:t>
+                      </a:r>
+                      <a:endParaRPr kumimoji="1" lang="ja-JP" altLang="en-US" sz="2000" dirty="0"/>
+                    </a:p>
+                  </a:txBody>
+                  <a:tcPr marL="44893" marR="44893"/>
+                </a:tc>
+                <a:tc>
+                  <a:txBody>
+                    <a:bodyPr/>
+                    <a:lstStyle/>
+                    <a:p>
+                      <a:pPr algn="ctr"/>
+                      <a:r>
+                        <a:rPr kumimoji="1" lang="en-US" altLang="ja-JP" sz="2000" dirty="0"/>
+                        <a:t>Red</a:t>
+                      </a:r>
+                      <a:r>
+                        <a:rPr kumimoji="1" lang="ja-JP" altLang="en-US" sz="2000" dirty="0"/>
+                        <a:t> </a:t>
+                      </a:r>
+                      <a:r>
+                        <a:rPr kumimoji="1" lang="en-US" altLang="ja-JP" sz="2000" dirty="0"/>
+                        <a:t>Hat Enterprise</a:t>
+                      </a:r>
+                      <a:r>
+                        <a:rPr kumimoji="1" lang="ja-JP" altLang="en-US" sz="2000" dirty="0"/>
+                        <a:t> </a:t>
+                      </a:r>
+                      <a:r>
+                        <a:rPr kumimoji="1" lang="en-US" altLang="ja-JP" sz="2000" dirty="0"/>
+                        <a:t>Linux</a:t>
+                      </a:r>
+                      <a:endParaRPr kumimoji="1" lang="ja-JP" altLang="en-US" sz="2000" dirty="0"/>
+                    </a:p>
+                  </a:txBody>
+                  <a:tcPr marL="44893" marR="44893"/>
+                </a:tc>
+                <a:extLst>
+                  <a:ext uri="{0D108BD9-81ED-4DB2-BD59-A6C34878D82A}">
+                    <a16:rowId xmlns:a16="http://schemas.microsoft.com/office/drawing/2014/main" val="583179104"/>
+                  </a:ext>
+                </a:extLst>
+              </a:tr>
+              <a:tr h="370840">
+                <a:tc>
+                  <a:txBody>
+                    <a:bodyPr/>
+                    <a:lstStyle/>
+                    <a:p>
+                      <a:pPr algn="ctr"/>
+                      <a:r>
+                        <a:rPr kumimoji="1" lang="ja-JP" altLang="en-US" sz="2000" dirty="0"/>
+                        <a:t>レンタル期間</a:t>
+                      </a:r>
+                    </a:p>
+                  </a:txBody>
+                  <a:tcPr marL="44893" marR="44893"/>
+                </a:tc>
+                <a:tc>
+                  <a:txBody>
+                    <a:bodyPr/>
+                    <a:lstStyle/>
+                    <a:p>
+                      <a:pPr algn="ctr"/>
+                      <a:r>
+                        <a:rPr kumimoji="1" lang="en-US" altLang="ja-JP" sz="2000" dirty="0"/>
+                        <a:t>1</a:t>
+                      </a:r>
+                      <a:r>
+                        <a:rPr kumimoji="1" lang="ja-JP" altLang="en-US" sz="2000" dirty="0"/>
+                        <a:t>年間</a:t>
+                      </a:r>
+                    </a:p>
+                  </a:txBody>
+                  <a:tcPr marL="44893" marR="44893"/>
+                </a:tc>
+                <a:extLst>
+                  <a:ext uri="{0D108BD9-81ED-4DB2-BD59-A6C34878D82A}">
+                    <a16:rowId xmlns:a16="http://schemas.microsoft.com/office/drawing/2014/main" val="846238293"/>
+                  </a:ext>
+                </a:extLst>
+              </a:tr>
+            </a:tbl>
+          </a:graphicData>
+        </a:graphic>
+      </p:graphicFrame>
+      <p:sp>
+        <p:nvSpPr>
+          <p:cNvPr id="15" name="テキスト ボックス 14">
+            <a:extLst>
+              <a:ext uri="{FF2B5EF4-FFF2-40B4-BE49-F238E27FC236}">
+                <a16:creationId xmlns:a16="http://schemas.microsoft.com/office/drawing/2014/main" id="{F784F233-B644-46E3-9E09-0A36FECC3DAC}"/>
+              </a:ext>
+            </a:extLst>
+          </p:cNvPr>
+          <p:cNvSpPr txBox="1"/>
+          <p:nvPr/>
+        </p:nvSpPr>
+        <p:spPr>
+          <a:xfrm>
+            <a:off x="3263789" y="2075329"/>
+            <a:ext cx="2616422" cy="461665"/>
+          </a:xfrm>
+          <a:prstGeom prst="rect">
+            <a:avLst/>
+          </a:prstGeom>
+          <a:noFill/>
+        </p:spPr>
+        <p:txBody>
+          <a:bodyPr wrap="none" rtlCol="0">
+            <a:spAutoFit/>
+          </a:bodyPr>
+          <a:lstStyle/>
+          <a:p>
+            <a:r>
+              <a:rPr kumimoji="1" lang="ja-JP" altLang="en-US" sz="2400" dirty="0"/>
+              <a:t>コスト見積もり環境</a:t>
+            </a:r>
+          </a:p>
+        </p:txBody>
+      </p:sp>
+    </p:spTree>
+    <p:extLst>
+      <p:ext uri="{BB962C8B-B14F-4D97-AF65-F5344CB8AC3E}">
+        <p14:creationId xmlns:p14="http://schemas.microsoft.com/office/powerpoint/2010/main" val="957928999"/>
+      </p:ext>
+    </p:extLst>
+  </p:cSld>
+  <p:clrMapOvr>
+    <a:masterClrMapping/>
+  </p:clrMapOvr>
+</p:sld>
+</file>
+
+<file path=ppt/slides/slide23.xml><?xml version="1.0" encoding="utf-8"?>
+<p:sld xmlns:a="http://schemas.openxmlformats.org/drawingml/2006/main" xmlns:r="http://schemas.openxmlformats.org/officeDocument/2006/relationships" xmlns:p="http://schemas.openxmlformats.org/presentationml/2006/main">
+  <p:cSld>
+    <p:spTree>
+      <p:nvGrpSpPr>
+        <p:cNvPr id="1" name=""/>
+        <p:cNvGrpSpPr/>
+        <p:nvPr/>
+      </p:nvGrpSpPr>
+      <p:grpSpPr>
+        <a:xfrm>
+          <a:off x="0" y="0"/>
+          <a:ext cx="0" cy="0"/>
+          <a:chOff x="0" y="0"/>
+          <a:chExt cx="0" cy="0"/>
+        </a:xfrm>
+      </p:grpSpPr>
+      <p:sp>
+        <p:nvSpPr>
+          <p:cNvPr id="7" name="タイトル 6">
+            <a:extLst>
+              <a:ext uri="{FF2B5EF4-FFF2-40B4-BE49-F238E27FC236}">
+                <a16:creationId xmlns:a16="http://schemas.microsoft.com/office/drawing/2014/main" id="{5AD979AA-5C71-4C57-AF17-BCD6412B2151}"/>
+              </a:ext>
+            </a:extLst>
+          </p:cNvPr>
+          <p:cNvSpPr>
+            <a:spLocks noGrp="1"/>
+          </p:cNvSpPr>
+          <p:nvPr>
+            <p:ph type="title"/>
+          </p:nvPr>
+        </p:nvSpPr>
+        <p:spPr/>
+        <p:txBody>
+          <a:bodyPr/>
+          <a:lstStyle/>
+          <a:p>
+            <a:r>
+              <a:rPr lang="ja-JP" altLang="en-US" dirty="0"/>
+              <a:t>実験環境（</a:t>
+            </a:r>
+            <a:r>
+              <a:rPr lang="en-US" altLang="ja-JP" dirty="0"/>
+              <a:t>3</a:t>
+            </a:r>
+            <a:r>
+              <a:rPr lang="ja-JP" altLang="en-US" dirty="0"/>
+              <a:t>）</a:t>
+            </a:r>
+            <a:endParaRPr kumimoji="1" lang="ja-JP" altLang="en-US" dirty="0"/>
+          </a:p>
+        </p:txBody>
+      </p:sp>
+      <p:sp>
+        <p:nvSpPr>
+          <p:cNvPr id="8" name="コンテンツ プレースホルダー 7">
+            <a:extLst>
+              <a:ext uri="{FF2B5EF4-FFF2-40B4-BE49-F238E27FC236}">
+                <a16:creationId xmlns:a16="http://schemas.microsoft.com/office/drawing/2014/main" id="{2443C0A3-7A8C-41B4-A124-B6E47D909578}"/>
+              </a:ext>
+            </a:extLst>
+          </p:cNvPr>
+          <p:cNvSpPr>
+            <a:spLocks noGrp="1"/>
+          </p:cNvSpPr>
+          <p:nvPr>
+            <p:ph idx="1"/>
+          </p:nvPr>
+        </p:nvSpPr>
+        <p:spPr/>
+        <p:txBody>
+          <a:bodyPr/>
+          <a:lstStyle/>
+          <a:p>
+            <a:pPr>
+              <a:buFont typeface="Wingdings" panose="05000000000000000000" pitchFamily="2" charset="2"/>
+              <a:buChar char="l"/>
+            </a:pPr>
+            <a:r>
+              <a:rPr kumimoji="1" lang="ja-JP" altLang="en-US" dirty="0"/>
+              <a:t>運用系</a:t>
+            </a:r>
+            <a:endParaRPr kumimoji="1" lang="en-US" altLang="ja-JP" dirty="0"/>
+          </a:p>
+          <a:p>
+            <a:pPr lvl="1">
+              <a:buFont typeface="Wingdings" panose="05000000000000000000" pitchFamily="2" charset="2"/>
+              <a:buChar char="l"/>
+            </a:pPr>
+            <a:r>
+              <a:rPr kumimoji="1" lang="en-US" altLang="ja-JP" dirty="0"/>
+              <a:t>4</a:t>
+            </a:r>
+            <a:r>
+              <a:rPr lang="ja-JP" altLang="en-US" dirty="0"/>
+              <a:t>台の</a:t>
+            </a:r>
+            <a:r>
+              <a:rPr lang="en-US" altLang="ja-JP" dirty="0"/>
+              <a:t>VM</a:t>
+            </a:r>
+            <a:r>
+              <a:rPr lang="ja-JP" altLang="en-US" dirty="0"/>
+              <a:t>を動作</a:t>
+            </a:r>
+            <a:endParaRPr kumimoji="1" lang="en-US" altLang="ja-JP" dirty="0"/>
+          </a:p>
+          <a:p>
+            <a:pPr lvl="1">
+              <a:buFont typeface="Wingdings" panose="05000000000000000000" pitchFamily="2" charset="2"/>
+              <a:buChar char="l"/>
+            </a:pPr>
+            <a:r>
+              <a:rPr lang="en-US" altLang="ja-JP" dirty="0"/>
+              <a:t>Apache Web</a:t>
+            </a:r>
+            <a:r>
+              <a:rPr lang="ja-JP" altLang="en-US" dirty="0"/>
+              <a:t>サーバ</a:t>
+            </a:r>
+            <a:r>
+              <a:rPr lang="en-US" altLang="ja-JP" dirty="0"/>
+              <a:t>3</a:t>
+            </a:r>
+            <a:r>
+              <a:rPr lang="ja-JP" altLang="en-US" dirty="0"/>
+              <a:t>台，</a:t>
+            </a:r>
+            <a:r>
+              <a:rPr lang="en-US" altLang="ja-JP" dirty="0"/>
+              <a:t>MySQL</a:t>
+            </a:r>
+            <a:r>
+              <a:rPr lang="ja-JP" altLang="en-US" dirty="0"/>
+              <a:t>サーバ</a:t>
+            </a:r>
+            <a:r>
+              <a:rPr lang="en-US" altLang="ja-JP" dirty="0"/>
+              <a:t>1</a:t>
+            </a:r>
+            <a:r>
+              <a:rPr lang="ja-JP" altLang="en-US" dirty="0"/>
+              <a:t>台</a:t>
+            </a:r>
+            <a:endParaRPr lang="en-US" altLang="ja-JP" dirty="0"/>
+          </a:p>
+          <a:p>
+            <a:pPr>
+              <a:buFont typeface="Wingdings" panose="05000000000000000000" pitchFamily="2" charset="2"/>
+              <a:buChar char="l"/>
+            </a:pPr>
+            <a:r>
+              <a:rPr kumimoji="1" lang="ja-JP" altLang="en-US" dirty="0"/>
+              <a:t>待機系</a:t>
+            </a:r>
+            <a:endParaRPr kumimoji="1" lang="en-US" altLang="ja-JP" dirty="0"/>
+          </a:p>
+          <a:p>
+            <a:pPr lvl="1">
+              <a:buFont typeface="Wingdings" panose="05000000000000000000" pitchFamily="2" charset="2"/>
+              <a:buChar char="l"/>
+            </a:pPr>
+            <a:r>
+              <a:rPr lang="en-US" altLang="ja-JP" dirty="0"/>
+              <a:t>1</a:t>
+            </a:r>
+            <a:r>
+              <a:rPr lang="ja-JP" altLang="en-US" dirty="0"/>
+              <a:t>台の</a:t>
+            </a:r>
+            <a:r>
+              <a:rPr lang="en-US" altLang="ja-JP" dirty="0"/>
+              <a:t>VM</a:t>
+            </a:r>
+            <a:r>
+              <a:rPr lang="ja-JP" altLang="en-US" dirty="0"/>
+              <a:t>上に</a:t>
+            </a:r>
+            <a:r>
+              <a:rPr lang="en-US" altLang="ja-JP" dirty="0"/>
+              <a:t>4</a:t>
+            </a:r>
+            <a:r>
+              <a:rPr lang="ja-JP" altLang="en-US" dirty="0" err="1"/>
+              <a:t>つの</a:t>
+            </a:r>
+            <a:r>
+              <a:rPr lang="ja-JP" altLang="en-US" dirty="0"/>
+              <a:t>コンテナ</a:t>
+            </a:r>
+            <a:endParaRPr lang="en-US" altLang="ja-JP" dirty="0"/>
+          </a:p>
+          <a:p>
+            <a:pPr lvl="1">
+              <a:buFont typeface="Wingdings" panose="05000000000000000000" pitchFamily="2" charset="2"/>
+              <a:buChar char="l"/>
+            </a:pPr>
+            <a:endParaRPr lang="en-US" altLang="ja-JP" dirty="0"/>
+          </a:p>
+          <a:p>
+            <a:pPr>
+              <a:buFont typeface="Wingdings" panose="05000000000000000000" pitchFamily="2" charset="2"/>
+              <a:buChar char="l"/>
+            </a:pPr>
+            <a:r>
+              <a:rPr kumimoji="1" lang="ja-JP" altLang="en-US" dirty="0"/>
+              <a:t>比較対象</a:t>
+            </a:r>
+            <a:endParaRPr kumimoji="1" lang="en-US" altLang="ja-JP" dirty="0"/>
+          </a:p>
+          <a:p>
+            <a:pPr lvl="1">
+              <a:buFont typeface="Wingdings" panose="05000000000000000000" pitchFamily="2" charset="2"/>
+              <a:buChar char="l"/>
+            </a:pPr>
+            <a:r>
+              <a:rPr kumimoji="1" lang="ja-JP" altLang="en-US" dirty="0"/>
+              <a:t>運用系，待機系ともに</a:t>
+            </a:r>
+            <a:r>
+              <a:rPr kumimoji="1" lang="en-US" altLang="ja-JP" dirty="0"/>
+              <a:t>4</a:t>
+            </a:r>
+            <a:r>
+              <a:rPr lang="ja-JP" altLang="en-US" dirty="0"/>
+              <a:t>台の</a:t>
+            </a:r>
+            <a:r>
+              <a:rPr lang="en-US" altLang="ja-JP" dirty="0"/>
+              <a:t>VM</a:t>
+            </a:r>
+            <a:r>
+              <a:rPr lang="ja-JP" altLang="en-US" dirty="0"/>
+              <a:t>を用いる従来システム</a:t>
+            </a:r>
+            <a:endParaRPr kumimoji="1" lang="ja-JP" altLang="en-US" dirty="0"/>
+          </a:p>
+        </p:txBody>
+      </p:sp>
+    </p:spTree>
+    <p:extLst>
+      <p:ext uri="{BB962C8B-B14F-4D97-AF65-F5344CB8AC3E}">
+        <p14:creationId xmlns:p14="http://schemas.microsoft.com/office/powerpoint/2010/main" val="3972706105"/>
+      </p:ext>
+    </p:extLst>
+  </p:cSld>
+  <p:clrMapOvr>
+    <a:masterClrMapping/>
+  </p:clrMapOvr>
+</p:sld>
+</file>
+
+<file path=ppt/slides/slide24.xml><?xml version="1.0" encoding="utf-8"?>
+<p:sld xmlns:a="http://schemas.openxmlformats.org/drawingml/2006/main" xmlns:r="http://schemas.openxmlformats.org/officeDocument/2006/relationships" xmlns:p="http://schemas.openxmlformats.org/presentationml/2006/main">
+  <p:cSld>
+    <p:spTree>
+      <p:nvGrpSpPr>
+        <p:cNvPr id="1" name=""/>
+        <p:cNvGrpSpPr/>
+        <p:nvPr/>
+      </p:nvGrpSpPr>
+      <p:grpSpPr>
+        <a:xfrm>
+          <a:off x="0" y="0"/>
+          <a:ext cx="0" cy="0"/>
+          <a:chOff x="0" y="0"/>
+          <a:chExt cx="0" cy="0"/>
+        </a:xfrm>
+      </p:grpSpPr>
+      <p:sp>
+        <p:nvSpPr>
+          <p:cNvPr id="2" name="タイトル 1">
+            <a:extLst>
+              <a:ext uri="{FF2B5EF4-FFF2-40B4-BE49-F238E27FC236}">
+                <a16:creationId xmlns:a16="http://schemas.microsoft.com/office/drawing/2014/main" id="{5E05EC68-FDCA-4622-B175-AAA7972D3458}"/>
+              </a:ext>
+            </a:extLst>
+          </p:cNvPr>
+          <p:cNvSpPr>
+            <a:spLocks noGrp="1"/>
+          </p:cNvSpPr>
+          <p:nvPr>
+            <p:ph type="title"/>
+          </p:nvPr>
+        </p:nvSpPr>
+        <p:spPr/>
+        <p:txBody>
+          <a:bodyPr/>
+          <a:lstStyle/>
+          <a:p>
+            <a:r>
+              <a:rPr kumimoji="1" lang="ja-JP" altLang="en-US" dirty="0"/>
+              <a:t>実験結果（</a:t>
+            </a:r>
+            <a:r>
+              <a:rPr lang="en-US" altLang="ja-JP" dirty="0"/>
+              <a:t>1</a:t>
+            </a:r>
+            <a:r>
+              <a:rPr kumimoji="1" lang="ja-JP" altLang="en-US" dirty="0"/>
+              <a:t>）</a:t>
+            </a:r>
+          </a:p>
+        </p:txBody>
+      </p:sp>
+      <p:sp>
+        <p:nvSpPr>
+          <p:cNvPr id="3" name="コンテンツ プレースホルダー 2">
+            <a:extLst>
+              <a:ext uri="{FF2B5EF4-FFF2-40B4-BE49-F238E27FC236}">
+                <a16:creationId xmlns:a16="http://schemas.microsoft.com/office/drawing/2014/main" id="{F0399936-406A-49F1-8F63-A33BC9021651}"/>
+              </a:ext>
+            </a:extLst>
+          </p:cNvPr>
+          <p:cNvSpPr>
+            <a:spLocks noGrp="1"/>
+          </p:cNvSpPr>
+          <p:nvPr>
+            <p:ph idx="1"/>
+          </p:nvPr>
+        </p:nvSpPr>
+        <p:spPr>
+          <a:xfrm>
+            <a:off x="822960" y="1845734"/>
+            <a:ext cx="7543800" cy="4023360"/>
+          </a:xfrm>
+        </p:spPr>
+        <p:txBody>
+          <a:bodyPr/>
+          <a:lstStyle/>
+          <a:p>
+            <a:pPr>
+              <a:buFont typeface="Wingdings" panose="05000000000000000000" pitchFamily="2" charset="2"/>
+              <a:buChar char="l"/>
+            </a:pPr>
+            <a:r>
+              <a:rPr kumimoji="1" lang="ja-JP" altLang="en-US" dirty="0"/>
+              <a:t>ウォームスタンバイにおける復旧時間の比較</a:t>
+            </a:r>
+            <a:endParaRPr kumimoji="1" lang="en-US" altLang="ja-JP" dirty="0"/>
+          </a:p>
+          <a:p>
+            <a:pPr lvl="1">
+              <a:buFont typeface="Wingdings" panose="05000000000000000000" pitchFamily="2" charset="2"/>
+              <a:buChar char="l"/>
+            </a:pPr>
+            <a:r>
+              <a:rPr lang="ja-JP" altLang="en-US" dirty="0"/>
+              <a:t>同等の時間でサービスの切り替えが可能</a:t>
+            </a:r>
+            <a:endParaRPr kumimoji="1" lang="ja-JP" altLang="en-US" dirty="0"/>
+          </a:p>
+        </p:txBody>
+      </p:sp>
+      <p:pic>
+        <p:nvPicPr>
+          <p:cNvPr id="4" name="図 3">
+            <a:extLst>
+              <a:ext uri="{FF2B5EF4-FFF2-40B4-BE49-F238E27FC236}">
+                <a16:creationId xmlns:a16="http://schemas.microsoft.com/office/drawing/2014/main" id="{21362A7B-A516-48E8-AF79-73C77A155929}"/>
+              </a:ext>
+            </a:extLst>
+          </p:cNvPr>
+          <p:cNvPicPr>
+            <a:picLocks noChangeAspect="1"/>
+          </p:cNvPicPr>
+          <p:nvPr/>
+        </p:nvPicPr>
+        <p:blipFill rotWithShape="1">
+          <a:blip r:embed="rId2">
+            <a:extLst>
+              <a:ext uri="{28A0092B-C50C-407E-A947-70E740481C1C}">
+                <a14:useLocalDpi xmlns:a14="http://schemas.microsoft.com/office/drawing/2010/main" val="0"/>
+              </a:ext>
+            </a:extLst>
+          </a:blip>
+          <a:srcRect b="3755"/>
+          <a:stretch/>
+        </p:blipFill>
+        <p:spPr>
+          <a:xfrm>
+            <a:off x="1892112" y="2852722"/>
+            <a:ext cx="5405496" cy="3395678"/>
+          </a:xfrm>
+          <a:prstGeom prst="rect">
+            <a:avLst/>
+          </a:prstGeom>
+        </p:spPr>
+      </p:pic>
+    </p:spTree>
+    <p:extLst>
+      <p:ext uri="{BB962C8B-B14F-4D97-AF65-F5344CB8AC3E}">
+        <p14:creationId xmlns:p14="http://schemas.microsoft.com/office/powerpoint/2010/main" val="1227120619"/>
+      </p:ext>
+    </p:extLst>
+  </p:cSld>
+  <p:clrMapOvr>
+    <a:masterClrMapping/>
+  </p:clrMapOvr>
+</p:sld>
+</file>
+
+<file path=ppt/slides/slide25.xml><?xml version="1.0" encoding="utf-8"?>
+<p:sld xmlns:a="http://schemas.openxmlformats.org/drawingml/2006/main" xmlns:r="http://schemas.openxmlformats.org/officeDocument/2006/relationships" xmlns:p="http://schemas.openxmlformats.org/presentationml/2006/main">
+  <p:cSld>
+    <p:spTree>
+      <p:nvGrpSpPr>
+        <p:cNvPr id="1" name=""/>
+        <p:cNvGrpSpPr/>
+        <p:nvPr/>
+      </p:nvGrpSpPr>
+      <p:grpSpPr>
+        <a:xfrm>
+          <a:off x="0" y="0"/>
+          <a:ext cx="0" cy="0"/>
+          <a:chOff x="0" y="0"/>
+          <a:chExt cx="0" cy="0"/>
+        </a:xfrm>
+      </p:grpSpPr>
+      <p:pic>
+        <p:nvPicPr>
+          <p:cNvPr id="7" name="図 6">
+            <a:extLst>
+              <a:ext uri="{FF2B5EF4-FFF2-40B4-BE49-F238E27FC236}">
+                <a16:creationId xmlns:a16="http://schemas.microsoft.com/office/drawing/2014/main" id="{E3E54BC9-3958-44DF-BB8C-2593559491DD}"/>
+              </a:ext>
+            </a:extLst>
+          </p:cNvPr>
+          <p:cNvPicPr>
+            <a:picLocks noChangeAspect="1"/>
+          </p:cNvPicPr>
+          <p:nvPr/>
+        </p:nvPicPr>
+        <p:blipFill>
+          <a:blip r:embed="rId2">
+            <a:extLst>
+              <a:ext uri="{28A0092B-C50C-407E-A947-70E740481C1C}">
+                <a14:useLocalDpi xmlns:a14="http://schemas.microsoft.com/office/drawing/2010/main" val="0"/>
+              </a:ext>
+            </a:extLst>
+          </a:blip>
+          <a:stretch>
+            <a:fillRect/>
+          </a:stretch>
+        </p:blipFill>
+        <p:spPr>
+          <a:xfrm>
+            <a:off x="1540387" y="2501900"/>
+            <a:ext cx="6063225" cy="3769530"/>
+          </a:xfrm>
+          <a:prstGeom prst="rect">
+            <a:avLst/>
+          </a:prstGeom>
+        </p:spPr>
+      </p:pic>
+      <p:sp>
+        <p:nvSpPr>
+          <p:cNvPr id="2" name="タイトル 1">
+            <a:extLst>
+              <a:ext uri="{FF2B5EF4-FFF2-40B4-BE49-F238E27FC236}">
+                <a16:creationId xmlns:a16="http://schemas.microsoft.com/office/drawing/2014/main" id="{5E05EC68-FDCA-4622-B175-AAA7972D3458}"/>
+              </a:ext>
+            </a:extLst>
+          </p:cNvPr>
+          <p:cNvSpPr>
+            <a:spLocks noGrp="1"/>
+          </p:cNvSpPr>
+          <p:nvPr>
+            <p:ph type="title"/>
+          </p:nvPr>
+        </p:nvSpPr>
+        <p:spPr/>
+        <p:txBody>
+          <a:bodyPr/>
+          <a:lstStyle/>
+          <a:p>
+            <a:r>
+              <a:rPr kumimoji="1" lang="ja-JP" altLang="en-US" dirty="0"/>
+              <a:t>実験結果（</a:t>
+            </a:r>
+            <a:r>
+              <a:rPr kumimoji="1" lang="en-US" altLang="ja-JP" dirty="0"/>
+              <a:t>2</a:t>
+            </a:r>
+            <a:r>
+              <a:rPr kumimoji="1" lang="ja-JP" altLang="en-US" dirty="0"/>
+              <a:t>）</a:t>
+            </a:r>
+          </a:p>
+        </p:txBody>
+      </p:sp>
+      <p:sp>
+        <p:nvSpPr>
+          <p:cNvPr id="3" name="コンテンツ プレースホルダー 2">
+            <a:extLst>
+              <a:ext uri="{FF2B5EF4-FFF2-40B4-BE49-F238E27FC236}">
+                <a16:creationId xmlns:a16="http://schemas.microsoft.com/office/drawing/2014/main" id="{F0399936-406A-49F1-8F63-A33BC9021651}"/>
+              </a:ext>
+            </a:extLst>
+          </p:cNvPr>
+          <p:cNvSpPr>
+            <a:spLocks noGrp="1"/>
+          </p:cNvSpPr>
+          <p:nvPr>
+            <p:ph idx="1"/>
+          </p:nvPr>
+        </p:nvSpPr>
+        <p:spPr/>
+        <p:txBody>
+          <a:bodyPr/>
+          <a:lstStyle/>
+          <a:p>
+            <a:pPr>
+              <a:buFont typeface="Wingdings" panose="05000000000000000000" pitchFamily="2" charset="2"/>
+              <a:buChar char="l"/>
+            </a:pPr>
+            <a:r>
+              <a:rPr kumimoji="1" lang="ja-JP" altLang="en-US" dirty="0"/>
+              <a:t>ウォームスタンバイにおけるコストの比較</a:t>
+            </a:r>
+            <a:endParaRPr kumimoji="1" lang="en-US" altLang="ja-JP" dirty="0"/>
+          </a:p>
+          <a:p>
+            <a:pPr lvl="1">
+              <a:buFont typeface="Wingdings" panose="05000000000000000000" pitchFamily="2" charset="2"/>
+              <a:buChar char="l"/>
+            </a:pPr>
+            <a:r>
+              <a:rPr lang="en-US" altLang="ja-JP" dirty="0" err="1"/>
+              <a:t>VCRecovery</a:t>
+            </a:r>
+            <a:r>
+              <a:rPr lang="ja-JP" altLang="en-US" dirty="0"/>
+              <a:t>を利用することで年間約</a:t>
+            </a:r>
+            <a:r>
+              <a:rPr lang="en-US" altLang="ja-JP" dirty="0"/>
+              <a:t>15,000</a:t>
+            </a:r>
+            <a:r>
+              <a:rPr lang="ja-JP" altLang="en-US" dirty="0"/>
+              <a:t>ドル削減が可能</a:t>
+            </a:r>
+            <a:endParaRPr kumimoji="1" lang="ja-JP" altLang="en-US" dirty="0"/>
+          </a:p>
+        </p:txBody>
+      </p:sp>
+    </p:spTree>
+    <p:extLst>
+      <p:ext uri="{BB962C8B-B14F-4D97-AF65-F5344CB8AC3E}">
+        <p14:creationId xmlns:p14="http://schemas.microsoft.com/office/powerpoint/2010/main" val="2136184816"/>
+      </p:ext>
+    </p:extLst>
+  </p:cSld>
+  <p:clrMapOvr>
+    <a:masterClrMapping/>
+  </p:clrMapOvr>
+</p:sld>
+</file>
+
+<file path=ppt/slides/slide26.xml><?xml version="1.0" encoding="utf-8"?>
+<p:sld xmlns:a="http://schemas.openxmlformats.org/drawingml/2006/main" xmlns:r="http://schemas.openxmlformats.org/officeDocument/2006/relationships" xmlns:p="http://schemas.openxmlformats.org/presentationml/2006/main">
+  <p:cSld>
+    <p:spTree>
+      <p:nvGrpSpPr>
+        <p:cNvPr id="1" name=""/>
+        <p:cNvGrpSpPr/>
+        <p:nvPr/>
+      </p:nvGrpSpPr>
+      <p:grpSpPr>
+        <a:xfrm>
+          <a:off x="0" y="0"/>
+          <a:ext cx="0" cy="0"/>
+          <a:chOff x="0" y="0"/>
+          <a:chExt cx="0" cy="0"/>
+        </a:xfrm>
+      </p:grpSpPr>
+      <p:sp>
+        <p:nvSpPr>
+          <p:cNvPr id="2" name="タイトル 1">
+            <a:extLst>
+              <a:ext uri="{FF2B5EF4-FFF2-40B4-BE49-F238E27FC236}">
+                <a16:creationId xmlns:a16="http://schemas.microsoft.com/office/drawing/2014/main" id="{5E05EC68-FDCA-4622-B175-AAA7972D3458}"/>
+              </a:ext>
+            </a:extLst>
+          </p:cNvPr>
+          <p:cNvSpPr>
+            <a:spLocks noGrp="1"/>
+          </p:cNvSpPr>
+          <p:nvPr>
+            <p:ph type="title"/>
+          </p:nvPr>
+        </p:nvSpPr>
+        <p:spPr/>
+        <p:txBody>
+          <a:bodyPr/>
+          <a:lstStyle/>
+          <a:p>
+            <a:r>
+              <a:rPr kumimoji="1" lang="ja-JP" altLang="en-US" dirty="0"/>
+              <a:t>実験結果（</a:t>
+            </a:r>
+            <a:r>
+              <a:rPr kumimoji="1" lang="en-US" altLang="ja-JP" dirty="0"/>
+              <a:t>3</a:t>
+            </a:r>
+            <a:r>
+              <a:rPr kumimoji="1" lang="ja-JP" altLang="en-US" dirty="0"/>
+              <a:t>）</a:t>
+            </a:r>
+          </a:p>
+        </p:txBody>
+      </p:sp>
+      <p:sp>
+        <p:nvSpPr>
+          <p:cNvPr id="3" name="コンテンツ プレースホルダー 2">
+            <a:extLst>
+              <a:ext uri="{FF2B5EF4-FFF2-40B4-BE49-F238E27FC236}">
+                <a16:creationId xmlns:a16="http://schemas.microsoft.com/office/drawing/2014/main" id="{F0399936-406A-49F1-8F63-A33BC9021651}"/>
+              </a:ext>
+            </a:extLst>
+          </p:cNvPr>
+          <p:cNvSpPr>
+            <a:spLocks noGrp="1"/>
+          </p:cNvSpPr>
+          <p:nvPr>
+            <p:ph idx="1"/>
+          </p:nvPr>
+        </p:nvSpPr>
+        <p:spPr>
+          <a:xfrm>
+            <a:off x="822960" y="1845734"/>
+            <a:ext cx="7543800" cy="4023360"/>
+          </a:xfrm>
+        </p:spPr>
+        <p:txBody>
+          <a:bodyPr/>
+          <a:lstStyle/>
+          <a:p>
+            <a:pPr>
+              <a:buFont typeface="Wingdings" panose="05000000000000000000" pitchFamily="2" charset="2"/>
+              <a:buChar char="l"/>
+            </a:pPr>
+            <a:r>
+              <a:rPr lang="ja-JP" altLang="en-US" dirty="0"/>
+              <a:t>コールドスタンバイ</a:t>
+            </a:r>
+            <a:r>
+              <a:rPr kumimoji="1" lang="ja-JP" altLang="en-US" dirty="0"/>
+              <a:t>における復旧時間の比較</a:t>
+            </a:r>
+            <a:endParaRPr kumimoji="1" lang="en-US" altLang="ja-JP" dirty="0"/>
+          </a:p>
+          <a:p>
+            <a:pPr lvl="1">
+              <a:buFont typeface="Wingdings" panose="05000000000000000000" pitchFamily="2" charset="2"/>
+              <a:buChar char="l"/>
+            </a:pPr>
+            <a:r>
+              <a:rPr lang="ja-JP" altLang="en-US" dirty="0"/>
+              <a:t>従来システムの半分程度の時間でサービスの切り替えが可能</a:t>
+            </a:r>
+            <a:endParaRPr kumimoji="1" lang="ja-JP" altLang="en-US" dirty="0"/>
+          </a:p>
+        </p:txBody>
+      </p:sp>
+      <p:pic>
+        <p:nvPicPr>
+          <p:cNvPr id="6" name="図 5">
+            <a:extLst>
+              <a:ext uri="{FF2B5EF4-FFF2-40B4-BE49-F238E27FC236}">
+                <a16:creationId xmlns:a16="http://schemas.microsoft.com/office/drawing/2014/main" id="{2624D9E0-6009-4678-B689-C648492A6D50}"/>
+              </a:ext>
+            </a:extLst>
+          </p:cNvPr>
+          <p:cNvPicPr>
+            <a:picLocks noChangeAspect="1"/>
+          </p:cNvPicPr>
+          <p:nvPr/>
+        </p:nvPicPr>
+        <p:blipFill>
+          <a:blip r:embed="rId2">
+            <a:extLst>
+              <a:ext uri="{28A0092B-C50C-407E-A947-70E740481C1C}">
+                <a14:useLocalDpi xmlns:a14="http://schemas.microsoft.com/office/drawing/2010/main" val="0"/>
+              </a:ext>
+            </a:extLst>
+          </a:blip>
+          <a:stretch>
+            <a:fillRect/>
+          </a:stretch>
+        </p:blipFill>
+        <p:spPr>
+          <a:xfrm>
+            <a:off x="1714650" y="2655306"/>
+            <a:ext cx="5714700" cy="3651742"/>
+          </a:xfrm>
+          <a:prstGeom prst="rect">
+            <a:avLst/>
+          </a:prstGeom>
+        </p:spPr>
+      </p:pic>
+    </p:spTree>
+    <p:extLst>
+      <p:ext uri="{BB962C8B-B14F-4D97-AF65-F5344CB8AC3E}">
+        <p14:creationId xmlns:p14="http://schemas.microsoft.com/office/powerpoint/2010/main" val="193885068"/>
+      </p:ext>
+    </p:extLst>
+  </p:cSld>
+  <p:clrMapOvr>
+    <a:masterClrMapping/>
+  </p:clrMapOvr>
+</p:sld>
+</file>
+
+<file path=ppt/slides/slide27.xml><?xml version="1.0" encoding="utf-8"?>
+<p:sld xmlns:a="http://schemas.openxmlformats.org/drawingml/2006/main" xmlns:r="http://schemas.openxmlformats.org/officeDocument/2006/relationships" xmlns:p="http://schemas.openxmlformats.org/presentationml/2006/main">
+  <p:cSld>
+    <p:spTree>
+      <p:nvGrpSpPr>
+        <p:cNvPr id="1" name=""/>
+        <p:cNvGrpSpPr/>
+        <p:nvPr/>
+      </p:nvGrpSpPr>
+      <p:grpSpPr>
+        <a:xfrm>
+          <a:off x="0" y="0"/>
+          <a:ext cx="0" cy="0"/>
+          <a:chOff x="0" y="0"/>
+          <a:chExt cx="0" cy="0"/>
+        </a:xfrm>
+      </p:grpSpPr>
+      <p:sp>
+        <p:nvSpPr>
+          <p:cNvPr id="2" name="タイトル 1">
+            <a:extLst>
+              <a:ext uri="{FF2B5EF4-FFF2-40B4-BE49-F238E27FC236}">
+                <a16:creationId xmlns:a16="http://schemas.microsoft.com/office/drawing/2014/main" id="{5E05EC68-FDCA-4622-B175-AAA7972D3458}"/>
+              </a:ext>
+            </a:extLst>
+          </p:cNvPr>
+          <p:cNvSpPr>
+            <a:spLocks noGrp="1"/>
+          </p:cNvSpPr>
+          <p:nvPr>
+            <p:ph type="title"/>
+          </p:nvPr>
+        </p:nvSpPr>
+        <p:spPr/>
+        <p:txBody>
+          <a:bodyPr/>
+          <a:lstStyle/>
+          <a:p>
+            <a:r>
+              <a:rPr kumimoji="1" lang="ja-JP" altLang="en-US" dirty="0"/>
+              <a:t>実験結果（</a:t>
+            </a:r>
+            <a:r>
+              <a:rPr lang="en-US" altLang="ja-JP" dirty="0"/>
+              <a:t>4</a:t>
+            </a:r>
+            <a:r>
+              <a:rPr kumimoji="1" lang="ja-JP" altLang="en-US" dirty="0"/>
+              <a:t>）</a:t>
+            </a:r>
+          </a:p>
+        </p:txBody>
+      </p:sp>
+      <p:sp>
+        <p:nvSpPr>
+          <p:cNvPr id="3" name="コンテンツ プレースホルダー 2">
+            <a:extLst>
+              <a:ext uri="{FF2B5EF4-FFF2-40B4-BE49-F238E27FC236}">
+                <a16:creationId xmlns:a16="http://schemas.microsoft.com/office/drawing/2014/main" id="{F0399936-406A-49F1-8F63-A33BC9021651}"/>
+              </a:ext>
+            </a:extLst>
+          </p:cNvPr>
+          <p:cNvSpPr>
+            <a:spLocks noGrp="1"/>
+          </p:cNvSpPr>
+          <p:nvPr>
+            <p:ph idx="1"/>
+          </p:nvPr>
+        </p:nvSpPr>
+        <p:spPr/>
+        <p:txBody>
+          <a:bodyPr/>
+          <a:lstStyle/>
+          <a:p>
+            <a:pPr>
+              <a:buFont typeface="Wingdings" panose="05000000000000000000" pitchFamily="2" charset="2"/>
+              <a:buChar char="l"/>
+            </a:pPr>
+            <a:r>
+              <a:rPr lang="ja-JP" altLang="en-US" dirty="0"/>
+              <a:t>コールド</a:t>
+            </a:r>
+            <a:r>
+              <a:rPr kumimoji="1" lang="ja-JP" altLang="en-US" dirty="0"/>
+              <a:t>スタンバイにおけるコストの比較</a:t>
+            </a:r>
+            <a:endParaRPr kumimoji="1" lang="en-US" altLang="ja-JP" dirty="0"/>
+          </a:p>
+          <a:p>
+            <a:pPr lvl="1">
+              <a:buFont typeface="Wingdings" panose="05000000000000000000" pitchFamily="2" charset="2"/>
+              <a:buChar char="l"/>
+            </a:pPr>
+            <a:r>
+              <a:rPr kumimoji="1" lang="en-US" altLang="ja-JP" dirty="0" err="1"/>
+              <a:t>VCRecovery</a:t>
+            </a:r>
+            <a:r>
+              <a:rPr kumimoji="1" lang="ja-JP" altLang="en-US" dirty="0"/>
+              <a:t>は</a:t>
+            </a:r>
+            <a:r>
+              <a:rPr kumimoji="1" lang="en-US" altLang="ja-JP" dirty="0"/>
+              <a:t>VM1</a:t>
+            </a:r>
+            <a:r>
+              <a:rPr kumimoji="1" lang="ja-JP" altLang="en-US" dirty="0"/>
+              <a:t>台分のコストが必要</a:t>
+            </a:r>
+            <a:endParaRPr kumimoji="1" lang="en-US" altLang="ja-JP" dirty="0"/>
+          </a:p>
+          <a:p>
+            <a:pPr lvl="1">
+              <a:buFont typeface="Wingdings" panose="05000000000000000000" pitchFamily="2" charset="2"/>
+              <a:buChar char="l"/>
+            </a:pPr>
+            <a:r>
+              <a:rPr kumimoji="1" lang="ja-JP" altLang="en-US" dirty="0"/>
+              <a:t>待機系の共有ユーザを増やすことでコストを抑えることが可能</a:t>
+            </a:r>
+            <a:endParaRPr kumimoji="1" lang="en-US" altLang="ja-JP" dirty="0"/>
+          </a:p>
+        </p:txBody>
+      </p:sp>
+      <p:pic>
+        <p:nvPicPr>
+          <p:cNvPr id="5" name="図 4">
+            <a:extLst>
+              <a:ext uri="{FF2B5EF4-FFF2-40B4-BE49-F238E27FC236}">
+                <a16:creationId xmlns:a16="http://schemas.microsoft.com/office/drawing/2014/main" id="{705EBAD3-0F80-4539-999A-8FDE81F3638E}"/>
+              </a:ext>
+            </a:extLst>
+          </p:cNvPr>
+          <p:cNvPicPr>
+            <a:picLocks noChangeAspect="1"/>
+          </p:cNvPicPr>
+          <p:nvPr/>
+        </p:nvPicPr>
+        <p:blipFill>
+          <a:blip r:embed="rId2">
+            <a:extLst>
+              <a:ext uri="{28A0092B-C50C-407E-A947-70E740481C1C}">
+                <a14:useLocalDpi xmlns:a14="http://schemas.microsoft.com/office/drawing/2010/main" val="0"/>
+              </a:ext>
+            </a:extLst>
+          </a:blip>
+          <a:stretch>
+            <a:fillRect/>
+          </a:stretch>
+        </p:blipFill>
+        <p:spPr>
+          <a:xfrm>
+            <a:off x="1953948" y="2797833"/>
+            <a:ext cx="5236104" cy="3460773"/>
+          </a:xfrm>
+          <a:prstGeom prst="rect">
+            <a:avLst/>
+          </a:prstGeom>
+        </p:spPr>
+      </p:pic>
+    </p:spTree>
+    <p:extLst>
+      <p:ext uri="{BB962C8B-B14F-4D97-AF65-F5344CB8AC3E}">
+        <p14:creationId xmlns:p14="http://schemas.microsoft.com/office/powerpoint/2010/main" val="36441602"/>
       </p:ext>
     </p:extLst>
   </p:cSld>
@@ -8906,7 +11571,7 @@
             <a:pPr algn="ctr"/>
             <a:r>
               <a:rPr lang="ja-JP" altLang="en-US" sz="2800" b="1" dirty="0"/>
-              <a:t>コストと復旧の速さがトレードオフに</a:t>
+              <a:t>コストと復旧の速さがトレードオフ</a:t>
             </a:r>
           </a:p>
         </p:txBody>

--- a/輪講2019-1_鈴木洸太.pptx
+++ b/輪講2019-1_鈴木洸太.pptx
@@ -5,7 +5,7 @@
     <p:sldMasterId id="2147483819" r:id="rId1"/>
   </p:sldMasterIdLst>
   <p:notesMasterIdLst>
-    <p:notesMasterId r:id="rId29"/>
+    <p:notesMasterId r:id="rId30"/>
   </p:notesMasterIdLst>
   <p:sldIdLst>
     <p:sldId id="256" r:id="rId2"/>
@@ -35,6 +35,7 @@
     <p:sldId id="279" r:id="rId26"/>
     <p:sldId id="282" r:id="rId27"/>
     <p:sldId id="283" r:id="rId28"/>
+    <p:sldId id="284" r:id="rId29"/>
   </p:sldIdLst>
   <p:sldSz cx="9144000" cy="6858000" type="screen4x3"/>
   <p:notesSz cx="6858000" cy="9144000"/>
@@ -10305,6 +10306,98 @@
 </p:sld>
 </file>
 
+<file path=ppt/slides/slide28.xml><?xml version="1.0" encoding="utf-8"?>
+<p:sld xmlns:a="http://schemas.openxmlformats.org/drawingml/2006/main" xmlns:r="http://schemas.openxmlformats.org/officeDocument/2006/relationships" xmlns:p="http://schemas.openxmlformats.org/presentationml/2006/main">
+  <p:cSld>
+    <p:spTree>
+      <p:nvGrpSpPr>
+        <p:cNvPr id="1" name=""/>
+        <p:cNvGrpSpPr/>
+        <p:nvPr/>
+      </p:nvGrpSpPr>
+      <p:grpSpPr>
+        <a:xfrm>
+          <a:off x="0" y="0"/>
+          <a:ext cx="0" cy="0"/>
+          <a:chOff x="0" y="0"/>
+          <a:chExt cx="0" cy="0"/>
+        </a:xfrm>
+      </p:grpSpPr>
+      <p:sp>
+        <p:nvSpPr>
+          <p:cNvPr id="2" name="タイトル 1">
+            <a:extLst>
+              <a:ext uri="{FF2B5EF4-FFF2-40B4-BE49-F238E27FC236}">
+                <a16:creationId xmlns:a16="http://schemas.microsoft.com/office/drawing/2014/main" id="{DA2AD9AE-C2BD-4526-A254-E64B481F90F9}"/>
+              </a:ext>
+            </a:extLst>
+          </p:cNvPr>
+          <p:cNvSpPr>
+            <a:spLocks noGrp="1"/>
+          </p:cNvSpPr>
+          <p:nvPr>
+            <p:ph type="title"/>
+          </p:nvPr>
+        </p:nvSpPr>
+        <p:spPr/>
+        <p:txBody>
+          <a:bodyPr/>
+          <a:lstStyle/>
+          <a:p>
+            <a:r>
+              <a:rPr lang="ja-JP" altLang="en-US" dirty="0"/>
+              <a:t>コンテナ性能評価（</a:t>
+            </a:r>
+            <a:r>
+              <a:rPr lang="en-US" altLang="ja-JP" dirty="0"/>
+              <a:t>1</a:t>
+            </a:r>
+            <a:r>
+              <a:rPr lang="ja-JP" altLang="en-US" dirty="0"/>
+              <a:t>）</a:t>
+            </a:r>
+            <a:endParaRPr kumimoji="1" lang="ja-JP" altLang="en-US" dirty="0"/>
+          </a:p>
+        </p:txBody>
+      </p:sp>
+      <p:sp>
+        <p:nvSpPr>
+          <p:cNvPr id="3" name="コンテンツ プレースホルダー 2">
+            <a:extLst>
+              <a:ext uri="{FF2B5EF4-FFF2-40B4-BE49-F238E27FC236}">
+                <a16:creationId xmlns:a16="http://schemas.microsoft.com/office/drawing/2014/main" id="{0AA9BC43-B8E7-4AA7-8788-99183C8EDE4D}"/>
+              </a:ext>
+            </a:extLst>
+          </p:cNvPr>
+          <p:cNvSpPr>
+            <a:spLocks noGrp="1"/>
+          </p:cNvSpPr>
+          <p:nvPr>
+            <p:ph idx="1"/>
+          </p:nvPr>
+        </p:nvSpPr>
+        <p:spPr/>
+        <p:txBody>
+          <a:bodyPr/>
+          <a:lstStyle/>
+          <a:p>
+            <a:endParaRPr kumimoji="1" lang="ja-JP" altLang="en-US"/>
+          </a:p>
+        </p:txBody>
+      </p:sp>
+    </p:spTree>
+    <p:extLst>
+      <p:ext uri="{BB962C8B-B14F-4D97-AF65-F5344CB8AC3E}">
+        <p14:creationId xmlns:p14="http://schemas.microsoft.com/office/powerpoint/2010/main" val="153343277"/>
+      </p:ext>
+    </p:extLst>
+  </p:cSld>
+  <p:clrMapOvr>
+    <a:masterClrMapping/>
+  </p:clrMapOvr>
+</p:sld>
+</file>
+
 <file path=ppt/slides/slide3.xml><?xml version="1.0" encoding="utf-8"?>
 <p:sld xmlns:a="http://schemas.openxmlformats.org/drawingml/2006/main" xmlns:r="http://schemas.openxmlformats.org/officeDocument/2006/relationships" xmlns:p="http://schemas.openxmlformats.org/presentationml/2006/main">
   <p:cSld>
@@ -10964,109 +11057,6 @@
           <a:chExt cx="0" cy="0"/>
         </a:xfrm>
       </p:grpSpPr>
-      <p:sp>
-        <p:nvSpPr>
-          <p:cNvPr id="2" name="タイトル 1">
-            <a:extLst>
-              <a:ext uri="{FF2B5EF4-FFF2-40B4-BE49-F238E27FC236}">
-                <a16:creationId xmlns:a16="http://schemas.microsoft.com/office/drawing/2014/main" id="{132D21FA-E66E-4CF1-AF43-073D8D6C9B74}"/>
-              </a:ext>
-            </a:extLst>
-          </p:cNvPr>
-          <p:cNvSpPr>
-            <a:spLocks noGrp="1"/>
-          </p:cNvSpPr>
-          <p:nvPr>
-            <p:ph type="title"/>
-          </p:nvPr>
-        </p:nvSpPr>
-        <p:spPr/>
-        <p:txBody>
-          <a:bodyPr/>
-          <a:lstStyle/>
-          <a:p>
-            <a:r>
-              <a:rPr kumimoji="1" lang="ja-JP" altLang="en-US" dirty="0"/>
-              <a:t>関連研究（</a:t>
-            </a:r>
-            <a:r>
-              <a:rPr kumimoji="1" lang="en-US" altLang="ja-JP" dirty="0"/>
-              <a:t>1</a:t>
-            </a:r>
-            <a:r>
-              <a:rPr kumimoji="1" lang="ja-JP" altLang="en-US" dirty="0"/>
-              <a:t>）</a:t>
-            </a:r>
-          </a:p>
-        </p:txBody>
-      </p:sp>
-      <p:sp>
-        <p:nvSpPr>
-          <p:cNvPr id="3" name="コンテンツ プレースホルダー 2">
-            <a:extLst>
-              <a:ext uri="{FF2B5EF4-FFF2-40B4-BE49-F238E27FC236}">
-                <a16:creationId xmlns:a16="http://schemas.microsoft.com/office/drawing/2014/main" id="{7EAD23FF-A2EA-45F9-8027-ED9E7227C104}"/>
-              </a:ext>
-            </a:extLst>
-          </p:cNvPr>
-          <p:cNvSpPr>
-            <a:spLocks noGrp="1"/>
-          </p:cNvSpPr>
-          <p:nvPr>
-            <p:ph idx="1"/>
-          </p:nvPr>
-        </p:nvSpPr>
-        <p:spPr/>
-        <p:txBody>
-          <a:bodyPr/>
-          <a:lstStyle/>
-          <a:p>
-            <a:pPr>
-              <a:buFont typeface="Wingdings" panose="05000000000000000000" pitchFamily="2" charset="2"/>
-              <a:buChar char="l"/>
-            </a:pPr>
-            <a:r>
-              <a:rPr kumimoji="1" lang="en-US" altLang="ja-JP" dirty="0" err="1"/>
-              <a:t>Picocenter</a:t>
-            </a:r>
-            <a:endParaRPr kumimoji="1" lang="en-US" altLang="ja-JP" dirty="0"/>
-          </a:p>
-          <a:p>
-            <a:pPr lvl="1">
-              <a:buFont typeface="Wingdings" panose="05000000000000000000" pitchFamily="2" charset="2"/>
-              <a:buChar char="l"/>
-            </a:pPr>
-            <a:r>
-              <a:rPr kumimoji="1" lang="ja-JP" altLang="en-US" dirty="0"/>
-              <a:t>長期間実行されるが，ほとんど使用</a:t>
-            </a:r>
-            <a:r>
-              <a:rPr lang="ja-JP" altLang="en-US" dirty="0"/>
-              <a:t>されないサービスを</a:t>
-            </a:r>
-            <a:r>
-              <a:rPr lang="en-US" altLang="ja-JP" dirty="0"/>
-              <a:t>VM</a:t>
-            </a:r>
-            <a:r>
-              <a:rPr lang="ja-JP" altLang="en-US" dirty="0"/>
-              <a:t>内コンテナを用いて実行する</a:t>
-            </a:r>
-            <a:endParaRPr lang="en-US" altLang="ja-JP" dirty="0"/>
-          </a:p>
-          <a:p>
-            <a:pPr lvl="1">
-              <a:buFont typeface="Wingdings" panose="05000000000000000000" pitchFamily="2" charset="2"/>
-              <a:buChar char="l"/>
-            </a:pPr>
-            <a:r>
-              <a:rPr kumimoji="1" lang="ja-JP" altLang="en-US" dirty="0"/>
-              <a:t>サービスの要求があるまでは，コンテナごとストレージに退避させる</a:t>
-            </a:r>
-            <a:endParaRPr kumimoji="1" lang="en-US" altLang="ja-JP" dirty="0"/>
-          </a:p>
-        </p:txBody>
-      </p:sp>
       <p:pic>
         <p:nvPicPr>
           <p:cNvPr id="6" name="図 5">
@@ -11095,14 +11085,193 @@
         </p:blipFill>
         <p:spPr>
           <a:xfrm>
-            <a:off x="202418" y="3297722"/>
-            <a:ext cx="8739163" cy="3273674"/>
+            <a:off x="361949" y="3152775"/>
+            <a:ext cx="8441393" cy="3162130"/>
           </a:xfrm>
           <a:prstGeom prst="rect">
             <a:avLst/>
           </a:prstGeom>
         </p:spPr>
       </p:pic>
+      <p:sp>
+        <p:nvSpPr>
+          <p:cNvPr id="2" name="タイトル 1">
+            <a:extLst>
+              <a:ext uri="{FF2B5EF4-FFF2-40B4-BE49-F238E27FC236}">
+                <a16:creationId xmlns:a16="http://schemas.microsoft.com/office/drawing/2014/main" id="{132D21FA-E66E-4CF1-AF43-073D8D6C9B74}"/>
+              </a:ext>
+            </a:extLst>
+          </p:cNvPr>
+          <p:cNvSpPr>
+            <a:spLocks noGrp="1"/>
+          </p:cNvSpPr>
+          <p:nvPr>
+            <p:ph type="title"/>
+          </p:nvPr>
+        </p:nvSpPr>
+        <p:spPr/>
+        <p:txBody>
+          <a:bodyPr/>
+          <a:lstStyle/>
+          <a:p>
+            <a:r>
+              <a:rPr kumimoji="1" lang="ja-JP" altLang="en-US" dirty="0"/>
+              <a:t>関連研究（</a:t>
+            </a:r>
+            <a:r>
+              <a:rPr kumimoji="1" lang="en-US" altLang="ja-JP" dirty="0"/>
+              <a:t>1</a:t>
+            </a:r>
+            <a:r>
+              <a:rPr kumimoji="1" lang="ja-JP" altLang="en-US" dirty="0"/>
+              <a:t>）</a:t>
+            </a:r>
+          </a:p>
+        </p:txBody>
+      </p:sp>
+      <p:sp>
+        <p:nvSpPr>
+          <p:cNvPr id="3" name="コンテンツ プレースホルダー 2">
+            <a:extLst>
+              <a:ext uri="{FF2B5EF4-FFF2-40B4-BE49-F238E27FC236}">
+                <a16:creationId xmlns:a16="http://schemas.microsoft.com/office/drawing/2014/main" id="{7EAD23FF-A2EA-45F9-8027-ED9E7227C104}"/>
+              </a:ext>
+            </a:extLst>
+          </p:cNvPr>
+          <p:cNvSpPr>
+            <a:spLocks noGrp="1"/>
+          </p:cNvSpPr>
+          <p:nvPr>
+            <p:ph idx="1"/>
+          </p:nvPr>
+        </p:nvSpPr>
+        <p:spPr/>
+        <p:txBody>
+          <a:bodyPr/>
+          <a:lstStyle/>
+          <a:p>
+            <a:pPr>
+              <a:buFont typeface="Wingdings" panose="05000000000000000000" pitchFamily="2" charset="2"/>
+              <a:buChar char="l"/>
+            </a:pPr>
+            <a:r>
+              <a:rPr kumimoji="1" lang="en-US" altLang="ja-JP" dirty="0" err="1"/>
+              <a:t>Picocenter</a:t>
+            </a:r>
+            <a:endParaRPr kumimoji="1" lang="en-US" altLang="ja-JP" dirty="0"/>
+          </a:p>
+          <a:p>
+            <a:pPr lvl="1">
+              <a:buFont typeface="Wingdings" panose="05000000000000000000" pitchFamily="2" charset="2"/>
+              <a:buChar char="l"/>
+            </a:pPr>
+            <a:r>
+              <a:rPr kumimoji="1" lang="ja-JP" altLang="en-US" dirty="0"/>
+              <a:t>長期間実行されるが，ほとんど使用</a:t>
+            </a:r>
+            <a:r>
+              <a:rPr lang="ja-JP" altLang="en-US" dirty="0"/>
+              <a:t>されないサービスを</a:t>
+            </a:r>
+            <a:r>
+              <a:rPr lang="en-US" altLang="ja-JP" dirty="0"/>
+              <a:t>VM</a:t>
+            </a:r>
+            <a:r>
+              <a:rPr lang="ja-JP" altLang="en-US" dirty="0"/>
+              <a:t>内コンテナを用いて実行する</a:t>
+            </a:r>
+            <a:endParaRPr lang="en-US" altLang="ja-JP" dirty="0"/>
+          </a:p>
+          <a:p>
+            <a:pPr lvl="1">
+              <a:buFont typeface="Wingdings" panose="05000000000000000000" pitchFamily="2" charset="2"/>
+              <a:buChar char="l"/>
+            </a:pPr>
+            <a:r>
+              <a:rPr kumimoji="1" lang="ja-JP" altLang="en-US" dirty="0"/>
+              <a:t>サービスの要求があるまでは，コンテナごとストレージに退避させる</a:t>
+            </a:r>
+            <a:endParaRPr kumimoji="1" lang="en-US" altLang="ja-JP" dirty="0"/>
+          </a:p>
+        </p:txBody>
+      </p:sp>
+      <p:sp>
+        <p:nvSpPr>
+          <p:cNvPr id="4" name="テキスト ボックス 3">
+            <a:extLst>
+              <a:ext uri="{FF2B5EF4-FFF2-40B4-BE49-F238E27FC236}">
+                <a16:creationId xmlns:a16="http://schemas.microsoft.com/office/drawing/2014/main" id="{25C2E83B-66B5-4EC5-BB62-141542EEA373}"/>
+              </a:ext>
+            </a:extLst>
+          </p:cNvPr>
+          <p:cNvSpPr txBox="1"/>
+          <p:nvPr/>
+        </p:nvSpPr>
+        <p:spPr>
+          <a:xfrm>
+            <a:off x="0" y="6248230"/>
+            <a:ext cx="9144000" cy="646331"/>
+          </a:xfrm>
+          <a:prstGeom prst="rect">
+            <a:avLst/>
+          </a:prstGeom>
+          <a:noFill/>
+        </p:spPr>
+        <p:txBody>
+          <a:bodyPr wrap="square" rtlCol="0">
+            <a:spAutoFit/>
+          </a:bodyPr>
+          <a:lstStyle/>
+          <a:p>
+            <a:r>
+              <a:rPr kumimoji="1" lang="en-US" altLang="ja-JP" sz="1200" dirty="0"/>
+              <a:t>Zhang, Liang and Litton, James and </a:t>
+            </a:r>
+            <a:r>
+              <a:rPr kumimoji="1" lang="en-US" altLang="ja-JP" sz="1200" dirty="0" err="1"/>
+              <a:t>Cangialosi</a:t>
+            </a:r>
+            <a:r>
+              <a:rPr kumimoji="1" lang="en-US" altLang="ja-JP" sz="1200" dirty="0"/>
+              <a:t>, Frank and Benson, Theophilus and Levin, Dave and </a:t>
+            </a:r>
+            <a:r>
+              <a:rPr kumimoji="1" lang="en-US" altLang="ja-JP" sz="1200" dirty="0" err="1"/>
+              <a:t>Mislove</a:t>
+            </a:r>
+            <a:r>
+              <a:rPr kumimoji="1" lang="en-US" altLang="ja-JP" sz="1200" dirty="0"/>
+              <a:t>, Alan,"</a:t>
+            </a:r>
+            <a:r>
+              <a:rPr kumimoji="1" lang="en-US" altLang="ja-JP" sz="1200" dirty="0" err="1"/>
+              <a:t>Picocenter</a:t>
+            </a:r>
+            <a:r>
+              <a:rPr kumimoji="1" lang="en-US" altLang="ja-JP" sz="1200" dirty="0"/>
+              <a:t>: Supporting Long-lived, Mostly-idle Applications in Cloud </a:t>
+            </a:r>
+            <a:r>
+              <a:rPr kumimoji="1" lang="en-US" altLang="ja-JP" sz="1200" dirty="0" err="1"/>
+              <a:t>Environments",Proceedings</a:t>
+            </a:r>
+            <a:r>
+              <a:rPr kumimoji="1" lang="en-US" altLang="ja-JP" sz="1200" dirty="0"/>
+              <a:t> of the Eleventh European Conference on Computer </a:t>
+            </a:r>
+            <a:r>
+              <a:rPr kumimoji="1" lang="en-US" altLang="ja-JP" sz="1200" dirty="0" err="1"/>
+              <a:t>Systems,EuroSys</a:t>
+            </a:r>
+            <a:r>
+              <a:rPr kumimoji="1" lang="en-US" altLang="ja-JP" sz="1200" dirty="0"/>
+              <a:t> ‘16, pp.37:1--37:16</a:t>
+            </a:r>
+            <a:endParaRPr kumimoji="1" lang="ja-JP" altLang="en-US" sz="1200" dirty="0"/>
+          </a:p>
+        </p:txBody>
+      </p:sp>
     </p:spTree>
     <p:extLst>
       <p:ext uri="{BB962C8B-B14F-4D97-AF65-F5344CB8AC3E}">
@@ -11286,6 +11455,68 @@
           </a:prstGeom>
         </p:spPr>
       </p:pic>
+      <p:sp>
+        <p:nvSpPr>
+          <p:cNvPr id="4" name="テキスト ボックス 3">
+            <a:extLst>
+              <a:ext uri="{FF2B5EF4-FFF2-40B4-BE49-F238E27FC236}">
+                <a16:creationId xmlns:a16="http://schemas.microsoft.com/office/drawing/2014/main" id="{EF61986E-F561-4C95-935B-B5ED414FEAC2}"/>
+              </a:ext>
+            </a:extLst>
+          </p:cNvPr>
+          <p:cNvSpPr txBox="1"/>
+          <p:nvPr/>
+        </p:nvSpPr>
+        <p:spPr>
+          <a:xfrm>
+            <a:off x="0" y="6386730"/>
+            <a:ext cx="8971495" cy="492443"/>
+          </a:xfrm>
+          <a:prstGeom prst="rect">
+            <a:avLst/>
+          </a:prstGeom>
+          <a:noFill/>
+        </p:spPr>
+        <p:txBody>
+          <a:bodyPr wrap="none" rtlCol="0">
+            <a:spAutoFit/>
+          </a:bodyPr>
+          <a:lstStyle/>
+          <a:p>
+            <a:r>
+              <a:rPr lang="en-US" altLang="ja-JP" sz="1300" dirty="0"/>
+              <a:t>K. Kourai and K. </a:t>
+            </a:r>
+            <a:r>
+              <a:rPr lang="en-US" altLang="ja-JP" sz="1300" dirty="0" err="1"/>
+              <a:t>Sannomiya</a:t>
+            </a:r>
+            <a:r>
+              <a:rPr lang="en-US" altLang="ja-JP" sz="1300" dirty="0"/>
+              <a:t>, "Seamless and Secure Application Consolidation for Optimizing Instance Deployment in Clouds,“</a:t>
+            </a:r>
+          </a:p>
+          <a:p>
+            <a:r>
+              <a:rPr lang="en-US" altLang="ja-JP" sz="1300" i="1" dirty="0"/>
+              <a:t>2016 IEEE International Conference on Cloud Computing Technology and Science (</a:t>
+            </a:r>
+            <a:r>
+              <a:rPr lang="en-US" altLang="ja-JP" sz="1300" i="1" dirty="0" err="1"/>
+              <a:t>CloudCom</a:t>
+            </a:r>
+            <a:r>
+              <a:rPr lang="en-US" altLang="ja-JP" sz="1300" i="1" dirty="0"/>
+              <a:t>)</a:t>
+            </a:r>
+            <a:r>
+              <a:rPr lang="en-US" altLang="ja-JP" sz="1300" dirty="0"/>
+              <a:t>, Luxembourg City, 2016, pp. 318-325.</a:t>
+            </a:r>
+            <a:endParaRPr kumimoji="1" lang="ja-JP" altLang="en-US" sz="1300" dirty="0"/>
+          </a:p>
+        </p:txBody>
+      </p:sp>
     </p:spTree>
     <p:extLst>
       <p:ext uri="{BB962C8B-B14F-4D97-AF65-F5344CB8AC3E}">

--- a/輪講2019-1_鈴木洸太.pptx
+++ b/輪講2019-1_鈴木洸太.pptx
@@ -5,7 +5,7 @@
     <p:sldMasterId id="2147483819" r:id="rId1"/>
   </p:sldMasterIdLst>
   <p:notesMasterIdLst>
-    <p:notesMasterId r:id="rId30"/>
+    <p:notesMasterId r:id="rId32"/>
   </p:notesMasterIdLst>
   <p:sldIdLst>
     <p:sldId id="256" r:id="rId2"/>
@@ -28,14 +28,16 @@
     <p:sldId id="270" r:id="rId19"/>
     <p:sldId id="272" r:id="rId20"/>
     <p:sldId id="273" r:id="rId21"/>
-    <p:sldId id="276" r:id="rId22"/>
-    <p:sldId id="280" r:id="rId23"/>
-    <p:sldId id="277" r:id="rId24"/>
+    <p:sldId id="277" r:id="rId22"/>
+    <p:sldId id="276" r:id="rId23"/>
+    <p:sldId id="280" r:id="rId24"/>
     <p:sldId id="278" r:id="rId25"/>
     <p:sldId id="279" r:id="rId26"/>
     <p:sldId id="282" r:id="rId27"/>
     <p:sldId id="283" r:id="rId28"/>
     <p:sldId id="284" r:id="rId29"/>
+    <p:sldId id="285" r:id="rId30"/>
+    <p:sldId id="286" r:id="rId31"/>
   </p:sldIdLst>
   <p:sldSz cx="9144000" cy="6858000" type="screen4x3"/>
   <p:notesSz cx="6858000" cy="9144000"/>
@@ -8271,6 +8273,269 @@
       </p:grpSpPr>
       <p:sp>
         <p:nvSpPr>
+          <p:cNvPr id="7" name="タイトル 6">
+            <a:extLst>
+              <a:ext uri="{FF2B5EF4-FFF2-40B4-BE49-F238E27FC236}">
+                <a16:creationId xmlns:a16="http://schemas.microsoft.com/office/drawing/2014/main" id="{5AD979AA-5C71-4C57-AF17-BCD6412B2151}"/>
+              </a:ext>
+            </a:extLst>
+          </p:cNvPr>
+          <p:cNvSpPr>
+            <a:spLocks noGrp="1"/>
+          </p:cNvSpPr>
+          <p:nvPr>
+            <p:ph type="title"/>
+          </p:nvPr>
+        </p:nvSpPr>
+        <p:spPr/>
+        <p:txBody>
+          <a:bodyPr/>
+          <a:lstStyle/>
+          <a:p>
+            <a:r>
+              <a:rPr lang="ja-JP" altLang="en-US" dirty="0"/>
+              <a:t>実験環境（</a:t>
+            </a:r>
+            <a:r>
+              <a:rPr lang="en-US" altLang="ja-JP" dirty="0"/>
+              <a:t>1</a:t>
+            </a:r>
+            <a:r>
+              <a:rPr lang="ja-JP" altLang="en-US" dirty="0"/>
+              <a:t>）</a:t>
+            </a:r>
+            <a:endParaRPr kumimoji="1" lang="ja-JP" altLang="en-US" dirty="0"/>
+          </a:p>
+        </p:txBody>
+      </p:sp>
+      <p:sp>
+        <p:nvSpPr>
+          <p:cNvPr id="8" name="コンテンツ プレースホルダー 7">
+            <a:extLst>
+              <a:ext uri="{FF2B5EF4-FFF2-40B4-BE49-F238E27FC236}">
+                <a16:creationId xmlns:a16="http://schemas.microsoft.com/office/drawing/2014/main" id="{2443C0A3-7A8C-41B4-A124-B6E47D909578}"/>
+              </a:ext>
+            </a:extLst>
+          </p:cNvPr>
+          <p:cNvSpPr>
+            <a:spLocks noGrp="1"/>
+          </p:cNvSpPr>
+          <p:nvPr>
+            <p:ph idx="1"/>
+          </p:nvPr>
+        </p:nvSpPr>
+        <p:spPr/>
+        <p:txBody>
+          <a:bodyPr/>
+          <a:lstStyle/>
+          <a:p>
+            <a:pPr marL="0" indent="0">
+              <a:buNone/>
+            </a:pPr>
+            <a:r>
+              <a:rPr lang="ja-JP" altLang="en-US" dirty="0"/>
+              <a:t>復旧時間，障害対策コストの比較を行う</a:t>
+            </a:r>
+            <a:endParaRPr kumimoji="1" lang="en-US" altLang="ja-JP" dirty="0"/>
+          </a:p>
+          <a:p>
+            <a:pPr>
+              <a:buFont typeface="Wingdings" panose="05000000000000000000" pitchFamily="2" charset="2"/>
+              <a:buChar char="l"/>
+            </a:pPr>
+            <a:r>
+              <a:rPr kumimoji="1" lang="ja-JP" altLang="en-US" dirty="0"/>
+              <a:t>運用系</a:t>
+            </a:r>
+            <a:endParaRPr kumimoji="1" lang="en-US" altLang="ja-JP" dirty="0"/>
+          </a:p>
+          <a:p>
+            <a:pPr lvl="1">
+              <a:buFont typeface="Wingdings" panose="05000000000000000000" pitchFamily="2" charset="2"/>
+              <a:buChar char="l"/>
+            </a:pPr>
+            <a:r>
+              <a:rPr kumimoji="1" lang="en-US" altLang="ja-JP" dirty="0"/>
+              <a:t>4</a:t>
+            </a:r>
+            <a:r>
+              <a:rPr lang="ja-JP" altLang="en-US" dirty="0"/>
+              <a:t>台の</a:t>
+            </a:r>
+            <a:r>
+              <a:rPr lang="en-US" altLang="ja-JP" dirty="0"/>
+              <a:t>VM</a:t>
+            </a:r>
+            <a:r>
+              <a:rPr lang="ja-JP" altLang="en-US" dirty="0"/>
+              <a:t>を動作</a:t>
+            </a:r>
+            <a:endParaRPr kumimoji="1" lang="en-US" altLang="ja-JP" dirty="0"/>
+          </a:p>
+          <a:p>
+            <a:pPr lvl="1">
+              <a:buFont typeface="Wingdings" panose="05000000000000000000" pitchFamily="2" charset="2"/>
+              <a:buChar char="l"/>
+            </a:pPr>
+            <a:r>
+              <a:rPr lang="en-US" altLang="ja-JP" dirty="0"/>
+              <a:t>Apache Web</a:t>
+            </a:r>
+            <a:r>
+              <a:rPr lang="ja-JP" altLang="en-US" dirty="0"/>
+              <a:t>サーバ</a:t>
+            </a:r>
+            <a:r>
+              <a:rPr lang="en-US" altLang="ja-JP" dirty="0"/>
+              <a:t>3</a:t>
+            </a:r>
+            <a:r>
+              <a:rPr lang="ja-JP" altLang="en-US" dirty="0"/>
+              <a:t>台，</a:t>
+            </a:r>
+            <a:r>
+              <a:rPr lang="en-US" altLang="ja-JP" dirty="0"/>
+              <a:t>MySQL</a:t>
+            </a:r>
+            <a:r>
+              <a:rPr lang="ja-JP" altLang="en-US" dirty="0"/>
+              <a:t>サーバ</a:t>
+            </a:r>
+            <a:r>
+              <a:rPr lang="en-US" altLang="ja-JP" dirty="0"/>
+              <a:t>1</a:t>
+            </a:r>
+            <a:r>
+              <a:rPr lang="ja-JP" altLang="en-US" dirty="0"/>
+              <a:t>台</a:t>
+            </a:r>
+            <a:endParaRPr lang="en-US" altLang="ja-JP" dirty="0"/>
+          </a:p>
+          <a:p>
+            <a:pPr>
+              <a:buFont typeface="Wingdings" panose="05000000000000000000" pitchFamily="2" charset="2"/>
+              <a:buChar char="l"/>
+            </a:pPr>
+            <a:r>
+              <a:rPr kumimoji="1" lang="ja-JP" altLang="en-US" dirty="0"/>
+              <a:t>待機系</a:t>
+            </a:r>
+            <a:endParaRPr kumimoji="1" lang="en-US" altLang="ja-JP" dirty="0"/>
+          </a:p>
+          <a:p>
+            <a:pPr lvl="1">
+              <a:buFont typeface="Wingdings" panose="05000000000000000000" pitchFamily="2" charset="2"/>
+              <a:buChar char="l"/>
+            </a:pPr>
+            <a:r>
+              <a:rPr lang="en-US" altLang="ja-JP" dirty="0"/>
+              <a:t>1</a:t>
+            </a:r>
+            <a:r>
+              <a:rPr lang="ja-JP" altLang="en-US" dirty="0"/>
+              <a:t>台の</a:t>
+            </a:r>
+            <a:r>
+              <a:rPr lang="en-US" altLang="ja-JP" dirty="0"/>
+              <a:t>VM</a:t>
+            </a:r>
+            <a:r>
+              <a:rPr lang="ja-JP" altLang="en-US" dirty="0"/>
+              <a:t>上に</a:t>
+            </a:r>
+            <a:r>
+              <a:rPr lang="en-US" altLang="ja-JP" dirty="0"/>
+              <a:t>4</a:t>
+            </a:r>
+            <a:r>
+              <a:rPr lang="ja-JP" altLang="en-US" dirty="0" err="1"/>
+              <a:t>つの</a:t>
+            </a:r>
+            <a:r>
+              <a:rPr lang="ja-JP" altLang="en-US" dirty="0"/>
+              <a:t>コンテナ</a:t>
+            </a:r>
+            <a:endParaRPr lang="en-US" altLang="ja-JP" dirty="0"/>
+          </a:p>
+          <a:p>
+            <a:pPr lvl="1">
+              <a:buFont typeface="Wingdings" panose="05000000000000000000" pitchFamily="2" charset="2"/>
+              <a:buChar char="l"/>
+            </a:pPr>
+            <a:endParaRPr lang="en-US" altLang="ja-JP" dirty="0"/>
+          </a:p>
+          <a:p>
+            <a:pPr>
+              <a:buFont typeface="Wingdings" panose="05000000000000000000" pitchFamily="2" charset="2"/>
+              <a:buChar char="l"/>
+            </a:pPr>
+            <a:r>
+              <a:rPr kumimoji="1" lang="ja-JP" altLang="en-US" dirty="0"/>
+              <a:t>比較対象</a:t>
+            </a:r>
+            <a:endParaRPr kumimoji="1" lang="en-US" altLang="ja-JP" dirty="0"/>
+          </a:p>
+          <a:p>
+            <a:pPr lvl="1">
+              <a:buFont typeface="Wingdings" panose="05000000000000000000" pitchFamily="2" charset="2"/>
+              <a:buChar char="l"/>
+            </a:pPr>
+            <a:r>
+              <a:rPr kumimoji="1" lang="ja-JP" altLang="en-US" dirty="0"/>
+              <a:t>運用系，待機系ともに</a:t>
+            </a:r>
+            <a:r>
+              <a:rPr kumimoji="1" lang="en-US" altLang="ja-JP" dirty="0"/>
+              <a:t>4</a:t>
+            </a:r>
+            <a:r>
+              <a:rPr lang="ja-JP" altLang="en-US" dirty="0"/>
+              <a:t>台の</a:t>
+            </a:r>
+            <a:r>
+              <a:rPr lang="en-US" altLang="ja-JP" dirty="0"/>
+              <a:t>VM</a:t>
+            </a:r>
+            <a:r>
+              <a:rPr lang="ja-JP" altLang="en-US" dirty="0"/>
+              <a:t>を用いる従来システム</a:t>
+            </a:r>
+            <a:endParaRPr kumimoji="1" lang="ja-JP" altLang="en-US" dirty="0"/>
+          </a:p>
+        </p:txBody>
+      </p:sp>
+    </p:spTree>
+    <p:extLst>
+      <p:ext uri="{BB962C8B-B14F-4D97-AF65-F5344CB8AC3E}">
+        <p14:creationId xmlns:p14="http://schemas.microsoft.com/office/powerpoint/2010/main" val="3972706105"/>
+      </p:ext>
+    </p:extLst>
+  </p:cSld>
+  <p:clrMapOvr>
+    <a:masterClrMapping/>
+  </p:clrMapOvr>
+</p:sld>
+</file>
+
+<file path=ppt/slides/slide22.xml><?xml version="1.0" encoding="utf-8"?>
+<p:sld xmlns:a="http://schemas.openxmlformats.org/drawingml/2006/main" xmlns:r="http://schemas.openxmlformats.org/officeDocument/2006/relationships" xmlns:p="http://schemas.openxmlformats.org/presentationml/2006/main">
+  <p:cSld>
+    <p:spTree>
+      <p:nvGrpSpPr>
+        <p:cNvPr id="1" name=""/>
+        <p:cNvGrpSpPr/>
+        <p:nvPr/>
+      </p:nvGrpSpPr>
+      <p:grpSpPr>
+        <a:xfrm>
+          <a:off x="0" y="0"/>
+          <a:ext cx="0" cy="0"/>
+          <a:chOff x="0" y="0"/>
+          <a:chExt cx="0" cy="0"/>
+        </a:xfrm>
+      </p:grpSpPr>
+      <p:sp>
+        <p:nvSpPr>
           <p:cNvPr id="2" name="タイトル 1">
             <a:extLst>
               <a:ext uri="{FF2B5EF4-FFF2-40B4-BE49-F238E27FC236}">
@@ -8300,7 +8565,7 @@
             </a:r>
             <a:r>
               <a:rPr lang="en-US" altLang="ja-JP" dirty="0"/>
-              <a:t>1</a:t>
+              <a:t>2</a:t>
             </a:r>
             <a:r>
               <a:rPr lang="ja-JP" altLang="en-US" dirty="0"/>
@@ -9012,7 +9277,7 @@
 </p:sld>
 </file>
 
-<file path=ppt/slides/slide22.xml><?xml version="1.0" encoding="utf-8"?>
+<file path=ppt/slides/slide23.xml><?xml version="1.0" encoding="utf-8"?>
 <p:sld xmlns:a="http://schemas.openxmlformats.org/drawingml/2006/main" xmlns:r="http://schemas.openxmlformats.org/officeDocument/2006/relationships" xmlns:p="http://schemas.openxmlformats.org/presentationml/2006/main">
   <p:cSld>
     <p:spTree>
@@ -9056,7 +9321,7 @@
             </a:r>
             <a:r>
               <a:rPr lang="en-US" altLang="ja-JP" dirty="0"/>
-              <a:t>2</a:t>
+              <a:t>3</a:t>
             </a:r>
             <a:r>
               <a:rPr lang="ja-JP" altLang="en-US" dirty="0"/>
@@ -9417,259 +9682,6 @@
 </p:sld>
 </file>
 
-<file path=ppt/slides/slide23.xml><?xml version="1.0" encoding="utf-8"?>
-<p:sld xmlns:a="http://schemas.openxmlformats.org/drawingml/2006/main" xmlns:r="http://schemas.openxmlformats.org/officeDocument/2006/relationships" xmlns:p="http://schemas.openxmlformats.org/presentationml/2006/main">
-  <p:cSld>
-    <p:spTree>
-      <p:nvGrpSpPr>
-        <p:cNvPr id="1" name=""/>
-        <p:cNvGrpSpPr/>
-        <p:nvPr/>
-      </p:nvGrpSpPr>
-      <p:grpSpPr>
-        <a:xfrm>
-          <a:off x="0" y="0"/>
-          <a:ext cx="0" cy="0"/>
-          <a:chOff x="0" y="0"/>
-          <a:chExt cx="0" cy="0"/>
-        </a:xfrm>
-      </p:grpSpPr>
-      <p:sp>
-        <p:nvSpPr>
-          <p:cNvPr id="7" name="タイトル 6">
-            <a:extLst>
-              <a:ext uri="{FF2B5EF4-FFF2-40B4-BE49-F238E27FC236}">
-                <a16:creationId xmlns:a16="http://schemas.microsoft.com/office/drawing/2014/main" id="{5AD979AA-5C71-4C57-AF17-BCD6412B2151}"/>
-              </a:ext>
-            </a:extLst>
-          </p:cNvPr>
-          <p:cNvSpPr>
-            <a:spLocks noGrp="1"/>
-          </p:cNvSpPr>
-          <p:nvPr>
-            <p:ph type="title"/>
-          </p:nvPr>
-        </p:nvSpPr>
-        <p:spPr/>
-        <p:txBody>
-          <a:bodyPr/>
-          <a:lstStyle/>
-          <a:p>
-            <a:r>
-              <a:rPr lang="ja-JP" altLang="en-US" dirty="0"/>
-              <a:t>実験環境（</a:t>
-            </a:r>
-            <a:r>
-              <a:rPr lang="en-US" altLang="ja-JP" dirty="0"/>
-              <a:t>3</a:t>
-            </a:r>
-            <a:r>
-              <a:rPr lang="ja-JP" altLang="en-US" dirty="0"/>
-              <a:t>）</a:t>
-            </a:r>
-            <a:endParaRPr kumimoji="1" lang="ja-JP" altLang="en-US" dirty="0"/>
-          </a:p>
-        </p:txBody>
-      </p:sp>
-      <p:sp>
-        <p:nvSpPr>
-          <p:cNvPr id="8" name="コンテンツ プレースホルダー 7">
-            <a:extLst>
-              <a:ext uri="{FF2B5EF4-FFF2-40B4-BE49-F238E27FC236}">
-                <a16:creationId xmlns:a16="http://schemas.microsoft.com/office/drawing/2014/main" id="{2443C0A3-7A8C-41B4-A124-B6E47D909578}"/>
-              </a:ext>
-            </a:extLst>
-          </p:cNvPr>
-          <p:cNvSpPr>
-            <a:spLocks noGrp="1"/>
-          </p:cNvSpPr>
-          <p:nvPr>
-            <p:ph idx="1"/>
-          </p:nvPr>
-        </p:nvSpPr>
-        <p:spPr/>
-        <p:txBody>
-          <a:bodyPr/>
-          <a:lstStyle/>
-          <a:p>
-            <a:pPr>
-              <a:buFont typeface="Wingdings" panose="05000000000000000000" pitchFamily="2" charset="2"/>
-              <a:buChar char="l"/>
-            </a:pPr>
-            <a:r>
-              <a:rPr kumimoji="1" lang="ja-JP" altLang="en-US" dirty="0"/>
-              <a:t>運用系</a:t>
-            </a:r>
-            <a:endParaRPr kumimoji="1" lang="en-US" altLang="ja-JP" dirty="0"/>
-          </a:p>
-          <a:p>
-            <a:pPr lvl="1">
-              <a:buFont typeface="Wingdings" panose="05000000000000000000" pitchFamily="2" charset="2"/>
-              <a:buChar char="l"/>
-            </a:pPr>
-            <a:r>
-              <a:rPr kumimoji="1" lang="en-US" altLang="ja-JP" dirty="0"/>
-              <a:t>4</a:t>
-            </a:r>
-            <a:r>
-              <a:rPr lang="ja-JP" altLang="en-US" dirty="0"/>
-              <a:t>台の</a:t>
-            </a:r>
-            <a:r>
-              <a:rPr lang="en-US" altLang="ja-JP" dirty="0"/>
-              <a:t>VM</a:t>
-            </a:r>
-            <a:r>
-              <a:rPr lang="ja-JP" altLang="en-US" dirty="0"/>
-              <a:t>を動作</a:t>
-            </a:r>
-            <a:endParaRPr kumimoji="1" lang="en-US" altLang="ja-JP" dirty="0"/>
-          </a:p>
-          <a:p>
-            <a:pPr lvl="1">
-              <a:buFont typeface="Wingdings" panose="05000000000000000000" pitchFamily="2" charset="2"/>
-              <a:buChar char="l"/>
-            </a:pPr>
-            <a:r>
-              <a:rPr lang="en-US" altLang="ja-JP" dirty="0"/>
-              <a:t>Apache Web</a:t>
-            </a:r>
-            <a:r>
-              <a:rPr lang="ja-JP" altLang="en-US" dirty="0"/>
-              <a:t>サーバ</a:t>
-            </a:r>
-            <a:r>
-              <a:rPr lang="en-US" altLang="ja-JP" dirty="0"/>
-              <a:t>3</a:t>
-            </a:r>
-            <a:r>
-              <a:rPr lang="ja-JP" altLang="en-US" dirty="0"/>
-              <a:t>台，</a:t>
-            </a:r>
-            <a:r>
-              <a:rPr lang="en-US" altLang="ja-JP" dirty="0"/>
-              <a:t>MySQL</a:t>
-            </a:r>
-            <a:r>
-              <a:rPr lang="ja-JP" altLang="en-US" dirty="0"/>
-              <a:t>サーバ</a:t>
-            </a:r>
-            <a:r>
-              <a:rPr lang="en-US" altLang="ja-JP" dirty="0"/>
-              <a:t>1</a:t>
-            </a:r>
-            <a:r>
-              <a:rPr lang="ja-JP" altLang="en-US" dirty="0"/>
-              <a:t>台</a:t>
-            </a:r>
-            <a:endParaRPr lang="en-US" altLang="ja-JP" dirty="0"/>
-          </a:p>
-          <a:p>
-            <a:pPr>
-              <a:buFont typeface="Wingdings" panose="05000000000000000000" pitchFamily="2" charset="2"/>
-              <a:buChar char="l"/>
-            </a:pPr>
-            <a:r>
-              <a:rPr kumimoji="1" lang="ja-JP" altLang="en-US" dirty="0"/>
-              <a:t>待機系</a:t>
-            </a:r>
-            <a:endParaRPr kumimoji="1" lang="en-US" altLang="ja-JP" dirty="0"/>
-          </a:p>
-          <a:p>
-            <a:pPr lvl="1">
-              <a:buFont typeface="Wingdings" panose="05000000000000000000" pitchFamily="2" charset="2"/>
-              <a:buChar char="l"/>
-            </a:pPr>
-            <a:r>
-              <a:rPr lang="en-US" altLang="ja-JP" dirty="0"/>
-              <a:t>1</a:t>
-            </a:r>
-            <a:r>
-              <a:rPr lang="ja-JP" altLang="en-US" dirty="0"/>
-              <a:t>台の</a:t>
-            </a:r>
-            <a:r>
-              <a:rPr lang="en-US" altLang="ja-JP" dirty="0"/>
-              <a:t>VM</a:t>
-            </a:r>
-            <a:r>
-              <a:rPr lang="ja-JP" altLang="en-US" dirty="0"/>
-              <a:t>上に</a:t>
-            </a:r>
-            <a:r>
-              <a:rPr lang="en-US" altLang="ja-JP" dirty="0"/>
-              <a:t>4</a:t>
-            </a:r>
-            <a:r>
-              <a:rPr lang="ja-JP" altLang="en-US" dirty="0" err="1"/>
-              <a:t>つの</a:t>
-            </a:r>
-            <a:r>
-              <a:rPr lang="ja-JP" altLang="en-US" dirty="0"/>
-              <a:t>コンテナ</a:t>
-            </a:r>
-            <a:endParaRPr lang="en-US" altLang="ja-JP" dirty="0"/>
-          </a:p>
-          <a:p>
-            <a:pPr lvl="1">
-              <a:buFont typeface="Wingdings" panose="05000000000000000000" pitchFamily="2" charset="2"/>
-              <a:buChar char="l"/>
-            </a:pPr>
-            <a:endParaRPr lang="en-US" altLang="ja-JP" dirty="0"/>
-          </a:p>
-          <a:p>
-            <a:pPr>
-              <a:buFont typeface="Wingdings" panose="05000000000000000000" pitchFamily="2" charset="2"/>
-              <a:buChar char="l"/>
-            </a:pPr>
-            <a:r>
-              <a:rPr kumimoji="1" lang="ja-JP" altLang="en-US" dirty="0"/>
-              <a:t>比較対象</a:t>
-            </a:r>
-            <a:endParaRPr kumimoji="1" lang="en-US" altLang="ja-JP" dirty="0"/>
-          </a:p>
-          <a:p>
-            <a:pPr lvl="1">
-              <a:buFont typeface="Wingdings" panose="05000000000000000000" pitchFamily="2" charset="2"/>
-              <a:buChar char="l"/>
-            </a:pPr>
-            <a:r>
-              <a:rPr kumimoji="1" lang="ja-JP" altLang="en-US" dirty="0"/>
-              <a:t>運用系，待機系ともに</a:t>
-            </a:r>
-            <a:r>
-              <a:rPr kumimoji="1" lang="en-US" altLang="ja-JP" dirty="0"/>
-              <a:t>4</a:t>
-            </a:r>
-            <a:r>
-              <a:rPr lang="ja-JP" altLang="en-US" dirty="0"/>
-              <a:t>台の</a:t>
-            </a:r>
-            <a:r>
-              <a:rPr lang="en-US" altLang="ja-JP" dirty="0"/>
-              <a:t>VM</a:t>
-            </a:r>
-            <a:r>
-              <a:rPr lang="ja-JP" altLang="en-US" dirty="0"/>
-              <a:t>を用いる従来システム</a:t>
-            </a:r>
-            <a:endParaRPr kumimoji="1" lang="ja-JP" altLang="en-US" dirty="0"/>
-          </a:p>
-        </p:txBody>
-      </p:sp>
-    </p:spTree>
-    <p:extLst>
-      <p:ext uri="{BB962C8B-B14F-4D97-AF65-F5344CB8AC3E}">
-        <p14:creationId xmlns:p14="http://schemas.microsoft.com/office/powerpoint/2010/main" val="3972706105"/>
-      </p:ext>
-    </p:extLst>
-  </p:cSld>
-  <p:clrMapOvr>
-    <a:masterClrMapping/>
-  </p:clrMapOvr>
-</p:sld>
-</file>
-
 <file path=ppt/slides/slide24.xml><?xml version="1.0" encoding="utf-8"?>
 <p:sld xmlns:a="http://schemas.openxmlformats.org/drawingml/2006/main" xmlns:r="http://schemas.openxmlformats.org/officeDocument/2006/relationships" xmlns:p="http://schemas.openxmlformats.org/presentationml/2006/main">
   <p:cSld>
@@ -10381,7 +10393,113 @@
           <a:bodyPr/>
           <a:lstStyle/>
           <a:p>
-            <a:endParaRPr kumimoji="1" lang="ja-JP" altLang="en-US"/>
+            <a:r>
+              <a:rPr kumimoji="1" lang="ja-JP" altLang="en-US" dirty="0"/>
+              <a:t>ベンチマークで</a:t>
+            </a:r>
+            <a:r>
+              <a:rPr kumimoji="1" lang="en-US" altLang="ja-JP" dirty="0"/>
+              <a:t>VM</a:t>
+            </a:r>
+            <a:r>
+              <a:rPr kumimoji="1" lang="ja-JP" altLang="en-US" dirty="0"/>
+              <a:t>と</a:t>
+            </a:r>
+            <a:r>
+              <a:rPr kumimoji="1" lang="en-US" altLang="ja-JP" dirty="0"/>
+              <a:t>VM</a:t>
+            </a:r>
+            <a:r>
+              <a:rPr kumimoji="1" lang="ja-JP" altLang="en-US" dirty="0"/>
+              <a:t>内コンテナの</a:t>
+            </a:r>
+            <a:r>
+              <a:rPr lang="ja-JP" altLang="en-US" dirty="0"/>
+              <a:t>各種</a:t>
+            </a:r>
+            <a:r>
+              <a:rPr kumimoji="1" lang="ja-JP" altLang="en-US" dirty="0"/>
+              <a:t>性能を</a:t>
+            </a:r>
+            <a:r>
+              <a:rPr lang="ja-JP" altLang="en-US" dirty="0"/>
+              <a:t>測定</a:t>
+            </a:r>
+            <a:endParaRPr lang="en-US" altLang="ja-JP" dirty="0"/>
+          </a:p>
+          <a:p>
+            <a:pPr>
+              <a:buFont typeface="Wingdings" panose="05000000000000000000" pitchFamily="2" charset="2"/>
+              <a:buChar char="l"/>
+            </a:pPr>
+            <a:r>
+              <a:rPr kumimoji="1" lang="ja-JP" altLang="en-US" dirty="0"/>
+              <a:t>測定対象</a:t>
+            </a:r>
+            <a:endParaRPr kumimoji="1" lang="en-US" altLang="ja-JP" dirty="0"/>
+          </a:p>
+          <a:p>
+            <a:pPr lvl="1">
+              <a:buFont typeface="Wingdings" panose="05000000000000000000" pitchFamily="2" charset="2"/>
+              <a:buChar char="l"/>
+            </a:pPr>
+            <a:r>
+              <a:rPr lang="en-US" altLang="ja-JP" dirty="0"/>
+              <a:t>VM</a:t>
+            </a:r>
+          </a:p>
+          <a:p>
+            <a:pPr lvl="1">
+              <a:buFont typeface="Wingdings" panose="05000000000000000000" pitchFamily="2" charset="2"/>
+              <a:buChar char="l"/>
+            </a:pPr>
+            <a:r>
+              <a:rPr kumimoji="1" lang="en-US" altLang="ja-JP" dirty="0"/>
+              <a:t>LXD</a:t>
+            </a:r>
+            <a:r>
+              <a:rPr lang="ja-JP" altLang="en-US" dirty="0"/>
+              <a:t>　ストレージバックエンド</a:t>
+            </a:r>
+            <a:r>
+              <a:rPr lang="en-US" altLang="ja-JP" dirty="0"/>
+              <a:t>:</a:t>
+            </a:r>
+            <a:r>
+              <a:rPr lang="ja-JP" altLang="en-US" dirty="0"/>
+              <a:t>ディレクトリ</a:t>
+            </a:r>
+            <a:r>
+              <a:rPr lang="en-US" altLang="ja-JP" dirty="0"/>
+              <a:t>(</a:t>
+            </a:r>
+            <a:r>
+              <a:rPr lang="en-US" altLang="ja-JP" dirty="0" err="1"/>
+              <a:t>dir</a:t>
+            </a:r>
+            <a:r>
+              <a:rPr lang="en-US" altLang="ja-JP" dirty="0"/>
+              <a:t>)</a:t>
+            </a:r>
+          </a:p>
+          <a:p>
+            <a:pPr lvl="1">
+              <a:buFont typeface="Wingdings" panose="05000000000000000000" pitchFamily="2" charset="2"/>
+              <a:buChar char="l"/>
+            </a:pPr>
+            <a:r>
+              <a:rPr kumimoji="1" lang="en-US" altLang="ja-JP" dirty="0"/>
+              <a:t>LXD</a:t>
+            </a:r>
+            <a:r>
+              <a:rPr lang="ja-JP" altLang="en-US" dirty="0"/>
+              <a:t>　ストレージバックエンド</a:t>
+            </a:r>
+            <a:r>
+              <a:rPr lang="en-US" altLang="ja-JP" dirty="0"/>
+              <a:t>: ZFS</a:t>
+            </a:r>
+            <a:endParaRPr kumimoji="1" lang="ja-JP" altLang="en-US" dirty="0"/>
           </a:p>
         </p:txBody>
       </p:sp>
@@ -10389,6 +10507,211 @@
     <p:extLst>
       <p:ext uri="{BB962C8B-B14F-4D97-AF65-F5344CB8AC3E}">
         <p14:creationId xmlns:p14="http://schemas.microsoft.com/office/powerpoint/2010/main" val="153343277"/>
+      </p:ext>
+    </p:extLst>
+  </p:cSld>
+  <p:clrMapOvr>
+    <a:masterClrMapping/>
+  </p:clrMapOvr>
+</p:sld>
+</file>
+
+<file path=ppt/slides/slide29.xml><?xml version="1.0" encoding="utf-8"?>
+<p:sld xmlns:a="http://schemas.openxmlformats.org/drawingml/2006/main" xmlns:r="http://schemas.openxmlformats.org/officeDocument/2006/relationships" xmlns:p="http://schemas.openxmlformats.org/presentationml/2006/main">
+  <p:cSld>
+    <p:spTree>
+      <p:nvGrpSpPr>
+        <p:cNvPr id="1" name=""/>
+        <p:cNvGrpSpPr/>
+        <p:nvPr/>
+      </p:nvGrpSpPr>
+      <p:grpSpPr>
+        <a:xfrm>
+          <a:off x="0" y="0"/>
+          <a:ext cx="0" cy="0"/>
+          <a:chOff x="0" y="0"/>
+          <a:chExt cx="0" cy="0"/>
+        </a:xfrm>
+      </p:grpSpPr>
+      <p:pic>
+        <p:nvPicPr>
+          <p:cNvPr id="7" name="コンテンツ プレースホルダー 4">
+            <a:extLst>
+              <a:ext uri="{FF2B5EF4-FFF2-40B4-BE49-F238E27FC236}">
+                <a16:creationId xmlns:a16="http://schemas.microsoft.com/office/drawing/2014/main" id="{3DD1F033-D79A-4E4F-B9F3-67D8CB8FC756}"/>
+              </a:ext>
+            </a:extLst>
+          </p:cNvPr>
+          <p:cNvPicPr>
+            <a:picLocks noChangeAspect="1"/>
+          </p:cNvPicPr>
+          <p:nvPr/>
+        </p:nvPicPr>
+        <p:blipFill rotWithShape="1">
+          <a:blip r:embed="rId2">
+            <a:extLst>
+              <a:ext uri="{28A0092B-C50C-407E-A947-70E740481C1C}">
+                <a14:useLocalDpi xmlns:a14="http://schemas.microsoft.com/office/drawing/2010/main" val="0"/>
+              </a:ext>
+            </a:extLst>
+          </a:blip>
+          <a:srcRect t="5863"/>
+          <a:stretch/>
+        </p:blipFill>
+        <p:spPr>
+          <a:xfrm>
+            <a:off x="0" y="3084575"/>
+            <a:ext cx="9144000" cy="3632642"/>
+          </a:xfrm>
+          <a:prstGeom prst="rect">
+            <a:avLst/>
+          </a:prstGeom>
+        </p:spPr>
+      </p:pic>
+      <p:sp>
+        <p:nvSpPr>
+          <p:cNvPr id="2" name="タイトル 1">
+            <a:extLst>
+              <a:ext uri="{FF2B5EF4-FFF2-40B4-BE49-F238E27FC236}">
+                <a16:creationId xmlns:a16="http://schemas.microsoft.com/office/drawing/2014/main" id="{54264D4C-A8E4-4755-AEFA-2A802262E6CB}"/>
+              </a:ext>
+            </a:extLst>
+          </p:cNvPr>
+          <p:cNvSpPr>
+            <a:spLocks noGrp="1"/>
+          </p:cNvSpPr>
+          <p:nvPr>
+            <p:ph type="title"/>
+          </p:nvPr>
+        </p:nvSpPr>
+        <p:spPr/>
+        <p:txBody>
+          <a:bodyPr/>
+          <a:lstStyle/>
+          <a:p>
+            <a:r>
+              <a:rPr lang="ja-JP" altLang="en-US" dirty="0"/>
+              <a:t>コンテナ性能評価（</a:t>
+            </a:r>
+            <a:r>
+              <a:rPr lang="en-US" altLang="ja-JP" dirty="0"/>
+              <a:t>2</a:t>
+            </a:r>
+            <a:r>
+              <a:rPr lang="ja-JP" altLang="en-US" dirty="0"/>
+              <a:t>）</a:t>
+            </a:r>
+            <a:endParaRPr kumimoji="1" lang="ja-JP" altLang="en-US" dirty="0"/>
+          </a:p>
+        </p:txBody>
+      </p:sp>
+      <p:sp>
+        <p:nvSpPr>
+          <p:cNvPr id="6" name="コンテンツ プレースホルダー 5">
+            <a:extLst>
+              <a:ext uri="{FF2B5EF4-FFF2-40B4-BE49-F238E27FC236}">
+                <a16:creationId xmlns:a16="http://schemas.microsoft.com/office/drawing/2014/main" id="{E7C15753-C172-4D65-9A35-0A16CC9311A0}"/>
+              </a:ext>
+            </a:extLst>
+          </p:cNvPr>
+          <p:cNvSpPr>
+            <a:spLocks noGrp="1"/>
+          </p:cNvSpPr>
+          <p:nvPr>
+            <p:ph idx="1"/>
+          </p:nvPr>
+        </p:nvSpPr>
+        <p:spPr/>
+        <p:txBody>
+          <a:bodyPr/>
+          <a:lstStyle/>
+          <a:p>
+            <a:r>
+              <a:rPr kumimoji="1" lang="en-US" altLang="ja-JP" dirty="0" err="1"/>
+              <a:t>UnixBench</a:t>
+            </a:r>
+            <a:r>
+              <a:rPr lang="ja-JP" altLang="en-US" dirty="0"/>
+              <a:t>による性能評価</a:t>
+            </a:r>
+            <a:endParaRPr lang="en-US" altLang="ja-JP" dirty="0"/>
+          </a:p>
+          <a:p>
+            <a:pPr>
+              <a:buFont typeface="Wingdings" panose="05000000000000000000" pitchFamily="2" charset="2"/>
+              <a:buChar char="l"/>
+            </a:pPr>
+            <a:r>
+              <a:rPr kumimoji="1" lang="en-US" altLang="ja-JP" dirty="0"/>
+              <a:t>LXD</a:t>
+            </a:r>
+            <a:r>
+              <a:rPr kumimoji="1" lang="ja-JP" altLang="en-US" dirty="0"/>
+              <a:t>ディレクトリ</a:t>
+            </a:r>
+            <a:r>
+              <a:rPr kumimoji="1" lang="en-US" altLang="ja-JP" dirty="0"/>
+              <a:t>(</a:t>
+            </a:r>
+            <a:r>
+              <a:rPr kumimoji="1" lang="en-US" altLang="ja-JP" dirty="0" err="1"/>
+              <a:t>dir</a:t>
+            </a:r>
+            <a:r>
+              <a:rPr kumimoji="1" lang="en-US" altLang="ja-JP" dirty="0"/>
+              <a:t>)</a:t>
+            </a:r>
+            <a:r>
+              <a:rPr kumimoji="1" lang="ja-JP" altLang="en-US" dirty="0"/>
+              <a:t>の場合，</a:t>
+            </a:r>
+            <a:r>
+              <a:rPr kumimoji="1" lang="en-US" altLang="ja-JP" dirty="0"/>
+              <a:t>6.6</a:t>
+            </a:r>
+            <a:r>
+              <a:rPr lang="en-US" altLang="ja-JP" dirty="0"/>
+              <a:t>%</a:t>
+            </a:r>
+            <a:r>
+              <a:rPr lang="ja-JP" altLang="en-US" dirty="0"/>
+              <a:t>の</a:t>
+            </a:r>
+            <a:r>
+              <a:rPr kumimoji="1" lang="ja-JP" altLang="en-US" dirty="0"/>
+              <a:t>性能低下</a:t>
+            </a:r>
+            <a:endParaRPr kumimoji="1" lang="en-US" altLang="ja-JP" dirty="0"/>
+          </a:p>
+          <a:p>
+            <a:pPr>
+              <a:buFont typeface="Wingdings" panose="05000000000000000000" pitchFamily="2" charset="2"/>
+              <a:buChar char="l"/>
+            </a:pPr>
+            <a:r>
+              <a:rPr lang="en-US" altLang="ja-JP" dirty="0"/>
+              <a:t>LXD ZFS</a:t>
+            </a:r>
+            <a:r>
+              <a:rPr lang="ja-JP" altLang="en-US" dirty="0"/>
+              <a:t>の場合，</a:t>
+            </a:r>
+            <a:r>
+              <a:rPr lang="en-US" altLang="ja-JP" dirty="0"/>
+              <a:t>43.1%</a:t>
+            </a:r>
+            <a:r>
+              <a:rPr lang="ja-JP" altLang="en-US" dirty="0"/>
+              <a:t>の性能低下</a:t>
+            </a:r>
+            <a:endParaRPr kumimoji="1" lang="en-US" altLang="ja-JP" dirty="0"/>
+          </a:p>
+        </p:txBody>
+      </p:sp>
+    </p:spTree>
+    <p:extLst>
+      <p:ext uri="{BB962C8B-B14F-4D97-AF65-F5344CB8AC3E}">
+        <p14:creationId xmlns:p14="http://schemas.microsoft.com/office/powerpoint/2010/main" val="3681653150"/>
       </p:ext>
     </p:extLst>
   </p:cSld>
@@ -10554,6 +10877,174 @@
     <p:extLst>
       <p:ext uri="{BB962C8B-B14F-4D97-AF65-F5344CB8AC3E}">
         <p14:creationId xmlns:p14="http://schemas.microsoft.com/office/powerpoint/2010/main" val="3018890183"/>
+      </p:ext>
+    </p:extLst>
+  </p:cSld>
+  <p:clrMapOvr>
+    <a:masterClrMapping/>
+  </p:clrMapOvr>
+</p:sld>
+</file>
+
+<file path=ppt/slides/slide30.xml><?xml version="1.0" encoding="utf-8"?>
+<p:sld xmlns:a="http://schemas.openxmlformats.org/drawingml/2006/main" xmlns:r="http://schemas.openxmlformats.org/officeDocument/2006/relationships" xmlns:p="http://schemas.openxmlformats.org/presentationml/2006/main">
+  <p:cSld>
+    <p:spTree>
+      <p:nvGrpSpPr>
+        <p:cNvPr id="1" name=""/>
+        <p:cNvGrpSpPr/>
+        <p:nvPr/>
+      </p:nvGrpSpPr>
+      <p:grpSpPr>
+        <a:xfrm>
+          <a:off x="0" y="0"/>
+          <a:ext cx="0" cy="0"/>
+          <a:chOff x="0" y="0"/>
+          <a:chExt cx="0" cy="0"/>
+        </a:xfrm>
+      </p:grpSpPr>
+      <p:sp>
+        <p:nvSpPr>
+          <p:cNvPr id="2" name="タイトル 1">
+            <a:extLst>
+              <a:ext uri="{FF2B5EF4-FFF2-40B4-BE49-F238E27FC236}">
+                <a16:creationId xmlns:a16="http://schemas.microsoft.com/office/drawing/2014/main" id="{8F7C95E6-B748-4A83-B05E-862BE65226A7}"/>
+              </a:ext>
+            </a:extLst>
+          </p:cNvPr>
+          <p:cNvSpPr>
+            <a:spLocks noGrp="1"/>
+          </p:cNvSpPr>
+          <p:nvPr>
+            <p:ph type="title"/>
+          </p:nvPr>
+        </p:nvSpPr>
+        <p:spPr/>
+        <p:txBody>
+          <a:bodyPr/>
+          <a:lstStyle/>
+          <a:p>
+            <a:r>
+              <a:rPr lang="ja-JP" altLang="en-US" dirty="0"/>
+              <a:t>コンテナ性能評価（</a:t>
+            </a:r>
+            <a:r>
+              <a:rPr lang="en-US" altLang="ja-JP" dirty="0"/>
+              <a:t>3</a:t>
+            </a:r>
+            <a:r>
+              <a:rPr lang="ja-JP" altLang="en-US" dirty="0"/>
+              <a:t>）</a:t>
+            </a:r>
+            <a:endParaRPr kumimoji="1" lang="ja-JP" altLang="en-US" dirty="0"/>
+          </a:p>
+        </p:txBody>
+      </p:sp>
+      <p:sp>
+        <p:nvSpPr>
+          <p:cNvPr id="3" name="コンテンツ プレースホルダー 2">
+            <a:extLst>
+              <a:ext uri="{FF2B5EF4-FFF2-40B4-BE49-F238E27FC236}">
+                <a16:creationId xmlns:a16="http://schemas.microsoft.com/office/drawing/2014/main" id="{89449CDD-37CA-4159-95CA-F42CE6F93AE9}"/>
+              </a:ext>
+            </a:extLst>
+          </p:cNvPr>
+          <p:cNvSpPr>
+            <a:spLocks noGrp="1"/>
+          </p:cNvSpPr>
+          <p:nvPr>
+            <p:ph idx="1"/>
+          </p:nvPr>
+        </p:nvSpPr>
+        <p:spPr/>
+        <p:txBody>
+          <a:bodyPr/>
+          <a:lstStyle/>
+          <a:p>
+            <a:r>
+              <a:rPr kumimoji="1" lang="en-US" altLang="ja-JP" dirty="0" err="1"/>
+              <a:t>fio</a:t>
+            </a:r>
+            <a:r>
+              <a:rPr kumimoji="1" lang="ja-JP" altLang="en-US" dirty="0"/>
+              <a:t>によるディスクアクセスのスループット測定</a:t>
+            </a:r>
+            <a:endParaRPr kumimoji="1" lang="en-US" altLang="ja-JP" dirty="0"/>
+          </a:p>
+          <a:p>
+            <a:pPr>
+              <a:buFont typeface="Wingdings" panose="05000000000000000000" pitchFamily="2" charset="2"/>
+              <a:buChar char="l"/>
+            </a:pPr>
+            <a:r>
+              <a:rPr lang="ja-JP" altLang="en-US" dirty="0"/>
+              <a:t>ストレージバックエンドがディレクトリでは</a:t>
+            </a:r>
+            <a:r>
+              <a:rPr lang="en-US" altLang="ja-JP" dirty="0"/>
+              <a:t>28%</a:t>
+            </a:r>
+            <a:r>
+              <a:rPr lang="ja-JP" altLang="en-US" dirty="0"/>
+              <a:t>性能低下</a:t>
+            </a:r>
+            <a:endParaRPr lang="en-US" altLang="ja-JP" dirty="0"/>
+          </a:p>
+          <a:p>
+            <a:pPr>
+              <a:buFont typeface="Wingdings" panose="05000000000000000000" pitchFamily="2" charset="2"/>
+              <a:buChar char="l"/>
+            </a:pPr>
+            <a:r>
+              <a:rPr kumimoji="1" lang="en-US" altLang="ja-JP" dirty="0"/>
+              <a:t>ZFS</a:t>
+            </a:r>
+            <a:r>
+              <a:rPr kumimoji="1" lang="ja-JP" altLang="en-US" dirty="0"/>
+              <a:t>の場合では，エラーのため測定不能</a:t>
+            </a:r>
+          </a:p>
+        </p:txBody>
+      </p:sp>
+      <p:pic>
+        <p:nvPicPr>
+          <p:cNvPr id="5" name="図 4">
+            <a:extLst>
+              <a:ext uri="{FF2B5EF4-FFF2-40B4-BE49-F238E27FC236}">
+                <a16:creationId xmlns:a16="http://schemas.microsoft.com/office/drawing/2014/main" id="{883BD888-3EEB-4491-8BD1-AC22CE6FF1C0}"/>
+              </a:ext>
+            </a:extLst>
+          </p:cNvPr>
+          <p:cNvPicPr>
+            <a:picLocks noChangeAspect="1"/>
+          </p:cNvPicPr>
+          <p:nvPr/>
+        </p:nvPicPr>
+        <p:blipFill rotWithShape="1">
+          <a:blip r:embed="rId2">
+            <a:extLst>
+              <a:ext uri="{28A0092B-C50C-407E-A947-70E740481C1C}">
+                <a14:useLocalDpi xmlns:a14="http://schemas.microsoft.com/office/drawing/2010/main" val="0"/>
+              </a:ext>
+            </a:extLst>
+          </a:blip>
+          <a:srcRect t="5999"/>
+          <a:stretch/>
+        </p:blipFill>
+        <p:spPr>
+          <a:xfrm>
+            <a:off x="1829302" y="3096178"/>
+            <a:ext cx="5485396" cy="3527712"/>
+          </a:xfrm>
+          <a:prstGeom prst="rect">
+            <a:avLst/>
+          </a:prstGeom>
+        </p:spPr>
+      </p:pic>
+    </p:spTree>
+    <p:extLst>
+      <p:ext uri="{BB962C8B-B14F-4D97-AF65-F5344CB8AC3E}">
+        <p14:creationId xmlns:p14="http://schemas.microsoft.com/office/powerpoint/2010/main" val="1310561433"/>
       </p:ext>
     </p:extLst>
   </p:cSld>

--- a/輪講2019-1_鈴木洸太.pptx
+++ b/輪講2019-1_鈴木洸太.pptx
@@ -5,7 +5,7 @@
     <p:sldMasterId id="2147483819" r:id="rId1"/>
   </p:sldMasterIdLst>
   <p:notesMasterIdLst>
-    <p:notesMasterId r:id="rId32"/>
+    <p:notesMasterId r:id="rId34"/>
   </p:notesMasterIdLst>
   <p:sldIdLst>
     <p:sldId id="256" r:id="rId2"/>
@@ -20,24 +20,26 @@
     <p:sldId id="263" r:id="rId11"/>
     <p:sldId id="274" r:id="rId12"/>
     <p:sldId id="275" r:id="rId13"/>
-    <p:sldId id="265" r:id="rId14"/>
-    <p:sldId id="267" r:id="rId15"/>
-    <p:sldId id="268" r:id="rId16"/>
-    <p:sldId id="269" r:id="rId17"/>
-    <p:sldId id="271" r:id="rId18"/>
-    <p:sldId id="270" r:id="rId19"/>
-    <p:sldId id="272" r:id="rId20"/>
-    <p:sldId id="273" r:id="rId21"/>
-    <p:sldId id="277" r:id="rId22"/>
-    <p:sldId id="276" r:id="rId23"/>
-    <p:sldId id="280" r:id="rId24"/>
-    <p:sldId id="278" r:id="rId25"/>
-    <p:sldId id="279" r:id="rId26"/>
-    <p:sldId id="282" r:id="rId27"/>
-    <p:sldId id="283" r:id="rId28"/>
-    <p:sldId id="284" r:id="rId29"/>
-    <p:sldId id="285" r:id="rId30"/>
-    <p:sldId id="286" r:id="rId31"/>
+    <p:sldId id="267" r:id="rId14"/>
+    <p:sldId id="268" r:id="rId15"/>
+    <p:sldId id="269" r:id="rId16"/>
+    <p:sldId id="271" r:id="rId17"/>
+    <p:sldId id="270" r:id="rId18"/>
+    <p:sldId id="272" r:id="rId19"/>
+    <p:sldId id="273" r:id="rId20"/>
+    <p:sldId id="277" r:id="rId21"/>
+    <p:sldId id="276" r:id="rId22"/>
+    <p:sldId id="280" r:id="rId23"/>
+    <p:sldId id="278" r:id="rId24"/>
+    <p:sldId id="279" r:id="rId25"/>
+    <p:sldId id="282" r:id="rId26"/>
+    <p:sldId id="283" r:id="rId27"/>
+    <p:sldId id="284" r:id="rId28"/>
+    <p:sldId id="285" r:id="rId29"/>
+    <p:sldId id="286" r:id="rId30"/>
+    <p:sldId id="287" r:id="rId31"/>
+    <p:sldId id="288" r:id="rId32"/>
+    <p:sldId id="289" r:id="rId33"/>
   </p:sldIdLst>
   <p:sldSz cx="9144000" cy="6858000" type="screen4x3"/>
   <p:notesSz cx="6858000" cy="9144000"/>
@@ -2026,6 +2028,109 @@
 </p:notesMaster>
 </file>
 
+<file path=ppt/notesSlides/notesSlide1.xml><?xml version="1.0" encoding="utf-8"?>
+<p:notes xmlns:a="http://schemas.openxmlformats.org/drawingml/2006/main" xmlns:r="http://schemas.openxmlformats.org/officeDocument/2006/relationships" xmlns:p="http://schemas.openxmlformats.org/presentationml/2006/main">
+  <p:cSld>
+    <p:spTree>
+      <p:nvGrpSpPr>
+        <p:cNvPr id="1" name=""/>
+        <p:cNvGrpSpPr/>
+        <p:nvPr/>
+      </p:nvGrpSpPr>
+      <p:grpSpPr>
+        <a:xfrm>
+          <a:off x="0" y="0"/>
+          <a:ext cx="0" cy="0"/>
+          <a:chOff x="0" y="0"/>
+          <a:chExt cx="0" cy="0"/>
+        </a:xfrm>
+      </p:grpSpPr>
+      <p:sp>
+        <p:nvSpPr>
+          <p:cNvPr id="2" name="スライド イメージ プレースホルダー 1"/>
+          <p:cNvSpPr>
+            <a:spLocks noGrp="1" noRot="1" noChangeAspect="1"/>
+          </p:cNvSpPr>
+          <p:nvPr>
+            <p:ph type="sldImg"/>
+          </p:nvPr>
+        </p:nvSpPr>
+        <p:spPr>
+          <a:xfrm>
+            <a:off x="1371600" y="1143000"/>
+            <a:ext cx="4114800" cy="3086100"/>
+          </a:xfrm>
+        </p:spPr>
+      </p:sp>
+      <p:sp>
+        <p:nvSpPr>
+          <p:cNvPr id="3" name="ノート プレースホルダー 2"/>
+          <p:cNvSpPr>
+            <a:spLocks noGrp="1"/>
+          </p:cNvSpPr>
+          <p:nvPr>
+            <p:ph type="body" idx="1"/>
+          </p:nvPr>
+        </p:nvSpPr>
+        <p:spPr/>
+        <p:txBody>
+          <a:bodyPr/>
+          <a:lstStyle/>
+          <a:p>
+            <a:r>
+              <a:rPr kumimoji="1" lang="ja-JP" altLang="en-US" dirty="0"/>
+              <a:t>ストレージバックエンド</a:t>
+            </a:r>
+            <a:r>
+              <a:rPr kumimoji="1" lang="ja-JP" altLang="en-US" dirty="0" err="1"/>
+              <a:t>．．．</a:t>
+            </a:r>
+            <a:endParaRPr kumimoji="1" lang="en-US" altLang="ja-JP" dirty="0"/>
+          </a:p>
+          <a:p>
+            <a:r>
+              <a:rPr kumimoji="1" lang="ja-JP" altLang="en-US" dirty="0"/>
+              <a:t>ファイルシステムのこと</a:t>
+            </a:r>
+          </a:p>
+        </p:txBody>
+      </p:sp>
+      <p:sp>
+        <p:nvSpPr>
+          <p:cNvPr id="4" name="スライド番号プレースホルダー 3"/>
+          <p:cNvSpPr>
+            <a:spLocks noGrp="1"/>
+          </p:cNvSpPr>
+          <p:nvPr>
+            <p:ph type="sldNum" sz="quarter" idx="5"/>
+          </p:nvPr>
+        </p:nvSpPr>
+        <p:spPr/>
+        <p:txBody>
+          <a:bodyPr/>
+          <a:lstStyle/>
+          <a:p>
+            <a:fld id="{35A96F5C-B295-42E4-9B3C-54734D533512}" type="slidenum">
+              <a:rPr kumimoji="1" lang="ja-JP" altLang="en-US" smtClean="0"/>
+              <a:t>27</a:t>
+            </a:fld>
+            <a:endParaRPr kumimoji="1" lang="ja-JP" altLang="en-US"/>
+          </a:p>
+        </p:txBody>
+      </p:sp>
+    </p:spTree>
+    <p:extLst>
+      <p:ext uri="{BB962C8B-B14F-4D97-AF65-F5344CB8AC3E}">
+        <p14:creationId xmlns:p14="http://schemas.microsoft.com/office/powerpoint/2010/main" val="1979126713"/>
+      </p:ext>
+    </p:extLst>
+  </p:cSld>
+  <p:clrMapOvr>
+    <a:masterClrMapping/>
+  </p:clrMapOvr>
+</p:notes>
+</file>
+
 <file path=ppt/slideLayouts/slideLayout1.xml><?xml version="1.0" encoding="utf-8"?>
 <p:sldLayout xmlns:a="http://schemas.openxmlformats.org/drawingml/2006/main" xmlns:r="http://schemas.openxmlformats.org/officeDocument/2006/relationships" xmlns:p="http://schemas.openxmlformats.org/presentationml/2006/main" showMasterSp="0" type="title" preserve="1">
   <p:cSld name="タイトル スライド">
@@ -6630,221 +6735,6 @@
 </file>
 
 <file path=ppt/slides/slide13.xml><?xml version="1.0" encoding="utf-8"?>
-<p:sld xmlns:a="http://schemas.openxmlformats.org/drawingml/2006/main" xmlns:r="http://schemas.openxmlformats.org/officeDocument/2006/relationships" xmlns:p="http://schemas.openxmlformats.org/presentationml/2006/main" show="0">
-  <p:cSld>
-    <p:spTree>
-      <p:nvGrpSpPr>
-        <p:cNvPr id="1" name=""/>
-        <p:cNvGrpSpPr/>
-        <p:nvPr/>
-      </p:nvGrpSpPr>
-      <p:grpSpPr>
-        <a:xfrm>
-          <a:off x="0" y="0"/>
-          <a:ext cx="0" cy="0"/>
-          <a:chOff x="0" y="0"/>
-          <a:chExt cx="0" cy="0"/>
-        </a:xfrm>
-      </p:grpSpPr>
-      <p:sp>
-        <p:nvSpPr>
-          <p:cNvPr id="2" name="タイトル 1">
-            <a:extLst>
-              <a:ext uri="{FF2B5EF4-FFF2-40B4-BE49-F238E27FC236}">
-                <a16:creationId xmlns:a16="http://schemas.microsoft.com/office/drawing/2014/main" id="{4180F74B-0A63-4A36-80F9-5EDEC546F70B}"/>
-              </a:ext>
-            </a:extLst>
-          </p:cNvPr>
-          <p:cNvSpPr>
-            <a:spLocks noGrp="1"/>
-          </p:cNvSpPr>
-          <p:nvPr>
-            <p:ph type="title"/>
-          </p:nvPr>
-        </p:nvSpPr>
-        <p:spPr/>
-        <p:txBody>
-          <a:bodyPr/>
-          <a:lstStyle/>
-          <a:p>
-            <a:r>
-              <a:rPr lang="ja-JP" altLang="en-US" dirty="0"/>
-              <a:t>提案システム概要（</a:t>
-            </a:r>
-            <a:r>
-              <a:rPr lang="en-US" altLang="ja-JP" dirty="0"/>
-              <a:t>2</a:t>
-            </a:r>
-            <a:r>
-              <a:rPr lang="ja-JP" altLang="en-US" dirty="0"/>
-              <a:t>）</a:t>
-            </a:r>
-            <a:endParaRPr kumimoji="1" lang="ja-JP" altLang="en-US" dirty="0"/>
-          </a:p>
-        </p:txBody>
-      </p:sp>
-      <p:sp>
-        <p:nvSpPr>
-          <p:cNvPr id="3" name="コンテンツ プレースホルダー 2">
-            <a:extLst>
-              <a:ext uri="{FF2B5EF4-FFF2-40B4-BE49-F238E27FC236}">
-                <a16:creationId xmlns:a16="http://schemas.microsoft.com/office/drawing/2014/main" id="{A531FEC3-8F45-470F-B44D-EB3CCF722C17}"/>
-              </a:ext>
-            </a:extLst>
-          </p:cNvPr>
-          <p:cNvSpPr>
-            <a:spLocks noGrp="1"/>
-          </p:cNvSpPr>
-          <p:nvPr>
-            <p:ph idx="1"/>
-          </p:nvPr>
-        </p:nvSpPr>
-        <p:spPr/>
-        <p:txBody>
-          <a:bodyPr/>
-          <a:lstStyle/>
-          <a:p>
-            <a:pPr>
-              <a:buFont typeface="Wingdings" panose="05000000000000000000" pitchFamily="2" charset="2"/>
-              <a:buChar char="l"/>
-            </a:pPr>
-            <a:r>
-              <a:rPr lang="ja-JP" altLang="en-US" dirty="0"/>
-              <a:t>コンテナの利用</a:t>
-            </a:r>
-            <a:endParaRPr kumimoji="1" lang="en-US" altLang="ja-JP" dirty="0"/>
-          </a:p>
-          <a:p>
-            <a:pPr lvl="1">
-              <a:buFont typeface="Wingdings" panose="05000000000000000000" pitchFamily="2" charset="2"/>
-              <a:buChar char="l"/>
-            </a:pPr>
-            <a:r>
-              <a:rPr kumimoji="1" lang="ja-JP" altLang="en-US" dirty="0"/>
-              <a:t>仮想実行環境であるコンテナは</a:t>
-            </a:r>
-            <a:r>
-              <a:rPr kumimoji="1" lang="en-US" altLang="ja-JP" dirty="0"/>
-              <a:t>VM</a:t>
-            </a:r>
-            <a:r>
-              <a:rPr kumimoji="1" lang="ja-JP" altLang="en-US" dirty="0"/>
-              <a:t>と比較して軽量</a:t>
-            </a:r>
-            <a:endParaRPr kumimoji="1" lang="en-US" altLang="ja-JP" dirty="0"/>
-          </a:p>
-          <a:p>
-            <a:pPr lvl="1">
-              <a:buFont typeface="Wingdings" panose="05000000000000000000" pitchFamily="2" charset="2"/>
-              <a:buChar char="l"/>
-            </a:pPr>
-            <a:r>
-              <a:rPr lang="ja-JP" altLang="en-US" dirty="0"/>
-              <a:t>コンテナを提供するシステムはライブマイグレーションが可能である</a:t>
-            </a:r>
-            <a:r>
-              <a:rPr lang="en-US" altLang="ja-JP" dirty="0"/>
-              <a:t>LXD</a:t>
-            </a:r>
-            <a:r>
-              <a:rPr lang="ja-JP" altLang="en-US" dirty="0"/>
-              <a:t>を利用</a:t>
-            </a:r>
-            <a:endParaRPr lang="en-US" altLang="ja-JP" dirty="0"/>
-          </a:p>
-          <a:p>
-            <a:pPr lvl="1">
-              <a:buFont typeface="Wingdings" panose="05000000000000000000" pitchFamily="2" charset="2"/>
-              <a:buChar char="l"/>
-            </a:pPr>
-            <a:endParaRPr kumimoji="1" lang="en-US" altLang="ja-JP" dirty="0"/>
-          </a:p>
-          <a:p>
-            <a:pPr>
-              <a:buFont typeface="Wingdings" panose="05000000000000000000" pitchFamily="2" charset="2"/>
-              <a:buChar char="l"/>
-            </a:pPr>
-            <a:r>
-              <a:rPr kumimoji="1" lang="ja-JP" altLang="en-US" dirty="0"/>
-              <a:t>障害対策のコスト</a:t>
-            </a:r>
-            <a:endParaRPr kumimoji="1" lang="en-US" altLang="ja-JP" dirty="0"/>
-          </a:p>
-          <a:p>
-            <a:pPr lvl="1">
-              <a:buFont typeface="Wingdings" panose="05000000000000000000" pitchFamily="2" charset="2"/>
-              <a:buChar char="l"/>
-            </a:pPr>
-            <a:r>
-              <a:rPr lang="ja-JP" altLang="en-US" dirty="0"/>
-              <a:t>待機系の</a:t>
-            </a:r>
-            <a:r>
-              <a:rPr lang="en-US" altLang="ja-JP" dirty="0"/>
-              <a:t>VM1</a:t>
-            </a:r>
-            <a:r>
-              <a:rPr lang="ja-JP" altLang="en-US" dirty="0"/>
-              <a:t>台分で済む</a:t>
-            </a:r>
-            <a:endParaRPr lang="en-US" altLang="ja-JP" dirty="0"/>
-          </a:p>
-          <a:p>
-            <a:pPr lvl="1">
-              <a:buFont typeface="Wingdings" panose="05000000000000000000" pitchFamily="2" charset="2"/>
-              <a:buChar char="l"/>
-            </a:pPr>
-            <a:endParaRPr kumimoji="1" lang="en-US" altLang="ja-JP" dirty="0"/>
-          </a:p>
-          <a:p>
-            <a:pPr>
-              <a:buFont typeface="Wingdings" panose="05000000000000000000" pitchFamily="2" charset="2"/>
-              <a:buChar char="l"/>
-            </a:pPr>
-            <a:r>
-              <a:rPr lang="ja-JP" altLang="en-US" dirty="0"/>
-              <a:t>障害検知・復旧</a:t>
-            </a:r>
-            <a:endParaRPr lang="en-US" altLang="ja-JP" dirty="0"/>
-          </a:p>
-          <a:p>
-            <a:pPr lvl="1">
-              <a:buFont typeface="Wingdings" panose="05000000000000000000" pitchFamily="2" charset="2"/>
-              <a:buChar char="l"/>
-            </a:pPr>
-            <a:r>
-              <a:rPr kumimoji="1" lang="en-US" altLang="ja-JP" dirty="0" err="1"/>
-              <a:t>libvirt-snmp</a:t>
-            </a:r>
-            <a:r>
-              <a:rPr kumimoji="1" lang="ja-JP" altLang="en-US" dirty="0"/>
-              <a:t>と</a:t>
-            </a:r>
-            <a:r>
-              <a:rPr kumimoji="1" lang="en-US" altLang="ja-JP" dirty="0"/>
-              <a:t>Zabbix</a:t>
-            </a:r>
-            <a:r>
-              <a:rPr kumimoji="1" lang="ja-JP" altLang="en-US" dirty="0"/>
-              <a:t>を利用</a:t>
-            </a:r>
-          </a:p>
-        </p:txBody>
-      </p:sp>
-    </p:spTree>
-    <p:extLst>
-      <p:ext uri="{BB962C8B-B14F-4D97-AF65-F5344CB8AC3E}">
-        <p14:creationId xmlns:p14="http://schemas.microsoft.com/office/powerpoint/2010/main" val="286540226"/>
-      </p:ext>
-    </p:extLst>
-  </p:cSld>
-  <p:clrMapOvr>
-    <a:masterClrMapping/>
-  </p:clrMapOvr>
-</p:sld>
-</file>
-
-<file path=ppt/slides/slide14.xml><?xml version="1.0" encoding="utf-8"?>
 <p:sld xmlns:a="http://schemas.openxmlformats.org/drawingml/2006/main" xmlns:r="http://schemas.openxmlformats.org/officeDocument/2006/relationships" xmlns:p="http://schemas.openxmlformats.org/presentationml/2006/main">
   <p:cSld>
     <p:spTree>
@@ -7107,7 +6997,7 @@
 </p:sld>
 </file>
 
-<file path=ppt/slides/slide15.xml><?xml version="1.0" encoding="utf-8"?>
+<file path=ppt/slides/slide14.xml><?xml version="1.0" encoding="utf-8"?>
 <p:sld xmlns:a="http://schemas.openxmlformats.org/drawingml/2006/main" xmlns:r="http://schemas.openxmlformats.org/officeDocument/2006/relationships" xmlns:p="http://schemas.openxmlformats.org/presentationml/2006/main">
   <p:cSld>
     <p:spTree>
@@ -7315,7 +7205,7 @@
 </p:sld>
 </file>
 
-<file path=ppt/slides/slide16.xml><?xml version="1.0" encoding="utf-8"?>
+<file path=ppt/slides/slide15.xml><?xml version="1.0" encoding="utf-8"?>
 <p:sld xmlns:a="http://schemas.openxmlformats.org/drawingml/2006/main" xmlns:r="http://schemas.openxmlformats.org/officeDocument/2006/relationships" xmlns:p="http://schemas.openxmlformats.org/presentationml/2006/main">
   <p:cSld>
     <p:spTree>
@@ -7481,7 +7371,7 @@
 </p:sld>
 </file>
 
-<file path=ppt/slides/slide17.xml><?xml version="1.0" encoding="utf-8"?>
+<file path=ppt/slides/slide16.xml><?xml version="1.0" encoding="utf-8"?>
 <p:sld xmlns:a="http://schemas.openxmlformats.org/drawingml/2006/main" xmlns:r="http://schemas.openxmlformats.org/officeDocument/2006/relationships" xmlns:p="http://schemas.openxmlformats.org/presentationml/2006/main">
   <p:cSld>
     <p:spTree>
@@ -7630,7 +7520,7 @@
 </p:sld>
 </file>
 
-<file path=ppt/slides/slide18.xml><?xml version="1.0" encoding="utf-8"?>
+<file path=ppt/slides/slide17.xml><?xml version="1.0" encoding="utf-8"?>
 <p:sld xmlns:a="http://schemas.openxmlformats.org/drawingml/2006/main" xmlns:r="http://schemas.openxmlformats.org/officeDocument/2006/relationships" xmlns:p="http://schemas.openxmlformats.org/presentationml/2006/main">
   <p:cSld>
     <p:spTree>
@@ -7797,7 +7687,7 @@
 </p:sld>
 </file>
 
-<file path=ppt/slides/slide19.xml><?xml version="1.0" encoding="utf-8"?>
+<file path=ppt/slides/slide18.xml><?xml version="1.0" encoding="utf-8"?>
 <p:sld xmlns:a="http://schemas.openxmlformats.org/drawingml/2006/main" xmlns:r="http://schemas.openxmlformats.org/officeDocument/2006/relationships" xmlns:p="http://schemas.openxmlformats.org/presentationml/2006/main">
   <p:cSld>
     <p:spTree>
@@ -7966,6 +7856,89 @@
 </p:sld>
 </file>
 
+<file path=ppt/slides/slide19.xml><?xml version="1.0" encoding="utf-8"?>
+<p:sld xmlns:a="http://schemas.openxmlformats.org/drawingml/2006/main" xmlns:r="http://schemas.openxmlformats.org/officeDocument/2006/relationships" xmlns:p="http://schemas.openxmlformats.org/presentationml/2006/main">
+  <p:cSld>
+    <p:spTree>
+      <p:nvGrpSpPr>
+        <p:cNvPr id="1" name=""/>
+        <p:cNvGrpSpPr/>
+        <p:nvPr/>
+      </p:nvGrpSpPr>
+      <p:grpSpPr>
+        <a:xfrm>
+          <a:off x="0" y="0"/>
+          <a:ext cx="0" cy="0"/>
+          <a:chOff x="0" y="0"/>
+          <a:chExt cx="0" cy="0"/>
+        </a:xfrm>
+      </p:grpSpPr>
+      <p:sp>
+        <p:nvSpPr>
+          <p:cNvPr id="2" name="タイトル 1">
+            <a:extLst>
+              <a:ext uri="{FF2B5EF4-FFF2-40B4-BE49-F238E27FC236}">
+                <a16:creationId xmlns:a16="http://schemas.microsoft.com/office/drawing/2014/main" id="{BAE3C59E-8D4C-4FFF-8230-266B26C02D21}"/>
+              </a:ext>
+            </a:extLst>
+          </p:cNvPr>
+          <p:cNvSpPr>
+            <a:spLocks noGrp="1"/>
+          </p:cNvSpPr>
+          <p:nvPr>
+            <p:ph type="title"/>
+          </p:nvPr>
+        </p:nvSpPr>
+        <p:spPr/>
+        <p:txBody>
+          <a:bodyPr/>
+          <a:lstStyle/>
+          <a:p>
+            <a:r>
+              <a:rPr kumimoji="1" lang="ja-JP" altLang="en-US" dirty="0"/>
+              <a:t>マイグレーション</a:t>
+            </a:r>
+          </a:p>
+        </p:txBody>
+      </p:sp>
+      <p:sp>
+        <p:nvSpPr>
+          <p:cNvPr id="3" name="コンテンツ プレースホルダー 2">
+            <a:extLst>
+              <a:ext uri="{FF2B5EF4-FFF2-40B4-BE49-F238E27FC236}">
+                <a16:creationId xmlns:a16="http://schemas.microsoft.com/office/drawing/2014/main" id="{085C08DD-0913-40F1-9371-8262A332B14A}"/>
+              </a:ext>
+            </a:extLst>
+          </p:cNvPr>
+          <p:cNvSpPr>
+            <a:spLocks noGrp="1"/>
+          </p:cNvSpPr>
+          <p:nvPr>
+            <p:ph idx="1"/>
+          </p:nvPr>
+        </p:nvSpPr>
+        <p:spPr/>
+        <p:txBody>
+          <a:bodyPr/>
+          <a:lstStyle/>
+          <a:p>
+            <a:endParaRPr kumimoji="1" lang="ja-JP" altLang="en-US" dirty="0"/>
+          </a:p>
+        </p:txBody>
+      </p:sp>
+    </p:spTree>
+    <p:extLst>
+      <p:ext uri="{BB962C8B-B14F-4D97-AF65-F5344CB8AC3E}">
+        <p14:creationId xmlns:p14="http://schemas.microsoft.com/office/powerpoint/2010/main" val="2218197693"/>
+      </p:ext>
+    </p:extLst>
+  </p:cSld>
+  <p:clrMapOvr>
+    <a:masterClrMapping/>
+  </p:clrMapOvr>
+</p:sld>
+</file>
+
 <file path=ppt/slides/slide2.xml><?xml version="1.0" encoding="utf-8"?>
 <p:sld xmlns:a="http://schemas.openxmlformats.org/drawingml/2006/main" xmlns:r="http://schemas.openxmlformats.org/officeDocument/2006/relationships" xmlns:p="http://schemas.openxmlformats.org/presentationml/2006/main">
   <p:cSld>
@@ -8190,89 +8163,6 @@
       </p:grpSpPr>
       <p:sp>
         <p:nvSpPr>
-          <p:cNvPr id="2" name="タイトル 1">
-            <a:extLst>
-              <a:ext uri="{FF2B5EF4-FFF2-40B4-BE49-F238E27FC236}">
-                <a16:creationId xmlns:a16="http://schemas.microsoft.com/office/drawing/2014/main" id="{BAE3C59E-8D4C-4FFF-8230-266B26C02D21}"/>
-              </a:ext>
-            </a:extLst>
-          </p:cNvPr>
-          <p:cNvSpPr>
-            <a:spLocks noGrp="1"/>
-          </p:cNvSpPr>
-          <p:nvPr>
-            <p:ph type="title"/>
-          </p:nvPr>
-        </p:nvSpPr>
-        <p:spPr/>
-        <p:txBody>
-          <a:bodyPr/>
-          <a:lstStyle/>
-          <a:p>
-            <a:r>
-              <a:rPr kumimoji="1" lang="ja-JP" altLang="en-US" dirty="0"/>
-              <a:t>マイグレーション</a:t>
-            </a:r>
-          </a:p>
-        </p:txBody>
-      </p:sp>
-      <p:sp>
-        <p:nvSpPr>
-          <p:cNvPr id="3" name="コンテンツ プレースホルダー 2">
-            <a:extLst>
-              <a:ext uri="{FF2B5EF4-FFF2-40B4-BE49-F238E27FC236}">
-                <a16:creationId xmlns:a16="http://schemas.microsoft.com/office/drawing/2014/main" id="{085C08DD-0913-40F1-9371-8262A332B14A}"/>
-              </a:ext>
-            </a:extLst>
-          </p:cNvPr>
-          <p:cNvSpPr>
-            <a:spLocks noGrp="1"/>
-          </p:cNvSpPr>
-          <p:nvPr>
-            <p:ph idx="1"/>
-          </p:nvPr>
-        </p:nvSpPr>
-        <p:spPr/>
-        <p:txBody>
-          <a:bodyPr/>
-          <a:lstStyle/>
-          <a:p>
-            <a:endParaRPr kumimoji="1" lang="ja-JP" altLang="en-US" dirty="0"/>
-          </a:p>
-        </p:txBody>
-      </p:sp>
-    </p:spTree>
-    <p:extLst>
-      <p:ext uri="{BB962C8B-B14F-4D97-AF65-F5344CB8AC3E}">
-        <p14:creationId xmlns:p14="http://schemas.microsoft.com/office/powerpoint/2010/main" val="2218197693"/>
-      </p:ext>
-    </p:extLst>
-  </p:cSld>
-  <p:clrMapOvr>
-    <a:masterClrMapping/>
-  </p:clrMapOvr>
-</p:sld>
-</file>
-
-<file path=ppt/slides/slide21.xml><?xml version="1.0" encoding="utf-8"?>
-<p:sld xmlns:a="http://schemas.openxmlformats.org/drawingml/2006/main" xmlns:r="http://schemas.openxmlformats.org/officeDocument/2006/relationships" xmlns:p="http://schemas.openxmlformats.org/presentationml/2006/main">
-  <p:cSld>
-    <p:spTree>
-      <p:nvGrpSpPr>
-        <p:cNvPr id="1" name=""/>
-        <p:cNvGrpSpPr/>
-        <p:nvPr/>
-      </p:nvGrpSpPr>
-      <p:grpSpPr>
-        <a:xfrm>
-          <a:off x="0" y="0"/>
-          <a:ext cx="0" cy="0"/>
-          <a:chOff x="0" y="0"/>
-          <a:chExt cx="0" cy="0"/>
-        </a:xfrm>
-      </p:grpSpPr>
-      <p:sp>
-        <p:nvSpPr>
           <p:cNvPr id="7" name="タイトル 6">
             <a:extLst>
               <a:ext uri="{FF2B5EF4-FFF2-40B4-BE49-F238E27FC236}">
@@ -8517,7 +8407,7 @@
 </p:sld>
 </file>
 
-<file path=ppt/slides/slide22.xml><?xml version="1.0" encoding="utf-8"?>
+<file path=ppt/slides/slide21.xml><?xml version="1.0" encoding="utf-8"?>
 <p:sld xmlns:a="http://schemas.openxmlformats.org/drawingml/2006/main" xmlns:r="http://schemas.openxmlformats.org/officeDocument/2006/relationships" xmlns:p="http://schemas.openxmlformats.org/presentationml/2006/main">
   <p:cSld>
     <p:spTree>
@@ -9277,7 +9167,7 @@
 </p:sld>
 </file>
 
-<file path=ppt/slides/slide23.xml><?xml version="1.0" encoding="utf-8"?>
+<file path=ppt/slides/slide22.xml><?xml version="1.0" encoding="utf-8"?>
 <p:sld xmlns:a="http://schemas.openxmlformats.org/drawingml/2006/main" xmlns:r="http://schemas.openxmlformats.org/officeDocument/2006/relationships" xmlns:p="http://schemas.openxmlformats.org/presentationml/2006/main">
   <p:cSld>
     <p:spTree>
@@ -9682,7 +9572,7 @@
 </p:sld>
 </file>
 
-<file path=ppt/slides/slide24.xml><?xml version="1.0" encoding="utf-8"?>
+<file path=ppt/slides/slide23.xml><?xml version="1.0" encoding="utf-8"?>
 <p:sld xmlns:a="http://schemas.openxmlformats.org/drawingml/2006/main" xmlns:r="http://schemas.openxmlformats.org/officeDocument/2006/relationships" xmlns:p="http://schemas.openxmlformats.org/presentationml/2006/main">
   <p:cSld>
     <p:spTree>
@@ -9832,7 +9722,7 @@
 </p:sld>
 </file>
 
-<file path=ppt/slides/slide25.xml><?xml version="1.0" encoding="utf-8"?>
+<file path=ppt/slides/slide24.xml><?xml version="1.0" encoding="utf-8"?>
 <p:sld xmlns:a="http://schemas.openxmlformats.org/drawingml/2006/main" xmlns:r="http://schemas.openxmlformats.org/officeDocument/2006/relationships" xmlns:p="http://schemas.openxmlformats.org/presentationml/2006/main">
   <p:cSld>
     <p:spTree>
@@ -9990,7 +9880,7 @@
 </p:sld>
 </file>
 
-<file path=ppt/slides/slide26.xml><?xml version="1.0" encoding="utf-8"?>
+<file path=ppt/slides/slide25.xml><?xml version="1.0" encoding="utf-8"?>
 <p:sld xmlns:a="http://schemas.openxmlformats.org/drawingml/2006/main" xmlns:r="http://schemas.openxmlformats.org/officeDocument/2006/relationships" xmlns:p="http://schemas.openxmlformats.org/presentationml/2006/main">
   <p:cSld>
     <p:spTree>
@@ -10145,7 +10035,7 @@
 </p:sld>
 </file>
 
-<file path=ppt/slides/slide27.xml><?xml version="1.0" encoding="utf-8"?>
+<file path=ppt/slides/slide26.xml><?xml version="1.0" encoding="utf-8"?>
 <p:sld xmlns:a="http://schemas.openxmlformats.org/drawingml/2006/main" xmlns:r="http://schemas.openxmlformats.org/officeDocument/2006/relationships" xmlns:p="http://schemas.openxmlformats.org/presentationml/2006/main">
   <p:cSld>
     <p:spTree>
@@ -10318,7 +10208,7 @@
 </p:sld>
 </file>
 
-<file path=ppt/slides/slide28.xml><?xml version="1.0" encoding="utf-8"?>
+<file path=ppt/slides/slide27.xml><?xml version="1.0" encoding="utf-8"?>
 <p:sld xmlns:a="http://schemas.openxmlformats.org/drawingml/2006/main" xmlns:r="http://schemas.openxmlformats.org/officeDocument/2006/relationships" xmlns:p="http://schemas.openxmlformats.org/presentationml/2006/main">
   <p:cSld>
     <p:spTree>
@@ -10516,7 +10406,7 @@
 </p:sld>
 </file>
 
-<file path=ppt/slides/slide29.xml><?xml version="1.0" encoding="utf-8"?>
+<file path=ppt/slides/slide28.xml><?xml version="1.0" encoding="utf-8"?>
 <p:sld xmlns:a="http://schemas.openxmlformats.org/drawingml/2006/main" xmlns:r="http://schemas.openxmlformats.org/officeDocument/2006/relationships" xmlns:p="http://schemas.openxmlformats.org/presentationml/2006/main">
   <p:cSld>
     <p:spTree>
@@ -10721,6 +10611,174 @@
 </p:sld>
 </file>
 
+<file path=ppt/slides/slide29.xml><?xml version="1.0" encoding="utf-8"?>
+<p:sld xmlns:a="http://schemas.openxmlformats.org/drawingml/2006/main" xmlns:r="http://schemas.openxmlformats.org/officeDocument/2006/relationships" xmlns:p="http://schemas.openxmlformats.org/presentationml/2006/main">
+  <p:cSld>
+    <p:spTree>
+      <p:nvGrpSpPr>
+        <p:cNvPr id="1" name=""/>
+        <p:cNvGrpSpPr/>
+        <p:nvPr/>
+      </p:nvGrpSpPr>
+      <p:grpSpPr>
+        <a:xfrm>
+          <a:off x="0" y="0"/>
+          <a:ext cx="0" cy="0"/>
+          <a:chOff x="0" y="0"/>
+          <a:chExt cx="0" cy="0"/>
+        </a:xfrm>
+      </p:grpSpPr>
+      <p:sp>
+        <p:nvSpPr>
+          <p:cNvPr id="2" name="タイトル 1">
+            <a:extLst>
+              <a:ext uri="{FF2B5EF4-FFF2-40B4-BE49-F238E27FC236}">
+                <a16:creationId xmlns:a16="http://schemas.microsoft.com/office/drawing/2014/main" id="{8F7C95E6-B748-4A83-B05E-862BE65226A7}"/>
+              </a:ext>
+            </a:extLst>
+          </p:cNvPr>
+          <p:cNvSpPr>
+            <a:spLocks noGrp="1"/>
+          </p:cNvSpPr>
+          <p:nvPr>
+            <p:ph type="title"/>
+          </p:nvPr>
+        </p:nvSpPr>
+        <p:spPr/>
+        <p:txBody>
+          <a:bodyPr/>
+          <a:lstStyle/>
+          <a:p>
+            <a:r>
+              <a:rPr lang="ja-JP" altLang="en-US" dirty="0"/>
+              <a:t>コンテナ性能評価（</a:t>
+            </a:r>
+            <a:r>
+              <a:rPr lang="en-US" altLang="ja-JP" dirty="0"/>
+              <a:t>3</a:t>
+            </a:r>
+            <a:r>
+              <a:rPr lang="ja-JP" altLang="en-US" dirty="0"/>
+              <a:t>）</a:t>
+            </a:r>
+            <a:endParaRPr kumimoji="1" lang="ja-JP" altLang="en-US" dirty="0"/>
+          </a:p>
+        </p:txBody>
+      </p:sp>
+      <p:sp>
+        <p:nvSpPr>
+          <p:cNvPr id="3" name="コンテンツ プレースホルダー 2">
+            <a:extLst>
+              <a:ext uri="{FF2B5EF4-FFF2-40B4-BE49-F238E27FC236}">
+                <a16:creationId xmlns:a16="http://schemas.microsoft.com/office/drawing/2014/main" id="{89449CDD-37CA-4159-95CA-F42CE6F93AE9}"/>
+              </a:ext>
+            </a:extLst>
+          </p:cNvPr>
+          <p:cNvSpPr>
+            <a:spLocks noGrp="1"/>
+          </p:cNvSpPr>
+          <p:nvPr>
+            <p:ph idx="1"/>
+          </p:nvPr>
+        </p:nvSpPr>
+        <p:spPr/>
+        <p:txBody>
+          <a:bodyPr/>
+          <a:lstStyle/>
+          <a:p>
+            <a:r>
+              <a:rPr kumimoji="1" lang="en-US" altLang="ja-JP" dirty="0" err="1"/>
+              <a:t>fio</a:t>
+            </a:r>
+            <a:r>
+              <a:rPr kumimoji="1" lang="ja-JP" altLang="en-US" dirty="0"/>
+              <a:t>によるディスクアクセスのスループット測定</a:t>
+            </a:r>
+            <a:endParaRPr kumimoji="1" lang="en-US" altLang="ja-JP" dirty="0"/>
+          </a:p>
+          <a:p>
+            <a:pPr>
+              <a:buFont typeface="Wingdings" panose="05000000000000000000" pitchFamily="2" charset="2"/>
+              <a:buChar char="l"/>
+            </a:pPr>
+            <a:r>
+              <a:rPr lang="ja-JP" altLang="en-US" dirty="0"/>
+              <a:t>ストレージバックエンドがディレクトリでは</a:t>
+            </a:r>
+            <a:r>
+              <a:rPr lang="en-US" altLang="ja-JP" dirty="0"/>
+              <a:t>28%</a:t>
+            </a:r>
+            <a:r>
+              <a:rPr lang="ja-JP" altLang="en-US" dirty="0"/>
+              <a:t>性能低下</a:t>
+            </a:r>
+            <a:endParaRPr lang="en-US" altLang="ja-JP" dirty="0"/>
+          </a:p>
+          <a:p>
+            <a:pPr>
+              <a:buFont typeface="Wingdings" panose="05000000000000000000" pitchFamily="2" charset="2"/>
+              <a:buChar char="l"/>
+            </a:pPr>
+            <a:r>
+              <a:rPr kumimoji="1" lang="en-US" altLang="ja-JP" dirty="0"/>
+              <a:t>ZFS</a:t>
+            </a:r>
+            <a:r>
+              <a:rPr kumimoji="1" lang="ja-JP" altLang="en-US" dirty="0"/>
+              <a:t>の場合では，エラーのため測定不能</a:t>
+            </a:r>
+          </a:p>
+        </p:txBody>
+      </p:sp>
+      <p:pic>
+        <p:nvPicPr>
+          <p:cNvPr id="5" name="図 4">
+            <a:extLst>
+              <a:ext uri="{FF2B5EF4-FFF2-40B4-BE49-F238E27FC236}">
+                <a16:creationId xmlns:a16="http://schemas.microsoft.com/office/drawing/2014/main" id="{883BD888-3EEB-4491-8BD1-AC22CE6FF1C0}"/>
+              </a:ext>
+            </a:extLst>
+          </p:cNvPr>
+          <p:cNvPicPr>
+            <a:picLocks noChangeAspect="1"/>
+          </p:cNvPicPr>
+          <p:nvPr/>
+        </p:nvPicPr>
+        <p:blipFill rotWithShape="1">
+          <a:blip r:embed="rId2">
+            <a:extLst>
+              <a:ext uri="{28A0092B-C50C-407E-A947-70E740481C1C}">
+                <a14:useLocalDpi xmlns:a14="http://schemas.microsoft.com/office/drawing/2010/main" val="0"/>
+              </a:ext>
+            </a:extLst>
+          </a:blip>
+          <a:srcRect t="5999" b="3914"/>
+          <a:stretch/>
+        </p:blipFill>
+        <p:spPr>
+          <a:xfrm>
+            <a:off x="1829302" y="3096178"/>
+            <a:ext cx="5485396" cy="3380822"/>
+          </a:xfrm>
+          <a:prstGeom prst="rect">
+            <a:avLst/>
+          </a:prstGeom>
+        </p:spPr>
+      </p:pic>
+    </p:spTree>
+    <p:extLst>
+      <p:ext uri="{BB962C8B-B14F-4D97-AF65-F5344CB8AC3E}">
+        <p14:creationId xmlns:p14="http://schemas.microsoft.com/office/powerpoint/2010/main" val="1310561433"/>
+      </p:ext>
+    </p:extLst>
+  </p:cSld>
+  <p:clrMapOvr>
+    <a:masterClrMapping/>
+  </p:clrMapOvr>
+</p:sld>
+</file>
+
 <file path=ppt/slides/slide3.xml><?xml version="1.0" encoding="utf-8"?>
 <p:sld xmlns:a="http://schemas.openxmlformats.org/drawingml/2006/main" xmlns:r="http://schemas.openxmlformats.org/officeDocument/2006/relationships" xmlns:p="http://schemas.openxmlformats.org/presentationml/2006/main">
   <p:cSld>
@@ -10908,7 +10966,7 @@
           <p:cNvPr id="2" name="タイトル 1">
             <a:extLst>
               <a:ext uri="{FF2B5EF4-FFF2-40B4-BE49-F238E27FC236}">
-                <a16:creationId xmlns:a16="http://schemas.microsoft.com/office/drawing/2014/main" id="{8F7C95E6-B748-4A83-B05E-862BE65226A7}"/>
+                <a16:creationId xmlns:a16="http://schemas.microsoft.com/office/drawing/2014/main" id="{DE79394E-7F91-47BC-8212-A7551844C720}"/>
               </a:ext>
             </a:extLst>
           </p:cNvPr>
@@ -10930,7 +10988,7 @@
             </a:r>
             <a:r>
               <a:rPr lang="en-US" altLang="ja-JP" dirty="0"/>
-              <a:t>3</a:t>
+              <a:t>4</a:t>
             </a:r>
             <a:r>
               <a:rPr lang="ja-JP" altLang="en-US" dirty="0"/>
@@ -10945,7 +11003,7 @@
           <p:cNvPr id="3" name="コンテンツ プレースホルダー 2">
             <a:extLst>
               <a:ext uri="{FF2B5EF4-FFF2-40B4-BE49-F238E27FC236}">
-                <a16:creationId xmlns:a16="http://schemas.microsoft.com/office/drawing/2014/main" id="{89449CDD-37CA-4159-95CA-F42CE6F93AE9}"/>
+                <a16:creationId xmlns:a16="http://schemas.microsoft.com/office/drawing/2014/main" id="{CB7C504E-E3FE-4419-A253-7DF9F77AB438}"/>
               </a:ext>
             </a:extLst>
           </p:cNvPr>
@@ -10962,12 +11020,20 @@
           <a:lstStyle/>
           <a:p>
             <a:r>
-              <a:rPr kumimoji="1" lang="en-US" altLang="ja-JP" dirty="0" err="1"/>
-              <a:t>fio</a:t>
+              <a:rPr kumimoji="1" lang="en-US" altLang="ja-JP" dirty="0"/>
+              <a:t>Iperf3</a:t>
             </a:r>
             <a:r>
               <a:rPr kumimoji="1" lang="ja-JP" altLang="en-US" dirty="0"/>
-              <a:t>によるディスクアクセスのスループット測定</a:t>
+              <a:t>による</a:t>
+            </a:r>
+            <a:r>
+              <a:rPr kumimoji="1" lang="en-US" altLang="ja-JP" dirty="0"/>
+              <a:t>TCP</a:t>
+            </a:r>
+            <a:r>
+              <a:rPr kumimoji="1" lang="ja-JP" altLang="en-US" dirty="0"/>
+              <a:t>スループットの測定</a:t>
             </a:r>
             <a:endParaRPr kumimoji="1" lang="en-US" altLang="ja-JP" dirty="0"/>
           </a:p>
@@ -10977,32 +11043,14 @@
               <a:buChar char="l"/>
             </a:pPr>
             <a:r>
+              <a:rPr lang="en-US" altLang="ja-JP" dirty="0"/>
+              <a:t>VM</a:t>
+            </a:r>
+            <a:r>
               <a:rPr lang="ja-JP" altLang="en-US" dirty="0"/>
-              <a:t>ストレージバックエンドがディレクトリでは</a:t>
-            </a:r>
-            <a:r>
-              <a:rPr lang="en-US" altLang="ja-JP" dirty="0"/>
-              <a:t>28%</a:t>
-            </a:r>
-            <a:r>
-              <a:rPr lang="ja-JP" altLang="en-US" dirty="0"/>
-              <a:t>性能低下</a:t>
-            </a:r>
-            <a:endParaRPr lang="en-US" altLang="ja-JP" dirty="0"/>
-          </a:p>
-          <a:p>
-            <a:pPr>
-              <a:buFont typeface="Wingdings" panose="05000000000000000000" pitchFamily="2" charset="2"/>
-              <a:buChar char="l"/>
-            </a:pPr>
-            <a:r>
-              <a:rPr kumimoji="1" lang="en-US" altLang="ja-JP" dirty="0"/>
-              <a:t>ZFS</a:t>
-            </a:r>
-            <a:r>
-              <a:rPr kumimoji="1" lang="ja-JP" altLang="en-US" dirty="0"/>
-              <a:t>の場合では，エラーのため測定不能</a:t>
-            </a:r>
+              <a:t>内コンテナ利用による性能低下は確認できず</a:t>
+            </a:r>
+            <a:endParaRPr kumimoji="1" lang="ja-JP" altLang="en-US" dirty="0"/>
           </a:p>
         </p:txBody>
       </p:sp>
@@ -11011,7 +11059,7 @@
           <p:cNvPr id="5" name="図 4">
             <a:extLst>
               <a:ext uri="{FF2B5EF4-FFF2-40B4-BE49-F238E27FC236}">
-                <a16:creationId xmlns:a16="http://schemas.microsoft.com/office/drawing/2014/main" id="{883BD888-3EEB-4491-8BD1-AC22CE6FF1C0}"/>
+                <a16:creationId xmlns:a16="http://schemas.microsoft.com/office/drawing/2014/main" id="{85BADC42-4087-4B53-8E5F-F4AED7F0407B}"/>
               </a:ext>
             </a:extLst>
           </p:cNvPr>
@@ -11028,13 +11076,13 @@
               </a:ext>
             </a:extLst>
           </a:blip>
-          <a:srcRect t="5999"/>
+          <a:srcRect t="7823" b="2906"/>
           <a:stretch/>
         </p:blipFill>
         <p:spPr>
           <a:xfrm>
-            <a:off x="1829302" y="3096178"/>
-            <a:ext cx="5485396" cy="3527712"/>
+            <a:off x="1237306" y="2634396"/>
+            <a:ext cx="6669387" cy="3664804"/>
           </a:xfrm>
           <a:prstGeom prst="rect">
             <a:avLst/>
@@ -11044,7 +11092,284 @@
     </p:spTree>
     <p:extLst>
       <p:ext uri="{BB962C8B-B14F-4D97-AF65-F5344CB8AC3E}">
-        <p14:creationId xmlns:p14="http://schemas.microsoft.com/office/powerpoint/2010/main" val="1310561433"/>
+        <p14:creationId xmlns:p14="http://schemas.microsoft.com/office/powerpoint/2010/main" val="3218518026"/>
+      </p:ext>
+    </p:extLst>
+  </p:cSld>
+  <p:clrMapOvr>
+    <a:masterClrMapping/>
+  </p:clrMapOvr>
+</p:sld>
+</file>
+
+<file path=ppt/slides/slide31.xml><?xml version="1.0" encoding="utf-8"?>
+<p:sld xmlns:a="http://schemas.openxmlformats.org/drawingml/2006/main" xmlns:r="http://schemas.openxmlformats.org/officeDocument/2006/relationships" xmlns:p="http://schemas.openxmlformats.org/presentationml/2006/main">
+  <p:cSld>
+    <p:spTree>
+      <p:nvGrpSpPr>
+        <p:cNvPr id="1" name=""/>
+        <p:cNvGrpSpPr/>
+        <p:nvPr/>
+      </p:nvGrpSpPr>
+      <p:grpSpPr>
+        <a:xfrm>
+          <a:off x="0" y="0"/>
+          <a:ext cx="0" cy="0"/>
+          <a:chOff x="0" y="0"/>
+          <a:chExt cx="0" cy="0"/>
+        </a:xfrm>
+      </p:grpSpPr>
+      <p:sp>
+        <p:nvSpPr>
+          <p:cNvPr id="2" name="タイトル 1">
+            <a:extLst>
+              <a:ext uri="{FF2B5EF4-FFF2-40B4-BE49-F238E27FC236}">
+                <a16:creationId xmlns:a16="http://schemas.microsoft.com/office/drawing/2014/main" id="{F005CF57-C002-4A92-B7C6-CD0818E3DF30}"/>
+              </a:ext>
+            </a:extLst>
+          </p:cNvPr>
+          <p:cNvSpPr>
+            <a:spLocks noGrp="1"/>
+          </p:cNvSpPr>
+          <p:nvPr>
+            <p:ph type="title"/>
+          </p:nvPr>
+        </p:nvSpPr>
+        <p:spPr/>
+        <p:txBody>
+          <a:bodyPr/>
+          <a:lstStyle/>
+          <a:p>
+            <a:r>
+              <a:rPr kumimoji="1" lang="ja-JP" altLang="en-US" dirty="0"/>
+              <a:t>まとめ</a:t>
+            </a:r>
+          </a:p>
+        </p:txBody>
+      </p:sp>
+      <p:sp>
+        <p:nvSpPr>
+          <p:cNvPr id="3" name="コンテンツ プレースホルダー 2">
+            <a:extLst>
+              <a:ext uri="{FF2B5EF4-FFF2-40B4-BE49-F238E27FC236}">
+                <a16:creationId xmlns:a16="http://schemas.microsoft.com/office/drawing/2014/main" id="{938F7423-73BE-4A3E-9C58-8B36E6018190}"/>
+              </a:ext>
+            </a:extLst>
+          </p:cNvPr>
+          <p:cNvSpPr>
+            <a:spLocks noGrp="1"/>
+          </p:cNvSpPr>
+          <p:nvPr>
+            <p:ph idx="1"/>
+          </p:nvPr>
+        </p:nvSpPr>
+        <p:spPr/>
+        <p:txBody>
+          <a:bodyPr/>
+          <a:lstStyle/>
+          <a:p>
+            <a:pPr>
+              <a:buFont typeface="Wingdings" panose="05000000000000000000" pitchFamily="2" charset="2"/>
+              <a:buChar char="l"/>
+            </a:pPr>
+            <a:r>
+              <a:rPr kumimoji="1" lang="ja-JP" altLang="en-US" dirty="0"/>
+              <a:t>提案手法</a:t>
+            </a:r>
+            <a:r>
+              <a:rPr kumimoji="1" lang="en-US" altLang="ja-JP" dirty="0"/>
+              <a:t>(</a:t>
+            </a:r>
+            <a:r>
+              <a:rPr kumimoji="1" lang="en-US" altLang="ja-JP" dirty="0" err="1"/>
+              <a:t>VCRecovery</a:t>
+            </a:r>
+            <a:r>
+              <a:rPr kumimoji="1" lang="en-US" altLang="ja-JP" dirty="0"/>
+              <a:t>)</a:t>
+            </a:r>
+            <a:r>
+              <a:rPr kumimoji="1" lang="ja-JP" altLang="en-US" dirty="0"/>
+              <a:t>により低コスト，高速な障害復旧が可能</a:t>
+            </a:r>
+            <a:endParaRPr kumimoji="1" lang="en-US" altLang="ja-JP" dirty="0"/>
+          </a:p>
+          <a:p>
+            <a:pPr>
+              <a:buFont typeface="Wingdings" panose="05000000000000000000" pitchFamily="2" charset="2"/>
+              <a:buChar char="l"/>
+            </a:pPr>
+            <a:r>
+              <a:rPr lang="en-US" altLang="ja-JP" dirty="0"/>
+              <a:t>Zabbix</a:t>
+            </a:r>
+            <a:r>
+              <a:rPr lang="ja-JP" altLang="en-US" dirty="0"/>
+              <a:t>や</a:t>
+            </a:r>
+            <a:r>
+              <a:rPr lang="en-US" altLang="ja-JP" dirty="0"/>
+              <a:t>LXD</a:t>
+            </a:r>
+            <a:r>
+              <a:rPr lang="ja-JP" altLang="en-US" dirty="0"/>
+              <a:t>により自動で障害検知，復旧を行うことが可能</a:t>
+            </a:r>
+            <a:endParaRPr lang="en-US" altLang="ja-JP" dirty="0"/>
+          </a:p>
+          <a:p>
+            <a:pPr>
+              <a:buFont typeface="Wingdings" panose="05000000000000000000" pitchFamily="2" charset="2"/>
+              <a:buChar char="l"/>
+            </a:pPr>
+            <a:endParaRPr kumimoji="1" lang="en-US" altLang="ja-JP" dirty="0"/>
+          </a:p>
+          <a:p>
+            <a:pPr>
+              <a:buFont typeface="Wingdings" panose="05000000000000000000" pitchFamily="2" charset="2"/>
+              <a:buChar char="l"/>
+            </a:pPr>
+            <a:r>
+              <a:rPr lang="ja-JP" altLang="en-US" dirty="0"/>
+              <a:t>今後の課題</a:t>
+            </a:r>
+            <a:endParaRPr lang="en-US" altLang="ja-JP" dirty="0"/>
+          </a:p>
+          <a:p>
+            <a:pPr lvl="1">
+              <a:buFont typeface="Wingdings" panose="05000000000000000000" pitchFamily="2" charset="2"/>
+              <a:buChar char="l"/>
+            </a:pPr>
+            <a:r>
+              <a:rPr kumimoji="1" lang="ja-JP" altLang="en-US" dirty="0"/>
+              <a:t>運用系</a:t>
+            </a:r>
+            <a:r>
+              <a:rPr kumimoji="1" lang="en-US" altLang="ja-JP" dirty="0"/>
+              <a:t>VM</a:t>
+            </a:r>
+            <a:r>
+              <a:rPr kumimoji="1" lang="ja-JP" altLang="en-US" dirty="0"/>
+              <a:t>と待機系</a:t>
+            </a:r>
+            <a:r>
+              <a:rPr kumimoji="1" lang="en-US" altLang="ja-JP" dirty="0"/>
+              <a:t>VM</a:t>
+            </a:r>
+            <a:r>
+              <a:rPr kumimoji="1" lang="ja-JP" altLang="en-US" dirty="0"/>
+              <a:t>内コンテナの間で</a:t>
+            </a:r>
+            <a:r>
+              <a:rPr kumimoji="1" lang="en-US" altLang="ja-JP" dirty="0"/>
+              <a:t>VM</a:t>
+            </a:r>
+            <a:r>
+              <a:rPr kumimoji="1" lang="ja-JP" altLang="en-US" dirty="0"/>
+              <a:t>状態の同期をどのようにとるか検討</a:t>
+            </a:r>
+            <a:endParaRPr kumimoji="1" lang="en-US" altLang="ja-JP" dirty="0"/>
+          </a:p>
+          <a:p>
+            <a:pPr lvl="1">
+              <a:buFont typeface="Wingdings" panose="05000000000000000000" pitchFamily="2" charset="2"/>
+              <a:buChar char="l"/>
+            </a:pPr>
+            <a:r>
+              <a:rPr lang="ja-JP" altLang="en-US" dirty="0"/>
+              <a:t>障害規模に応じた障害対策の実現</a:t>
+            </a:r>
+            <a:endParaRPr kumimoji="1" lang="ja-JP" altLang="en-US" dirty="0"/>
+          </a:p>
+        </p:txBody>
+      </p:sp>
+    </p:spTree>
+    <p:extLst>
+      <p:ext uri="{BB962C8B-B14F-4D97-AF65-F5344CB8AC3E}">
+        <p14:creationId xmlns:p14="http://schemas.microsoft.com/office/powerpoint/2010/main" val="2731036769"/>
+      </p:ext>
+    </p:extLst>
+  </p:cSld>
+  <p:clrMapOvr>
+    <a:masterClrMapping/>
+  </p:clrMapOvr>
+</p:sld>
+</file>
+
+<file path=ppt/slides/slide32.xml><?xml version="1.0" encoding="utf-8"?>
+<p:sld xmlns:a="http://schemas.openxmlformats.org/drawingml/2006/main" xmlns:r="http://schemas.openxmlformats.org/officeDocument/2006/relationships" xmlns:p="http://schemas.openxmlformats.org/presentationml/2006/main">
+  <p:cSld>
+    <p:spTree>
+      <p:nvGrpSpPr>
+        <p:cNvPr id="1" name=""/>
+        <p:cNvGrpSpPr/>
+        <p:nvPr/>
+      </p:nvGrpSpPr>
+      <p:grpSpPr>
+        <a:xfrm>
+          <a:off x="0" y="0"/>
+          <a:ext cx="0" cy="0"/>
+          <a:chOff x="0" y="0"/>
+          <a:chExt cx="0" cy="0"/>
+        </a:xfrm>
+      </p:grpSpPr>
+      <p:sp>
+        <p:nvSpPr>
+          <p:cNvPr id="2" name="タイトル 1">
+            <a:extLst>
+              <a:ext uri="{FF2B5EF4-FFF2-40B4-BE49-F238E27FC236}">
+                <a16:creationId xmlns:a16="http://schemas.microsoft.com/office/drawing/2014/main" id="{BC7FAB1B-214F-4A64-B51C-359E05439608}"/>
+              </a:ext>
+            </a:extLst>
+          </p:cNvPr>
+          <p:cNvSpPr>
+            <a:spLocks noGrp="1"/>
+          </p:cNvSpPr>
+          <p:nvPr>
+            <p:ph type="title"/>
+          </p:nvPr>
+        </p:nvSpPr>
+        <p:spPr/>
+        <p:txBody>
+          <a:bodyPr/>
+          <a:lstStyle/>
+          <a:p>
+            <a:r>
+              <a:rPr kumimoji="1" lang="ja-JP" altLang="en-US" dirty="0"/>
+              <a:t>不明点，疑問点</a:t>
+            </a:r>
+          </a:p>
+        </p:txBody>
+      </p:sp>
+      <p:sp>
+        <p:nvSpPr>
+          <p:cNvPr id="3" name="コンテンツ プレースホルダー 2">
+            <a:extLst>
+              <a:ext uri="{FF2B5EF4-FFF2-40B4-BE49-F238E27FC236}">
+                <a16:creationId xmlns:a16="http://schemas.microsoft.com/office/drawing/2014/main" id="{53CEC786-F177-4B1D-AA3D-5050ED87ABE3}"/>
+              </a:ext>
+            </a:extLst>
+          </p:cNvPr>
+          <p:cNvSpPr>
+            <a:spLocks noGrp="1"/>
+          </p:cNvSpPr>
+          <p:nvPr>
+            <p:ph idx="1"/>
+          </p:nvPr>
+        </p:nvSpPr>
+        <p:spPr/>
+        <p:txBody>
+          <a:bodyPr/>
+          <a:lstStyle/>
+          <a:p>
+            <a:endParaRPr kumimoji="1" lang="ja-JP" altLang="en-US"/>
+          </a:p>
+        </p:txBody>
+      </p:sp>
+    </p:spTree>
+    <p:extLst>
+      <p:ext uri="{BB962C8B-B14F-4D97-AF65-F5344CB8AC3E}">
+        <p14:creationId xmlns:p14="http://schemas.microsoft.com/office/powerpoint/2010/main" val="962646475"/>
       </p:ext>
     </p:extLst>
   </p:cSld>

--- a/輪講2019-1_鈴木洸太.pptx
+++ b/輪講2019-1_鈴木洸太.pptx
@@ -5,7 +5,7 @@
     <p:sldMasterId id="2147483819" r:id="rId1"/>
   </p:sldMasterIdLst>
   <p:notesMasterIdLst>
-    <p:notesMasterId r:id="rId34"/>
+    <p:notesMasterId r:id="rId35"/>
   </p:notesMasterIdLst>
   <p:sldIdLst>
     <p:sldId id="256" r:id="rId2"/>
@@ -21,25 +21,26 @@
     <p:sldId id="274" r:id="rId12"/>
     <p:sldId id="275" r:id="rId13"/>
     <p:sldId id="267" r:id="rId14"/>
-    <p:sldId id="268" r:id="rId15"/>
-    <p:sldId id="269" r:id="rId16"/>
-    <p:sldId id="271" r:id="rId17"/>
-    <p:sldId id="270" r:id="rId18"/>
-    <p:sldId id="272" r:id="rId19"/>
-    <p:sldId id="273" r:id="rId20"/>
-    <p:sldId id="277" r:id="rId21"/>
-    <p:sldId id="276" r:id="rId22"/>
-    <p:sldId id="280" r:id="rId23"/>
-    <p:sldId id="278" r:id="rId24"/>
-    <p:sldId id="279" r:id="rId25"/>
-    <p:sldId id="282" r:id="rId26"/>
-    <p:sldId id="283" r:id="rId27"/>
-    <p:sldId id="284" r:id="rId28"/>
-    <p:sldId id="285" r:id="rId29"/>
-    <p:sldId id="286" r:id="rId30"/>
-    <p:sldId id="287" r:id="rId31"/>
-    <p:sldId id="288" r:id="rId32"/>
-    <p:sldId id="289" r:id="rId33"/>
+    <p:sldId id="290" r:id="rId15"/>
+    <p:sldId id="268" r:id="rId16"/>
+    <p:sldId id="269" r:id="rId17"/>
+    <p:sldId id="271" r:id="rId18"/>
+    <p:sldId id="270" r:id="rId19"/>
+    <p:sldId id="272" r:id="rId20"/>
+    <p:sldId id="273" r:id="rId21"/>
+    <p:sldId id="277" r:id="rId22"/>
+    <p:sldId id="276" r:id="rId23"/>
+    <p:sldId id="280" r:id="rId24"/>
+    <p:sldId id="278" r:id="rId25"/>
+    <p:sldId id="279" r:id="rId26"/>
+    <p:sldId id="282" r:id="rId27"/>
+    <p:sldId id="283" r:id="rId28"/>
+    <p:sldId id="284" r:id="rId29"/>
+    <p:sldId id="285" r:id="rId30"/>
+    <p:sldId id="286" r:id="rId31"/>
+    <p:sldId id="287" r:id="rId32"/>
+    <p:sldId id="288" r:id="rId33"/>
+    <p:sldId id="289" r:id="rId34"/>
   </p:sldIdLst>
   <p:sldSz cx="9144000" cy="6858000" type="screen4x3"/>
   <p:notesSz cx="6858000" cy="9144000"/>
@@ -1729,7 +1730,7 @@
           <a:p>
             <a:fld id="{F078B2A7-EC9C-43E3-BD68-4451654AB58E}" type="datetimeFigureOut">
               <a:rPr kumimoji="1" lang="ja-JP" altLang="en-US" smtClean="0"/>
-              <a:t>2019/5/2</a:t>
+              <a:t>2019/5/3</a:t>
             </a:fld>
             <a:endParaRPr kumimoji="1" lang="ja-JP" altLang="en-US"/>
           </a:p>
@@ -2112,7 +2113,7 @@
           <a:p>
             <a:fld id="{35A96F5C-B295-42E4-9B3C-54734D533512}" type="slidenum">
               <a:rPr kumimoji="1" lang="ja-JP" altLang="en-US" smtClean="0"/>
-              <a:t>27</a:t>
+              <a:t>28</a:t>
             </a:fld>
             <a:endParaRPr kumimoji="1" lang="ja-JP" altLang="en-US"/>
           </a:p>
@@ -2357,7 +2358,7 @@
           <a:p>
             <a:fld id="{2F2A3BAA-AE56-4B39-BB85-0AC61BE7E721}" type="datetimeFigureOut">
               <a:rPr kumimoji="1" lang="ja-JP" altLang="en-US" smtClean="0"/>
-              <a:t>2019/5/2</a:t>
+              <a:t>2019/5/3</a:t>
             </a:fld>
             <a:endParaRPr kumimoji="1" lang="ja-JP" altLang="en-US"/>
           </a:p>
@@ -2597,7 +2598,7 @@
           <a:p>
             <a:fld id="{2F2A3BAA-AE56-4B39-BB85-0AC61BE7E721}" type="datetimeFigureOut">
               <a:rPr kumimoji="1" lang="ja-JP" altLang="en-US" smtClean="0"/>
-              <a:t>2019/5/2</a:t>
+              <a:t>2019/5/3</a:t>
             </a:fld>
             <a:endParaRPr kumimoji="1" lang="ja-JP" altLang="en-US"/>
           </a:p>
@@ -2885,7 +2886,7 @@
           <a:p>
             <a:fld id="{2F2A3BAA-AE56-4B39-BB85-0AC61BE7E721}" type="datetimeFigureOut">
               <a:rPr kumimoji="1" lang="ja-JP" altLang="en-US" smtClean="0"/>
-              <a:t>2019/5/2</a:t>
+              <a:t>2019/5/3</a:t>
             </a:fld>
             <a:endParaRPr kumimoji="1" lang="ja-JP" altLang="en-US"/>
           </a:p>
@@ -3111,7 +3112,7 @@
           <a:p>
             <a:fld id="{2F2A3BAA-AE56-4B39-BB85-0AC61BE7E721}" type="datetimeFigureOut">
               <a:rPr kumimoji="1" lang="ja-JP" altLang="en-US" smtClean="0"/>
-              <a:t>2019/5/2</a:t>
+              <a:t>2019/5/3</a:t>
             </a:fld>
             <a:endParaRPr kumimoji="1" lang="ja-JP" altLang="en-US"/>
           </a:p>
@@ -3454,7 +3455,7 @@
           <a:p>
             <a:fld id="{2F2A3BAA-AE56-4B39-BB85-0AC61BE7E721}" type="datetimeFigureOut">
               <a:rPr kumimoji="1" lang="ja-JP" altLang="en-US" smtClean="0"/>
-              <a:t>2019/5/2</a:t>
+              <a:t>2019/5/3</a:t>
             </a:fld>
             <a:endParaRPr kumimoji="1" lang="ja-JP" altLang="en-US"/>
           </a:p>
@@ -3793,7 +3794,7 @@
           <a:p>
             <a:fld id="{2F2A3BAA-AE56-4B39-BB85-0AC61BE7E721}" type="datetimeFigureOut">
               <a:rPr kumimoji="1" lang="ja-JP" altLang="en-US" smtClean="0"/>
-              <a:t>2019/5/2</a:t>
+              <a:t>2019/5/3</a:t>
             </a:fld>
             <a:endParaRPr kumimoji="1" lang="ja-JP" altLang="en-US"/>
           </a:p>
@@ -4236,7 +4237,7 @@
           <a:p>
             <a:fld id="{2F2A3BAA-AE56-4B39-BB85-0AC61BE7E721}" type="datetimeFigureOut">
               <a:rPr kumimoji="1" lang="ja-JP" altLang="en-US" smtClean="0"/>
-              <a:t>2019/5/2</a:t>
+              <a:t>2019/5/3</a:t>
             </a:fld>
             <a:endParaRPr kumimoji="1" lang="ja-JP" altLang="en-US"/>
           </a:p>
@@ -4354,7 +4355,7 @@
           <a:p>
             <a:fld id="{2F2A3BAA-AE56-4B39-BB85-0AC61BE7E721}" type="datetimeFigureOut">
               <a:rPr kumimoji="1" lang="ja-JP" altLang="en-US" smtClean="0"/>
-              <a:t>2019/5/2</a:t>
+              <a:t>2019/5/3</a:t>
             </a:fld>
             <a:endParaRPr kumimoji="1" lang="ja-JP" altLang="en-US"/>
           </a:p>
@@ -4525,7 +4526,7 @@
           <a:p>
             <a:fld id="{2F2A3BAA-AE56-4B39-BB85-0AC61BE7E721}" type="datetimeFigureOut">
               <a:rPr kumimoji="1" lang="ja-JP" altLang="en-US" smtClean="0"/>
-              <a:t>2019/5/2</a:t>
+              <a:t>2019/5/3</a:t>
             </a:fld>
             <a:endParaRPr kumimoji="1" lang="ja-JP" altLang="en-US"/>
           </a:p>
@@ -4911,7 +4912,7 @@
           <a:p>
             <a:fld id="{2F2A3BAA-AE56-4B39-BB85-0AC61BE7E721}" type="datetimeFigureOut">
               <a:rPr kumimoji="1" lang="ja-JP" altLang="en-US" smtClean="0"/>
-              <a:t>2019/5/2</a:t>
+              <a:t>2019/5/3</a:t>
             </a:fld>
             <a:endParaRPr kumimoji="1" lang="ja-JP" altLang="en-US"/>
           </a:p>
@@ -5288,7 +5289,7 @@
           <a:p>
             <a:fld id="{2F2A3BAA-AE56-4B39-BB85-0AC61BE7E721}" type="datetimeFigureOut">
               <a:rPr kumimoji="1" lang="ja-JP" altLang="en-US" smtClean="0"/>
-              <a:t>2019/5/2</a:t>
+              <a:t>2019/5/3</a:t>
             </a:fld>
             <a:endParaRPr kumimoji="1" lang="ja-JP" altLang="en-US"/>
           </a:p>
@@ -5607,7 +5608,7 @@
           <a:p>
             <a:fld id="{2F2A3BAA-AE56-4B39-BB85-0AC61BE7E721}" type="datetimeFigureOut">
               <a:rPr kumimoji="1" lang="ja-JP" altLang="en-US" smtClean="0"/>
-              <a:t>2019/5/2</a:t>
+              <a:t>2019/5/3</a:t>
             </a:fld>
             <a:endParaRPr kumimoji="1" lang="ja-JP" altLang="en-US"/>
           </a:p>
@@ -6273,10 +6274,10 @@
       </p:grpSpPr>
       <p:pic>
         <p:nvPicPr>
-          <p:cNvPr id="5" name="図 4">
+          <p:cNvPr id="6" name="図 5">
             <a:extLst>
               <a:ext uri="{FF2B5EF4-FFF2-40B4-BE49-F238E27FC236}">
-                <a16:creationId xmlns:a16="http://schemas.microsoft.com/office/drawing/2014/main" id="{A9C63D75-30A9-4A4F-ACF3-32A758ED2F05}"/>
+                <a16:creationId xmlns:a16="http://schemas.microsoft.com/office/drawing/2014/main" id="{9B6D583C-5FD6-4467-B076-640BD6FC6669}"/>
               </a:ext>
             </a:extLst>
           </p:cNvPr>
@@ -6285,7 +6286,7 @@
           </p:cNvPicPr>
           <p:nvPr/>
         </p:nvPicPr>
-        <p:blipFill rotWithShape="1">
+        <p:blipFill>
           <a:blip r:embed="rId2">
             <a:extLst>
               <a:ext uri="{28A0092B-C50C-407E-A947-70E740481C1C}">
@@ -6293,13 +6294,14 @@
               </a:ext>
             </a:extLst>
           </a:blip>
-          <a:srcRect t="5155"/>
-          <a:stretch/>
+          <a:stretch>
+            <a:fillRect/>
+          </a:stretch>
         </p:blipFill>
         <p:spPr>
           <a:xfrm>
-            <a:off x="367393" y="2743200"/>
-            <a:ext cx="8454934" cy="3828196"/>
+            <a:off x="495299" y="2655700"/>
+            <a:ext cx="8153401" cy="4087760"/>
           </a:xfrm>
           <a:prstGeom prst="rect">
             <a:avLst/>
@@ -6420,12 +6422,100 @@
           <a:chExt cx="0" cy="0"/>
         </a:xfrm>
       </p:grpSpPr>
+      <p:sp>
+        <p:nvSpPr>
+          <p:cNvPr id="2" name="タイトル 1">
+            <a:extLst>
+              <a:ext uri="{FF2B5EF4-FFF2-40B4-BE49-F238E27FC236}">
+                <a16:creationId xmlns:a16="http://schemas.microsoft.com/office/drawing/2014/main" id="{7A70681D-3F14-4161-8C53-257F73A13768}"/>
+              </a:ext>
+            </a:extLst>
+          </p:cNvPr>
+          <p:cNvSpPr>
+            <a:spLocks noGrp="1"/>
+          </p:cNvSpPr>
+          <p:nvPr>
+            <p:ph type="title"/>
+          </p:nvPr>
+        </p:nvSpPr>
+        <p:spPr/>
+        <p:txBody>
+          <a:bodyPr/>
+          <a:lstStyle/>
+          <a:p>
+            <a:r>
+              <a:rPr kumimoji="1" lang="ja-JP" altLang="en-US" dirty="0"/>
+              <a:t>提案システム概要（</a:t>
+            </a:r>
+            <a:r>
+              <a:rPr kumimoji="1" lang="en-US" altLang="ja-JP" dirty="0"/>
+              <a:t>2</a:t>
+            </a:r>
+            <a:r>
+              <a:rPr kumimoji="1" lang="ja-JP" altLang="en-US" dirty="0"/>
+              <a:t>）</a:t>
+            </a:r>
+          </a:p>
+        </p:txBody>
+      </p:sp>
+      <p:sp>
+        <p:nvSpPr>
+          <p:cNvPr id="3" name="コンテンツ プレースホルダー 2">
+            <a:extLst>
+              <a:ext uri="{FF2B5EF4-FFF2-40B4-BE49-F238E27FC236}">
+                <a16:creationId xmlns:a16="http://schemas.microsoft.com/office/drawing/2014/main" id="{7E135AEA-599C-47A8-A1C3-611B834AC702}"/>
+              </a:ext>
+            </a:extLst>
+          </p:cNvPr>
+          <p:cNvSpPr>
+            <a:spLocks noGrp="1"/>
+          </p:cNvSpPr>
+          <p:nvPr>
+            <p:ph idx="1"/>
+          </p:nvPr>
+        </p:nvSpPr>
+        <p:spPr/>
+        <p:txBody>
+          <a:bodyPr/>
+          <a:lstStyle/>
+          <a:p>
+            <a:pPr>
+              <a:buFont typeface="Wingdings" panose="05000000000000000000" pitchFamily="2" charset="2"/>
+              <a:buChar char="l"/>
+            </a:pPr>
+            <a:r>
+              <a:rPr kumimoji="1" lang="ja-JP" altLang="en-US" dirty="0"/>
+              <a:t>ウォームスタンバイ</a:t>
+            </a:r>
+            <a:endParaRPr lang="en-US" altLang="ja-JP" dirty="0"/>
+          </a:p>
+          <a:p>
+            <a:pPr lvl="1">
+              <a:buFont typeface="Wingdings" panose="05000000000000000000" pitchFamily="2" charset="2"/>
+              <a:buChar char="l"/>
+            </a:pPr>
+            <a:r>
+              <a:rPr kumimoji="1" lang="ja-JP" altLang="en-US" dirty="0"/>
+              <a:t>障害対策コストは</a:t>
+            </a:r>
+            <a:r>
+              <a:rPr kumimoji="1" lang="en-US" altLang="ja-JP" dirty="0"/>
+              <a:t>VM1</a:t>
+            </a:r>
+            <a:r>
+              <a:rPr kumimoji="1" lang="ja-JP" altLang="en-US" dirty="0"/>
+              <a:t>台分</a:t>
+            </a:r>
+            <a:endParaRPr kumimoji="1" lang="en-US" altLang="ja-JP" dirty="0"/>
+          </a:p>
+        </p:txBody>
+      </p:sp>
       <p:pic>
         <p:nvPicPr>
-          <p:cNvPr id="7" name="図 6">
+          <p:cNvPr id="5" name="図 4">
             <a:extLst>
               <a:ext uri="{FF2B5EF4-FFF2-40B4-BE49-F238E27FC236}">
-                <a16:creationId xmlns:a16="http://schemas.microsoft.com/office/drawing/2014/main" id="{8D4266CC-36ED-4B33-A74E-96F60F6A4877}"/>
+                <a16:creationId xmlns:a16="http://schemas.microsoft.com/office/drawing/2014/main" id="{C312E8EA-93F4-4AC6-BECA-7FCF4A28DF18}"/>
               </a:ext>
             </a:extLst>
           </p:cNvPr>
@@ -6434,7 +6524,7 @@
           </p:cNvPicPr>
           <p:nvPr/>
         </p:nvPicPr>
-        <p:blipFill>
+        <p:blipFill rotWithShape="1">
           <a:blip r:embed="rId2">
             <a:extLst>
               <a:ext uri="{28A0092B-C50C-407E-A947-70E740481C1C}">
@@ -6442,108 +6532,19 @@
               </a:ext>
             </a:extLst>
           </a:blip>
-          <a:stretch>
-            <a:fillRect/>
-          </a:stretch>
+          <a:srcRect t="3296"/>
+          <a:stretch/>
         </p:blipFill>
         <p:spPr>
           <a:xfrm>
-            <a:off x="411479" y="2563601"/>
-            <a:ext cx="8634549" cy="3537532"/>
+            <a:off x="63196" y="2548036"/>
+            <a:ext cx="9017607" cy="3855905"/>
           </a:xfrm>
           <a:prstGeom prst="rect">
             <a:avLst/>
           </a:prstGeom>
         </p:spPr>
       </p:pic>
-      <p:sp>
-        <p:nvSpPr>
-          <p:cNvPr id="2" name="タイトル 1">
-            <a:extLst>
-              <a:ext uri="{FF2B5EF4-FFF2-40B4-BE49-F238E27FC236}">
-                <a16:creationId xmlns:a16="http://schemas.microsoft.com/office/drawing/2014/main" id="{7A70681D-3F14-4161-8C53-257F73A13768}"/>
-              </a:ext>
-            </a:extLst>
-          </p:cNvPr>
-          <p:cNvSpPr>
-            <a:spLocks noGrp="1"/>
-          </p:cNvSpPr>
-          <p:nvPr>
-            <p:ph type="title"/>
-          </p:nvPr>
-        </p:nvSpPr>
-        <p:spPr/>
-        <p:txBody>
-          <a:bodyPr/>
-          <a:lstStyle/>
-          <a:p>
-            <a:r>
-              <a:rPr kumimoji="1" lang="ja-JP" altLang="en-US" dirty="0"/>
-              <a:t>提案システム概要（</a:t>
-            </a:r>
-            <a:r>
-              <a:rPr kumimoji="1" lang="en-US" altLang="ja-JP" dirty="0"/>
-              <a:t>2</a:t>
-            </a:r>
-            <a:r>
-              <a:rPr kumimoji="1" lang="ja-JP" altLang="en-US" dirty="0"/>
-              <a:t>）</a:t>
-            </a:r>
-          </a:p>
-        </p:txBody>
-      </p:sp>
-      <p:sp>
-        <p:nvSpPr>
-          <p:cNvPr id="3" name="コンテンツ プレースホルダー 2">
-            <a:extLst>
-              <a:ext uri="{FF2B5EF4-FFF2-40B4-BE49-F238E27FC236}">
-                <a16:creationId xmlns:a16="http://schemas.microsoft.com/office/drawing/2014/main" id="{7E135AEA-599C-47A8-A1C3-611B834AC702}"/>
-              </a:ext>
-            </a:extLst>
-          </p:cNvPr>
-          <p:cNvSpPr>
-            <a:spLocks noGrp="1"/>
-          </p:cNvSpPr>
-          <p:nvPr>
-            <p:ph idx="1"/>
-          </p:nvPr>
-        </p:nvSpPr>
-        <p:spPr/>
-        <p:txBody>
-          <a:bodyPr/>
-          <a:lstStyle/>
-          <a:p>
-            <a:pPr>
-              <a:buFont typeface="Wingdings" panose="05000000000000000000" pitchFamily="2" charset="2"/>
-              <a:buChar char="l"/>
-            </a:pPr>
-            <a:r>
-              <a:rPr kumimoji="1" lang="ja-JP" altLang="en-US" dirty="0"/>
-              <a:t>ウォームスタンバイ</a:t>
-            </a:r>
-            <a:endParaRPr lang="en-US" altLang="ja-JP" dirty="0"/>
-          </a:p>
-          <a:p>
-            <a:pPr lvl="1">
-              <a:buFont typeface="Wingdings" panose="05000000000000000000" pitchFamily="2" charset="2"/>
-              <a:buChar char="l"/>
-            </a:pPr>
-            <a:r>
-              <a:rPr kumimoji="1" lang="ja-JP" altLang="en-US" dirty="0"/>
-              <a:t>障害対策コストは</a:t>
-            </a:r>
-            <a:r>
-              <a:rPr kumimoji="1" lang="en-US" altLang="ja-JP" dirty="0"/>
-              <a:t>VM1</a:t>
-            </a:r>
-            <a:r>
-              <a:rPr kumimoji="1" lang="ja-JP" altLang="en-US" dirty="0"/>
-              <a:t>台分</a:t>
-            </a:r>
-            <a:endParaRPr kumimoji="1" lang="en-US" altLang="ja-JP" dirty="0"/>
-          </a:p>
-        </p:txBody>
-      </p:sp>
     </p:spTree>
     <p:extLst>
       <p:ext uri="{BB962C8B-B14F-4D97-AF65-F5344CB8AC3E}">
@@ -6574,12 +6575,123 @@
           <a:chExt cx="0" cy="0"/>
         </a:xfrm>
       </p:grpSpPr>
+      <p:sp>
+        <p:nvSpPr>
+          <p:cNvPr id="2" name="タイトル 1">
+            <a:extLst>
+              <a:ext uri="{FF2B5EF4-FFF2-40B4-BE49-F238E27FC236}">
+                <a16:creationId xmlns:a16="http://schemas.microsoft.com/office/drawing/2014/main" id="{7A70681D-3F14-4161-8C53-257F73A13768}"/>
+              </a:ext>
+            </a:extLst>
+          </p:cNvPr>
+          <p:cNvSpPr>
+            <a:spLocks noGrp="1"/>
+          </p:cNvSpPr>
+          <p:nvPr>
+            <p:ph type="title"/>
+          </p:nvPr>
+        </p:nvSpPr>
+        <p:spPr/>
+        <p:txBody>
+          <a:bodyPr/>
+          <a:lstStyle/>
+          <a:p>
+            <a:r>
+              <a:rPr kumimoji="1" lang="ja-JP" altLang="en-US" dirty="0"/>
+              <a:t>提案システム概要（</a:t>
+            </a:r>
+            <a:r>
+              <a:rPr lang="en-US" altLang="ja-JP" dirty="0"/>
+              <a:t>3</a:t>
+            </a:r>
+            <a:r>
+              <a:rPr kumimoji="1" lang="ja-JP" altLang="en-US" dirty="0"/>
+              <a:t>）</a:t>
+            </a:r>
+          </a:p>
+        </p:txBody>
+      </p:sp>
+      <p:sp>
+        <p:nvSpPr>
+          <p:cNvPr id="3" name="コンテンツ プレースホルダー 2">
+            <a:extLst>
+              <a:ext uri="{FF2B5EF4-FFF2-40B4-BE49-F238E27FC236}">
+                <a16:creationId xmlns:a16="http://schemas.microsoft.com/office/drawing/2014/main" id="{7E135AEA-599C-47A8-A1C3-611B834AC702}"/>
+              </a:ext>
+            </a:extLst>
+          </p:cNvPr>
+          <p:cNvSpPr>
+            <a:spLocks noGrp="1"/>
+          </p:cNvSpPr>
+          <p:nvPr>
+            <p:ph idx="1"/>
+          </p:nvPr>
+        </p:nvSpPr>
+        <p:spPr/>
+        <p:txBody>
+          <a:bodyPr/>
+          <a:lstStyle/>
+          <a:p>
+            <a:pPr>
+              <a:buFont typeface="Wingdings" panose="05000000000000000000" pitchFamily="2" charset="2"/>
+              <a:buChar char="l"/>
+            </a:pPr>
+            <a:r>
+              <a:rPr lang="ja-JP" altLang="en-US" dirty="0"/>
+              <a:t>コールド</a:t>
+            </a:r>
+            <a:r>
+              <a:rPr kumimoji="1" lang="ja-JP" altLang="en-US" dirty="0"/>
+              <a:t>スタンバイ</a:t>
+            </a:r>
+            <a:endParaRPr lang="en-US" altLang="ja-JP" dirty="0"/>
+          </a:p>
+          <a:p>
+            <a:pPr lvl="1">
+              <a:buFont typeface="Wingdings" panose="05000000000000000000" pitchFamily="2" charset="2"/>
+              <a:buChar char="l"/>
+            </a:pPr>
+            <a:r>
+              <a:rPr lang="ja-JP" altLang="en-US" dirty="0"/>
+              <a:t>コンテナは</a:t>
+            </a:r>
+            <a:r>
+              <a:rPr lang="en-US" altLang="ja-JP" dirty="0"/>
+              <a:t>VM</a:t>
+            </a:r>
+            <a:r>
+              <a:rPr lang="ja-JP" altLang="en-US" dirty="0"/>
+              <a:t>より高速な起動が可能</a:t>
+            </a:r>
+            <a:endParaRPr lang="en-US" altLang="ja-JP" dirty="0"/>
+          </a:p>
+          <a:p>
+            <a:pPr lvl="1">
+              <a:buFont typeface="Wingdings" panose="05000000000000000000" pitchFamily="2" charset="2"/>
+              <a:buChar char="l"/>
+            </a:pPr>
+            <a:r>
+              <a:rPr kumimoji="1" lang="ja-JP" altLang="en-US" dirty="0"/>
+              <a:t>待機系</a:t>
+            </a:r>
+            <a:r>
+              <a:rPr kumimoji="1" lang="en-US" altLang="ja-JP" dirty="0"/>
+              <a:t>VM</a:t>
+            </a:r>
+            <a:r>
+              <a:rPr kumimoji="1" lang="ja-JP" altLang="en-US" dirty="0"/>
+              <a:t>は他のサービスと共用利用によりコストを抑える</a:t>
+            </a:r>
+            <a:endParaRPr kumimoji="1" lang="en-US" altLang="ja-JP" dirty="0"/>
+          </a:p>
+        </p:txBody>
+      </p:sp>
       <p:pic>
         <p:nvPicPr>
-          <p:cNvPr id="5" name="図 4">
+          <p:cNvPr id="6" name="図 5">
             <a:extLst>
               <a:ext uri="{FF2B5EF4-FFF2-40B4-BE49-F238E27FC236}">
-                <a16:creationId xmlns:a16="http://schemas.microsoft.com/office/drawing/2014/main" id="{65DD3EAC-AAF6-4D96-A3BD-80B32858E2BD}"/>
+                <a16:creationId xmlns:a16="http://schemas.microsoft.com/office/drawing/2014/main" id="{4BA5B802-616F-4B0F-A068-52BB9BFBB949}"/>
               </a:ext>
             </a:extLst>
           </p:cNvPr>
@@ -6602,125 +6714,14 @@
         </p:blipFill>
         <p:spPr>
           <a:xfrm>
-            <a:off x="254403" y="3052659"/>
-            <a:ext cx="8680914" cy="3518737"/>
+            <a:off x="90054" y="2552952"/>
+            <a:ext cx="8963891" cy="3767432"/>
           </a:xfrm>
           <a:prstGeom prst="rect">
             <a:avLst/>
           </a:prstGeom>
         </p:spPr>
       </p:pic>
-      <p:sp>
-        <p:nvSpPr>
-          <p:cNvPr id="2" name="タイトル 1">
-            <a:extLst>
-              <a:ext uri="{FF2B5EF4-FFF2-40B4-BE49-F238E27FC236}">
-                <a16:creationId xmlns:a16="http://schemas.microsoft.com/office/drawing/2014/main" id="{7A70681D-3F14-4161-8C53-257F73A13768}"/>
-              </a:ext>
-            </a:extLst>
-          </p:cNvPr>
-          <p:cNvSpPr>
-            <a:spLocks noGrp="1"/>
-          </p:cNvSpPr>
-          <p:nvPr>
-            <p:ph type="title"/>
-          </p:nvPr>
-        </p:nvSpPr>
-        <p:spPr/>
-        <p:txBody>
-          <a:bodyPr/>
-          <a:lstStyle/>
-          <a:p>
-            <a:r>
-              <a:rPr kumimoji="1" lang="ja-JP" altLang="en-US" dirty="0"/>
-              <a:t>提案システム概要（</a:t>
-            </a:r>
-            <a:r>
-              <a:rPr lang="en-US" altLang="ja-JP" dirty="0"/>
-              <a:t>3</a:t>
-            </a:r>
-            <a:r>
-              <a:rPr kumimoji="1" lang="ja-JP" altLang="en-US" dirty="0"/>
-              <a:t>）</a:t>
-            </a:r>
-          </a:p>
-        </p:txBody>
-      </p:sp>
-      <p:sp>
-        <p:nvSpPr>
-          <p:cNvPr id="3" name="コンテンツ プレースホルダー 2">
-            <a:extLst>
-              <a:ext uri="{FF2B5EF4-FFF2-40B4-BE49-F238E27FC236}">
-                <a16:creationId xmlns:a16="http://schemas.microsoft.com/office/drawing/2014/main" id="{7E135AEA-599C-47A8-A1C3-611B834AC702}"/>
-              </a:ext>
-            </a:extLst>
-          </p:cNvPr>
-          <p:cNvSpPr>
-            <a:spLocks noGrp="1"/>
-          </p:cNvSpPr>
-          <p:nvPr>
-            <p:ph idx="1"/>
-          </p:nvPr>
-        </p:nvSpPr>
-        <p:spPr/>
-        <p:txBody>
-          <a:bodyPr/>
-          <a:lstStyle/>
-          <a:p>
-            <a:pPr>
-              <a:buFont typeface="Wingdings" panose="05000000000000000000" pitchFamily="2" charset="2"/>
-              <a:buChar char="l"/>
-            </a:pPr>
-            <a:r>
-              <a:rPr lang="ja-JP" altLang="en-US" dirty="0"/>
-              <a:t>コールド</a:t>
-            </a:r>
-            <a:r>
-              <a:rPr kumimoji="1" lang="ja-JP" altLang="en-US" dirty="0"/>
-              <a:t>スタンバイ</a:t>
-            </a:r>
-            <a:endParaRPr lang="en-US" altLang="ja-JP" dirty="0"/>
-          </a:p>
-          <a:p>
-            <a:pPr lvl="1">
-              <a:buFont typeface="Wingdings" panose="05000000000000000000" pitchFamily="2" charset="2"/>
-              <a:buChar char="l"/>
-            </a:pPr>
-            <a:r>
-              <a:rPr lang="ja-JP" altLang="en-US" dirty="0"/>
-              <a:t>コンテナは</a:t>
-            </a:r>
-            <a:r>
-              <a:rPr lang="en-US" altLang="ja-JP" dirty="0"/>
-              <a:t>VM</a:t>
-            </a:r>
-            <a:r>
-              <a:rPr lang="ja-JP" altLang="en-US" dirty="0"/>
-              <a:t>より高速な起動が可能</a:t>
-            </a:r>
-            <a:endParaRPr lang="en-US" altLang="ja-JP" dirty="0"/>
-          </a:p>
-          <a:p>
-            <a:pPr lvl="1">
-              <a:buFont typeface="Wingdings" panose="05000000000000000000" pitchFamily="2" charset="2"/>
-              <a:buChar char="l"/>
-            </a:pPr>
-            <a:r>
-              <a:rPr kumimoji="1" lang="ja-JP" altLang="en-US" dirty="0"/>
-              <a:t>待機系</a:t>
-            </a:r>
-            <a:r>
-              <a:rPr kumimoji="1" lang="en-US" altLang="ja-JP" dirty="0"/>
-              <a:t>VM</a:t>
-            </a:r>
-            <a:r>
-              <a:rPr kumimoji="1" lang="ja-JP" altLang="en-US" dirty="0"/>
-              <a:t>は他のサービスと共用利用によりコストを抑える</a:t>
-            </a:r>
-            <a:endParaRPr kumimoji="1" lang="en-US" altLang="ja-JP" dirty="0"/>
-          </a:p>
-        </p:txBody>
-      </p:sp>
     </p:spTree>
     <p:extLst>
       <p:ext uri="{BB962C8B-B14F-4D97-AF65-F5344CB8AC3E}">
@@ -7014,6 +7015,86 @@
           <a:chExt cx="0" cy="0"/>
         </a:xfrm>
       </p:grpSpPr>
+      <p:sp>
+        <p:nvSpPr>
+          <p:cNvPr id="2" name="タイトル 1">
+            <a:extLst>
+              <a:ext uri="{FF2B5EF4-FFF2-40B4-BE49-F238E27FC236}">
+                <a16:creationId xmlns:a16="http://schemas.microsoft.com/office/drawing/2014/main" id="{8A2D1C3F-B10C-460E-9001-E30CE39DA005}"/>
+              </a:ext>
+            </a:extLst>
+          </p:cNvPr>
+          <p:cNvSpPr>
+            <a:spLocks noGrp="1"/>
+          </p:cNvSpPr>
+          <p:nvPr>
+            <p:ph type="title"/>
+          </p:nvPr>
+        </p:nvSpPr>
+        <p:spPr/>
+        <p:txBody>
+          <a:bodyPr/>
+          <a:lstStyle/>
+          <a:p>
+            <a:endParaRPr kumimoji="1" lang="ja-JP" altLang="en-US"/>
+          </a:p>
+        </p:txBody>
+      </p:sp>
+      <p:sp>
+        <p:nvSpPr>
+          <p:cNvPr id="3" name="コンテンツ プレースホルダー 2">
+            <a:extLst>
+              <a:ext uri="{FF2B5EF4-FFF2-40B4-BE49-F238E27FC236}">
+                <a16:creationId xmlns:a16="http://schemas.microsoft.com/office/drawing/2014/main" id="{9080E59D-C54C-4700-9A72-4CE5AB3DB76A}"/>
+              </a:ext>
+            </a:extLst>
+          </p:cNvPr>
+          <p:cNvSpPr>
+            <a:spLocks noGrp="1"/>
+          </p:cNvSpPr>
+          <p:nvPr>
+            <p:ph idx="1"/>
+          </p:nvPr>
+        </p:nvSpPr>
+        <p:spPr/>
+        <p:txBody>
+          <a:bodyPr/>
+          <a:lstStyle/>
+          <a:p>
+            <a:endParaRPr kumimoji="1" lang="ja-JP" altLang="en-US"/>
+          </a:p>
+        </p:txBody>
+      </p:sp>
+    </p:spTree>
+    <p:extLst>
+      <p:ext uri="{BB962C8B-B14F-4D97-AF65-F5344CB8AC3E}">
+        <p14:creationId xmlns:p14="http://schemas.microsoft.com/office/powerpoint/2010/main" val="1601281987"/>
+      </p:ext>
+    </p:extLst>
+  </p:cSld>
+  <p:clrMapOvr>
+    <a:masterClrMapping/>
+  </p:clrMapOvr>
+</p:sld>
+</file>
+
+<file path=ppt/slides/slide15.xml><?xml version="1.0" encoding="utf-8"?>
+<p:sld xmlns:a="http://schemas.openxmlformats.org/drawingml/2006/main" xmlns:r="http://schemas.openxmlformats.org/officeDocument/2006/relationships" xmlns:p="http://schemas.openxmlformats.org/presentationml/2006/main">
+  <p:cSld>
+    <p:spTree>
+      <p:nvGrpSpPr>
+        <p:cNvPr id="1" name=""/>
+        <p:cNvGrpSpPr/>
+        <p:nvPr/>
+      </p:nvGrpSpPr>
+      <p:grpSpPr>
+        <a:xfrm>
+          <a:off x="0" y="0"/>
+          <a:ext cx="0" cy="0"/>
+          <a:chOff x="0" y="0"/>
+          <a:chExt cx="0" cy="0"/>
+        </a:xfrm>
+      </p:grpSpPr>
       <p:pic>
         <p:nvPicPr>
           <p:cNvPr id="5" name="図 4">
@@ -7205,7 +7286,7 @@
 </p:sld>
 </file>
 
-<file path=ppt/slides/slide15.xml><?xml version="1.0" encoding="utf-8"?>
+<file path=ppt/slides/slide16.xml><?xml version="1.0" encoding="utf-8"?>
 <p:sld xmlns:a="http://schemas.openxmlformats.org/drawingml/2006/main" xmlns:r="http://schemas.openxmlformats.org/officeDocument/2006/relationships" xmlns:p="http://schemas.openxmlformats.org/presentationml/2006/main">
   <p:cSld>
     <p:spTree>
@@ -7371,7 +7452,7 @@
 </p:sld>
 </file>
 
-<file path=ppt/slides/slide16.xml><?xml version="1.0" encoding="utf-8"?>
+<file path=ppt/slides/slide17.xml><?xml version="1.0" encoding="utf-8"?>
 <p:sld xmlns:a="http://schemas.openxmlformats.org/drawingml/2006/main" xmlns:r="http://schemas.openxmlformats.org/officeDocument/2006/relationships" xmlns:p="http://schemas.openxmlformats.org/presentationml/2006/main">
   <p:cSld>
     <p:spTree>
@@ -7520,7 +7601,7 @@
 </p:sld>
 </file>
 
-<file path=ppt/slides/slide17.xml><?xml version="1.0" encoding="utf-8"?>
+<file path=ppt/slides/slide18.xml><?xml version="1.0" encoding="utf-8"?>
 <p:sld xmlns:a="http://schemas.openxmlformats.org/drawingml/2006/main" xmlns:r="http://schemas.openxmlformats.org/officeDocument/2006/relationships" xmlns:p="http://schemas.openxmlformats.org/presentationml/2006/main">
   <p:cSld>
     <p:spTree>
@@ -7687,7 +7768,7 @@
 </p:sld>
 </file>
 
-<file path=ppt/slides/slide18.xml><?xml version="1.0" encoding="utf-8"?>
+<file path=ppt/slides/slide19.xml><?xml version="1.0" encoding="utf-8"?>
 <p:sld xmlns:a="http://schemas.openxmlformats.org/drawingml/2006/main" xmlns:r="http://schemas.openxmlformats.org/officeDocument/2006/relationships" xmlns:p="http://schemas.openxmlformats.org/presentationml/2006/main">
   <p:cSld>
     <p:spTree>
@@ -7856,89 +7937,6 @@
 </p:sld>
 </file>
 
-<file path=ppt/slides/slide19.xml><?xml version="1.0" encoding="utf-8"?>
-<p:sld xmlns:a="http://schemas.openxmlformats.org/drawingml/2006/main" xmlns:r="http://schemas.openxmlformats.org/officeDocument/2006/relationships" xmlns:p="http://schemas.openxmlformats.org/presentationml/2006/main">
-  <p:cSld>
-    <p:spTree>
-      <p:nvGrpSpPr>
-        <p:cNvPr id="1" name=""/>
-        <p:cNvGrpSpPr/>
-        <p:nvPr/>
-      </p:nvGrpSpPr>
-      <p:grpSpPr>
-        <a:xfrm>
-          <a:off x="0" y="0"/>
-          <a:ext cx="0" cy="0"/>
-          <a:chOff x="0" y="0"/>
-          <a:chExt cx="0" cy="0"/>
-        </a:xfrm>
-      </p:grpSpPr>
-      <p:sp>
-        <p:nvSpPr>
-          <p:cNvPr id="2" name="タイトル 1">
-            <a:extLst>
-              <a:ext uri="{FF2B5EF4-FFF2-40B4-BE49-F238E27FC236}">
-                <a16:creationId xmlns:a16="http://schemas.microsoft.com/office/drawing/2014/main" id="{BAE3C59E-8D4C-4FFF-8230-266B26C02D21}"/>
-              </a:ext>
-            </a:extLst>
-          </p:cNvPr>
-          <p:cNvSpPr>
-            <a:spLocks noGrp="1"/>
-          </p:cNvSpPr>
-          <p:nvPr>
-            <p:ph type="title"/>
-          </p:nvPr>
-        </p:nvSpPr>
-        <p:spPr/>
-        <p:txBody>
-          <a:bodyPr/>
-          <a:lstStyle/>
-          <a:p>
-            <a:r>
-              <a:rPr kumimoji="1" lang="ja-JP" altLang="en-US" dirty="0"/>
-              <a:t>マイグレーション</a:t>
-            </a:r>
-          </a:p>
-        </p:txBody>
-      </p:sp>
-      <p:sp>
-        <p:nvSpPr>
-          <p:cNvPr id="3" name="コンテンツ プレースホルダー 2">
-            <a:extLst>
-              <a:ext uri="{FF2B5EF4-FFF2-40B4-BE49-F238E27FC236}">
-                <a16:creationId xmlns:a16="http://schemas.microsoft.com/office/drawing/2014/main" id="{085C08DD-0913-40F1-9371-8262A332B14A}"/>
-              </a:ext>
-            </a:extLst>
-          </p:cNvPr>
-          <p:cNvSpPr>
-            <a:spLocks noGrp="1"/>
-          </p:cNvSpPr>
-          <p:nvPr>
-            <p:ph idx="1"/>
-          </p:nvPr>
-        </p:nvSpPr>
-        <p:spPr/>
-        <p:txBody>
-          <a:bodyPr/>
-          <a:lstStyle/>
-          <a:p>
-            <a:endParaRPr kumimoji="1" lang="ja-JP" altLang="en-US" dirty="0"/>
-          </a:p>
-        </p:txBody>
-      </p:sp>
-    </p:spTree>
-    <p:extLst>
-      <p:ext uri="{BB962C8B-B14F-4D97-AF65-F5344CB8AC3E}">
-        <p14:creationId xmlns:p14="http://schemas.microsoft.com/office/powerpoint/2010/main" val="2218197693"/>
-      </p:ext>
-    </p:extLst>
-  </p:cSld>
-  <p:clrMapOvr>
-    <a:masterClrMapping/>
-  </p:clrMapOvr>
-</p:sld>
-</file>
-
 <file path=ppt/slides/slide2.xml><?xml version="1.0" encoding="utf-8"?>
 <p:sld xmlns:a="http://schemas.openxmlformats.org/drawingml/2006/main" xmlns:r="http://schemas.openxmlformats.org/officeDocument/2006/relationships" xmlns:p="http://schemas.openxmlformats.org/presentationml/2006/main">
   <p:cSld>
@@ -8163,6 +8161,89 @@
       </p:grpSpPr>
       <p:sp>
         <p:nvSpPr>
+          <p:cNvPr id="2" name="タイトル 1">
+            <a:extLst>
+              <a:ext uri="{FF2B5EF4-FFF2-40B4-BE49-F238E27FC236}">
+                <a16:creationId xmlns:a16="http://schemas.microsoft.com/office/drawing/2014/main" id="{BAE3C59E-8D4C-4FFF-8230-266B26C02D21}"/>
+              </a:ext>
+            </a:extLst>
+          </p:cNvPr>
+          <p:cNvSpPr>
+            <a:spLocks noGrp="1"/>
+          </p:cNvSpPr>
+          <p:nvPr>
+            <p:ph type="title"/>
+          </p:nvPr>
+        </p:nvSpPr>
+        <p:spPr/>
+        <p:txBody>
+          <a:bodyPr/>
+          <a:lstStyle/>
+          <a:p>
+            <a:r>
+              <a:rPr kumimoji="1" lang="ja-JP" altLang="en-US" dirty="0"/>
+              <a:t>マイグレーション</a:t>
+            </a:r>
+          </a:p>
+        </p:txBody>
+      </p:sp>
+      <p:sp>
+        <p:nvSpPr>
+          <p:cNvPr id="3" name="コンテンツ プレースホルダー 2">
+            <a:extLst>
+              <a:ext uri="{FF2B5EF4-FFF2-40B4-BE49-F238E27FC236}">
+                <a16:creationId xmlns:a16="http://schemas.microsoft.com/office/drawing/2014/main" id="{085C08DD-0913-40F1-9371-8262A332B14A}"/>
+              </a:ext>
+            </a:extLst>
+          </p:cNvPr>
+          <p:cNvSpPr>
+            <a:spLocks noGrp="1"/>
+          </p:cNvSpPr>
+          <p:nvPr>
+            <p:ph idx="1"/>
+          </p:nvPr>
+        </p:nvSpPr>
+        <p:spPr/>
+        <p:txBody>
+          <a:bodyPr/>
+          <a:lstStyle/>
+          <a:p>
+            <a:endParaRPr kumimoji="1" lang="ja-JP" altLang="en-US" dirty="0"/>
+          </a:p>
+        </p:txBody>
+      </p:sp>
+    </p:spTree>
+    <p:extLst>
+      <p:ext uri="{BB962C8B-B14F-4D97-AF65-F5344CB8AC3E}">
+        <p14:creationId xmlns:p14="http://schemas.microsoft.com/office/powerpoint/2010/main" val="2218197693"/>
+      </p:ext>
+    </p:extLst>
+  </p:cSld>
+  <p:clrMapOvr>
+    <a:masterClrMapping/>
+  </p:clrMapOvr>
+</p:sld>
+</file>
+
+<file path=ppt/slides/slide21.xml><?xml version="1.0" encoding="utf-8"?>
+<p:sld xmlns:a="http://schemas.openxmlformats.org/drawingml/2006/main" xmlns:r="http://schemas.openxmlformats.org/officeDocument/2006/relationships" xmlns:p="http://schemas.openxmlformats.org/presentationml/2006/main">
+  <p:cSld>
+    <p:spTree>
+      <p:nvGrpSpPr>
+        <p:cNvPr id="1" name=""/>
+        <p:cNvGrpSpPr/>
+        <p:nvPr/>
+      </p:nvGrpSpPr>
+      <p:grpSpPr>
+        <a:xfrm>
+          <a:off x="0" y="0"/>
+          <a:ext cx="0" cy="0"/>
+          <a:chOff x="0" y="0"/>
+          <a:chExt cx="0" cy="0"/>
+        </a:xfrm>
+      </p:grpSpPr>
+      <p:sp>
+        <p:nvSpPr>
           <p:cNvPr id="7" name="タイトル 6">
             <a:extLst>
               <a:ext uri="{FF2B5EF4-FFF2-40B4-BE49-F238E27FC236}">
@@ -8407,7 +8488,7 @@
 </p:sld>
 </file>
 
-<file path=ppt/slides/slide21.xml><?xml version="1.0" encoding="utf-8"?>
+<file path=ppt/slides/slide22.xml><?xml version="1.0" encoding="utf-8"?>
 <p:sld xmlns:a="http://schemas.openxmlformats.org/drawingml/2006/main" xmlns:r="http://schemas.openxmlformats.org/officeDocument/2006/relationships" xmlns:p="http://schemas.openxmlformats.org/presentationml/2006/main">
   <p:cSld>
     <p:spTree>
@@ -9167,7 +9248,7 @@
 </p:sld>
 </file>
 
-<file path=ppt/slides/slide22.xml><?xml version="1.0" encoding="utf-8"?>
+<file path=ppt/slides/slide23.xml><?xml version="1.0" encoding="utf-8"?>
 <p:sld xmlns:a="http://schemas.openxmlformats.org/drawingml/2006/main" xmlns:r="http://schemas.openxmlformats.org/officeDocument/2006/relationships" xmlns:p="http://schemas.openxmlformats.org/presentationml/2006/main">
   <p:cSld>
     <p:spTree>
@@ -9572,7 +9653,7 @@
 </p:sld>
 </file>
 
-<file path=ppt/slides/slide23.xml><?xml version="1.0" encoding="utf-8"?>
+<file path=ppt/slides/slide24.xml><?xml version="1.0" encoding="utf-8"?>
 <p:sld xmlns:a="http://schemas.openxmlformats.org/drawingml/2006/main" xmlns:r="http://schemas.openxmlformats.org/officeDocument/2006/relationships" xmlns:p="http://schemas.openxmlformats.org/presentationml/2006/main">
   <p:cSld>
     <p:spTree>
@@ -9722,7 +9803,7 @@
 </p:sld>
 </file>
 
-<file path=ppt/slides/slide24.xml><?xml version="1.0" encoding="utf-8"?>
+<file path=ppt/slides/slide25.xml><?xml version="1.0" encoding="utf-8"?>
 <p:sld xmlns:a="http://schemas.openxmlformats.org/drawingml/2006/main" xmlns:r="http://schemas.openxmlformats.org/officeDocument/2006/relationships" xmlns:p="http://schemas.openxmlformats.org/presentationml/2006/main">
   <p:cSld>
     <p:spTree>
@@ -9838,7 +9919,7 @@
             </a:pPr>
             <a:r>
               <a:rPr kumimoji="1" lang="ja-JP" altLang="en-US" dirty="0"/>
-              <a:t>ウォームスタンバイにおけるコストの比較</a:t>
+              <a:t>ウォームスタンバイにおけるコスト試算の比較</a:t>
             </a:r>
             <a:endParaRPr kumimoji="1" lang="en-US" altLang="ja-JP" dirty="0"/>
           </a:p>
@@ -9880,7 +9961,7 @@
 </p:sld>
 </file>
 
-<file path=ppt/slides/slide25.xml><?xml version="1.0" encoding="utf-8"?>
+<file path=ppt/slides/slide26.xml><?xml version="1.0" encoding="utf-8"?>
 <p:sld xmlns:a="http://schemas.openxmlformats.org/drawingml/2006/main" xmlns:r="http://schemas.openxmlformats.org/officeDocument/2006/relationships" xmlns:p="http://schemas.openxmlformats.org/presentationml/2006/main">
   <p:cSld>
     <p:spTree>
@@ -10035,7 +10116,7 @@
 </p:sld>
 </file>
 
-<file path=ppt/slides/slide26.xml><?xml version="1.0" encoding="utf-8"?>
+<file path=ppt/slides/slide27.xml><?xml version="1.0" encoding="utf-8"?>
 <p:sld xmlns:a="http://schemas.openxmlformats.org/drawingml/2006/main" xmlns:r="http://schemas.openxmlformats.org/officeDocument/2006/relationships" xmlns:p="http://schemas.openxmlformats.org/presentationml/2006/main">
   <p:cSld>
     <p:spTree>
@@ -10119,7 +10200,7 @@
             </a:r>
             <a:r>
               <a:rPr kumimoji="1" lang="ja-JP" altLang="en-US" dirty="0"/>
-              <a:t>スタンバイにおけるコストの比較</a:t>
+              <a:t>スタンバイにおけるコスト</a:t>
             </a:r>
             <a:endParaRPr kumimoji="1" lang="en-US" altLang="ja-JP" dirty="0"/>
           </a:p>
@@ -10208,7 +10289,7 @@
 </p:sld>
 </file>
 
-<file path=ppt/slides/slide27.xml><?xml version="1.0" encoding="utf-8"?>
+<file path=ppt/slides/slide28.xml><?xml version="1.0" encoding="utf-8"?>
 <p:sld xmlns:a="http://schemas.openxmlformats.org/drawingml/2006/main" xmlns:r="http://schemas.openxmlformats.org/officeDocument/2006/relationships" xmlns:p="http://schemas.openxmlformats.org/presentationml/2006/main">
   <p:cSld>
     <p:spTree>
@@ -10406,7 +10487,7 @@
 </p:sld>
 </file>
 
-<file path=ppt/slides/slide28.xml><?xml version="1.0" encoding="utf-8"?>
+<file path=ppt/slides/slide29.xml><?xml version="1.0" encoding="utf-8"?>
 <p:sld xmlns:a="http://schemas.openxmlformats.org/drawingml/2006/main" xmlns:r="http://schemas.openxmlformats.org/officeDocument/2006/relationships" xmlns:p="http://schemas.openxmlformats.org/presentationml/2006/main">
   <p:cSld>
     <p:spTree>
@@ -10611,7 +10692,7 @@
 </p:sld>
 </file>
 
-<file path=ppt/slides/slide29.xml><?xml version="1.0" encoding="utf-8"?>
+<file path=ppt/slides/slide3.xml><?xml version="1.0" encoding="utf-8"?>
 <p:sld xmlns:a="http://schemas.openxmlformats.org/drawingml/2006/main" xmlns:r="http://schemas.openxmlformats.org/officeDocument/2006/relationships" xmlns:p="http://schemas.openxmlformats.org/presentationml/2006/main">
   <p:cSld>
     <p:spTree>
@@ -10628,6 +10709,171 @@
           <a:chExt cx="0" cy="0"/>
         </a:xfrm>
       </p:grpSpPr>
+      <p:graphicFrame>
+        <p:nvGraphicFramePr>
+          <p:cNvPr id="5" name="グラフ 4">
+            <a:extLst>
+              <a:ext uri="{FF2B5EF4-FFF2-40B4-BE49-F238E27FC236}">
+                <a16:creationId xmlns:a16="http://schemas.microsoft.com/office/drawing/2014/main" id="{379CC04E-B205-480D-ABF2-AD749E497199}"/>
+              </a:ext>
+            </a:extLst>
+          </p:cNvPr>
+          <p:cNvGraphicFramePr>
+            <a:graphicFrameLocks/>
+          </p:cNvGraphicFramePr>
+          <p:nvPr>
+            <p:extLst>
+              <p:ext uri="{D42A27DB-BD31-4B8C-83A1-F6EECF244321}">
+                <p14:modId xmlns:p14="http://schemas.microsoft.com/office/powerpoint/2010/main" val="426881336"/>
+              </p:ext>
+            </p:extLst>
+          </p:nvPr>
+        </p:nvGraphicFramePr>
+        <p:xfrm>
+          <a:off x="-1" y="2253313"/>
+          <a:ext cx="9144001" cy="4131733"/>
+        </p:xfrm>
+        <a:graphic>
+          <a:graphicData uri="http://schemas.openxmlformats.org/drawingml/2006/chart">
+            <c:chart xmlns:c="http://schemas.openxmlformats.org/drawingml/2006/chart" xmlns:r="http://schemas.openxmlformats.org/officeDocument/2006/relationships" r:id="rId2"/>
+          </a:graphicData>
+        </a:graphic>
+      </p:graphicFrame>
+      <p:sp>
+        <p:nvSpPr>
+          <p:cNvPr id="2" name="タイトル 1">
+            <a:extLst>
+              <a:ext uri="{FF2B5EF4-FFF2-40B4-BE49-F238E27FC236}">
+                <a16:creationId xmlns:a16="http://schemas.microsoft.com/office/drawing/2014/main" id="{E91F66BC-449B-4A0A-9D1D-C94C1893D514}"/>
+              </a:ext>
+            </a:extLst>
+          </p:cNvPr>
+          <p:cNvSpPr>
+            <a:spLocks noGrp="1"/>
+          </p:cNvSpPr>
+          <p:nvPr>
+            <p:ph type="title"/>
+          </p:nvPr>
+        </p:nvSpPr>
+        <p:spPr/>
+        <p:txBody>
+          <a:bodyPr/>
+          <a:lstStyle/>
+          <a:p>
+            <a:r>
+              <a:rPr kumimoji="1" lang="ja-JP" altLang="en-US" dirty="0"/>
+              <a:t>研究背景（</a:t>
+            </a:r>
+            <a:r>
+              <a:rPr kumimoji="1" lang="en-US" altLang="ja-JP" dirty="0"/>
+              <a:t>1</a:t>
+            </a:r>
+            <a:r>
+              <a:rPr kumimoji="1" lang="ja-JP" altLang="en-US" dirty="0"/>
+              <a:t>）</a:t>
+            </a:r>
+          </a:p>
+        </p:txBody>
+      </p:sp>
+      <p:sp>
+        <p:nvSpPr>
+          <p:cNvPr id="3" name="コンテンツ プレースホルダー 2">
+            <a:extLst>
+              <a:ext uri="{FF2B5EF4-FFF2-40B4-BE49-F238E27FC236}">
+                <a16:creationId xmlns:a16="http://schemas.microsoft.com/office/drawing/2014/main" id="{33B41385-BE17-44ED-98ED-0BEAAFF1799A}"/>
+              </a:ext>
+            </a:extLst>
+          </p:cNvPr>
+          <p:cNvSpPr>
+            <a:spLocks noGrp="1"/>
+          </p:cNvSpPr>
+          <p:nvPr>
+            <p:ph idx="1"/>
+          </p:nvPr>
+        </p:nvSpPr>
+        <p:spPr/>
+        <p:txBody>
+          <a:bodyPr/>
+          <a:lstStyle/>
+          <a:p>
+            <a:r>
+              <a:rPr kumimoji="1" lang="ja-JP" altLang="en-US" dirty="0"/>
+              <a:t>近年，</a:t>
+            </a:r>
+            <a:r>
+              <a:rPr lang="ja-JP" altLang="en-US" dirty="0"/>
+              <a:t>様々なサービスの提供にクラウド環境を活用することが増えている</a:t>
+            </a:r>
+            <a:endParaRPr kumimoji="1" lang="ja-JP" altLang="en-US" dirty="0"/>
+          </a:p>
+        </p:txBody>
+      </p:sp>
+      <p:sp>
+        <p:nvSpPr>
+          <p:cNvPr id="6" name="テキスト ボックス 5">
+            <a:extLst>
+              <a:ext uri="{FF2B5EF4-FFF2-40B4-BE49-F238E27FC236}">
+                <a16:creationId xmlns:a16="http://schemas.microsoft.com/office/drawing/2014/main" id="{15C045FA-220E-4C91-B7DE-94D978F110F6}"/>
+              </a:ext>
+            </a:extLst>
+          </p:cNvPr>
+          <p:cNvSpPr txBox="1"/>
+          <p:nvPr/>
+        </p:nvSpPr>
+        <p:spPr>
+          <a:xfrm>
+            <a:off x="204715" y="6385046"/>
+            <a:ext cx="6549165" cy="369332"/>
+          </a:xfrm>
+          <a:prstGeom prst="rect">
+            <a:avLst/>
+          </a:prstGeom>
+          <a:noFill/>
+        </p:spPr>
+        <p:txBody>
+          <a:bodyPr wrap="none" rtlCol="0">
+            <a:spAutoFit/>
+          </a:bodyPr>
+          <a:lstStyle/>
+          <a:p>
+            <a:r>
+              <a:rPr kumimoji="1" lang="en-US" altLang="zh-TW" dirty="0"/>
+              <a:t>http://www.soumu.go.jp/johotsusintokei/statistics/statistics05.html</a:t>
+            </a:r>
+            <a:endParaRPr kumimoji="1" lang="ja-JP" altLang="en-US" dirty="0"/>
+          </a:p>
+        </p:txBody>
+      </p:sp>
+    </p:spTree>
+    <p:extLst>
+      <p:ext uri="{BB962C8B-B14F-4D97-AF65-F5344CB8AC3E}">
+        <p14:creationId xmlns:p14="http://schemas.microsoft.com/office/powerpoint/2010/main" val="3018890183"/>
+      </p:ext>
+    </p:extLst>
+  </p:cSld>
+  <p:clrMapOvr>
+    <a:masterClrMapping/>
+  </p:clrMapOvr>
+</p:sld>
+</file>
+
+<file path=ppt/slides/slide30.xml><?xml version="1.0" encoding="utf-8"?>
+<p:sld xmlns:a="http://schemas.openxmlformats.org/drawingml/2006/main" xmlns:r="http://schemas.openxmlformats.org/officeDocument/2006/relationships" xmlns:p="http://schemas.openxmlformats.org/presentationml/2006/main">
+  <p:cSld>
+    <p:spTree>
+      <p:nvGrpSpPr>
+        <p:cNvPr id="1" name=""/>
+        <p:cNvGrpSpPr/>
+        <p:nvPr/>
+      </p:nvGrpSpPr>
+      <p:grpSpPr>
+        <a:xfrm>
+          <a:off x="0" y="0"/>
+          <a:ext cx="0" cy="0"/>
+          <a:chOff x="0" y="0"/>
+          <a:chExt cx="0" cy="0"/>
+        </a:xfrm>
+      </p:grpSpPr>
       <p:sp>
         <p:nvSpPr>
           <p:cNvPr id="2" name="タイトル 1">
@@ -10703,7 +10949,7 @@
             </a:pPr>
             <a:r>
               <a:rPr lang="ja-JP" altLang="en-US" dirty="0"/>
-              <a:t>ストレージバックエンドがディレクトリでは</a:t>
+              <a:t>ストレージバックエンドがディレクトリの場合</a:t>
             </a:r>
             <a:r>
               <a:rPr lang="en-US" altLang="ja-JP" dirty="0"/>
@@ -10711,7 +10957,7 @@
             </a:r>
             <a:r>
               <a:rPr lang="ja-JP" altLang="en-US" dirty="0"/>
-              <a:t>性能低下</a:t>
+              <a:t>の性能低下</a:t>
             </a:r>
             <a:endParaRPr lang="en-US" altLang="ja-JP" dirty="0"/>
           </a:p>
@@ -10779,172 +11025,7 @@
 </p:sld>
 </file>
 
-<file path=ppt/slides/slide3.xml><?xml version="1.0" encoding="utf-8"?>
-<p:sld xmlns:a="http://schemas.openxmlformats.org/drawingml/2006/main" xmlns:r="http://schemas.openxmlformats.org/officeDocument/2006/relationships" xmlns:p="http://schemas.openxmlformats.org/presentationml/2006/main">
-  <p:cSld>
-    <p:spTree>
-      <p:nvGrpSpPr>
-        <p:cNvPr id="1" name=""/>
-        <p:cNvGrpSpPr/>
-        <p:nvPr/>
-      </p:nvGrpSpPr>
-      <p:grpSpPr>
-        <a:xfrm>
-          <a:off x="0" y="0"/>
-          <a:ext cx="0" cy="0"/>
-          <a:chOff x="0" y="0"/>
-          <a:chExt cx="0" cy="0"/>
-        </a:xfrm>
-      </p:grpSpPr>
-      <p:graphicFrame>
-        <p:nvGraphicFramePr>
-          <p:cNvPr id="5" name="グラフ 4">
-            <a:extLst>
-              <a:ext uri="{FF2B5EF4-FFF2-40B4-BE49-F238E27FC236}">
-                <a16:creationId xmlns:a16="http://schemas.microsoft.com/office/drawing/2014/main" id="{379CC04E-B205-480D-ABF2-AD749E497199}"/>
-              </a:ext>
-            </a:extLst>
-          </p:cNvPr>
-          <p:cNvGraphicFramePr>
-            <a:graphicFrameLocks/>
-          </p:cNvGraphicFramePr>
-          <p:nvPr>
-            <p:extLst>
-              <p:ext uri="{D42A27DB-BD31-4B8C-83A1-F6EECF244321}">
-                <p14:modId xmlns:p14="http://schemas.microsoft.com/office/powerpoint/2010/main" val="426881336"/>
-              </p:ext>
-            </p:extLst>
-          </p:nvPr>
-        </p:nvGraphicFramePr>
-        <p:xfrm>
-          <a:off x="-1" y="2253313"/>
-          <a:ext cx="9144001" cy="4131733"/>
-        </p:xfrm>
-        <a:graphic>
-          <a:graphicData uri="http://schemas.openxmlformats.org/drawingml/2006/chart">
-            <c:chart xmlns:c="http://schemas.openxmlformats.org/drawingml/2006/chart" xmlns:r="http://schemas.openxmlformats.org/officeDocument/2006/relationships" r:id="rId2"/>
-          </a:graphicData>
-        </a:graphic>
-      </p:graphicFrame>
-      <p:sp>
-        <p:nvSpPr>
-          <p:cNvPr id="2" name="タイトル 1">
-            <a:extLst>
-              <a:ext uri="{FF2B5EF4-FFF2-40B4-BE49-F238E27FC236}">
-                <a16:creationId xmlns:a16="http://schemas.microsoft.com/office/drawing/2014/main" id="{E91F66BC-449B-4A0A-9D1D-C94C1893D514}"/>
-              </a:ext>
-            </a:extLst>
-          </p:cNvPr>
-          <p:cNvSpPr>
-            <a:spLocks noGrp="1"/>
-          </p:cNvSpPr>
-          <p:nvPr>
-            <p:ph type="title"/>
-          </p:nvPr>
-        </p:nvSpPr>
-        <p:spPr/>
-        <p:txBody>
-          <a:bodyPr/>
-          <a:lstStyle/>
-          <a:p>
-            <a:r>
-              <a:rPr kumimoji="1" lang="ja-JP" altLang="en-US" dirty="0"/>
-              <a:t>研究背景（</a:t>
-            </a:r>
-            <a:r>
-              <a:rPr kumimoji="1" lang="en-US" altLang="ja-JP" dirty="0"/>
-              <a:t>1</a:t>
-            </a:r>
-            <a:r>
-              <a:rPr kumimoji="1" lang="ja-JP" altLang="en-US" dirty="0"/>
-              <a:t>）</a:t>
-            </a:r>
-          </a:p>
-        </p:txBody>
-      </p:sp>
-      <p:sp>
-        <p:nvSpPr>
-          <p:cNvPr id="3" name="コンテンツ プレースホルダー 2">
-            <a:extLst>
-              <a:ext uri="{FF2B5EF4-FFF2-40B4-BE49-F238E27FC236}">
-                <a16:creationId xmlns:a16="http://schemas.microsoft.com/office/drawing/2014/main" id="{33B41385-BE17-44ED-98ED-0BEAAFF1799A}"/>
-              </a:ext>
-            </a:extLst>
-          </p:cNvPr>
-          <p:cNvSpPr>
-            <a:spLocks noGrp="1"/>
-          </p:cNvSpPr>
-          <p:nvPr>
-            <p:ph idx="1"/>
-          </p:nvPr>
-        </p:nvSpPr>
-        <p:spPr/>
-        <p:txBody>
-          <a:bodyPr/>
-          <a:lstStyle/>
-          <a:p>
-            <a:r>
-              <a:rPr kumimoji="1" lang="ja-JP" altLang="en-US" dirty="0"/>
-              <a:t>近年，</a:t>
-            </a:r>
-            <a:r>
-              <a:rPr lang="ja-JP" altLang="en-US" dirty="0"/>
-              <a:t>様々なサービスの提供にクラウド環境を活用することが増えている</a:t>
-            </a:r>
-            <a:endParaRPr kumimoji="1" lang="ja-JP" altLang="en-US" dirty="0"/>
-          </a:p>
-        </p:txBody>
-      </p:sp>
-      <p:sp>
-        <p:nvSpPr>
-          <p:cNvPr id="6" name="テキスト ボックス 5">
-            <a:extLst>
-              <a:ext uri="{FF2B5EF4-FFF2-40B4-BE49-F238E27FC236}">
-                <a16:creationId xmlns:a16="http://schemas.microsoft.com/office/drawing/2014/main" id="{15C045FA-220E-4C91-B7DE-94D978F110F6}"/>
-              </a:ext>
-            </a:extLst>
-          </p:cNvPr>
-          <p:cNvSpPr txBox="1"/>
-          <p:nvPr/>
-        </p:nvSpPr>
-        <p:spPr>
-          <a:xfrm>
-            <a:off x="204715" y="6385046"/>
-            <a:ext cx="6549165" cy="369332"/>
-          </a:xfrm>
-          <a:prstGeom prst="rect">
-            <a:avLst/>
-          </a:prstGeom>
-          <a:noFill/>
-        </p:spPr>
-        <p:txBody>
-          <a:bodyPr wrap="none" rtlCol="0">
-            <a:spAutoFit/>
-          </a:bodyPr>
-          <a:lstStyle/>
-          <a:p>
-            <a:r>
-              <a:rPr kumimoji="1" lang="en-US" altLang="zh-TW" dirty="0"/>
-              <a:t>http://www.soumu.go.jp/johotsusintokei/statistics/statistics05.html</a:t>
-            </a:r>
-            <a:endParaRPr kumimoji="1" lang="ja-JP" altLang="en-US" dirty="0"/>
-          </a:p>
-        </p:txBody>
-      </p:sp>
-    </p:spTree>
-    <p:extLst>
-      <p:ext uri="{BB962C8B-B14F-4D97-AF65-F5344CB8AC3E}">
-        <p14:creationId xmlns:p14="http://schemas.microsoft.com/office/powerpoint/2010/main" val="3018890183"/>
-      </p:ext>
-    </p:extLst>
-  </p:cSld>
-  <p:clrMapOvr>
-    <a:masterClrMapping/>
-  </p:clrMapOvr>
-</p:sld>
-</file>
-
-<file path=ppt/slides/slide30.xml><?xml version="1.0" encoding="utf-8"?>
+<file path=ppt/slides/slide31.xml><?xml version="1.0" encoding="utf-8"?>
 <p:sld xmlns:a="http://schemas.openxmlformats.org/drawingml/2006/main" xmlns:r="http://schemas.openxmlformats.org/officeDocument/2006/relationships" xmlns:p="http://schemas.openxmlformats.org/presentationml/2006/main">
   <p:cSld>
     <p:spTree>
@@ -11102,200 +11183,6 @@
 </p:sld>
 </file>
 
-<file path=ppt/slides/slide31.xml><?xml version="1.0" encoding="utf-8"?>
-<p:sld xmlns:a="http://schemas.openxmlformats.org/drawingml/2006/main" xmlns:r="http://schemas.openxmlformats.org/officeDocument/2006/relationships" xmlns:p="http://schemas.openxmlformats.org/presentationml/2006/main">
-  <p:cSld>
-    <p:spTree>
-      <p:nvGrpSpPr>
-        <p:cNvPr id="1" name=""/>
-        <p:cNvGrpSpPr/>
-        <p:nvPr/>
-      </p:nvGrpSpPr>
-      <p:grpSpPr>
-        <a:xfrm>
-          <a:off x="0" y="0"/>
-          <a:ext cx="0" cy="0"/>
-          <a:chOff x="0" y="0"/>
-          <a:chExt cx="0" cy="0"/>
-        </a:xfrm>
-      </p:grpSpPr>
-      <p:sp>
-        <p:nvSpPr>
-          <p:cNvPr id="2" name="タイトル 1">
-            <a:extLst>
-              <a:ext uri="{FF2B5EF4-FFF2-40B4-BE49-F238E27FC236}">
-                <a16:creationId xmlns:a16="http://schemas.microsoft.com/office/drawing/2014/main" id="{F005CF57-C002-4A92-B7C6-CD0818E3DF30}"/>
-              </a:ext>
-            </a:extLst>
-          </p:cNvPr>
-          <p:cNvSpPr>
-            <a:spLocks noGrp="1"/>
-          </p:cNvSpPr>
-          <p:nvPr>
-            <p:ph type="title"/>
-          </p:nvPr>
-        </p:nvSpPr>
-        <p:spPr/>
-        <p:txBody>
-          <a:bodyPr/>
-          <a:lstStyle/>
-          <a:p>
-            <a:r>
-              <a:rPr kumimoji="1" lang="ja-JP" altLang="en-US" dirty="0"/>
-              <a:t>まとめ</a:t>
-            </a:r>
-          </a:p>
-        </p:txBody>
-      </p:sp>
-      <p:sp>
-        <p:nvSpPr>
-          <p:cNvPr id="3" name="コンテンツ プレースホルダー 2">
-            <a:extLst>
-              <a:ext uri="{FF2B5EF4-FFF2-40B4-BE49-F238E27FC236}">
-                <a16:creationId xmlns:a16="http://schemas.microsoft.com/office/drawing/2014/main" id="{938F7423-73BE-4A3E-9C58-8B36E6018190}"/>
-              </a:ext>
-            </a:extLst>
-          </p:cNvPr>
-          <p:cNvSpPr>
-            <a:spLocks noGrp="1"/>
-          </p:cNvSpPr>
-          <p:nvPr>
-            <p:ph idx="1"/>
-          </p:nvPr>
-        </p:nvSpPr>
-        <p:spPr/>
-        <p:txBody>
-          <a:bodyPr/>
-          <a:lstStyle/>
-          <a:p>
-            <a:pPr>
-              <a:buFont typeface="Wingdings" panose="05000000000000000000" pitchFamily="2" charset="2"/>
-              <a:buChar char="l"/>
-            </a:pPr>
-            <a:r>
-              <a:rPr kumimoji="1" lang="ja-JP" altLang="en-US" dirty="0"/>
-              <a:t>提案手法</a:t>
-            </a:r>
-            <a:r>
-              <a:rPr kumimoji="1" lang="en-US" altLang="ja-JP" dirty="0"/>
-              <a:t>(</a:t>
-            </a:r>
-            <a:r>
-              <a:rPr kumimoji="1" lang="en-US" altLang="ja-JP" dirty="0" err="1"/>
-              <a:t>VCRecovery</a:t>
-            </a:r>
-            <a:r>
-              <a:rPr kumimoji="1" lang="en-US" altLang="ja-JP" dirty="0"/>
-              <a:t>)</a:t>
-            </a:r>
-            <a:r>
-              <a:rPr kumimoji="1" lang="ja-JP" altLang="en-US" dirty="0"/>
-              <a:t>により低コスト，高速な障害復旧が可能</a:t>
-            </a:r>
-            <a:endParaRPr kumimoji="1" lang="en-US" altLang="ja-JP" dirty="0"/>
-          </a:p>
-          <a:p>
-            <a:pPr>
-              <a:buFont typeface="Wingdings" panose="05000000000000000000" pitchFamily="2" charset="2"/>
-              <a:buChar char="l"/>
-            </a:pPr>
-            <a:r>
-              <a:rPr lang="en-US" altLang="ja-JP" dirty="0"/>
-              <a:t>Zabbix</a:t>
-            </a:r>
-            <a:r>
-              <a:rPr lang="ja-JP" altLang="en-US" dirty="0"/>
-              <a:t>や</a:t>
-            </a:r>
-            <a:r>
-              <a:rPr lang="en-US" altLang="ja-JP" dirty="0"/>
-              <a:t>LXD</a:t>
-            </a:r>
-            <a:r>
-              <a:rPr lang="ja-JP" altLang="en-US" dirty="0"/>
-              <a:t>により自動で障害検知，復旧を行うことが可能</a:t>
-            </a:r>
-            <a:endParaRPr lang="en-US" altLang="ja-JP" dirty="0"/>
-          </a:p>
-          <a:p>
-            <a:pPr>
-              <a:buFont typeface="Wingdings" panose="05000000000000000000" pitchFamily="2" charset="2"/>
-              <a:buChar char="l"/>
-            </a:pPr>
-            <a:endParaRPr kumimoji="1" lang="en-US" altLang="ja-JP" dirty="0"/>
-          </a:p>
-          <a:p>
-            <a:pPr>
-              <a:buFont typeface="Wingdings" panose="05000000000000000000" pitchFamily="2" charset="2"/>
-              <a:buChar char="l"/>
-            </a:pPr>
-            <a:r>
-              <a:rPr lang="ja-JP" altLang="en-US" dirty="0"/>
-              <a:t>今後の課題</a:t>
-            </a:r>
-            <a:endParaRPr lang="en-US" altLang="ja-JP" dirty="0"/>
-          </a:p>
-          <a:p>
-            <a:pPr lvl="1">
-              <a:buFont typeface="Wingdings" panose="05000000000000000000" pitchFamily="2" charset="2"/>
-              <a:buChar char="l"/>
-            </a:pPr>
-            <a:r>
-              <a:rPr kumimoji="1" lang="ja-JP" altLang="en-US" dirty="0"/>
-              <a:t>運用系</a:t>
-            </a:r>
-            <a:r>
-              <a:rPr kumimoji="1" lang="en-US" altLang="ja-JP" dirty="0"/>
-              <a:t>VM</a:t>
-            </a:r>
-            <a:r>
-              <a:rPr kumimoji="1" lang="ja-JP" altLang="en-US" dirty="0"/>
-              <a:t>と待機系</a:t>
-            </a:r>
-            <a:r>
-              <a:rPr kumimoji="1" lang="en-US" altLang="ja-JP" dirty="0"/>
-              <a:t>VM</a:t>
-            </a:r>
-            <a:r>
-              <a:rPr kumimoji="1" lang="ja-JP" altLang="en-US" dirty="0"/>
-              <a:t>内コンテナの間で</a:t>
-            </a:r>
-            <a:r>
-              <a:rPr kumimoji="1" lang="en-US" altLang="ja-JP" dirty="0"/>
-              <a:t>VM</a:t>
-            </a:r>
-            <a:r>
-              <a:rPr kumimoji="1" lang="ja-JP" altLang="en-US" dirty="0"/>
-              <a:t>状態の同期をどのようにとるか検討</a:t>
-            </a:r>
-            <a:endParaRPr kumimoji="1" lang="en-US" altLang="ja-JP" dirty="0"/>
-          </a:p>
-          <a:p>
-            <a:pPr lvl="1">
-              <a:buFont typeface="Wingdings" panose="05000000000000000000" pitchFamily="2" charset="2"/>
-              <a:buChar char="l"/>
-            </a:pPr>
-            <a:r>
-              <a:rPr lang="ja-JP" altLang="en-US" dirty="0"/>
-              <a:t>障害規模に応じた障害対策の実現</a:t>
-            </a:r>
-            <a:endParaRPr kumimoji="1" lang="ja-JP" altLang="en-US" dirty="0"/>
-          </a:p>
-        </p:txBody>
-      </p:sp>
-    </p:spTree>
-    <p:extLst>
-      <p:ext uri="{BB962C8B-B14F-4D97-AF65-F5344CB8AC3E}">
-        <p14:creationId xmlns:p14="http://schemas.microsoft.com/office/powerpoint/2010/main" val="2731036769"/>
-      </p:ext>
-    </p:extLst>
-  </p:cSld>
-  <p:clrMapOvr>
-    <a:masterClrMapping/>
-  </p:clrMapOvr>
-</p:sld>
-</file>
-
 <file path=ppt/slides/slide32.xml><?xml version="1.0" encoding="utf-8"?>
 <p:sld xmlns:a="http://schemas.openxmlformats.org/drawingml/2006/main" xmlns:r="http://schemas.openxmlformats.org/officeDocument/2006/relationships" xmlns:p="http://schemas.openxmlformats.org/presentationml/2006/main">
   <p:cSld>
@@ -11318,6 +11205,210 @@
           <p:cNvPr id="2" name="タイトル 1">
             <a:extLst>
               <a:ext uri="{FF2B5EF4-FFF2-40B4-BE49-F238E27FC236}">
+                <a16:creationId xmlns:a16="http://schemas.microsoft.com/office/drawing/2014/main" id="{F005CF57-C002-4A92-B7C6-CD0818E3DF30}"/>
+              </a:ext>
+            </a:extLst>
+          </p:cNvPr>
+          <p:cNvSpPr>
+            <a:spLocks noGrp="1"/>
+          </p:cNvSpPr>
+          <p:nvPr>
+            <p:ph type="title"/>
+          </p:nvPr>
+        </p:nvSpPr>
+        <p:spPr/>
+        <p:txBody>
+          <a:bodyPr/>
+          <a:lstStyle/>
+          <a:p>
+            <a:r>
+              <a:rPr kumimoji="1" lang="ja-JP" altLang="en-US" dirty="0"/>
+              <a:t>まとめ</a:t>
+            </a:r>
+          </a:p>
+        </p:txBody>
+      </p:sp>
+      <p:sp>
+        <p:nvSpPr>
+          <p:cNvPr id="3" name="コンテンツ プレースホルダー 2">
+            <a:extLst>
+              <a:ext uri="{FF2B5EF4-FFF2-40B4-BE49-F238E27FC236}">
+                <a16:creationId xmlns:a16="http://schemas.microsoft.com/office/drawing/2014/main" id="{938F7423-73BE-4A3E-9C58-8B36E6018190}"/>
+              </a:ext>
+            </a:extLst>
+          </p:cNvPr>
+          <p:cNvSpPr>
+            <a:spLocks noGrp="1"/>
+          </p:cNvSpPr>
+          <p:nvPr>
+            <p:ph idx="1"/>
+          </p:nvPr>
+        </p:nvSpPr>
+        <p:spPr/>
+        <p:txBody>
+          <a:bodyPr/>
+          <a:lstStyle/>
+          <a:p>
+            <a:pPr>
+              <a:buFont typeface="Wingdings" panose="05000000000000000000" pitchFamily="2" charset="2"/>
+              <a:buChar char="l"/>
+            </a:pPr>
+            <a:r>
+              <a:rPr kumimoji="1" lang="ja-JP" altLang="en-US" dirty="0"/>
+              <a:t>提案手法</a:t>
+            </a:r>
+            <a:r>
+              <a:rPr kumimoji="1" lang="en-US" altLang="ja-JP" dirty="0"/>
+              <a:t>(</a:t>
+            </a:r>
+            <a:r>
+              <a:rPr kumimoji="1" lang="en-US" altLang="ja-JP" dirty="0" err="1"/>
+              <a:t>VCRecovery</a:t>
+            </a:r>
+            <a:r>
+              <a:rPr kumimoji="1" lang="en-US" altLang="ja-JP" dirty="0"/>
+              <a:t>)</a:t>
+            </a:r>
+            <a:r>
+              <a:rPr kumimoji="1" lang="ja-JP" altLang="en-US" dirty="0"/>
+              <a:t>により低コスト，高速な障害復旧が可能</a:t>
+            </a:r>
+            <a:endParaRPr kumimoji="1" lang="en-US" altLang="ja-JP" dirty="0"/>
+          </a:p>
+          <a:p>
+            <a:pPr>
+              <a:buFont typeface="Wingdings" panose="05000000000000000000" pitchFamily="2" charset="2"/>
+              <a:buChar char="l"/>
+            </a:pPr>
+            <a:r>
+              <a:rPr lang="en-US" altLang="ja-JP" dirty="0"/>
+              <a:t>Zabbix</a:t>
+            </a:r>
+            <a:r>
+              <a:rPr lang="ja-JP" altLang="en-US" dirty="0"/>
+              <a:t>や</a:t>
+            </a:r>
+            <a:r>
+              <a:rPr lang="en-US" altLang="ja-JP" dirty="0"/>
+              <a:t>LXD</a:t>
+            </a:r>
+            <a:r>
+              <a:rPr lang="ja-JP" altLang="en-US" dirty="0"/>
+              <a:t>により自動で障害検知，復旧を行うことが可能</a:t>
+            </a:r>
+            <a:endParaRPr lang="en-US" altLang="ja-JP" dirty="0"/>
+          </a:p>
+          <a:p>
+            <a:pPr>
+              <a:buFont typeface="Wingdings" panose="05000000000000000000" pitchFamily="2" charset="2"/>
+              <a:buChar char="l"/>
+            </a:pPr>
+            <a:endParaRPr kumimoji="1" lang="en-US" altLang="ja-JP" dirty="0"/>
+          </a:p>
+          <a:p>
+            <a:pPr>
+              <a:buFont typeface="Wingdings" panose="05000000000000000000" pitchFamily="2" charset="2"/>
+              <a:buChar char="l"/>
+            </a:pPr>
+            <a:r>
+              <a:rPr lang="ja-JP" altLang="en-US" dirty="0"/>
+              <a:t>今後の課題</a:t>
+            </a:r>
+            <a:endParaRPr lang="en-US" altLang="ja-JP" dirty="0"/>
+          </a:p>
+          <a:p>
+            <a:pPr lvl="1">
+              <a:buFont typeface="Wingdings" panose="05000000000000000000" pitchFamily="2" charset="2"/>
+              <a:buChar char="l"/>
+            </a:pPr>
+            <a:r>
+              <a:rPr kumimoji="1" lang="ja-JP" altLang="en-US" dirty="0"/>
+              <a:t>運用系</a:t>
+            </a:r>
+            <a:r>
+              <a:rPr kumimoji="1" lang="en-US" altLang="ja-JP" dirty="0"/>
+              <a:t>VM</a:t>
+            </a:r>
+            <a:r>
+              <a:rPr kumimoji="1" lang="ja-JP" altLang="en-US" dirty="0"/>
+              <a:t>と待機系</a:t>
+            </a:r>
+            <a:r>
+              <a:rPr kumimoji="1" lang="en-US" altLang="ja-JP" dirty="0"/>
+              <a:t>VM</a:t>
+            </a:r>
+            <a:r>
+              <a:rPr kumimoji="1" lang="ja-JP" altLang="en-US" dirty="0"/>
+              <a:t>内コンテナの間で</a:t>
+            </a:r>
+            <a:r>
+              <a:rPr kumimoji="1" lang="en-US" altLang="ja-JP" dirty="0"/>
+              <a:t>VM</a:t>
+            </a:r>
+            <a:r>
+              <a:rPr kumimoji="1" lang="ja-JP" altLang="en-US" dirty="0"/>
+              <a:t>状態の同期をどのようにとるか検討</a:t>
+            </a:r>
+            <a:endParaRPr kumimoji="1" lang="en-US" altLang="ja-JP" dirty="0"/>
+          </a:p>
+          <a:p>
+            <a:pPr lvl="1">
+              <a:buFont typeface="Wingdings" panose="05000000000000000000" pitchFamily="2" charset="2"/>
+              <a:buChar char="l"/>
+            </a:pPr>
+            <a:r>
+              <a:rPr lang="ja-JP" altLang="en-US" dirty="0"/>
+              <a:t>障害規模に応じた障害対策の実現</a:t>
+            </a:r>
+            <a:endParaRPr lang="en-US" altLang="ja-JP" dirty="0"/>
+          </a:p>
+          <a:p>
+            <a:pPr lvl="1">
+              <a:buFont typeface="Wingdings" panose="05000000000000000000" pitchFamily="2" charset="2"/>
+              <a:buChar char="l"/>
+            </a:pPr>
+            <a:r>
+              <a:rPr kumimoji="1" lang="ja-JP" altLang="en-US" dirty="0"/>
+              <a:t>ライブマイグレーション利用によるダウンタイムの削減</a:t>
+            </a:r>
+          </a:p>
+        </p:txBody>
+      </p:sp>
+    </p:spTree>
+    <p:extLst>
+      <p:ext uri="{BB962C8B-B14F-4D97-AF65-F5344CB8AC3E}">
+        <p14:creationId xmlns:p14="http://schemas.microsoft.com/office/powerpoint/2010/main" val="2731036769"/>
+      </p:ext>
+    </p:extLst>
+  </p:cSld>
+  <p:clrMapOvr>
+    <a:masterClrMapping/>
+  </p:clrMapOvr>
+</p:sld>
+</file>
+
+<file path=ppt/slides/slide33.xml><?xml version="1.0" encoding="utf-8"?>
+<p:sld xmlns:a="http://schemas.openxmlformats.org/drawingml/2006/main" xmlns:r="http://schemas.openxmlformats.org/officeDocument/2006/relationships" xmlns:p="http://schemas.openxmlformats.org/presentationml/2006/main">
+  <p:cSld>
+    <p:spTree>
+      <p:nvGrpSpPr>
+        <p:cNvPr id="1" name=""/>
+        <p:cNvGrpSpPr/>
+        <p:nvPr/>
+      </p:nvGrpSpPr>
+      <p:grpSpPr>
+        <a:xfrm>
+          <a:off x="0" y="0"/>
+          <a:ext cx="0" cy="0"/>
+          <a:chOff x="0" y="0"/>
+          <a:chExt cx="0" cy="0"/>
+        </a:xfrm>
+      </p:grpSpPr>
+      <p:sp>
+        <p:nvSpPr>
+          <p:cNvPr id="2" name="タイトル 1">
+            <a:extLst>
+              <a:ext uri="{FF2B5EF4-FFF2-40B4-BE49-F238E27FC236}">
                 <a16:creationId xmlns:a16="http://schemas.microsoft.com/office/drawing/2014/main" id="{BC7FAB1B-214F-4A64-B51C-359E05439608}"/>
               </a:ext>
             </a:extLst>
@@ -11362,7 +11453,7 @@
           <a:bodyPr/>
           <a:lstStyle/>
           <a:p>
-            <a:endParaRPr kumimoji="1" lang="ja-JP" altLang="en-US"/>
+            <a:endParaRPr kumimoji="1" lang="ja-JP" altLang="en-US" dirty="0"/>
           </a:p>
         </p:txBody>
       </p:sp>
@@ -11398,10 +11489,10 @@
       </p:grpSpPr>
       <p:pic>
         <p:nvPicPr>
-          <p:cNvPr id="5" name="図 4">
+          <p:cNvPr id="6" name="図 5">
             <a:extLst>
               <a:ext uri="{FF2B5EF4-FFF2-40B4-BE49-F238E27FC236}">
-                <a16:creationId xmlns:a16="http://schemas.microsoft.com/office/drawing/2014/main" id="{EB0DADA6-AD03-489C-BAB4-72121145E3F1}"/>
+                <a16:creationId xmlns:a16="http://schemas.microsoft.com/office/drawing/2014/main" id="{1A3DD10B-5447-4758-8666-8AE9DE599057}"/>
               </a:ext>
             </a:extLst>
           </p:cNvPr>
@@ -11410,7 +11501,7 @@
           </p:cNvPicPr>
           <p:nvPr/>
         </p:nvPicPr>
-        <p:blipFill rotWithShape="1">
+        <p:blipFill>
           <a:blip r:embed="rId2">
             <a:extLst>
               <a:ext uri="{28A0092B-C50C-407E-A947-70E740481C1C}">
@@ -11418,13 +11509,14 @@
               </a:ext>
             </a:extLst>
           </a:blip>
-          <a:srcRect b="4440"/>
-          <a:stretch/>
+          <a:stretch>
+            <a:fillRect/>
+          </a:stretch>
         </p:blipFill>
         <p:spPr>
           <a:xfrm>
-            <a:off x="408256" y="3429000"/>
-            <a:ext cx="8327487" cy="3080398"/>
+            <a:off x="165214" y="3389575"/>
+            <a:ext cx="8813572" cy="3304489"/>
           </a:xfrm>
           <a:prstGeom prst="rect">
             <a:avLst/>
@@ -11501,7 +11593,7 @@
             </a:pPr>
             <a:r>
               <a:rPr lang="ja-JP" altLang="en-US" dirty="0"/>
-              <a:t>システムを運用系，待機系に分け運用系に障害が発生した場合，待機系に切り替え復旧を行う</a:t>
+              <a:t>システムを運用系，待機系に分け，運用系に障害が発生した場合は待機系に切り替え復旧を行う</a:t>
             </a:r>
             <a:endParaRPr lang="en-US" altLang="ja-JP" dirty="0"/>
           </a:p>
@@ -11538,7 +11630,7 @@
         </p:nvSpPr>
         <p:spPr>
           <a:xfrm>
-            <a:off x="6445690" y="6140066"/>
+            <a:off x="6894600" y="6386730"/>
             <a:ext cx="2084186" cy="369332"/>
           </a:xfrm>
           <a:prstGeom prst="rect">
@@ -11591,12 +11683,87 @@
           <a:chExt cx="0" cy="0"/>
         </a:xfrm>
       </p:grpSpPr>
+      <p:sp>
+        <p:nvSpPr>
+          <p:cNvPr id="2" name="タイトル 1">
+            <a:extLst>
+              <a:ext uri="{FF2B5EF4-FFF2-40B4-BE49-F238E27FC236}">
+                <a16:creationId xmlns:a16="http://schemas.microsoft.com/office/drawing/2014/main" id="{F376CE7E-65B8-9442-BD6A-827A513B11FF}"/>
+              </a:ext>
+            </a:extLst>
+          </p:cNvPr>
+          <p:cNvSpPr>
+            <a:spLocks noGrp="1"/>
+          </p:cNvSpPr>
+          <p:nvPr>
+            <p:ph type="title"/>
+          </p:nvPr>
+        </p:nvSpPr>
+        <p:spPr/>
+        <p:txBody>
+          <a:bodyPr/>
+          <a:lstStyle/>
+          <a:p>
+            <a:r>
+              <a:rPr lang="ja-JP" altLang="en-US" dirty="0"/>
+              <a:t>研究背景（</a:t>
+            </a:r>
+            <a:r>
+              <a:rPr lang="en-US" altLang="ja-JP" dirty="0"/>
+              <a:t>3</a:t>
+            </a:r>
+            <a:r>
+              <a:rPr lang="ja-JP" altLang="en-US" dirty="0"/>
+              <a:t>）</a:t>
+            </a:r>
+          </a:p>
+        </p:txBody>
+      </p:sp>
+      <p:sp>
+        <p:nvSpPr>
+          <p:cNvPr id="3" name="コンテンツ プレースホルダー 2">
+            <a:extLst>
+              <a:ext uri="{FF2B5EF4-FFF2-40B4-BE49-F238E27FC236}">
+                <a16:creationId xmlns:a16="http://schemas.microsoft.com/office/drawing/2014/main" id="{7D2DDC3B-8F71-3448-B388-09A7CD69062A}"/>
+              </a:ext>
+            </a:extLst>
+          </p:cNvPr>
+          <p:cNvSpPr>
+            <a:spLocks noGrp="1"/>
+          </p:cNvSpPr>
+          <p:nvPr>
+            <p:ph idx="1"/>
+          </p:nvPr>
+        </p:nvSpPr>
+        <p:spPr/>
+        <p:txBody>
+          <a:bodyPr/>
+          <a:lstStyle/>
+          <a:p>
+            <a:r>
+              <a:rPr lang="ja-JP" altLang="en-US" dirty="0"/>
+              <a:t>ウォームスタンバイの問題点</a:t>
+            </a:r>
+            <a:endParaRPr lang="en-US" altLang="ja-JP" dirty="0"/>
+          </a:p>
+          <a:p>
+            <a:pPr>
+              <a:buFont typeface="Wingdings" pitchFamily="2" charset="2"/>
+              <a:buChar char="l"/>
+            </a:pPr>
+            <a:r>
+              <a:rPr lang="ja-JP" altLang="en-US" dirty="0"/>
+              <a:t>待機系を常時動作する必要があるため，コストがかかる</a:t>
+            </a:r>
+          </a:p>
+        </p:txBody>
+      </p:sp>
       <p:pic>
         <p:nvPicPr>
-          <p:cNvPr id="5" name="図 4">
+          <p:cNvPr id="6" name="図 5">
             <a:extLst>
               <a:ext uri="{FF2B5EF4-FFF2-40B4-BE49-F238E27FC236}">
-                <a16:creationId xmlns:a16="http://schemas.microsoft.com/office/drawing/2014/main" id="{377BC16B-D563-473A-BABB-D1B07760AF3C}"/>
+                <a16:creationId xmlns:a16="http://schemas.microsoft.com/office/drawing/2014/main" id="{588F1024-8547-4BCC-9B20-B4733058814A}"/>
               </a:ext>
             </a:extLst>
           </p:cNvPr>
@@ -11619,89 +11786,14 @@
         </p:blipFill>
         <p:spPr>
           <a:xfrm>
-            <a:off x="149704" y="2590119"/>
-            <a:ext cx="8844591" cy="3523297"/>
+            <a:off x="194532" y="2699337"/>
+            <a:ext cx="8754935" cy="3410518"/>
           </a:xfrm>
           <a:prstGeom prst="rect">
             <a:avLst/>
           </a:prstGeom>
         </p:spPr>
       </p:pic>
-      <p:sp>
-        <p:nvSpPr>
-          <p:cNvPr id="2" name="タイトル 1">
-            <a:extLst>
-              <a:ext uri="{FF2B5EF4-FFF2-40B4-BE49-F238E27FC236}">
-                <a16:creationId xmlns:a16="http://schemas.microsoft.com/office/drawing/2014/main" id="{F376CE7E-65B8-9442-BD6A-827A513B11FF}"/>
-              </a:ext>
-            </a:extLst>
-          </p:cNvPr>
-          <p:cNvSpPr>
-            <a:spLocks noGrp="1"/>
-          </p:cNvSpPr>
-          <p:nvPr>
-            <p:ph type="title"/>
-          </p:nvPr>
-        </p:nvSpPr>
-        <p:spPr/>
-        <p:txBody>
-          <a:bodyPr/>
-          <a:lstStyle/>
-          <a:p>
-            <a:r>
-              <a:rPr lang="ja-JP" altLang="en-US" dirty="0"/>
-              <a:t>研究背景（</a:t>
-            </a:r>
-            <a:r>
-              <a:rPr lang="en-US" altLang="ja-JP" dirty="0"/>
-              <a:t>3</a:t>
-            </a:r>
-            <a:r>
-              <a:rPr lang="ja-JP" altLang="en-US" dirty="0"/>
-              <a:t>）</a:t>
-            </a:r>
-          </a:p>
-        </p:txBody>
-      </p:sp>
-      <p:sp>
-        <p:nvSpPr>
-          <p:cNvPr id="3" name="コンテンツ プレースホルダー 2">
-            <a:extLst>
-              <a:ext uri="{FF2B5EF4-FFF2-40B4-BE49-F238E27FC236}">
-                <a16:creationId xmlns:a16="http://schemas.microsoft.com/office/drawing/2014/main" id="{7D2DDC3B-8F71-3448-B388-09A7CD69062A}"/>
-              </a:ext>
-            </a:extLst>
-          </p:cNvPr>
-          <p:cNvSpPr>
-            <a:spLocks noGrp="1"/>
-          </p:cNvSpPr>
-          <p:nvPr>
-            <p:ph idx="1"/>
-          </p:nvPr>
-        </p:nvSpPr>
-        <p:spPr/>
-        <p:txBody>
-          <a:bodyPr/>
-          <a:lstStyle/>
-          <a:p>
-            <a:r>
-              <a:rPr lang="ja-JP" altLang="en-US" dirty="0"/>
-              <a:t>ウォームスタンバイの問題点</a:t>
-            </a:r>
-            <a:endParaRPr lang="en-US" altLang="ja-JP" dirty="0"/>
-          </a:p>
-          <a:p>
-            <a:pPr>
-              <a:buFont typeface="Wingdings" pitchFamily="2" charset="2"/>
-              <a:buChar char="l"/>
-            </a:pPr>
-            <a:r>
-              <a:rPr lang="ja-JP" altLang="en-US" dirty="0"/>
-              <a:t>待機系を常時動作する必要があるため，コストがかかる</a:t>
-            </a:r>
-          </a:p>
-        </p:txBody>
-      </p:sp>
     </p:spTree>
     <p:extLst>
       <p:ext uri="{BB962C8B-B14F-4D97-AF65-F5344CB8AC3E}">
@@ -11732,12 +11824,87 @@
           <a:chExt cx="0" cy="0"/>
         </a:xfrm>
       </p:grpSpPr>
+      <p:sp>
+        <p:nvSpPr>
+          <p:cNvPr id="2" name="タイトル 1">
+            <a:extLst>
+              <a:ext uri="{FF2B5EF4-FFF2-40B4-BE49-F238E27FC236}">
+                <a16:creationId xmlns:a16="http://schemas.microsoft.com/office/drawing/2014/main" id="{60637218-BE40-EF4F-8DCF-B8DC982E0FB5}"/>
+              </a:ext>
+            </a:extLst>
+          </p:cNvPr>
+          <p:cNvSpPr>
+            <a:spLocks noGrp="1"/>
+          </p:cNvSpPr>
+          <p:nvPr>
+            <p:ph type="title"/>
+          </p:nvPr>
+        </p:nvSpPr>
+        <p:spPr/>
+        <p:txBody>
+          <a:bodyPr/>
+          <a:lstStyle/>
+          <a:p>
+            <a:r>
+              <a:rPr lang="ja-JP" altLang="en-US" dirty="0"/>
+              <a:t>研究背景（</a:t>
+            </a:r>
+            <a:r>
+              <a:rPr lang="en-US" altLang="ja-JP" dirty="0"/>
+              <a:t>4</a:t>
+            </a:r>
+            <a:r>
+              <a:rPr lang="ja-JP" altLang="en-US" dirty="0"/>
+              <a:t>）</a:t>
+            </a:r>
+          </a:p>
+        </p:txBody>
+      </p:sp>
+      <p:sp>
+        <p:nvSpPr>
+          <p:cNvPr id="3" name="コンテンツ プレースホルダー 2">
+            <a:extLst>
+              <a:ext uri="{FF2B5EF4-FFF2-40B4-BE49-F238E27FC236}">
+                <a16:creationId xmlns:a16="http://schemas.microsoft.com/office/drawing/2014/main" id="{5B92B723-B594-664D-A853-581FAD774F6C}"/>
+              </a:ext>
+            </a:extLst>
+          </p:cNvPr>
+          <p:cNvSpPr>
+            <a:spLocks noGrp="1"/>
+          </p:cNvSpPr>
+          <p:nvPr>
+            <p:ph idx="1"/>
+          </p:nvPr>
+        </p:nvSpPr>
+        <p:spPr/>
+        <p:txBody>
+          <a:bodyPr/>
+          <a:lstStyle/>
+          <a:p>
+            <a:r>
+              <a:rPr lang="ja-JP" altLang="en-US" dirty="0"/>
+              <a:t>コールドスタンバイの問題点</a:t>
+            </a:r>
+            <a:endParaRPr lang="en-US" altLang="ja-JP" dirty="0"/>
+          </a:p>
+          <a:p>
+            <a:pPr>
+              <a:buFont typeface="Wingdings" pitchFamily="2" charset="2"/>
+              <a:buChar char="l"/>
+            </a:pPr>
+            <a:r>
+              <a:rPr lang="ja-JP" altLang="en-US" dirty="0"/>
+              <a:t>復旧時間が長くなる</a:t>
+            </a:r>
+          </a:p>
+        </p:txBody>
+      </p:sp>
       <p:pic>
         <p:nvPicPr>
-          <p:cNvPr id="5" name="図 4">
+          <p:cNvPr id="6" name="図 5">
             <a:extLst>
               <a:ext uri="{FF2B5EF4-FFF2-40B4-BE49-F238E27FC236}">
-                <a16:creationId xmlns:a16="http://schemas.microsoft.com/office/drawing/2014/main" id="{72FD7014-EAAE-4C1A-9A96-089F307777BB}"/>
+                <a16:creationId xmlns:a16="http://schemas.microsoft.com/office/drawing/2014/main" id="{8A045789-C8D8-42F0-80B2-B57D97BAF7EC}"/>
               </a:ext>
             </a:extLst>
           </p:cNvPr>
@@ -11760,89 +11927,14 @@
         </p:blipFill>
         <p:spPr>
           <a:xfrm>
-            <a:off x="96135" y="2726132"/>
-            <a:ext cx="8951730" cy="3400348"/>
+            <a:off x="210706" y="2790186"/>
+            <a:ext cx="8722588" cy="3332754"/>
           </a:xfrm>
           <a:prstGeom prst="rect">
             <a:avLst/>
           </a:prstGeom>
         </p:spPr>
       </p:pic>
-      <p:sp>
-        <p:nvSpPr>
-          <p:cNvPr id="2" name="タイトル 1">
-            <a:extLst>
-              <a:ext uri="{FF2B5EF4-FFF2-40B4-BE49-F238E27FC236}">
-                <a16:creationId xmlns:a16="http://schemas.microsoft.com/office/drawing/2014/main" id="{60637218-BE40-EF4F-8DCF-B8DC982E0FB5}"/>
-              </a:ext>
-            </a:extLst>
-          </p:cNvPr>
-          <p:cNvSpPr>
-            <a:spLocks noGrp="1"/>
-          </p:cNvSpPr>
-          <p:nvPr>
-            <p:ph type="title"/>
-          </p:nvPr>
-        </p:nvSpPr>
-        <p:spPr/>
-        <p:txBody>
-          <a:bodyPr/>
-          <a:lstStyle/>
-          <a:p>
-            <a:r>
-              <a:rPr lang="ja-JP" altLang="en-US" dirty="0"/>
-              <a:t>研究背景（</a:t>
-            </a:r>
-            <a:r>
-              <a:rPr lang="en-US" altLang="ja-JP" dirty="0"/>
-              <a:t>4</a:t>
-            </a:r>
-            <a:r>
-              <a:rPr lang="ja-JP" altLang="en-US" dirty="0"/>
-              <a:t>）</a:t>
-            </a:r>
-          </a:p>
-        </p:txBody>
-      </p:sp>
-      <p:sp>
-        <p:nvSpPr>
-          <p:cNvPr id="3" name="コンテンツ プレースホルダー 2">
-            <a:extLst>
-              <a:ext uri="{FF2B5EF4-FFF2-40B4-BE49-F238E27FC236}">
-                <a16:creationId xmlns:a16="http://schemas.microsoft.com/office/drawing/2014/main" id="{5B92B723-B594-664D-A853-581FAD774F6C}"/>
-              </a:ext>
-            </a:extLst>
-          </p:cNvPr>
-          <p:cNvSpPr>
-            <a:spLocks noGrp="1"/>
-          </p:cNvSpPr>
-          <p:nvPr>
-            <p:ph idx="1"/>
-          </p:nvPr>
-        </p:nvSpPr>
-        <p:spPr/>
-        <p:txBody>
-          <a:bodyPr/>
-          <a:lstStyle/>
-          <a:p>
-            <a:r>
-              <a:rPr lang="ja-JP" altLang="en-US" dirty="0"/>
-              <a:t>コールドスタンバイの問題点</a:t>
-            </a:r>
-            <a:endParaRPr lang="en-US" altLang="ja-JP" dirty="0"/>
-          </a:p>
-          <a:p>
-            <a:pPr>
-              <a:buFont typeface="Wingdings" pitchFamily="2" charset="2"/>
-              <a:buChar char="l"/>
-            </a:pPr>
-            <a:r>
-              <a:rPr lang="ja-JP" altLang="en-US" dirty="0"/>
-              <a:t>復旧時間が長くなる</a:t>
-            </a:r>
-          </a:p>
-        </p:txBody>
-      </p:sp>
     </p:spTree>
     <p:extLst>
       <p:ext uri="{BB962C8B-B14F-4D97-AF65-F5344CB8AC3E}">
@@ -11873,42 +11965,6 @@
           <a:chExt cx="0" cy="0"/>
         </a:xfrm>
       </p:grpSpPr>
-      <p:pic>
-        <p:nvPicPr>
-          <p:cNvPr id="6" name="図 5">
-            <a:extLst>
-              <a:ext uri="{FF2B5EF4-FFF2-40B4-BE49-F238E27FC236}">
-                <a16:creationId xmlns:a16="http://schemas.microsoft.com/office/drawing/2014/main" id="{DDBDB3EB-2E04-47CE-A11A-45E03D769AEB}"/>
-              </a:ext>
-            </a:extLst>
-          </p:cNvPr>
-          <p:cNvPicPr>
-            <a:picLocks noChangeAspect="1"/>
-          </p:cNvPicPr>
-          <p:nvPr/>
-        </p:nvPicPr>
-        <p:blipFill>
-          <a:blip r:embed="rId2">
-            <a:extLst>
-              <a:ext uri="{28A0092B-C50C-407E-A947-70E740481C1C}">
-                <a14:useLocalDpi xmlns:a14="http://schemas.microsoft.com/office/drawing/2010/main" val="0"/>
-              </a:ext>
-            </a:extLst>
-          </a:blip>
-          <a:stretch>
-            <a:fillRect/>
-          </a:stretch>
-        </p:blipFill>
-        <p:spPr>
-          <a:xfrm>
-            <a:off x="361949" y="3152775"/>
-            <a:ext cx="8441393" cy="3162130"/>
-          </a:xfrm>
-          <a:prstGeom prst="rect">
-            <a:avLst/>
-          </a:prstGeom>
-        </p:spPr>
-      </p:pic>
       <p:sp>
         <p:nvSpPr>
           <p:cNvPr id="2" name="タイトル 1">
@@ -12088,6 +12144,41 @@
           </a:p>
         </p:txBody>
       </p:sp>
+      <p:pic>
+        <p:nvPicPr>
+          <p:cNvPr id="9" name="図 8">
+            <a:extLst>
+              <a:ext uri="{FF2B5EF4-FFF2-40B4-BE49-F238E27FC236}">
+                <a16:creationId xmlns:a16="http://schemas.microsoft.com/office/drawing/2014/main" id="{6376BC29-4C76-4E2F-9ED5-E101BA9249BF}"/>
+              </a:ext>
+            </a:extLst>
+          </p:cNvPr>
+          <p:cNvPicPr>
+            <a:picLocks noChangeAspect="1"/>
+          </p:cNvPicPr>
+          <p:nvPr/>
+        </p:nvPicPr>
+        <p:blipFill rotWithShape="1">
+          <a:blip r:embed="rId2">
+            <a:extLst>
+              <a:ext uri="{28A0092B-C50C-407E-A947-70E740481C1C}">
+                <a14:useLocalDpi xmlns:a14="http://schemas.microsoft.com/office/drawing/2010/main" val="0"/>
+              </a:ext>
+            </a:extLst>
+          </a:blip>
+          <a:srcRect t="3133"/>
+          <a:stretch/>
+        </p:blipFill>
+        <p:spPr>
+          <a:xfrm>
+            <a:off x="330134" y="3172692"/>
+            <a:ext cx="8483731" cy="3075538"/>
+          </a:xfrm>
+          <a:prstGeom prst="rect">
+            <a:avLst/>
+          </a:prstGeom>
+        </p:spPr>
+      </p:pic>
     </p:spTree>
     <p:extLst>
       <p:ext uri="{BB962C8B-B14F-4D97-AF65-F5344CB8AC3E}">
@@ -12236,41 +12327,6 @@
           </a:p>
         </p:txBody>
       </p:sp>
-      <p:pic>
-        <p:nvPicPr>
-          <p:cNvPr id="5" name="図 4">
-            <a:extLst>
-              <a:ext uri="{FF2B5EF4-FFF2-40B4-BE49-F238E27FC236}">
-                <a16:creationId xmlns:a16="http://schemas.microsoft.com/office/drawing/2014/main" id="{6CA1231C-0C3B-4E2B-AFE1-E130C5CBB424}"/>
-              </a:ext>
-            </a:extLst>
-          </p:cNvPr>
-          <p:cNvPicPr>
-            <a:picLocks noChangeAspect="1"/>
-          </p:cNvPicPr>
-          <p:nvPr/>
-        </p:nvPicPr>
-        <p:blipFill rotWithShape="1">
-          <a:blip r:embed="rId2">
-            <a:extLst>
-              <a:ext uri="{28A0092B-C50C-407E-A947-70E740481C1C}">
-                <a14:useLocalDpi xmlns:a14="http://schemas.microsoft.com/office/drawing/2010/main" val="0"/>
-              </a:ext>
-            </a:extLst>
-          </a:blip>
-          <a:srcRect l="3108" t="5475"/>
-          <a:stretch/>
-        </p:blipFill>
-        <p:spPr>
-          <a:xfrm>
-            <a:off x="650693" y="3069772"/>
-            <a:ext cx="7888333" cy="3083612"/>
-          </a:xfrm>
-          <a:prstGeom prst="rect">
-            <a:avLst/>
-          </a:prstGeom>
-        </p:spPr>
-      </p:pic>
       <p:sp>
         <p:nvSpPr>
           <p:cNvPr id="4" name="テキスト ボックス 3">
@@ -12333,6 +12389,42 @@
           </a:p>
         </p:txBody>
       </p:sp>
+      <p:pic>
+        <p:nvPicPr>
+          <p:cNvPr id="7" name="図 6">
+            <a:extLst>
+              <a:ext uri="{FF2B5EF4-FFF2-40B4-BE49-F238E27FC236}">
+                <a16:creationId xmlns:a16="http://schemas.microsoft.com/office/drawing/2014/main" id="{E58BD85A-D198-4D89-9DA0-E6E749EF95CA}"/>
+              </a:ext>
+            </a:extLst>
+          </p:cNvPr>
+          <p:cNvPicPr>
+            <a:picLocks noChangeAspect="1"/>
+          </p:cNvPicPr>
+          <p:nvPr/>
+        </p:nvPicPr>
+        <p:blipFill>
+          <a:blip r:embed="rId2">
+            <a:extLst>
+              <a:ext uri="{28A0092B-C50C-407E-A947-70E740481C1C}">
+                <a14:useLocalDpi xmlns:a14="http://schemas.microsoft.com/office/drawing/2010/main" val="0"/>
+              </a:ext>
+            </a:extLst>
+          </a:blip>
+          <a:stretch>
+            <a:fillRect/>
+          </a:stretch>
+        </p:blipFill>
+        <p:spPr>
+          <a:xfrm>
+            <a:off x="88707" y="2923309"/>
+            <a:ext cx="8966585" cy="3463421"/>
+          </a:xfrm>
+          <a:prstGeom prst="rect">
+            <a:avLst/>
+          </a:prstGeom>
+        </p:spPr>
+      </p:pic>
     </p:spTree>
     <p:extLst>
       <p:ext uri="{BB962C8B-B14F-4D97-AF65-F5344CB8AC3E}">

--- a/輪講2019-1_鈴木洸太.pptx
+++ b/輪講2019-1_鈴木洸太.pptx
@@ -5,7 +5,7 @@
     <p:sldMasterId id="2147483819" r:id="rId1"/>
   </p:sldMasterIdLst>
   <p:notesMasterIdLst>
-    <p:notesMasterId r:id="rId35"/>
+    <p:notesMasterId r:id="rId39"/>
   </p:notesMasterIdLst>
   <p:sldIdLst>
     <p:sldId id="256" r:id="rId2"/>
@@ -20,27 +20,31 @@
     <p:sldId id="263" r:id="rId11"/>
     <p:sldId id="274" r:id="rId12"/>
     <p:sldId id="275" r:id="rId13"/>
-    <p:sldId id="267" r:id="rId14"/>
-    <p:sldId id="290" r:id="rId15"/>
-    <p:sldId id="268" r:id="rId16"/>
-    <p:sldId id="269" r:id="rId17"/>
-    <p:sldId id="271" r:id="rId18"/>
-    <p:sldId id="270" r:id="rId19"/>
-    <p:sldId id="272" r:id="rId20"/>
-    <p:sldId id="273" r:id="rId21"/>
-    <p:sldId id="277" r:id="rId22"/>
-    <p:sldId id="276" r:id="rId23"/>
-    <p:sldId id="280" r:id="rId24"/>
-    <p:sldId id="278" r:id="rId25"/>
-    <p:sldId id="279" r:id="rId26"/>
-    <p:sldId id="282" r:id="rId27"/>
-    <p:sldId id="283" r:id="rId28"/>
-    <p:sldId id="284" r:id="rId29"/>
-    <p:sldId id="285" r:id="rId30"/>
-    <p:sldId id="286" r:id="rId31"/>
-    <p:sldId id="287" r:id="rId32"/>
-    <p:sldId id="288" r:id="rId33"/>
-    <p:sldId id="289" r:id="rId34"/>
+    <p:sldId id="273" r:id="rId14"/>
+    <p:sldId id="267" r:id="rId15"/>
+    <p:sldId id="290" r:id="rId16"/>
+    <p:sldId id="268" r:id="rId17"/>
+    <p:sldId id="294" r:id="rId18"/>
+    <p:sldId id="269" r:id="rId19"/>
+    <p:sldId id="271" r:id="rId20"/>
+    <p:sldId id="270" r:id="rId21"/>
+    <p:sldId id="272" r:id="rId22"/>
+    <p:sldId id="277" r:id="rId23"/>
+    <p:sldId id="276" r:id="rId24"/>
+    <p:sldId id="280" r:id="rId25"/>
+    <p:sldId id="278" r:id="rId26"/>
+    <p:sldId id="279" r:id="rId27"/>
+    <p:sldId id="282" r:id="rId28"/>
+    <p:sldId id="283" r:id="rId29"/>
+    <p:sldId id="284" r:id="rId30"/>
+    <p:sldId id="285" r:id="rId31"/>
+    <p:sldId id="286" r:id="rId32"/>
+    <p:sldId id="287" r:id="rId33"/>
+    <p:sldId id="293" r:id="rId34"/>
+    <p:sldId id="288" r:id="rId35"/>
+    <p:sldId id="289" r:id="rId36"/>
+    <p:sldId id="291" r:id="rId37"/>
+    <p:sldId id="292" r:id="rId38"/>
   </p:sldIdLst>
   <p:sldSz cx="9144000" cy="6858000" type="screen4x3"/>
   <p:notesSz cx="6858000" cy="9144000"/>
@@ -2079,6 +2083,167 @@
           <a:lstStyle/>
           <a:p>
             <a:r>
+              <a:rPr kumimoji="1" lang="ja-JP" altLang="en-US" sz="1200" b="1" i="0" kern="1200" dirty="0">
+                <a:solidFill>
+                  <a:schemeClr val="tx1"/>
+                </a:solidFill>
+                <a:effectLst/>
+                <a:latin typeface="+mn-lt"/>
+                <a:ea typeface="+mn-ea"/>
+                <a:cs typeface="+mn-cs"/>
+              </a:rPr>
+              <a:t>ライブ マイグレーション</a:t>
+            </a:r>
+            <a:r>
+              <a:rPr kumimoji="1" lang="ja-JP" altLang="en-US" sz="1200" b="0" i="0" kern="1200" dirty="0" err="1">
+                <a:solidFill>
+                  <a:schemeClr val="tx1"/>
+                </a:solidFill>
+                <a:effectLst/>
+                <a:latin typeface="+mn-lt"/>
+                <a:ea typeface="+mn-ea"/>
+                <a:cs typeface="+mn-cs"/>
+              </a:rPr>
+              <a:t>．．．</a:t>
+            </a:r>
+            <a:r>
+              <a:rPr kumimoji="1" lang="ja-JP" altLang="en-US" sz="1200" b="0" i="0" kern="1200" dirty="0">
+                <a:solidFill>
+                  <a:schemeClr val="tx1"/>
+                </a:solidFill>
+                <a:effectLst/>
+                <a:latin typeface="+mn-lt"/>
+                <a:ea typeface="+mn-ea"/>
+                <a:cs typeface="+mn-cs"/>
+              </a:rPr>
+              <a:t>サーバ仮想化環境で動いている仮想マシンを、</a:t>
+            </a:r>
+            <a:r>
+              <a:rPr kumimoji="1" lang="en-US" altLang="ja-JP" sz="1200" b="0" i="0" u="sng" kern="1200" dirty="0">
+                <a:solidFill>
+                  <a:schemeClr val="tx1"/>
+                </a:solidFill>
+                <a:effectLst/>
+                <a:latin typeface="+mn-lt"/>
+                <a:ea typeface="+mn-ea"/>
+                <a:cs typeface="+mn-cs"/>
+              </a:rPr>
+              <a:t>OS</a:t>
+            </a:r>
+            <a:r>
+              <a:rPr kumimoji="1" lang="ja-JP" altLang="en-US" sz="1200" b="0" i="0" u="sng" kern="1200" dirty="0">
+                <a:solidFill>
+                  <a:schemeClr val="tx1"/>
+                </a:solidFill>
+                <a:effectLst/>
+                <a:latin typeface="+mn-lt"/>
+                <a:ea typeface="+mn-ea"/>
+                <a:cs typeface="+mn-cs"/>
+              </a:rPr>
+              <a:t>やアプリケーションを停止させることなく</a:t>
+            </a:r>
+            <a:r>
+              <a:rPr kumimoji="1" lang="ja-JP" altLang="en-US" sz="1200" b="0" i="0" kern="1200" dirty="0">
+                <a:solidFill>
+                  <a:schemeClr val="tx1"/>
+                </a:solidFill>
+                <a:effectLst/>
+                <a:latin typeface="+mn-lt"/>
+                <a:ea typeface="+mn-ea"/>
+                <a:cs typeface="+mn-cs"/>
+              </a:rPr>
+              <a:t>、丸ごと別の物理サーバへと移動させること</a:t>
+            </a:r>
+            <a:endParaRPr kumimoji="1" lang="ja-JP" altLang="en-US" dirty="0"/>
+          </a:p>
+        </p:txBody>
+      </p:sp>
+      <p:sp>
+        <p:nvSpPr>
+          <p:cNvPr id="4" name="スライド番号プレースホルダー 3"/>
+          <p:cNvSpPr>
+            <a:spLocks noGrp="1"/>
+          </p:cNvSpPr>
+          <p:nvPr>
+            <p:ph type="sldNum" sz="quarter" idx="5"/>
+          </p:nvPr>
+        </p:nvSpPr>
+        <p:spPr/>
+        <p:txBody>
+          <a:bodyPr/>
+          <a:lstStyle/>
+          <a:p>
+            <a:fld id="{35A96F5C-B295-42E4-9B3C-54734D533512}" type="slidenum">
+              <a:rPr kumimoji="1" lang="ja-JP" altLang="en-US" smtClean="0"/>
+              <a:t>13</a:t>
+            </a:fld>
+            <a:endParaRPr kumimoji="1" lang="ja-JP" altLang="en-US"/>
+          </a:p>
+        </p:txBody>
+      </p:sp>
+    </p:spTree>
+    <p:extLst>
+      <p:ext uri="{BB962C8B-B14F-4D97-AF65-F5344CB8AC3E}">
+        <p14:creationId xmlns:p14="http://schemas.microsoft.com/office/powerpoint/2010/main" val="1334895982"/>
+      </p:ext>
+    </p:extLst>
+  </p:cSld>
+  <p:clrMapOvr>
+    <a:masterClrMapping/>
+  </p:clrMapOvr>
+</p:notes>
+</file>
+
+<file path=ppt/notesSlides/notesSlide2.xml><?xml version="1.0" encoding="utf-8"?>
+<p:notes xmlns:a="http://schemas.openxmlformats.org/drawingml/2006/main" xmlns:r="http://schemas.openxmlformats.org/officeDocument/2006/relationships" xmlns:p="http://schemas.openxmlformats.org/presentationml/2006/main">
+  <p:cSld>
+    <p:spTree>
+      <p:nvGrpSpPr>
+        <p:cNvPr id="1" name=""/>
+        <p:cNvGrpSpPr/>
+        <p:nvPr/>
+      </p:nvGrpSpPr>
+      <p:grpSpPr>
+        <a:xfrm>
+          <a:off x="0" y="0"/>
+          <a:ext cx="0" cy="0"/>
+          <a:chOff x="0" y="0"/>
+          <a:chExt cx="0" cy="0"/>
+        </a:xfrm>
+      </p:grpSpPr>
+      <p:sp>
+        <p:nvSpPr>
+          <p:cNvPr id="2" name="スライド イメージ プレースホルダー 1"/>
+          <p:cNvSpPr>
+            <a:spLocks noGrp="1" noRot="1" noChangeAspect="1"/>
+          </p:cNvSpPr>
+          <p:nvPr>
+            <p:ph type="sldImg"/>
+          </p:nvPr>
+        </p:nvSpPr>
+        <p:spPr>
+          <a:xfrm>
+            <a:off x="1371600" y="1143000"/>
+            <a:ext cx="4114800" cy="3086100"/>
+          </a:xfrm>
+        </p:spPr>
+      </p:sp>
+      <p:sp>
+        <p:nvSpPr>
+          <p:cNvPr id="3" name="ノート プレースホルダー 2"/>
+          <p:cNvSpPr>
+            <a:spLocks noGrp="1"/>
+          </p:cNvSpPr>
+          <p:nvPr>
+            <p:ph type="body" idx="1"/>
+          </p:nvPr>
+        </p:nvSpPr>
+        <p:spPr/>
+        <p:txBody>
+          <a:bodyPr/>
+          <a:lstStyle/>
+          <a:p>
+            <a:r>
               <a:rPr kumimoji="1" lang="ja-JP" altLang="en-US" dirty="0"/>
               <a:t>ストレージバックエンド</a:t>
             </a:r>
@@ -2113,7 +2278,7 @@
           <a:p>
             <a:fld id="{35A96F5C-B295-42E4-9B3C-54734D533512}" type="slidenum">
               <a:rPr kumimoji="1" lang="ja-JP" altLang="en-US" smtClean="0"/>
-              <a:t>28</a:t>
+              <a:t>29</a:t>
             </a:fld>
             <a:endParaRPr kumimoji="1" lang="ja-JP" altLang="en-US"/>
           </a:p>
@@ -6752,12 +6917,141 @@
           <a:chExt cx="0" cy="0"/>
         </a:xfrm>
       </p:grpSpPr>
+      <p:sp>
+        <p:nvSpPr>
+          <p:cNvPr id="2" name="タイトル 1">
+            <a:extLst>
+              <a:ext uri="{FF2B5EF4-FFF2-40B4-BE49-F238E27FC236}">
+                <a16:creationId xmlns:a16="http://schemas.microsoft.com/office/drawing/2014/main" id="{BAE3C59E-8D4C-4FFF-8230-266B26C02D21}"/>
+              </a:ext>
+            </a:extLst>
+          </p:cNvPr>
+          <p:cNvSpPr>
+            <a:spLocks noGrp="1"/>
+          </p:cNvSpPr>
+          <p:nvPr>
+            <p:ph type="title"/>
+          </p:nvPr>
+        </p:nvSpPr>
+        <p:spPr/>
+        <p:txBody>
+          <a:bodyPr/>
+          <a:lstStyle/>
+          <a:p>
+            <a:r>
+              <a:rPr lang="ja-JP" altLang="en-US" dirty="0"/>
+              <a:t>提案システム概要（</a:t>
+            </a:r>
+            <a:r>
+              <a:rPr lang="en-US" altLang="ja-JP" dirty="0"/>
+              <a:t>4</a:t>
+            </a:r>
+            <a:r>
+              <a:rPr lang="ja-JP" altLang="en-US" dirty="0"/>
+              <a:t>）</a:t>
+            </a:r>
+            <a:endParaRPr kumimoji="1" lang="ja-JP" altLang="en-US" dirty="0"/>
+          </a:p>
+        </p:txBody>
+      </p:sp>
+      <p:sp>
+        <p:nvSpPr>
+          <p:cNvPr id="3" name="コンテンツ プレースホルダー 2">
+            <a:extLst>
+              <a:ext uri="{FF2B5EF4-FFF2-40B4-BE49-F238E27FC236}">
+                <a16:creationId xmlns:a16="http://schemas.microsoft.com/office/drawing/2014/main" id="{085C08DD-0913-40F1-9371-8262A332B14A}"/>
+              </a:ext>
+            </a:extLst>
+          </p:cNvPr>
+          <p:cNvSpPr>
+            <a:spLocks noGrp="1"/>
+          </p:cNvSpPr>
+          <p:nvPr>
+            <p:ph idx="1"/>
+          </p:nvPr>
+        </p:nvSpPr>
+        <p:spPr/>
+        <p:txBody>
+          <a:bodyPr/>
+          <a:lstStyle/>
+          <a:p>
+            <a:pPr>
+              <a:buFont typeface="Wingdings" panose="05000000000000000000" pitchFamily="2" charset="2"/>
+              <a:buChar char="l"/>
+            </a:pPr>
+            <a:r>
+              <a:rPr lang="en-US" altLang="ja-JP" dirty="0"/>
+              <a:t>LXD</a:t>
+            </a:r>
+          </a:p>
+          <a:p>
+            <a:pPr lvl="1">
+              <a:buFont typeface="Wingdings" panose="05000000000000000000" pitchFamily="2" charset="2"/>
+              <a:buChar char="l"/>
+            </a:pPr>
+            <a:r>
+              <a:rPr lang="ja-JP" altLang="en-US" dirty="0"/>
+              <a:t>コンテナを提供するシステム</a:t>
+            </a:r>
+            <a:endParaRPr lang="en-US" altLang="ja-JP" dirty="0"/>
+          </a:p>
+          <a:p>
+            <a:pPr lvl="1">
+              <a:buFont typeface="Wingdings" panose="05000000000000000000" pitchFamily="2" charset="2"/>
+              <a:buChar char="l"/>
+            </a:pPr>
+            <a:r>
+              <a:rPr lang="ja-JP" altLang="en-US" dirty="0"/>
+              <a:t>コンテナを停止せずに</a:t>
+            </a:r>
+            <a:r>
+              <a:rPr lang="en-US" altLang="ja-JP" dirty="0"/>
+              <a:t>VM</a:t>
+            </a:r>
+            <a:r>
+              <a:rPr lang="ja-JP" altLang="en-US" dirty="0"/>
+              <a:t>間でマイグレーション可能</a:t>
+            </a:r>
+            <a:endParaRPr lang="en-US" altLang="ja-JP" dirty="0"/>
+          </a:p>
+          <a:p>
+            <a:pPr lvl="1">
+              <a:buFont typeface="Wingdings" panose="05000000000000000000" pitchFamily="2" charset="2"/>
+              <a:buChar char="l"/>
+            </a:pPr>
+            <a:r>
+              <a:rPr lang="en-US" altLang="ja-JP" dirty="0"/>
+              <a:t>LXD</a:t>
+            </a:r>
+            <a:r>
+              <a:rPr lang="ja-JP" altLang="en-US" dirty="0"/>
+              <a:t> </a:t>
+            </a:r>
+            <a:r>
+              <a:rPr lang="en-US" altLang="ja-JP" dirty="0"/>
+              <a:t>2.21</a:t>
+            </a:r>
+            <a:r>
+              <a:rPr lang="ja-JP" altLang="en-US" dirty="0"/>
+              <a:t>ではライブマイグレーション可能</a:t>
+            </a:r>
+            <a:endParaRPr lang="en-US" altLang="ja-JP" dirty="0"/>
+          </a:p>
+          <a:p>
+            <a:pPr>
+              <a:buFont typeface="Wingdings" panose="05000000000000000000" pitchFamily="2" charset="2"/>
+              <a:buChar char="l"/>
+            </a:pPr>
+            <a:endParaRPr kumimoji="1" lang="ja-JP" altLang="en-US" dirty="0"/>
+          </a:p>
+        </p:txBody>
+      </p:sp>
       <p:pic>
         <p:nvPicPr>
           <p:cNvPr id="5" name="図 4">
             <a:extLst>
               <a:ext uri="{FF2B5EF4-FFF2-40B4-BE49-F238E27FC236}">
-                <a16:creationId xmlns:a16="http://schemas.microsoft.com/office/drawing/2014/main" id="{020F27FE-84AD-4D13-8EEA-135D5E99EBF0}"/>
+                <a16:creationId xmlns:a16="http://schemas.microsoft.com/office/drawing/2014/main" id="{E4F07E5F-1C0D-4DC1-9B56-D97B38F8A8B9}"/>
               </a:ext>
             </a:extLst>
           </p:cNvPr>
@@ -6767,7 +7061,7 @@
           <p:nvPr/>
         </p:nvPicPr>
         <p:blipFill>
-          <a:blip r:embed="rId2">
+          <a:blip r:embed="rId3">
             <a:extLst>
               <a:ext uri="{28A0092B-C50C-407E-A947-70E740481C1C}">
                 <a14:useLocalDpi xmlns:a14="http://schemas.microsoft.com/office/drawing/2010/main" val="0"/>
@@ -6780,215 +7074,18 @@
         </p:blipFill>
         <p:spPr>
           <a:xfrm>
-            <a:off x="822960" y="3429000"/>
-            <a:ext cx="7171509" cy="3254858"/>
+            <a:off x="2200058" y="3616134"/>
+            <a:ext cx="4743883" cy="2148312"/>
           </a:xfrm>
           <a:prstGeom prst="rect">
             <a:avLst/>
           </a:prstGeom>
         </p:spPr>
       </p:pic>
-      <p:sp>
-        <p:nvSpPr>
-          <p:cNvPr id="2" name="タイトル 1">
-            <a:extLst>
-              <a:ext uri="{FF2B5EF4-FFF2-40B4-BE49-F238E27FC236}">
-                <a16:creationId xmlns:a16="http://schemas.microsoft.com/office/drawing/2014/main" id="{EC4A469D-1792-4868-8D82-EBD2C4459C92}"/>
-              </a:ext>
-            </a:extLst>
-          </p:cNvPr>
-          <p:cNvSpPr>
-            <a:spLocks noGrp="1"/>
-          </p:cNvSpPr>
-          <p:nvPr>
-            <p:ph type="title"/>
-          </p:nvPr>
-        </p:nvSpPr>
-        <p:spPr/>
-        <p:txBody>
-          <a:bodyPr/>
-          <a:lstStyle/>
-          <a:p>
-            <a:r>
-              <a:rPr kumimoji="1" lang="ja-JP" altLang="en-US" dirty="0"/>
-              <a:t>障害検知（</a:t>
-            </a:r>
-            <a:r>
-              <a:rPr kumimoji="1" lang="en-US" altLang="ja-JP" dirty="0"/>
-              <a:t>1</a:t>
-            </a:r>
-            <a:r>
-              <a:rPr kumimoji="1" lang="ja-JP" altLang="en-US" dirty="0"/>
-              <a:t>）</a:t>
-            </a:r>
-          </a:p>
-        </p:txBody>
-      </p:sp>
-      <p:sp>
-        <p:nvSpPr>
-          <p:cNvPr id="3" name="コンテンツ プレースホルダー 2">
-            <a:extLst>
-              <a:ext uri="{FF2B5EF4-FFF2-40B4-BE49-F238E27FC236}">
-                <a16:creationId xmlns:a16="http://schemas.microsoft.com/office/drawing/2014/main" id="{AFD79DFF-18FD-4ED2-9DA6-5A77D8747F64}"/>
-              </a:ext>
-            </a:extLst>
-          </p:cNvPr>
-          <p:cNvSpPr>
-            <a:spLocks noGrp="1"/>
-          </p:cNvSpPr>
-          <p:nvPr>
-            <p:ph idx="1"/>
-          </p:nvPr>
-        </p:nvSpPr>
-        <p:spPr/>
-        <p:txBody>
-          <a:bodyPr/>
-          <a:lstStyle/>
-          <a:p>
-            <a:pPr>
-              <a:buFont typeface="Wingdings" panose="05000000000000000000" pitchFamily="2" charset="2"/>
-              <a:buChar char="l"/>
-            </a:pPr>
-            <a:r>
-              <a:rPr kumimoji="1" lang="en-US" altLang="ja-JP" dirty="0" err="1"/>
-              <a:t>libvirt-snmp</a:t>
-            </a:r>
-            <a:r>
-              <a:rPr kumimoji="1" lang="ja-JP" altLang="en-US" dirty="0"/>
-              <a:t>を用いて</a:t>
-            </a:r>
-            <a:r>
-              <a:rPr kumimoji="1" lang="en-US" altLang="ja-JP" dirty="0"/>
-              <a:t>VM</a:t>
-            </a:r>
-            <a:r>
-              <a:rPr kumimoji="1" lang="ja-JP" altLang="en-US" dirty="0"/>
-              <a:t>の</a:t>
-            </a:r>
-            <a:r>
-              <a:rPr kumimoji="1" lang="en-US" altLang="ja-JP" dirty="0"/>
-              <a:t>CPU</a:t>
-            </a:r>
-            <a:r>
-              <a:rPr kumimoji="1" lang="ja-JP" altLang="en-US" dirty="0"/>
-              <a:t>使用量を</a:t>
-            </a:r>
-            <a:r>
-              <a:rPr kumimoji="1" lang="en-US" altLang="ja-JP" dirty="0"/>
-              <a:t>5</a:t>
-            </a:r>
-            <a:r>
-              <a:rPr kumimoji="1" lang="ja-JP" altLang="en-US" dirty="0"/>
-              <a:t>秒間隔で取得</a:t>
-            </a:r>
-            <a:endParaRPr kumimoji="1" lang="en-US" altLang="ja-JP" dirty="0"/>
-          </a:p>
-          <a:p>
-            <a:pPr lvl="1">
-              <a:buFont typeface="Wingdings" panose="05000000000000000000" pitchFamily="2" charset="2"/>
-              <a:buChar char="l"/>
-            </a:pPr>
-            <a:r>
-              <a:rPr lang="ja-JP" altLang="en-US" dirty="0"/>
-              <a:t>取得した</a:t>
-            </a:r>
-            <a:r>
-              <a:rPr lang="en-US" altLang="ja-JP" dirty="0"/>
-              <a:t>CPU</a:t>
-            </a:r>
-            <a:r>
-              <a:rPr lang="ja-JP" altLang="en-US" dirty="0"/>
-              <a:t>使用量と</a:t>
-            </a:r>
-            <a:r>
-              <a:rPr lang="en-US" altLang="ja-JP" dirty="0"/>
-              <a:t>5</a:t>
-            </a:r>
-            <a:r>
-              <a:rPr lang="ja-JP" altLang="en-US" dirty="0"/>
-              <a:t>秒前の</a:t>
-            </a:r>
-            <a:r>
-              <a:rPr lang="en-US" altLang="ja-JP" dirty="0"/>
-              <a:t>CPU</a:t>
-            </a:r>
-            <a:r>
-              <a:rPr lang="ja-JP" altLang="en-US" dirty="0"/>
-              <a:t>使用量の差分から</a:t>
-            </a:r>
-            <a:r>
-              <a:rPr lang="en-US" altLang="ja-JP" dirty="0"/>
-              <a:t>CPU</a:t>
-            </a:r>
-            <a:r>
-              <a:rPr lang="ja-JP" altLang="en-US" dirty="0"/>
-              <a:t>使用率を算出</a:t>
-            </a:r>
-            <a:endParaRPr kumimoji="1" lang="en-US" altLang="ja-JP" dirty="0"/>
-          </a:p>
-          <a:p>
-            <a:pPr>
-              <a:buFont typeface="Wingdings" panose="05000000000000000000" pitchFamily="2" charset="2"/>
-              <a:buChar char="l"/>
-            </a:pPr>
-            <a:r>
-              <a:rPr lang="ja-JP" altLang="en-US" dirty="0"/>
-              <a:t>求めた</a:t>
-            </a:r>
-            <a:r>
-              <a:rPr lang="en-US" altLang="ja-JP" dirty="0"/>
-              <a:t>CPU</a:t>
-            </a:r>
-            <a:r>
-              <a:rPr lang="ja-JP" altLang="en-US" dirty="0"/>
-              <a:t>使用率を</a:t>
-            </a:r>
-            <a:r>
-              <a:rPr lang="en-US" altLang="ja-JP" dirty="0"/>
-              <a:t>Zabbix</a:t>
-            </a:r>
-            <a:r>
-              <a:rPr lang="ja-JP" altLang="en-US" dirty="0"/>
-              <a:t> </a:t>
-            </a:r>
-            <a:r>
-              <a:rPr lang="en-US" altLang="ja-JP" dirty="0"/>
-              <a:t>Sender</a:t>
-            </a:r>
-            <a:r>
-              <a:rPr lang="ja-JP" altLang="en-US" dirty="0"/>
-              <a:t>を利用して</a:t>
-            </a:r>
-            <a:r>
-              <a:rPr lang="en-US" altLang="ja-JP" dirty="0"/>
-              <a:t>Zabbix</a:t>
-            </a:r>
-            <a:r>
-              <a:rPr lang="ja-JP" altLang="en-US" dirty="0"/>
-              <a:t>サーバに送信</a:t>
-            </a:r>
-            <a:endParaRPr lang="en-US" altLang="ja-JP" dirty="0"/>
-          </a:p>
-          <a:p>
-            <a:pPr lvl="1">
-              <a:buFont typeface="Wingdings" panose="05000000000000000000" pitchFamily="2" charset="2"/>
-              <a:buChar char="l"/>
-            </a:pPr>
-            <a:r>
-              <a:rPr kumimoji="1" lang="en-US" altLang="ja-JP" dirty="0"/>
-              <a:t>VM</a:t>
-            </a:r>
-            <a:r>
-              <a:rPr kumimoji="1" lang="ja-JP" altLang="en-US" dirty="0"/>
-              <a:t>内システムの過負荷状態，異常停止を検出</a:t>
-            </a:r>
-          </a:p>
-        </p:txBody>
-      </p:sp>
     </p:spTree>
     <p:extLst>
       <p:ext uri="{BB962C8B-B14F-4D97-AF65-F5344CB8AC3E}">
-        <p14:creationId xmlns:p14="http://schemas.microsoft.com/office/powerpoint/2010/main" val="3497055469"/>
+        <p14:creationId xmlns:p14="http://schemas.microsoft.com/office/powerpoint/2010/main" val="2218197693"/>
       </p:ext>
     </p:extLst>
   </p:cSld>
@@ -7015,6 +7112,211 @@
           <a:chExt cx="0" cy="0"/>
         </a:xfrm>
       </p:grpSpPr>
+      <p:pic>
+        <p:nvPicPr>
+          <p:cNvPr id="6" name="図 5">
+            <a:extLst>
+              <a:ext uri="{FF2B5EF4-FFF2-40B4-BE49-F238E27FC236}">
+                <a16:creationId xmlns:a16="http://schemas.microsoft.com/office/drawing/2014/main" id="{A9D477F1-66BF-497E-9592-C4FC21F3196B}"/>
+              </a:ext>
+            </a:extLst>
+          </p:cNvPr>
+          <p:cNvPicPr>
+            <a:picLocks noChangeAspect="1"/>
+          </p:cNvPicPr>
+          <p:nvPr/>
+        </p:nvPicPr>
+        <p:blipFill rotWithShape="1">
+          <a:blip r:embed="rId2">
+            <a:extLst>
+              <a:ext uri="{28A0092B-C50C-407E-A947-70E740481C1C}">
+                <a14:useLocalDpi xmlns:a14="http://schemas.microsoft.com/office/drawing/2010/main" val="0"/>
+              </a:ext>
+            </a:extLst>
+          </a:blip>
+          <a:srcRect t="7937" r="37035"/>
+          <a:stretch/>
+        </p:blipFill>
+        <p:spPr>
+          <a:xfrm>
+            <a:off x="2256212" y="2881745"/>
+            <a:ext cx="4677295" cy="3689651"/>
+          </a:xfrm>
+          <a:prstGeom prst="rect">
+            <a:avLst/>
+          </a:prstGeom>
+        </p:spPr>
+      </p:pic>
+      <p:sp>
+        <p:nvSpPr>
+          <p:cNvPr id="2" name="タイトル 1">
+            <a:extLst>
+              <a:ext uri="{FF2B5EF4-FFF2-40B4-BE49-F238E27FC236}">
+                <a16:creationId xmlns:a16="http://schemas.microsoft.com/office/drawing/2014/main" id="{EC4A469D-1792-4868-8D82-EBD2C4459C92}"/>
+              </a:ext>
+            </a:extLst>
+          </p:cNvPr>
+          <p:cNvSpPr>
+            <a:spLocks noGrp="1"/>
+          </p:cNvSpPr>
+          <p:nvPr>
+            <p:ph type="title"/>
+          </p:nvPr>
+        </p:nvSpPr>
+        <p:spPr/>
+        <p:txBody>
+          <a:bodyPr/>
+          <a:lstStyle/>
+          <a:p>
+            <a:r>
+              <a:rPr kumimoji="1" lang="ja-JP" altLang="en-US" dirty="0"/>
+              <a:t>障害検知（</a:t>
+            </a:r>
+            <a:r>
+              <a:rPr kumimoji="1" lang="en-US" altLang="ja-JP" dirty="0"/>
+              <a:t>1</a:t>
+            </a:r>
+            <a:r>
+              <a:rPr kumimoji="1" lang="ja-JP" altLang="en-US" dirty="0"/>
+              <a:t>）</a:t>
+            </a:r>
+          </a:p>
+        </p:txBody>
+      </p:sp>
+      <p:sp>
+        <p:nvSpPr>
+          <p:cNvPr id="3" name="コンテンツ プレースホルダー 2">
+            <a:extLst>
+              <a:ext uri="{FF2B5EF4-FFF2-40B4-BE49-F238E27FC236}">
+                <a16:creationId xmlns:a16="http://schemas.microsoft.com/office/drawing/2014/main" id="{AFD79DFF-18FD-4ED2-9DA6-5A77D8747F64}"/>
+              </a:ext>
+            </a:extLst>
+          </p:cNvPr>
+          <p:cNvSpPr>
+            <a:spLocks noGrp="1"/>
+          </p:cNvSpPr>
+          <p:nvPr>
+            <p:ph idx="1"/>
+          </p:nvPr>
+        </p:nvSpPr>
+        <p:spPr/>
+        <p:txBody>
+          <a:bodyPr/>
+          <a:lstStyle/>
+          <a:p>
+            <a:pPr>
+              <a:buFont typeface="Wingdings" panose="05000000000000000000" pitchFamily="2" charset="2"/>
+              <a:buChar char="l"/>
+            </a:pPr>
+            <a:r>
+              <a:rPr kumimoji="1" lang="en-US" altLang="ja-JP" dirty="0" err="1"/>
+              <a:t>libvirt-snmp</a:t>
+            </a:r>
+            <a:r>
+              <a:rPr kumimoji="1" lang="ja-JP" altLang="en-US" dirty="0"/>
+              <a:t>を用いて</a:t>
+            </a:r>
+            <a:r>
+              <a:rPr kumimoji="1" lang="en-US" altLang="ja-JP" dirty="0"/>
+              <a:t>VM</a:t>
+            </a:r>
+            <a:r>
+              <a:rPr kumimoji="1" lang="ja-JP" altLang="en-US" dirty="0"/>
+              <a:t>の</a:t>
+            </a:r>
+            <a:r>
+              <a:rPr kumimoji="1" lang="en-US" altLang="ja-JP" dirty="0"/>
+              <a:t>CPU</a:t>
+            </a:r>
+            <a:r>
+              <a:rPr kumimoji="1" lang="ja-JP" altLang="en-US" dirty="0"/>
+              <a:t>使用量を</a:t>
+            </a:r>
+            <a:r>
+              <a:rPr kumimoji="1" lang="en-US" altLang="ja-JP" dirty="0"/>
+              <a:t>5</a:t>
+            </a:r>
+            <a:r>
+              <a:rPr kumimoji="1" lang="ja-JP" altLang="en-US" dirty="0"/>
+              <a:t>秒間隔で取得</a:t>
+            </a:r>
+            <a:endParaRPr kumimoji="1" lang="en-US" altLang="ja-JP" dirty="0"/>
+          </a:p>
+          <a:p>
+            <a:pPr>
+              <a:buFont typeface="Wingdings" panose="05000000000000000000" pitchFamily="2" charset="2"/>
+              <a:buChar char="l"/>
+            </a:pPr>
+            <a:r>
+              <a:rPr lang="ja-JP" altLang="en-US" dirty="0"/>
+              <a:t>取得した</a:t>
+            </a:r>
+            <a:r>
+              <a:rPr lang="en-US" altLang="ja-JP" dirty="0"/>
+              <a:t>CPU</a:t>
+            </a:r>
+            <a:r>
+              <a:rPr lang="ja-JP" altLang="en-US" dirty="0"/>
+              <a:t>使用量と</a:t>
+            </a:r>
+            <a:r>
+              <a:rPr lang="en-US" altLang="ja-JP" dirty="0"/>
+              <a:t>5</a:t>
+            </a:r>
+            <a:r>
+              <a:rPr lang="ja-JP" altLang="en-US" dirty="0"/>
+              <a:t>秒前の</a:t>
+            </a:r>
+            <a:r>
+              <a:rPr lang="en-US" altLang="ja-JP" dirty="0"/>
+              <a:t>CPU</a:t>
+            </a:r>
+            <a:r>
+              <a:rPr lang="ja-JP" altLang="en-US" dirty="0"/>
+              <a:t>使用量の差分から</a:t>
+            </a:r>
+            <a:r>
+              <a:rPr lang="en-US" altLang="ja-JP" dirty="0"/>
+              <a:t>CPU</a:t>
+            </a:r>
+            <a:r>
+              <a:rPr lang="ja-JP" altLang="en-US" dirty="0"/>
+              <a:t>使用率を算出</a:t>
+            </a:r>
+            <a:endParaRPr kumimoji="1" lang="en-US" altLang="ja-JP" dirty="0"/>
+          </a:p>
+        </p:txBody>
+      </p:sp>
+    </p:spTree>
+    <p:extLst>
+      <p:ext uri="{BB962C8B-B14F-4D97-AF65-F5344CB8AC3E}">
+        <p14:creationId xmlns:p14="http://schemas.microsoft.com/office/powerpoint/2010/main" val="3497055469"/>
+      </p:ext>
+    </p:extLst>
+  </p:cSld>
+  <p:clrMapOvr>
+    <a:masterClrMapping/>
+  </p:clrMapOvr>
+</p:sld>
+</file>
+
+<file path=ppt/slides/slide15.xml><?xml version="1.0" encoding="utf-8"?>
+<p:sld xmlns:a="http://schemas.openxmlformats.org/drawingml/2006/main" xmlns:r="http://schemas.openxmlformats.org/officeDocument/2006/relationships" xmlns:p="http://schemas.openxmlformats.org/presentationml/2006/main">
+  <p:cSld>
+    <p:spTree>
+      <p:nvGrpSpPr>
+        <p:cNvPr id="1" name=""/>
+        <p:cNvGrpSpPr/>
+        <p:nvPr/>
+      </p:nvGrpSpPr>
+      <p:grpSpPr>
+        <a:xfrm>
+          <a:off x="0" y="0"/>
+          <a:ext cx="0" cy="0"/>
+          <a:chOff x="0" y="0"/>
+          <a:chExt cx="0" cy="0"/>
+        </a:xfrm>
+      </p:grpSpPr>
       <p:sp>
         <p:nvSpPr>
           <p:cNvPr id="2" name="タイトル 1">
@@ -7036,7 +7338,19 @@
           <a:bodyPr/>
           <a:lstStyle/>
           <a:p>
-            <a:endParaRPr kumimoji="1" lang="ja-JP" altLang="en-US"/>
+            <a:r>
+              <a:rPr lang="ja-JP" altLang="en-US" dirty="0"/>
+              <a:t>障害検知（</a:t>
+            </a:r>
+            <a:r>
+              <a:rPr lang="en-US" altLang="ja-JP" dirty="0"/>
+              <a:t>2</a:t>
+            </a:r>
+            <a:r>
+              <a:rPr lang="ja-JP" altLang="en-US" dirty="0"/>
+              <a:t>）</a:t>
+            </a:r>
+            <a:endParaRPr kumimoji="1" lang="ja-JP" altLang="en-US" dirty="0"/>
           </a:p>
         </p:txBody>
       </p:sp>
@@ -7061,10 +7375,102 @@
           <a:bodyPr/>
           <a:lstStyle/>
           <a:p>
-            <a:endParaRPr kumimoji="1" lang="ja-JP" altLang="en-US"/>
-          </a:p>
-        </p:txBody>
-      </p:sp>
+            <a:pPr>
+              <a:buFont typeface="Wingdings" panose="05000000000000000000" pitchFamily="2" charset="2"/>
+              <a:buChar char="l"/>
+            </a:pPr>
+            <a:r>
+              <a:rPr lang="ja-JP" altLang="en-US" dirty="0"/>
+              <a:t>求めた</a:t>
+            </a:r>
+            <a:r>
+              <a:rPr lang="en-US" altLang="ja-JP" dirty="0"/>
+              <a:t>CPU</a:t>
+            </a:r>
+            <a:r>
+              <a:rPr lang="ja-JP" altLang="en-US" dirty="0"/>
+              <a:t>使用率を</a:t>
+            </a:r>
+            <a:r>
+              <a:rPr lang="en-US" altLang="ja-JP" dirty="0"/>
+              <a:t>Zabbix</a:t>
+            </a:r>
+            <a:r>
+              <a:rPr lang="ja-JP" altLang="en-US" dirty="0"/>
+              <a:t> </a:t>
+            </a:r>
+            <a:r>
+              <a:rPr lang="en-US" altLang="ja-JP" dirty="0"/>
+              <a:t>Sender</a:t>
+            </a:r>
+            <a:r>
+              <a:rPr lang="ja-JP" altLang="en-US" dirty="0"/>
+              <a:t>を利用して</a:t>
+            </a:r>
+            <a:r>
+              <a:rPr lang="en-US" altLang="ja-JP" dirty="0"/>
+              <a:t>Zabbix</a:t>
+            </a:r>
+            <a:r>
+              <a:rPr lang="ja-JP" altLang="en-US" dirty="0"/>
+              <a:t>サーバに送信</a:t>
+            </a:r>
+            <a:endParaRPr lang="en-US" altLang="ja-JP" dirty="0"/>
+          </a:p>
+          <a:p>
+            <a:pPr lvl="1">
+              <a:buFont typeface="Wingdings" panose="05000000000000000000" pitchFamily="2" charset="2"/>
+              <a:buChar char="l"/>
+            </a:pPr>
+            <a:r>
+              <a:rPr lang="en-US" altLang="ja-JP" dirty="0"/>
+              <a:t>VM</a:t>
+            </a:r>
+            <a:r>
+              <a:rPr lang="ja-JP" altLang="en-US" dirty="0"/>
+              <a:t>内システムの過負荷状態，異常停止を検出</a:t>
+            </a:r>
+          </a:p>
+          <a:p>
+            <a:endParaRPr kumimoji="1" lang="ja-JP" altLang="en-US" dirty="0"/>
+          </a:p>
+        </p:txBody>
+      </p:sp>
+      <p:pic>
+        <p:nvPicPr>
+          <p:cNvPr id="4" name="図 3">
+            <a:extLst>
+              <a:ext uri="{FF2B5EF4-FFF2-40B4-BE49-F238E27FC236}">
+                <a16:creationId xmlns:a16="http://schemas.microsoft.com/office/drawing/2014/main" id="{BA113745-7DCE-4D17-ABDA-E09B1633C707}"/>
+              </a:ext>
+            </a:extLst>
+          </p:cNvPr>
+          <p:cNvPicPr>
+            <a:picLocks noChangeAspect="1"/>
+          </p:cNvPicPr>
+          <p:nvPr/>
+        </p:nvPicPr>
+        <p:blipFill rotWithShape="1">
+          <a:blip r:embed="rId2">
+            <a:extLst>
+              <a:ext uri="{28A0092B-C50C-407E-A947-70E740481C1C}">
+                <a14:useLocalDpi xmlns:a14="http://schemas.microsoft.com/office/drawing/2010/main" val="0"/>
+              </a:ext>
+            </a:extLst>
+          </a:blip>
+          <a:srcRect t="4406" b="1905"/>
+          <a:stretch/>
+        </p:blipFill>
+        <p:spPr>
+          <a:xfrm>
+            <a:off x="124486" y="2604653"/>
+            <a:ext cx="8895027" cy="3782291"/>
+          </a:xfrm>
+          <a:prstGeom prst="rect">
+            <a:avLst/>
+          </a:prstGeom>
+        </p:spPr>
+      </p:pic>
     </p:spTree>
     <p:extLst>
       <p:ext uri="{BB962C8B-B14F-4D97-AF65-F5344CB8AC3E}">
@@ -7078,7 +7484,177 @@
 </p:sld>
 </file>
 
-<file path=ppt/slides/slide15.xml><?xml version="1.0" encoding="utf-8"?>
+<file path=ppt/slides/slide16.xml><?xml version="1.0" encoding="utf-8"?>
+<p:sld xmlns:a="http://schemas.openxmlformats.org/drawingml/2006/main" xmlns:r="http://schemas.openxmlformats.org/officeDocument/2006/relationships" xmlns:p="http://schemas.openxmlformats.org/presentationml/2006/main">
+  <p:cSld>
+    <p:spTree>
+      <p:nvGrpSpPr>
+        <p:cNvPr id="1" name=""/>
+        <p:cNvGrpSpPr/>
+        <p:nvPr/>
+      </p:nvGrpSpPr>
+      <p:grpSpPr>
+        <a:xfrm>
+          <a:off x="0" y="0"/>
+          <a:ext cx="0" cy="0"/>
+          <a:chOff x="0" y="0"/>
+          <a:chExt cx="0" cy="0"/>
+        </a:xfrm>
+      </p:grpSpPr>
+      <p:sp>
+        <p:nvSpPr>
+          <p:cNvPr id="2" name="タイトル 1">
+            <a:extLst>
+              <a:ext uri="{FF2B5EF4-FFF2-40B4-BE49-F238E27FC236}">
+                <a16:creationId xmlns:a16="http://schemas.microsoft.com/office/drawing/2014/main" id="{9C751177-16DB-4629-AD8D-69C32D890478}"/>
+              </a:ext>
+            </a:extLst>
+          </p:cNvPr>
+          <p:cNvSpPr>
+            <a:spLocks noGrp="1"/>
+          </p:cNvSpPr>
+          <p:nvPr>
+            <p:ph type="title"/>
+          </p:nvPr>
+        </p:nvSpPr>
+        <p:spPr/>
+        <p:txBody>
+          <a:bodyPr/>
+          <a:lstStyle/>
+          <a:p>
+            <a:r>
+              <a:rPr kumimoji="1" lang="ja-JP" altLang="en-US" dirty="0"/>
+              <a:t>障害検知（</a:t>
+            </a:r>
+            <a:r>
+              <a:rPr kumimoji="1" lang="en-US" altLang="ja-JP" dirty="0"/>
+              <a:t>3</a:t>
+            </a:r>
+            <a:r>
+              <a:rPr kumimoji="1" lang="ja-JP" altLang="en-US" dirty="0"/>
+              <a:t>）</a:t>
+            </a:r>
+          </a:p>
+        </p:txBody>
+      </p:sp>
+      <p:sp>
+        <p:nvSpPr>
+          <p:cNvPr id="3" name="コンテンツ プレースホルダー 2">
+            <a:extLst>
+              <a:ext uri="{FF2B5EF4-FFF2-40B4-BE49-F238E27FC236}">
+                <a16:creationId xmlns:a16="http://schemas.microsoft.com/office/drawing/2014/main" id="{4635BF75-0A18-49DA-9319-6F7ED7B8582E}"/>
+              </a:ext>
+            </a:extLst>
+          </p:cNvPr>
+          <p:cNvSpPr>
+            <a:spLocks noGrp="1"/>
+          </p:cNvSpPr>
+          <p:nvPr>
+            <p:ph idx="1"/>
+          </p:nvPr>
+        </p:nvSpPr>
+        <p:spPr/>
+        <p:txBody>
+          <a:bodyPr/>
+          <a:lstStyle/>
+          <a:p>
+            <a:pPr>
+              <a:buFont typeface="Wingdings" panose="05000000000000000000" pitchFamily="2" charset="2"/>
+              <a:buChar char="l"/>
+            </a:pPr>
+            <a:r>
+              <a:rPr kumimoji="1" lang="en-US" altLang="ja-JP" dirty="0" err="1"/>
+              <a:t>libvirt-snmp</a:t>
+            </a:r>
+            <a:r>
+              <a:rPr kumimoji="1" lang="ja-JP" altLang="en-US" dirty="0"/>
+              <a:t>は</a:t>
+            </a:r>
+            <a:r>
+              <a:rPr kumimoji="1" lang="en-US" altLang="ja-JP" dirty="0"/>
+              <a:t>VM</a:t>
+            </a:r>
+            <a:r>
+              <a:rPr kumimoji="1" lang="ja-JP" altLang="en-US" dirty="0"/>
+              <a:t>のステータスが変化すると</a:t>
+            </a:r>
+            <a:r>
+              <a:rPr lang="en-US" altLang="ja-JP" dirty="0"/>
+              <a:t>SNMP</a:t>
+            </a:r>
+            <a:r>
+              <a:rPr lang="ja-JP" altLang="en-US" dirty="0"/>
+              <a:t>トラップを発行</a:t>
+            </a:r>
+            <a:endParaRPr lang="en-US" altLang="ja-JP" dirty="0"/>
+          </a:p>
+          <a:p>
+            <a:pPr>
+              <a:buFont typeface="Wingdings" panose="05000000000000000000" pitchFamily="2" charset="2"/>
+              <a:buChar char="l"/>
+            </a:pPr>
+            <a:r>
+              <a:rPr lang="en-US" altLang="ja-JP" dirty="0"/>
+              <a:t>SNMP</a:t>
+            </a:r>
+            <a:r>
+              <a:rPr lang="ja-JP" altLang="en-US" dirty="0"/>
+              <a:t>トラップの内容をログファイルに保管</a:t>
+            </a:r>
+            <a:endParaRPr lang="en-US" altLang="ja-JP" dirty="0"/>
+          </a:p>
+        </p:txBody>
+      </p:sp>
+      <p:pic>
+        <p:nvPicPr>
+          <p:cNvPr id="6" name="図 5">
+            <a:extLst>
+              <a:ext uri="{FF2B5EF4-FFF2-40B4-BE49-F238E27FC236}">
+                <a16:creationId xmlns:a16="http://schemas.microsoft.com/office/drawing/2014/main" id="{1D58C555-2D07-4ABA-90D4-4DA449AFB0C9}"/>
+              </a:ext>
+            </a:extLst>
+          </p:cNvPr>
+          <p:cNvPicPr>
+            <a:picLocks noChangeAspect="1"/>
+          </p:cNvPicPr>
+          <p:nvPr/>
+        </p:nvPicPr>
+        <p:blipFill>
+          <a:blip r:embed="rId2">
+            <a:extLst>
+              <a:ext uri="{28A0092B-C50C-407E-A947-70E740481C1C}">
+                <a14:useLocalDpi xmlns:a14="http://schemas.microsoft.com/office/drawing/2010/main" val="0"/>
+              </a:ext>
+            </a:extLst>
+          </a:blip>
+          <a:stretch>
+            <a:fillRect/>
+          </a:stretch>
+        </p:blipFill>
+        <p:spPr>
+          <a:xfrm>
+            <a:off x="1186792" y="2727363"/>
+            <a:ext cx="6509408" cy="3844033"/>
+          </a:xfrm>
+          <a:prstGeom prst="rect">
+            <a:avLst/>
+          </a:prstGeom>
+        </p:spPr>
+      </p:pic>
+    </p:spTree>
+    <p:extLst>
+      <p:ext uri="{BB962C8B-B14F-4D97-AF65-F5344CB8AC3E}">
+        <p14:creationId xmlns:p14="http://schemas.microsoft.com/office/powerpoint/2010/main" val="227703362"/>
+      </p:ext>
+    </p:extLst>
+  </p:cSld>
+  <p:clrMapOvr>
+    <a:masterClrMapping/>
+  </p:clrMapOvr>
+</p:sld>
+</file>
+
+<file path=ppt/slides/slide17.xml><?xml version="1.0" encoding="utf-8"?>
 <p:sld xmlns:a="http://schemas.openxmlformats.org/drawingml/2006/main" xmlns:r="http://schemas.openxmlformats.org/officeDocument/2006/relationships" xmlns:p="http://schemas.openxmlformats.org/presentationml/2006/main">
   <p:cSld>
     <p:spTree>
@@ -7156,8 +7732,8 @@
               <a:t>障害検知（</a:t>
             </a:r>
             <a:r>
-              <a:rPr kumimoji="1" lang="en-US" altLang="ja-JP" dirty="0"/>
-              <a:t>2</a:t>
+              <a:rPr lang="en-US" altLang="ja-JP" dirty="0"/>
+              <a:t>4</a:t>
             </a:r>
             <a:r>
               <a:rPr kumimoji="1" lang="ja-JP" altLang="en-US" dirty="0"/>
@@ -7192,20 +7768,12 @@
               <a:buChar char="l"/>
             </a:pPr>
             <a:r>
-              <a:rPr kumimoji="1" lang="en-US" altLang="ja-JP" dirty="0" err="1"/>
-              <a:t>libvirt-snmp</a:t>
-            </a:r>
-            <a:r>
-              <a:rPr kumimoji="1" lang="ja-JP" altLang="en-US" dirty="0"/>
-              <a:t>は</a:t>
-            </a:r>
-            <a:r>
-              <a:rPr kumimoji="1" lang="en-US" altLang="ja-JP" dirty="0"/>
-              <a:t>VM</a:t>
-            </a:r>
-            <a:r>
-              <a:rPr kumimoji="1" lang="ja-JP" altLang="en-US" dirty="0"/>
-              <a:t>のステータスが変化すると</a:t>
+              <a:rPr lang="en-US" altLang="ja-JP" dirty="0"/>
+              <a:t>Zabbix</a:t>
+            </a:r>
+            <a:r>
+              <a:rPr lang="ja-JP" altLang="en-US" dirty="0"/>
+              <a:t>サーバに</a:t>
             </a:r>
             <a:r>
               <a:rPr lang="en-US" altLang="ja-JP" dirty="0"/>
@@ -7213,7 +7781,7 @@
             </a:r>
             <a:r>
               <a:rPr lang="ja-JP" altLang="en-US" dirty="0"/>
-              <a:t>トラップを発行</a:t>
+              <a:t>トラップの情報を送信</a:t>
             </a:r>
             <a:endParaRPr lang="en-US" altLang="ja-JP" dirty="0"/>
           </a:p>
@@ -7224,29 +7792,6 @@
             </a:pPr>
             <a:r>
               <a:rPr lang="en-US" altLang="ja-JP" dirty="0"/>
-              <a:t>Zabbix</a:t>
-            </a:r>
-            <a:r>
-              <a:rPr lang="ja-JP" altLang="en-US" dirty="0"/>
-              <a:t>サーバに</a:t>
-            </a:r>
-            <a:r>
-              <a:rPr lang="en-US" altLang="ja-JP" dirty="0"/>
-              <a:t>SNMP</a:t>
-            </a:r>
-            <a:r>
-              <a:rPr lang="ja-JP" altLang="en-US" dirty="0"/>
-              <a:t>トラップの情報を送信</a:t>
-            </a:r>
-            <a:endParaRPr lang="en-US" altLang="ja-JP" dirty="0"/>
-          </a:p>
-          <a:p>
-            <a:pPr>
-              <a:buFont typeface="Wingdings" panose="05000000000000000000" pitchFamily="2" charset="2"/>
-              <a:buChar char="l"/>
-            </a:pPr>
-            <a:r>
-              <a:rPr lang="en-US" altLang="ja-JP" dirty="0"/>
               <a:t>VM</a:t>
             </a:r>
             <a:r>
@@ -7276,7 +7821,7 @@
     </p:spTree>
     <p:extLst>
       <p:ext uri="{BB962C8B-B14F-4D97-AF65-F5344CB8AC3E}">
-        <p14:creationId xmlns:p14="http://schemas.microsoft.com/office/powerpoint/2010/main" val="227703362"/>
+        <p14:creationId xmlns:p14="http://schemas.microsoft.com/office/powerpoint/2010/main" val="4084849007"/>
       </p:ext>
     </p:extLst>
   </p:cSld>
@@ -7286,7 +7831,7 @@
 </p:sld>
 </file>
 
-<file path=ppt/slides/slide16.xml><?xml version="1.0" encoding="utf-8"?>
+<file path=ppt/slides/slide18.xml><?xml version="1.0" encoding="utf-8"?>
 <p:sld xmlns:a="http://schemas.openxmlformats.org/drawingml/2006/main" xmlns:r="http://schemas.openxmlformats.org/officeDocument/2006/relationships" xmlns:p="http://schemas.openxmlformats.org/presentationml/2006/main">
   <p:cSld>
     <p:spTree>
@@ -7305,10 +7850,10 @@
       </p:grpSpPr>
       <p:pic>
         <p:nvPicPr>
-          <p:cNvPr id="5" name="図 4">
+          <p:cNvPr id="6" name="図 5">
             <a:extLst>
               <a:ext uri="{FF2B5EF4-FFF2-40B4-BE49-F238E27FC236}">
-                <a16:creationId xmlns:a16="http://schemas.microsoft.com/office/drawing/2014/main" id="{53236FB8-16D2-43D2-B344-62ABD72F7814}"/>
+                <a16:creationId xmlns:a16="http://schemas.microsoft.com/office/drawing/2014/main" id="{EBD14847-38B9-4119-AB0B-86F4FE2C1910}"/>
               </a:ext>
             </a:extLst>
           </p:cNvPr>
@@ -7317,7 +7862,7 @@
           </p:cNvPicPr>
           <p:nvPr/>
         </p:nvPicPr>
-        <p:blipFill>
+        <p:blipFill rotWithShape="1">
           <a:blip r:embed="rId2">
             <a:extLst>
               <a:ext uri="{28A0092B-C50C-407E-A947-70E740481C1C}">
@@ -7325,14 +7870,13 @@
               </a:ext>
             </a:extLst>
           </a:blip>
-          <a:stretch>
-            <a:fillRect/>
-          </a:stretch>
+          <a:srcRect t="3863" b="3832"/>
+          <a:stretch/>
         </p:blipFill>
         <p:spPr>
           <a:xfrm>
-            <a:off x="228600" y="3253351"/>
-            <a:ext cx="8686800" cy="3432345"/>
+            <a:off x="714201" y="2746155"/>
+            <a:ext cx="7879815" cy="3682354"/>
           </a:xfrm>
           <a:prstGeom prst="rect">
             <a:avLst/>
@@ -7366,7 +7910,7 @@
             </a:r>
             <a:r>
               <a:rPr kumimoji="1" lang="en-US" altLang="ja-JP" dirty="0"/>
-              <a:t>3</a:t>
+              <a:t>5</a:t>
             </a:r>
             <a:r>
               <a:rPr kumimoji="1" lang="ja-JP" altLang="en-US" dirty="0"/>
@@ -7452,7 +7996,7 @@
 </p:sld>
 </file>
 
-<file path=ppt/slides/slide17.xml><?xml version="1.0" encoding="utf-8"?>
+<file path=ppt/slides/slide19.xml><?xml version="1.0" encoding="utf-8"?>
 <p:sld xmlns:a="http://schemas.openxmlformats.org/drawingml/2006/main" xmlns:r="http://schemas.openxmlformats.org/officeDocument/2006/relationships" xmlns:p="http://schemas.openxmlformats.org/presentationml/2006/main">
   <p:cSld>
     <p:spTree>
@@ -7496,7 +8040,7 @@
             </a:r>
             <a:r>
               <a:rPr kumimoji="1" lang="en-US" altLang="ja-JP" dirty="0"/>
-              <a:t>4</a:t>
+              <a:t>6</a:t>
             </a:r>
             <a:r>
               <a:rPr kumimoji="1" lang="ja-JP" altLang="en-US" dirty="0"/>
@@ -7580,7 +8124,7 @@
         </p:blipFill>
         <p:spPr>
           <a:xfrm>
-            <a:off x="228600" y="2668789"/>
+            <a:off x="228600" y="2779626"/>
             <a:ext cx="8686800" cy="3432345"/>
           </a:xfrm>
           <a:prstGeom prst="rect">
@@ -7601,7 +8145,212 @@
 </p:sld>
 </file>
 
-<file path=ppt/slides/slide18.xml><?xml version="1.0" encoding="utf-8"?>
+<file path=ppt/slides/slide2.xml><?xml version="1.0" encoding="utf-8"?>
+<p:sld xmlns:a="http://schemas.openxmlformats.org/drawingml/2006/main" xmlns:r="http://schemas.openxmlformats.org/officeDocument/2006/relationships" xmlns:p="http://schemas.openxmlformats.org/presentationml/2006/main">
+  <p:cSld>
+    <p:spTree>
+      <p:nvGrpSpPr>
+        <p:cNvPr id="1" name=""/>
+        <p:cNvGrpSpPr/>
+        <p:nvPr/>
+      </p:nvGrpSpPr>
+      <p:grpSpPr>
+        <a:xfrm>
+          <a:off x="0" y="0"/>
+          <a:ext cx="0" cy="0"/>
+          <a:chOff x="0" y="0"/>
+          <a:chExt cx="0" cy="0"/>
+        </a:xfrm>
+      </p:grpSpPr>
+      <p:sp>
+        <p:nvSpPr>
+          <p:cNvPr id="2" name="タイトル 1">
+            <a:extLst>
+              <a:ext uri="{FF2B5EF4-FFF2-40B4-BE49-F238E27FC236}">
+                <a16:creationId xmlns:a16="http://schemas.microsoft.com/office/drawing/2014/main" id="{E090CC0A-60AA-480A-A3FC-911CB5AB107B}"/>
+              </a:ext>
+            </a:extLst>
+          </p:cNvPr>
+          <p:cNvSpPr>
+            <a:spLocks noGrp="1"/>
+          </p:cNvSpPr>
+          <p:nvPr>
+            <p:ph type="title"/>
+          </p:nvPr>
+        </p:nvSpPr>
+        <p:spPr/>
+        <p:txBody>
+          <a:bodyPr/>
+          <a:lstStyle/>
+          <a:p>
+            <a:r>
+              <a:rPr kumimoji="1" lang="ja-JP" altLang="en-US" dirty="0"/>
+              <a:t>文献情報</a:t>
+            </a:r>
+          </a:p>
+        </p:txBody>
+      </p:sp>
+      <p:sp>
+        <p:nvSpPr>
+          <p:cNvPr id="3" name="コンテンツ プレースホルダー 2">
+            <a:extLst>
+              <a:ext uri="{FF2B5EF4-FFF2-40B4-BE49-F238E27FC236}">
+                <a16:creationId xmlns:a16="http://schemas.microsoft.com/office/drawing/2014/main" id="{ED510300-76D6-47D5-99CA-7ED2870C3388}"/>
+              </a:ext>
+            </a:extLst>
+          </p:cNvPr>
+          <p:cNvSpPr>
+            <a:spLocks noGrp="1"/>
+          </p:cNvSpPr>
+          <p:nvPr>
+            <p:ph idx="1"/>
+          </p:nvPr>
+        </p:nvSpPr>
+        <p:spPr>
+          <a:xfrm>
+            <a:off x="822960" y="2241551"/>
+            <a:ext cx="7543800" cy="3017520"/>
+          </a:xfrm>
+        </p:spPr>
+        <p:txBody>
+          <a:bodyPr/>
+          <a:lstStyle/>
+          <a:p>
+            <a:pPr>
+              <a:tabLst>
+                <a:tab pos="870347" algn="l"/>
+              </a:tabLst>
+            </a:pPr>
+            <a:r>
+              <a:rPr kumimoji="1" lang="ja-JP" altLang="en-US" sz="2100" dirty="0"/>
+              <a:t>論文名：</a:t>
+            </a:r>
+            <a:r>
+              <a:rPr lang="ja-JP" altLang="en-US" sz="2100" dirty="0"/>
+              <a:t>クラウドにおける</a:t>
+            </a:r>
+            <a:r>
+              <a:rPr lang="en-US" altLang="ja-JP" sz="2100" dirty="0"/>
+              <a:t>VM</a:t>
+            </a:r>
+            <a:r>
+              <a:rPr lang="ja-JP" altLang="en-US" sz="2100" dirty="0"/>
+              <a:t>内コンテナを用いた低コストで迅速な自動障害復旧</a:t>
+            </a:r>
+            <a:endParaRPr lang="en-US" altLang="ja-JP" sz="2100" dirty="0"/>
+          </a:p>
+          <a:p>
+            <a:r>
+              <a:rPr lang="ja-JP" altLang="en-US" sz="2100" dirty="0"/>
+              <a:t>出典：</a:t>
+            </a:r>
+            <a:endParaRPr lang="en-US" altLang="ja-JP" sz="2100" dirty="0"/>
+          </a:p>
+          <a:p>
+            <a:r>
+              <a:rPr kumimoji="1" lang="ja-JP" altLang="en-US" sz="2100" dirty="0"/>
+              <a:t>発行日：</a:t>
+            </a:r>
+            <a:r>
+              <a:rPr kumimoji="1" lang="en-US" altLang="ja-JP" sz="2100" dirty="0"/>
+              <a:t>2018</a:t>
+            </a:r>
+            <a:r>
+              <a:rPr kumimoji="1" lang="ja-JP" altLang="en-US" sz="2100" dirty="0"/>
+              <a:t>年</a:t>
+            </a:r>
+            <a:r>
+              <a:rPr kumimoji="1" lang="en-US" altLang="ja-JP" sz="2100" dirty="0"/>
+              <a:t>2</a:t>
+            </a:r>
+            <a:r>
+              <a:rPr kumimoji="1" lang="ja-JP" altLang="en-US" sz="2100" dirty="0"/>
+              <a:t>月</a:t>
+            </a:r>
+            <a:r>
+              <a:rPr kumimoji="1" lang="en-US" altLang="ja-JP" sz="2100" dirty="0"/>
+              <a:t>28</a:t>
+            </a:r>
+            <a:r>
+              <a:rPr kumimoji="1" lang="ja-JP" altLang="en-US" sz="2100" dirty="0"/>
+              <a:t>日</a:t>
+            </a:r>
+            <a:endParaRPr kumimoji="1" lang="en-US" altLang="ja-JP" sz="2100" dirty="0"/>
+          </a:p>
+          <a:p>
+            <a:r>
+              <a:rPr lang="ja-JP" altLang="en-US" sz="2100" dirty="0"/>
+              <a:t>著者：森川　智紀</a:t>
+            </a:r>
+            <a:r>
+              <a:rPr lang="en-US" altLang="ja-JP" sz="2100" dirty="0"/>
+              <a:t>†</a:t>
+            </a:r>
+            <a:r>
+              <a:rPr lang="ja-JP" altLang="en-US" sz="2100" dirty="0" err="1"/>
+              <a:t>，</a:t>
+            </a:r>
+            <a:r>
+              <a:rPr lang="ja-JP" altLang="en-US" sz="2100" dirty="0"/>
+              <a:t>光来　健一</a:t>
+            </a:r>
+            <a:r>
+              <a:rPr lang="en-US" altLang="ja-JP" sz="2100" dirty="0"/>
+              <a:t>†</a:t>
+            </a:r>
+            <a:endParaRPr kumimoji="1" lang="en-US" altLang="ja-JP" sz="2100" dirty="0"/>
+          </a:p>
+          <a:p>
+            <a:endParaRPr kumimoji="1" lang="ja-JP" altLang="en-US" dirty="0"/>
+          </a:p>
+        </p:txBody>
+      </p:sp>
+      <p:sp>
+        <p:nvSpPr>
+          <p:cNvPr id="4" name="フッター プレースホルダー 3">
+            <a:extLst>
+              <a:ext uri="{FF2B5EF4-FFF2-40B4-BE49-F238E27FC236}">
+                <a16:creationId xmlns:a16="http://schemas.microsoft.com/office/drawing/2014/main" id="{71CE009B-B5EB-4D78-8573-8EB0A26ACE68}"/>
+              </a:ext>
+            </a:extLst>
+          </p:cNvPr>
+          <p:cNvSpPr>
+            <a:spLocks noGrp="1"/>
+          </p:cNvSpPr>
+          <p:nvPr>
+            <p:ph type="ftr" sz="quarter" idx="11"/>
+          </p:nvPr>
+        </p:nvSpPr>
+        <p:spPr/>
+        <p:txBody>
+          <a:bodyPr/>
+          <a:lstStyle/>
+          <a:p>
+            <a:r>
+              <a:rPr kumimoji="1" lang="en-US" altLang="ja-JP" sz="1500" dirty="0"/>
+              <a:t>†</a:t>
+            </a:r>
+            <a:r>
+              <a:rPr kumimoji="1" lang="ja-JP" altLang="en-US" sz="1500" dirty="0"/>
+              <a:t>九州工業大学</a:t>
+            </a:r>
+          </a:p>
+        </p:txBody>
+      </p:sp>
+    </p:spTree>
+    <p:extLst>
+      <p:ext uri="{BB962C8B-B14F-4D97-AF65-F5344CB8AC3E}">
+        <p14:creationId xmlns:p14="http://schemas.microsoft.com/office/powerpoint/2010/main" val="548733701"/>
+      </p:ext>
+    </p:extLst>
+  </p:cSld>
+  <p:clrMapOvr>
+    <a:masterClrMapping/>
+  </p:clrMapOvr>
+</p:sld>
+</file>
+
+<file path=ppt/slides/slide20.xml><?xml version="1.0" encoding="utf-8"?>
 <p:sld xmlns:a="http://schemas.openxmlformats.org/drawingml/2006/main" xmlns:r="http://schemas.openxmlformats.org/officeDocument/2006/relationships" xmlns:p="http://schemas.openxmlformats.org/presentationml/2006/main">
   <p:cSld>
     <p:spTree>
@@ -7768,7 +8517,7 @@
 </p:sld>
 </file>
 
-<file path=ppt/slides/slide19.xml><?xml version="1.0" encoding="utf-8"?>
+<file path=ppt/slides/slide21.xml><?xml version="1.0" encoding="utf-8"?>
 <p:sld xmlns:a="http://schemas.openxmlformats.org/drawingml/2006/main" xmlns:r="http://schemas.openxmlformats.org/officeDocument/2006/relationships" xmlns:p="http://schemas.openxmlformats.org/presentationml/2006/main">
   <p:cSld>
     <p:spTree>
@@ -7916,7 +8665,7 @@
         </p:blipFill>
         <p:spPr>
           <a:xfrm>
-            <a:off x="81280" y="3324912"/>
+            <a:off x="81280" y="2978549"/>
             <a:ext cx="8981440" cy="3246484"/>
           </a:xfrm>
           <a:prstGeom prst="rect">
@@ -7937,7 +8686,7 @@
 </p:sld>
 </file>
 
-<file path=ppt/slides/slide2.xml><?xml version="1.0" encoding="utf-8"?>
+<file path=ppt/slides/slide22.xml><?xml version="1.0" encoding="utf-8"?>
 <p:sld xmlns:a="http://schemas.openxmlformats.org/drawingml/2006/main" xmlns:r="http://schemas.openxmlformats.org/officeDocument/2006/relationships" xmlns:p="http://schemas.openxmlformats.org/presentationml/2006/main">
   <p:cSld>
     <p:spTree>
@@ -7956,294 +8705,6 @@
       </p:grpSpPr>
       <p:sp>
         <p:nvSpPr>
-          <p:cNvPr id="2" name="タイトル 1">
-            <a:extLst>
-              <a:ext uri="{FF2B5EF4-FFF2-40B4-BE49-F238E27FC236}">
-                <a16:creationId xmlns:a16="http://schemas.microsoft.com/office/drawing/2014/main" id="{E090CC0A-60AA-480A-A3FC-911CB5AB107B}"/>
-              </a:ext>
-            </a:extLst>
-          </p:cNvPr>
-          <p:cNvSpPr>
-            <a:spLocks noGrp="1"/>
-          </p:cNvSpPr>
-          <p:nvPr>
-            <p:ph type="title"/>
-          </p:nvPr>
-        </p:nvSpPr>
-        <p:spPr/>
-        <p:txBody>
-          <a:bodyPr/>
-          <a:lstStyle/>
-          <a:p>
-            <a:r>
-              <a:rPr kumimoji="1" lang="ja-JP" altLang="en-US" dirty="0"/>
-              <a:t>文献情報</a:t>
-            </a:r>
-          </a:p>
-        </p:txBody>
-      </p:sp>
-      <p:sp>
-        <p:nvSpPr>
-          <p:cNvPr id="3" name="コンテンツ プレースホルダー 2">
-            <a:extLst>
-              <a:ext uri="{FF2B5EF4-FFF2-40B4-BE49-F238E27FC236}">
-                <a16:creationId xmlns:a16="http://schemas.microsoft.com/office/drawing/2014/main" id="{ED510300-76D6-47D5-99CA-7ED2870C3388}"/>
-              </a:ext>
-            </a:extLst>
-          </p:cNvPr>
-          <p:cNvSpPr>
-            <a:spLocks noGrp="1"/>
-          </p:cNvSpPr>
-          <p:nvPr>
-            <p:ph idx="1"/>
-          </p:nvPr>
-        </p:nvSpPr>
-        <p:spPr>
-          <a:xfrm>
-            <a:off x="822960" y="2241551"/>
-            <a:ext cx="7543800" cy="3017520"/>
-          </a:xfrm>
-        </p:spPr>
-        <p:txBody>
-          <a:bodyPr/>
-          <a:lstStyle/>
-          <a:p>
-            <a:pPr>
-              <a:tabLst>
-                <a:tab pos="870347" algn="l"/>
-              </a:tabLst>
-            </a:pPr>
-            <a:r>
-              <a:rPr kumimoji="1" lang="ja-JP" altLang="en-US" sz="2100" dirty="0"/>
-              <a:t>論文名：</a:t>
-            </a:r>
-            <a:r>
-              <a:rPr lang="ja-JP" altLang="en-US" sz="2100" dirty="0"/>
-              <a:t>クラウドにおける</a:t>
-            </a:r>
-            <a:r>
-              <a:rPr lang="en-US" altLang="ja-JP" sz="2100" dirty="0"/>
-              <a:t>VM</a:t>
-            </a:r>
-            <a:r>
-              <a:rPr lang="ja-JP" altLang="en-US" sz="2100" dirty="0"/>
-              <a:t>内コンテナを用いた低コストで迅速な自動障害復旧</a:t>
-            </a:r>
-            <a:endParaRPr lang="en-US" altLang="ja-JP" sz="2100" dirty="0"/>
-          </a:p>
-          <a:p>
-            <a:r>
-              <a:rPr lang="ja-JP" altLang="en-US" sz="2100" dirty="0"/>
-              <a:t>出典：</a:t>
-            </a:r>
-            <a:endParaRPr lang="en-US" altLang="ja-JP" sz="2100" dirty="0"/>
-          </a:p>
-          <a:p>
-            <a:r>
-              <a:rPr kumimoji="1" lang="ja-JP" altLang="en-US" sz="2100" dirty="0"/>
-              <a:t>発行日：</a:t>
-            </a:r>
-            <a:r>
-              <a:rPr kumimoji="1" lang="en-US" altLang="ja-JP" sz="2100" dirty="0"/>
-              <a:t>2018</a:t>
-            </a:r>
-            <a:r>
-              <a:rPr kumimoji="1" lang="ja-JP" altLang="en-US" sz="2100" dirty="0"/>
-              <a:t>年</a:t>
-            </a:r>
-            <a:r>
-              <a:rPr kumimoji="1" lang="en-US" altLang="ja-JP" sz="2100" dirty="0"/>
-              <a:t>2</a:t>
-            </a:r>
-            <a:r>
-              <a:rPr kumimoji="1" lang="ja-JP" altLang="en-US" sz="2100" dirty="0"/>
-              <a:t>月</a:t>
-            </a:r>
-            <a:r>
-              <a:rPr kumimoji="1" lang="en-US" altLang="ja-JP" sz="2100" dirty="0"/>
-              <a:t>28</a:t>
-            </a:r>
-            <a:r>
-              <a:rPr kumimoji="1" lang="ja-JP" altLang="en-US" sz="2100" dirty="0"/>
-              <a:t>日</a:t>
-            </a:r>
-            <a:endParaRPr kumimoji="1" lang="en-US" altLang="ja-JP" sz="2100" dirty="0"/>
-          </a:p>
-          <a:p>
-            <a:r>
-              <a:rPr lang="ja-JP" altLang="en-US" sz="2100" dirty="0"/>
-              <a:t>著者：森川　智紀</a:t>
-            </a:r>
-            <a:r>
-              <a:rPr lang="en-US" altLang="ja-JP" sz="2100" dirty="0"/>
-              <a:t>†</a:t>
-            </a:r>
-            <a:r>
-              <a:rPr lang="ja-JP" altLang="en-US" sz="2100" dirty="0" err="1"/>
-              <a:t>，</a:t>
-            </a:r>
-            <a:r>
-              <a:rPr lang="ja-JP" altLang="en-US" sz="2100" dirty="0"/>
-              <a:t>光来　健一</a:t>
-            </a:r>
-            <a:r>
-              <a:rPr lang="en-US" altLang="ja-JP" sz="2100" dirty="0"/>
-              <a:t>†</a:t>
-            </a:r>
-            <a:endParaRPr kumimoji="1" lang="en-US" altLang="ja-JP" sz="2100" dirty="0"/>
-          </a:p>
-          <a:p>
-            <a:endParaRPr kumimoji="1" lang="ja-JP" altLang="en-US" dirty="0"/>
-          </a:p>
-        </p:txBody>
-      </p:sp>
-      <p:sp>
-        <p:nvSpPr>
-          <p:cNvPr id="4" name="フッター プレースホルダー 3">
-            <a:extLst>
-              <a:ext uri="{FF2B5EF4-FFF2-40B4-BE49-F238E27FC236}">
-                <a16:creationId xmlns:a16="http://schemas.microsoft.com/office/drawing/2014/main" id="{71CE009B-B5EB-4D78-8573-8EB0A26ACE68}"/>
-              </a:ext>
-            </a:extLst>
-          </p:cNvPr>
-          <p:cNvSpPr>
-            <a:spLocks noGrp="1"/>
-          </p:cNvSpPr>
-          <p:nvPr>
-            <p:ph type="ftr" sz="quarter" idx="11"/>
-          </p:nvPr>
-        </p:nvSpPr>
-        <p:spPr/>
-        <p:txBody>
-          <a:bodyPr/>
-          <a:lstStyle/>
-          <a:p>
-            <a:r>
-              <a:rPr kumimoji="1" lang="en-US" altLang="ja-JP" sz="1500" dirty="0"/>
-              <a:t>†</a:t>
-            </a:r>
-            <a:r>
-              <a:rPr kumimoji="1" lang="ja-JP" altLang="en-US" sz="1500" dirty="0"/>
-              <a:t>九州工業大学</a:t>
-            </a:r>
-          </a:p>
-        </p:txBody>
-      </p:sp>
-    </p:spTree>
-    <p:extLst>
-      <p:ext uri="{BB962C8B-B14F-4D97-AF65-F5344CB8AC3E}">
-        <p14:creationId xmlns:p14="http://schemas.microsoft.com/office/powerpoint/2010/main" val="548733701"/>
-      </p:ext>
-    </p:extLst>
-  </p:cSld>
-  <p:clrMapOvr>
-    <a:masterClrMapping/>
-  </p:clrMapOvr>
-</p:sld>
-</file>
-
-<file path=ppt/slides/slide20.xml><?xml version="1.0" encoding="utf-8"?>
-<p:sld xmlns:a="http://schemas.openxmlformats.org/drawingml/2006/main" xmlns:r="http://schemas.openxmlformats.org/officeDocument/2006/relationships" xmlns:p="http://schemas.openxmlformats.org/presentationml/2006/main">
-  <p:cSld>
-    <p:spTree>
-      <p:nvGrpSpPr>
-        <p:cNvPr id="1" name=""/>
-        <p:cNvGrpSpPr/>
-        <p:nvPr/>
-      </p:nvGrpSpPr>
-      <p:grpSpPr>
-        <a:xfrm>
-          <a:off x="0" y="0"/>
-          <a:ext cx="0" cy="0"/>
-          <a:chOff x="0" y="0"/>
-          <a:chExt cx="0" cy="0"/>
-        </a:xfrm>
-      </p:grpSpPr>
-      <p:sp>
-        <p:nvSpPr>
-          <p:cNvPr id="2" name="タイトル 1">
-            <a:extLst>
-              <a:ext uri="{FF2B5EF4-FFF2-40B4-BE49-F238E27FC236}">
-                <a16:creationId xmlns:a16="http://schemas.microsoft.com/office/drawing/2014/main" id="{BAE3C59E-8D4C-4FFF-8230-266B26C02D21}"/>
-              </a:ext>
-            </a:extLst>
-          </p:cNvPr>
-          <p:cNvSpPr>
-            <a:spLocks noGrp="1"/>
-          </p:cNvSpPr>
-          <p:nvPr>
-            <p:ph type="title"/>
-          </p:nvPr>
-        </p:nvSpPr>
-        <p:spPr/>
-        <p:txBody>
-          <a:bodyPr/>
-          <a:lstStyle/>
-          <a:p>
-            <a:r>
-              <a:rPr kumimoji="1" lang="ja-JP" altLang="en-US" dirty="0"/>
-              <a:t>マイグレーション</a:t>
-            </a:r>
-          </a:p>
-        </p:txBody>
-      </p:sp>
-      <p:sp>
-        <p:nvSpPr>
-          <p:cNvPr id="3" name="コンテンツ プレースホルダー 2">
-            <a:extLst>
-              <a:ext uri="{FF2B5EF4-FFF2-40B4-BE49-F238E27FC236}">
-                <a16:creationId xmlns:a16="http://schemas.microsoft.com/office/drawing/2014/main" id="{085C08DD-0913-40F1-9371-8262A332B14A}"/>
-              </a:ext>
-            </a:extLst>
-          </p:cNvPr>
-          <p:cNvSpPr>
-            <a:spLocks noGrp="1"/>
-          </p:cNvSpPr>
-          <p:nvPr>
-            <p:ph idx="1"/>
-          </p:nvPr>
-        </p:nvSpPr>
-        <p:spPr/>
-        <p:txBody>
-          <a:bodyPr/>
-          <a:lstStyle/>
-          <a:p>
-            <a:endParaRPr kumimoji="1" lang="ja-JP" altLang="en-US" dirty="0"/>
-          </a:p>
-        </p:txBody>
-      </p:sp>
-    </p:spTree>
-    <p:extLst>
-      <p:ext uri="{BB962C8B-B14F-4D97-AF65-F5344CB8AC3E}">
-        <p14:creationId xmlns:p14="http://schemas.microsoft.com/office/powerpoint/2010/main" val="2218197693"/>
-      </p:ext>
-    </p:extLst>
-  </p:cSld>
-  <p:clrMapOvr>
-    <a:masterClrMapping/>
-  </p:clrMapOvr>
-</p:sld>
-</file>
-
-<file path=ppt/slides/slide21.xml><?xml version="1.0" encoding="utf-8"?>
-<p:sld xmlns:a="http://schemas.openxmlformats.org/drawingml/2006/main" xmlns:r="http://schemas.openxmlformats.org/officeDocument/2006/relationships" xmlns:p="http://schemas.openxmlformats.org/presentationml/2006/main">
-  <p:cSld>
-    <p:spTree>
-      <p:nvGrpSpPr>
-        <p:cNvPr id="1" name=""/>
-        <p:cNvGrpSpPr/>
-        <p:nvPr/>
-      </p:nvGrpSpPr>
-      <p:grpSpPr>
-        <a:xfrm>
-          <a:off x="0" y="0"/>
-          <a:ext cx="0" cy="0"/>
-          <a:chOff x="0" y="0"/>
-          <a:chExt cx="0" cy="0"/>
-        </a:xfrm>
-      </p:grpSpPr>
-      <p:sp>
-        <p:nvSpPr>
           <p:cNvPr id="7" name="タイトル 6">
             <a:extLst>
               <a:ext uri="{FF2B5EF4-FFF2-40B4-BE49-F238E27FC236}">
@@ -8488,7 +8949,7 @@
 </p:sld>
 </file>
 
-<file path=ppt/slides/slide22.xml><?xml version="1.0" encoding="utf-8"?>
+<file path=ppt/slides/slide23.xml><?xml version="1.0" encoding="utf-8"?>
 <p:sld xmlns:a="http://schemas.openxmlformats.org/drawingml/2006/main" xmlns:r="http://schemas.openxmlformats.org/officeDocument/2006/relationships" xmlns:p="http://schemas.openxmlformats.org/presentationml/2006/main">
   <p:cSld>
     <p:spTree>
@@ -9248,7 +9709,7 @@
 </p:sld>
 </file>
 
-<file path=ppt/slides/slide23.xml><?xml version="1.0" encoding="utf-8"?>
+<file path=ppt/slides/slide24.xml><?xml version="1.0" encoding="utf-8"?>
 <p:sld xmlns:a="http://schemas.openxmlformats.org/drawingml/2006/main" xmlns:r="http://schemas.openxmlformats.org/officeDocument/2006/relationships" xmlns:p="http://schemas.openxmlformats.org/presentationml/2006/main">
   <p:cSld>
     <p:spTree>
@@ -9653,7 +10114,7 @@
 </p:sld>
 </file>
 
-<file path=ppt/slides/slide24.xml><?xml version="1.0" encoding="utf-8"?>
+<file path=ppt/slides/slide25.xml><?xml version="1.0" encoding="utf-8"?>
 <p:sld xmlns:a="http://schemas.openxmlformats.org/drawingml/2006/main" xmlns:r="http://schemas.openxmlformats.org/officeDocument/2006/relationships" xmlns:p="http://schemas.openxmlformats.org/presentationml/2006/main">
   <p:cSld>
     <p:spTree>
@@ -9803,7 +10264,7 @@
 </p:sld>
 </file>
 
-<file path=ppt/slides/slide25.xml><?xml version="1.0" encoding="utf-8"?>
+<file path=ppt/slides/slide26.xml><?xml version="1.0" encoding="utf-8"?>
 <p:sld xmlns:a="http://schemas.openxmlformats.org/drawingml/2006/main" xmlns:r="http://schemas.openxmlformats.org/officeDocument/2006/relationships" xmlns:p="http://schemas.openxmlformats.org/presentationml/2006/main">
   <p:cSld>
     <p:spTree>
@@ -9961,7 +10422,7 @@
 </p:sld>
 </file>
 
-<file path=ppt/slides/slide26.xml><?xml version="1.0" encoding="utf-8"?>
+<file path=ppt/slides/slide27.xml><?xml version="1.0" encoding="utf-8"?>
 <p:sld xmlns:a="http://schemas.openxmlformats.org/drawingml/2006/main" xmlns:r="http://schemas.openxmlformats.org/officeDocument/2006/relationships" xmlns:p="http://schemas.openxmlformats.org/presentationml/2006/main">
   <p:cSld>
     <p:spTree>
@@ -10116,7 +10577,7 @@
 </p:sld>
 </file>
 
-<file path=ppt/slides/slide27.xml><?xml version="1.0" encoding="utf-8"?>
+<file path=ppt/slides/slide28.xml><?xml version="1.0" encoding="utf-8"?>
 <p:sld xmlns:a="http://schemas.openxmlformats.org/drawingml/2006/main" xmlns:r="http://schemas.openxmlformats.org/officeDocument/2006/relationships" xmlns:p="http://schemas.openxmlformats.org/presentationml/2006/main">
   <p:cSld>
     <p:spTree>
@@ -10289,7 +10750,7 @@
 </p:sld>
 </file>
 
-<file path=ppt/slides/slide28.xml><?xml version="1.0" encoding="utf-8"?>
+<file path=ppt/slides/slide29.xml><?xml version="1.0" encoding="utf-8"?>
 <p:sld xmlns:a="http://schemas.openxmlformats.org/drawingml/2006/main" xmlns:r="http://schemas.openxmlformats.org/officeDocument/2006/relationships" xmlns:p="http://schemas.openxmlformats.org/presentationml/2006/main">
   <p:cSld>
     <p:spTree>
@@ -10487,7 +10948,172 @@
 </p:sld>
 </file>
 
-<file path=ppt/slides/slide29.xml><?xml version="1.0" encoding="utf-8"?>
+<file path=ppt/slides/slide3.xml><?xml version="1.0" encoding="utf-8"?>
+<p:sld xmlns:a="http://schemas.openxmlformats.org/drawingml/2006/main" xmlns:r="http://schemas.openxmlformats.org/officeDocument/2006/relationships" xmlns:p="http://schemas.openxmlformats.org/presentationml/2006/main">
+  <p:cSld>
+    <p:spTree>
+      <p:nvGrpSpPr>
+        <p:cNvPr id="1" name=""/>
+        <p:cNvGrpSpPr/>
+        <p:nvPr/>
+      </p:nvGrpSpPr>
+      <p:grpSpPr>
+        <a:xfrm>
+          <a:off x="0" y="0"/>
+          <a:ext cx="0" cy="0"/>
+          <a:chOff x="0" y="0"/>
+          <a:chExt cx="0" cy="0"/>
+        </a:xfrm>
+      </p:grpSpPr>
+      <p:graphicFrame>
+        <p:nvGraphicFramePr>
+          <p:cNvPr id="5" name="グラフ 4">
+            <a:extLst>
+              <a:ext uri="{FF2B5EF4-FFF2-40B4-BE49-F238E27FC236}">
+                <a16:creationId xmlns:a16="http://schemas.microsoft.com/office/drawing/2014/main" id="{379CC04E-B205-480D-ABF2-AD749E497199}"/>
+              </a:ext>
+            </a:extLst>
+          </p:cNvPr>
+          <p:cNvGraphicFramePr>
+            <a:graphicFrameLocks/>
+          </p:cNvGraphicFramePr>
+          <p:nvPr>
+            <p:extLst>
+              <p:ext uri="{D42A27DB-BD31-4B8C-83A1-F6EECF244321}">
+                <p14:modId xmlns:p14="http://schemas.microsoft.com/office/powerpoint/2010/main" val="426881336"/>
+              </p:ext>
+            </p:extLst>
+          </p:nvPr>
+        </p:nvGraphicFramePr>
+        <p:xfrm>
+          <a:off x="-1" y="2253313"/>
+          <a:ext cx="9144001" cy="4131733"/>
+        </p:xfrm>
+        <a:graphic>
+          <a:graphicData uri="http://schemas.openxmlformats.org/drawingml/2006/chart">
+            <c:chart xmlns:c="http://schemas.openxmlformats.org/drawingml/2006/chart" xmlns:r="http://schemas.openxmlformats.org/officeDocument/2006/relationships" r:id="rId2"/>
+          </a:graphicData>
+        </a:graphic>
+      </p:graphicFrame>
+      <p:sp>
+        <p:nvSpPr>
+          <p:cNvPr id="2" name="タイトル 1">
+            <a:extLst>
+              <a:ext uri="{FF2B5EF4-FFF2-40B4-BE49-F238E27FC236}">
+                <a16:creationId xmlns:a16="http://schemas.microsoft.com/office/drawing/2014/main" id="{E91F66BC-449B-4A0A-9D1D-C94C1893D514}"/>
+              </a:ext>
+            </a:extLst>
+          </p:cNvPr>
+          <p:cNvSpPr>
+            <a:spLocks noGrp="1"/>
+          </p:cNvSpPr>
+          <p:nvPr>
+            <p:ph type="title"/>
+          </p:nvPr>
+        </p:nvSpPr>
+        <p:spPr/>
+        <p:txBody>
+          <a:bodyPr/>
+          <a:lstStyle/>
+          <a:p>
+            <a:r>
+              <a:rPr kumimoji="1" lang="ja-JP" altLang="en-US" dirty="0"/>
+              <a:t>研究背景（</a:t>
+            </a:r>
+            <a:r>
+              <a:rPr kumimoji="1" lang="en-US" altLang="ja-JP" dirty="0"/>
+              <a:t>1</a:t>
+            </a:r>
+            <a:r>
+              <a:rPr kumimoji="1" lang="ja-JP" altLang="en-US" dirty="0"/>
+              <a:t>）</a:t>
+            </a:r>
+          </a:p>
+        </p:txBody>
+      </p:sp>
+      <p:sp>
+        <p:nvSpPr>
+          <p:cNvPr id="3" name="コンテンツ プレースホルダー 2">
+            <a:extLst>
+              <a:ext uri="{FF2B5EF4-FFF2-40B4-BE49-F238E27FC236}">
+                <a16:creationId xmlns:a16="http://schemas.microsoft.com/office/drawing/2014/main" id="{33B41385-BE17-44ED-98ED-0BEAAFF1799A}"/>
+              </a:ext>
+            </a:extLst>
+          </p:cNvPr>
+          <p:cNvSpPr>
+            <a:spLocks noGrp="1"/>
+          </p:cNvSpPr>
+          <p:nvPr>
+            <p:ph idx="1"/>
+          </p:nvPr>
+        </p:nvSpPr>
+        <p:spPr/>
+        <p:txBody>
+          <a:bodyPr/>
+          <a:lstStyle/>
+          <a:p>
+            <a:r>
+              <a:rPr kumimoji="1" lang="ja-JP" altLang="en-US" dirty="0"/>
+              <a:t>近年，</a:t>
+            </a:r>
+            <a:r>
+              <a:rPr lang="ja-JP" altLang="en-US" dirty="0"/>
+              <a:t>様々なサービスの提供にクラウド環境を活用することが増えている</a:t>
+            </a:r>
+            <a:endParaRPr kumimoji="1" lang="ja-JP" altLang="en-US" dirty="0"/>
+          </a:p>
+        </p:txBody>
+      </p:sp>
+      <p:sp>
+        <p:nvSpPr>
+          <p:cNvPr id="6" name="テキスト ボックス 5">
+            <a:extLst>
+              <a:ext uri="{FF2B5EF4-FFF2-40B4-BE49-F238E27FC236}">
+                <a16:creationId xmlns:a16="http://schemas.microsoft.com/office/drawing/2014/main" id="{15C045FA-220E-4C91-B7DE-94D978F110F6}"/>
+              </a:ext>
+            </a:extLst>
+          </p:cNvPr>
+          <p:cNvSpPr txBox="1"/>
+          <p:nvPr/>
+        </p:nvSpPr>
+        <p:spPr>
+          <a:xfrm>
+            <a:off x="204715" y="6385046"/>
+            <a:ext cx="6549165" cy="369332"/>
+          </a:xfrm>
+          <a:prstGeom prst="rect">
+            <a:avLst/>
+          </a:prstGeom>
+          <a:noFill/>
+        </p:spPr>
+        <p:txBody>
+          <a:bodyPr wrap="none" rtlCol="0">
+            <a:spAutoFit/>
+          </a:bodyPr>
+          <a:lstStyle/>
+          <a:p>
+            <a:r>
+              <a:rPr kumimoji="1" lang="en-US" altLang="zh-TW" dirty="0"/>
+              <a:t>http://www.soumu.go.jp/johotsusintokei/statistics/statistics05.html</a:t>
+            </a:r>
+            <a:endParaRPr kumimoji="1" lang="ja-JP" altLang="en-US" dirty="0"/>
+          </a:p>
+        </p:txBody>
+      </p:sp>
+    </p:spTree>
+    <p:extLst>
+      <p:ext uri="{BB962C8B-B14F-4D97-AF65-F5344CB8AC3E}">
+        <p14:creationId xmlns:p14="http://schemas.microsoft.com/office/powerpoint/2010/main" val="3018890183"/>
+      </p:ext>
+    </p:extLst>
+  </p:cSld>
+  <p:clrMapOvr>
+    <a:masterClrMapping/>
+  </p:clrMapOvr>
+</p:sld>
+</file>
+
+<file path=ppt/slides/slide30.xml><?xml version="1.0" encoding="utf-8"?>
 <p:sld xmlns:a="http://schemas.openxmlformats.org/drawingml/2006/main" xmlns:r="http://schemas.openxmlformats.org/officeDocument/2006/relationships" xmlns:p="http://schemas.openxmlformats.org/presentationml/2006/main">
   <p:cSld>
     <p:spTree>
@@ -10692,172 +11318,7 @@
 </p:sld>
 </file>
 
-<file path=ppt/slides/slide3.xml><?xml version="1.0" encoding="utf-8"?>
-<p:sld xmlns:a="http://schemas.openxmlformats.org/drawingml/2006/main" xmlns:r="http://schemas.openxmlformats.org/officeDocument/2006/relationships" xmlns:p="http://schemas.openxmlformats.org/presentationml/2006/main">
-  <p:cSld>
-    <p:spTree>
-      <p:nvGrpSpPr>
-        <p:cNvPr id="1" name=""/>
-        <p:cNvGrpSpPr/>
-        <p:nvPr/>
-      </p:nvGrpSpPr>
-      <p:grpSpPr>
-        <a:xfrm>
-          <a:off x="0" y="0"/>
-          <a:ext cx="0" cy="0"/>
-          <a:chOff x="0" y="0"/>
-          <a:chExt cx="0" cy="0"/>
-        </a:xfrm>
-      </p:grpSpPr>
-      <p:graphicFrame>
-        <p:nvGraphicFramePr>
-          <p:cNvPr id="5" name="グラフ 4">
-            <a:extLst>
-              <a:ext uri="{FF2B5EF4-FFF2-40B4-BE49-F238E27FC236}">
-                <a16:creationId xmlns:a16="http://schemas.microsoft.com/office/drawing/2014/main" id="{379CC04E-B205-480D-ABF2-AD749E497199}"/>
-              </a:ext>
-            </a:extLst>
-          </p:cNvPr>
-          <p:cNvGraphicFramePr>
-            <a:graphicFrameLocks/>
-          </p:cNvGraphicFramePr>
-          <p:nvPr>
-            <p:extLst>
-              <p:ext uri="{D42A27DB-BD31-4B8C-83A1-F6EECF244321}">
-                <p14:modId xmlns:p14="http://schemas.microsoft.com/office/powerpoint/2010/main" val="426881336"/>
-              </p:ext>
-            </p:extLst>
-          </p:nvPr>
-        </p:nvGraphicFramePr>
-        <p:xfrm>
-          <a:off x="-1" y="2253313"/>
-          <a:ext cx="9144001" cy="4131733"/>
-        </p:xfrm>
-        <a:graphic>
-          <a:graphicData uri="http://schemas.openxmlformats.org/drawingml/2006/chart">
-            <c:chart xmlns:c="http://schemas.openxmlformats.org/drawingml/2006/chart" xmlns:r="http://schemas.openxmlformats.org/officeDocument/2006/relationships" r:id="rId2"/>
-          </a:graphicData>
-        </a:graphic>
-      </p:graphicFrame>
-      <p:sp>
-        <p:nvSpPr>
-          <p:cNvPr id="2" name="タイトル 1">
-            <a:extLst>
-              <a:ext uri="{FF2B5EF4-FFF2-40B4-BE49-F238E27FC236}">
-                <a16:creationId xmlns:a16="http://schemas.microsoft.com/office/drawing/2014/main" id="{E91F66BC-449B-4A0A-9D1D-C94C1893D514}"/>
-              </a:ext>
-            </a:extLst>
-          </p:cNvPr>
-          <p:cNvSpPr>
-            <a:spLocks noGrp="1"/>
-          </p:cNvSpPr>
-          <p:nvPr>
-            <p:ph type="title"/>
-          </p:nvPr>
-        </p:nvSpPr>
-        <p:spPr/>
-        <p:txBody>
-          <a:bodyPr/>
-          <a:lstStyle/>
-          <a:p>
-            <a:r>
-              <a:rPr kumimoji="1" lang="ja-JP" altLang="en-US" dirty="0"/>
-              <a:t>研究背景（</a:t>
-            </a:r>
-            <a:r>
-              <a:rPr kumimoji="1" lang="en-US" altLang="ja-JP" dirty="0"/>
-              <a:t>1</a:t>
-            </a:r>
-            <a:r>
-              <a:rPr kumimoji="1" lang="ja-JP" altLang="en-US" dirty="0"/>
-              <a:t>）</a:t>
-            </a:r>
-          </a:p>
-        </p:txBody>
-      </p:sp>
-      <p:sp>
-        <p:nvSpPr>
-          <p:cNvPr id="3" name="コンテンツ プレースホルダー 2">
-            <a:extLst>
-              <a:ext uri="{FF2B5EF4-FFF2-40B4-BE49-F238E27FC236}">
-                <a16:creationId xmlns:a16="http://schemas.microsoft.com/office/drawing/2014/main" id="{33B41385-BE17-44ED-98ED-0BEAAFF1799A}"/>
-              </a:ext>
-            </a:extLst>
-          </p:cNvPr>
-          <p:cNvSpPr>
-            <a:spLocks noGrp="1"/>
-          </p:cNvSpPr>
-          <p:nvPr>
-            <p:ph idx="1"/>
-          </p:nvPr>
-        </p:nvSpPr>
-        <p:spPr/>
-        <p:txBody>
-          <a:bodyPr/>
-          <a:lstStyle/>
-          <a:p>
-            <a:r>
-              <a:rPr kumimoji="1" lang="ja-JP" altLang="en-US" dirty="0"/>
-              <a:t>近年，</a:t>
-            </a:r>
-            <a:r>
-              <a:rPr lang="ja-JP" altLang="en-US" dirty="0"/>
-              <a:t>様々なサービスの提供にクラウド環境を活用することが増えている</a:t>
-            </a:r>
-            <a:endParaRPr kumimoji="1" lang="ja-JP" altLang="en-US" dirty="0"/>
-          </a:p>
-        </p:txBody>
-      </p:sp>
-      <p:sp>
-        <p:nvSpPr>
-          <p:cNvPr id="6" name="テキスト ボックス 5">
-            <a:extLst>
-              <a:ext uri="{FF2B5EF4-FFF2-40B4-BE49-F238E27FC236}">
-                <a16:creationId xmlns:a16="http://schemas.microsoft.com/office/drawing/2014/main" id="{15C045FA-220E-4C91-B7DE-94D978F110F6}"/>
-              </a:ext>
-            </a:extLst>
-          </p:cNvPr>
-          <p:cNvSpPr txBox="1"/>
-          <p:nvPr/>
-        </p:nvSpPr>
-        <p:spPr>
-          <a:xfrm>
-            <a:off x="204715" y="6385046"/>
-            <a:ext cx="6549165" cy="369332"/>
-          </a:xfrm>
-          <a:prstGeom prst="rect">
-            <a:avLst/>
-          </a:prstGeom>
-          <a:noFill/>
-        </p:spPr>
-        <p:txBody>
-          <a:bodyPr wrap="none" rtlCol="0">
-            <a:spAutoFit/>
-          </a:bodyPr>
-          <a:lstStyle/>
-          <a:p>
-            <a:r>
-              <a:rPr kumimoji="1" lang="en-US" altLang="zh-TW" dirty="0"/>
-              <a:t>http://www.soumu.go.jp/johotsusintokei/statistics/statistics05.html</a:t>
-            </a:r>
-            <a:endParaRPr kumimoji="1" lang="ja-JP" altLang="en-US" dirty="0"/>
-          </a:p>
-        </p:txBody>
-      </p:sp>
-    </p:spTree>
-    <p:extLst>
-      <p:ext uri="{BB962C8B-B14F-4D97-AF65-F5344CB8AC3E}">
-        <p14:creationId xmlns:p14="http://schemas.microsoft.com/office/powerpoint/2010/main" val="3018890183"/>
-      </p:ext>
-    </p:extLst>
-  </p:cSld>
-  <p:clrMapOvr>
-    <a:masterClrMapping/>
-  </p:clrMapOvr>
-</p:sld>
-</file>
-
-<file path=ppt/slides/slide30.xml><?xml version="1.0" encoding="utf-8"?>
+<file path=ppt/slides/slide31.xml><?xml version="1.0" encoding="utf-8"?>
 <p:sld xmlns:a="http://schemas.openxmlformats.org/drawingml/2006/main" xmlns:r="http://schemas.openxmlformats.org/officeDocument/2006/relationships" xmlns:p="http://schemas.openxmlformats.org/presentationml/2006/main">
   <p:cSld>
     <p:spTree>
@@ -11025,7 +11486,7 @@
 </p:sld>
 </file>
 
-<file path=ppt/slides/slide31.xml><?xml version="1.0" encoding="utf-8"?>
+<file path=ppt/slides/slide32.xml><?xml version="1.0" encoding="utf-8"?>
 <p:sld xmlns:a="http://schemas.openxmlformats.org/drawingml/2006/main" xmlns:r="http://schemas.openxmlformats.org/officeDocument/2006/relationships" xmlns:p="http://schemas.openxmlformats.org/presentationml/2006/main">
   <p:cSld>
     <p:spTree>
@@ -11183,210 +11644,6 @@
 </p:sld>
 </file>
 
-<file path=ppt/slides/slide32.xml><?xml version="1.0" encoding="utf-8"?>
-<p:sld xmlns:a="http://schemas.openxmlformats.org/drawingml/2006/main" xmlns:r="http://schemas.openxmlformats.org/officeDocument/2006/relationships" xmlns:p="http://schemas.openxmlformats.org/presentationml/2006/main">
-  <p:cSld>
-    <p:spTree>
-      <p:nvGrpSpPr>
-        <p:cNvPr id="1" name=""/>
-        <p:cNvGrpSpPr/>
-        <p:nvPr/>
-      </p:nvGrpSpPr>
-      <p:grpSpPr>
-        <a:xfrm>
-          <a:off x="0" y="0"/>
-          <a:ext cx="0" cy="0"/>
-          <a:chOff x="0" y="0"/>
-          <a:chExt cx="0" cy="0"/>
-        </a:xfrm>
-      </p:grpSpPr>
-      <p:sp>
-        <p:nvSpPr>
-          <p:cNvPr id="2" name="タイトル 1">
-            <a:extLst>
-              <a:ext uri="{FF2B5EF4-FFF2-40B4-BE49-F238E27FC236}">
-                <a16:creationId xmlns:a16="http://schemas.microsoft.com/office/drawing/2014/main" id="{F005CF57-C002-4A92-B7C6-CD0818E3DF30}"/>
-              </a:ext>
-            </a:extLst>
-          </p:cNvPr>
-          <p:cNvSpPr>
-            <a:spLocks noGrp="1"/>
-          </p:cNvSpPr>
-          <p:nvPr>
-            <p:ph type="title"/>
-          </p:nvPr>
-        </p:nvSpPr>
-        <p:spPr/>
-        <p:txBody>
-          <a:bodyPr/>
-          <a:lstStyle/>
-          <a:p>
-            <a:r>
-              <a:rPr kumimoji="1" lang="ja-JP" altLang="en-US" dirty="0"/>
-              <a:t>まとめ</a:t>
-            </a:r>
-          </a:p>
-        </p:txBody>
-      </p:sp>
-      <p:sp>
-        <p:nvSpPr>
-          <p:cNvPr id="3" name="コンテンツ プレースホルダー 2">
-            <a:extLst>
-              <a:ext uri="{FF2B5EF4-FFF2-40B4-BE49-F238E27FC236}">
-                <a16:creationId xmlns:a16="http://schemas.microsoft.com/office/drawing/2014/main" id="{938F7423-73BE-4A3E-9C58-8B36E6018190}"/>
-              </a:ext>
-            </a:extLst>
-          </p:cNvPr>
-          <p:cNvSpPr>
-            <a:spLocks noGrp="1"/>
-          </p:cNvSpPr>
-          <p:nvPr>
-            <p:ph idx="1"/>
-          </p:nvPr>
-        </p:nvSpPr>
-        <p:spPr/>
-        <p:txBody>
-          <a:bodyPr/>
-          <a:lstStyle/>
-          <a:p>
-            <a:pPr>
-              <a:buFont typeface="Wingdings" panose="05000000000000000000" pitchFamily="2" charset="2"/>
-              <a:buChar char="l"/>
-            </a:pPr>
-            <a:r>
-              <a:rPr kumimoji="1" lang="ja-JP" altLang="en-US" dirty="0"/>
-              <a:t>提案手法</a:t>
-            </a:r>
-            <a:r>
-              <a:rPr kumimoji="1" lang="en-US" altLang="ja-JP" dirty="0"/>
-              <a:t>(</a:t>
-            </a:r>
-            <a:r>
-              <a:rPr kumimoji="1" lang="en-US" altLang="ja-JP" dirty="0" err="1"/>
-              <a:t>VCRecovery</a:t>
-            </a:r>
-            <a:r>
-              <a:rPr kumimoji="1" lang="en-US" altLang="ja-JP" dirty="0"/>
-              <a:t>)</a:t>
-            </a:r>
-            <a:r>
-              <a:rPr kumimoji="1" lang="ja-JP" altLang="en-US" dirty="0"/>
-              <a:t>により低コスト，高速な障害復旧が可能</a:t>
-            </a:r>
-            <a:endParaRPr kumimoji="1" lang="en-US" altLang="ja-JP" dirty="0"/>
-          </a:p>
-          <a:p>
-            <a:pPr>
-              <a:buFont typeface="Wingdings" panose="05000000000000000000" pitchFamily="2" charset="2"/>
-              <a:buChar char="l"/>
-            </a:pPr>
-            <a:r>
-              <a:rPr lang="en-US" altLang="ja-JP" dirty="0"/>
-              <a:t>Zabbix</a:t>
-            </a:r>
-            <a:r>
-              <a:rPr lang="ja-JP" altLang="en-US" dirty="0"/>
-              <a:t>や</a:t>
-            </a:r>
-            <a:r>
-              <a:rPr lang="en-US" altLang="ja-JP" dirty="0"/>
-              <a:t>LXD</a:t>
-            </a:r>
-            <a:r>
-              <a:rPr lang="ja-JP" altLang="en-US" dirty="0"/>
-              <a:t>により自動で障害検知，復旧を行うことが可能</a:t>
-            </a:r>
-            <a:endParaRPr lang="en-US" altLang="ja-JP" dirty="0"/>
-          </a:p>
-          <a:p>
-            <a:pPr>
-              <a:buFont typeface="Wingdings" panose="05000000000000000000" pitchFamily="2" charset="2"/>
-              <a:buChar char="l"/>
-            </a:pPr>
-            <a:endParaRPr kumimoji="1" lang="en-US" altLang="ja-JP" dirty="0"/>
-          </a:p>
-          <a:p>
-            <a:pPr>
-              <a:buFont typeface="Wingdings" panose="05000000000000000000" pitchFamily="2" charset="2"/>
-              <a:buChar char="l"/>
-            </a:pPr>
-            <a:r>
-              <a:rPr lang="ja-JP" altLang="en-US" dirty="0"/>
-              <a:t>今後の課題</a:t>
-            </a:r>
-            <a:endParaRPr lang="en-US" altLang="ja-JP" dirty="0"/>
-          </a:p>
-          <a:p>
-            <a:pPr lvl="1">
-              <a:buFont typeface="Wingdings" panose="05000000000000000000" pitchFamily="2" charset="2"/>
-              <a:buChar char="l"/>
-            </a:pPr>
-            <a:r>
-              <a:rPr kumimoji="1" lang="ja-JP" altLang="en-US" dirty="0"/>
-              <a:t>運用系</a:t>
-            </a:r>
-            <a:r>
-              <a:rPr kumimoji="1" lang="en-US" altLang="ja-JP" dirty="0"/>
-              <a:t>VM</a:t>
-            </a:r>
-            <a:r>
-              <a:rPr kumimoji="1" lang="ja-JP" altLang="en-US" dirty="0"/>
-              <a:t>と待機系</a:t>
-            </a:r>
-            <a:r>
-              <a:rPr kumimoji="1" lang="en-US" altLang="ja-JP" dirty="0"/>
-              <a:t>VM</a:t>
-            </a:r>
-            <a:r>
-              <a:rPr kumimoji="1" lang="ja-JP" altLang="en-US" dirty="0"/>
-              <a:t>内コンテナの間で</a:t>
-            </a:r>
-            <a:r>
-              <a:rPr kumimoji="1" lang="en-US" altLang="ja-JP" dirty="0"/>
-              <a:t>VM</a:t>
-            </a:r>
-            <a:r>
-              <a:rPr kumimoji="1" lang="ja-JP" altLang="en-US" dirty="0"/>
-              <a:t>状態の同期をどのようにとるか検討</a:t>
-            </a:r>
-            <a:endParaRPr kumimoji="1" lang="en-US" altLang="ja-JP" dirty="0"/>
-          </a:p>
-          <a:p>
-            <a:pPr lvl="1">
-              <a:buFont typeface="Wingdings" panose="05000000000000000000" pitchFamily="2" charset="2"/>
-              <a:buChar char="l"/>
-            </a:pPr>
-            <a:r>
-              <a:rPr lang="ja-JP" altLang="en-US" dirty="0"/>
-              <a:t>障害規模に応じた障害対策の実現</a:t>
-            </a:r>
-            <a:endParaRPr lang="en-US" altLang="ja-JP" dirty="0"/>
-          </a:p>
-          <a:p>
-            <a:pPr lvl="1">
-              <a:buFont typeface="Wingdings" panose="05000000000000000000" pitchFamily="2" charset="2"/>
-              <a:buChar char="l"/>
-            </a:pPr>
-            <a:r>
-              <a:rPr kumimoji="1" lang="ja-JP" altLang="en-US" dirty="0"/>
-              <a:t>ライブマイグレーション利用によるダウンタイムの削減</a:t>
-            </a:r>
-          </a:p>
-        </p:txBody>
-      </p:sp>
-    </p:spTree>
-    <p:extLst>
-      <p:ext uri="{BB962C8B-B14F-4D97-AF65-F5344CB8AC3E}">
-        <p14:creationId xmlns:p14="http://schemas.microsoft.com/office/powerpoint/2010/main" val="2731036769"/>
-      </p:ext>
-    </p:extLst>
-  </p:cSld>
-  <p:clrMapOvr>
-    <a:masterClrMapping/>
-  </p:clrMapOvr>
-</p:sld>
-</file>
-
 <file path=ppt/slides/slide33.xml><?xml version="1.0" encoding="utf-8"?>
 <p:sld xmlns:a="http://schemas.openxmlformats.org/drawingml/2006/main" xmlns:r="http://schemas.openxmlformats.org/officeDocument/2006/relationships" xmlns:p="http://schemas.openxmlformats.org/presentationml/2006/main">
   <p:cSld>
@@ -11409,6 +11666,298 @@
           <p:cNvPr id="2" name="タイトル 1">
             <a:extLst>
               <a:ext uri="{FF2B5EF4-FFF2-40B4-BE49-F238E27FC236}">
+                <a16:creationId xmlns:a16="http://schemas.microsoft.com/office/drawing/2014/main" id="{401A2FBA-8325-48A7-8B2D-0A0547BBEADC}"/>
+              </a:ext>
+            </a:extLst>
+          </p:cNvPr>
+          <p:cNvSpPr>
+            <a:spLocks noGrp="1"/>
+          </p:cNvSpPr>
+          <p:nvPr>
+            <p:ph type="title"/>
+          </p:nvPr>
+        </p:nvSpPr>
+        <p:spPr/>
+        <p:txBody>
+          <a:bodyPr/>
+          <a:lstStyle/>
+          <a:p>
+            <a:r>
+              <a:rPr kumimoji="1" lang="ja-JP" altLang="en-US" dirty="0"/>
+              <a:t>マイグレーション性能評価</a:t>
+            </a:r>
+            <a:r>
+              <a:rPr kumimoji="1" lang="en-US" altLang="ja-JP" dirty="0"/>
+              <a:t>(1)</a:t>
+            </a:r>
+            <a:endParaRPr kumimoji="1" lang="ja-JP" altLang="en-US" dirty="0"/>
+          </a:p>
+        </p:txBody>
+      </p:sp>
+      <p:sp>
+        <p:nvSpPr>
+          <p:cNvPr id="3" name="コンテンツ プレースホルダー 2">
+            <a:extLst>
+              <a:ext uri="{FF2B5EF4-FFF2-40B4-BE49-F238E27FC236}">
+                <a16:creationId xmlns:a16="http://schemas.microsoft.com/office/drawing/2014/main" id="{68666109-88D4-4EC3-A6DA-C3423BAD0FBF}"/>
+              </a:ext>
+            </a:extLst>
+          </p:cNvPr>
+          <p:cNvSpPr>
+            <a:spLocks noGrp="1"/>
+          </p:cNvSpPr>
+          <p:nvPr>
+            <p:ph idx="1"/>
+          </p:nvPr>
+        </p:nvSpPr>
+        <p:spPr/>
+        <p:txBody>
+          <a:bodyPr/>
+          <a:lstStyle/>
+          <a:p>
+            <a:endParaRPr kumimoji="1" lang="ja-JP" altLang="en-US"/>
+          </a:p>
+        </p:txBody>
+      </p:sp>
+    </p:spTree>
+    <p:extLst>
+      <p:ext uri="{BB962C8B-B14F-4D97-AF65-F5344CB8AC3E}">
+        <p14:creationId xmlns:p14="http://schemas.microsoft.com/office/powerpoint/2010/main" val="3839690059"/>
+      </p:ext>
+    </p:extLst>
+  </p:cSld>
+  <p:clrMapOvr>
+    <a:masterClrMapping/>
+  </p:clrMapOvr>
+</p:sld>
+</file>
+
+<file path=ppt/slides/slide34.xml><?xml version="1.0" encoding="utf-8"?>
+<p:sld xmlns:a="http://schemas.openxmlformats.org/drawingml/2006/main" xmlns:r="http://schemas.openxmlformats.org/officeDocument/2006/relationships" xmlns:p="http://schemas.openxmlformats.org/presentationml/2006/main">
+  <p:cSld>
+    <p:spTree>
+      <p:nvGrpSpPr>
+        <p:cNvPr id="1" name=""/>
+        <p:cNvGrpSpPr/>
+        <p:nvPr/>
+      </p:nvGrpSpPr>
+      <p:grpSpPr>
+        <a:xfrm>
+          <a:off x="0" y="0"/>
+          <a:ext cx="0" cy="0"/>
+          <a:chOff x="0" y="0"/>
+          <a:chExt cx="0" cy="0"/>
+        </a:xfrm>
+      </p:grpSpPr>
+      <p:sp>
+        <p:nvSpPr>
+          <p:cNvPr id="2" name="タイトル 1">
+            <a:extLst>
+              <a:ext uri="{FF2B5EF4-FFF2-40B4-BE49-F238E27FC236}">
+                <a16:creationId xmlns:a16="http://schemas.microsoft.com/office/drawing/2014/main" id="{F005CF57-C002-4A92-B7C6-CD0818E3DF30}"/>
+              </a:ext>
+            </a:extLst>
+          </p:cNvPr>
+          <p:cNvSpPr>
+            <a:spLocks noGrp="1"/>
+          </p:cNvSpPr>
+          <p:nvPr>
+            <p:ph type="title"/>
+          </p:nvPr>
+        </p:nvSpPr>
+        <p:spPr/>
+        <p:txBody>
+          <a:bodyPr/>
+          <a:lstStyle/>
+          <a:p>
+            <a:r>
+              <a:rPr kumimoji="1" lang="ja-JP" altLang="en-US" dirty="0"/>
+              <a:t>まとめ</a:t>
+            </a:r>
+          </a:p>
+        </p:txBody>
+      </p:sp>
+      <p:sp>
+        <p:nvSpPr>
+          <p:cNvPr id="3" name="コンテンツ プレースホルダー 2">
+            <a:extLst>
+              <a:ext uri="{FF2B5EF4-FFF2-40B4-BE49-F238E27FC236}">
+                <a16:creationId xmlns:a16="http://schemas.microsoft.com/office/drawing/2014/main" id="{938F7423-73BE-4A3E-9C58-8B36E6018190}"/>
+              </a:ext>
+            </a:extLst>
+          </p:cNvPr>
+          <p:cNvSpPr>
+            <a:spLocks noGrp="1"/>
+          </p:cNvSpPr>
+          <p:nvPr>
+            <p:ph idx="1"/>
+          </p:nvPr>
+        </p:nvSpPr>
+        <p:spPr/>
+        <p:txBody>
+          <a:bodyPr/>
+          <a:lstStyle/>
+          <a:p>
+            <a:pPr>
+              <a:buFont typeface="Wingdings" panose="05000000000000000000" pitchFamily="2" charset="2"/>
+              <a:buChar char="l"/>
+            </a:pPr>
+            <a:r>
+              <a:rPr kumimoji="1" lang="ja-JP" altLang="en-US" dirty="0"/>
+              <a:t>提案手法</a:t>
+            </a:r>
+            <a:r>
+              <a:rPr kumimoji="1" lang="en-US" altLang="ja-JP" dirty="0"/>
+              <a:t>(</a:t>
+            </a:r>
+            <a:r>
+              <a:rPr kumimoji="1" lang="en-US" altLang="ja-JP" dirty="0" err="1"/>
+              <a:t>VCRecovery</a:t>
+            </a:r>
+            <a:r>
+              <a:rPr kumimoji="1" lang="en-US" altLang="ja-JP" dirty="0"/>
+              <a:t>)</a:t>
+            </a:r>
+            <a:r>
+              <a:rPr kumimoji="1" lang="ja-JP" altLang="en-US" dirty="0"/>
+              <a:t>により低コスト，高速な障害復旧が可能</a:t>
+            </a:r>
+            <a:endParaRPr kumimoji="1" lang="en-US" altLang="ja-JP" dirty="0"/>
+          </a:p>
+          <a:p>
+            <a:pPr>
+              <a:buFont typeface="Wingdings" panose="05000000000000000000" pitchFamily="2" charset="2"/>
+              <a:buChar char="l"/>
+            </a:pPr>
+            <a:r>
+              <a:rPr lang="en-US" altLang="ja-JP" dirty="0"/>
+              <a:t>Zabbix</a:t>
+            </a:r>
+            <a:r>
+              <a:rPr lang="ja-JP" altLang="en-US" dirty="0"/>
+              <a:t>や</a:t>
+            </a:r>
+            <a:r>
+              <a:rPr lang="en-US" altLang="ja-JP" dirty="0"/>
+              <a:t>LXD</a:t>
+            </a:r>
+            <a:r>
+              <a:rPr lang="ja-JP" altLang="en-US" dirty="0"/>
+              <a:t>により自動で障害検知，復旧を行うことが可能</a:t>
+            </a:r>
+            <a:endParaRPr lang="en-US" altLang="ja-JP" dirty="0"/>
+          </a:p>
+          <a:p>
+            <a:pPr>
+              <a:buFont typeface="Wingdings" panose="05000000000000000000" pitchFamily="2" charset="2"/>
+              <a:buChar char="l"/>
+            </a:pPr>
+            <a:endParaRPr kumimoji="1" lang="en-US" altLang="ja-JP" dirty="0"/>
+          </a:p>
+          <a:p>
+            <a:pPr>
+              <a:buFont typeface="Wingdings" panose="05000000000000000000" pitchFamily="2" charset="2"/>
+              <a:buChar char="l"/>
+            </a:pPr>
+            <a:r>
+              <a:rPr lang="ja-JP" altLang="en-US" dirty="0"/>
+              <a:t>今後の課題</a:t>
+            </a:r>
+            <a:endParaRPr lang="en-US" altLang="ja-JP" dirty="0"/>
+          </a:p>
+          <a:p>
+            <a:pPr lvl="1">
+              <a:buFont typeface="Wingdings" panose="05000000000000000000" pitchFamily="2" charset="2"/>
+              <a:buChar char="l"/>
+            </a:pPr>
+            <a:r>
+              <a:rPr kumimoji="1" lang="ja-JP" altLang="en-US" dirty="0"/>
+              <a:t>運用系</a:t>
+            </a:r>
+            <a:r>
+              <a:rPr kumimoji="1" lang="en-US" altLang="ja-JP" dirty="0"/>
+              <a:t>VM</a:t>
+            </a:r>
+            <a:r>
+              <a:rPr kumimoji="1" lang="ja-JP" altLang="en-US" dirty="0"/>
+              <a:t>と待機系</a:t>
+            </a:r>
+            <a:r>
+              <a:rPr kumimoji="1" lang="en-US" altLang="ja-JP" dirty="0"/>
+              <a:t>VM</a:t>
+            </a:r>
+            <a:r>
+              <a:rPr kumimoji="1" lang="ja-JP" altLang="en-US" dirty="0"/>
+              <a:t>内コンテナの間で</a:t>
+            </a:r>
+            <a:r>
+              <a:rPr kumimoji="1" lang="en-US" altLang="ja-JP" dirty="0"/>
+              <a:t>VM</a:t>
+            </a:r>
+            <a:r>
+              <a:rPr kumimoji="1" lang="ja-JP" altLang="en-US" dirty="0"/>
+              <a:t>状態の同期をどのようにとるか検討</a:t>
+            </a:r>
+            <a:endParaRPr kumimoji="1" lang="en-US" altLang="ja-JP" dirty="0"/>
+          </a:p>
+          <a:p>
+            <a:pPr lvl="1">
+              <a:buFont typeface="Wingdings" panose="05000000000000000000" pitchFamily="2" charset="2"/>
+              <a:buChar char="l"/>
+            </a:pPr>
+            <a:r>
+              <a:rPr lang="ja-JP" altLang="en-US" dirty="0"/>
+              <a:t>障害規模に応じた障害対策の実現</a:t>
+            </a:r>
+            <a:endParaRPr lang="en-US" altLang="ja-JP" dirty="0"/>
+          </a:p>
+          <a:p>
+            <a:pPr lvl="1">
+              <a:buFont typeface="Wingdings" panose="05000000000000000000" pitchFamily="2" charset="2"/>
+              <a:buChar char="l"/>
+            </a:pPr>
+            <a:r>
+              <a:rPr kumimoji="1" lang="ja-JP" altLang="en-US" dirty="0"/>
+              <a:t>ライブマイグレーション利用によるダウンタイムの削減</a:t>
+            </a:r>
+          </a:p>
+        </p:txBody>
+      </p:sp>
+    </p:spTree>
+    <p:extLst>
+      <p:ext uri="{BB962C8B-B14F-4D97-AF65-F5344CB8AC3E}">
+        <p14:creationId xmlns:p14="http://schemas.microsoft.com/office/powerpoint/2010/main" val="2731036769"/>
+      </p:ext>
+    </p:extLst>
+  </p:cSld>
+  <p:clrMapOvr>
+    <a:masterClrMapping/>
+  </p:clrMapOvr>
+</p:sld>
+</file>
+
+<file path=ppt/slides/slide35.xml><?xml version="1.0" encoding="utf-8"?>
+<p:sld xmlns:a="http://schemas.openxmlformats.org/drawingml/2006/main" xmlns:r="http://schemas.openxmlformats.org/officeDocument/2006/relationships" xmlns:p="http://schemas.openxmlformats.org/presentationml/2006/main">
+  <p:cSld>
+    <p:spTree>
+      <p:nvGrpSpPr>
+        <p:cNvPr id="1" name=""/>
+        <p:cNvGrpSpPr/>
+        <p:nvPr/>
+      </p:nvGrpSpPr>
+      <p:grpSpPr>
+        <a:xfrm>
+          <a:off x="0" y="0"/>
+          <a:ext cx="0" cy="0"/>
+          <a:chOff x="0" y="0"/>
+          <a:chExt cx="0" cy="0"/>
+        </a:xfrm>
+      </p:grpSpPr>
+      <p:sp>
+        <p:nvSpPr>
+          <p:cNvPr id="2" name="タイトル 1">
+            <a:extLst>
+              <a:ext uri="{FF2B5EF4-FFF2-40B4-BE49-F238E27FC236}">
                 <a16:creationId xmlns:a16="http://schemas.microsoft.com/office/drawing/2014/main" id="{BC7FAB1B-214F-4A64-B51C-359E05439608}"/>
               </a:ext>
             </a:extLst>
@@ -11461,6 +12010,172 @@
     <p:extLst>
       <p:ext uri="{BB962C8B-B14F-4D97-AF65-F5344CB8AC3E}">
         <p14:creationId xmlns:p14="http://schemas.microsoft.com/office/powerpoint/2010/main" val="962646475"/>
+      </p:ext>
+    </p:extLst>
+  </p:cSld>
+  <p:clrMapOvr>
+    <a:masterClrMapping/>
+  </p:clrMapOvr>
+</p:sld>
+</file>
+
+<file path=ppt/slides/slide36.xml><?xml version="1.0" encoding="utf-8"?>
+<p:sld xmlns:a="http://schemas.openxmlformats.org/drawingml/2006/main" xmlns:r="http://schemas.openxmlformats.org/officeDocument/2006/relationships" xmlns:p="http://schemas.openxmlformats.org/presentationml/2006/main">
+  <p:cSld>
+    <p:spTree>
+      <p:nvGrpSpPr>
+        <p:cNvPr id="1" name=""/>
+        <p:cNvGrpSpPr/>
+        <p:nvPr/>
+      </p:nvGrpSpPr>
+      <p:grpSpPr>
+        <a:xfrm>
+          <a:off x="0" y="0"/>
+          <a:ext cx="0" cy="0"/>
+          <a:chOff x="0" y="0"/>
+          <a:chExt cx="0" cy="0"/>
+        </a:xfrm>
+      </p:grpSpPr>
+      <p:sp>
+        <p:nvSpPr>
+          <p:cNvPr id="6" name="タイトル 3">
+            <a:extLst>
+              <a:ext uri="{FF2B5EF4-FFF2-40B4-BE49-F238E27FC236}">
+                <a16:creationId xmlns:a16="http://schemas.microsoft.com/office/drawing/2014/main" id="{2BFB61AF-8222-46FB-96E0-214DDFACFD40}"/>
+              </a:ext>
+            </a:extLst>
+          </p:cNvPr>
+          <p:cNvSpPr txBox="1">
+            <a:spLocks/>
+          </p:cNvSpPr>
+          <p:nvPr/>
+        </p:nvSpPr>
+        <p:spPr>
+          <a:xfrm>
+            <a:off x="800100" y="2787350"/>
+            <a:ext cx="7543800" cy="641650"/>
+          </a:xfrm>
+          <a:prstGeom prst="rect">
+            <a:avLst/>
+          </a:prstGeom>
+        </p:spPr>
+        <p:txBody>
+          <a:bodyPr/>
+          <a:lstStyle>
+            <a:lvl1pPr algn="l" defTabSz="914400" rtl="0" eaLnBrk="1" latinLnBrk="0" hangingPunct="1">
+              <a:lnSpc>
+                <a:spcPct val="85000"/>
+              </a:lnSpc>
+              <a:spcBef>
+                <a:spcPct val="0"/>
+              </a:spcBef>
+              <a:buNone/>
+              <a:defRPr kumimoji="1" sz="4800" kern="1200" spc="-50" baseline="0">
+                <a:solidFill>
+                  <a:schemeClr val="tx1">
+                    <a:lumMod val="75000"/>
+                    <a:lumOff val="25000"/>
+                  </a:schemeClr>
+                </a:solidFill>
+                <a:latin typeface="+mj-lt"/>
+                <a:ea typeface="+mj-ea"/>
+                <a:cs typeface="+mj-cs"/>
+              </a:defRPr>
+            </a:lvl1pPr>
+          </a:lstStyle>
+          <a:p>
+            <a:pPr algn="ctr"/>
+            <a:r>
+              <a:rPr lang="ja-JP" altLang="en-US" dirty="0"/>
+              <a:t>付録</a:t>
+            </a:r>
+          </a:p>
+        </p:txBody>
+      </p:sp>
+    </p:spTree>
+    <p:extLst>
+      <p:ext uri="{BB962C8B-B14F-4D97-AF65-F5344CB8AC3E}">
+        <p14:creationId xmlns:p14="http://schemas.microsoft.com/office/powerpoint/2010/main" val="3545044364"/>
+      </p:ext>
+    </p:extLst>
+  </p:cSld>
+  <p:clrMapOvr>
+    <a:masterClrMapping/>
+  </p:clrMapOvr>
+</p:sld>
+</file>
+
+<file path=ppt/slides/slide37.xml><?xml version="1.0" encoding="utf-8"?>
+<p:sld xmlns:a="http://schemas.openxmlformats.org/drawingml/2006/main" xmlns:r="http://schemas.openxmlformats.org/officeDocument/2006/relationships" xmlns:p="http://schemas.openxmlformats.org/presentationml/2006/main">
+  <p:cSld>
+    <p:spTree>
+      <p:nvGrpSpPr>
+        <p:cNvPr id="1" name=""/>
+        <p:cNvGrpSpPr/>
+        <p:nvPr/>
+      </p:nvGrpSpPr>
+      <p:grpSpPr>
+        <a:xfrm>
+          <a:off x="0" y="0"/>
+          <a:ext cx="0" cy="0"/>
+          <a:chOff x="0" y="0"/>
+          <a:chExt cx="0" cy="0"/>
+        </a:xfrm>
+      </p:grpSpPr>
+      <p:sp>
+        <p:nvSpPr>
+          <p:cNvPr id="2" name="タイトル 1">
+            <a:extLst>
+              <a:ext uri="{FF2B5EF4-FFF2-40B4-BE49-F238E27FC236}">
+                <a16:creationId xmlns:a16="http://schemas.microsoft.com/office/drawing/2014/main" id="{2521142F-1325-43A6-AC22-8E61B10E31D9}"/>
+              </a:ext>
+            </a:extLst>
+          </p:cNvPr>
+          <p:cNvSpPr>
+            <a:spLocks noGrp="1"/>
+          </p:cNvSpPr>
+          <p:nvPr>
+            <p:ph type="title"/>
+          </p:nvPr>
+        </p:nvSpPr>
+        <p:spPr/>
+        <p:txBody>
+          <a:bodyPr/>
+          <a:lstStyle/>
+          <a:p>
+            <a:endParaRPr kumimoji="1" lang="ja-JP" altLang="en-US"/>
+          </a:p>
+        </p:txBody>
+      </p:sp>
+      <p:sp>
+        <p:nvSpPr>
+          <p:cNvPr id="3" name="コンテンツ プレースホルダー 2">
+            <a:extLst>
+              <a:ext uri="{FF2B5EF4-FFF2-40B4-BE49-F238E27FC236}">
+                <a16:creationId xmlns:a16="http://schemas.microsoft.com/office/drawing/2014/main" id="{54330EC9-C828-4A2D-8902-43A1B4858961}"/>
+              </a:ext>
+            </a:extLst>
+          </p:cNvPr>
+          <p:cNvSpPr>
+            <a:spLocks noGrp="1"/>
+          </p:cNvSpPr>
+          <p:nvPr>
+            <p:ph idx="1"/>
+          </p:nvPr>
+        </p:nvSpPr>
+        <p:spPr/>
+        <p:txBody>
+          <a:bodyPr/>
+          <a:lstStyle/>
+          <a:p>
+            <a:endParaRPr kumimoji="1" lang="ja-JP" altLang="en-US"/>
+          </a:p>
+        </p:txBody>
+      </p:sp>
+    </p:spTree>
+    <p:extLst>
+      <p:ext uri="{BB962C8B-B14F-4D97-AF65-F5344CB8AC3E}">
+        <p14:creationId xmlns:p14="http://schemas.microsoft.com/office/powerpoint/2010/main" val="3219533666"/>
       </p:ext>
     </p:extLst>
   </p:cSld>

--- a/輪講2019-1_鈴木洸太.pptx
+++ b/輪講2019-1_鈴木洸太.pptx
@@ -5,7 +5,7 @@
     <p:sldMasterId id="2147483819" r:id="rId1"/>
   </p:sldMasterIdLst>
   <p:notesMasterIdLst>
-    <p:notesMasterId r:id="rId39"/>
+    <p:notesMasterId r:id="rId40"/>
   </p:notesMasterIdLst>
   <p:sldIdLst>
     <p:sldId id="256" r:id="rId2"/>
@@ -41,10 +41,11 @@
     <p:sldId id="286" r:id="rId32"/>
     <p:sldId id="287" r:id="rId33"/>
     <p:sldId id="293" r:id="rId34"/>
-    <p:sldId id="288" r:id="rId35"/>
-    <p:sldId id="289" r:id="rId36"/>
-    <p:sldId id="291" r:id="rId37"/>
-    <p:sldId id="292" r:id="rId38"/>
+    <p:sldId id="295" r:id="rId35"/>
+    <p:sldId id="288" r:id="rId36"/>
+    <p:sldId id="289" r:id="rId37"/>
+    <p:sldId id="291" r:id="rId38"/>
+    <p:sldId id="292" r:id="rId39"/>
   </p:sldIdLst>
   <p:sldSz cx="9144000" cy="6858000" type="screen4x3"/>
   <p:notesSz cx="6858000" cy="9144000"/>
@@ -1734,7 +1735,7 @@
           <a:p>
             <a:fld id="{F078B2A7-EC9C-43E3-BD68-4451654AB58E}" type="datetimeFigureOut">
               <a:rPr kumimoji="1" lang="ja-JP" altLang="en-US" smtClean="0"/>
-              <a:t>2019/5/3</a:t>
+              <a:t>2019/5/4</a:t>
             </a:fld>
             <a:endParaRPr kumimoji="1" lang="ja-JP" altLang="en-US"/>
           </a:p>
@@ -2523,7 +2524,7 @@
           <a:p>
             <a:fld id="{2F2A3BAA-AE56-4B39-BB85-0AC61BE7E721}" type="datetimeFigureOut">
               <a:rPr kumimoji="1" lang="ja-JP" altLang="en-US" smtClean="0"/>
-              <a:t>2019/5/3</a:t>
+              <a:t>2019/5/4</a:t>
             </a:fld>
             <a:endParaRPr kumimoji="1" lang="ja-JP" altLang="en-US"/>
           </a:p>
@@ -2763,7 +2764,7 @@
           <a:p>
             <a:fld id="{2F2A3BAA-AE56-4B39-BB85-0AC61BE7E721}" type="datetimeFigureOut">
               <a:rPr kumimoji="1" lang="ja-JP" altLang="en-US" smtClean="0"/>
-              <a:t>2019/5/3</a:t>
+              <a:t>2019/5/4</a:t>
             </a:fld>
             <a:endParaRPr kumimoji="1" lang="ja-JP" altLang="en-US"/>
           </a:p>
@@ -3051,7 +3052,7 @@
           <a:p>
             <a:fld id="{2F2A3BAA-AE56-4B39-BB85-0AC61BE7E721}" type="datetimeFigureOut">
               <a:rPr kumimoji="1" lang="ja-JP" altLang="en-US" smtClean="0"/>
-              <a:t>2019/5/3</a:t>
+              <a:t>2019/5/4</a:t>
             </a:fld>
             <a:endParaRPr kumimoji="1" lang="ja-JP" altLang="en-US"/>
           </a:p>
@@ -3277,7 +3278,7 @@
           <a:p>
             <a:fld id="{2F2A3BAA-AE56-4B39-BB85-0AC61BE7E721}" type="datetimeFigureOut">
               <a:rPr kumimoji="1" lang="ja-JP" altLang="en-US" smtClean="0"/>
-              <a:t>2019/5/3</a:t>
+              <a:t>2019/5/4</a:t>
             </a:fld>
             <a:endParaRPr kumimoji="1" lang="ja-JP" altLang="en-US"/>
           </a:p>
@@ -3620,7 +3621,7 @@
           <a:p>
             <a:fld id="{2F2A3BAA-AE56-4B39-BB85-0AC61BE7E721}" type="datetimeFigureOut">
               <a:rPr kumimoji="1" lang="ja-JP" altLang="en-US" smtClean="0"/>
-              <a:t>2019/5/3</a:t>
+              <a:t>2019/5/4</a:t>
             </a:fld>
             <a:endParaRPr kumimoji="1" lang="ja-JP" altLang="en-US"/>
           </a:p>
@@ -3959,7 +3960,7 @@
           <a:p>
             <a:fld id="{2F2A3BAA-AE56-4B39-BB85-0AC61BE7E721}" type="datetimeFigureOut">
               <a:rPr kumimoji="1" lang="ja-JP" altLang="en-US" smtClean="0"/>
-              <a:t>2019/5/3</a:t>
+              <a:t>2019/5/4</a:t>
             </a:fld>
             <a:endParaRPr kumimoji="1" lang="ja-JP" altLang="en-US"/>
           </a:p>
@@ -4402,7 +4403,7 @@
           <a:p>
             <a:fld id="{2F2A3BAA-AE56-4B39-BB85-0AC61BE7E721}" type="datetimeFigureOut">
               <a:rPr kumimoji="1" lang="ja-JP" altLang="en-US" smtClean="0"/>
-              <a:t>2019/5/3</a:t>
+              <a:t>2019/5/4</a:t>
             </a:fld>
             <a:endParaRPr kumimoji="1" lang="ja-JP" altLang="en-US"/>
           </a:p>
@@ -4520,7 +4521,7 @@
           <a:p>
             <a:fld id="{2F2A3BAA-AE56-4B39-BB85-0AC61BE7E721}" type="datetimeFigureOut">
               <a:rPr kumimoji="1" lang="ja-JP" altLang="en-US" smtClean="0"/>
-              <a:t>2019/5/3</a:t>
+              <a:t>2019/5/4</a:t>
             </a:fld>
             <a:endParaRPr kumimoji="1" lang="ja-JP" altLang="en-US"/>
           </a:p>
@@ -4691,7 +4692,7 @@
           <a:p>
             <a:fld id="{2F2A3BAA-AE56-4B39-BB85-0AC61BE7E721}" type="datetimeFigureOut">
               <a:rPr kumimoji="1" lang="ja-JP" altLang="en-US" smtClean="0"/>
-              <a:t>2019/5/3</a:t>
+              <a:t>2019/5/4</a:t>
             </a:fld>
             <a:endParaRPr kumimoji="1" lang="ja-JP" altLang="en-US"/>
           </a:p>
@@ -5077,7 +5078,7 @@
           <a:p>
             <a:fld id="{2F2A3BAA-AE56-4B39-BB85-0AC61BE7E721}" type="datetimeFigureOut">
               <a:rPr kumimoji="1" lang="ja-JP" altLang="en-US" smtClean="0"/>
-              <a:t>2019/5/3</a:t>
+              <a:t>2019/5/4</a:t>
             </a:fld>
             <a:endParaRPr kumimoji="1" lang="ja-JP" altLang="en-US"/>
           </a:p>
@@ -5454,7 +5455,7 @@
           <a:p>
             <a:fld id="{2F2A3BAA-AE56-4B39-BB85-0AC61BE7E721}" type="datetimeFigureOut">
               <a:rPr kumimoji="1" lang="ja-JP" altLang="en-US" smtClean="0"/>
-              <a:t>2019/5/3</a:t>
+              <a:t>2019/5/4</a:t>
             </a:fld>
             <a:endParaRPr kumimoji="1" lang="ja-JP" altLang="en-US"/>
           </a:p>
@@ -5773,7 +5774,7 @@
           <a:p>
             <a:fld id="{2F2A3BAA-AE56-4B39-BB85-0AC61BE7E721}" type="datetimeFigureOut">
               <a:rPr kumimoji="1" lang="ja-JP" altLang="en-US" smtClean="0"/>
-              <a:t>2019/5/3</a:t>
+              <a:t>2019/5/4</a:t>
             </a:fld>
             <a:endParaRPr kumimoji="1" lang="ja-JP" altLang="en-US"/>
           </a:p>
@@ -11715,10 +11716,215 @@
           <a:bodyPr/>
           <a:lstStyle/>
           <a:p>
-            <a:endParaRPr kumimoji="1" lang="ja-JP" altLang="en-US"/>
-          </a:p>
-        </p:txBody>
-      </p:sp>
+            <a:pPr>
+              <a:buFont typeface="Wingdings" panose="05000000000000000000" pitchFamily="2" charset="2"/>
+              <a:buChar char="l"/>
+            </a:pPr>
+            <a:r>
+              <a:rPr kumimoji="1" lang="en-US" altLang="ja-JP" dirty="0"/>
+              <a:t>VM</a:t>
+            </a:r>
+            <a:r>
+              <a:rPr kumimoji="1" lang="ja-JP" altLang="en-US" dirty="0"/>
+              <a:t>内コンテナとホスト上で動作するコンテナの性能を比較</a:t>
+            </a:r>
+            <a:endParaRPr kumimoji="1" lang="en-US" altLang="ja-JP" dirty="0"/>
+          </a:p>
+          <a:p>
+            <a:pPr>
+              <a:buFont typeface="Wingdings" panose="05000000000000000000" pitchFamily="2" charset="2"/>
+              <a:buChar char="l"/>
+            </a:pPr>
+            <a:r>
+              <a:rPr lang="ja-JP" altLang="en-US" dirty="0"/>
+              <a:t>マイグレーション時間とダウンタイムを測定</a:t>
+            </a:r>
+            <a:endParaRPr kumimoji="1" lang="ja-JP" altLang="en-US" dirty="0"/>
+          </a:p>
+        </p:txBody>
+      </p:sp>
+      <p:graphicFrame>
+        <p:nvGraphicFramePr>
+          <p:cNvPr id="5" name="表 4">
+            <a:extLst>
+              <a:ext uri="{FF2B5EF4-FFF2-40B4-BE49-F238E27FC236}">
+                <a16:creationId xmlns:a16="http://schemas.microsoft.com/office/drawing/2014/main" id="{5F40BBE9-6FF3-472B-8113-839DBE806D44}"/>
+              </a:ext>
+            </a:extLst>
+          </p:cNvPr>
+          <p:cNvGraphicFramePr>
+            <a:graphicFrameLocks noGrp="1"/>
+          </p:cNvGraphicFramePr>
+          <p:nvPr>
+            <p:extLst>
+              <p:ext uri="{D42A27DB-BD31-4B8C-83A1-F6EECF244321}">
+                <p14:modId xmlns:p14="http://schemas.microsoft.com/office/powerpoint/2010/main" val="3366903242"/>
+              </p:ext>
+            </p:extLst>
+          </p:nvPr>
+        </p:nvGraphicFramePr>
+        <p:xfrm>
+          <a:off x="1524000" y="3008130"/>
+          <a:ext cx="6096000" cy="1112520"/>
+        </p:xfrm>
+        <a:graphic>
+          <a:graphicData uri="http://schemas.openxmlformats.org/drawingml/2006/table">
+            <a:tbl>
+              <a:tblPr firstRow="1" bandRow="1">
+                <a:tableStyleId>{5C22544A-7EE6-4342-B048-85BDC9FD1C3A}</a:tableStyleId>
+              </a:tblPr>
+              <a:tblGrid>
+                <a:gridCol w="3048000">
+                  <a:extLst>
+                    <a:ext uri="{9D8B030D-6E8A-4147-A177-3AD203B41FA5}">
+                      <a16:colId xmlns:a16="http://schemas.microsoft.com/office/drawing/2014/main" val="4071537145"/>
+                    </a:ext>
+                  </a:extLst>
+                </a:gridCol>
+                <a:gridCol w="3048000">
+                  <a:extLst>
+                    <a:ext uri="{9D8B030D-6E8A-4147-A177-3AD203B41FA5}">
+                      <a16:colId xmlns:a16="http://schemas.microsoft.com/office/drawing/2014/main" val="2116347417"/>
+                    </a:ext>
+                  </a:extLst>
+                </a:gridCol>
+              </a:tblGrid>
+              <a:tr h="370840">
+                <a:tc>
+                  <a:txBody>
+                    <a:bodyPr/>
+                    <a:lstStyle/>
+                    <a:p>
+                      <a:pPr algn="ctr"/>
+                      <a:r>
+                        <a:rPr kumimoji="1" lang="ja-JP" altLang="en-US" dirty="0"/>
+                        <a:t>項目</a:t>
+                      </a:r>
+                    </a:p>
+                  </a:txBody>
+                  <a:tcPr/>
+                </a:tc>
+                <a:tc>
+                  <a:txBody>
+                    <a:bodyPr/>
+                    <a:lstStyle/>
+                    <a:p>
+                      <a:pPr algn="ctr"/>
+                      <a:r>
+                        <a:rPr kumimoji="1" lang="ja-JP" altLang="en-US" dirty="0"/>
+                        <a:t>内容</a:t>
+                      </a:r>
+                    </a:p>
+                  </a:txBody>
+                  <a:tcPr/>
+                </a:tc>
+                <a:extLst>
+                  <a:ext uri="{0D108BD9-81ED-4DB2-BD59-A6C34878D82A}">
+                    <a16:rowId xmlns:a16="http://schemas.microsoft.com/office/drawing/2014/main" val="4229072753"/>
+                  </a:ext>
+                </a:extLst>
+              </a:tr>
+              <a:tr h="370840">
+                <a:tc>
+                  <a:txBody>
+                    <a:bodyPr/>
+                    <a:lstStyle/>
+                    <a:p>
+                      <a:pPr algn="ctr"/>
+                      <a:r>
+                        <a:rPr kumimoji="1" lang="ja-JP" altLang="en-US" dirty="0"/>
+                        <a:t>コンテナイメージサイズ</a:t>
+                      </a:r>
+                    </a:p>
+                  </a:txBody>
+                  <a:tcPr/>
+                </a:tc>
+                <a:tc>
+                  <a:txBody>
+                    <a:bodyPr/>
+                    <a:lstStyle/>
+                    <a:p>
+                      <a:pPr algn="ctr"/>
+                      <a:r>
+                        <a:rPr kumimoji="1" lang="en-US" altLang="ja-JP" dirty="0"/>
+                        <a:t>950MB</a:t>
+                      </a:r>
+                      <a:endParaRPr kumimoji="1" lang="ja-JP" altLang="en-US" dirty="0"/>
+                    </a:p>
+                  </a:txBody>
+                  <a:tcPr/>
+                </a:tc>
+                <a:extLst>
+                  <a:ext uri="{0D108BD9-81ED-4DB2-BD59-A6C34878D82A}">
+                    <a16:rowId xmlns:a16="http://schemas.microsoft.com/office/drawing/2014/main" val="3440884707"/>
+                  </a:ext>
+                </a:extLst>
+              </a:tr>
+              <a:tr h="370840">
+                <a:tc>
+                  <a:txBody>
+                    <a:bodyPr/>
+                    <a:lstStyle/>
+                    <a:p>
+                      <a:pPr marL="0" marR="0" lvl="0" indent="0" algn="ctr" defTabSz="914400" rtl="0" eaLnBrk="1" fontAlgn="auto" latinLnBrk="0" hangingPunct="1">
+                        <a:lnSpc>
+                          <a:spcPct val="100000"/>
+                        </a:lnSpc>
+                        <a:spcBef>
+                          <a:spcPts val="0"/>
+                        </a:spcBef>
+                        <a:spcAft>
+                          <a:spcPts val="0"/>
+                        </a:spcAft>
+                        <a:buClrTx/>
+                        <a:buSzTx/>
+                        <a:buFontTx/>
+                        <a:buNone/>
+                        <a:tabLst/>
+                        <a:defRPr/>
+                      </a:pPr>
+                      <a:r>
+                        <a:rPr kumimoji="1" lang="en-US" altLang="ja-JP" sz="1800" dirty="0"/>
+                        <a:t>Container</a:t>
+                      </a:r>
+                      <a:endParaRPr kumimoji="1" lang="ja-JP" altLang="en-US" sz="1800" dirty="0"/>
+                    </a:p>
+                  </a:txBody>
+                  <a:tcPr/>
+                </a:tc>
+                <a:tc>
+                  <a:txBody>
+                    <a:bodyPr/>
+                    <a:lstStyle/>
+                    <a:p>
+                      <a:pPr algn="ctr"/>
+                      <a:r>
+                        <a:rPr kumimoji="1" lang="en-US" altLang="ja-JP" dirty="0"/>
+                        <a:t>LXD</a:t>
+                      </a:r>
+                      <a:r>
+                        <a:rPr kumimoji="1" lang="ja-JP" altLang="en-US" dirty="0"/>
+                        <a:t>　</a:t>
+                      </a:r>
+                      <a:r>
+                        <a:rPr kumimoji="1" lang="en-US" altLang="ja-JP" dirty="0"/>
+                        <a:t>2.21</a:t>
+                      </a:r>
+                      <a:endParaRPr kumimoji="1" lang="ja-JP" altLang="en-US" dirty="0"/>
+                    </a:p>
+                  </a:txBody>
+                  <a:tcPr/>
+                </a:tc>
+                <a:extLst>
+                  <a:ext uri="{0D108BD9-81ED-4DB2-BD59-A6C34878D82A}">
+                    <a16:rowId xmlns:a16="http://schemas.microsoft.com/office/drawing/2014/main" val="2032150138"/>
+                  </a:ext>
+                </a:extLst>
+              </a:tr>
+            </a:tbl>
+          </a:graphicData>
+        </a:graphic>
+      </p:graphicFrame>
     </p:spTree>
     <p:extLst>
       <p:ext uri="{BB962C8B-B14F-4D97-AF65-F5344CB8AC3E}">
@@ -11754,7 +11960,7 @@
           <p:cNvPr id="2" name="タイトル 1">
             <a:extLst>
               <a:ext uri="{FF2B5EF4-FFF2-40B4-BE49-F238E27FC236}">
-                <a16:creationId xmlns:a16="http://schemas.microsoft.com/office/drawing/2014/main" id="{F005CF57-C002-4A92-B7C6-CD0818E3DF30}"/>
+                <a16:creationId xmlns:a16="http://schemas.microsoft.com/office/drawing/2014/main" id="{31F30708-8EAC-4834-B096-AF5AD7EE2B50}"/>
               </a:ext>
             </a:extLst>
           </p:cNvPr>
@@ -11771,9 +11977,14 @@
           <a:lstStyle/>
           <a:p>
             <a:r>
-              <a:rPr kumimoji="1" lang="ja-JP" altLang="en-US" dirty="0"/>
-              <a:t>まとめ</a:t>
-            </a:r>
+              <a:rPr lang="ja-JP" altLang="en-US" dirty="0"/>
+              <a:t>マイグレーション性能評価</a:t>
+            </a:r>
+            <a:r>
+              <a:rPr lang="en-US" altLang="ja-JP" dirty="0"/>
+              <a:t>(1)</a:t>
+            </a:r>
+            <a:endParaRPr kumimoji="1" lang="ja-JP" altLang="en-US" dirty="0"/>
           </a:p>
         </p:txBody>
       </p:sp>
@@ -11782,7 +11993,7 @@
           <p:cNvPr id="3" name="コンテンツ プレースホルダー 2">
             <a:extLst>
               <a:ext uri="{FF2B5EF4-FFF2-40B4-BE49-F238E27FC236}">
-                <a16:creationId xmlns:a16="http://schemas.microsoft.com/office/drawing/2014/main" id="{938F7423-73BE-4A3E-9C58-8B36E6018190}"/>
+                <a16:creationId xmlns:a16="http://schemas.microsoft.com/office/drawing/2014/main" id="{5FF227AC-7A76-4EBF-B037-874361773D3D}"/>
               </a:ext>
             </a:extLst>
           </p:cNvPr>
@@ -11804,25 +12015,40 @@
             </a:pPr>
             <a:r>
               <a:rPr kumimoji="1" lang="ja-JP" altLang="en-US" dirty="0"/>
-              <a:t>提案手法</a:t>
+              <a:t>マイグレーション時間は</a:t>
             </a:r>
             <a:r>
               <a:rPr kumimoji="1" lang="en-US" altLang="ja-JP" dirty="0"/>
-              <a:t>(</a:t>
-            </a:r>
-            <a:r>
-              <a:rPr kumimoji="1" lang="en-US" altLang="ja-JP" dirty="0" err="1"/>
-              <a:t>VCRecovery</a:t>
+              <a:t>VM</a:t>
+            </a:r>
+            <a:r>
+              <a:rPr kumimoji="1" lang="ja-JP" altLang="en-US" dirty="0"/>
+              <a:t>内コンテナのほうが</a:t>
             </a:r>
             <a:r>
               <a:rPr kumimoji="1" lang="en-US" altLang="ja-JP" dirty="0"/>
-              <a:t>)</a:t>
+              <a:t>1</a:t>
             </a:r>
             <a:r>
               <a:rPr kumimoji="1" lang="ja-JP" altLang="en-US" dirty="0"/>
-              <a:t>により低コスト，高速な障害復旧が可能</a:t>
+              <a:t>秒程度高速化</a:t>
             </a:r>
             <a:endParaRPr kumimoji="1" lang="en-US" altLang="ja-JP" dirty="0"/>
+          </a:p>
+          <a:p>
+            <a:pPr lvl="1">
+              <a:buFont typeface="Wingdings" panose="05000000000000000000" pitchFamily="2" charset="2"/>
+              <a:buChar char="l"/>
+            </a:pPr>
+            <a:r>
+              <a:rPr lang="en-US" altLang="ja-JP" dirty="0"/>
+              <a:t>VM</a:t>
+            </a:r>
+            <a:r>
+              <a:rPr lang="ja-JP" altLang="en-US" dirty="0"/>
+              <a:t>内コンテナのオーバヘッドは無い</a:t>
+            </a:r>
+            <a:endParaRPr lang="en-US" altLang="ja-JP" dirty="0"/>
           </a:p>
           <a:p>
             <a:pPr>
@@ -11830,103 +12056,63 @@
               <a:buChar char="l"/>
             </a:pPr>
             <a:r>
-              <a:rPr lang="en-US" altLang="ja-JP" dirty="0"/>
-              <a:t>Zabbix</a:t>
-            </a:r>
-            <a:r>
-              <a:rPr lang="ja-JP" altLang="en-US" dirty="0"/>
-              <a:t>や</a:t>
-            </a:r>
-            <a:r>
-              <a:rPr lang="en-US" altLang="ja-JP" dirty="0"/>
-              <a:t>LXD</a:t>
-            </a:r>
-            <a:r>
-              <a:rPr lang="ja-JP" altLang="en-US" dirty="0"/>
-              <a:t>により自動で障害検知，復旧を行うことが可能</a:t>
-            </a:r>
-            <a:endParaRPr lang="en-US" altLang="ja-JP" dirty="0"/>
-          </a:p>
-          <a:p>
-            <a:pPr>
-              <a:buFont typeface="Wingdings" panose="05000000000000000000" pitchFamily="2" charset="2"/>
-              <a:buChar char="l"/>
-            </a:pPr>
-            <a:endParaRPr kumimoji="1" lang="en-US" altLang="ja-JP" dirty="0"/>
-          </a:p>
-          <a:p>
-            <a:pPr>
-              <a:buFont typeface="Wingdings" panose="05000000000000000000" pitchFamily="2" charset="2"/>
-              <a:buChar char="l"/>
-            </a:pPr>
-            <a:r>
-              <a:rPr lang="ja-JP" altLang="en-US" dirty="0"/>
-              <a:t>今後の課題</a:t>
-            </a:r>
-            <a:endParaRPr lang="en-US" altLang="ja-JP" dirty="0"/>
-          </a:p>
-          <a:p>
-            <a:pPr lvl="1">
-              <a:buFont typeface="Wingdings" panose="05000000000000000000" pitchFamily="2" charset="2"/>
-              <a:buChar char="l"/>
-            </a:pPr>
-            <a:r>
-              <a:rPr kumimoji="1" lang="ja-JP" altLang="en-US" dirty="0"/>
-              <a:t>運用系</a:t>
-            </a:r>
-            <a:r>
               <a:rPr kumimoji="1" lang="en-US" altLang="ja-JP" dirty="0"/>
               <a:t>VM</a:t>
             </a:r>
             <a:r>
               <a:rPr kumimoji="1" lang="ja-JP" altLang="en-US" dirty="0"/>
-              <a:t>と待機系</a:t>
+              <a:t>内コンテナのダウンタイムは</a:t>
             </a:r>
             <a:r>
               <a:rPr kumimoji="1" lang="en-US" altLang="ja-JP" dirty="0"/>
-              <a:t>VM</a:t>
+              <a:t>5.6</a:t>
             </a:r>
             <a:r>
               <a:rPr kumimoji="1" lang="ja-JP" altLang="en-US" dirty="0"/>
-              <a:t>内コンテナの間で</a:t>
-            </a:r>
-            <a:r>
-              <a:rPr kumimoji="1" lang="en-US" altLang="ja-JP" dirty="0"/>
-              <a:t>VM</a:t>
-            </a:r>
-            <a:r>
-              <a:rPr kumimoji="1" lang="ja-JP" altLang="en-US" dirty="0"/>
-              <a:t>状態の同期をどのようにとるか検討</a:t>
-            </a:r>
-            <a:endParaRPr kumimoji="1" lang="en-US" altLang="ja-JP" dirty="0"/>
-          </a:p>
-          <a:p>
-            <a:pPr lvl="1">
-              <a:buFont typeface="Wingdings" panose="05000000000000000000" pitchFamily="2" charset="2"/>
-              <a:buChar char="l"/>
-            </a:pPr>
-            <a:r>
-              <a:rPr lang="ja-JP" altLang="en-US" dirty="0"/>
-              <a:t>障害規模に応じた障害対策の実現</a:t>
-            </a:r>
-            <a:endParaRPr lang="en-US" altLang="ja-JP" dirty="0"/>
-          </a:p>
-          <a:p>
-            <a:pPr lvl="1">
-              <a:buFont typeface="Wingdings" panose="05000000000000000000" pitchFamily="2" charset="2"/>
-              <a:buChar char="l"/>
-            </a:pPr>
-            <a:r>
-              <a:rPr kumimoji="1" lang="ja-JP" altLang="en-US" dirty="0"/>
-              <a:t>ライブマイグレーション利用によるダウンタイムの削減</a:t>
-            </a:r>
-          </a:p>
-        </p:txBody>
-      </p:sp>
+              <a:t>秒</a:t>
+            </a:r>
+          </a:p>
+        </p:txBody>
+      </p:sp>
+      <p:pic>
+        <p:nvPicPr>
+          <p:cNvPr id="5" name="図 4">
+            <a:extLst>
+              <a:ext uri="{FF2B5EF4-FFF2-40B4-BE49-F238E27FC236}">
+                <a16:creationId xmlns:a16="http://schemas.microsoft.com/office/drawing/2014/main" id="{25F82072-E88C-446A-904B-DE9F8FFF2F90}"/>
+              </a:ext>
+            </a:extLst>
+          </p:cNvPr>
+          <p:cNvPicPr>
+            <a:picLocks noChangeAspect="1"/>
+          </p:cNvPicPr>
+          <p:nvPr/>
+        </p:nvPicPr>
+        <p:blipFill rotWithShape="1">
+          <a:blip r:embed="rId2">
+            <a:extLst>
+              <a:ext uri="{28A0092B-C50C-407E-A947-70E740481C1C}">
+                <a14:useLocalDpi xmlns:a14="http://schemas.microsoft.com/office/drawing/2010/main" val="0"/>
+              </a:ext>
+            </a:extLst>
+          </a:blip>
+          <a:srcRect t="4213"/>
+          <a:stretch/>
+        </p:blipFill>
+        <p:spPr>
+          <a:xfrm>
+            <a:off x="2016892" y="2941504"/>
+            <a:ext cx="5110215" cy="3629892"/>
+          </a:xfrm>
+          <a:prstGeom prst="rect">
+            <a:avLst/>
+          </a:prstGeom>
+        </p:spPr>
+      </p:pic>
     </p:spTree>
     <p:extLst>
       <p:ext uri="{BB962C8B-B14F-4D97-AF65-F5344CB8AC3E}">
-        <p14:creationId xmlns:p14="http://schemas.microsoft.com/office/powerpoint/2010/main" val="2731036769"/>
+        <p14:creationId xmlns:p14="http://schemas.microsoft.com/office/powerpoint/2010/main" val="1055151996"/>
       </p:ext>
     </p:extLst>
   </p:cSld>
@@ -11958,7 +12144,7 @@
           <p:cNvPr id="2" name="タイトル 1">
             <a:extLst>
               <a:ext uri="{FF2B5EF4-FFF2-40B4-BE49-F238E27FC236}">
-                <a16:creationId xmlns:a16="http://schemas.microsoft.com/office/drawing/2014/main" id="{BC7FAB1B-214F-4A64-B51C-359E05439608}"/>
+                <a16:creationId xmlns:a16="http://schemas.microsoft.com/office/drawing/2014/main" id="{F005CF57-C002-4A92-B7C6-CD0818E3DF30}"/>
               </a:ext>
             </a:extLst>
           </p:cNvPr>
@@ -11976,7 +12162,7 @@
           <a:p>
             <a:r>
               <a:rPr kumimoji="1" lang="ja-JP" altLang="en-US" dirty="0"/>
-              <a:t>不明点，疑問点</a:t>
+              <a:t>まとめ</a:t>
             </a:r>
           </a:p>
         </p:txBody>
@@ -11986,7 +12172,7 @@
           <p:cNvPr id="3" name="コンテンツ プレースホルダー 2">
             <a:extLst>
               <a:ext uri="{FF2B5EF4-FFF2-40B4-BE49-F238E27FC236}">
-                <a16:creationId xmlns:a16="http://schemas.microsoft.com/office/drawing/2014/main" id="{53CEC786-F177-4B1D-AA3D-5050ED87ABE3}"/>
+                <a16:creationId xmlns:a16="http://schemas.microsoft.com/office/drawing/2014/main" id="{938F7423-73BE-4A3E-9C58-8B36E6018190}"/>
               </a:ext>
             </a:extLst>
           </p:cNvPr>
@@ -12002,14 +12188,135 @@
           <a:bodyPr/>
           <a:lstStyle/>
           <a:p>
-            <a:endParaRPr kumimoji="1" lang="ja-JP" altLang="en-US" dirty="0"/>
+            <a:pPr>
+              <a:buFont typeface="Wingdings" panose="05000000000000000000" pitchFamily="2" charset="2"/>
+              <a:buChar char="l"/>
+            </a:pPr>
+            <a:r>
+              <a:rPr kumimoji="1" lang="ja-JP" altLang="en-US" dirty="0"/>
+              <a:t>提案手法</a:t>
+            </a:r>
+            <a:r>
+              <a:rPr kumimoji="1" lang="en-US" altLang="ja-JP" dirty="0"/>
+              <a:t>(</a:t>
+            </a:r>
+            <a:r>
+              <a:rPr kumimoji="1" lang="en-US" altLang="ja-JP" dirty="0" err="1"/>
+              <a:t>VCRecovery</a:t>
+            </a:r>
+            <a:r>
+              <a:rPr kumimoji="1" lang="en-US" altLang="ja-JP" dirty="0"/>
+              <a:t>)</a:t>
+            </a:r>
+            <a:r>
+              <a:rPr kumimoji="1" lang="ja-JP" altLang="en-US" dirty="0"/>
+              <a:t>により低コスト，高速な障害復旧が可能</a:t>
+            </a:r>
+            <a:endParaRPr kumimoji="1" lang="en-US" altLang="ja-JP" dirty="0"/>
+          </a:p>
+          <a:p>
+            <a:pPr>
+              <a:buFont typeface="Wingdings" panose="05000000000000000000" pitchFamily="2" charset="2"/>
+              <a:buChar char="l"/>
+            </a:pPr>
+            <a:r>
+              <a:rPr lang="en-US" altLang="ja-JP" dirty="0"/>
+              <a:t>Zabbix</a:t>
+            </a:r>
+            <a:r>
+              <a:rPr lang="ja-JP" altLang="en-US" dirty="0"/>
+              <a:t>や</a:t>
+            </a:r>
+            <a:r>
+              <a:rPr lang="en-US" altLang="ja-JP" dirty="0"/>
+              <a:t>LXD</a:t>
+            </a:r>
+            <a:r>
+              <a:rPr lang="ja-JP" altLang="en-US" dirty="0"/>
+              <a:t>により自動で障害検知，復旧を行うことが可能</a:t>
+            </a:r>
+            <a:endParaRPr lang="en-US" altLang="ja-JP" dirty="0"/>
+          </a:p>
+          <a:p>
+            <a:pPr>
+              <a:buFont typeface="Wingdings" panose="05000000000000000000" pitchFamily="2" charset="2"/>
+              <a:buChar char="l"/>
+            </a:pPr>
+            <a:endParaRPr kumimoji="1" lang="en-US" altLang="ja-JP" dirty="0"/>
+          </a:p>
+          <a:p>
+            <a:pPr>
+              <a:buFont typeface="Wingdings" panose="05000000000000000000" pitchFamily="2" charset="2"/>
+              <a:buChar char="l"/>
+            </a:pPr>
+            <a:r>
+              <a:rPr lang="ja-JP" altLang="en-US" dirty="0"/>
+              <a:t>今後の課題</a:t>
+            </a:r>
+            <a:endParaRPr lang="en-US" altLang="ja-JP" dirty="0"/>
+          </a:p>
+          <a:p>
+            <a:pPr lvl="1">
+              <a:buFont typeface="Wingdings" panose="05000000000000000000" pitchFamily="2" charset="2"/>
+              <a:buChar char="l"/>
+            </a:pPr>
+            <a:r>
+              <a:rPr kumimoji="1" lang="ja-JP" altLang="en-US" dirty="0"/>
+              <a:t>運用系</a:t>
+            </a:r>
+            <a:r>
+              <a:rPr kumimoji="1" lang="en-US" altLang="ja-JP" dirty="0"/>
+              <a:t>VM</a:t>
+            </a:r>
+            <a:r>
+              <a:rPr kumimoji="1" lang="ja-JP" altLang="en-US" dirty="0"/>
+              <a:t>と待機系</a:t>
+            </a:r>
+            <a:r>
+              <a:rPr kumimoji="1" lang="en-US" altLang="ja-JP" dirty="0"/>
+              <a:t>VM</a:t>
+            </a:r>
+            <a:r>
+              <a:rPr kumimoji="1" lang="ja-JP" altLang="en-US" dirty="0"/>
+              <a:t>内コンテナの間で</a:t>
+            </a:r>
+            <a:r>
+              <a:rPr kumimoji="1" lang="en-US" altLang="ja-JP" dirty="0"/>
+              <a:t>VM</a:t>
+            </a:r>
+            <a:r>
+              <a:rPr kumimoji="1" lang="ja-JP" altLang="en-US" dirty="0"/>
+              <a:t>状態の同期をどのようにとるか検討</a:t>
+            </a:r>
+            <a:endParaRPr kumimoji="1" lang="en-US" altLang="ja-JP" dirty="0"/>
+          </a:p>
+          <a:p>
+            <a:pPr lvl="1">
+              <a:buFont typeface="Wingdings" panose="05000000000000000000" pitchFamily="2" charset="2"/>
+              <a:buChar char="l"/>
+            </a:pPr>
+            <a:r>
+              <a:rPr lang="ja-JP" altLang="en-US" dirty="0"/>
+              <a:t>障害規模に応じた障害対策の実現</a:t>
+            </a:r>
+            <a:endParaRPr lang="en-US" altLang="ja-JP" dirty="0"/>
+          </a:p>
+          <a:p>
+            <a:pPr lvl="1">
+              <a:buFont typeface="Wingdings" panose="05000000000000000000" pitchFamily="2" charset="2"/>
+              <a:buChar char="l"/>
+            </a:pPr>
+            <a:r>
+              <a:rPr kumimoji="1" lang="ja-JP" altLang="en-US" dirty="0"/>
+              <a:t>ライブマイグレーション利用によるダウンタイムの削減</a:t>
+            </a:r>
           </a:p>
         </p:txBody>
       </p:sp>
     </p:spTree>
     <p:extLst>
       <p:ext uri="{BB962C8B-B14F-4D97-AF65-F5344CB8AC3E}">
-        <p14:creationId xmlns:p14="http://schemas.microsoft.com/office/powerpoint/2010/main" val="962646475"/>
+        <p14:creationId xmlns:p14="http://schemas.microsoft.com/office/powerpoint/2010/main" val="2731036769"/>
       </p:ext>
     </p:extLst>
   </p:cSld>
@@ -12038,6 +12345,111 @@
       </p:grpSpPr>
       <p:sp>
         <p:nvSpPr>
+          <p:cNvPr id="2" name="タイトル 1">
+            <a:extLst>
+              <a:ext uri="{FF2B5EF4-FFF2-40B4-BE49-F238E27FC236}">
+                <a16:creationId xmlns:a16="http://schemas.microsoft.com/office/drawing/2014/main" id="{BC7FAB1B-214F-4A64-B51C-359E05439608}"/>
+              </a:ext>
+            </a:extLst>
+          </p:cNvPr>
+          <p:cNvSpPr>
+            <a:spLocks noGrp="1"/>
+          </p:cNvSpPr>
+          <p:nvPr>
+            <p:ph type="title"/>
+          </p:nvPr>
+        </p:nvSpPr>
+        <p:spPr/>
+        <p:txBody>
+          <a:bodyPr/>
+          <a:lstStyle/>
+          <a:p>
+            <a:r>
+              <a:rPr kumimoji="1" lang="ja-JP" altLang="en-US" dirty="0"/>
+              <a:t>不明点，疑問点</a:t>
+            </a:r>
+          </a:p>
+        </p:txBody>
+      </p:sp>
+      <p:sp>
+        <p:nvSpPr>
+          <p:cNvPr id="3" name="コンテンツ プレースホルダー 2">
+            <a:extLst>
+              <a:ext uri="{FF2B5EF4-FFF2-40B4-BE49-F238E27FC236}">
+                <a16:creationId xmlns:a16="http://schemas.microsoft.com/office/drawing/2014/main" id="{53CEC786-F177-4B1D-AA3D-5050ED87ABE3}"/>
+              </a:ext>
+            </a:extLst>
+          </p:cNvPr>
+          <p:cNvSpPr>
+            <a:spLocks noGrp="1"/>
+          </p:cNvSpPr>
+          <p:nvPr>
+            <p:ph idx="1"/>
+          </p:nvPr>
+        </p:nvSpPr>
+        <p:spPr/>
+        <p:txBody>
+          <a:bodyPr/>
+          <a:lstStyle/>
+          <a:p>
+            <a:pPr>
+              <a:buFont typeface="Wingdings" panose="05000000000000000000" pitchFamily="2" charset="2"/>
+              <a:buChar char="l"/>
+            </a:pPr>
+            <a:r>
+              <a:rPr kumimoji="1" lang="en-US" altLang="ja-JP" dirty="0"/>
+              <a:t>5.6</a:t>
+            </a:r>
+            <a:r>
+              <a:rPr lang="ja-JP" altLang="en-US" dirty="0"/>
+              <a:t>秒のダウンタイムは何に対してかなり長いのかが不明</a:t>
+            </a:r>
+            <a:endParaRPr lang="en-US" altLang="ja-JP" dirty="0"/>
+          </a:p>
+          <a:p>
+            <a:pPr lvl="1">
+              <a:buFont typeface="Wingdings" panose="05000000000000000000" pitchFamily="2" charset="2"/>
+              <a:buChar char="l"/>
+            </a:pPr>
+            <a:r>
+              <a:rPr kumimoji="1" lang="ja-JP" altLang="en-US" dirty="0"/>
+              <a:t>そもそも比較を行っていない</a:t>
+            </a:r>
+          </a:p>
+        </p:txBody>
+      </p:sp>
+    </p:spTree>
+    <p:extLst>
+      <p:ext uri="{BB962C8B-B14F-4D97-AF65-F5344CB8AC3E}">
+        <p14:creationId xmlns:p14="http://schemas.microsoft.com/office/powerpoint/2010/main" val="962646475"/>
+      </p:ext>
+    </p:extLst>
+  </p:cSld>
+  <p:clrMapOvr>
+    <a:masterClrMapping/>
+  </p:clrMapOvr>
+</p:sld>
+</file>
+
+<file path=ppt/slides/slide37.xml><?xml version="1.0" encoding="utf-8"?>
+<p:sld xmlns:a="http://schemas.openxmlformats.org/drawingml/2006/main" xmlns:r="http://schemas.openxmlformats.org/officeDocument/2006/relationships" xmlns:p="http://schemas.openxmlformats.org/presentationml/2006/main">
+  <p:cSld>
+    <p:spTree>
+      <p:nvGrpSpPr>
+        <p:cNvPr id="1" name=""/>
+        <p:cNvGrpSpPr/>
+        <p:nvPr/>
+      </p:nvGrpSpPr>
+      <p:grpSpPr>
+        <a:xfrm>
+          <a:off x="0" y="0"/>
+          <a:ext cx="0" cy="0"/>
+          <a:chOff x="0" y="0"/>
+          <a:chExt cx="0" cy="0"/>
+        </a:xfrm>
+      </p:grpSpPr>
+      <p:sp>
+        <p:nvSpPr>
           <p:cNvPr id="6" name="タイトル 3">
             <a:extLst>
               <a:ext uri="{FF2B5EF4-FFF2-40B4-BE49-F238E27FC236}">
@@ -12105,7 +12517,7 @@
 </p:sld>
 </file>
 
-<file path=ppt/slides/slide37.xml><?xml version="1.0" encoding="utf-8"?>
+<file path=ppt/slides/slide38.xml><?xml version="1.0" encoding="utf-8"?>
 <p:sld xmlns:a="http://schemas.openxmlformats.org/drawingml/2006/main" xmlns:r="http://schemas.openxmlformats.org/officeDocument/2006/relationships" xmlns:p="http://schemas.openxmlformats.org/presentationml/2006/main">
   <p:cSld>
     <p:spTree>

--- a/輪講2019-1_鈴木洸太.pptx
+++ b/輪講2019-1_鈴木洸太.pptx
@@ -14,9 +14,9 @@
     <p:sldId id="259" r:id="rId5"/>
     <p:sldId id="260" r:id="rId6"/>
     <p:sldId id="261" r:id="rId7"/>
-    <p:sldId id="264" r:id="rId8"/>
-    <p:sldId id="266" r:id="rId9"/>
-    <p:sldId id="262" r:id="rId10"/>
+    <p:sldId id="262" r:id="rId8"/>
+    <p:sldId id="264" r:id="rId9"/>
+    <p:sldId id="266" r:id="rId10"/>
     <p:sldId id="263" r:id="rId11"/>
     <p:sldId id="274" r:id="rId12"/>
     <p:sldId id="275" r:id="rId13"/>
@@ -6438,12 +6438,96 @@
           <a:chExt cx="0" cy="0"/>
         </a:xfrm>
       </p:grpSpPr>
+      <p:sp>
+        <p:nvSpPr>
+          <p:cNvPr id="2" name="タイトル 1">
+            <a:extLst>
+              <a:ext uri="{FF2B5EF4-FFF2-40B4-BE49-F238E27FC236}">
+                <a16:creationId xmlns:a16="http://schemas.microsoft.com/office/drawing/2014/main" id="{D81CBDBA-78DF-D54B-A075-6A4870536491}"/>
+              </a:ext>
+            </a:extLst>
+          </p:cNvPr>
+          <p:cNvSpPr>
+            <a:spLocks noGrp="1"/>
+          </p:cNvSpPr>
+          <p:nvPr>
+            <p:ph type="title"/>
+          </p:nvPr>
+        </p:nvSpPr>
+        <p:spPr/>
+        <p:txBody>
+          <a:bodyPr/>
+          <a:lstStyle/>
+          <a:p>
+            <a:r>
+              <a:rPr lang="ja-JP" altLang="en-US" dirty="0"/>
+              <a:t>提案システム概要（</a:t>
+            </a:r>
+            <a:r>
+              <a:rPr lang="en-US" altLang="ja-JP" dirty="0"/>
+              <a:t>1</a:t>
+            </a:r>
+            <a:r>
+              <a:rPr lang="ja-JP" altLang="en-US" dirty="0"/>
+              <a:t>）</a:t>
+            </a:r>
+          </a:p>
+        </p:txBody>
+      </p:sp>
+      <p:sp>
+        <p:nvSpPr>
+          <p:cNvPr id="3" name="コンテンツ プレースホルダー 2">
+            <a:extLst>
+              <a:ext uri="{FF2B5EF4-FFF2-40B4-BE49-F238E27FC236}">
+                <a16:creationId xmlns:a16="http://schemas.microsoft.com/office/drawing/2014/main" id="{D00786AB-28D5-6042-B522-8FA8B7A733DB}"/>
+              </a:ext>
+            </a:extLst>
+          </p:cNvPr>
+          <p:cNvSpPr>
+            <a:spLocks noGrp="1"/>
+          </p:cNvSpPr>
+          <p:nvPr>
+            <p:ph idx="1"/>
+          </p:nvPr>
+        </p:nvSpPr>
+        <p:spPr>
+          <a:xfrm>
+            <a:off x="822960" y="1845734"/>
+            <a:ext cx="7543800" cy="4023360"/>
+          </a:xfrm>
+        </p:spPr>
+        <p:txBody>
+          <a:bodyPr/>
+          <a:lstStyle/>
+          <a:p>
+            <a:pPr>
+              <a:buFont typeface="Wingdings" panose="05000000000000000000" pitchFamily="2" charset="2"/>
+              <a:buChar char="l"/>
+            </a:pPr>
+            <a:r>
+              <a:rPr lang="en-US" altLang="ja-JP" dirty="0" err="1"/>
+              <a:t>VCRecovery</a:t>
+            </a:r>
+            <a:endParaRPr lang="en-US" altLang="ja-JP" dirty="0"/>
+          </a:p>
+          <a:p>
+            <a:r>
+              <a:rPr lang="en-US" altLang="ja-JP" dirty="0"/>
+              <a:t>VM</a:t>
+            </a:r>
+            <a:r>
+              <a:rPr lang="ja-JP" altLang="en-US" dirty="0"/>
+              <a:t>とコンテナを用いて低コストかつ，高速な復旧を行えるシステム</a:t>
+            </a:r>
+          </a:p>
+        </p:txBody>
+      </p:sp>
       <p:pic>
         <p:nvPicPr>
-          <p:cNvPr id="6" name="図 5">
+          <p:cNvPr id="5" name="図 4">
             <a:extLst>
               <a:ext uri="{FF2B5EF4-FFF2-40B4-BE49-F238E27FC236}">
-                <a16:creationId xmlns:a16="http://schemas.microsoft.com/office/drawing/2014/main" id="{9B6D583C-5FD6-4467-B076-640BD6FC6669}"/>
+                <a16:creationId xmlns:a16="http://schemas.microsoft.com/office/drawing/2014/main" id="{CDD5E652-E889-4226-925E-E1A4203F03EF}"/>
               </a:ext>
             </a:extLst>
           </p:cNvPr>
@@ -6466,98 +6550,14 @@
         </p:blipFill>
         <p:spPr>
           <a:xfrm>
-            <a:off x="495299" y="2655700"/>
-            <a:ext cx="8153401" cy="4087760"/>
+            <a:off x="466985" y="2702302"/>
+            <a:ext cx="8210030" cy="3966076"/>
           </a:xfrm>
           <a:prstGeom prst="rect">
             <a:avLst/>
           </a:prstGeom>
         </p:spPr>
       </p:pic>
-      <p:sp>
-        <p:nvSpPr>
-          <p:cNvPr id="2" name="タイトル 1">
-            <a:extLst>
-              <a:ext uri="{FF2B5EF4-FFF2-40B4-BE49-F238E27FC236}">
-                <a16:creationId xmlns:a16="http://schemas.microsoft.com/office/drawing/2014/main" id="{D81CBDBA-78DF-D54B-A075-6A4870536491}"/>
-              </a:ext>
-            </a:extLst>
-          </p:cNvPr>
-          <p:cNvSpPr>
-            <a:spLocks noGrp="1"/>
-          </p:cNvSpPr>
-          <p:nvPr>
-            <p:ph type="title"/>
-          </p:nvPr>
-        </p:nvSpPr>
-        <p:spPr/>
-        <p:txBody>
-          <a:bodyPr/>
-          <a:lstStyle/>
-          <a:p>
-            <a:r>
-              <a:rPr lang="ja-JP" altLang="en-US" dirty="0"/>
-              <a:t>提案システム概要（</a:t>
-            </a:r>
-            <a:r>
-              <a:rPr lang="en-US" altLang="ja-JP" dirty="0"/>
-              <a:t>1</a:t>
-            </a:r>
-            <a:r>
-              <a:rPr lang="ja-JP" altLang="en-US" dirty="0"/>
-              <a:t>）</a:t>
-            </a:r>
-          </a:p>
-        </p:txBody>
-      </p:sp>
-      <p:sp>
-        <p:nvSpPr>
-          <p:cNvPr id="3" name="コンテンツ プレースホルダー 2">
-            <a:extLst>
-              <a:ext uri="{FF2B5EF4-FFF2-40B4-BE49-F238E27FC236}">
-                <a16:creationId xmlns:a16="http://schemas.microsoft.com/office/drawing/2014/main" id="{D00786AB-28D5-6042-B522-8FA8B7A733DB}"/>
-              </a:ext>
-            </a:extLst>
-          </p:cNvPr>
-          <p:cNvSpPr>
-            <a:spLocks noGrp="1"/>
-          </p:cNvSpPr>
-          <p:nvPr>
-            <p:ph idx="1"/>
-          </p:nvPr>
-        </p:nvSpPr>
-        <p:spPr>
-          <a:xfrm>
-            <a:off x="822960" y="1845734"/>
-            <a:ext cx="7543800" cy="4023360"/>
-          </a:xfrm>
-        </p:spPr>
-        <p:txBody>
-          <a:bodyPr/>
-          <a:lstStyle/>
-          <a:p>
-            <a:pPr>
-              <a:buFont typeface="Wingdings" panose="05000000000000000000" pitchFamily="2" charset="2"/>
-              <a:buChar char="l"/>
-            </a:pPr>
-            <a:r>
-              <a:rPr lang="en-US" altLang="ja-JP" dirty="0" err="1"/>
-              <a:t>VCRecovery</a:t>
-            </a:r>
-            <a:endParaRPr lang="en-US" altLang="ja-JP" dirty="0"/>
-          </a:p>
-          <a:p>
-            <a:r>
-              <a:rPr lang="en-US" altLang="ja-JP" dirty="0"/>
-              <a:t>VM</a:t>
-            </a:r>
-            <a:r>
-              <a:rPr lang="ja-JP" altLang="en-US" dirty="0"/>
-              <a:t>とコンテナを用いて低コストかつ，高速な復旧を行えるシステム</a:t>
-            </a:r>
-          </a:p>
-        </p:txBody>
-      </p:sp>
     </p:spTree>
     <p:extLst>
       <p:ext uri="{BB962C8B-B14F-4D97-AF65-F5344CB8AC3E}">
@@ -6678,10 +6678,10 @@
       </p:sp>
       <p:pic>
         <p:nvPicPr>
-          <p:cNvPr id="5" name="図 4">
+          <p:cNvPr id="6" name="図 5">
             <a:extLst>
               <a:ext uri="{FF2B5EF4-FFF2-40B4-BE49-F238E27FC236}">
-                <a16:creationId xmlns:a16="http://schemas.microsoft.com/office/drawing/2014/main" id="{C312E8EA-93F4-4AC6-BECA-7FCF4A28DF18}"/>
+                <a16:creationId xmlns:a16="http://schemas.microsoft.com/office/drawing/2014/main" id="{CC955239-6D37-4E29-9FC4-C3D40CCC53CA}"/>
               </a:ext>
             </a:extLst>
           </p:cNvPr>
@@ -6690,7 +6690,7 @@
           </p:cNvPicPr>
           <p:nvPr/>
         </p:nvPicPr>
-        <p:blipFill rotWithShape="1">
+        <p:blipFill>
           <a:blip r:embed="rId2">
             <a:extLst>
               <a:ext uri="{28A0092B-C50C-407E-A947-70E740481C1C}">
@@ -6698,13 +6698,14 @@
               </a:ext>
             </a:extLst>
           </a:blip>
-          <a:srcRect t="3296"/>
-          <a:stretch/>
+          <a:stretch>
+            <a:fillRect/>
+          </a:stretch>
         </p:blipFill>
         <p:spPr>
           <a:xfrm>
-            <a:off x="63196" y="2548036"/>
-            <a:ext cx="9017607" cy="3855905"/>
+            <a:off x="96982" y="2518139"/>
+            <a:ext cx="8950036" cy="3956275"/>
           </a:xfrm>
           <a:prstGeom prst="rect">
             <a:avLst/>
@@ -6819,15 +6820,7 @@
             </a:pPr>
             <a:r>
               <a:rPr lang="ja-JP" altLang="en-US" dirty="0"/>
-              <a:t>コンテナは</a:t>
-            </a:r>
-            <a:r>
-              <a:rPr lang="en-US" altLang="ja-JP" dirty="0"/>
-              <a:t>VM</a:t>
-            </a:r>
-            <a:r>
-              <a:rPr lang="ja-JP" altLang="en-US" dirty="0"/>
-              <a:t>より高速な起動が可能</a:t>
+              <a:t>高速な障害復旧が行える</a:t>
             </a:r>
             <a:endParaRPr lang="en-US" altLang="ja-JP" dirty="0"/>
           </a:p>
@@ -8245,6 +8238,22 @@
               <a:rPr lang="ja-JP" altLang="en-US" sz="2100" dirty="0"/>
               <a:t>出典：</a:t>
             </a:r>
+            <a:r>
+              <a:rPr lang="ja-JP" altLang="en-US" dirty="0"/>
+              <a:t>研究報告システムソフトウェアとオペレーティング・システム（</a:t>
+            </a:r>
+            <a:r>
+              <a:rPr lang="en-US" altLang="ja-JP" dirty="0"/>
+              <a:t>OS</a:t>
+            </a:r>
+            <a:r>
+              <a:rPr lang="ja-JP" altLang="en-US" dirty="0"/>
+              <a:t>）</a:t>
+            </a:r>
+            <a:r>
+              <a:rPr lang="en-US" altLang="ja-JP" dirty="0"/>
+              <a:t>, 2018-OS-142,8,pp.1 - 8</a:t>
+            </a:r>
             <a:endParaRPr lang="en-US" altLang="ja-JP" sz="2100" dirty="0"/>
           </a:p>
           <a:p>
@@ -8322,17 +8331,37 @@
             <p:ph type="ftr" sz="quarter" idx="11"/>
           </p:nvPr>
         </p:nvSpPr>
-        <p:spPr/>
+        <p:spPr>
+          <a:xfrm>
+            <a:off x="1412097" y="4630986"/>
+            <a:ext cx="3617103" cy="365125"/>
+          </a:xfrm>
+        </p:spPr>
         <p:txBody>
           <a:bodyPr/>
           <a:lstStyle/>
           <a:p>
-            <a:r>
-              <a:rPr kumimoji="1" lang="en-US" altLang="ja-JP" sz="1500" dirty="0"/>
+            <a:pPr algn="l"/>
+            <a:r>
+              <a:rPr kumimoji="1" lang="en-US" altLang="ja-JP" sz="2000" dirty="0">
+                <a:solidFill>
+                  <a:schemeClr val="tx1">
+                    <a:lumMod val="75000"/>
+                    <a:lumOff val="25000"/>
+                  </a:schemeClr>
+                </a:solidFill>
+              </a:rPr>
               <a:t>†</a:t>
             </a:r>
             <a:r>
-              <a:rPr kumimoji="1" lang="ja-JP" altLang="en-US" sz="1500" dirty="0"/>
+              <a:rPr kumimoji="1" lang="ja-JP" altLang="en-US" sz="2000" dirty="0">
+                <a:solidFill>
+                  <a:schemeClr val="tx1">
+                    <a:lumMod val="75000"/>
+                    <a:lumOff val="25000"/>
+                  </a:schemeClr>
+                </a:solidFill>
+              </a:rPr>
               <a:t>九州工業大学</a:t>
             </a:r>
           </a:p>
@@ -11982,7 +12011,7 @@
             </a:r>
             <a:r>
               <a:rPr lang="en-US" altLang="ja-JP" dirty="0"/>
-              <a:t>(1)</a:t>
+              <a:t>(2)</a:t>
             </a:r>
             <a:endParaRPr kumimoji="1" lang="ja-JP" altLang="en-US" dirty="0"/>
           </a:p>
@@ -12499,7 +12528,7 @@
             <a:pPr algn="ctr"/>
             <a:r>
               <a:rPr lang="ja-JP" altLang="en-US" dirty="0"/>
-              <a:t>付録</a:t>
+              <a:t>補足</a:t>
             </a:r>
           </a:p>
         </p:txBody>
@@ -12642,8 +12671,8 @@
         </p:blipFill>
         <p:spPr>
           <a:xfrm>
-            <a:off x="165214" y="3389575"/>
-            <a:ext cx="8813572" cy="3304489"/>
+            <a:off x="214225" y="2912790"/>
+            <a:ext cx="8715550" cy="3325636"/>
           </a:xfrm>
           <a:prstGeom prst="rect">
             <a:avLst/>
@@ -12725,17 +12754,9 @@
             <a:endParaRPr lang="en-US" altLang="ja-JP" dirty="0"/>
           </a:p>
           <a:p>
-            <a:pPr>
-              <a:buFont typeface="Wingdings" pitchFamily="2" charset="2"/>
-              <a:buChar char="l"/>
+            <a:pPr marL="0" indent="0">
+              <a:buNone/>
             </a:pPr>
-            <a:r>
-              <a:rPr lang="ja-JP" altLang="en-US" dirty="0"/>
-              <a:t>待機系の状態から，ウォームスタンバイ，コールドスタンバイがある</a:t>
-            </a:r>
-            <a:endParaRPr lang="en-US" altLang="ja-JP" dirty="0"/>
-          </a:p>
-          <a:p>
             <a:endParaRPr lang="en-US" altLang="ja-JP" dirty="0"/>
           </a:p>
           <a:p>
@@ -12757,7 +12778,7 @@
         </p:nvSpPr>
         <p:spPr>
           <a:xfrm>
-            <a:off x="6894600" y="6386730"/>
+            <a:off x="452236" y="5869094"/>
             <a:ext cx="2084186" cy="369332"/>
           </a:xfrm>
           <a:prstGeom prst="rect">
@@ -13021,7 +13042,7 @@
             </a:pPr>
             <a:r>
               <a:rPr lang="ja-JP" altLang="en-US" dirty="0"/>
-              <a:t>復旧時間が長くなる</a:t>
+              <a:t>復旧時間が長い</a:t>
             </a:r>
           </a:p>
         </p:txBody>
@@ -13076,496 +13097,6 @@
 </file>
 
 <file path=ppt/slides/slide7.xml><?xml version="1.0" encoding="utf-8"?>
-<p:sld xmlns:a="http://schemas.openxmlformats.org/drawingml/2006/main" xmlns:r="http://schemas.openxmlformats.org/officeDocument/2006/relationships" xmlns:p="http://schemas.openxmlformats.org/presentationml/2006/main">
-  <p:cSld>
-    <p:spTree>
-      <p:nvGrpSpPr>
-        <p:cNvPr id="1" name=""/>
-        <p:cNvGrpSpPr/>
-        <p:nvPr/>
-      </p:nvGrpSpPr>
-      <p:grpSpPr>
-        <a:xfrm>
-          <a:off x="0" y="0"/>
-          <a:ext cx="0" cy="0"/>
-          <a:chOff x="0" y="0"/>
-          <a:chExt cx="0" cy="0"/>
-        </a:xfrm>
-      </p:grpSpPr>
-      <p:sp>
-        <p:nvSpPr>
-          <p:cNvPr id="2" name="タイトル 1">
-            <a:extLst>
-              <a:ext uri="{FF2B5EF4-FFF2-40B4-BE49-F238E27FC236}">
-                <a16:creationId xmlns:a16="http://schemas.microsoft.com/office/drawing/2014/main" id="{132D21FA-E66E-4CF1-AF43-073D8D6C9B74}"/>
-              </a:ext>
-            </a:extLst>
-          </p:cNvPr>
-          <p:cNvSpPr>
-            <a:spLocks noGrp="1"/>
-          </p:cNvSpPr>
-          <p:nvPr>
-            <p:ph type="title"/>
-          </p:nvPr>
-        </p:nvSpPr>
-        <p:spPr/>
-        <p:txBody>
-          <a:bodyPr/>
-          <a:lstStyle/>
-          <a:p>
-            <a:r>
-              <a:rPr kumimoji="1" lang="ja-JP" altLang="en-US" dirty="0"/>
-              <a:t>関連研究（</a:t>
-            </a:r>
-            <a:r>
-              <a:rPr kumimoji="1" lang="en-US" altLang="ja-JP" dirty="0"/>
-              <a:t>1</a:t>
-            </a:r>
-            <a:r>
-              <a:rPr kumimoji="1" lang="ja-JP" altLang="en-US" dirty="0"/>
-              <a:t>）</a:t>
-            </a:r>
-          </a:p>
-        </p:txBody>
-      </p:sp>
-      <p:sp>
-        <p:nvSpPr>
-          <p:cNvPr id="3" name="コンテンツ プレースホルダー 2">
-            <a:extLst>
-              <a:ext uri="{FF2B5EF4-FFF2-40B4-BE49-F238E27FC236}">
-                <a16:creationId xmlns:a16="http://schemas.microsoft.com/office/drawing/2014/main" id="{7EAD23FF-A2EA-45F9-8027-ED9E7227C104}"/>
-              </a:ext>
-            </a:extLst>
-          </p:cNvPr>
-          <p:cNvSpPr>
-            <a:spLocks noGrp="1"/>
-          </p:cNvSpPr>
-          <p:nvPr>
-            <p:ph idx="1"/>
-          </p:nvPr>
-        </p:nvSpPr>
-        <p:spPr/>
-        <p:txBody>
-          <a:bodyPr/>
-          <a:lstStyle/>
-          <a:p>
-            <a:pPr>
-              <a:buFont typeface="Wingdings" panose="05000000000000000000" pitchFamily="2" charset="2"/>
-              <a:buChar char="l"/>
-            </a:pPr>
-            <a:r>
-              <a:rPr kumimoji="1" lang="en-US" altLang="ja-JP" dirty="0" err="1"/>
-              <a:t>Picocenter</a:t>
-            </a:r>
-            <a:endParaRPr kumimoji="1" lang="en-US" altLang="ja-JP" dirty="0"/>
-          </a:p>
-          <a:p>
-            <a:pPr lvl="1">
-              <a:buFont typeface="Wingdings" panose="05000000000000000000" pitchFamily="2" charset="2"/>
-              <a:buChar char="l"/>
-            </a:pPr>
-            <a:r>
-              <a:rPr kumimoji="1" lang="ja-JP" altLang="en-US" dirty="0"/>
-              <a:t>長期間実行されるが，ほとんど使用</a:t>
-            </a:r>
-            <a:r>
-              <a:rPr lang="ja-JP" altLang="en-US" dirty="0"/>
-              <a:t>されないサービスを</a:t>
-            </a:r>
-            <a:r>
-              <a:rPr lang="en-US" altLang="ja-JP" dirty="0"/>
-              <a:t>VM</a:t>
-            </a:r>
-            <a:r>
-              <a:rPr lang="ja-JP" altLang="en-US" dirty="0"/>
-              <a:t>内コンテナを用いて実行する</a:t>
-            </a:r>
-            <a:endParaRPr lang="en-US" altLang="ja-JP" dirty="0"/>
-          </a:p>
-          <a:p>
-            <a:pPr lvl="1">
-              <a:buFont typeface="Wingdings" panose="05000000000000000000" pitchFamily="2" charset="2"/>
-              <a:buChar char="l"/>
-            </a:pPr>
-            <a:r>
-              <a:rPr kumimoji="1" lang="ja-JP" altLang="en-US" dirty="0"/>
-              <a:t>サービスの要求があるまでは，コンテナごとストレージに退避させる</a:t>
-            </a:r>
-            <a:endParaRPr kumimoji="1" lang="en-US" altLang="ja-JP" dirty="0"/>
-          </a:p>
-        </p:txBody>
-      </p:sp>
-      <p:sp>
-        <p:nvSpPr>
-          <p:cNvPr id="4" name="テキスト ボックス 3">
-            <a:extLst>
-              <a:ext uri="{FF2B5EF4-FFF2-40B4-BE49-F238E27FC236}">
-                <a16:creationId xmlns:a16="http://schemas.microsoft.com/office/drawing/2014/main" id="{25C2E83B-66B5-4EC5-BB62-141542EEA373}"/>
-              </a:ext>
-            </a:extLst>
-          </p:cNvPr>
-          <p:cNvSpPr txBox="1"/>
-          <p:nvPr/>
-        </p:nvSpPr>
-        <p:spPr>
-          <a:xfrm>
-            <a:off x="0" y="6248230"/>
-            <a:ext cx="9144000" cy="646331"/>
-          </a:xfrm>
-          <a:prstGeom prst="rect">
-            <a:avLst/>
-          </a:prstGeom>
-          <a:noFill/>
-        </p:spPr>
-        <p:txBody>
-          <a:bodyPr wrap="square" rtlCol="0">
-            <a:spAutoFit/>
-          </a:bodyPr>
-          <a:lstStyle/>
-          <a:p>
-            <a:r>
-              <a:rPr kumimoji="1" lang="en-US" altLang="ja-JP" sz="1200" dirty="0"/>
-              <a:t>Zhang, Liang and Litton, James and </a:t>
-            </a:r>
-            <a:r>
-              <a:rPr kumimoji="1" lang="en-US" altLang="ja-JP" sz="1200" dirty="0" err="1"/>
-              <a:t>Cangialosi</a:t>
-            </a:r>
-            <a:r>
-              <a:rPr kumimoji="1" lang="en-US" altLang="ja-JP" sz="1200" dirty="0"/>
-              <a:t>, Frank and Benson, Theophilus and Levin, Dave and </a:t>
-            </a:r>
-            <a:r>
-              <a:rPr kumimoji="1" lang="en-US" altLang="ja-JP" sz="1200" dirty="0" err="1"/>
-              <a:t>Mislove</a:t>
-            </a:r>
-            <a:r>
-              <a:rPr kumimoji="1" lang="en-US" altLang="ja-JP" sz="1200" dirty="0"/>
-              <a:t>, Alan,"</a:t>
-            </a:r>
-            <a:r>
-              <a:rPr kumimoji="1" lang="en-US" altLang="ja-JP" sz="1200" dirty="0" err="1"/>
-              <a:t>Picocenter</a:t>
-            </a:r>
-            <a:r>
-              <a:rPr kumimoji="1" lang="en-US" altLang="ja-JP" sz="1200" dirty="0"/>
-              <a:t>: Supporting Long-lived, Mostly-idle Applications in Cloud </a:t>
-            </a:r>
-            <a:r>
-              <a:rPr kumimoji="1" lang="en-US" altLang="ja-JP" sz="1200" dirty="0" err="1"/>
-              <a:t>Environments",Proceedings</a:t>
-            </a:r>
-            <a:r>
-              <a:rPr kumimoji="1" lang="en-US" altLang="ja-JP" sz="1200" dirty="0"/>
-              <a:t> of the Eleventh European Conference on Computer </a:t>
-            </a:r>
-            <a:r>
-              <a:rPr kumimoji="1" lang="en-US" altLang="ja-JP" sz="1200" dirty="0" err="1"/>
-              <a:t>Systems,EuroSys</a:t>
-            </a:r>
-            <a:r>
-              <a:rPr kumimoji="1" lang="en-US" altLang="ja-JP" sz="1200" dirty="0"/>
-              <a:t> ‘16, pp.37:1--37:16</a:t>
-            </a:r>
-            <a:endParaRPr kumimoji="1" lang="ja-JP" altLang="en-US" sz="1200" dirty="0"/>
-          </a:p>
-        </p:txBody>
-      </p:sp>
-      <p:pic>
-        <p:nvPicPr>
-          <p:cNvPr id="9" name="図 8">
-            <a:extLst>
-              <a:ext uri="{FF2B5EF4-FFF2-40B4-BE49-F238E27FC236}">
-                <a16:creationId xmlns:a16="http://schemas.microsoft.com/office/drawing/2014/main" id="{6376BC29-4C76-4E2F-9ED5-E101BA9249BF}"/>
-              </a:ext>
-            </a:extLst>
-          </p:cNvPr>
-          <p:cNvPicPr>
-            <a:picLocks noChangeAspect="1"/>
-          </p:cNvPicPr>
-          <p:nvPr/>
-        </p:nvPicPr>
-        <p:blipFill rotWithShape="1">
-          <a:blip r:embed="rId2">
-            <a:extLst>
-              <a:ext uri="{28A0092B-C50C-407E-A947-70E740481C1C}">
-                <a14:useLocalDpi xmlns:a14="http://schemas.microsoft.com/office/drawing/2010/main" val="0"/>
-              </a:ext>
-            </a:extLst>
-          </a:blip>
-          <a:srcRect t="3133"/>
-          <a:stretch/>
-        </p:blipFill>
-        <p:spPr>
-          <a:xfrm>
-            <a:off x="330134" y="3172692"/>
-            <a:ext cx="8483731" cy="3075538"/>
-          </a:xfrm>
-          <a:prstGeom prst="rect">
-            <a:avLst/>
-          </a:prstGeom>
-        </p:spPr>
-      </p:pic>
-    </p:spTree>
-    <p:extLst>
-      <p:ext uri="{BB962C8B-B14F-4D97-AF65-F5344CB8AC3E}">
-        <p14:creationId xmlns:p14="http://schemas.microsoft.com/office/powerpoint/2010/main" val="2690523227"/>
-      </p:ext>
-    </p:extLst>
-  </p:cSld>
-  <p:clrMapOvr>
-    <a:masterClrMapping/>
-  </p:clrMapOvr>
-</p:sld>
-</file>
-
-<file path=ppt/slides/slide8.xml><?xml version="1.0" encoding="utf-8"?>
-<p:sld xmlns:a="http://schemas.openxmlformats.org/drawingml/2006/main" xmlns:r="http://schemas.openxmlformats.org/officeDocument/2006/relationships" xmlns:p="http://schemas.openxmlformats.org/presentationml/2006/main">
-  <p:cSld>
-    <p:spTree>
-      <p:nvGrpSpPr>
-        <p:cNvPr id="1" name=""/>
-        <p:cNvGrpSpPr/>
-        <p:nvPr/>
-      </p:nvGrpSpPr>
-      <p:grpSpPr>
-        <a:xfrm>
-          <a:off x="0" y="0"/>
-          <a:ext cx="0" cy="0"/>
-          <a:chOff x="0" y="0"/>
-          <a:chExt cx="0" cy="0"/>
-        </a:xfrm>
-      </p:grpSpPr>
-      <p:sp>
-        <p:nvSpPr>
-          <p:cNvPr id="2" name="タイトル 1">
-            <a:extLst>
-              <a:ext uri="{FF2B5EF4-FFF2-40B4-BE49-F238E27FC236}">
-                <a16:creationId xmlns:a16="http://schemas.microsoft.com/office/drawing/2014/main" id="{09BFE5B6-6CDE-47AB-93F1-578EA3EE55D2}"/>
-              </a:ext>
-            </a:extLst>
-          </p:cNvPr>
-          <p:cNvSpPr>
-            <a:spLocks noGrp="1"/>
-          </p:cNvSpPr>
-          <p:nvPr>
-            <p:ph type="title"/>
-          </p:nvPr>
-        </p:nvSpPr>
-        <p:spPr/>
-        <p:txBody>
-          <a:bodyPr/>
-          <a:lstStyle/>
-          <a:p>
-            <a:r>
-              <a:rPr lang="ja-JP" altLang="en-US" dirty="0"/>
-              <a:t>関連研究（</a:t>
-            </a:r>
-            <a:r>
-              <a:rPr lang="en-US" altLang="ja-JP" dirty="0"/>
-              <a:t>2</a:t>
-            </a:r>
-            <a:r>
-              <a:rPr lang="ja-JP" altLang="en-US" dirty="0"/>
-              <a:t>）</a:t>
-            </a:r>
-            <a:endParaRPr kumimoji="1" lang="ja-JP" altLang="en-US" dirty="0"/>
-          </a:p>
-        </p:txBody>
-      </p:sp>
-      <p:sp>
-        <p:nvSpPr>
-          <p:cNvPr id="3" name="コンテンツ プレースホルダー 2">
-            <a:extLst>
-              <a:ext uri="{FF2B5EF4-FFF2-40B4-BE49-F238E27FC236}">
-                <a16:creationId xmlns:a16="http://schemas.microsoft.com/office/drawing/2014/main" id="{6FBA5505-0C88-42DE-BD37-637189F6D12B}"/>
-              </a:ext>
-            </a:extLst>
-          </p:cNvPr>
-          <p:cNvSpPr>
-            <a:spLocks noGrp="1"/>
-          </p:cNvSpPr>
-          <p:nvPr>
-            <p:ph idx="1"/>
-          </p:nvPr>
-        </p:nvSpPr>
-        <p:spPr/>
-        <p:txBody>
-          <a:bodyPr/>
-          <a:lstStyle/>
-          <a:p>
-            <a:pPr>
-              <a:buFont typeface="Wingdings" panose="05000000000000000000" pitchFamily="2" charset="2"/>
-              <a:buChar char="l"/>
-            </a:pPr>
-            <a:r>
-              <a:rPr lang="en-US" altLang="ja-JP" dirty="0" err="1"/>
-              <a:t>FlexCapsule</a:t>
-            </a:r>
-            <a:endParaRPr lang="en-US" altLang="ja-JP" dirty="0"/>
-          </a:p>
-          <a:p>
-            <a:pPr lvl="1">
-              <a:buFont typeface="Wingdings" panose="05000000000000000000" pitchFamily="2" charset="2"/>
-              <a:buChar char="l"/>
-            </a:pPr>
-            <a:r>
-              <a:rPr lang="en-US" altLang="ja-JP" dirty="0"/>
-              <a:t>VM</a:t>
-            </a:r>
-            <a:r>
-              <a:rPr lang="ja-JP" altLang="en-US" dirty="0"/>
-              <a:t>内で複数の軽量化した</a:t>
-            </a:r>
-            <a:r>
-              <a:rPr lang="en-US" altLang="ja-JP" dirty="0"/>
-              <a:t>VM</a:t>
-            </a:r>
-            <a:r>
-              <a:rPr lang="ja-JP" altLang="en-US" dirty="0"/>
-              <a:t>を用いてサービスを提供する</a:t>
-            </a:r>
-            <a:endParaRPr lang="en-US" altLang="ja-JP" dirty="0"/>
-          </a:p>
-          <a:p>
-            <a:pPr lvl="1">
-              <a:buFont typeface="Wingdings" panose="05000000000000000000" pitchFamily="2" charset="2"/>
-              <a:buChar char="l"/>
-            </a:pPr>
-            <a:r>
-              <a:rPr lang="en-US" altLang="ja-JP" dirty="0"/>
-              <a:t>VM</a:t>
-            </a:r>
-            <a:r>
-              <a:rPr lang="ja-JP" altLang="en-US" dirty="0"/>
-              <a:t>内で</a:t>
-            </a:r>
-            <a:r>
-              <a:rPr lang="en-US" altLang="ja-JP" dirty="0"/>
-              <a:t>VM</a:t>
-            </a:r>
-            <a:r>
-              <a:rPr lang="ja-JP" altLang="en-US" dirty="0"/>
-              <a:t>を利用するため，オーバヘッドが大きい</a:t>
-            </a:r>
-          </a:p>
-          <a:p>
-            <a:endParaRPr kumimoji="1" lang="ja-JP" altLang="en-US" dirty="0"/>
-          </a:p>
-        </p:txBody>
-      </p:sp>
-      <p:sp>
-        <p:nvSpPr>
-          <p:cNvPr id="4" name="テキスト ボックス 3">
-            <a:extLst>
-              <a:ext uri="{FF2B5EF4-FFF2-40B4-BE49-F238E27FC236}">
-                <a16:creationId xmlns:a16="http://schemas.microsoft.com/office/drawing/2014/main" id="{EF61986E-F561-4C95-935B-B5ED414FEAC2}"/>
-              </a:ext>
-            </a:extLst>
-          </p:cNvPr>
-          <p:cNvSpPr txBox="1"/>
-          <p:nvPr/>
-        </p:nvSpPr>
-        <p:spPr>
-          <a:xfrm>
-            <a:off x="0" y="6386730"/>
-            <a:ext cx="8971495" cy="492443"/>
-          </a:xfrm>
-          <a:prstGeom prst="rect">
-            <a:avLst/>
-          </a:prstGeom>
-          <a:noFill/>
-        </p:spPr>
-        <p:txBody>
-          <a:bodyPr wrap="none" rtlCol="0">
-            <a:spAutoFit/>
-          </a:bodyPr>
-          <a:lstStyle/>
-          <a:p>
-            <a:r>
-              <a:rPr lang="en-US" altLang="ja-JP" sz="1300" dirty="0"/>
-              <a:t>K. Kourai and K. </a:t>
-            </a:r>
-            <a:r>
-              <a:rPr lang="en-US" altLang="ja-JP" sz="1300" dirty="0" err="1"/>
-              <a:t>Sannomiya</a:t>
-            </a:r>
-            <a:r>
-              <a:rPr lang="en-US" altLang="ja-JP" sz="1300" dirty="0"/>
-              <a:t>, "Seamless and Secure Application Consolidation for Optimizing Instance Deployment in Clouds,“</a:t>
-            </a:r>
-          </a:p>
-          <a:p>
-            <a:r>
-              <a:rPr lang="en-US" altLang="ja-JP" sz="1300" i="1" dirty="0"/>
-              <a:t>2016 IEEE International Conference on Cloud Computing Technology and Science (</a:t>
-            </a:r>
-            <a:r>
-              <a:rPr lang="en-US" altLang="ja-JP" sz="1300" i="1" dirty="0" err="1"/>
-              <a:t>CloudCom</a:t>
-            </a:r>
-            <a:r>
-              <a:rPr lang="en-US" altLang="ja-JP" sz="1300" i="1" dirty="0"/>
-              <a:t>)</a:t>
-            </a:r>
-            <a:r>
-              <a:rPr lang="en-US" altLang="ja-JP" sz="1300" dirty="0"/>
-              <a:t>, Luxembourg City, 2016, pp. 318-325.</a:t>
-            </a:r>
-            <a:endParaRPr kumimoji="1" lang="ja-JP" altLang="en-US" sz="1300" dirty="0"/>
-          </a:p>
-        </p:txBody>
-      </p:sp>
-      <p:pic>
-        <p:nvPicPr>
-          <p:cNvPr id="7" name="図 6">
-            <a:extLst>
-              <a:ext uri="{FF2B5EF4-FFF2-40B4-BE49-F238E27FC236}">
-                <a16:creationId xmlns:a16="http://schemas.microsoft.com/office/drawing/2014/main" id="{E58BD85A-D198-4D89-9DA0-E6E749EF95CA}"/>
-              </a:ext>
-            </a:extLst>
-          </p:cNvPr>
-          <p:cNvPicPr>
-            <a:picLocks noChangeAspect="1"/>
-          </p:cNvPicPr>
-          <p:nvPr/>
-        </p:nvPicPr>
-        <p:blipFill>
-          <a:blip r:embed="rId2">
-            <a:extLst>
-              <a:ext uri="{28A0092B-C50C-407E-A947-70E740481C1C}">
-                <a14:useLocalDpi xmlns:a14="http://schemas.microsoft.com/office/drawing/2010/main" val="0"/>
-              </a:ext>
-            </a:extLst>
-          </a:blip>
-          <a:stretch>
-            <a:fillRect/>
-          </a:stretch>
-        </p:blipFill>
-        <p:spPr>
-          <a:xfrm>
-            <a:off x="88707" y="2923309"/>
-            <a:ext cx="8966585" cy="3463421"/>
-          </a:xfrm>
-          <a:prstGeom prst="rect">
-            <a:avLst/>
-          </a:prstGeom>
-        </p:spPr>
-      </p:pic>
-    </p:spTree>
-    <p:extLst>
-      <p:ext uri="{BB962C8B-B14F-4D97-AF65-F5344CB8AC3E}">
-        <p14:creationId xmlns:p14="http://schemas.microsoft.com/office/powerpoint/2010/main" val="3744471788"/>
-      </p:ext>
-    </p:extLst>
-  </p:cSld>
-  <p:clrMapOvr>
-    <a:masterClrMapping/>
-  </p:clrMapOvr>
-</p:sld>
-</file>
-
-<file path=ppt/slides/slide9.xml><?xml version="1.0" encoding="utf-8"?>
 <p:sld xmlns:a="http://schemas.openxmlformats.org/drawingml/2006/main" xmlns:r="http://schemas.openxmlformats.org/officeDocument/2006/relationships" xmlns:p="http://schemas.openxmlformats.org/presentationml/2006/main">
   <p:cSld>
     <p:spTree>
@@ -13820,7 +13351,7 @@
         </p:nvSpPr>
         <p:spPr>
           <a:xfrm>
-            <a:off x="822962" y="4352051"/>
+            <a:off x="800101" y="3949582"/>
             <a:ext cx="7543798" cy="500137"/>
           </a:xfrm>
           <a:prstGeom prst="rect">
@@ -13842,10 +13373,582 @@
           </a:p>
         </p:txBody>
       </p:sp>
+      <p:sp>
+        <p:nvSpPr>
+          <p:cNvPr id="5" name="テキスト ボックス 4">
+            <a:extLst>
+              <a:ext uri="{FF2B5EF4-FFF2-40B4-BE49-F238E27FC236}">
+                <a16:creationId xmlns:a16="http://schemas.microsoft.com/office/drawing/2014/main" id="{12413476-D80E-466E-A3EE-7D1481CB6C5B}"/>
+              </a:ext>
+            </a:extLst>
+          </p:cNvPr>
+          <p:cNvSpPr txBox="1"/>
+          <p:nvPr/>
+        </p:nvSpPr>
+        <p:spPr>
+          <a:xfrm>
+            <a:off x="822962" y="5510997"/>
+            <a:ext cx="7543798" cy="500137"/>
+          </a:xfrm>
+          <a:prstGeom prst="rect">
+            <a:avLst/>
+          </a:prstGeom>
+          <a:noFill/>
+        </p:spPr>
+        <p:txBody>
+          <a:bodyPr wrap="square" lIns="68580" tIns="34290" rIns="68580" bIns="34290" rtlCol="0">
+            <a:spAutoFit/>
+          </a:bodyPr>
+          <a:lstStyle/>
+          <a:p>
+            <a:pPr algn="ctr"/>
+            <a:r>
+              <a:rPr lang="ja-JP" altLang="en-US" sz="2800" b="1" dirty="0"/>
+              <a:t>低コストかつ迅速な復旧が行えるシステムの提案</a:t>
+            </a:r>
+          </a:p>
+        </p:txBody>
+      </p:sp>
+      <p:sp>
+        <p:nvSpPr>
+          <p:cNvPr id="3" name="矢印: 下 2">
+            <a:extLst>
+              <a:ext uri="{FF2B5EF4-FFF2-40B4-BE49-F238E27FC236}">
+                <a16:creationId xmlns:a16="http://schemas.microsoft.com/office/drawing/2014/main" id="{CFFE8862-158E-4A3F-9A31-190AF7713057}"/>
+              </a:ext>
+            </a:extLst>
+          </p:cNvPr>
+          <p:cNvSpPr/>
+          <p:nvPr/>
+        </p:nvSpPr>
+        <p:spPr>
+          <a:xfrm>
+            <a:off x="4130733" y="4590172"/>
+            <a:ext cx="928254" cy="780372"/>
+          </a:xfrm>
+          <a:prstGeom prst="downArrow">
+            <a:avLst/>
+          </a:prstGeom>
+        </p:spPr>
+        <p:style>
+          <a:lnRef idx="2">
+            <a:schemeClr val="accent1">
+              <a:shade val="50000"/>
+            </a:schemeClr>
+          </a:lnRef>
+          <a:fillRef idx="1">
+            <a:schemeClr val="accent1"/>
+          </a:fillRef>
+          <a:effectRef idx="0">
+            <a:schemeClr val="accent1"/>
+          </a:effectRef>
+          <a:fontRef idx="minor">
+            <a:schemeClr val="lt1"/>
+          </a:fontRef>
+        </p:style>
+        <p:txBody>
+          <a:bodyPr rtlCol="0" anchor="ctr"/>
+          <a:lstStyle/>
+          <a:p>
+            <a:pPr algn="ctr"/>
+            <a:endParaRPr kumimoji="1" lang="ja-JP" altLang="en-US"/>
+          </a:p>
+        </p:txBody>
+      </p:sp>
     </p:spTree>
     <p:extLst>
       <p:ext uri="{BB962C8B-B14F-4D97-AF65-F5344CB8AC3E}">
         <p14:creationId xmlns:p14="http://schemas.microsoft.com/office/powerpoint/2010/main" val="2708592715"/>
+      </p:ext>
+    </p:extLst>
+  </p:cSld>
+  <p:clrMapOvr>
+    <a:masterClrMapping/>
+  </p:clrMapOvr>
+</p:sld>
+</file>
+
+<file path=ppt/slides/slide8.xml><?xml version="1.0" encoding="utf-8"?>
+<p:sld xmlns:a="http://schemas.openxmlformats.org/drawingml/2006/main" xmlns:r="http://schemas.openxmlformats.org/officeDocument/2006/relationships" xmlns:p="http://schemas.openxmlformats.org/presentationml/2006/main">
+  <p:cSld>
+    <p:spTree>
+      <p:nvGrpSpPr>
+        <p:cNvPr id="1" name=""/>
+        <p:cNvGrpSpPr/>
+        <p:nvPr/>
+      </p:nvGrpSpPr>
+      <p:grpSpPr>
+        <a:xfrm>
+          <a:off x="0" y="0"/>
+          <a:ext cx="0" cy="0"/>
+          <a:chOff x="0" y="0"/>
+          <a:chExt cx="0" cy="0"/>
+        </a:xfrm>
+      </p:grpSpPr>
+      <p:sp>
+        <p:nvSpPr>
+          <p:cNvPr id="2" name="タイトル 1">
+            <a:extLst>
+              <a:ext uri="{FF2B5EF4-FFF2-40B4-BE49-F238E27FC236}">
+                <a16:creationId xmlns:a16="http://schemas.microsoft.com/office/drawing/2014/main" id="{132D21FA-E66E-4CF1-AF43-073D8D6C9B74}"/>
+              </a:ext>
+            </a:extLst>
+          </p:cNvPr>
+          <p:cNvSpPr>
+            <a:spLocks noGrp="1"/>
+          </p:cNvSpPr>
+          <p:nvPr>
+            <p:ph type="title"/>
+          </p:nvPr>
+        </p:nvSpPr>
+        <p:spPr/>
+        <p:txBody>
+          <a:bodyPr/>
+          <a:lstStyle/>
+          <a:p>
+            <a:r>
+              <a:rPr kumimoji="1" lang="ja-JP" altLang="en-US" dirty="0"/>
+              <a:t>関連研究（</a:t>
+            </a:r>
+            <a:r>
+              <a:rPr kumimoji="1" lang="en-US" altLang="ja-JP" dirty="0"/>
+              <a:t>1</a:t>
+            </a:r>
+            <a:r>
+              <a:rPr kumimoji="1" lang="ja-JP" altLang="en-US" dirty="0"/>
+              <a:t>）</a:t>
+            </a:r>
+          </a:p>
+        </p:txBody>
+      </p:sp>
+      <p:sp>
+        <p:nvSpPr>
+          <p:cNvPr id="3" name="コンテンツ プレースホルダー 2">
+            <a:extLst>
+              <a:ext uri="{FF2B5EF4-FFF2-40B4-BE49-F238E27FC236}">
+                <a16:creationId xmlns:a16="http://schemas.microsoft.com/office/drawing/2014/main" id="{7EAD23FF-A2EA-45F9-8027-ED9E7227C104}"/>
+              </a:ext>
+            </a:extLst>
+          </p:cNvPr>
+          <p:cNvSpPr>
+            <a:spLocks noGrp="1"/>
+          </p:cNvSpPr>
+          <p:nvPr>
+            <p:ph idx="1"/>
+          </p:nvPr>
+        </p:nvSpPr>
+        <p:spPr/>
+        <p:txBody>
+          <a:bodyPr/>
+          <a:lstStyle/>
+          <a:p>
+            <a:pPr>
+              <a:buFont typeface="Wingdings" panose="05000000000000000000" pitchFamily="2" charset="2"/>
+              <a:buChar char="l"/>
+            </a:pPr>
+            <a:r>
+              <a:rPr kumimoji="1" lang="en-US" altLang="ja-JP" dirty="0" err="1"/>
+              <a:t>Picocenter</a:t>
+            </a:r>
+            <a:endParaRPr kumimoji="1" lang="en-US" altLang="ja-JP" dirty="0"/>
+          </a:p>
+          <a:p>
+            <a:pPr lvl="1">
+              <a:buFont typeface="Wingdings" panose="05000000000000000000" pitchFamily="2" charset="2"/>
+              <a:buChar char="l"/>
+            </a:pPr>
+            <a:r>
+              <a:rPr kumimoji="1" lang="ja-JP" altLang="en-US" dirty="0"/>
+              <a:t>長期間実行されるが，ほとんど使用</a:t>
+            </a:r>
+            <a:r>
+              <a:rPr lang="ja-JP" altLang="en-US" dirty="0"/>
+              <a:t>されないサービスを</a:t>
+            </a:r>
+            <a:r>
+              <a:rPr lang="en-US" altLang="ja-JP" dirty="0"/>
+              <a:t>VM</a:t>
+            </a:r>
+            <a:r>
+              <a:rPr lang="ja-JP" altLang="en-US" dirty="0"/>
+              <a:t>内コンテナを用いて実行する</a:t>
+            </a:r>
+            <a:endParaRPr lang="en-US" altLang="ja-JP" dirty="0"/>
+          </a:p>
+          <a:p>
+            <a:pPr lvl="1">
+              <a:buFont typeface="Wingdings" panose="05000000000000000000" pitchFamily="2" charset="2"/>
+              <a:buChar char="l"/>
+            </a:pPr>
+            <a:r>
+              <a:rPr kumimoji="1" lang="ja-JP" altLang="en-US" dirty="0"/>
+              <a:t>サービスの要求があるまでは，コンテナごとストレージに退避させる</a:t>
+            </a:r>
+            <a:endParaRPr kumimoji="1" lang="en-US" altLang="ja-JP" dirty="0"/>
+          </a:p>
+        </p:txBody>
+      </p:sp>
+      <p:sp>
+        <p:nvSpPr>
+          <p:cNvPr id="4" name="テキスト ボックス 3">
+            <a:extLst>
+              <a:ext uri="{FF2B5EF4-FFF2-40B4-BE49-F238E27FC236}">
+                <a16:creationId xmlns:a16="http://schemas.microsoft.com/office/drawing/2014/main" id="{25C2E83B-66B5-4EC5-BB62-141542EEA373}"/>
+              </a:ext>
+            </a:extLst>
+          </p:cNvPr>
+          <p:cNvSpPr txBox="1"/>
+          <p:nvPr/>
+        </p:nvSpPr>
+        <p:spPr>
+          <a:xfrm>
+            <a:off x="0" y="6248230"/>
+            <a:ext cx="9144000" cy="646331"/>
+          </a:xfrm>
+          <a:prstGeom prst="rect">
+            <a:avLst/>
+          </a:prstGeom>
+          <a:noFill/>
+        </p:spPr>
+        <p:txBody>
+          <a:bodyPr wrap="square" rtlCol="0">
+            <a:spAutoFit/>
+          </a:bodyPr>
+          <a:lstStyle/>
+          <a:p>
+            <a:r>
+              <a:rPr kumimoji="1" lang="en-US" altLang="ja-JP" sz="1200" dirty="0"/>
+              <a:t>Zhang, Liang and Litton, James and </a:t>
+            </a:r>
+            <a:r>
+              <a:rPr kumimoji="1" lang="en-US" altLang="ja-JP" sz="1200" dirty="0" err="1"/>
+              <a:t>Cangialosi</a:t>
+            </a:r>
+            <a:r>
+              <a:rPr kumimoji="1" lang="en-US" altLang="ja-JP" sz="1200" dirty="0"/>
+              <a:t>, Frank and Benson, Theophilus and Levin, Dave and </a:t>
+            </a:r>
+            <a:r>
+              <a:rPr kumimoji="1" lang="en-US" altLang="ja-JP" sz="1200" dirty="0" err="1"/>
+              <a:t>Mislove</a:t>
+            </a:r>
+            <a:r>
+              <a:rPr kumimoji="1" lang="en-US" altLang="ja-JP" sz="1200" dirty="0"/>
+              <a:t>, Alan,"</a:t>
+            </a:r>
+            <a:r>
+              <a:rPr kumimoji="1" lang="en-US" altLang="ja-JP" sz="1200" dirty="0" err="1"/>
+              <a:t>Picocenter</a:t>
+            </a:r>
+            <a:r>
+              <a:rPr kumimoji="1" lang="en-US" altLang="ja-JP" sz="1200" dirty="0"/>
+              <a:t>: Supporting Long-lived, Mostly-idle Applications in Cloud </a:t>
+            </a:r>
+            <a:r>
+              <a:rPr kumimoji="1" lang="en-US" altLang="ja-JP" sz="1200" dirty="0" err="1"/>
+              <a:t>Environments",Proceedings</a:t>
+            </a:r>
+            <a:r>
+              <a:rPr kumimoji="1" lang="en-US" altLang="ja-JP" sz="1200" dirty="0"/>
+              <a:t> of the Eleventh European Conference on Computer </a:t>
+            </a:r>
+            <a:r>
+              <a:rPr kumimoji="1" lang="en-US" altLang="ja-JP" sz="1200" dirty="0" err="1"/>
+              <a:t>Systems,EuroSys</a:t>
+            </a:r>
+            <a:r>
+              <a:rPr kumimoji="1" lang="en-US" altLang="ja-JP" sz="1200" dirty="0"/>
+              <a:t> ‘16, pp.37:1--37:16</a:t>
+            </a:r>
+            <a:endParaRPr kumimoji="1" lang="ja-JP" altLang="en-US" sz="1200" dirty="0"/>
+          </a:p>
+        </p:txBody>
+      </p:sp>
+      <p:pic>
+        <p:nvPicPr>
+          <p:cNvPr id="6" name="図 5">
+            <a:extLst>
+              <a:ext uri="{FF2B5EF4-FFF2-40B4-BE49-F238E27FC236}">
+                <a16:creationId xmlns:a16="http://schemas.microsoft.com/office/drawing/2014/main" id="{36E49073-9085-47A6-BC83-C5AA52CF114B}"/>
+              </a:ext>
+            </a:extLst>
+          </p:cNvPr>
+          <p:cNvPicPr>
+            <a:picLocks noChangeAspect="1"/>
+          </p:cNvPicPr>
+          <p:nvPr/>
+        </p:nvPicPr>
+        <p:blipFill rotWithShape="1">
+          <a:blip r:embed="rId2">
+            <a:extLst>
+              <a:ext uri="{28A0092B-C50C-407E-A947-70E740481C1C}">
+                <a14:useLocalDpi xmlns:a14="http://schemas.microsoft.com/office/drawing/2010/main" val="0"/>
+              </a:ext>
+            </a:extLst>
+          </a:blip>
+          <a:srcRect l="2728" t="4163"/>
+          <a:stretch/>
+        </p:blipFill>
+        <p:spPr>
+          <a:xfrm>
+            <a:off x="401089" y="3143657"/>
+            <a:ext cx="8341821" cy="3104573"/>
+          </a:xfrm>
+          <a:prstGeom prst="rect">
+            <a:avLst/>
+          </a:prstGeom>
+        </p:spPr>
+      </p:pic>
+    </p:spTree>
+    <p:extLst>
+      <p:ext uri="{BB962C8B-B14F-4D97-AF65-F5344CB8AC3E}">
+        <p14:creationId xmlns:p14="http://schemas.microsoft.com/office/powerpoint/2010/main" val="2690523227"/>
+      </p:ext>
+    </p:extLst>
+  </p:cSld>
+  <p:clrMapOvr>
+    <a:masterClrMapping/>
+  </p:clrMapOvr>
+</p:sld>
+</file>
+
+<file path=ppt/slides/slide9.xml><?xml version="1.0" encoding="utf-8"?>
+<p:sld xmlns:a="http://schemas.openxmlformats.org/drawingml/2006/main" xmlns:r="http://schemas.openxmlformats.org/officeDocument/2006/relationships" xmlns:p="http://schemas.openxmlformats.org/presentationml/2006/main">
+  <p:cSld>
+    <p:spTree>
+      <p:nvGrpSpPr>
+        <p:cNvPr id="1" name=""/>
+        <p:cNvGrpSpPr/>
+        <p:nvPr/>
+      </p:nvGrpSpPr>
+      <p:grpSpPr>
+        <a:xfrm>
+          <a:off x="0" y="0"/>
+          <a:ext cx="0" cy="0"/>
+          <a:chOff x="0" y="0"/>
+          <a:chExt cx="0" cy="0"/>
+        </a:xfrm>
+      </p:grpSpPr>
+      <p:sp>
+        <p:nvSpPr>
+          <p:cNvPr id="2" name="タイトル 1">
+            <a:extLst>
+              <a:ext uri="{FF2B5EF4-FFF2-40B4-BE49-F238E27FC236}">
+                <a16:creationId xmlns:a16="http://schemas.microsoft.com/office/drawing/2014/main" id="{09BFE5B6-6CDE-47AB-93F1-578EA3EE55D2}"/>
+              </a:ext>
+            </a:extLst>
+          </p:cNvPr>
+          <p:cNvSpPr>
+            <a:spLocks noGrp="1"/>
+          </p:cNvSpPr>
+          <p:nvPr>
+            <p:ph type="title"/>
+          </p:nvPr>
+        </p:nvSpPr>
+        <p:spPr/>
+        <p:txBody>
+          <a:bodyPr/>
+          <a:lstStyle/>
+          <a:p>
+            <a:r>
+              <a:rPr lang="ja-JP" altLang="en-US" dirty="0"/>
+              <a:t>関連研究（</a:t>
+            </a:r>
+            <a:r>
+              <a:rPr lang="en-US" altLang="ja-JP" dirty="0"/>
+              <a:t>2</a:t>
+            </a:r>
+            <a:r>
+              <a:rPr lang="ja-JP" altLang="en-US" dirty="0"/>
+              <a:t>）</a:t>
+            </a:r>
+            <a:endParaRPr kumimoji="1" lang="ja-JP" altLang="en-US" dirty="0"/>
+          </a:p>
+        </p:txBody>
+      </p:sp>
+      <p:sp>
+        <p:nvSpPr>
+          <p:cNvPr id="3" name="コンテンツ プレースホルダー 2">
+            <a:extLst>
+              <a:ext uri="{FF2B5EF4-FFF2-40B4-BE49-F238E27FC236}">
+                <a16:creationId xmlns:a16="http://schemas.microsoft.com/office/drawing/2014/main" id="{6FBA5505-0C88-42DE-BD37-637189F6D12B}"/>
+              </a:ext>
+            </a:extLst>
+          </p:cNvPr>
+          <p:cNvSpPr>
+            <a:spLocks noGrp="1"/>
+          </p:cNvSpPr>
+          <p:nvPr>
+            <p:ph idx="1"/>
+          </p:nvPr>
+        </p:nvSpPr>
+        <p:spPr/>
+        <p:txBody>
+          <a:bodyPr/>
+          <a:lstStyle/>
+          <a:p>
+            <a:pPr>
+              <a:buFont typeface="Wingdings" panose="05000000000000000000" pitchFamily="2" charset="2"/>
+              <a:buChar char="l"/>
+            </a:pPr>
+            <a:r>
+              <a:rPr lang="en-US" altLang="ja-JP" dirty="0" err="1"/>
+              <a:t>FlexCapsule</a:t>
+            </a:r>
+            <a:endParaRPr lang="en-US" altLang="ja-JP" dirty="0"/>
+          </a:p>
+          <a:p>
+            <a:pPr lvl="1">
+              <a:buFont typeface="Wingdings" panose="05000000000000000000" pitchFamily="2" charset="2"/>
+              <a:buChar char="l"/>
+            </a:pPr>
+            <a:r>
+              <a:rPr lang="en-US" altLang="ja-JP" dirty="0"/>
+              <a:t>VM</a:t>
+            </a:r>
+            <a:r>
+              <a:rPr lang="ja-JP" altLang="en-US" dirty="0"/>
+              <a:t>内で複数の軽量化した</a:t>
+            </a:r>
+            <a:r>
+              <a:rPr lang="en-US" altLang="ja-JP" dirty="0"/>
+              <a:t>VM</a:t>
+            </a:r>
+            <a:r>
+              <a:rPr lang="ja-JP" altLang="en-US" dirty="0"/>
+              <a:t>を用いてサービスを提供する</a:t>
+            </a:r>
+            <a:endParaRPr lang="en-US" altLang="ja-JP" dirty="0"/>
+          </a:p>
+          <a:p>
+            <a:pPr lvl="1">
+              <a:buFont typeface="Wingdings" panose="05000000000000000000" pitchFamily="2" charset="2"/>
+              <a:buChar char="l"/>
+            </a:pPr>
+            <a:r>
+              <a:rPr lang="en-US" altLang="ja-JP" dirty="0"/>
+              <a:t>VM</a:t>
+            </a:r>
+            <a:r>
+              <a:rPr lang="ja-JP" altLang="en-US" dirty="0"/>
+              <a:t>内で</a:t>
+            </a:r>
+            <a:r>
+              <a:rPr lang="en-US" altLang="ja-JP" dirty="0"/>
+              <a:t>VM</a:t>
+            </a:r>
+            <a:r>
+              <a:rPr lang="ja-JP" altLang="en-US" dirty="0"/>
+              <a:t>を利用するため，オーバヘッドが大きい</a:t>
+            </a:r>
+          </a:p>
+          <a:p>
+            <a:endParaRPr kumimoji="1" lang="ja-JP" altLang="en-US" dirty="0"/>
+          </a:p>
+        </p:txBody>
+      </p:sp>
+      <p:sp>
+        <p:nvSpPr>
+          <p:cNvPr id="4" name="テキスト ボックス 3">
+            <a:extLst>
+              <a:ext uri="{FF2B5EF4-FFF2-40B4-BE49-F238E27FC236}">
+                <a16:creationId xmlns:a16="http://schemas.microsoft.com/office/drawing/2014/main" id="{EF61986E-F561-4C95-935B-B5ED414FEAC2}"/>
+              </a:ext>
+            </a:extLst>
+          </p:cNvPr>
+          <p:cNvSpPr txBox="1"/>
+          <p:nvPr/>
+        </p:nvSpPr>
+        <p:spPr>
+          <a:xfrm>
+            <a:off x="0" y="6386730"/>
+            <a:ext cx="8971495" cy="492443"/>
+          </a:xfrm>
+          <a:prstGeom prst="rect">
+            <a:avLst/>
+          </a:prstGeom>
+          <a:noFill/>
+        </p:spPr>
+        <p:txBody>
+          <a:bodyPr wrap="none" rtlCol="0">
+            <a:spAutoFit/>
+          </a:bodyPr>
+          <a:lstStyle/>
+          <a:p>
+            <a:r>
+              <a:rPr lang="en-US" altLang="ja-JP" sz="1300" dirty="0"/>
+              <a:t>K. Kourai and K. </a:t>
+            </a:r>
+            <a:r>
+              <a:rPr lang="en-US" altLang="ja-JP" sz="1300" dirty="0" err="1"/>
+              <a:t>Sannomiya</a:t>
+            </a:r>
+            <a:r>
+              <a:rPr lang="en-US" altLang="ja-JP" sz="1300" dirty="0"/>
+              <a:t>, "Seamless and Secure Application Consolidation for Optimizing Instance Deployment in Clouds,“</a:t>
+            </a:r>
+          </a:p>
+          <a:p>
+            <a:r>
+              <a:rPr lang="en-US" altLang="ja-JP" sz="1300" i="1" dirty="0"/>
+              <a:t>2016 IEEE International Conference on Cloud Computing Technology and Science (</a:t>
+            </a:r>
+            <a:r>
+              <a:rPr lang="en-US" altLang="ja-JP" sz="1300" i="1" dirty="0" err="1"/>
+              <a:t>CloudCom</a:t>
+            </a:r>
+            <a:r>
+              <a:rPr lang="en-US" altLang="ja-JP" sz="1300" i="1" dirty="0"/>
+              <a:t>)</a:t>
+            </a:r>
+            <a:r>
+              <a:rPr lang="en-US" altLang="ja-JP" sz="1300" dirty="0"/>
+              <a:t>, Luxembourg City, 2016, pp. 318-325.</a:t>
+            </a:r>
+            <a:endParaRPr kumimoji="1" lang="ja-JP" altLang="en-US" sz="1300" dirty="0"/>
+          </a:p>
+        </p:txBody>
+      </p:sp>
+      <p:pic>
+        <p:nvPicPr>
+          <p:cNvPr id="7" name="図 6">
+            <a:extLst>
+              <a:ext uri="{FF2B5EF4-FFF2-40B4-BE49-F238E27FC236}">
+                <a16:creationId xmlns:a16="http://schemas.microsoft.com/office/drawing/2014/main" id="{E58BD85A-D198-4D89-9DA0-E6E749EF95CA}"/>
+              </a:ext>
+            </a:extLst>
+          </p:cNvPr>
+          <p:cNvPicPr>
+            <a:picLocks noChangeAspect="1"/>
+          </p:cNvPicPr>
+          <p:nvPr/>
+        </p:nvPicPr>
+        <p:blipFill>
+          <a:blip r:embed="rId2">
+            <a:extLst>
+              <a:ext uri="{28A0092B-C50C-407E-A947-70E740481C1C}">
+                <a14:useLocalDpi xmlns:a14="http://schemas.microsoft.com/office/drawing/2010/main" val="0"/>
+              </a:ext>
+            </a:extLst>
+          </a:blip>
+          <a:stretch>
+            <a:fillRect/>
+          </a:stretch>
+        </p:blipFill>
+        <p:spPr>
+          <a:xfrm>
+            <a:off x="88707" y="2923309"/>
+            <a:ext cx="8966585" cy="3463421"/>
+          </a:xfrm>
+          <a:prstGeom prst="rect">
+            <a:avLst/>
+          </a:prstGeom>
+        </p:spPr>
+      </p:pic>
+    </p:spTree>
+    <p:extLst>
+      <p:ext uri="{BB962C8B-B14F-4D97-AF65-F5344CB8AC3E}">
+        <p14:creationId xmlns:p14="http://schemas.microsoft.com/office/powerpoint/2010/main" val="3744471788"/>
       </p:ext>
     </p:extLst>
   </p:cSld>

--- a/輪講2019-1_鈴木洸太.pptx
+++ b/輪講2019-1_鈴木洸太.pptx
@@ -12426,7 +12426,33 @@
               <a:buChar char="l"/>
             </a:pPr>
             <a:r>
-              <a:rPr kumimoji="1" lang="en-US" altLang="ja-JP" dirty="0"/>
+              <a:rPr lang="en-US" altLang="ja-JP" dirty="0" err="1"/>
+              <a:t>VCRecovery</a:t>
+            </a:r>
+            <a:r>
+              <a:rPr lang="ja-JP" altLang="en-US" dirty="0"/>
+              <a:t>コールドスタンバイでの共有して使う待機系のセキュリティ</a:t>
+            </a:r>
+            <a:endParaRPr lang="en-US" altLang="ja-JP" dirty="0"/>
+          </a:p>
+          <a:p>
+            <a:pPr lvl="1">
+              <a:buFont typeface="Wingdings" panose="05000000000000000000" pitchFamily="2" charset="2"/>
+              <a:buChar char="l"/>
+            </a:pPr>
+            <a:r>
+              <a:rPr lang="ja-JP" altLang="en-US" dirty="0"/>
+              <a:t>コンテナを利用するためセキュリティが担保される理由がわからない</a:t>
+            </a:r>
+            <a:endParaRPr lang="en-US" altLang="ja-JP" dirty="0"/>
+          </a:p>
+          <a:p>
+            <a:pPr>
+              <a:buFont typeface="Wingdings" panose="05000000000000000000" pitchFamily="2" charset="2"/>
+              <a:buChar char="l"/>
+            </a:pPr>
+            <a:r>
+              <a:rPr lang="en-US" altLang="ja-JP" dirty="0"/>
               <a:t>5.6</a:t>
             </a:r>
             <a:r>

--- a/輪講2019-1_鈴木洸太.pptx
+++ b/輪講2019-1_鈴木洸太.pptx
@@ -5,7 +5,7 @@
     <p:sldMasterId id="2147483819" r:id="rId1"/>
   </p:sldMasterIdLst>
   <p:notesMasterIdLst>
-    <p:notesMasterId r:id="rId40"/>
+    <p:notesMasterId r:id="rId39"/>
   </p:notesMasterIdLst>
   <p:sldIdLst>
     <p:sldId id="256" r:id="rId2"/>
@@ -25,27 +25,26 @@
     <p:sldId id="290" r:id="rId16"/>
     <p:sldId id="268" r:id="rId17"/>
     <p:sldId id="294" r:id="rId18"/>
-    <p:sldId id="269" r:id="rId19"/>
-    <p:sldId id="271" r:id="rId20"/>
-    <p:sldId id="270" r:id="rId21"/>
-    <p:sldId id="272" r:id="rId22"/>
-    <p:sldId id="277" r:id="rId23"/>
-    <p:sldId id="276" r:id="rId24"/>
-    <p:sldId id="280" r:id="rId25"/>
-    <p:sldId id="278" r:id="rId26"/>
-    <p:sldId id="279" r:id="rId27"/>
-    <p:sldId id="282" r:id="rId28"/>
-    <p:sldId id="283" r:id="rId29"/>
-    <p:sldId id="284" r:id="rId30"/>
-    <p:sldId id="285" r:id="rId31"/>
-    <p:sldId id="286" r:id="rId32"/>
-    <p:sldId id="287" r:id="rId33"/>
-    <p:sldId id="293" r:id="rId34"/>
-    <p:sldId id="295" r:id="rId35"/>
-    <p:sldId id="288" r:id="rId36"/>
-    <p:sldId id="289" r:id="rId37"/>
-    <p:sldId id="291" r:id="rId38"/>
-    <p:sldId id="292" r:id="rId39"/>
+    <p:sldId id="270" r:id="rId19"/>
+    <p:sldId id="272" r:id="rId20"/>
+    <p:sldId id="277" r:id="rId21"/>
+    <p:sldId id="276" r:id="rId22"/>
+    <p:sldId id="280" r:id="rId23"/>
+    <p:sldId id="278" r:id="rId24"/>
+    <p:sldId id="279" r:id="rId25"/>
+    <p:sldId id="282" r:id="rId26"/>
+    <p:sldId id="283" r:id="rId27"/>
+    <p:sldId id="284" r:id="rId28"/>
+    <p:sldId id="285" r:id="rId29"/>
+    <p:sldId id="286" r:id="rId30"/>
+    <p:sldId id="287" r:id="rId31"/>
+    <p:sldId id="293" r:id="rId32"/>
+    <p:sldId id="295" r:id="rId33"/>
+    <p:sldId id="288" r:id="rId34"/>
+    <p:sldId id="289" r:id="rId35"/>
+    <p:sldId id="291" r:id="rId36"/>
+    <p:sldId id="269" r:id="rId37"/>
+    <p:sldId id="271" r:id="rId38"/>
   </p:sldIdLst>
   <p:sldSz cx="9144000" cy="6858000" type="screen4x3"/>
   <p:notesSz cx="6858000" cy="9144000"/>
@@ -1735,7 +1734,7 @@
           <a:p>
             <a:fld id="{F078B2A7-EC9C-43E3-BD68-4451654AB58E}" type="datetimeFigureOut">
               <a:rPr kumimoji="1" lang="ja-JP" altLang="en-US" smtClean="0"/>
-              <a:t>2019/5/4</a:t>
+              <a:t>2019/5/7</a:t>
             </a:fld>
             <a:endParaRPr kumimoji="1" lang="ja-JP" altLang="en-US"/>
           </a:p>
@@ -2084,76 +2083,8 @@
           <a:lstStyle/>
           <a:p>
             <a:r>
-              <a:rPr kumimoji="1" lang="ja-JP" altLang="en-US" sz="1200" b="1" i="0" kern="1200" dirty="0">
-                <a:solidFill>
-                  <a:schemeClr val="tx1"/>
-                </a:solidFill>
-                <a:effectLst/>
-                <a:latin typeface="+mn-lt"/>
-                <a:ea typeface="+mn-ea"/>
-                <a:cs typeface="+mn-cs"/>
-              </a:rPr>
-              <a:t>ライブ マイグレーション</a:t>
-            </a:r>
-            <a:r>
-              <a:rPr kumimoji="1" lang="ja-JP" altLang="en-US" sz="1200" b="0" i="0" kern="1200" dirty="0" err="1">
-                <a:solidFill>
-                  <a:schemeClr val="tx1"/>
-                </a:solidFill>
-                <a:effectLst/>
-                <a:latin typeface="+mn-lt"/>
-                <a:ea typeface="+mn-ea"/>
-                <a:cs typeface="+mn-cs"/>
-              </a:rPr>
-              <a:t>．．．</a:t>
-            </a:r>
-            <a:r>
-              <a:rPr kumimoji="1" lang="ja-JP" altLang="en-US" sz="1200" b="0" i="0" kern="1200" dirty="0">
-                <a:solidFill>
-                  <a:schemeClr val="tx1"/>
-                </a:solidFill>
-                <a:effectLst/>
-                <a:latin typeface="+mn-lt"/>
-                <a:ea typeface="+mn-ea"/>
-                <a:cs typeface="+mn-cs"/>
-              </a:rPr>
-              <a:t>サーバ仮想化環境で動いている仮想マシンを、</a:t>
-            </a:r>
-            <a:r>
-              <a:rPr kumimoji="1" lang="en-US" altLang="ja-JP" sz="1200" b="0" i="0" u="sng" kern="1200" dirty="0">
-                <a:solidFill>
-                  <a:schemeClr val="tx1"/>
-                </a:solidFill>
-                <a:effectLst/>
-                <a:latin typeface="+mn-lt"/>
-                <a:ea typeface="+mn-ea"/>
-                <a:cs typeface="+mn-cs"/>
-              </a:rPr>
-              <a:t>OS</a:t>
-            </a:r>
-            <a:r>
-              <a:rPr kumimoji="1" lang="ja-JP" altLang="en-US" sz="1200" b="0" i="0" u="sng" kern="1200" dirty="0">
-                <a:solidFill>
-                  <a:schemeClr val="tx1"/>
-                </a:solidFill>
-                <a:effectLst/>
-                <a:latin typeface="+mn-lt"/>
-                <a:ea typeface="+mn-ea"/>
-                <a:cs typeface="+mn-cs"/>
-              </a:rPr>
-              <a:t>やアプリケーションを停止させることなく</a:t>
-            </a:r>
-            <a:r>
-              <a:rPr kumimoji="1" lang="ja-JP" altLang="en-US" sz="1200" b="0" i="0" kern="1200" dirty="0">
-                <a:solidFill>
-                  <a:schemeClr val="tx1"/>
-                </a:solidFill>
-                <a:effectLst/>
-                <a:latin typeface="+mn-lt"/>
-                <a:ea typeface="+mn-ea"/>
-                <a:cs typeface="+mn-cs"/>
-              </a:rPr>
-              <a:t>、丸ごと別の物理サーバへと移動させること</a:t>
+              <a:rPr kumimoji="1" lang="en-US" altLang="ja-JP" dirty="0" err="1"/>
+              <a:t>VCRecavery</a:t>
             </a:r>
             <a:endParaRPr kumimoji="1" lang="ja-JP" altLang="en-US" dirty="0"/>
           </a:p>
@@ -2176,7 +2107,7 @@
           <a:p>
             <a:fld id="{35A96F5C-B295-42E4-9B3C-54734D533512}" type="slidenum">
               <a:rPr kumimoji="1" lang="ja-JP" altLang="en-US" smtClean="0"/>
-              <a:t>13</a:t>
+              <a:t>7</a:t>
             </a:fld>
             <a:endParaRPr kumimoji="1" lang="ja-JP" altLang="en-US"/>
           </a:p>
@@ -2185,7 +2116,7 @@
     </p:spTree>
     <p:extLst>
       <p:ext uri="{BB962C8B-B14F-4D97-AF65-F5344CB8AC3E}">
-        <p14:creationId xmlns:p14="http://schemas.microsoft.com/office/powerpoint/2010/main" val="1334895982"/>
+        <p14:creationId xmlns:p14="http://schemas.microsoft.com/office/powerpoint/2010/main" val="2061678478"/>
       </p:ext>
     </p:extLst>
   </p:cSld>
@@ -2245,6 +2176,167 @@
           <a:lstStyle/>
           <a:p>
             <a:r>
+              <a:rPr kumimoji="1" lang="ja-JP" altLang="en-US" sz="1200" b="1" i="0" kern="1200" dirty="0">
+                <a:solidFill>
+                  <a:schemeClr val="tx1"/>
+                </a:solidFill>
+                <a:effectLst/>
+                <a:latin typeface="+mn-lt"/>
+                <a:ea typeface="+mn-ea"/>
+                <a:cs typeface="+mn-cs"/>
+              </a:rPr>
+              <a:t>ライブ マイグレーション</a:t>
+            </a:r>
+            <a:r>
+              <a:rPr kumimoji="1" lang="ja-JP" altLang="en-US" sz="1200" b="0" i="0" kern="1200" dirty="0" err="1">
+                <a:solidFill>
+                  <a:schemeClr val="tx1"/>
+                </a:solidFill>
+                <a:effectLst/>
+                <a:latin typeface="+mn-lt"/>
+                <a:ea typeface="+mn-ea"/>
+                <a:cs typeface="+mn-cs"/>
+              </a:rPr>
+              <a:t>．．．</a:t>
+            </a:r>
+            <a:r>
+              <a:rPr kumimoji="1" lang="ja-JP" altLang="en-US" sz="1200" b="0" i="0" kern="1200" dirty="0">
+                <a:solidFill>
+                  <a:schemeClr val="tx1"/>
+                </a:solidFill>
+                <a:effectLst/>
+                <a:latin typeface="+mn-lt"/>
+                <a:ea typeface="+mn-ea"/>
+                <a:cs typeface="+mn-cs"/>
+              </a:rPr>
+              <a:t>サーバ仮想化環境で動いている仮想マシンを、</a:t>
+            </a:r>
+            <a:r>
+              <a:rPr kumimoji="1" lang="en-US" altLang="ja-JP" sz="1200" b="0" i="0" u="sng" kern="1200" dirty="0">
+                <a:solidFill>
+                  <a:schemeClr val="tx1"/>
+                </a:solidFill>
+                <a:effectLst/>
+                <a:latin typeface="+mn-lt"/>
+                <a:ea typeface="+mn-ea"/>
+                <a:cs typeface="+mn-cs"/>
+              </a:rPr>
+              <a:t>OS</a:t>
+            </a:r>
+            <a:r>
+              <a:rPr kumimoji="1" lang="ja-JP" altLang="en-US" sz="1200" b="0" i="0" u="sng" kern="1200" dirty="0">
+                <a:solidFill>
+                  <a:schemeClr val="tx1"/>
+                </a:solidFill>
+                <a:effectLst/>
+                <a:latin typeface="+mn-lt"/>
+                <a:ea typeface="+mn-ea"/>
+                <a:cs typeface="+mn-cs"/>
+              </a:rPr>
+              <a:t>やアプリケーションを停止させることなく</a:t>
+            </a:r>
+            <a:r>
+              <a:rPr kumimoji="1" lang="ja-JP" altLang="en-US" sz="1200" b="0" i="0" kern="1200" dirty="0">
+                <a:solidFill>
+                  <a:schemeClr val="tx1"/>
+                </a:solidFill>
+                <a:effectLst/>
+                <a:latin typeface="+mn-lt"/>
+                <a:ea typeface="+mn-ea"/>
+                <a:cs typeface="+mn-cs"/>
+              </a:rPr>
+              <a:t>、丸ごと別の物理サーバへと移動させること</a:t>
+            </a:r>
+            <a:endParaRPr kumimoji="1" lang="ja-JP" altLang="en-US" dirty="0"/>
+          </a:p>
+        </p:txBody>
+      </p:sp>
+      <p:sp>
+        <p:nvSpPr>
+          <p:cNvPr id="4" name="スライド番号プレースホルダー 3"/>
+          <p:cNvSpPr>
+            <a:spLocks noGrp="1"/>
+          </p:cNvSpPr>
+          <p:nvPr>
+            <p:ph type="sldNum" sz="quarter" idx="5"/>
+          </p:nvPr>
+        </p:nvSpPr>
+        <p:spPr/>
+        <p:txBody>
+          <a:bodyPr/>
+          <a:lstStyle/>
+          <a:p>
+            <a:fld id="{35A96F5C-B295-42E4-9B3C-54734D533512}" type="slidenum">
+              <a:rPr kumimoji="1" lang="ja-JP" altLang="en-US" smtClean="0"/>
+              <a:t>13</a:t>
+            </a:fld>
+            <a:endParaRPr kumimoji="1" lang="ja-JP" altLang="en-US"/>
+          </a:p>
+        </p:txBody>
+      </p:sp>
+    </p:spTree>
+    <p:extLst>
+      <p:ext uri="{BB962C8B-B14F-4D97-AF65-F5344CB8AC3E}">
+        <p14:creationId xmlns:p14="http://schemas.microsoft.com/office/powerpoint/2010/main" val="1334895982"/>
+      </p:ext>
+    </p:extLst>
+  </p:cSld>
+  <p:clrMapOvr>
+    <a:masterClrMapping/>
+  </p:clrMapOvr>
+</p:notes>
+</file>
+
+<file path=ppt/notesSlides/notesSlide3.xml><?xml version="1.0" encoding="utf-8"?>
+<p:notes xmlns:a="http://schemas.openxmlformats.org/drawingml/2006/main" xmlns:r="http://schemas.openxmlformats.org/officeDocument/2006/relationships" xmlns:p="http://schemas.openxmlformats.org/presentationml/2006/main">
+  <p:cSld>
+    <p:spTree>
+      <p:nvGrpSpPr>
+        <p:cNvPr id="1" name=""/>
+        <p:cNvGrpSpPr/>
+        <p:nvPr/>
+      </p:nvGrpSpPr>
+      <p:grpSpPr>
+        <a:xfrm>
+          <a:off x="0" y="0"/>
+          <a:ext cx="0" cy="0"/>
+          <a:chOff x="0" y="0"/>
+          <a:chExt cx="0" cy="0"/>
+        </a:xfrm>
+      </p:grpSpPr>
+      <p:sp>
+        <p:nvSpPr>
+          <p:cNvPr id="2" name="スライド イメージ プレースホルダー 1"/>
+          <p:cNvSpPr>
+            <a:spLocks noGrp="1" noRot="1" noChangeAspect="1"/>
+          </p:cNvSpPr>
+          <p:nvPr>
+            <p:ph type="sldImg"/>
+          </p:nvPr>
+        </p:nvSpPr>
+        <p:spPr>
+          <a:xfrm>
+            <a:off x="1371600" y="1143000"/>
+            <a:ext cx="4114800" cy="3086100"/>
+          </a:xfrm>
+        </p:spPr>
+      </p:sp>
+      <p:sp>
+        <p:nvSpPr>
+          <p:cNvPr id="3" name="ノート プレースホルダー 2"/>
+          <p:cNvSpPr>
+            <a:spLocks noGrp="1"/>
+          </p:cNvSpPr>
+          <p:nvPr>
+            <p:ph type="body" idx="1"/>
+          </p:nvPr>
+        </p:nvSpPr>
+        <p:spPr/>
+        <p:txBody>
+          <a:bodyPr/>
+          <a:lstStyle/>
+          <a:p>
+            <a:r>
               <a:rPr kumimoji="1" lang="ja-JP" altLang="en-US" dirty="0"/>
               <a:t>ストレージバックエンド</a:t>
             </a:r>
@@ -2279,7 +2371,7 @@
           <a:p>
             <a:fld id="{35A96F5C-B295-42E4-9B3C-54734D533512}" type="slidenum">
               <a:rPr kumimoji="1" lang="ja-JP" altLang="en-US" smtClean="0"/>
-              <a:t>29</a:t>
+              <a:t>27</a:t>
             </a:fld>
             <a:endParaRPr kumimoji="1" lang="ja-JP" altLang="en-US"/>
           </a:p>
@@ -2524,7 +2616,7 @@
           <a:p>
             <a:fld id="{2F2A3BAA-AE56-4B39-BB85-0AC61BE7E721}" type="datetimeFigureOut">
               <a:rPr kumimoji="1" lang="ja-JP" altLang="en-US" smtClean="0"/>
-              <a:t>2019/5/4</a:t>
+              <a:t>2019/5/7</a:t>
             </a:fld>
             <a:endParaRPr kumimoji="1" lang="ja-JP" altLang="en-US"/>
           </a:p>
@@ -2764,7 +2856,7 @@
           <a:p>
             <a:fld id="{2F2A3BAA-AE56-4B39-BB85-0AC61BE7E721}" type="datetimeFigureOut">
               <a:rPr kumimoji="1" lang="ja-JP" altLang="en-US" smtClean="0"/>
-              <a:t>2019/5/4</a:t>
+              <a:t>2019/5/7</a:t>
             </a:fld>
             <a:endParaRPr kumimoji="1" lang="ja-JP" altLang="en-US"/>
           </a:p>
@@ -3052,7 +3144,7 @@
           <a:p>
             <a:fld id="{2F2A3BAA-AE56-4B39-BB85-0AC61BE7E721}" type="datetimeFigureOut">
               <a:rPr kumimoji="1" lang="ja-JP" altLang="en-US" smtClean="0"/>
-              <a:t>2019/5/4</a:t>
+              <a:t>2019/5/7</a:t>
             </a:fld>
             <a:endParaRPr kumimoji="1" lang="ja-JP" altLang="en-US"/>
           </a:p>
@@ -3278,7 +3370,7 @@
           <a:p>
             <a:fld id="{2F2A3BAA-AE56-4B39-BB85-0AC61BE7E721}" type="datetimeFigureOut">
               <a:rPr kumimoji="1" lang="ja-JP" altLang="en-US" smtClean="0"/>
-              <a:t>2019/5/4</a:t>
+              <a:t>2019/5/7</a:t>
             </a:fld>
             <a:endParaRPr kumimoji="1" lang="ja-JP" altLang="en-US"/>
           </a:p>
@@ -3621,7 +3713,7 @@
           <a:p>
             <a:fld id="{2F2A3BAA-AE56-4B39-BB85-0AC61BE7E721}" type="datetimeFigureOut">
               <a:rPr kumimoji="1" lang="ja-JP" altLang="en-US" smtClean="0"/>
-              <a:t>2019/5/4</a:t>
+              <a:t>2019/5/7</a:t>
             </a:fld>
             <a:endParaRPr kumimoji="1" lang="ja-JP" altLang="en-US"/>
           </a:p>
@@ -3960,7 +4052,7 @@
           <a:p>
             <a:fld id="{2F2A3BAA-AE56-4B39-BB85-0AC61BE7E721}" type="datetimeFigureOut">
               <a:rPr kumimoji="1" lang="ja-JP" altLang="en-US" smtClean="0"/>
-              <a:t>2019/5/4</a:t>
+              <a:t>2019/5/7</a:t>
             </a:fld>
             <a:endParaRPr kumimoji="1" lang="ja-JP" altLang="en-US"/>
           </a:p>
@@ -4403,7 +4495,7 @@
           <a:p>
             <a:fld id="{2F2A3BAA-AE56-4B39-BB85-0AC61BE7E721}" type="datetimeFigureOut">
               <a:rPr kumimoji="1" lang="ja-JP" altLang="en-US" smtClean="0"/>
-              <a:t>2019/5/4</a:t>
+              <a:t>2019/5/7</a:t>
             </a:fld>
             <a:endParaRPr kumimoji="1" lang="ja-JP" altLang="en-US"/>
           </a:p>
@@ -4521,7 +4613,7 @@
           <a:p>
             <a:fld id="{2F2A3BAA-AE56-4B39-BB85-0AC61BE7E721}" type="datetimeFigureOut">
               <a:rPr kumimoji="1" lang="ja-JP" altLang="en-US" smtClean="0"/>
-              <a:t>2019/5/4</a:t>
+              <a:t>2019/5/7</a:t>
             </a:fld>
             <a:endParaRPr kumimoji="1" lang="ja-JP" altLang="en-US"/>
           </a:p>
@@ -4692,7 +4784,7 @@
           <a:p>
             <a:fld id="{2F2A3BAA-AE56-4B39-BB85-0AC61BE7E721}" type="datetimeFigureOut">
               <a:rPr kumimoji="1" lang="ja-JP" altLang="en-US" smtClean="0"/>
-              <a:t>2019/5/4</a:t>
+              <a:t>2019/5/7</a:t>
             </a:fld>
             <a:endParaRPr kumimoji="1" lang="ja-JP" altLang="en-US"/>
           </a:p>
@@ -5078,7 +5170,7 @@
           <a:p>
             <a:fld id="{2F2A3BAA-AE56-4B39-BB85-0AC61BE7E721}" type="datetimeFigureOut">
               <a:rPr kumimoji="1" lang="ja-JP" altLang="en-US" smtClean="0"/>
-              <a:t>2019/5/4</a:t>
+              <a:t>2019/5/7</a:t>
             </a:fld>
             <a:endParaRPr kumimoji="1" lang="ja-JP" altLang="en-US"/>
           </a:p>
@@ -5455,7 +5547,7 @@
           <a:p>
             <a:fld id="{2F2A3BAA-AE56-4B39-BB85-0AC61BE7E721}" type="datetimeFigureOut">
               <a:rPr kumimoji="1" lang="ja-JP" altLang="en-US" smtClean="0"/>
-              <a:t>2019/5/4</a:t>
+              <a:t>2019/5/7</a:t>
             </a:fld>
             <a:endParaRPr kumimoji="1" lang="ja-JP" altLang="en-US"/>
           </a:p>
@@ -5774,7 +5866,7 @@
           <a:p>
             <a:fld id="{2F2A3BAA-AE56-4B39-BB85-0AC61BE7E721}" type="datetimeFigureOut">
               <a:rPr kumimoji="1" lang="ja-JP" altLang="en-US" smtClean="0"/>
-              <a:t>2019/5/4</a:t>
+              <a:t>2019/5/7</a:t>
             </a:fld>
             <a:endParaRPr kumimoji="1" lang="ja-JP" altLang="en-US"/>
           </a:p>
@@ -7842,561 +7934,6 @@
           <a:chExt cx="0" cy="0"/>
         </a:xfrm>
       </p:grpSpPr>
-      <p:pic>
-        <p:nvPicPr>
-          <p:cNvPr id="6" name="図 5">
-            <a:extLst>
-              <a:ext uri="{FF2B5EF4-FFF2-40B4-BE49-F238E27FC236}">
-                <a16:creationId xmlns:a16="http://schemas.microsoft.com/office/drawing/2014/main" id="{EBD14847-38B9-4119-AB0B-86F4FE2C1910}"/>
-              </a:ext>
-            </a:extLst>
-          </p:cNvPr>
-          <p:cNvPicPr>
-            <a:picLocks noChangeAspect="1"/>
-          </p:cNvPicPr>
-          <p:nvPr/>
-        </p:nvPicPr>
-        <p:blipFill rotWithShape="1">
-          <a:blip r:embed="rId2">
-            <a:extLst>
-              <a:ext uri="{28A0092B-C50C-407E-A947-70E740481C1C}">
-                <a14:useLocalDpi xmlns:a14="http://schemas.microsoft.com/office/drawing/2010/main" val="0"/>
-              </a:ext>
-            </a:extLst>
-          </a:blip>
-          <a:srcRect t="3863" b="3832"/>
-          <a:stretch/>
-        </p:blipFill>
-        <p:spPr>
-          <a:xfrm>
-            <a:off x="714201" y="2746155"/>
-            <a:ext cx="7879815" cy="3682354"/>
-          </a:xfrm>
-          <a:prstGeom prst="rect">
-            <a:avLst/>
-          </a:prstGeom>
-        </p:spPr>
-      </p:pic>
-      <p:sp>
-        <p:nvSpPr>
-          <p:cNvPr id="2" name="タイトル 1">
-            <a:extLst>
-              <a:ext uri="{FF2B5EF4-FFF2-40B4-BE49-F238E27FC236}">
-                <a16:creationId xmlns:a16="http://schemas.microsoft.com/office/drawing/2014/main" id="{4E5E1896-14F4-4223-B7AB-CA2BC7F75E9F}"/>
-              </a:ext>
-            </a:extLst>
-          </p:cNvPr>
-          <p:cNvSpPr>
-            <a:spLocks noGrp="1"/>
-          </p:cNvSpPr>
-          <p:nvPr>
-            <p:ph type="title"/>
-          </p:nvPr>
-        </p:nvSpPr>
-        <p:spPr/>
-        <p:txBody>
-          <a:bodyPr/>
-          <a:lstStyle/>
-          <a:p>
-            <a:r>
-              <a:rPr kumimoji="1" lang="ja-JP" altLang="en-US" dirty="0"/>
-              <a:t>障害検知（</a:t>
-            </a:r>
-            <a:r>
-              <a:rPr kumimoji="1" lang="en-US" altLang="ja-JP" dirty="0"/>
-              <a:t>5</a:t>
-            </a:r>
-            <a:r>
-              <a:rPr kumimoji="1" lang="ja-JP" altLang="en-US" dirty="0"/>
-              <a:t>）</a:t>
-            </a:r>
-          </a:p>
-        </p:txBody>
-      </p:sp>
-      <p:sp>
-        <p:nvSpPr>
-          <p:cNvPr id="3" name="コンテンツ プレースホルダー 2">
-            <a:extLst>
-              <a:ext uri="{FF2B5EF4-FFF2-40B4-BE49-F238E27FC236}">
-                <a16:creationId xmlns:a16="http://schemas.microsoft.com/office/drawing/2014/main" id="{5E3906CF-A294-479D-9A0D-77EB7A6E43D6}"/>
-              </a:ext>
-            </a:extLst>
-          </p:cNvPr>
-          <p:cNvSpPr>
-            <a:spLocks noGrp="1"/>
-          </p:cNvSpPr>
-          <p:nvPr>
-            <p:ph idx="1"/>
-          </p:nvPr>
-        </p:nvSpPr>
-        <p:spPr/>
-        <p:txBody>
-          <a:bodyPr/>
-          <a:lstStyle/>
-          <a:p>
-            <a:pPr>
-              <a:buFont typeface="Wingdings" panose="05000000000000000000" pitchFamily="2" charset="2"/>
-              <a:buChar char="l"/>
-            </a:pPr>
-            <a:r>
-              <a:rPr kumimoji="1" lang="en-US" altLang="ja-JP" dirty="0"/>
-              <a:t>Zabbix</a:t>
-            </a:r>
-            <a:r>
-              <a:rPr kumimoji="1" lang="ja-JP" altLang="en-US" dirty="0"/>
-              <a:t>サーバと</a:t>
-            </a:r>
-            <a:r>
-              <a:rPr kumimoji="1" lang="en-US" altLang="ja-JP" dirty="0" err="1"/>
-              <a:t>Zabbbix</a:t>
-            </a:r>
-            <a:r>
-              <a:rPr kumimoji="1" lang="ja-JP" altLang="en-US" dirty="0"/>
-              <a:t>エージェント間で死活監視を行う</a:t>
-            </a:r>
-            <a:endParaRPr kumimoji="1" lang="en-US" altLang="ja-JP" dirty="0"/>
-          </a:p>
-          <a:p>
-            <a:pPr lvl="1">
-              <a:buFont typeface="Wingdings" panose="05000000000000000000" pitchFamily="2" charset="2"/>
-              <a:buChar char="l"/>
-            </a:pPr>
-            <a:r>
-              <a:rPr lang="ja-JP" altLang="en-US" dirty="0"/>
-              <a:t>一定期間</a:t>
-            </a:r>
-            <a:r>
-              <a:rPr lang="en-US" altLang="ja-JP" dirty="0"/>
-              <a:t>Zabbix</a:t>
-            </a:r>
-            <a:r>
-              <a:rPr lang="ja-JP" altLang="en-US" dirty="0"/>
-              <a:t>エージェントから応答がない場合，ホストに障害が発生していると判断</a:t>
-            </a:r>
-            <a:endParaRPr lang="en-US" altLang="ja-JP" dirty="0"/>
-          </a:p>
-        </p:txBody>
-      </p:sp>
-    </p:spTree>
-    <p:extLst>
-      <p:ext uri="{BB962C8B-B14F-4D97-AF65-F5344CB8AC3E}">
-        <p14:creationId xmlns:p14="http://schemas.microsoft.com/office/powerpoint/2010/main" val="204814852"/>
-      </p:ext>
-    </p:extLst>
-  </p:cSld>
-  <p:clrMapOvr>
-    <a:masterClrMapping/>
-  </p:clrMapOvr>
-</p:sld>
-</file>
-
-<file path=ppt/slides/slide19.xml><?xml version="1.0" encoding="utf-8"?>
-<p:sld xmlns:a="http://schemas.openxmlformats.org/drawingml/2006/main" xmlns:r="http://schemas.openxmlformats.org/officeDocument/2006/relationships" xmlns:p="http://schemas.openxmlformats.org/presentationml/2006/main">
-  <p:cSld>
-    <p:spTree>
-      <p:nvGrpSpPr>
-        <p:cNvPr id="1" name=""/>
-        <p:cNvGrpSpPr/>
-        <p:nvPr/>
-      </p:nvGrpSpPr>
-      <p:grpSpPr>
-        <a:xfrm>
-          <a:off x="0" y="0"/>
-          <a:ext cx="0" cy="0"/>
-          <a:chOff x="0" y="0"/>
-          <a:chExt cx="0" cy="0"/>
-        </a:xfrm>
-      </p:grpSpPr>
-      <p:sp>
-        <p:nvSpPr>
-          <p:cNvPr id="2" name="タイトル 1">
-            <a:extLst>
-              <a:ext uri="{FF2B5EF4-FFF2-40B4-BE49-F238E27FC236}">
-                <a16:creationId xmlns:a16="http://schemas.microsoft.com/office/drawing/2014/main" id="{0BBE482C-D599-4F6B-96DB-900945280BA2}"/>
-              </a:ext>
-            </a:extLst>
-          </p:cNvPr>
-          <p:cNvSpPr>
-            <a:spLocks noGrp="1"/>
-          </p:cNvSpPr>
-          <p:nvPr>
-            <p:ph type="title"/>
-          </p:nvPr>
-        </p:nvSpPr>
-        <p:spPr/>
-        <p:txBody>
-          <a:bodyPr/>
-          <a:lstStyle/>
-          <a:p>
-            <a:r>
-              <a:rPr kumimoji="1" lang="ja-JP" altLang="en-US" dirty="0"/>
-              <a:t>障害検知（</a:t>
-            </a:r>
-            <a:r>
-              <a:rPr kumimoji="1" lang="en-US" altLang="ja-JP" dirty="0"/>
-              <a:t>6</a:t>
-            </a:r>
-            <a:r>
-              <a:rPr kumimoji="1" lang="ja-JP" altLang="en-US" dirty="0"/>
-              <a:t>）</a:t>
-            </a:r>
-          </a:p>
-        </p:txBody>
-      </p:sp>
-      <p:sp>
-        <p:nvSpPr>
-          <p:cNvPr id="3" name="コンテンツ プレースホルダー 2">
-            <a:extLst>
-              <a:ext uri="{FF2B5EF4-FFF2-40B4-BE49-F238E27FC236}">
-                <a16:creationId xmlns:a16="http://schemas.microsoft.com/office/drawing/2014/main" id="{BE7CBCCB-0916-4514-B473-A6456C0221C7}"/>
-              </a:ext>
-            </a:extLst>
-          </p:cNvPr>
-          <p:cNvSpPr>
-            <a:spLocks noGrp="1"/>
-          </p:cNvSpPr>
-          <p:nvPr>
-            <p:ph idx="1"/>
-          </p:nvPr>
-        </p:nvSpPr>
-        <p:spPr/>
-        <p:txBody>
-          <a:bodyPr/>
-          <a:lstStyle/>
-          <a:p>
-            <a:pPr lvl="1">
-              <a:buFont typeface="Wingdings" panose="05000000000000000000" pitchFamily="2" charset="2"/>
-              <a:buChar char="l"/>
-            </a:pPr>
-            <a:r>
-              <a:rPr lang="ja-JP" altLang="en-US" dirty="0"/>
-              <a:t>特定のクラウド内の</a:t>
-            </a:r>
-            <a:r>
-              <a:rPr lang="en-US" altLang="ja-JP" dirty="0"/>
-              <a:t>Zabbix</a:t>
-            </a:r>
-            <a:r>
-              <a:rPr lang="ja-JP" altLang="en-US" dirty="0"/>
-              <a:t>エージェントからの応答がない場合，クラウドに障害が発生していると判断</a:t>
-            </a:r>
-          </a:p>
-          <a:p>
-            <a:pPr lvl="1">
-              <a:buFont typeface="Wingdings" panose="05000000000000000000" pitchFamily="2" charset="2"/>
-              <a:buChar char="l"/>
-            </a:pPr>
-            <a:endParaRPr kumimoji="1" lang="ja-JP" altLang="en-US" dirty="0"/>
-          </a:p>
-        </p:txBody>
-      </p:sp>
-      <p:pic>
-        <p:nvPicPr>
-          <p:cNvPr id="4" name="図 3">
-            <a:extLst>
-              <a:ext uri="{FF2B5EF4-FFF2-40B4-BE49-F238E27FC236}">
-                <a16:creationId xmlns:a16="http://schemas.microsoft.com/office/drawing/2014/main" id="{203A3F29-68D1-467E-8992-B3715225B1DD}"/>
-              </a:ext>
-            </a:extLst>
-          </p:cNvPr>
-          <p:cNvPicPr>
-            <a:picLocks noChangeAspect="1"/>
-          </p:cNvPicPr>
-          <p:nvPr/>
-        </p:nvPicPr>
-        <p:blipFill>
-          <a:blip r:embed="rId2">
-            <a:extLst>
-              <a:ext uri="{28A0092B-C50C-407E-A947-70E740481C1C}">
-                <a14:useLocalDpi xmlns:a14="http://schemas.microsoft.com/office/drawing/2010/main" val="0"/>
-              </a:ext>
-            </a:extLst>
-          </a:blip>
-          <a:stretch>
-            <a:fillRect/>
-          </a:stretch>
-        </p:blipFill>
-        <p:spPr>
-          <a:xfrm>
-            <a:off x="228600" y="2779626"/>
-            <a:ext cx="8686800" cy="3432345"/>
-          </a:xfrm>
-          <a:prstGeom prst="rect">
-            <a:avLst/>
-          </a:prstGeom>
-        </p:spPr>
-      </p:pic>
-    </p:spTree>
-    <p:extLst>
-      <p:ext uri="{BB962C8B-B14F-4D97-AF65-F5344CB8AC3E}">
-        <p14:creationId xmlns:p14="http://schemas.microsoft.com/office/powerpoint/2010/main" val="2664875199"/>
-      </p:ext>
-    </p:extLst>
-  </p:cSld>
-  <p:clrMapOvr>
-    <a:masterClrMapping/>
-  </p:clrMapOvr>
-</p:sld>
-</file>
-
-<file path=ppt/slides/slide2.xml><?xml version="1.0" encoding="utf-8"?>
-<p:sld xmlns:a="http://schemas.openxmlformats.org/drawingml/2006/main" xmlns:r="http://schemas.openxmlformats.org/officeDocument/2006/relationships" xmlns:p="http://schemas.openxmlformats.org/presentationml/2006/main">
-  <p:cSld>
-    <p:spTree>
-      <p:nvGrpSpPr>
-        <p:cNvPr id="1" name=""/>
-        <p:cNvGrpSpPr/>
-        <p:nvPr/>
-      </p:nvGrpSpPr>
-      <p:grpSpPr>
-        <a:xfrm>
-          <a:off x="0" y="0"/>
-          <a:ext cx="0" cy="0"/>
-          <a:chOff x="0" y="0"/>
-          <a:chExt cx="0" cy="0"/>
-        </a:xfrm>
-      </p:grpSpPr>
-      <p:sp>
-        <p:nvSpPr>
-          <p:cNvPr id="2" name="タイトル 1">
-            <a:extLst>
-              <a:ext uri="{FF2B5EF4-FFF2-40B4-BE49-F238E27FC236}">
-                <a16:creationId xmlns:a16="http://schemas.microsoft.com/office/drawing/2014/main" id="{E090CC0A-60AA-480A-A3FC-911CB5AB107B}"/>
-              </a:ext>
-            </a:extLst>
-          </p:cNvPr>
-          <p:cNvSpPr>
-            <a:spLocks noGrp="1"/>
-          </p:cNvSpPr>
-          <p:nvPr>
-            <p:ph type="title"/>
-          </p:nvPr>
-        </p:nvSpPr>
-        <p:spPr/>
-        <p:txBody>
-          <a:bodyPr/>
-          <a:lstStyle/>
-          <a:p>
-            <a:r>
-              <a:rPr kumimoji="1" lang="ja-JP" altLang="en-US" dirty="0"/>
-              <a:t>文献情報</a:t>
-            </a:r>
-          </a:p>
-        </p:txBody>
-      </p:sp>
-      <p:sp>
-        <p:nvSpPr>
-          <p:cNvPr id="3" name="コンテンツ プレースホルダー 2">
-            <a:extLst>
-              <a:ext uri="{FF2B5EF4-FFF2-40B4-BE49-F238E27FC236}">
-                <a16:creationId xmlns:a16="http://schemas.microsoft.com/office/drawing/2014/main" id="{ED510300-76D6-47D5-99CA-7ED2870C3388}"/>
-              </a:ext>
-            </a:extLst>
-          </p:cNvPr>
-          <p:cNvSpPr>
-            <a:spLocks noGrp="1"/>
-          </p:cNvSpPr>
-          <p:nvPr>
-            <p:ph idx="1"/>
-          </p:nvPr>
-        </p:nvSpPr>
-        <p:spPr>
-          <a:xfrm>
-            <a:off x="822960" y="2241551"/>
-            <a:ext cx="7543800" cy="3017520"/>
-          </a:xfrm>
-        </p:spPr>
-        <p:txBody>
-          <a:bodyPr/>
-          <a:lstStyle/>
-          <a:p>
-            <a:pPr>
-              <a:tabLst>
-                <a:tab pos="870347" algn="l"/>
-              </a:tabLst>
-            </a:pPr>
-            <a:r>
-              <a:rPr kumimoji="1" lang="ja-JP" altLang="en-US" sz="2100" dirty="0"/>
-              <a:t>論文名：</a:t>
-            </a:r>
-            <a:r>
-              <a:rPr lang="ja-JP" altLang="en-US" sz="2100" dirty="0"/>
-              <a:t>クラウドにおける</a:t>
-            </a:r>
-            <a:r>
-              <a:rPr lang="en-US" altLang="ja-JP" sz="2100" dirty="0"/>
-              <a:t>VM</a:t>
-            </a:r>
-            <a:r>
-              <a:rPr lang="ja-JP" altLang="en-US" sz="2100" dirty="0"/>
-              <a:t>内コンテナを用いた低コストで迅速な自動障害復旧</a:t>
-            </a:r>
-            <a:endParaRPr lang="en-US" altLang="ja-JP" sz="2100" dirty="0"/>
-          </a:p>
-          <a:p>
-            <a:r>
-              <a:rPr lang="ja-JP" altLang="en-US" sz="2100" dirty="0"/>
-              <a:t>出典：</a:t>
-            </a:r>
-            <a:r>
-              <a:rPr lang="ja-JP" altLang="en-US" dirty="0"/>
-              <a:t>研究報告システムソフトウェアとオペレーティング・システム（</a:t>
-            </a:r>
-            <a:r>
-              <a:rPr lang="en-US" altLang="ja-JP" dirty="0"/>
-              <a:t>OS</a:t>
-            </a:r>
-            <a:r>
-              <a:rPr lang="ja-JP" altLang="en-US" dirty="0"/>
-              <a:t>）</a:t>
-            </a:r>
-            <a:r>
-              <a:rPr lang="en-US" altLang="ja-JP" dirty="0"/>
-              <a:t>, 2018-OS-142,8,pp.1 - 8</a:t>
-            </a:r>
-            <a:endParaRPr lang="en-US" altLang="ja-JP" sz="2100" dirty="0"/>
-          </a:p>
-          <a:p>
-            <a:r>
-              <a:rPr kumimoji="1" lang="ja-JP" altLang="en-US" sz="2100" dirty="0"/>
-              <a:t>発行日：</a:t>
-            </a:r>
-            <a:r>
-              <a:rPr kumimoji="1" lang="en-US" altLang="ja-JP" sz="2100" dirty="0"/>
-              <a:t>2018</a:t>
-            </a:r>
-            <a:r>
-              <a:rPr kumimoji="1" lang="ja-JP" altLang="en-US" sz="2100" dirty="0"/>
-              <a:t>年</a:t>
-            </a:r>
-            <a:r>
-              <a:rPr kumimoji="1" lang="en-US" altLang="ja-JP" sz="2100" dirty="0"/>
-              <a:t>2</a:t>
-            </a:r>
-            <a:r>
-              <a:rPr kumimoji="1" lang="ja-JP" altLang="en-US" sz="2100" dirty="0"/>
-              <a:t>月</a:t>
-            </a:r>
-            <a:r>
-              <a:rPr kumimoji="1" lang="en-US" altLang="ja-JP" sz="2100" dirty="0"/>
-              <a:t>28</a:t>
-            </a:r>
-            <a:r>
-              <a:rPr kumimoji="1" lang="ja-JP" altLang="en-US" sz="2100" dirty="0"/>
-              <a:t>日</a:t>
-            </a:r>
-            <a:endParaRPr kumimoji="1" lang="en-US" altLang="ja-JP" sz="2100" dirty="0"/>
-          </a:p>
-          <a:p>
-            <a:r>
-              <a:rPr lang="ja-JP" altLang="en-US" sz="2100" dirty="0"/>
-              <a:t>著者：森川　智紀</a:t>
-            </a:r>
-            <a:r>
-              <a:rPr lang="en-US" altLang="ja-JP" sz="2100" dirty="0"/>
-              <a:t>†</a:t>
-            </a:r>
-            <a:r>
-              <a:rPr lang="ja-JP" altLang="en-US" sz="2100" dirty="0" err="1"/>
-              <a:t>，</a:t>
-            </a:r>
-            <a:r>
-              <a:rPr lang="ja-JP" altLang="en-US" sz="2100" dirty="0"/>
-              <a:t>光来　健一</a:t>
-            </a:r>
-            <a:r>
-              <a:rPr lang="en-US" altLang="ja-JP" sz="2100" dirty="0"/>
-              <a:t>†</a:t>
-            </a:r>
-            <a:endParaRPr kumimoji="1" lang="en-US" altLang="ja-JP" sz="2100" dirty="0"/>
-          </a:p>
-          <a:p>
-            <a:endParaRPr kumimoji="1" lang="ja-JP" altLang="en-US" dirty="0"/>
-          </a:p>
-        </p:txBody>
-      </p:sp>
-      <p:sp>
-        <p:nvSpPr>
-          <p:cNvPr id="4" name="フッター プレースホルダー 3">
-            <a:extLst>
-              <a:ext uri="{FF2B5EF4-FFF2-40B4-BE49-F238E27FC236}">
-                <a16:creationId xmlns:a16="http://schemas.microsoft.com/office/drawing/2014/main" id="{71CE009B-B5EB-4D78-8573-8EB0A26ACE68}"/>
-              </a:ext>
-            </a:extLst>
-          </p:cNvPr>
-          <p:cNvSpPr>
-            <a:spLocks noGrp="1"/>
-          </p:cNvSpPr>
-          <p:nvPr>
-            <p:ph type="ftr" sz="quarter" idx="11"/>
-          </p:nvPr>
-        </p:nvSpPr>
-        <p:spPr>
-          <a:xfrm>
-            <a:off x="1412097" y="4630986"/>
-            <a:ext cx="3617103" cy="365125"/>
-          </a:xfrm>
-        </p:spPr>
-        <p:txBody>
-          <a:bodyPr/>
-          <a:lstStyle/>
-          <a:p>
-            <a:pPr algn="l"/>
-            <a:r>
-              <a:rPr kumimoji="1" lang="en-US" altLang="ja-JP" sz="2000" dirty="0">
-                <a:solidFill>
-                  <a:schemeClr val="tx1">
-                    <a:lumMod val="75000"/>
-                    <a:lumOff val="25000"/>
-                  </a:schemeClr>
-                </a:solidFill>
-              </a:rPr>
-              <a:t>†</a:t>
-            </a:r>
-            <a:r>
-              <a:rPr kumimoji="1" lang="ja-JP" altLang="en-US" sz="2000" dirty="0">
-                <a:solidFill>
-                  <a:schemeClr val="tx1">
-                    <a:lumMod val="75000"/>
-                    <a:lumOff val="25000"/>
-                  </a:schemeClr>
-                </a:solidFill>
-              </a:rPr>
-              <a:t>九州工業大学</a:t>
-            </a:r>
-          </a:p>
-        </p:txBody>
-      </p:sp>
-    </p:spTree>
-    <p:extLst>
-      <p:ext uri="{BB962C8B-B14F-4D97-AF65-F5344CB8AC3E}">
-        <p14:creationId xmlns:p14="http://schemas.microsoft.com/office/powerpoint/2010/main" val="548733701"/>
-      </p:ext>
-    </p:extLst>
-  </p:cSld>
-  <p:clrMapOvr>
-    <a:masterClrMapping/>
-  </p:clrMapOvr>
-</p:sld>
-</file>
-
-<file path=ppt/slides/slide20.xml><?xml version="1.0" encoding="utf-8"?>
-<p:sld xmlns:a="http://schemas.openxmlformats.org/drawingml/2006/main" xmlns:r="http://schemas.openxmlformats.org/officeDocument/2006/relationships" xmlns:p="http://schemas.openxmlformats.org/presentationml/2006/main">
-  <p:cSld>
-    <p:spTree>
-      <p:nvGrpSpPr>
-        <p:cNvPr id="1" name=""/>
-        <p:cNvGrpSpPr/>
-        <p:nvPr/>
-      </p:nvGrpSpPr>
-      <p:grpSpPr>
-        <a:xfrm>
-          <a:off x="0" y="0"/>
-          <a:ext cx="0" cy="0"/>
-          <a:chOff x="0" y="0"/>
-          <a:chExt cx="0" cy="0"/>
-        </a:xfrm>
-      </p:grpSpPr>
       <p:sp>
         <p:nvSpPr>
           <p:cNvPr id="2" name="タイトル 1">
@@ -8547,7 +8084,7 @@
 </p:sld>
 </file>
 
-<file path=ppt/slides/slide21.xml><?xml version="1.0" encoding="utf-8"?>
+<file path=ppt/slides/slide19.xml><?xml version="1.0" encoding="utf-8"?>
 <p:sld xmlns:a="http://schemas.openxmlformats.org/drawingml/2006/main" xmlns:r="http://schemas.openxmlformats.org/officeDocument/2006/relationships" xmlns:p="http://schemas.openxmlformats.org/presentationml/2006/main">
   <p:cSld>
     <p:spTree>
@@ -8716,7 +8253,7 @@
 </p:sld>
 </file>
 
-<file path=ppt/slides/slide22.xml><?xml version="1.0" encoding="utf-8"?>
+<file path=ppt/slides/slide2.xml><?xml version="1.0" encoding="utf-8"?>
 <p:sld xmlns:a="http://schemas.openxmlformats.org/drawingml/2006/main" xmlns:r="http://schemas.openxmlformats.org/officeDocument/2006/relationships" xmlns:p="http://schemas.openxmlformats.org/presentationml/2006/main">
   <p:cSld>
     <p:spTree>
@@ -8735,6 +8272,247 @@
       </p:grpSpPr>
       <p:sp>
         <p:nvSpPr>
+          <p:cNvPr id="2" name="タイトル 1">
+            <a:extLst>
+              <a:ext uri="{FF2B5EF4-FFF2-40B4-BE49-F238E27FC236}">
+                <a16:creationId xmlns:a16="http://schemas.microsoft.com/office/drawing/2014/main" id="{E090CC0A-60AA-480A-A3FC-911CB5AB107B}"/>
+              </a:ext>
+            </a:extLst>
+          </p:cNvPr>
+          <p:cNvSpPr>
+            <a:spLocks noGrp="1"/>
+          </p:cNvSpPr>
+          <p:nvPr>
+            <p:ph type="title"/>
+          </p:nvPr>
+        </p:nvSpPr>
+        <p:spPr/>
+        <p:txBody>
+          <a:bodyPr/>
+          <a:lstStyle/>
+          <a:p>
+            <a:r>
+              <a:rPr kumimoji="1" lang="ja-JP" altLang="en-US" dirty="0"/>
+              <a:t>文献情報</a:t>
+            </a:r>
+          </a:p>
+        </p:txBody>
+      </p:sp>
+      <p:sp>
+        <p:nvSpPr>
+          <p:cNvPr id="3" name="コンテンツ プレースホルダー 2">
+            <a:extLst>
+              <a:ext uri="{FF2B5EF4-FFF2-40B4-BE49-F238E27FC236}">
+                <a16:creationId xmlns:a16="http://schemas.microsoft.com/office/drawing/2014/main" id="{ED510300-76D6-47D5-99CA-7ED2870C3388}"/>
+              </a:ext>
+            </a:extLst>
+          </p:cNvPr>
+          <p:cNvSpPr>
+            <a:spLocks noGrp="1"/>
+          </p:cNvSpPr>
+          <p:nvPr>
+            <p:ph idx="1"/>
+          </p:nvPr>
+        </p:nvSpPr>
+        <p:spPr>
+          <a:xfrm>
+            <a:off x="822960" y="2241551"/>
+            <a:ext cx="7543800" cy="3017520"/>
+          </a:xfrm>
+        </p:spPr>
+        <p:txBody>
+          <a:bodyPr/>
+          <a:lstStyle/>
+          <a:p>
+            <a:pPr>
+              <a:tabLst>
+                <a:tab pos="870347" algn="l"/>
+              </a:tabLst>
+            </a:pPr>
+            <a:r>
+              <a:rPr kumimoji="1" lang="ja-JP" altLang="en-US" sz="2100" dirty="0"/>
+              <a:t>論文名：</a:t>
+            </a:r>
+            <a:r>
+              <a:rPr lang="ja-JP" altLang="en-US" sz="2100" dirty="0"/>
+              <a:t>クラウドにおける</a:t>
+            </a:r>
+            <a:r>
+              <a:rPr lang="en-US" altLang="ja-JP" sz="2100" dirty="0"/>
+              <a:t>VM</a:t>
+            </a:r>
+            <a:r>
+              <a:rPr lang="ja-JP" altLang="en-US" sz="2100" dirty="0"/>
+              <a:t>内コンテナを用いた低コストで迅速な自動障害復旧</a:t>
+            </a:r>
+            <a:endParaRPr lang="en-US" altLang="ja-JP" sz="2100" dirty="0"/>
+          </a:p>
+          <a:p>
+            <a:r>
+              <a:rPr lang="ja-JP" altLang="en-US" sz="2100" dirty="0"/>
+              <a:t>出典：</a:t>
+            </a:r>
+            <a:r>
+              <a:rPr lang="ja-JP" altLang="en-US" dirty="0"/>
+              <a:t>研究報告システムソフトウェアとオペレーティング・システム（</a:t>
+            </a:r>
+            <a:r>
+              <a:rPr lang="en-US" altLang="ja-JP" dirty="0"/>
+              <a:t>OS</a:t>
+            </a:r>
+            <a:r>
+              <a:rPr lang="ja-JP" altLang="en-US" dirty="0"/>
+              <a:t>）</a:t>
+            </a:r>
+            <a:r>
+              <a:rPr lang="en-US" altLang="ja-JP" dirty="0"/>
+              <a:t>, 2018-OS-142,8,pp.1 - 8</a:t>
+            </a:r>
+            <a:endParaRPr lang="en-US" altLang="ja-JP" sz="2100" dirty="0"/>
+          </a:p>
+          <a:p>
+            <a:r>
+              <a:rPr kumimoji="1" lang="ja-JP" altLang="en-US" sz="2100" dirty="0"/>
+              <a:t>発行日：</a:t>
+            </a:r>
+            <a:r>
+              <a:rPr kumimoji="1" lang="en-US" altLang="ja-JP" sz="2100" dirty="0"/>
+              <a:t>2018</a:t>
+            </a:r>
+            <a:r>
+              <a:rPr kumimoji="1" lang="ja-JP" altLang="en-US" sz="2100" dirty="0"/>
+              <a:t>年</a:t>
+            </a:r>
+            <a:r>
+              <a:rPr kumimoji="1" lang="en-US" altLang="ja-JP" sz="2100" dirty="0"/>
+              <a:t>2</a:t>
+            </a:r>
+            <a:r>
+              <a:rPr kumimoji="1" lang="ja-JP" altLang="en-US" sz="2100" dirty="0"/>
+              <a:t>月</a:t>
+            </a:r>
+            <a:r>
+              <a:rPr kumimoji="1" lang="en-US" altLang="ja-JP" sz="2100" dirty="0"/>
+              <a:t>28</a:t>
+            </a:r>
+            <a:r>
+              <a:rPr kumimoji="1" lang="ja-JP" altLang="en-US" sz="2100" dirty="0"/>
+              <a:t>日</a:t>
+            </a:r>
+            <a:endParaRPr kumimoji="1" lang="en-US" altLang="ja-JP" sz="2100" dirty="0"/>
+          </a:p>
+          <a:p>
+            <a:r>
+              <a:rPr lang="ja-JP" altLang="en-US" sz="2100" dirty="0"/>
+              <a:t>著者：森川　智紀</a:t>
+            </a:r>
+            <a:r>
+              <a:rPr lang="en-US" altLang="ja-JP" sz="2100" dirty="0"/>
+              <a:t>†</a:t>
+            </a:r>
+            <a:r>
+              <a:rPr lang="ja-JP" altLang="en-US" sz="2100" dirty="0" err="1"/>
+              <a:t>，</a:t>
+            </a:r>
+            <a:r>
+              <a:rPr lang="ja-JP" altLang="en-US" sz="2100" dirty="0"/>
+              <a:t>光来　健一</a:t>
+            </a:r>
+            <a:r>
+              <a:rPr lang="en-US" altLang="ja-JP" sz="2100" dirty="0"/>
+              <a:t>†</a:t>
+            </a:r>
+            <a:endParaRPr kumimoji="1" lang="en-US" altLang="ja-JP" sz="2100" dirty="0"/>
+          </a:p>
+          <a:p>
+            <a:endParaRPr kumimoji="1" lang="ja-JP" altLang="en-US" dirty="0"/>
+          </a:p>
+        </p:txBody>
+      </p:sp>
+      <p:sp>
+        <p:nvSpPr>
+          <p:cNvPr id="4" name="フッター プレースホルダー 3">
+            <a:extLst>
+              <a:ext uri="{FF2B5EF4-FFF2-40B4-BE49-F238E27FC236}">
+                <a16:creationId xmlns:a16="http://schemas.microsoft.com/office/drawing/2014/main" id="{71CE009B-B5EB-4D78-8573-8EB0A26ACE68}"/>
+              </a:ext>
+            </a:extLst>
+          </p:cNvPr>
+          <p:cNvSpPr>
+            <a:spLocks noGrp="1"/>
+          </p:cNvSpPr>
+          <p:nvPr>
+            <p:ph type="ftr" sz="quarter" idx="11"/>
+          </p:nvPr>
+        </p:nvSpPr>
+        <p:spPr>
+          <a:xfrm>
+            <a:off x="1412097" y="4630986"/>
+            <a:ext cx="3617103" cy="365125"/>
+          </a:xfrm>
+        </p:spPr>
+        <p:txBody>
+          <a:bodyPr/>
+          <a:lstStyle/>
+          <a:p>
+            <a:pPr algn="l"/>
+            <a:r>
+              <a:rPr kumimoji="1" lang="en-US" altLang="ja-JP" sz="2000" dirty="0">
+                <a:solidFill>
+                  <a:schemeClr val="tx1">
+                    <a:lumMod val="75000"/>
+                    <a:lumOff val="25000"/>
+                  </a:schemeClr>
+                </a:solidFill>
+              </a:rPr>
+              <a:t>†</a:t>
+            </a:r>
+            <a:r>
+              <a:rPr kumimoji="1" lang="ja-JP" altLang="en-US" sz="2000" dirty="0">
+                <a:solidFill>
+                  <a:schemeClr val="tx1">
+                    <a:lumMod val="75000"/>
+                    <a:lumOff val="25000"/>
+                  </a:schemeClr>
+                </a:solidFill>
+              </a:rPr>
+              <a:t>九州工業大学</a:t>
+            </a:r>
+          </a:p>
+        </p:txBody>
+      </p:sp>
+    </p:spTree>
+    <p:extLst>
+      <p:ext uri="{BB962C8B-B14F-4D97-AF65-F5344CB8AC3E}">
+        <p14:creationId xmlns:p14="http://schemas.microsoft.com/office/powerpoint/2010/main" val="548733701"/>
+      </p:ext>
+    </p:extLst>
+  </p:cSld>
+  <p:clrMapOvr>
+    <a:masterClrMapping/>
+  </p:clrMapOvr>
+</p:sld>
+</file>
+
+<file path=ppt/slides/slide20.xml><?xml version="1.0" encoding="utf-8"?>
+<p:sld xmlns:a="http://schemas.openxmlformats.org/drawingml/2006/main" xmlns:r="http://schemas.openxmlformats.org/officeDocument/2006/relationships" xmlns:p="http://schemas.openxmlformats.org/presentationml/2006/main">
+  <p:cSld>
+    <p:spTree>
+      <p:nvGrpSpPr>
+        <p:cNvPr id="1" name=""/>
+        <p:cNvGrpSpPr/>
+        <p:nvPr/>
+      </p:nvGrpSpPr>
+      <p:grpSpPr>
+        <a:xfrm>
+          <a:off x="0" y="0"/>
+          <a:ext cx="0" cy="0"/>
+          <a:chOff x="0" y="0"/>
+          <a:chExt cx="0" cy="0"/>
+        </a:xfrm>
+      </p:grpSpPr>
+      <p:sp>
+        <p:nvSpPr>
           <p:cNvPr id="7" name="タイトル 6">
             <a:extLst>
               <a:ext uri="{FF2B5EF4-FFF2-40B4-BE49-F238E27FC236}">
@@ -8979,7 +8757,7 @@
 </p:sld>
 </file>
 
-<file path=ppt/slides/slide23.xml><?xml version="1.0" encoding="utf-8"?>
+<file path=ppt/slides/slide21.xml><?xml version="1.0" encoding="utf-8"?>
 <p:sld xmlns:a="http://schemas.openxmlformats.org/drawingml/2006/main" xmlns:r="http://schemas.openxmlformats.org/officeDocument/2006/relationships" xmlns:p="http://schemas.openxmlformats.org/presentationml/2006/main">
   <p:cSld>
     <p:spTree>
@@ -9739,7 +9517,7 @@
 </p:sld>
 </file>
 
-<file path=ppt/slides/slide24.xml><?xml version="1.0" encoding="utf-8"?>
+<file path=ppt/slides/slide22.xml><?xml version="1.0" encoding="utf-8"?>
 <p:sld xmlns:a="http://schemas.openxmlformats.org/drawingml/2006/main" xmlns:r="http://schemas.openxmlformats.org/officeDocument/2006/relationships" xmlns:p="http://schemas.openxmlformats.org/presentationml/2006/main">
   <p:cSld>
     <p:spTree>
@@ -10144,7 +9922,7 @@
 </p:sld>
 </file>
 
-<file path=ppt/slides/slide25.xml><?xml version="1.0" encoding="utf-8"?>
+<file path=ppt/slides/slide23.xml><?xml version="1.0" encoding="utf-8"?>
 <p:sld xmlns:a="http://schemas.openxmlformats.org/drawingml/2006/main" xmlns:r="http://schemas.openxmlformats.org/officeDocument/2006/relationships" xmlns:p="http://schemas.openxmlformats.org/presentationml/2006/main">
   <p:cSld>
     <p:spTree>
@@ -10294,7 +10072,7 @@
 </p:sld>
 </file>
 
-<file path=ppt/slides/slide26.xml><?xml version="1.0" encoding="utf-8"?>
+<file path=ppt/slides/slide24.xml><?xml version="1.0" encoding="utf-8"?>
 <p:sld xmlns:a="http://schemas.openxmlformats.org/drawingml/2006/main" xmlns:r="http://schemas.openxmlformats.org/officeDocument/2006/relationships" xmlns:p="http://schemas.openxmlformats.org/presentationml/2006/main">
   <p:cSld>
     <p:spTree>
@@ -10425,15 +10203,7 @@
             </a:r>
             <a:r>
               <a:rPr lang="ja-JP" altLang="en-US" dirty="0"/>
-              <a:t>を利用することで年間約</a:t>
-            </a:r>
-            <a:r>
-              <a:rPr lang="en-US" altLang="ja-JP" dirty="0"/>
-              <a:t>15,000</a:t>
-            </a:r>
-            <a:r>
-              <a:rPr lang="ja-JP" altLang="en-US" dirty="0"/>
-              <a:t>ドル削減が可能</a:t>
+              <a:t>を利用することで障害対策コストの削減が可能</a:t>
             </a:r>
             <a:endParaRPr kumimoji="1" lang="ja-JP" altLang="en-US" dirty="0"/>
           </a:p>
@@ -10452,7 +10222,7 @@
 </p:sld>
 </file>
 
-<file path=ppt/slides/slide27.xml><?xml version="1.0" encoding="utf-8"?>
+<file path=ppt/slides/slide25.xml><?xml version="1.0" encoding="utf-8"?>
 <p:sld xmlns:a="http://schemas.openxmlformats.org/drawingml/2006/main" xmlns:r="http://schemas.openxmlformats.org/officeDocument/2006/relationships" xmlns:p="http://schemas.openxmlformats.org/presentationml/2006/main">
   <p:cSld>
     <p:spTree>
@@ -10607,7 +10377,7 @@
 </p:sld>
 </file>
 
-<file path=ppt/slides/slide28.xml><?xml version="1.0" encoding="utf-8"?>
+<file path=ppt/slides/slide26.xml><?xml version="1.0" encoding="utf-8"?>
 <p:sld xmlns:a="http://schemas.openxmlformats.org/drawingml/2006/main" xmlns:r="http://schemas.openxmlformats.org/officeDocument/2006/relationships" xmlns:p="http://schemas.openxmlformats.org/presentationml/2006/main">
   <p:cSld>
     <p:spTree>
@@ -10624,113 +10394,6 @@
           <a:chExt cx="0" cy="0"/>
         </a:xfrm>
       </p:grpSpPr>
-      <p:sp>
-        <p:nvSpPr>
-          <p:cNvPr id="2" name="タイトル 1">
-            <a:extLst>
-              <a:ext uri="{FF2B5EF4-FFF2-40B4-BE49-F238E27FC236}">
-                <a16:creationId xmlns:a16="http://schemas.microsoft.com/office/drawing/2014/main" id="{5E05EC68-FDCA-4622-B175-AAA7972D3458}"/>
-              </a:ext>
-            </a:extLst>
-          </p:cNvPr>
-          <p:cNvSpPr>
-            <a:spLocks noGrp="1"/>
-          </p:cNvSpPr>
-          <p:nvPr>
-            <p:ph type="title"/>
-          </p:nvPr>
-        </p:nvSpPr>
-        <p:spPr/>
-        <p:txBody>
-          <a:bodyPr/>
-          <a:lstStyle/>
-          <a:p>
-            <a:r>
-              <a:rPr kumimoji="1" lang="ja-JP" altLang="en-US" dirty="0"/>
-              <a:t>実験結果（</a:t>
-            </a:r>
-            <a:r>
-              <a:rPr lang="en-US" altLang="ja-JP" dirty="0"/>
-              <a:t>4</a:t>
-            </a:r>
-            <a:r>
-              <a:rPr kumimoji="1" lang="ja-JP" altLang="en-US" dirty="0"/>
-              <a:t>）</a:t>
-            </a:r>
-          </a:p>
-        </p:txBody>
-      </p:sp>
-      <p:sp>
-        <p:nvSpPr>
-          <p:cNvPr id="3" name="コンテンツ プレースホルダー 2">
-            <a:extLst>
-              <a:ext uri="{FF2B5EF4-FFF2-40B4-BE49-F238E27FC236}">
-                <a16:creationId xmlns:a16="http://schemas.microsoft.com/office/drawing/2014/main" id="{F0399936-406A-49F1-8F63-A33BC9021651}"/>
-              </a:ext>
-            </a:extLst>
-          </p:cNvPr>
-          <p:cNvSpPr>
-            <a:spLocks noGrp="1"/>
-          </p:cNvSpPr>
-          <p:nvPr>
-            <p:ph idx="1"/>
-          </p:nvPr>
-        </p:nvSpPr>
-        <p:spPr/>
-        <p:txBody>
-          <a:bodyPr/>
-          <a:lstStyle/>
-          <a:p>
-            <a:pPr>
-              <a:buFont typeface="Wingdings" panose="05000000000000000000" pitchFamily="2" charset="2"/>
-              <a:buChar char="l"/>
-            </a:pPr>
-            <a:r>
-              <a:rPr lang="ja-JP" altLang="en-US" dirty="0"/>
-              <a:t>コールド</a:t>
-            </a:r>
-            <a:r>
-              <a:rPr kumimoji="1" lang="ja-JP" altLang="en-US" dirty="0"/>
-              <a:t>スタンバイにおけるコスト</a:t>
-            </a:r>
-            <a:endParaRPr kumimoji="1" lang="en-US" altLang="ja-JP" dirty="0"/>
-          </a:p>
-          <a:p>
-            <a:pPr lvl="1">
-              <a:buFont typeface="Wingdings" panose="05000000000000000000" pitchFamily="2" charset="2"/>
-              <a:buChar char="l"/>
-            </a:pPr>
-            <a:r>
-              <a:rPr kumimoji="1" lang="en-US" altLang="ja-JP" dirty="0" err="1"/>
-              <a:t>VCRecovery</a:t>
-            </a:r>
-            <a:r>
-              <a:rPr kumimoji="1" lang="ja-JP" altLang="en-US" dirty="0"/>
-              <a:t>は</a:t>
-            </a:r>
-            <a:r>
-              <a:rPr kumimoji="1" lang="en-US" altLang="ja-JP" dirty="0"/>
-              <a:t>VM1</a:t>
-            </a:r>
-            <a:r>
-              <a:rPr kumimoji="1" lang="ja-JP" altLang="en-US" dirty="0"/>
-              <a:t>台分のコストが必要</a:t>
-            </a:r>
-            <a:endParaRPr kumimoji="1" lang="en-US" altLang="ja-JP" dirty="0"/>
-          </a:p>
-          <a:p>
-            <a:pPr lvl="1">
-              <a:buFont typeface="Wingdings" panose="05000000000000000000" pitchFamily="2" charset="2"/>
-              <a:buChar char="l"/>
-            </a:pPr>
-            <a:r>
-              <a:rPr kumimoji="1" lang="ja-JP" altLang="en-US" dirty="0"/>
-              <a:t>待機系の共有ユーザを増やすことでコストを抑えることが可能</a:t>
-            </a:r>
-            <a:endParaRPr kumimoji="1" lang="en-US" altLang="ja-JP" dirty="0"/>
-          </a:p>
-        </p:txBody>
-      </p:sp>
       <p:pic>
         <p:nvPicPr>
           <p:cNvPr id="5" name="図 4">
@@ -10759,7 +10422,7 @@
         </p:blipFill>
         <p:spPr>
           <a:xfrm>
-            <a:off x="1953948" y="2797833"/>
+            <a:off x="1953948" y="2839396"/>
             <a:ext cx="5236104" cy="3460773"/>
           </a:xfrm>
           <a:prstGeom prst="rect">
@@ -10767,6 +10430,118 @@
           </a:prstGeom>
         </p:spPr>
       </p:pic>
+      <p:sp>
+        <p:nvSpPr>
+          <p:cNvPr id="2" name="タイトル 1">
+            <a:extLst>
+              <a:ext uri="{FF2B5EF4-FFF2-40B4-BE49-F238E27FC236}">
+                <a16:creationId xmlns:a16="http://schemas.microsoft.com/office/drawing/2014/main" id="{5E05EC68-FDCA-4622-B175-AAA7972D3458}"/>
+              </a:ext>
+            </a:extLst>
+          </p:cNvPr>
+          <p:cNvSpPr>
+            <a:spLocks noGrp="1"/>
+          </p:cNvSpPr>
+          <p:nvPr>
+            <p:ph type="title"/>
+          </p:nvPr>
+        </p:nvSpPr>
+        <p:spPr/>
+        <p:txBody>
+          <a:bodyPr/>
+          <a:lstStyle/>
+          <a:p>
+            <a:r>
+              <a:rPr kumimoji="1" lang="ja-JP" altLang="en-US" dirty="0"/>
+              <a:t>実験結果（</a:t>
+            </a:r>
+            <a:r>
+              <a:rPr lang="en-US" altLang="ja-JP" dirty="0"/>
+              <a:t>4</a:t>
+            </a:r>
+            <a:r>
+              <a:rPr kumimoji="1" lang="ja-JP" altLang="en-US" dirty="0"/>
+              <a:t>）</a:t>
+            </a:r>
+          </a:p>
+        </p:txBody>
+      </p:sp>
+      <p:sp>
+        <p:nvSpPr>
+          <p:cNvPr id="3" name="コンテンツ プレースホルダー 2">
+            <a:extLst>
+              <a:ext uri="{FF2B5EF4-FFF2-40B4-BE49-F238E27FC236}">
+                <a16:creationId xmlns:a16="http://schemas.microsoft.com/office/drawing/2014/main" id="{F0399936-406A-49F1-8F63-A33BC9021651}"/>
+              </a:ext>
+            </a:extLst>
+          </p:cNvPr>
+          <p:cNvSpPr>
+            <a:spLocks noGrp="1"/>
+          </p:cNvSpPr>
+          <p:nvPr>
+            <p:ph idx="1"/>
+          </p:nvPr>
+        </p:nvSpPr>
+        <p:spPr>
+          <a:xfrm>
+            <a:off x="822960" y="1859589"/>
+            <a:ext cx="7543800" cy="4023360"/>
+          </a:xfrm>
+        </p:spPr>
+        <p:txBody>
+          <a:bodyPr/>
+          <a:lstStyle/>
+          <a:p>
+            <a:pPr>
+              <a:buFont typeface="Wingdings" panose="05000000000000000000" pitchFamily="2" charset="2"/>
+              <a:buChar char="l"/>
+            </a:pPr>
+            <a:r>
+              <a:rPr lang="ja-JP" altLang="en-US" dirty="0"/>
+              <a:t>コールド</a:t>
+            </a:r>
+            <a:r>
+              <a:rPr kumimoji="1" lang="ja-JP" altLang="en-US" dirty="0"/>
+              <a:t>スタンバイにおけるコスト</a:t>
+            </a:r>
+            <a:endParaRPr kumimoji="1" lang="en-US" altLang="ja-JP" dirty="0"/>
+          </a:p>
+          <a:p>
+            <a:pPr lvl="1">
+              <a:buFont typeface="Wingdings" panose="05000000000000000000" pitchFamily="2" charset="2"/>
+              <a:buChar char="l"/>
+            </a:pPr>
+            <a:r>
+              <a:rPr kumimoji="1" lang="en-US" altLang="ja-JP" dirty="0" err="1"/>
+              <a:t>VCRecovery</a:t>
+            </a:r>
+            <a:r>
+              <a:rPr kumimoji="1" lang="ja-JP" altLang="en-US" dirty="0"/>
+              <a:t>は</a:t>
+            </a:r>
+            <a:r>
+              <a:rPr kumimoji="1" lang="en-US" altLang="ja-JP" dirty="0"/>
+              <a:t>VM1</a:t>
+            </a:r>
+            <a:r>
+              <a:rPr kumimoji="1" lang="ja-JP" altLang="en-US" dirty="0"/>
+              <a:t>台分のコストが必要</a:t>
+            </a:r>
+            <a:endParaRPr kumimoji="1" lang="en-US" altLang="ja-JP" dirty="0"/>
+          </a:p>
+          <a:p>
+            <a:pPr lvl="1">
+              <a:buFont typeface="Wingdings" panose="05000000000000000000" pitchFamily="2" charset="2"/>
+              <a:buChar char="l"/>
+            </a:pPr>
+            <a:r>
+              <a:rPr kumimoji="1" lang="ja-JP" altLang="en-US" dirty="0"/>
+              <a:t>待機系の共有ユーザを増やすことでコストを抑えることが可能</a:t>
+            </a:r>
+            <a:endParaRPr kumimoji="1" lang="en-US" altLang="ja-JP" dirty="0"/>
+          </a:p>
+        </p:txBody>
+      </p:sp>
     </p:spTree>
     <p:extLst>
       <p:ext uri="{BB962C8B-B14F-4D97-AF65-F5344CB8AC3E}">
@@ -10780,7 +10555,7 @@
 </p:sld>
 </file>
 
-<file path=ppt/slides/slide29.xml><?xml version="1.0" encoding="utf-8"?>
+<file path=ppt/slides/slide27.xml><?xml version="1.0" encoding="utf-8"?>
 <p:sld xmlns:a="http://schemas.openxmlformats.org/drawingml/2006/main" xmlns:r="http://schemas.openxmlformats.org/officeDocument/2006/relationships" xmlns:p="http://schemas.openxmlformats.org/presentationml/2006/main">
   <p:cSld>
     <p:spTree>
@@ -10978,172 +10753,7 @@
 </p:sld>
 </file>
 
-<file path=ppt/slides/slide3.xml><?xml version="1.0" encoding="utf-8"?>
-<p:sld xmlns:a="http://schemas.openxmlformats.org/drawingml/2006/main" xmlns:r="http://schemas.openxmlformats.org/officeDocument/2006/relationships" xmlns:p="http://schemas.openxmlformats.org/presentationml/2006/main">
-  <p:cSld>
-    <p:spTree>
-      <p:nvGrpSpPr>
-        <p:cNvPr id="1" name=""/>
-        <p:cNvGrpSpPr/>
-        <p:nvPr/>
-      </p:nvGrpSpPr>
-      <p:grpSpPr>
-        <a:xfrm>
-          <a:off x="0" y="0"/>
-          <a:ext cx="0" cy="0"/>
-          <a:chOff x="0" y="0"/>
-          <a:chExt cx="0" cy="0"/>
-        </a:xfrm>
-      </p:grpSpPr>
-      <p:graphicFrame>
-        <p:nvGraphicFramePr>
-          <p:cNvPr id="5" name="グラフ 4">
-            <a:extLst>
-              <a:ext uri="{FF2B5EF4-FFF2-40B4-BE49-F238E27FC236}">
-                <a16:creationId xmlns:a16="http://schemas.microsoft.com/office/drawing/2014/main" id="{379CC04E-B205-480D-ABF2-AD749E497199}"/>
-              </a:ext>
-            </a:extLst>
-          </p:cNvPr>
-          <p:cNvGraphicFramePr>
-            <a:graphicFrameLocks/>
-          </p:cNvGraphicFramePr>
-          <p:nvPr>
-            <p:extLst>
-              <p:ext uri="{D42A27DB-BD31-4B8C-83A1-F6EECF244321}">
-                <p14:modId xmlns:p14="http://schemas.microsoft.com/office/powerpoint/2010/main" val="426881336"/>
-              </p:ext>
-            </p:extLst>
-          </p:nvPr>
-        </p:nvGraphicFramePr>
-        <p:xfrm>
-          <a:off x="-1" y="2253313"/>
-          <a:ext cx="9144001" cy="4131733"/>
-        </p:xfrm>
-        <a:graphic>
-          <a:graphicData uri="http://schemas.openxmlformats.org/drawingml/2006/chart">
-            <c:chart xmlns:c="http://schemas.openxmlformats.org/drawingml/2006/chart" xmlns:r="http://schemas.openxmlformats.org/officeDocument/2006/relationships" r:id="rId2"/>
-          </a:graphicData>
-        </a:graphic>
-      </p:graphicFrame>
-      <p:sp>
-        <p:nvSpPr>
-          <p:cNvPr id="2" name="タイトル 1">
-            <a:extLst>
-              <a:ext uri="{FF2B5EF4-FFF2-40B4-BE49-F238E27FC236}">
-                <a16:creationId xmlns:a16="http://schemas.microsoft.com/office/drawing/2014/main" id="{E91F66BC-449B-4A0A-9D1D-C94C1893D514}"/>
-              </a:ext>
-            </a:extLst>
-          </p:cNvPr>
-          <p:cNvSpPr>
-            <a:spLocks noGrp="1"/>
-          </p:cNvSpPr>
-          <p:nvPr>
-            <p:ph type="title"/>
-          </p:nvPr>
-        </p:nvSpPr>
-        <p:spPr/>
-        <p:txBody>
-          <a:bodyPr/>
-          <a:lstStyle/>
-          <a:p>
-            <a:r>
-              <a:rPr kumimoji="1" lang="ja-JP" altLang="en-US" dirty="0"/>
-              <a:t>研究背景（</a:t>
-            </a:r>
-            <a:r>
-              <a:rPr kumimoji="1" lang="en-US" altLang="ja-JP" dirty="0"/>
-              <a:t>1</a:t>
-            </a:r>
-            <a:r>
-              <a:rPr kumimoji="1" lang="ja-JP" altLang="en-US" dirty="0"/>
-              <a:t>）</a:t>
-            </a:r>
-          </a:p>
-        </p:txBody>
-      </p:sp>
-      <p:sp>
-        <p:nvSpPr>
-          <p:cNvPr id="3" name="コンテンツ プレースホルダー 2">
-            <a:extLst>
-              <a:ext uri="{FF2B5EF4-FFF2-40B4-BE49-F238E27FC236}">
-                <a16:creationId xmlns:a16="http://schemas.microsoft.com/office/drawing/2014/main" id="{33B41385-BE17-44ED-98ED-0BEAAFF1799A}"/>
-              </a:ext>
-            </a:extLst>
-          </p:cNvPr>
-          <p:cNvSpPr>
-            <a:spLocks noGrp="1"/>
-          </p:cNvSpPr>
-          <p:nvPr>
-            <p:ph idx="1"/>
-          </p:nvPr>
-        </p:nvSpPr>
-        <p:spPr/>
-        <p:txBody>
-          <a:bodyPr/>
-          <a:lstStyle/>
-          <a:p>
-            <a:r>
-              <a:rPr kumimoji="1" lang="ja-JP" altLang="en-US" dirty="0"/>
-              <a:t>近年，</a:t>
-            </a:r>
-            <a:r>
-              <a:rPr lang="ja-JP" altLang="en-US" dirty="0"/>
-              <a:t>様々なサービスの提供にクラウド環境を活用することが増えている</a:t>
-            </a:r>
-            <a:endParaRPr kumimoji="1" lang="ja-JP" altLang="en-US" dirty="0"/>
-          </a:p>
-        </p:txBody>
-      </p:sp>
-      <p:sp>
-        <p:nvSpPr>
-          <p:cNvPr id="6" name="テキスト ボックス 5">
-            <a:extLst>
-              <a:ext uri="{FF2B5EF4-FFF2-40B4-BE49-F238E27FC236}">
-                <a16:creationId xmlns:a16="http://schemas.microsoft.com/office/drawing/2014/main" id="{15C045FA-220E-4C91-B7DE-94D978F110F6}"/>
-              </a:ext>
-            </a:extLst>
-          </p:cNvPr>
-          <p:cNvSpPr txBox="1"/>
-          <p:nvPr/>
-        </p:nvSpPr>
-        <p:spPr>
-          <a:xfrm>
-            <a:off x="204715" y="6385046"/>
-            <a:ext cx="6549165" cy="369332"/>
-          </a:xfrm>
-          <a:prstGeom prst="rect">
-            <a:avLst/>
-          </a:prstGeom>
-          <a:noFill/>
-        </p:spPr>
-        <p:txBody>
-          <a:bodyPr wrap="none" rtlCol="0">
-            <a:spAutoFit/>
-          </a:bodyPr>
-          <a:lstStyle/>
-          <a:p>
-            <a:r>
-              <a:rPr kumimoji="1" lang="en-US" altLang="zh-TW" dirty="0"/>
-              <a:t>http://www.soumu.go.jp/johotsusintokei/statistics/statistics05.html</a:t>
-            </a:r>
-            <a:endParaRPr kumimoji="1" lang="ja-JP" altLang="en-US" dirty="0"/>
-          </a:p>
-        </p:txBody>
-      </p:sp>
-    </p:spTree>
-    <p:extLst>
-      <p:ext uri="{BB962C8B-B14F-4D97-AF65-F5344CB8AC3E}">
-        <p14:creationId xmlns:p14="http://schemas.microsoft.com/office/powerpoint/2010/main" val="3018890183"/>
-      </p:ext>
-    </p:extLst>
-  </p:cSld>
-  <p:clrMapOvr>
-    <a:masterClrMapping/>
-  </p:clrMapOvr>
-</p:sld>
-</file>
-
-<file path=ppt/slides/slide30.xml><?xml version="1.0" encoding="utf-8"?>
+<file path=ppt/slides/slide28.xml><?xml version="1.0" encoding="utf-8"?>
 <p:sld xmlns:a="http://schemas.openxmlformats.org/drawingml/2006/main" xmlns:r="http://schemas.openxmlformats.org/officeDocument/2006/relationships" xmlns:p="http://schemas.openxmlformats.org/presentationml/2006/main">
   <p:cSld>
     <p:spTree>
@@ -11348,7 +10958,7 @@
 </p:sld>
 </file>
 
-<file path=ppt/slides/slide31.xml><?xml version="1.0" encoding="utf-8"?>
+<file path=ppt/slides/slide29.xml><?xml version="1.0" encoding="utf-8"?>
 <p:sld xmlns:a="http://schemas.openxmlformats.org/drawingml/2006/main" xmlns:r="http://schemas.openxmlformats.org/officeDocument/2006/relationships" xmlns:p="http://schemas.openxmlformats.org/presentationml/2006/main">
   <p:cSld>
     <p:spTree>
@@ -11516,7 +11126,172 @@
 </p:sld>
 </file>
 
-<file path=ppt/slides/slide32.xml><?xml version="1.0" encoding="utf-8"?>
+<file path=ppt/slides/slide3.xml><?xml version="1.0" encoding="utf-8"?>
+<p:sld xmlns:a="http://schemas.openxmlformats.org/drawingml/2006/main" xmlns:r="http://schemas.openxmlformats.org/officeDocument/2006/relationships" xmlns:p="http://schemas.openxmlformats.org/presentationml/2006/main">
+  <p:cSld>
+    <p:spTree>
+      <p:nvGrpSpPr>
+        <p:cNvPr id="1" name=""/>
+        <p:cNvGrpSpPr/>
+        <p:nvPr/>
+      </p:nvGrpSpPr>
+      <p:grpSpPr>
+        <a:xfrm>
+          <a:off x="0" y="0"/>
+          <a:ext cx="0" cy="0"/>
+          <a:chOff x="0" y="0"/>
+          <a:chExt cx="0" cy="0"/>
+        </a:xfrm>
+      </p:grpSpPr>
+      <p:graphicFrame>
+        <p:nvGraphicFramePr>
+          <p:cNvPr id="5" name="グラフ 4">
+            <a:extLst>
+              <a:ext uri="{FF2B5EF4-FFF2-40B4-BE49-F238E27FC236}">
+                <a16:creationId xmlns:a16="http://schemas.microsoft.com/office/drawing/2014/main" id="{379CC04E-B205-480D-ABF2-AD749E497199}"/>
+              </a:ext>
+            </a:extLst>
+          </p:cNvPr>
+          <p:cNvGraphicFramePr>
+            <a:graphicFrameLocks/>
+          </p:cNvGraphicFramePr>
+          <p:nvPr>
+            <p:extLst>
+              <p:ext uri="{D42A27DB-BD31-4B8C-83A1-F6EECF244321}">
+                <p14:modId xmlns:p14="http://schemas.microsoft.com/office/powerpoint/2010/main" val="426881336"/>
+              </p:ext>
+            </p:extLst>
+          </p:nvPr>
+        </p:nvGraphicFramePr>
+        <p:xfrm>
+          <a:off x="-1" y="2253313"/>
+          <a:ext cx="9144001" cy="4131733"/>
+        </p:xfrm>
+        <a:graphic>
+          <a:graphicData uri="http://schemas.openxmlformats.org/drawingml/2006/chart">
+            <c:chart xmlns:c="http://schemas.openxmlformats.org/drawingml/2006/chart" xmlns:r="http://schemas.openxmlformats.org/officeDocument/2006/relationships" r:id="rId2"/>
+          </a:graphicData>
+        </a:graphic>
+      </p:graphicFrame>
+      <p:sp>
+        <p:nvSpPr>
+          <p:cNvPr id="2" name="タイトル 1">
+            <a:extLst>
+              <a:ext uri="{FF2B5EF4-FFF2-40B4-BE49-F238E27FC236}">
+                <a16:creationId xmlns:a16="http://schemas.microsoft.com/office/drawing/2014/main" id="{E91F66BC-449B-4A0A-9D1D-C94C1893D514}"/>
+              </a:ext>
+            </a:extLst>
+          </p:cNvPr>
+          <p:cNvSpPr>
+            <a:spLocks noGrp="1"/>
+          </p:cNvSpPr>
+          <p:nvPr>
+            <p:ph type="title"/>
+          </p:nvPr>
+        </p:nvSpPr>
+        <p:spPr/>
+        <p:txBody>
+          <a:bodyPr/>
+          <a:lstStyle/>
+          <a:p>
+            <a:r>
+              <a:rPr kumimoji="1" lang="ja-JP" altLang="en-US" dirty="0"/>
+              <a:t>研究背景（</a:t>
+            </a:r>
+            <a:r>
+              <a:rPr kumimoji="1" lang="en-US" altLang="ja-JP" dirty="0"/>
+              <a:t>1</a:t>
+            </a:r>
+            <a:r>
+              <a:rPr kumimoji="1" lang="ja-JP" altLang="en-US" dirty="0"/>
+              <a:t>）</a:t>
+            </a:r>
+          </a:p>
+        </p:txBody>
+      </p:sp>
+      <p:sp>
+        <p:nvSpPr>
+          <p:cNvPr id="3" name="コンテンツ プレースホルダー 2">
+            <a:extLst>
+              <a:ext uri="{FF2B5EF4-FFF2-40B4-BE49-F238E27FC236}">
+                <a16:creationId xmlns:a16="http://schemas.microsoft.com/office/drawing/2014/main" id="{33B41385-BE17-44ED-98ED-0BEAAFF1799A}"/>
+              </a:ext>
+            </a:extLst>
+          </p:cNvPr>
+          <p:cNvSpPr>
+            <a:spLocks noGrp="1"/>
+          </p:cNvSpPr>
+          <p:nvPr>
+            <p:ph idx="1"/>
+          </p:nvPr>
+        </p:nvSpPr>
+        <p:spPr/>
+        <p:txBody>
+          <a:bodyPr/>
+          <a:lstStyle/>
+          <a:p>
+            <a:r>
+              <a:rPr kumimoji="1" lang="ja-JP" altLang="en-US" dirty="0"/>
+              <a:t>近年，</a:t>
+            </a:r>
+            <a:r>
+              <a:rPr lang="ja-JP" altLang="en-US" dirty="0"/>
+              <a:t>様々なサービスの提供にクラウド環境を活用することが増えている</a:t>
+            </a:r>
+            <a:endParaRPr kumimoji="1" lang="ja-JP" altLang="en-US" dirty="0"/>
+          </a:p>
+        </p:txBody>
+      </p:sp>
+      <p:sp>
+        <p:nvSpPr>
+          <p:cNvPr id="6" name="テキスト ボックス 5">
+            <a:extLst>
+              <a:ext uri="{FF2B5EF4-FFF2-40B4-BE49-F238E27FC236}">
+                <a16:creationId xmlns:a16="http://schemas.microsoft.com/office/drawing/2014/main" id="{15C045FA-220E-4C91-B7DE-94D978F110F6}"/>
+              </a:ext>
+            </a:extLst>
+          </p:cNvPr>
+          <p:cNvSpPr txBox="1"/>
+          <p:nvPr/>
+        </p:nvSpPr>
+        <p:spPr>
+          <a:xfrm>
+            <a:off x="204715" y="6385046"/>
+            <a:ext cx="6549165" cy="369332"/>
+          </a:xfrm>
+          <a:prstGeom prst="rect">
+            <a:avLst/>
+          </a:prstGeom>
+          <a:noFill/>
+        </p:spPr>
+        <p:txBody>
+          <a:bodyPr wrap="none" rtlCol="0">
+            <a:spAutoFit/>
+          </a:bodyPr>
+          <a:lstStyle/>
+          <a:p>
+            <a:r>
+              <a:rPr kumimoji="1" lang="en-US" altLang="zh-TW" dirty="0"/>
+              <a:t>http://www.soumu.go.jp/johotsusintokei/statistics/statistics05.html</a:t>
+            </a:r>
+            <a:endParaRPr kumimoji="1" lang="ja-JP" altLang="en-US" dirty="0"/>
+          </a:p>
+        </p:txBody>
+      </p:sp>
+    </p:spTree>
+    <p:extLst>
+      <p:ext uri="{BB962C8B-B14F-4D97-AF65-F5344CB8AC3E}">
+        <p14:creationId xmlns:p14="http://schemas.microsoft.com/office/powerpoint/2010/main" val="3018890183"/>
+      </p:ext>
+    </p:extLst>
+  </p:cSld>
+  <p:clrMapOvr>
+    <a:masterClrMapping/>
+  </p:clrMapOvr>
+</p:sld>
+</file>
+
+<file path=ppt/slides/slide30.xml><?xml version="1.0" encoding="utf-8"?>
 <p:sld xmlns:a="http://schemas.openxmlformats.org/drawingml/2006/main" xmlns:r="http://schemas.openxmlformats.org/officeDocument/2006/relationships" xmlns:p="http://schemas.openxmlformats.org/presentationml/2006/main">
   <p:cSld>
     <p:spTree>
@@ -11674,7 +11449,7 @@
 </p:sld>
 </file>
 
-<file path=ppt/slides/slide33.xml><?xml version="1.0" encoding="utf-8"?>
+<file path=ppt/slides/slide31.xml><?xml version="1.0" encoding="utf-8"?>
 <p:sld xmlns:a="http://schemas.openxmlformats.org/drawingml/2006/main" xmlns:r="http://schemas.openxmlformats.org/officeDocument/2006/relationships" xmlns:p="http://schemas.openxmlformats.org/presentationml/2006/main">
   <p:cSld>
     <p:spTree>
@@ -11967,7 +11742,7 @@
 </p:sld>
 </file>
 
-<file path=ppt/slides/slide34.xml><?xml version="1.0" encoding="utf-8"?>
+<file path=ppt/slides/slide32.xml><?xml version="1.0" encoding="utf-8"?>
 <p:sld xmlns:a="http://schemas.openxmlformats.org/drawingml/2006/main" xmlns:r="http://schemas.openxmlformats.org/officeDocument/2006/relationships" xmlns:p="http://schemas.openxmlformats.org/presentationml/2006/main">
   <p:cSld>
     <p:spTree>
@@ -12151,6 +11926,331 @@
 </p:sld>
 </file>
 
+<file path=ppt/slides/slide33.xml><?xml version="1.0" encoding="utf-8"?>
+<p:sld xmlns:a="http://schemas.openxmlformats.org/drawingml/2006/main" xmlns:r="http://schemas.openxmlformats.org/officeDocument/2006/relationships" xmlns:p="http://schemas.openxmlformats.org/presentationml/2006/main">
+  <p:cSld>
+    <p:spTree>
+      <p:nvGrpSpPr>
+        <p:cNvPr id="1" name=""/>
+        <p:cNvGrpSpPr/>
+        <p:nvPr/>
+      </p:nvGrpSpPr>
+      <p:grpSpPr>
+        <a:xfrm>
+          <a:off x="0" y="0"/>
+          <a:ext cx="0" cy="0"/>
+          <a:chOff x="0" y="0"/>
+          <a:chExt cx="0" cy="0"/>
+        </a:xfrm>
+      </p:grpSpPr>
+      <p:sp>
+        <p:nvSpPr>
+          <p:cNvPr id="2" name="タイトル 1">
+            <a:extLst>
+              <a:ext uri="{FF2B5EF4-FFF2-40B4-BE49-F238E27FC236}">
+                <a16:creationId xmlns:a16="http://schemas.microsoft.com/office/drawing/2014/main" id="{F005CF57-C002-4A92-B7C6-CD0818E3DF30}"/>
+              </a:ext>
+            </a:extLst>
+          </p:cNvPr>
+          <p:cNvSpPr>
+            <a:spLocks noGrp="1"/>
+          </p:cNvSpPr>
+          <p:nvPr>
+            <p:ph type="title"/>
+          </p:nvPr>
+        </p:nvSpPr>
+        <p:spPr/>
+        <p:txBody>
+          <a:bodyPr/>
+          <a:lstStyle/>
+          <a:p>
+            <a:r>
+              <a:rPr kumimoji="1" lang="ja-JP" altLang="en-US" dirty="0"/>
+              <a:t>まとめ</a:t>
+            </a:r>
+          </a:p>
+        </p:txBody>
+      </p:sp>
+      <p:sp>
+        <p:nvSpPr>
+          <p:cNvPr id="3" name="コンテンツ プレースホルダー 2">
+            <a:extLst>
+              <a:ext uri="{FF2B5EF4-FFF2-40B4-BE49-F238E27FC236}">
+                <a16:creationId xmlns:a16="http://schemas.microsoft.com/office/drawing/2014/main" id="{938F7423-73BE-4A3E-9C58-8B36E6018190}"/>
+              </a:ext>
+            </a:extLst>
+          </p:cNvPr>
+          <p:cNvSpPr>
+            <a:spLocks noGrp="1"/>
+          </p:cNvSpPr>
+          <p:nvPr>
+            <p:ph idx="1"/>
+          </p:nvPr>
+        </p:nvSpPr>
+        <p:spPr/>
+        <p:txBody>
+          <a:bodyPr/>
+          <a:lstStyle/>
+          <a:p>
+            <a:pPr>
+              <a:buFont typeface="Wingdings" panose="05000000000000000000" pitchFamily="2" charset="2"/>
+              <a:buChar char="l"/>
+            </a:pPr>
+            <a:r>
+              <a:rPr kumimoji="1" lang="ja-JP" altLang="en-US" dirty="0"/>
+              <a:t>提案手法</a:t>
+            </a:r>
+            <a:r>
+              <a:rPr kumimoji="1" lang="en-US" altLang="ja-JP" dirty="0"/>
+              <a:t>(</a:t>
+            </a:r>
+            <a:r>
+              <a:rPr kumimoji="1" lang="en-US" altLang="ja-JP" dirty="0" err="1"/>
+              <a:t>VCRecovery</a:t>
+            </a:r>
+            <a:r>
+              <a:rPr kumimoji="1" lang="en-US" altLang="ja-JP" dirty="0"/>
+              <a:t>)</a:t>
+            </a:r>
+            <a:r>
+              <a:rPr kumimoji="1" lang="ja-JP" altLang="en-US" dirty="0"/>
+              <a:t>により低コスト，高速な障害復旧が可能</a:t>
+            </a:r>
+            <a:endParaRPr kumimoji="1" lang="en-US" altLang="ja-JP" dirty="0"/>
+          </a:p>
+          <a:p>
+            <a:pPr>
+              <a:buFont typeface="Wingdings" panose="05000000000000000000" pitchFamily="2" charset="2"/>
+              <a:buChar char="l"/>
+            </a:pPr>
+            <a:r>
+              <a:rPr lang="en-US" altLang="ja-JP" dirty="0"/>
+              <a:t>Zabbix</a:t>
+            </a:r>
+            <a:r>
+              <a:rPr lang="ja-JP" altLang="en-US" dirty="0"/>
+              <a:t>や</a:t>
+            </a:r>
+            <a:r>
+              <a:rPr lang="en-US" altLang="ja-JP" dirty="0"/>
+              <a:t>LXD</a:t>
+            </a:r>
+            <a:r>
+              <a:rPr lang="ja-JP" altLang="en-US" dirty="0"/>
+              <a:t>により自動で障害検知，復旧を行うことが可能</a:t>
+            </a:r>
+            <a:endParaRPr lang="en-US" altLang="ja-JP" dirty="0"/>
+          </a:p>
+          <a:p>
+            <a:pPr>
+              <a:buFont typeface="Wingdings" panose="05000000000000000000" pitchFamily="2" charset="2"/>
+              <a:buChar char="l"/>
+            </a:pPr>
+            <a:endParaRPr kumimoji="1" lang="en-US" altLang="ja-JP" dirty="0"/>
+          </a:p>
+          <a:p>
+            <a:pPr>
+              <a:buFont typeface="Wingdings" panose="05000000000000000000" pitchFamily="2" charset="2"/>
+              <a:buChar char="l"/>
+            </a:pPr>
+            <a:r>
+              <a:rPr lang="ja-JP" altLang="en-US" dirty="0"/>
+              <a:t>今後の課題</a:t>
+            </a:r>
+            <a:endParaRPr lang="en-US" altLang="ja-JP" dirty="0"/>
+          </a:p>
+          <a:p>
+            <a:pPr lvl="1">
+              <a:buFont typeface="Wingdings" panose="05000000000000000000" pitchFamily="2" charset="2"/>
+              <a:buChar char="l"/>
+            </a:pPr>
+            <a:r>
+              <a:rPr kumimoji="1" lang="ja-JP" altLang="en-US" dirty="0"/>
+              <a:t>運用系</a:t>
+            </a:r>
+            <a:r>
+              <a:rPr kumimoji="1" lang="en-US" altLang="ja-JP" dirty="0"/>
+              <a:t>VM</a:t>
+            </a:r>
+            <a:r>
+              <a:rPr kumimoji="1" lang="ja-JP" altLang="en-US" dirty="0"/>
+              <a:t>と待機系</a:t>
+            </a:r>
+            <a:r>
+              <a:rPr kumimoji="1" lang="en-US" altLang="ja-JP" dirty="0"/>
+              <a:t>VM</a:t>
+            </a:r>
+            <a:r>
+              <a:rPr kumimoji="1" lang="ja-JP" altLang="en-US" dirty="0"/>
+              <a:t>内コンテナの間で</a:t>
+            </a:r>
+            <a:r>
+              <a:rPr kumimoji="1" lang="en-US" altLang="ja-JP" dirty="0"/>
+              <a:t>VM</a:t>
+            </a:r>
+            <a:r>
+              <a:rPr kumimoji="1" lang="ja-JP" altLang="en-US" dirty="0"/>
+              <a:t>状態の同期をどのようにとるか検討</a:t>
+            </a:r>
+            <a:endParaRPr kumimoji="1" lang="en-US" altLang="ja-JP" dirty="0"/>
+          </a:p>
+          <a:p>
+            <a:pPr lvl="1">
+              <a:buFont typeface="Wingdings" panose="05000000000000000000" pitchFamily="2" charset="2"/>
+              <a:buChar char="l"/>
+            </a:pPr>
+            <a:r>
+              <a:rPr lang="ja-JP" altLang="en-US" dirty="0"/>
+              <a:t>障害規模に応じた障害対策の実現</a:t>
+            </a:r>
+            <a:endParaRPr lang="en-US" altLang="ja-JP" dirty="0"/>
+          </a:p>
+          <a:p>
+            <a:pPr lvl="1">
+              <a:buFont typeface="Wingdings" panose="05000000000000000000" pitchFamily="2" charset="2"/>
+              <a:buChar char="l"/>
+            </a:pPr>
+            <a:r>
+              <a:rPr kumimoji="1" lang="ja-JP" altLang="en-US" dirty="0"/>
+              <a:t>ライブマイグレーション利用によるダウンタイムの削減</a:t>
+            </a:r>
+          </a:p>
+        </p:txBody>
+      </p:sp>
+    </p:spTree>
+    <p:extLst>
+      <p:ext uri="{BB962C8B-B14F-4D97-AF65-F5344CB8AC3E}">
+        <p14:creationId xmlns:p14="http://schemas.microsoft.com/office/powerpoint/2010/main" val="2731036769"/>
+      </p:ext>
+    </p:extLst>
+  </p:cSld>
+  <p:clrMapOvr>
+    <a:masterClrMapping/>
+  </p:clrMapOvr>
+</p:sld>
+</file>
+
+<file path=ppt/slides/slide34.xml><?xml version="1.0" encoding="utf-8"?>
+<p:sld xmlns:a="http://schemas.openxmlformats.org/drawingml/2006/main" xmlns:r="http://schemas.openxmlformats.org/officeDocument/2006/relationships" xmlns:p="http://schemas.openxmlformats.org/presentationml/2006/main">
+  <p:cSld>
+    <p:spTree>
+      <p:nvGrpSpPr>
+        <p:cNvPr id="1" name=""/>
+        <p:cNvGrpSpPr/>
+        <p:nvPr/>
+      </p:nvGrpSpPr>
+      <p:grpSpPr>
+        <a:xfrm>
+          <a:off x="0" y="0"/>
+          <a:ext cx="0" cy="0"/>
+          <a:chOff x="0" y="0"/>
+          <a:chExt cx="0" cy="0"/>
+        </a:xfrm>
+      </p:grpSpPr>
+      <p:sp>
+        <p:nvSpPr>
+          <p:cNvPr id="2" name="タイトル 1">
+            <a:extLst>
+              <a:ext uri="{FF2B5EF4-FFF2-40B4-BE49-F238E27FC236}">
+                <a16:creationId xmlns:a16="http://schemas.microsoft.com/office/drawing/2014/main" id="{BC7FAB1B-214F-4A64-B51C-359E05439608}"/>
+              </a:ext>
+            </a:extLst>
+          </p:cNvPr>
+          <p:cNvSpPr>
+            <a:spLocks noGrp="1"/>
+          </p:cNvSpPr>
+          <p:nvPr>
+            <p:ph type="title"/>
+          </p:nvPr>
+        </p:nvSpPr>
+        <p:spPr/>
+        <p:txBody>
+          <a:bodyPr/>
+          <a:lstStyle/>
+          <a:p>
+            <a:r>
+              <a:rPr kumimoji="1" lang="ja-JP" altLang="en-US" dirty="0"/>
+              <a:t>不明点，疑問点</a:t>
+            </a:r>
+          </a:p>
+        </p:txBody>
+      </p:sp>
+      <p:sp>
+        <p:nvSpPr>
+          <p:cNvPr id="3" name="コンテンツ プレースホルダー 2">
+            <a:extLst>
+              <a:ext uri="{FF2B5EF4-FFF2-40B4-BE49-F238E27FC236}">
+                <a16:creationId xmlns:a16="http://schemas.microsoft.com/office/drawing/2014/main" id="{53CEC786-F177-4B1D-AA3D-5050ED87ABE3}"/>
+              </a:ext>
+            </a:extLst>
+          </p:cNvPr>
+          <p:cNvSpPr>
+            <a:spLocks noGrp="1"/>
+          </p:cNvSpPr>
+          <p:nvPr>
+            <p:ph idx="1"/>
+          </p:nvPr>
+        </p:nvSpPr>
+        <p:spPr/>
+        <p:txBody>
+          <a:bodyPr/>
+          <a:lstStyle/>
+          <a:p>
+            <a:pPr>
+              <a:buFont typeface="Wingdings" panose="05000000000000000000" pitchFamily="2" charset="2"/>
+              <a:buChar char="l"/>
+            </a:pPr>
+            <a:r>
+              <a:rPr lang="en-US" altLang="ja-JP" dirty="0" err="1"/>
+              <a:t>VCRecovery</a:t>
+            </a:r>
+            <a:r>
+              <a:rPr lang="ja-JP" altLang="en-US" dirty="0"/>
+              <a:t>コールドスタンバイでの共有して使う待機系のセキュリティ</a:t>
+            </a:r>
+            <a:endParaRPr lang="en-US" altLang="ja-JP" dirty="0"/>
+          </a:p>
+          <a:p>
+            <a:pPr lvl="1">
+              <a:buFont typeface="Wingdings" panose="05000000000000000000" pitchFamily="2" charset="2"/>
+              <a:buChar char="l"/>
+            </a:pPr>
+            <a:r>
+              <a:rPr lang="ja-JP" altLang="en-US" dirty="0"/>
+              <a:t>コンテナを利用するためセキュリティが担保される理由がわからない</a:t>
+            </a:r>
+            <a:endParaRPr lang="en-US" altLang="ja-JP" dirty="0"/>
+          </a:p>
+          <a:p>
+            <a:pPr>
+              <a:buFont typeface="Wingdings" panose="05000000000000000000" pitchFamily="2" charset="2"/>
+              <a:buChar char="l"/>
+            </a:pPr>
+            <a:r>
+              <a:rPr lang="en-US" altLang="ja-JP" dirty="0"/>
+              <a:t>5.6</a:t>
+            </a:r>
+            <a:r>
+              <a:rPr lang="ja-JP" altLang="en-US" dirty="0"/>
+              <a:t>秒のダウンタイムは何に対してかなり長いのかが不明</a:t>
+            </a:r>
+            <a:endParaRPr lang="en-US" altLang="ja-JP" dirty="0"/>
+          </a:p>
+        </p:txBody>
+      </p:sp>
+    </p:spTree>
+    <p:extLst>
+      <p:ext uri="{BB962C8B-B14F-4D97-AF65-F5344CB8AC3E}">
+        <p14:creationId xmlns:p14="http://schemas.microsoft.com/office/powerpoint/2010/main" val="962646475"/>
+      </p:ext>
+    </p:extLst>
+  </p:cSld>
+  <p:clrMapOvr>
+    <a:masterClrMapping/>
+  </p:clrMapOvr>
+</p:sld>
+</file>
+
 <file path=ppt/slides/slide35.xml><?xml version="1.0" encoding="utf-8"?>
 <p:sld xmlns:a="http://schemas.openxmlformats.org/drawingml/2006/main" xmlns:r="http://schemas.openxmlformats.org/officeDocument/2006/relationships" xmlns:p="http://schemas.openxmlformats.org/presentationml/2006/main">
   <p:cSld>
@@ -12170,174 +12270,56 @@
       </p:grpSpPr>
       <p:sp>
         <p:nvSpPr>
-          <p:cNvPr id="2" name="タイトル 1">
+          <p:cNvPr id="6" name="タイトル 3">
             <a:extLst>
               <a:ext uri="{FF2B5EF4-FFF2-40B4-BE49-F238E27FC236}">
-                <a16:creationId xmlns:a16="http://schemas.microsoft.com/office/drawing/2014/main" id="{F005CF57-C002-4A92-B7C6-CD0818E3DF30}"/>
+                <a16:creationId xmlns:a16="http://schemas.microsoft.com/office/drawing/2014/main" id="{2BFB61AF-8222-46FB-96E0-214DDFACFD40}"/>
               </a:ext>
             </a:extLst>
           </p:cNvPr>
-          <p:cNvSpPr>
-            <a:spLocks noGrp="1"/>
-          </p:cNvSpPr>
-          <p:nvPr>
-            <p:ph type="title"/>
-          </p:nvPr>
-        </p:nvSpPr>
-        <p:spPr/>
+          <p:cNvSpPr txBox="1">
+            <a:spLocks/>
+          </p:cNvSpPr>
+          <p:nvPr/>
+        </p:nvSpPr>
+        <p:spPr>
+          <a:xfrm>
+            <a:off x="800100" y="2787350"/>
+            <a:ext cx="7543800" cy="641650"/>
+          </a:xfrm>
+          <a:prstGeom prst="rect">
+            <a:avLst/>
+          </a:prstGeom>
+        </p:spPr>
         <p:txBody>
           <a:bodyPr/>
-          <a:lstStyle/>
-          <a:p>
-            <a:r>
-              <a:rPr kumimoji="1" lang="ja-JP" altLang="en-US" dirty="0"/>
-              <a:t>まとめ</a:t>
-            </a:r>
-          </a:p>
-        </p:txBody>
-      </p:sp>
-      <p:sp>
-        <p:nvSpPr>
-          <p:cNvPr id="3" name="コンテンツ プレースホルダー 2">
-            <a:extLst>
-              <a:ext uri="{FF2B5EF4-FFF2-40B4-BE49-F238E27FC236}">
-                <a16:creationId xmlns:a16="http://schemas.microsoft.com/office/drawing/2014/main" id="{938F7423-73BE-4A3E-9C58-8B36E6018190}"/>
-              </a:ext>
-            </a:extLst>
-          </p:cNvPr>
-          <p:cNvSpPr>
-            <a:spLocks noGrp="1"/>
-          </p:cNvSpPr>
-          <p:nvPr>
-            <p:ph idx="1"/>
-          </p:nvPr>
-        </p:nvSpPr>
-        <p:spPr/>
-        <p:txBody>
-          <a:bodyPr/>
-          <a:lstStyle/>
-          <a:p>
-            <a:pPr>
-              <a:buFont typeface="Wingdings" panose="05000000000000000000" pitchFamily="2" charset="2"/>
-              <a:buChar char="l"/>
-            </a:pPr>
-            <a:r>
-              <a:rPr kumimoji="1" lang="ja-JP" altLang="en-US" dirty="0"/>
-              <a:t>提案手法</a:t>
-            </a:r>
-            <a:r>
-              <a:rPr kumimoji="1" lang="en-US" altLang="ja-JP" dirty="0"/>
-              <a:t>(</a:t>
-            </a:r>
-            <a:r>
-              <a:rPr kumimoji="1" lang="en-US" altLang="ja-JP" dirty="0" err="1"/>
-              <a:t>VCRecovery</a:t>
-            </a:r>
-            <a:r>
-              <a:rPr kumimoji="1" lang="en-US" altLang="ja-JP" dirty="0"/>
-              <a:t>)</a:t>
-            </a:r>
-            <a:r>
-              <a:rPr kumimoji="1" lang="ja-JP" altLang="en-US" dirty="0"/>
-              <a:t>により低コスト，高速な障害復旧が可能</a:t>
-            </a:r>
-            <a:endParaRPr kumimoji="1" lang="en-US" altLang="ja-JP" dirty="0"/>
-          </a:p>
-          <a:p>
-            <a:pPr>
-              <a:buFont typeface="Wingdings" panose="05000000000000000000" pitchFamily="2" charset="2"/>
-              <a:buChar char="l"/>
-            </a:pPr>
-            <a:r>
-              <a:rPr lang="en-US" altLang="ja-JP" dirty="0"/>
-              <a:t>Zabbix</a:t>
-            </a:r>
+          <a:lstStyle>
+            <a:lvl1pPr algn="l" defTabSz="914400" rtl="0" eaLnBrk="1" latinLnBrk="0" hangingPunct="1">
+              <a:lnSpc>
+                <a:spcPct val="85000"/>
+              </a:lnSpc>
+              <a:spcBef>
+                <a:spcPct val="0"/>
+              </a:spcBef>
+              <a:buNone/>
+              <a:defRPr kumimoji="1" sz="4800" kern="1200" spc="-50" baseline="0">
+                <a:solidFill>
+                  <a:schemeClr val="tx1">
+                    <a:lumMod val="75000"/>
+                    <a:lumOff val="25000"/>
+                  </a:schemeClr>
+                </a:solidFill>
+                <a:latin typeface="+mj-lt"/>
+                <a:ea typeface="+mj-ea"/>
+                <a:cs typeface="+mj-cs"/>
+              </a:defRPr>
+            </a:lvl1pPr>
+          </a:lstStyle>
+          <a:p>
+            <a:pPr algn="ctr"/>
             <a:r>
               <a:rPr lang="ja-JP" altLang="en-US" dirty="0"/>
-              <a:t>や</a:t>
-            </a:r>
-            <a:r>
-              <a:rPr lang="en-US" altLang="ja-JP" dirty="0"/>
-              <a:t>LXD</a:t>
-            </a:r>
-            <a:r>
-              <a:rPr lang="ja-JP" altLang="en-US" dirty="0"/>
-              <a:t>により自動で障害検知，復旧を行うことが可能</a:t>
-            </a:r>
-            <a:endParaRPr lang="en-US" altLang="ja-JP" dirty="0"/>
-          </a:p>
-          <a:p>
-            <a:pPr>
-              <a:buFont typeface="Wingdings" panose="05000000000000000000" pitchFamily="2" charset="2"/>
-              <a:buChar char="l"/>
-            </a:pPr>
-            <a:endParaRPr kumimoji="1" lang="en-US" altLang="ja-JP" dirty="0"/>
-          </a:p>
-          <a:p>
-            <a:pPr>
-              <a:buFont typeface="Wingdings" panose="05000000000000000000" pitchFamily="2" charset="2"/>
-              <a:buChar char="l"/>
-            </a:pPr>
-            <a:r>
-              <a:rPr lang="ja-JP" altLang="en-US" dirty="0"/>
-              <a:t>今後の課題</a:t>
-            </a:r>
-            <a:endParaRPr lang="en-US" altLang="ja-JP" dirty="0"/>
-          </a:p>
-          <a:p>
-            <a:pPr lvl="1">
-              <a:buFont typeface="Wingdings" panose="05000000000000000000" pitchFamily="2" charset="2"/>
-              <a:buChar char="l"/>
-            </a:pPr>
-            <a:r>
-              <a:rPr kumimoji="1" lang="ja-JP" altLang="en-US" dirty="0"/>
-              <a:t>運用系</a:t>
-            </a:r>
-            <a:r>
-              <a:rPr kumimoji="1" lang="en-US" altLang="ja-JP" dirty="0"/>
-              <a:t>VM</a:t>
-            </a:r>
-            <a:r>
-              <a:rPr kumimoji="1" lang="ja-JP" altLang="en-US" dirty="0"/>
-              <a:t>と待機系</a:t>
-            </a:r>
-            <a:r>
-              <a:rPr kumimoji="1" lang="en-US" altLang="ja-JP" dirty="0"/>
-              <a:t>VM</a:t>
-            </a:r>
-            <a:r>
-              <a:rPr kumimoji="1" lang="ja-JP" altLang="en-US" dirty="0"/>
-              <a:t>内コンテナの間で</a:t>
-            </a:r>
-            <a:r>
-              <a:rPr kumimoji="1" lang="en-US" altLang="ja-JP" dirty="0"/>
-              <a:t>VM</a:t>
-            </a:r>
-            <a:r>
-              <a:rPr kumimoji="1" lang="ja-JP" altLang="en-US" dirty="0"/>
-              <a:t>状態の同期をどのようにとるか検討</a:t>
-            </a:r>
-            <a:endParaRPr kumimoji="1" lang="en-US" altLang="ja-JP" dirty="0"/>
-          </a:p>
-          <a:p>
-            <a:pPr lvl="1">
-              <a:buFont typeface="Wingdings" panose="05000000000000000000" pitchFamily="2" charset="2"/>
-              <a:buChar char="l"/>
-            </a:pPr>
-            <a:r>
-              <a:rPr lang="ja-JP" altLang="en-US" dirty="0"/>
-              <a:t>障害規模に応じた障害対策の実現</a:t>
-            </a:r>
-            <a:endParaRPr lang="en-US" altLang="ja-JP" dirty="0"/>
-          </a:p>
-          <a:p>
-            <a:pPr lvl="1">
-              <a:buFont typeface="Wingdings" panose="05000000000000000000" pitchFamily="2" charset="2"/>
-              <a:buChar char="l"/>
-            </a:pPr>
-            <a:r>
-              <a:rPr kumimoji="1" lang="ja-JP" altLang="en-US" dirty="0"/>
-              <a:t>ライブマイグレーション利用によるダウンタイムの削減</a:t>
+              <a:t>補足</a:t>
             </a:r>
           </a:p>
         </p:txBody>
@@ -12345,7 +12327,7 @@
     </p:spTree>
     <p:extLst>
       <p:ext uri="{BB962C8B-B14F-4D97-AF65-F5344CB8AC3E}">
-        <p14:creationId xmlns:p14="http://schemas.microsoft.com/office/powerpoint/2010/main" val="2731036769"/>
+        <p14:creationId xmlns:p14="http://schemas.microsoft.com/office/powerpoint/2010/main" val="3545044364"/>
       </p:ext>
     </p:extLst>
   </p:cSld>
@@ -12372,12 +12354,47 @@
           <a:chExt cx="0" cy="0"/>
         </a:xfrm>
       </p:grpSpPr>
+      <p:pic>
+        <p:nvPicPr>
+          <p:cNvPr id="6" name="図 5">
+            <a:extLst>
+              <a:ext uri="{FF2B5EF4-FFF2-40B4-BE49-F238E27FC236}">
+                <a16:creationId xmlns:a16="http://schemas.microsoft.com/office/drawing/2014/main" id="{EBD14847-38B9-4119-AB0B-86F4FE2C1910}"/>
+              </a:ext>
+            </a:extLst>
+          </p:cNvPr>
+          <p:cNvPicPr>
+            <a:picLocks noChangeAspect="1"/>
+          </p:cNvPicPr>
+          <p:nvPr/>
+        </p:nvPicPr>
+        <p:blipFill rotWithShape="1">
+          <a:blip r:embed="rId2">
+            <a:extLst>
+              <a:ext uri="{28A0092B-C50C-407E-A947-70E740481C1C}">
+                <a14:useLocalDpi xmlns:a14="http://schemas.microsoft.com/office/drawing/2010/main" val="0"/>
+              </a:ext>
+            </a:extLst>
+          </a:blip>
+          <a:srcRect t="3863" b="3832"/>
+          <a:stretch/>
+        </p:blipFill>
+        <p:spPr>
+          <a:xfrm>
+            <a:off x="714201" y="2746155"/>
+            <a:ext cx="7879815" cy="3682354"/>
+          </a:xfrm>
+          <a:prstGeom prst="rect">
+            <a:avLst/>
+          </a:prstGeom>
+        </p:spPr>
+      </p:pic>
       <p:sp>
         <p:nvSpPr>
           <p:cNvPr id="2" name="タイトル 1">
             <a:extLst>
               <a:ext uri="{FF2B5EF4-FFF2-40B4-BE49-F238E27FC236}">
-                <a16:creationId xmlns:a16="http://schemas.microsoft.com/office/drawing/2014/main" id="{BC7FAB1B-214F-4A64-B51C-359E05439608}"/>
+                <a16:creationId xmlns:a16="http://schemas.microsoft.com/office/drawing/2014/main" id="{4E5E1896-14F4-4223-B7AB-CA2BC7F75E9F}"/>
               </a:ext>
             </a:extLst>
           </p:cNvPr>
@@ -12395,7 +12412,15 @@
           <a:p>
             <a:r>
               <a:rPr kumimoji="1" lang="ja-JP" altLang="en-US" dirty="0"/>
-              <a:t>不明点，疑問点</a:t>
+              <a:t>障害検知（</a:t>
+            </a:r>
+            <a:r>
+              <a:rPr lang="ja-JP" altLang="en-US" dirty="0"/>
+              <a:t>ホスト</a:t>
+            </a:r>
+            <a:r>
+              <a:rPr kumimoji="1" lang="ja-JP" altLang="en-US" dirty="0"/>
+              <a:t>）</a:t>
             </a:r>
           </a:p>
         </p:txBody>
@@ -12405,7 +12430,7 @@
           <p:cNvPr id="3" name="コンテンツ プレースホルダー 2">
             <a:extLst>
               <a:ext uri="{FF2B5EF4-FFF2-40B4-BE49-F238E27FC236}">
-                <a16:creationId xmlns:a16="http://schemas.microsoft.com/office/drawing/2014/main" id="{53CEC786-F177-4B1D-AA3D-5050ED87ABE3}"/>
+                <a16:creationId xmlns:a16="http://schemas.microsoft.com/office/drawing/2014/main" id="{5E3906CF-A294-479D-9A0D-77EB7A6E43D6}"/>
               </a:ext>
             </a:extLst>
           </p:cNvPr>
@@ -12426,14 +12451,22 @@
               <a:buChar char="l"/>
             </a:pPr>
             <a:r>
-              <a:rPr lang="en-US" altLang="ja-JP" dirty="0" err="1"/>
-              <a:t>VCRecovery</a:t>
-            </a:r>
-            <a:r>
-              <a:rPr lang="ja-JP" altLang="en-US" dirty="0"/>
-              <a:t>コールドスタンバイでの共有して使う待機系のセキュリティ</a:t>
-            </a:r>
-            <a:endParaRPr lang="en-US" altLang="ja-JP" dirty="0"/>
+              <a:rPr kumimoji="1" lang="en-US" altLang="ja-JP" dirty="0"/>
+              <a:t>Zabbix</a:t>
+            </a:r>
+            <a:r>
+              <a:rPr kumimoji="1" lang="ja-JP" altLang="en-US" dirty="0"/>
+              <a:t>サーバと</a:t>
+            </a:r>
+            <a:r>
+              <a:rPr kumimoji="1" lang="en-US" altLang="ja-JP" dirty="0" err="1"/>
+              <a:t>Zabbbix</a:t>
+            </a:r>
+            <a:r>
+              <a:rPr kumimoji="1" lang="ja-JP" altLang="en-US" dirty="0"/>
+              <a:t>エージェント間で死活監視を行う</a:t>
+            </a:r>
+            <a:endParaRPr kumimoji="1" lang="en-US" altLang="ja-JP" dirty="0"/>
           </a:p>
           <a:p>
             <a:pPr lvl="1">
@@ -12442,41 +12475,24 @@
             </a:pPr>
             <a:r>
               <a:rPr lang="ja-JP" altLang="en-US" dirty="0"/>
-              <a:t>コンテナを利用するためセキュリティが担保される理由がわからない</a:t>
+              <a:t>一定期間</a:t>
+            </a:r>
+            <a:r>
+              <a:rPr lang="en-US" altLang="ja-JP" dirty="0"/>
+              <a:t>Zabbix</a:t>
+            </a:r>
+            <a:r>
+              <a:rPr lang="ja-JP" altLang="en-US" dirty="0"/>
+              <a:t>エージェントから応答がない場合，ホストに障害が発生していると判断</a:t>
             </a:r>
             <a:endParaRPr lang="en-US" altLang="ja-JP" dirty="0"/>
-          </a:p>
-          <a:p>
-            <a:pPr>
-              <a:buFont typeface="Wingdings" panose="05000000000000000000" pitchFamily="2" charset="2"/>
-              <a:buChar char="l"/>
-            </a:pPr>
-            <a:r>
-              <a:rPr lang="en-US" altLang="ja-JP" dirty="0"/>
-              <a:t>5.6</a:t>
-            </a:r>
-            <a:r>
-              <a:rPr lang="ja-JP" altLang="en-US" dirty="0"/>
-              <a:t>秒のダウンタイムは何に対してかなり長いのかが不明</a:t>
-            </a:r>
-            <a:endParaRPr lang="en-US" altLang="ja-JP" dirty="0"/>
-          </a:p>
-          <a:p>
-            <a:pPr lvl="1">
-              <a:buFont typeface="Wingdings" panose="05000000000000000000" pitchFamily="2" charset="2"/>
-              <a:buChar char="l"/>
-            </a:pPr>
-            <a:r>
-              <a:rPr kumimoji="1" lang="ja-JP" altLang="en-US" dirty="0"/>
-              <a:t>そもそも比較を行っていない</a:t>
-            </a:r>
           </a:p>
         </p:txBody>
       </p:sp>
     </p:spTree>
     <p:extLst>
       <p:ext uri="{BB962C8B-B14F-4D97-AF65-F5344CB8AC3E}">
-        <p14:creationId xmlns:p14="http://schemas.microsoft.com/office/powerpoint/2010/main" val="962646475"/>
+        <p14:creationId xmlns:p14="http://schemas.microsoft.com/office/powerpoint/2010/main" val="204814852"/>
       </p:ext>
     </p:extLst>
   </p:cSld>
@@ -12505,144 +12521,119 @@
       </p:grpSpPr>
       <p:sp>
         <p:nvSpPr>
-          <p:cNvPr id="6" name="タイトル 3">
+          <p:cNvPr id="2" name="タイトル 1">
             <a:extLst>
               <a:ext uri="{FF2B5EF4-FFF2-40B4-BE49-F238E27FC236}">
-                <a16:creationId xmlns:a16="http://schemas.microsoft.com/office/drawing/2014/main" id="{2BFB61AF-8222-46FB-96E0-214DDFACFD40}"/>
+                <a16:creationId xmlns:a16="http://schemas.microsoft.com/office/drawing/2014/main" id="{0BBE482C-D599-4F6B-96DB-900945280BA2}"/>
               </a:ext>
             </a:extLst>
           </p:cNvPr>
-          <p:cNvSpPr txBox="1">
-            <a:spLocks/>
-          </p:cNvSpPr>
+          <p:cNvSpPr>
+            <a:spLocks noGrp="1"/>
+          </p:cNvSpPr>
+          <p:nvPr>
+            <p:ph type="title"/>
+          </p:nvPr>
+        </p:nvSpPr>
+        <p:spPr/>
+        <p:txBody>
+          <a:bodyPr/>
+          <a:lstStyle/>
+          <a:p>
+            <a:r>
+              <a:rPr kumimoji="1" lang="ja-JP" altLang="en-US" dirty="0"/>
+              <a:t>障害検知（クラウド）</a:t>
+            </a:r>
+          </a:p>
+        </p:txBody>
+      </p:sp>
+      <p:sp>
+        <p:nvSpPr>
+          <p:cNvPr id="3" name="コンテンツ プレースホルダー 2">
+            <a:extLst>
+              <a:ext uri="{FF2B5EF4-FFF2-40B4-BE49-F238E27FC236}">
+                <a16:creationId xmlns:a16="http://schemas.microsoft.com/office/drawing/2014/main" id="{BE7CBCCB-0916-4514-B473-A6456C0221C7}"/>
+              </a:ext>
+            </a:extLst>
+          </p:cNvPr>
+          <p:cNvSpPr>
+            <a:spLocks noGrp="1"/>
+          </p:cNvSpPr>
+          <p:nvPr>
+            <p:ph idx="1"/>
+          </p:nvPr>
+        </p:nvSpPr>
+        <p:spPr/>
+        <p:txBody>
+          <a:bodyPr/>
+          <a:lstStyle/>
+          <a:p>
+            <a:pPr lvl="1">
+              <a:buFont typeface="Wingdings" panose="05000000000000000000" pitchFamily="2" charset="2"/>
+              <a:buChar char="l"/>
+            </a:pPr>
+            <a:r>
+              <a:rPr lang="ja-JP" altLang="en-US" dirty="0"/>
+              <a:t>特定のクラウド内の</a:t>
+            </a:r>
+            <a:r>
+              <a:rPr lang="en-US" altLang="ja-JP" dirty="0"/>
+              <a:t>Zabbix</a:t>
+            </a:r>
+            <a:r>
+              <a:rPr lang="ja-JP" altLang="en-US" dirty="0"/>
+              <a:t>エージェントからの応答がない場合，クラウドに障害が発生していると判断</a:t>
+            </a:r>
+          </a:p>
+          <a:p>
+            <a:pPr lvl="1">
+              <a:buFont typeface="Wingdings" panose="05000000000000000000" pitchFamily="2" charset="2"/>
+              <a:buChar char="l"/>
+            </a:pPr>
+            <a:endParaRPr kumimoji="1" lang="ja-JP" altLang="en-US" dirty="0"/>
+          </a:p>
+        </p:txBody>
+      </p:sp>
+      <p:pic>
+        <p:nvPicPr>
+          <p:cNvPr id="4" name="図 3">
+            <a:extLst>
+              <a:ext uri="{FF2B5EF4-FFF2-40B4-BE49-F238E27FC236}">
+                <a16:creationId xmlns:a16="http://schemas.microsoft.com/office/drawing/2014/main" id="{203A3F29-68D1-467E-8992-B3715225B1DD}"/>
+              </a:ext>
+            </a:extLst>
+          </p:cNvPr>
+          <p:cNvPicPr>
+            <a:picLocks noChangeAspect="1"/>
+          </p:cNvPicPr>
           <p:nvPr/>
-        </p:nvSpPr>
+        </p:nvPicPr>
+        <p:blipFill>
+          <a:blip r:embed="rId2">
+            <a:extLst>
+              <a:ext uri="{28A0092B-C50C-407E-A947-70E740481C1C}">
+                <a14:useLocalDpi xmlns:a14="http://schemas.microsoft.com/office/drawing/2010/main" val="0"/>
+              </a:ext>
+            </a:extLst>
+          </a:blip>
+          <a:stretch>
+            <a:fillRect/>
+          </a:stretch>
+        </p:blipFill>
         <p:spPr>
           <a:xfrm>
-            <a:off x="800100" y="2787350"/>
-            <a:ext cx="7543800" cy="641650"/>
+            <a:off x="228600" y="2779626"/>
+            <a:ext cx="8686800" cy="3432345"/>
           </a:xfrm>
           <a:prstGeom prst="rect">
             <a:avLst/>
           </a:prstGeom>
         </p:spPr>
-        <p:txBody>
-          <a:bodyPr/>
-          <a:lstStyle>
-            <a:lvl1pPr algn="l" defTabSz="914400" rtl="0" eaLnBrk="1" latinLnBrk="0" hangingPunct="1">
-              <a:lnSpc>
-                <a:spcPct val="85000"/>
-              </a:lnSpc>
-              <a:spcBef>
-                <a:spcPct val="0"/>
-              </a:spcBef>
-              <a:buNone/>
-              <a:defRPr kumimoji="1" sz="4800" kern="1200" spc="-50" baseline="0">
-                <a:solidFill>
-                  <a:schemeClr val="tx1">
-                    <a:lumMod val="75000"/>
-                    <a:lumOff val="25000"/>
-                  </a:schemeClr>
-                </a:solidFill>
-                <a:latin typeface="+mj-lt"/>
-                <a:ea typeface="+mj-ea"/>
-                <a:cs typeface="+mj-cs"/>
-              </a:defRPr>
-            </a:lvl1pPr>
-          </a:lstStyle>
-          <a:p>
-            <a:pPr algn="ctr"/>
-            <a:r>
-              <a:rPr lang="ja-JP" altLang="en-US" dirty="0"/>
-              <a:t>補足</a:t>
-            </a:r>
-          </a:p>
-        </p:txBody>
-      </p:sp>
+      </p:pic>
     </p:spTree>
     <p:extLst>
       <p:ext uri="{BB962C8B-B14F-4D97-AF65-F5344CB8AC3E}">
-        <p14:creationId xmlns:p14="http://schemas.microsoft.com/office/powerpoint/2010/main" val="3545044364"/>
-      </p:ext>
-    </p:extLst>
-  </p:cSld>
-  <p:clrMapOvr>
-    <a:masterClrMapping/>
-  </p:clrMapOvr>
-</p:sld>
-</file>
-
-<file path=ppt/slides/slide38.xml><?xml version="1.0" encoding="utf-8"?>
-<p:sld xmlns:a="http://schemas.openxmlformats.org/drawingml/2006/main" xmlns:r="http://schemas.openxmlformats.org/officeDocument/2006/relationships" xmlns:p="http://schemas.openxmlformats.org/presentationml/2006/main">
-  <p:cSld>
-    <p:spTree>
-      <p:nvGrpSpPr>
-        <p:cNvPr id="1" name=""/>
-        <p:cNvGrpSpPr/>
-        <p:nvPr/>
-      </p:nvGrpSpPr>
-      <p:grpSpPr>
-        <a:xfrm>
-          <a:off x="0" y="0"/>
-          <a:ext cx="0" cy="0"/>
-          <a:chOff x="0" y="0"/>
-          <a:chExt cx="0" cy="0"/>
-        </a:xfrm>
-      </p:grpSpPr>
-      <p:sp>
-        <p:nvSpPr>
-          <p:cNvPr id="2" name="タイトル 1">
-            <a:extLst>
-              <a:ext uri="{FF2B5EF4-FFF2-40B4-BE49-F238E27FC236}">
-                <a16:creationId xmlns:a16="http://schemas.microsoft.com/office/drawing/2014/main" id="{2521142F-1325-43A6-AC22-8E61B10E31D9}"/>
-              </a:ext>
-            </a:extLst>
-          </p:cNvPr>
-          <p:cNvSpPr>
-            <a:spLocks noGrp="1"/>
-          </p:cNvSpPr>
-          <p:nvPr>
-            <p:ph type="title"/>
-          </p:nvPr>
-        </p:nvSpPr>
-        <p:spPr/>
-        <p:txBody>
-          <a:bodyPr/>
-          <a:lstStyle/>
-          <a:p>
-            <a:endParaRPr kumimoji="1" lang="ja-JP" altLang="en-US"/>
-          </a:p>
-        </p:txBody>
-      </p:sp>
-      <p:sp>
-        <p:nvSpPr>
-          <p:cNvPr id="3" name="コンテンツ プレースホルダー 2">
-            <a:extLst>
-              <a:ext uri="{FF2B5EF4-FFF2-40B4-BE49-F238E27FC236}">
-                <a16:creationId xmlns:a16="http://schemas.microsoft.com/office/drawing/2014/main" id="{54330EC9-C828-4A2D-8902-43A1B4858961}"/>
-              </a:ext>
-            </a:extLst>
-          </p:cNvPr>
-          <p:cNvSpPr>
-            <a:spLocks noGrp="1"/>
-          </p:cNvSpPr>
-          <p:nvPr>
-            <p:ph idx="1"/>
-          </p:nvPr>
-        </p:nvSpPr>
-        <p:spPr/>
-        <p:txBody>
-          <a:bodyPr/>
-          <a:lstStyle/>
-          <a:p>
-            <a:endParaRPr kumimoji="1" lang="ja-JP" altLang="en-US"/>
-          </a:p>
-        </p:txBody>
-      </p:sp>
-    </p:spTree>
-    <p:extLst>
-      <p:ext uri="{BB962C8B-B14F-4D97-AF65-F5344CB8AC3E}">
-        <p14:creationId xmlns:p14="http://schemas.microsoft.com/office/powerpoint/2010/main" val="3219533666"/>
+        <p14:creationId xmlns:p14="http://schemas.microsoft.com/office/powerpoint/2010/main" val="2664875199"/>
       </p:ext>
     </p:extLst>
   </p:cSld>
@@ -13377,8 +13368,8 @@
         </p:nvSpPr>
         <p:spPr>
           <a:xfrm>
-            <a:off x="800101" y="3949582"/>
-            <a:ext cx="7543798" cy="500137"/>
+            <a:off x="800101" y="4038859"/>
+            <a:ext cx="7543798" cy="438582"/>
           </a:xfrm>
           <a:prstGeom prst="rect">
             <a:avLst/>
@@ -13393,7 +13384,7 @@
           <a:p>
             <a:pPr algn="ctr"/>
             <a:r>
-              <a:rPr lang="ja-JP" altLang="en-US" sz="2800" b="1" dirty="0"/>
+              <a:rPr lang="ja-JP" altLang="en-US" sz="2400" b="1" dirty="0"/>
               <a:t>コストと復旧の速さがトレードオフ</a:t>
             </a:r>
           </a:p>
@@ -13413,8 +13404,8 @@
         </p:nvSpPr>
         <p:spPr>
           <a:xfrm>
-            <a:off x="822962" y="5510997"/>
-            <a:ext cx="7543798" cy="500137"/>
+            <a:off x="-110837" y="5666703"/>
+            <a:ext cx="9365674" cy="438582"/>
           </a:xfrm>
           <a:prstGeom prst="rect">
             <a:avLst/>
@@ -13429,8 +13420,16 @@
           <a:p>
             <a:pPr algn="ctr"/>
             <a:r>
-              <a:rPr lang="ja-JP" altLang="en-US" sz="2800" b="1" dirty="0"/>
-              <a:t>低コストかつ迅速な復旧が行えるシステムの提案</a:t>
+              <a:rPr lang="ja-JP" altLang="en-US" sz="2400" b="1" dirty="0"/>
+              <a:t>低コストかつ迅速な復旧が行えるシステム</a:t>
+            </a:r>
+            <a:r>
+              <a:rPr kumimoji="1" lang="en-US" altLang="ja-JP" sz="2400" b="1" dirty="0" err="1"/>
+              <a:t>VCRecavery</a:t>
+            </a:r>
+            <a:r>
+              <a:rPr lang="ja-JP" altLang="en-US" sz="2400" b="1" dirty="0"/>
+              <a:t>の提案</a:t>
             </a:r>
           </a:p>
         </p:txBody>
@@ -13449,7 +13448,7 @@
         </p:nvSpPr>
         <p:spPr>
           <a:xfrm>
-            <a:off x="4130733" y="4590172"/>
+            <a:off x="4130733" y="4705235"/>
             <a:ext cx="928254" cy="780372"/>
           </a:xfrm>
           <a:prstGeom prst="downArrow">

--- a/輪講2019-1_鈴木洸太.pptx
+++ b/輪講2019-1_鈴木洸太.pptx
@@ -3235,7 +3235,14 @@
         <p:spPr/>
         <p:txBody>
           <a:bodyPr/>
-          <a:lstStyle/>
+          <a:lstStyle>
+            <a:lvl1pPr>
+              <a:defRPr>
+                <a:latin typeface="+mj-ea"/>
+                <a:ea typeface="+mj-ea"/>
+              </a:defRPr>
+            </a:lvl1pPr>
+          </a:lstStyle>
           <a:p>
             <a:r>
               <a:rPr lang="ja-JP" altLang="en-US"/>
@@ -3260,27 +3267,42 @@
           <a:bodyPr/>
           <a:lstStyle>
             <a:lvl1pPr>
-              <a:defRPr sz="2000"/>
+              <a:defRPr sz="2000">
+                <a:latin typeface="+mj-ea"/>
+                <a:ea typeface="+mj-ea"/>
+              </a:defRPr>
             </a:lvl1pPr>
             <a:lvl2pPr marL="384048" indent="-182880">
               <a:buFont typeface="Wingdings" panose="05000000000000000000" pitchFamily="2" charset="2"/>
               <a:buChar char="Ø"/>
-              <a:defRPr sz="2000"/>
+              <a:defRPr sz="2000">
+                <a:latin typeface="+mj-ea"/>
+                <a:ea typeface="+mj-ea"/>
+              </a:defRPr>
             </a:lvl2pPr>
             <a:lvl3pPr marL="566928" indent="-182880">
               <a:buFont typeface="Wingdings" panose="05000000000000000000" pitchFamily="2" charset="2"/>
               <a:buChar char="Ø"/>
-              <a:defRPr sz="1800"/>
+              <a:defRPr sz="1800">
+                <a:latin typeface="+mj-ea"/>
+                <a:ea typeface="+mj-ea"/>
+              </a:defRPr>
             </a:lvl3pPr>
             <a:lvl4pPr marL="749808" indent="-182880">
               <a:buFont typeface="Wingdings" panose="05000000000000000000" pitchFamily="2" charset="2"/>
               <a:buChar char="Ø"/>
-              <a:defRPr sz="1800"/>
+              <a:defRPr sz="1800">
+                <a:latin typeface="+mj-ea"/>
+                <a:ea typeface="+mj-ea"/>
+              </a:defRPr>
             </a:lvl4pPr>
             <a:lvl5pPr marL="932688" indent="-182880">
               <a:buFont typeface="Wingdings" panose="05000000000000000000" pitchFamily="2" charset="2"/>
               <a:buChar char="Ø"/>
-              <a:defRPr sz="1500"/>
+              <a:defRPr sz="1500">
+                <a:latin typeface="+mj-ea"/>
+                <a:ea typeface="+mj-ea"/>
+              </a:defRPr>
             </a:lvl5pPr>
           </a:lstStyle>
           <a:p>
@@ -3366,10 +3388,18 @@
         <p:spPr/>
         <p:txBody>
           <a:bodyPr/>
-          <a:lstStyle/>
+          <a:lstStyle>
+            <a:lvl1pPr>
+              <a:defRPr>
+                <a:latin typeface="+mj-ea"/>
+                <a:ea typeface="+mj-ea"/>
+              </a:defRPr>
+            </a:lvl1pPr>
+          </a:lstStyle>
           <a:p>
             <a:fld id="{2F2A3BAA-AE56-4B39-BB85-0AC61BE7E721}" type="datetimeFigureOut">
               <a:rPr kumimoji="1" lang="ja-JP" altLang="en-US" smtClean="0"/>
+              <a:pPr/>
               <a:t>2019/5/7</a:t>
             </a:fld>
             <a:endParaRPr kumimoji="1" lang="ja-JP" altLang="en-US"/>
@@ -3389,7 +3419,14 @@
         <p:spPr/>
         <p:txBody>
           <a:bodyPr/>
-          <a:lstStyle/>
+          <a:lstStyle>
+            <a:lvl1pPr>
+              <a:defRPr>
+                <a:latin typeface="+mj-ea"/>
+                <a:ea typeface="+mj-ea"/>
+              </a:defRPr>
+            </a:lvl1pPr>
+          </a:lstStyle>
           <a:p>
             <a:endParaRPr kumimoji="1" lang="ja-JP" altLang="en-US"/>
           </a:p>
@@ -3408,10 +3445,18 @@
         <p:spPr/>
         <p:txBody>
           <a:bodyPr/>
-          <a:lstStyle/>
+          <a:lstStyle>
+            <a:lvl1pPr>
+              <a:defRPr>
+                <a:latin typeface="+mj-ea"/>
+                <a:ea typeface="+mj-ea"/>
+              </a:defRPr>
+            </a:lvl1pPr>
+          </a:lstStyle>
           <a:p>
             <a:fld id="{7AB22DEB-E1FF-4BEE-A182-437B9452AE5B}" type="slidenum">
               <a:rPr kumimoji="1" lang="ja-JP" altLang="en-US" smtClean="0"/>
+              <a:pPr/>
               <a:t>‹#›</a:t>
             </a:fld>
             <a:endParaRPr kumimoji="1" lang="ja-JP" altLang="en-US"/>
@@ -7934,113 +7979,12 @@
           <a:chExt cx="0" cy="0"/>
         </a:xfrm>
       </p:grpSpPr>
-      <p:sp>
-        <p:nvSpPr>
-          <p:cNvPr id="2" name="タイトル 1">
+      <p:pic>
+        <p:nvPicPr>
+          <p:cNvPr id="6" name="図 5">
             <a:extLst>
               <a:ext uri="{FF2B5EF4-FFF2-40B4-BE49-F238E27FC236}">
-                <a16:creationId xmlns:a16="http://schemas.microsoft.com/office/drawing/2014/main" id="{E9D9CB0E-30A8-4099-AADF-4AC2E5B1190B}"/>
-              </a:ext>
-            </a:extLst>
-          </p:cNvPr>
-          <p:cNvSpPr>
-            <a:spLocks noGrp="1"/>
-          </p:cNvSpPr>
-          <p:nvPr>
-            <p:ph type="title"/>
-          </p:nvPr>
-        </p:nvSpPr>
-        <p:spPr/>
-        <p:txBody>
-          <a:bodyPr/>
-          <a:lstStyle/>
-          <a:p>
-            <a:r>
-              <a:rPr kumimoji="1" lang="ja-JP" altLang="en-US" dirty="0"/>
-              <a:t>障害復旧（</a:t>
-            </a:r>
-            <a:r>
-              <a:rPr kumimoji="1" lang="en-US" altLang="ja-JP" dirty="0"/>
-              <a:t>1</a:t>
-            </a:r>
-            <a:r>
-              <a:rPr kumimoji="1" lang="ja-JP" altLang="en-US" dirty="0"/>
-              <a:t>）</a:t>
-            </a:r>
-          </a:p>
-        </p:txBody>
-      </p:sp>
-      <p:sp>
-        <p:nvSpPr>
-          <p:cNvPr id="3" name="コンテンツ プレースホルダー 2">
-            <a:extLst>
-              <a:ext uri="{FF2B5EF4-FFF2-40B4-BE49-F238E27FC236}">
-                <a16:creationId xmlns:a16="http://schemas.microsoft.com/office/drawing/2014/main" id="{D74D4EC6-8838-48AD-B620-2CDB881CF769}"/>
-              </a:ext>
-            </a:extLst>
-          </p:cNvPr>
-          <p:cNvSpPr>
-            <a:spLocks noGrp="1"/>
-          </p:cNvSpPr>
-          <p:nvPr>
-            <p:ph idx="1"/>
-          </p:nvPr>
-        </p:nvSpPr>
-        <p:spPr/>
-        <p:txBody>
-          <a:bodyPr/>
-          <a:lstStyle/>
-          <a:p>
-            <a:pPr>
-              <a:buFont typeface="Wingdings" panose="05000000000000000000" pitchFamily="2" charset="2"/>
-              <a:buChar char="l"/>
-            </a:pPr>
-            <a:r>
-              <a:rPr lang="ja-JP" altLang="en-US" dirty="0"/>
-              <a:t>復旧用スクリプトの実行</a:t>
-            </a:r>
-            <a:endParaRPr lang="en-US" altLang="ja-JP" dirty="0"/>
-          </a:p>
-          <a:p>
-            <a:pPr lvl="1">
-              <a:buFont typeface="Wingdings" panose="05000000000000000000" pitchFamily="2" charset="2"/>
-              <a:buChar char="l"/>
-            </a:pPr>
-            <a:r>
-              <a:rPr kumimoji="1" lang="ja-JP" altLang="en-US" dirty="0"/>
-              <a:t>障害検知時に，復旧用スクリプトを実行</a:t>
-            </a:r>
-            <a:endParaRPr kumimoji="1" lang="en-US" altLang="ja-JP" dirty="0"/>
-          </a:p>
-          <a:p>
-            <a:pPr lvl="1">
-              <a:buFont typeface="Wingdings" panose="05000000000000000000" pitchFamily="2" charset="2"/>
-              <a:buChar char="l"/>
-            </a:pPr>
-            <a:r>
-              <a:rPr lang="ja-JP" altLang="en-US" dirty="0"/>
-              <a:t>必要に応じてコンテナの起動</a:t>
-            </a:r>
-            <a:endParaRPr lang="en-US" altLang="ja-JP" dirty="0"/>
-          </a:p>
-          <a:p>
-            <a:pPr lvl="1">
-              <a:buFont typeface="Wingdings" panose="05000000000000000000" pitchFamily="2" charset="2"/>
-              <a:buChar char="l"/>
-            </a:pPr>
-            <a:r>
-              <a:rPr kumimoji="1" lang="ja-JP" altLang="en-US" dirty="0"/>
-              <a:t>バックアップから運用系の状態に復元</a:t>
-            </a:r>
-          </a:p>
-        </p:txBody>
-      </p:sp>
-      <p:pic>
-        <p:nvPicPr>
-          <p:cNvPr id="5" name="図 4">
-            <a:extLst>
-              <a:ext uri="{FF2B5EF4-FFF2-40B4-BE49-F238E27FC236}">
-                <a16:creationId xmlns:a16="http://schemas.microsoft.com/office/drawing/2014/main" id="{4066BE75-293F-4F2D-9DD3-61FB6A7B13D7}"/>
+                <a16:creationId xmlns:a16="http://schemas.microsoft.com/office/drawing/2014/main" id="{196A6001-61B6-4811-AF2B-3BE2D9A82894}"/>
               </a:ext>
             </a:extLst>
           </p:cNvPr>
@@ -8063,14 +8007,115 @@
         </p:blipFill>
         <p:spPr>
           <a:xfrm>
-            <a:off x="81280" y="3181221"/>
-            <a:ext cx="8981440" cy="3246484"/>
+            <a:off x="569855" y="3098485"/>
+            <a:ext cx="8050010" cy="3592140"/>
           </a:xfrm>
           <a:prstGeom prst="rect">
             <a:avLst/>
           </a:prstGeom>
         </p:spPr>
       </p:pic>
+      <p:sp>
+        <p:nvSpPr>
+          <p:cNvPr id="2" name="タイトル 1">
+            <a:extLst>
+              <a:ext uri="{FF2B5EF4-FFF2-40B4-BE49-F238E27FC236}">
+                <a16:creationId xmlns:a16="http://schemas.microsoft.com/office/drawing/2014/main" id="{E9D9CB0E-30A8-4099-AADF-4AC2E5B1190B}"/>
+              </a:ext>
+            </a:extLst>
+          </p:cNvPr>
+          <p:cNvSpPr>
+            <a:spLocks noGrp="1"/>
+          </p:cNvSpPr>
+          <p:nvPr>
+            <p:ph type="title"/>
+          </p:nvPr>
+        </p:nvSpPr>
+        <p:spPr/>
+        <p:txBody>
+          <a:bodyPr/>
+          <a:lstStyle/>
+          <a:p>
+            <a:r>
+              <a:rPr kumimoji="1" lang="ja-JP" altLang="en-US" dirty="0"/>
+              <a:t>障害復旧（</a:t>
+            </a:r>
+            <a:r>
+              <a:rPr kumimoji="1" lang="en-US" altLang="ja-JP" dirty="0"/>
+              <a:t>1</a:t>
+            </a:r>
+            <a:r>
+              <a:rPr kumimoji="1" lang="ja-JP" altLang="en-US" dirty="0"/>
+              <a:t>）</a:t>
+            </a:r>
+          </a:p>
+        </p:txBody>
+      </p:sp>
+      <p:sp>
+        <p:nvSpPr>
+          <p:cNvPr id="3" name="コンテンツ プレースホルダー 2">
+            <a:extLst>
+              <a:ext uri="{FF2B5EF4-FFF2-40B4-BE49-F238E27FC236}">
+                <a16:creationId xmlns:a16="http://schemas.microsoft.com/office/drawing/2014/main" id="{D74D4EC6-8838-48AD-B620-2CDB881CF769}"/>
+              </a:ext>
+            </a:extLst>
+          </p:cNvPr>
+          <p:cNvSpPr>
+            <a:spLocks noGrp="1"/>
+          </p:cNvSpPr>
+          <p:nvPr>
+            <p:ph idx="1"/>
+          </p:nvPr>
+        </p:nvSpPr>
+        <p:spPr/>
+        <p:txBody>
+          <a:bodyPr/>
+          <a:lstStyle/>
+          <a:p>
+            <a:pPr>
+              <a:buFont typeface="Wingdings" panose="05000000000000000000" pitchFamily="2" charset="2"/>
+              <a:buChar char="l"/>
+            </a:pPr>
+            <a:r>
+              <a:rPr lang="ja-JP" altLang="en-US" dirty="0"/>
+              <a:t>復旧用スクリプトの実行</a:t>
+            </a:r>
+            <a:endParaRPr lang="en-US" altLang="ja-JP" dirty="0"/>
+          </a:p>
+          <a:p>
+            <a:pPr lvl="1">
+              <a:buFont typeface="Wingdings" panose="05000000000000000000" pitchFamily="2" charset="2"/>
+              <a:buChar char="l"/>
+            </a:pPr>
+            <a:r>
+              <a:rPr kumimoji="1" lang="ja-JP" altLang="en-US" dirty="0"/>
+              <a:t>障害検知時に，復旧用スクリプトを実行</a:t>
+            </a:r>
+            <a:endParaRPr kumimoji="1" lang="en-US" altLang="ja-JP" dirty="0"/>
+          </a:p>
+          <a:p>
+            <a:pPr lvl="1">
+              <a:buFont typeface="Wingdings" panose="05000000000000000000" pitchFamily="2" charset="2"/>
+              <a:buChar char="l"/>
+            </a:pPr>
+            <a:r>
+              <a:rPr lang="ja-JP" altLang="en-US" dirty="0"/>
+              <a:t>必要に応じてコンテナの起動</a:t>
+            </a:r>
+            <a:endParaRPr lang="en-US" altLang="ja-JP" dirty="0"/>
+          </a:p>
+          <a:p>
+            <a:pPr lvl="1">
+              <a:buFont typeface="Wingdings" panose="05000000000000000000" pitchFamily="2" charset="2"/>
+              <a:buChar char="l"/>
+            </a:pPr>
+            <a:r>
+              <a:rPr kumimoji="1" lang="ja-JP" altLang="en-US" dirty="0"/>
+              <a:t>バックアップから運用系の状態に復元</a:t>
+            </a:r>
+          </a:p>
+        </p:txBody>
+      </p:sp>
     </p:spTree>
     <p:extLst>
       <p:ext uri="{BB962C8B-B14F-4D97-AF65-F5344CB8AC3E}">
@@ -8101,115 +8146,12 @@
           <a:chExt cx="0" cy="0"/>
         </a:xfrm>
       </p:grpSpPr>
-      <p:sp>
-        <p:nvSpPr>
-          <p:cNvPr id="2" name="タイトル 1">
+      <p:pic>
+        <p:nvPicPr>
+          <p:cNvPr id="8" name="図 7">
             <a:extLst>
               <a:ext uri="{FF2B5EF4-FFF2-40B4-BE49-F238E27FC236}">
-                <a16:creationId xmlns:a16="http://schemas.microsoft.com/office/drawing/2014/main" id="{E9D9CB0E-30A8-4099-AADF-4AC2E5B1190B}"/>
-              </a:ext>
-            </a:extLst>
-          </p:cNvPr>
-          <p:cNvSpPr>
-            <a:spLocks noGrp="1"/>
-          </p:cNvSpPr>
-          <p:nvPr>
-            <p:ph type="title"/>
-          </p:nvPr>
-        </p:nvSpPr>
-        <p:spPr/>
-        <p:txBody>
-          <a:bodyPr/>
-          <a:lstStyle/>
-          <a:p>
-            <a:r>
-              <a:rPr kumimoji="1" lang="ja-JP" altLang="en-US" dirty="0"/>
-              <a:t>障害復旧（</a:t>
-            </a:r>
-            <a:r>
-              <a:rPr lang="en-US" altLang="ja-JP" dirty="0"/>
-              <a:t>2</a:t>
-            </a:r>
-            <a:r>
-              <a:rPr kumimoji="1" lang="ja-JP" altLang="en-US" dirty="0"/>
-              <a:t>）</a:t>
-            </a:r>
-          </a:p>
-        </p:txBody>
-      </p:sp>
-      <p:sp>
-        <p:nvSpPr>
-          <p:cNvPr id="3" name="コンテンツ プレースホルダー 2">
-            <a:extLst>
-              <a:ext uri="{FF2B5EF4-FFF2-40B4-BE49-F238E27FC236}">
-                <a16:creationId xmlns:a16="http://schemas.microsoft.com/office/drawing/2014/main" id="{D74D4EC6-8838-48AD-B620-2CDB881CF769}"/>
-              </a:ext>
-            </a:extLst>
-          </p:cNvPr>
-          <p:cNvSpPr>
-            <a:spLocks noGrp="1"/>
-          </p:cNvSpPr>
-          <p:nvPr>
-            <p:ph idx="1"/>
-          </p:nvPr>
-        </p:nvSpPr>
-        <p:spPr/>
-        <p:txBody>
-          <a:bodyPr/>
-          <a:lstStyle/>
-          <a:p>
-            <a:pPr>
-              <a:buFont typeface="Wingdings" panose="05000000000000000000" pitchFamily="2" charset="2"/>
-              <a:buChar char="l"/>
-            </a:pPr>
-            <a:r>
-              <a:rPr lang="ja-JP" altLang="en-US" dirty="0"/>
-              <a:t>サービス提供元の切り替え</a:t>
-            </a:r>
-            <a:endParaRPr lang="en-US" altLang="ja-JP" dirty="0"/>
-          </a:p>
-          <a:p>
-            <a:pPr lvl="1">
-              <a:buFont typeface="Wingdings" panose="05000000000000000000" pitchFamily="2" charset="2"/>
-              <a:buChar char="l"/>
-            </a:pPr>
-            <a:r>
-              <a:rPr kumimoji="1" lang="ja-JP" altLang="en-US" dirty="0"/>
-              <a:t>コンテナが使用するネットワークポートの確認</a:t>
-            </a:r>
-            <a:endParaRPr kumimoji="1" lang="en-US" altLang="ja-JP" dirty="0"/>
-          </a:p>
-          <a:p>
-            <a:pPr lvl="1">
-              <a:buFont typeface="Wingdings" panose="05000000000000000000" pitchFamily="2" charset="2"/>
-              <a:buChar char="l"/>
-            </a:pPr>
-            <a:r>
-              <a:rPr lang="en-US" altLang="ja-JP" dirty="0" err="1"/>
-              <a:t>DNSupdate</a:t>
-            </a:r>
-            <a:r>
-              <a:rPr lang="ja-JP" altLang="en-US" dirty="0"/>
-              <a:t>を実行し，</a:t>
-            </a:r>
-            <a:r>
-              <a:rPr lang="en-US" altLang="ja-JP" dirty="0"/>
-              <a:t>DNS</a:t>
-            </a:r>
-            <a:r>
-              <a:rPr lang="ja-JP" altLang="en-US" dirty="0"/>
-              <a:t>レコードの更新</a:t>
-            </a:r>
-            <a:endParaRPr kumimoji="1" lang="ja-JP" altLang="en-US" dirty="0"/>
-          </a:p>
-        </p:txBody>
-      </p:sp>
-      <p:pic>
-        <p:nvPicPr>
-          <p:cNvPr id="5" name="図 4">
-            <a:extLst>
-              <a:ext uri="{FF2B5EF4-FFF2-40B4-BE49-F238E27FC236}">
-                <a16:creationId xmlns:a16="http://schemas.microsoft.com/office/drawing/2014/main" id="{4066BE75-293F-4F2D-9DD3-61FB6A7B13D7}"/>
+                <a16:creationId xmlns:a16="http://schemas.microsoft.com/office/drawing/2014/main" id="{3F0B5E88-36EB-48B2-825A-4A914EC37705}"/>
               </a:ext>
             </a:extLst>
           </p:cNvPr>
@@ -8218,7 +8160,7 @@
           </p:cNvPicPr>
           <p:nvPr/>
         </p:nvPicPr>
-        <p:blipFill>
+        <p:blipFill rotWithShape="1">
           <a:blip r:embed="rId2">
             <a:extLst>
               <a:ext uri="{28A0092B-C50C-407E-A947-70E740481C1C}">
@@ -8226,20 +8168,122 @@
               </a:ext>
             </a:extLst>
           </a:blip>
-          <a:stretch>
-            <a:fillRect/>
-          </a:stretch>
+          <a:srcRect t="10782"/>
+          <a:stretch/>
         </p:blipFill>
         <p:spPr>
           <a:xfrm>
-            <a:off x="81280" y="2978549"/>
-            <a:ext cx="8981440" cy="3246484"/>
+            <a:off x="87687" y="2894877"/>
+            <a:ext cx="8968626" cy="3381232"/>
           </a:xfrm>
           <a:prstGeom prst="rect">
             <a:avLst/>
           </a:prstGeom>
         </p:spPr>
       </p:pic>
+      <p:sp>
+        <p:nvSpPr>
+          <p:cNvPr id="2" name="タイトル 1">
+            <a:extLst>
+              <a:ext uri="{FF2B5EF4-FFF2-40B4-BE49-F238E27FC236}">
+                <a16:creationId xmlns:a16="http://schemas.microsoft.com/office/drawing/2014/main" id="{E9D9CB0E-30A8-4099-AADF-4AC2E5B1190B}"/>
+              </a:ext>
+            </a:extLst>
+          </p:cNvPr>
+          <p:cNvSpPr>
+            <a:spLocks noGrp="1"/>
+          </p:cNvSpPr>
+          <p:nvPr>
+            <p:ph type="title"/>
+          </p:nvPr>
+        </p:nvSpPr>
+        <p:spPr/>
+        <p:txBody>
+          <a:bodyPr/>
+          <a:lstStyle/>
+          <a:p>
+            <a:r>
+              <a:rPr kumimoji="1" lang="ja-JP" altLang="en-US" dirty="0"/>
+              <a:t>障害復旧（</a:t>
+            </a:r>
+            <a:r>
+              <a:rPr lang="en-US" altLang="ja-JP" dirty="0"/>
+              <a:t>2</a:t>
+            </a:r>
+            <a:r>
+              <a:rPr kumimoji="1" lang="ja-JP" altLang="en-US" dirty="0"/>
+              <a:t>）</a:t>
+            </a:r>
+          </a:p>
+        </p:txBody>
+      </p:sp>
+      <p:sp>
+        <p:nvSpPr>
+          <p:cNvPr id="3" name="コンテンツ プレースホルダー 2">
+            <a:extLst>
+              <a:ext uri="{FF2B5EF4-FFF2-40B4-BE49-F238E27FC236}">
+                <a16:creationId xmlns:a16="http://schemas.microsoft.com/office/drawing/2014/main" id="{D74D4EC6-8838-48AD-B620-2CDB881CF769}"/>
+              </a:ext>
+            </a:extLst>
+          </p:cNvPr>
+          <p:cNvSpPr>
+            <a:spLocks noGrp="1"/>
+          </p:cNvSpPr>
+          <p:nvPr>
+            <p:ph idx="1"/>
+          </p:nvPr>
+        </p:nvSpPr>
+        <p:spPr/>
+        <p:txBody>
+          <a:bodyPr/>
+          <a:lstStyle/>
+          <a:p>
+            <a:pPr>
+              <a:buFont typeface="Wingdings" panose="05000000000000000000" pitchFamily="2" charset="2"/>
+              <a:buChar char="l"/>
+            </a:pPr>
+            <a:r>
+              <a:rPr lang="ja-JP" altLang="en-US" dirty="0"/>
+              <a:t>サービス提供元の切り替え</a:t>
+            </a:r>
+            <a:endParaRPr lang="en-US" altLang="ja-JP" dirty="0"/>
+          </a:p>
+          <a:p>
+            <a:pPr lvl="1">
+              <a:buFont typeface="Wingdings" panose="05000000000000000000" pitchFamily="2" charset="2"/>
+              <a:buChar char="l"/>
+            </a:pPr>
+            <a:r>
+              <a:rPr kumimoji="1" lang="ja-JP" altLang="en-US" dirty="0"/>
+              <a:t>コンテナが使用するネットワークポートの確認</a:t>
+            </a:r>
+            <a:endParaRPr kumimoji="1" lang="en-US" altLang="ja-JP" dirty="0"/>
+          </a:p>
+          <a:p>
+            <a:pPr lvl="1">
+              <a:buFont typeface="Wingdings" panose="05000000000000000000" pitchFamily="2" charset="2"/>
+              <a:buChar char="l"/>
+            </a:pPr>
+            <a:r>
+              <a:rPr lang="en-US" altLang="ja-JP" dirty="0" err="1"/>
+              <a:t>DNSupdate</a:t>
+            </a:r>
+            <a:r>
+              <a:rPr lang="ja-JP" altLang="en-US" dirty="0"/>
+              <a:t>を実行し，</a:t>
+            </a:r>
+            <a:r>
+              <a:rPr lang="en-US" altLang="ja-JP" dirty="0"/>
+              <a:t>DNS</a:t>
+            </a:r>
+            <a:r>
+              <a:rPr lang="ja-JP" altLang="en-US" dirty="0"/>
+              <a:t>レコードの更新</a:t>
+            </a:r>
+            <a:endParaRPr kumimoji="1" lang="ja-JP" altLang="en-US" dirty="0"/>
+          </a:p>
+        </p:txBody>
+      </p:sp>
     </p:spTree>
     <p:extLst>
       <p:ext uri="{BB962C8B-B14F-4D97-AF65-F5344CB8AC3E}">

--- a/輪講2019-1_鈴木洸太.pptx
+++ b/輪講2019-1_鈴木洸太.pptx
@@ -2444,6 +2444,13 @@
             <a:schemeClr val="lt1"/>
           </a:fontRef>
         </p:style>
+        <p:txBody>
+          <a:bodyPr/>
+          <a:lstStyle/>
+          <a:p>
+            <a:endParaRPr lang="ja-JP" altLang="en-US" dirty="0"/>
+          </a:p>
+        </p:txBody>
       </p:sp>
       <p:sp>
         <p:nvSpPr>
@@ -2614,7 +2621,7 @@
           <a:bodyPr/>
           <a:lstStyle/>
           <a:p>
-            <a:fld id="{2F2A3BAA-AE56-4B39-BB85-0AC61BE7E721}" type="datetimeFigureOut">
+            <a:fld id="{E27858CE-DDE9-4A04-8EBF-2063ACC7C2C9}" type="datetime1">
               <a:rPr kumimoji="1" lang="ja-JP" altLang="en-US" smtClean="0"/>
               <a:t>2019/5/7</a:t>
             </a:fld>
@@ -2637,29 +2644,6 @@
           <a:bodyPr/>
           <a:lstStyle/>
           <a:p>
-            <a:endParaRPr kumimoji="1" lang="ja-JP" altLang="en-US"/>
-          </a:p>
-        </p:txBody>
-      </p:sp>
-      <p:sp>
-        <p:nvSpPr>
-          <p:cNvPr id="6" name="Slide Number Placeholder 5"/>
-          <p:cNvSpPr>
-            <a:spLocks noGrp="1"/>
-          </p:cNvSpPr>
-          <p:nvPr>
-            <p:ph type="sldNum" sz="quarter" idx="12"/>
-          </p:nvPr>
-        </p:nvSpPr>
-        <p:spPr/>
-        <p:txBody>
-          <a:bodyPr/>
-          <a:lstStyle/>
-          <a:p>
-            <a:fld id="{7AB22DEB-E1FF-4BEE-A182-437B9452AE5B}" type="slidenum">
-              <a:rPr kumimoji="1" lang="ja-JP" altLang="en-US" smtClean="0"/>
-              <a:t>‹#›</a:t>
-            </a:fld>
             <a:endParaRPr kumimoji="1" lang="ja-JP" altLang="en-US"/>
           </a:p>
         </p:txBody>
@@ -2854,7 +2838,7 @@
           <a:bodyPr/>
           <a:lstStyle/>
           <a:p>
-            <a:fld id="{2F2A3BAA-AE56-4B39-BB85-0AC61BE7E721}" type="datetimeFigureOut">
+            <a:fld id="{A64118A6-9EC3-4547-A91D-44D3D7EC5C6B}" type="datetime1">
               <a:rPr kumimoji="1" lang="ja-JP" altLang="en-US" smtClean="0"/>
               <a:t>2019/5/7</a:t>
             </a:fld>
@@ -3142,7 +3126,7 @@
           <a:bodyPr/>
           <a:lstStyle/>
           <a:p>
-            <a:fld id="{2F2A3BAA-AE56-4B39-BB85-0AC61BE7E721}" type="datetimeFigureOut">
+            <a:fld id="{4A58F268-75CF-42FE-A4F1-73E4507610FC}" type="datetime1">
               <a:rPr kumimoji="1" lang="ja-JP" altLang="en-US" smtClean="0"/>
               <a:t>2019/5/7</a:t>
             </a:fld>
@@ -3397,9 +3381,8 @@
             </a:lvl1pPr>
           </a:lstStyle>
           <a:p>
-            <a:fld id="{2F2A3BAA-AE56-4B39-BB85-0AC61BE7E721}" type="datetimeFigureOut">
+            <a:fld id="{65577874-0787-4985-B228-9A19B3B9A257}" type="datetime1">
               <a:rPr kumimoji="1" lang="ja-JP" altLang="en-US" smtClean="0"/>
-              <a:pPr/>
               <a:t>2019/5/7</a:t>
             </a:fld>
             <a:endParaRPr kumimoji="1" lang="ja-JP" altLang="en-US"/>
@@ -3447,7 +3430,7 @@
           <a:bodyPr/>
           <a:lstStyle>
             <a:lvl1pPr>
-              <a:defRPr>
+              <a:defRPr sz="2000">
                 <a:latin typeface="+mj-ea"/>
                 <a:ea typeface="+mj-ea"/>
               </a:defRPr>
@@ -3459,7 +3442,7 @@
               <a:pPr/>
               <a:t>‹#›</a:t>
             </a:fld>
-            <a:endParaRPr kumimoji="1" lang="ja-JP" altLang="en-US"/>
+            <a:endParaRPr kumimoji="1" lang="ja-JP" altLang="en-US" dirty="0"/>
           </a:p>
         </p:txBody>
       </p:sp>
@@ -3756,7 +3739,7 @@
           <a:bodyPr/>
           <a:lstStyle/>
           <a:p>
-            <a:fld id="{2F2A3BAA-AE56-4B39-BB85-0AC61BE7E721}" type="datetimeFigureOut">
+            <a:fld id="{E61CD160-77C4-4BF3-B718-2B233430A5B7}" type="datetime1">
               <a:rPr kumimoji="1" lang="ja-JP" altLang="en-US" smtClean="0"/>
               <a:t>2019/5/7</a:t>
             </a:fld>
@@ -4095,7 +4078,7 @@
           <a:bodyPr/>
           <a:lstStyle/>
           <a:p>
-            <a:fld id="{2F2A3BAA-AE56-4B39-BB85-0AC61BE7E721}" type="datetimeFigureOut">
+            <a:fld id="{D4C57AD7-0CB0-463E-A9C3-85A784F1492B}" type="datetime1">
               <a:rPr kumimoji="1" lang="ja-JP" altLang="en-US" smtClean="0"/>
               <a:t>2019/5/7</a:t>
             </a:fld>
@@ -4538,7 +4521,7 @@
           <a:bodyPr/>
           <a:lstStyle/>
           <a:p>
-            <a:fld id="{2F2A3BAA-AE56-4B39-BB85-0AC61BE7E721}" type="datetimeFigureOut">
+            <a:fld id="{295FD65F-2652-4305-A538-C0D2B756A004}" type="datetime1">
               <a:rPr kumimoji="1" lang="ja-JP" altLang="en-US" smtClean="0"/>
               <a:t>2019/5/7</a:t>
             </a:fld>
@@ -4656,7 +4639,7 @@
           <a:bodyPr/>
           <a:lstStyle/>
           <a:p>
-            <a:fld id="{2F2A3BAA-AE56-4B39-BB85-0AC61BE7E721}" type="datetimeFigureOut">
+            <a:fld id="{4C2F30D7-142A-418E-A765-6C0531409186}" type="datetime1">
               <a:rPr kumimoji="1" lang="ja-JP" altLang="en-US" smtClean="0"/>
               <a:t>2019/5/7</a:t>
             </a:fld>
@@ -4827,7 +4810,7 @@
           <a:bodyPr/>
           <a:lstStyle/>
           <a:p>
-            <a:fld id="{2F2A3BAA-AE56-4B39-BB85-0AC61BE7E721}" type="datetimeFigureOut">
+            <a:fld id="{F59C4EBF-BBB3-44B8-88DF-5604082AE83A}" type="datetime1">
               <a:rPr kumimoji="1" lang="ja-JP" altLang="en-US" smtClean="0"/>
               <a:t>2019/5/7</a:t>
             </a:fld>
@@ -5213,7 +5196,7 @@
             </a:lvl1pPr>
           </a:lstStyle>
           <a:p>
-            <a:fld id="{2F2A3BAA-AE56-4B39-BB85-0AC61BE7E721}" type="datetimeFigureOut">
+            <a:fld id="{84069CDD-59B6-4E3F-85B0-6BFC73D857B3}" type="datetime1">
               <a:rPr kumimoji="1" lang="ja-JP" altLang="en-US" smtClean="0"/>
               <a:t>2019/5/7</a:t>
             </a:fld>
@@ -5590,7 +5573,7 @@
           <a:bodyPr/>
           <a:lstStyle/>
           <a:p>
-            <a:fld id="{2F2A3BAA-AE56-4B39-BB85-0AC61BE7E721}" type="datetimeFigureOut">
+            <a:fld id="{7E0EC4E8-7E06-4597-8A06-6F2C96D16B8A}" type="datetime1">
               <a:rPr kumimoji="1" lang="ja-JP" altLang="en-US" smtClean="0"/>
               <a:t>2019/5/7</a:t>
             </a:fld>
@@ -5909,7 +5892,7 @@
             </a:lvl1pPr>
           </a:lstStyle>
           <a:p>
-            <a:fld id="{2F2A3BAA-AE56-4B39-BB85-0AC61BE7E721}" type="datetimeFigureOut">
+            <a:fld id="{B3424122-6B38-46E4-A726-99509199D510}" type="datetime1">
               <a:rPr kumimoji="1" lang="ja-JP" altLang="en-US" smtClean="0"/>
               <a:t>2019/5/7</a:t>
             </a:fld>
@@ -6050,6 +6033,7 @@
     <p:sldLayoutId id="2147483829" r:id="rId10"/>
     <p:sldLayoutId id="2147483830" r:id="rId11"/>
   </p:sldLayoutIdLst>
+  <p:hf hdr="0" ftr="0" dt="0"/>
   <p:txStyles>
     <p:titleStyle>
       <a:lvl1pPr algn="l" defTabSz="914400" rtl="0" eaLnBrk="1" latinLnBrk="0" hangingPunct="1">
@@ -6545,6 +6529,40 @@
           </a:p>
         </p:txBody>
       </p:sp>
+      <p:sp>
+        <p:nvSpPr>
+          <p:cNvPr id="4" name="スライド番号プレースホルダー 3">
+            <a:extLst>
+              <a:ext uri="{FF2B5EF4-FFF2-40B4-BE49-F238E27FC236}">
+                <a16:creationId xmlns:a16="http://schemas.microsoft.com/office/drawing/2014/main" id="{C093B4BD-E68C-4950-A907-0E1957B1D004}"/>
+              </a:ext>
+            </a:extLst>
+          </p:cNvPr>
+          <p:cNvSpPr>
+            <a:spLocks noGrp="1"/>
+          </p:cNvSpPr>
+          <p:nvPr>
+            <p:ph type="sldNum" sz="quarter" idx="4294967295"/>
+          </p:nvPr>
+        </p:nvSpPr>
+        <p:spPr>
+          <a:xfrm>
+            <a:off x="7425344" y="6459786"/>
+            <a:ext cx="984019" cy="365125"/>
+          </a:xfrm>
+        </p:spPr>
+        <p:txBody>
+          <a:bodyPr/>
+          <a:lstStyle/>
+          <a:p>
+            <a:fld id="{7AB22DEB-E1FF-4BEE-A182-437B9452AE5B}" type="slidenum">
+              <a:rPr kumimoji="1" lang="ja-JP" altLang="en-US" smtClean="0"/>
+              <a:t>1</a:t>
+            </a:fld>
+            <a:endParaRPr kumimoji="1" lang="ja-JP" altLang="en-US"/>
+          </a:p>
+        </p:txBody>
+      </p:sp>
     </p:spTree>
     <p:extLst>
       <p:ext uri="{BB962C8B-B14F-4D97-AF65-F5344CB8AC3E}">
@@ -6695,6 +6713,36 @@
           </a:prstGeom>
         </p:spPr>
       </p:pic>
+      <p:sp>
+        <p:nvSpPr>
+          <p:cNvPr id="4" name="スライド番号プレースホルダー 3">
+            <a:extLst>
+              <a:ext uri="{FF2B5EF4-FFF2-40B4-BE49-F238E27FC236}">
+                <a16:creationId xmlns:a16="http://schemas.microsoft.com/office/drawing/2014/main" id="{36562710-8CD3-466B-8BFB-AB6AD4307AA2}"/>
+              </a:ext>
+            </a:extLst>
+          </p:cNvPr>
+          <p:cNvSpPr>
+            <a:spLocks noGrp="1"/>
+          </p:cNvSpPr>
+          <p:nvPr>
+            <p:ph type="sldNum" sz="quarter" idx="12"/>
+          </p:nvPr>
+        </p:nvSpPr>
+        <p:spPr/>
+        <p:txBody>
+          <a:bodyPr/>
+          <a:lstStyle/>
+          <a:p>
+            <a:fld id="{7AB22DEB-E1FF-4BEE-A182-437B9452AE5B}" type="slidenum">
+              <a:rPr kumimoji="1" lang="ja-JP" altLang="en-US" smtClean="0"/>
+              <a:pPr/>
+              <a:t>10</a:t>
+            </a:fld>
+            <a:endParaRPr kumimoji="1" lang="ja-JP" altLang="en-US"/>
+          </a:p>
+        </p:txBody>
+      </p:sp>
     </p:spTree>
     <p:extLst>
       <p:ext uri="{BB962C8B-B14F-4D97-AF65-F5344CB8AC3E}">
@@ -6849,6 +6897,36 @@
           </a:prstGeom>
         </p:spPr>
       </p:pic>
+      <p:sp>
+        <p:nvSpPr>
+          <p:cNvPr id="4" name="スライド番号プレースホルダー 3">
+            <a:extLst>
+              <a:ext uri="{FF2B5EF4-FFF2-40B4-BE49-F238E27FC236}">
+                <a16:creationId xmlns:a16="http://schemas.microsoft.com/office/drawing/2014/main" id="{04DD8DD0-BC77-466C-AF74-34C2436FF711}"/>
+              </a:ext>
+            </a:extLst>
+          </p:cNvPr>
+          <p:cNvSpPr>
+            <a:spLocks noGrp="1"/>
+          </p:cNvSpPr>
+          <p:nvPr>
+            <p:ph type="sldNum" sz="quarter" idx="12"/>
+          </p:nvPr>
+        </p:nvSpPr>
+        <p:spPr/>
+        <p:txBody>
+          <a:bodyPr/>
+          <a:lstStyle/>
+          <a:p>
+            <a:fld id="{7AB22DEB-E1FF-4BEE-A182-437B9452AE5B}" type="slidenum">
+              <a:rPr kumimoji="1" lang="ja-JP" altLang="en-US" smtClean="0"/>
+              <a:pPr/>
+              <a:t>11</a:t>
+            </a:fld>
+            <a:endParaRPr kumimoji="1" lang="ja-JP" altLang="en-US"/>
+          </a:p>
+        </p:txBody>
+      </p:sp>
     </p:spTree>
     <p:extLst>
       <p:ext uri="{BB962C8B-B14F-4D97-AF65-F5344CB8AC3E}">
@@ -7018,6 +7096,36 @@
           </a:prstGeom>
         </p:spPr>
       </p:pic>
+      <p:sp>
+        <p:nvSpPr>
+          <p:cNvPr id="4" name="スライド番号プレースホルダー 3">
+            <a:extLst>
+              <a:ext uri="{FF2B5EF4-FFF2-40B4-BE49-F238E27FC236}">
+                <a16:creationId xmlns:a16="http://schemas.microsoft.com/office/drawing/2014/main" id="{A54B4541-C04F-4BD1-9C32-381A4579684F}"/>
+              </a:ext>
+            </a:extLst>
+          </p:cNvPr>
+          <p:cNvSpPr>
+            <a:spLocks noGrp="1"/>
+          </p:cNvSpPr>
+          <p:nvPr>
+            <p:ph type="sldNum" sz="quarter" idx="12"/>
+          </p:nvPr>
+        </p:nvSpPr>
+        <p:spPr/>
+        <p:txBody>
+          <a:bodyPr/>
+          <a:lstStyle/>
+          <a:p>
+            <a:fld id="{7AB22DEB-E1FF-4BEE-A182-437B9452AE5B}" type="slidenum">
+              <a:rPr kumimoji="1" lang="ja-JP" altLang="en-US" smtClean="0"/>
+              <a:pPr/>
+              <a:t>12</a:t>
+            </a:fld>
+            <a:endParaRPr kumimoji="1" lang="ja-JP" altLang="en-US"/>
+          </a:p>
+        </p:txBody>
+      </p:sp>
     </p:spTree>
     <p:extLst>
       <p:ext uri="{BB962C8B-B14F-4D97-AF65-F5344CB8AC3E}">
@@ -7213,6 +7321,36 @@
           </a:prstGeom>
         </p:spPr>
       </p:pic>
+      <p:sp>
+        <p:nvSpPr>
+          <p:cNvPr id="4" name="スライド番号プレースホルダー 3">
+            <a:extLst>
+              <a:ext uri="{FF2B5EF4-FFF2-40B4-BE49-F238E27FC236}">
+                <a16:creationId xmlns:a16="http://schemas.microsoft.com/office/drawing/2014/main" id="{1D4B421E-51B3-4479-A309-3B662C428650}"/>
+              </a:ext>
+            </a:extLst>
+          </p:cNvPr>
+          <p:cNvSpPr>
+            <a:spLocks noGrp="1"/>
+          </p:cNvSpPr>
+          <p:nvPr>
+            <p:ph type="sldNum" sz="quarter" idx="12"/>
+          </p:nvPr>
+        </p:nvSpPr>
+        <p:spPr/>
+        <p:txBody>
+          <a:bodyPr/>
+          <a:lstStyle/>
+          <a:p>
+            <a:fld id="{7AB22DEB-E1FF-4BEE-A182-437B9452AE5B}" type="slidenum">
+              <a:rPr kumimoji="1" lang="ja-JP" altLang="en-US" smtClean="0"/>
+              <a:pPr/>
+              <a:t>13</a:t>
+            </a:fld>
+            <a:endParaRPr kumimoji="1" lang="ja-JP" altLang="en-US"/>
+          </a:p>
+        </p:txBody>
+      </p:sp>
     </p:spTree>
     <p:extLst>
       <p:ext uri="{BB962C8B-B14F-4D97-AF65-F5344CB8AC3E}">
@@ -7418,6 +7556,36 @@
           </a:p>
         </p:txBody>
       </p:sp>
+      <p:sp>
+        <p:nvSpPr>
+          <p:cNvPr id="4" name="スライド番号プレースホルダー 3">
+            <a:extLst>
+              <a:ext uri="{FF2B5EF4-FFF2-40B4-BE49-F238E27FC236}">
+                <a16:creationId xmlns:a16="http://schemas.microsoft.com/office/drawing/2014/main" id="{1E9D32E2-09D0-45A1-9AFF-4BD82277AC75}"/>
+              </a:ext>
+            </a:extLst>
+          </p:cNvPr>
+          <p:cNvSpPr>
+            <a:spLocks noGrp="1"/>
+          </p:cNvSpPr>
+          <p:nvPr>
+            <p:ph type="sldNum" sz="quarter" idx="12"/>
+          </p:nvPr>
+        </p:nvSpPr>
+        <p:spPr/>
+        <p:txBody>
+          <a:bodyPr/>
+          <a:lstStyle/>
+          <a:p>
+            <a:fld id="{7AB22DEB-E1FF-4BEE-A182-437B9452AE5B}" type="slidenum">
+              <a:rPr kumimoji="1" lang="ja-JP" altLang="en-US" smtClean="0"/>
+              <a:pPr/>
+              <a:t>14</a:t>
+            </a:fld>
+            <a:endParaRPr kumimoji="1" lang="ja-JP" altLang="en-US"/>
+          </a:p>
+        </p:txBody>
+      </p:sp>
     </p:spTree>
     <p:extLst>
       <p:ext uri="{BB962C8B-B14F-4D97-AF65-F5344CB8AC3E}">
@@ -7602,6 +7770,36 @@
           </a:prstGeom>
         </p:spPr>
       </p:pic>
+      <p:sp>
+        <p:nvSpPr>
+          <p:cNvPr id="5" name="スライド番号プレースホルダー 4">
+            <a:extLst>
+              <a:ext uri="{FF2B5EF4-FFF2-40B4-BE49-F238E27FC236}">
+                <a16:creationId xmlns:a16="http://schemas.microsoft.com/office/drawing/2014/main" id="{9E9A192A-62C7-4E24-9662-4A59E392460D}"/>
+              </a:ext>
+            </a:extLst>
+          </p:cNvPr>
+          <p:cNvSpPr>
+            <a:spLocks noGrp="1"/>
+          </p:cNvSpPr>
+          <p:nvPr>
+            <p:ph type="sldNum" sz="quarter" idx="12"/>
+          </p:nvPr>
+        </p:nvSpPr>
+        <p:spPr/>
+        <p:txBody>
+          <a:bodyPr/>
+          <a:lstStyle/>
+          <a:p>
+            <a:fld id="{7AB22DEB-E1FF-4BEE-A182-437B9452AE5B}" type="slidenum">
+              <a:rPr kumimoji="1" lang="ja-JP" altLang="en-US" smtClean="0"/>
+              <a:pPr/>
+              <a:t>15</a:t>
+            </a:fld>
+            <a:endParaRPr kumimoji="1" lang="ja-JP" altLang="en-US"/>
+          </a:p>
+        </p:txBody>
+      </p:sp>
     </p:spTree>
     <p:extLst>
       <p:ext uri="{BB962C8B-B14F-4D97-AF65-F5344CB8AC3E}">
@@ -7772,6 +7970,36 @@
           </a:prstGeom>
         </p:spPr>
       </p:pic>
+      <p:sp>
+        <p:nvSpPr>
+          <p:cNvPr id="4" name="スライド番号プレースホルダー 3">
+            <a:extLst>
+              <a:ext uri="{FF2B5EF4-FFF2-40B4-BE49-F238E27FC236}">
+                <a16:creationId xmlns:a16="http://schemas.microsoft.com/office/drawing/2014/main" id="{660F72D4-618A-4AB3-9494-69AE2D21F9D7}"/>
+              </a:ext>
+            </a:extLst>
+          </p:cNvPr>
+          <p:cNvSpPr>
+            <a:spLocks noGrp="1"/>
+          </p:cNvSpPr>
+          <p:nvPr>
+            <p:ph type="sldNum" sz="quarter" idx="12"/>
+          </p:nvPr>
+        </p:nvSpPr>
+        <p:spPr/>
+        <p:txBody>
+          <a:bodyPr/>
+          <a:lstStyle/>
+          <a:p>
+            <a:fld id="{7AB22DEB-E1FF-4BEE-A182-437B9452AE5B}" type="slidenum">
+              <a:rPr kumimoji="1" lang="ja-JP" altLang="en-US" smtClean="0"/>
+              <a:pPr/>
+              <a:t>16</a:t>
+            </a:fld>
+            <a:endParaRPr kumimoji="1" lang="ja-JP" altLang="en-US"/>
+          </a:p>
+        </p:txBody>
+      </p:sp>
     </p:spTree>
     <p:extLst>
       <p:ext uri="{BB962C8B-B14F-4D97-AF65-F5344CB8AC3E}">
@@ -7949,6 +8177,36 @@
           </a:p>
         </p:txBody>
       </p:sp>
+      <p:sp>
+        <p:nvSpPr>
+          <p:cNvPr id="4" name="スライド番号プレースホルダー 3">
+            <a:extLst>
+              <a:ext uri="{FF2B5EF4-FFF2-40B4-BE49-F238E27FC236}">
+                <a16:creationId xmlns:a16="http://schemas.microsoft.com/office/drawing/2014/main" id="{CFDB60BE-AE61-4FC1-98C9-DA078E000927}"/>
+              </a:ext>
+            </a:extLst>
+          </p:cNvPr>
+          <p:cNvSpPr>
+            <a:spLocks noGrp="1"/>
+          </p:cNvSpPr>
+          <p:nvPr>
+            <p:ph type="sldNum" sz="quarter" idx="12"/>
+          </p:nvPr>
+        </p:nvSpPr>
+        <p:spPr/>
+        <p:txBody>
+          <a:bodyPr/>
+          <a:lstStyle/>
+          <a:p>
+            <a:fld id="{7AB22DEB-E1FF-4BEE-A182-437B9452AE5B}" type="slidenum">
+              <a:rPr kumimoji="1" lang="ja-JP" altLang="en-US" smtClean="0"/>
+              <a:pPr/>
+              <a:t>17</a:t>
+            </a:fld>
+            <a:endParaRPr kumimoji="1" lang="ja-JP" altLang="en-US"/>
+          </a:p>
+        </p:txBody>
+      </p:sp>
     </p:spTree>
     <p:extLst>
       <p:ext uri="{BB962C8B-B14F-4D97-AF65-F5344CB8AC3E}">
@@ -8116,6 +8374,36 @@
           </a:p>
         </p:txBody>
       </p:sp>
+      <p:sp>
+        <p:nvSpPr>
+          <p:cNvPr id="4" name="スライド番号プレースホルダー 3">
+            <a:extLst>
+              <a:ext uri="{FF2B5EF4-FFF2-40B4-BE49-F238E27FC236}">
+                <a16:creationId xmlns:a16="http://schemas.microsoft.com/office/drawing/2014/main" id="{71FD4C74-7423-42C9-A9DF-F27251EDFBB7}"/>
+              </a:ext>
+            </a:extLst>
+          </p:cNvPr>
+          <p:cNvSpPr>
+            <a:spLocks noGrp="1"/>
+          </p:cNvSpPr>
+          <p:nvPr>
+            <p:ph type="sldNum" sz="quarter" idx="12"/>
+          </p:nvPr>
+        </p:nvSpPr>
+        <p:spPr/>
+        <p:txBody>
+          <a:bodyPr/>
+          <a:lstStyle/>
+          <a:p>
+            <a:fld id="{7AB22DEB-E1FF-4BEE-A182-437B9452AE5B}" type="slidenum">
+              <a:rPr kumimoji="1" lang="ja-JP" altLang="en-US" smtClean="0"/>
+              <a:pPr/>
+              <a:t>18</a:t>
+            </a:fld>
+            <a:endParaRPr kumimoji="1" lang="ja-JP" altLang="en-US"/>
+          </a:p>
+        </p:txBody>
+      </p:sp>
     </p:spTree>
     <p:extLst>
       <p:ext uri="{BB962C8B-B14F-4D97-AF65-F5344CB8AC3E}">
@@ -8284,6 +8572,36 @@
           </a:p>
         </p:txBody>
       </p:sp>
+      <p:sp>
+        <p:nvSpPr>
+          <p:cNvPr id="4" name="スライド番号プレースホルダー 3">
+            <a:extLst>
+              <a:ext uri="{FF2B5EF4-FFF2-40B4-BE49-F238E27FC236}">
+                <a16:creationId xmlns:a16="http://schemas.microsoft.com/office/drawing/2014/main" id="{987A5D15-2912-4130-96DC-58DCE5155E7E}"/>
+              </a:ext>
+            </a:extLst>
+          </p:cNvPr>
+          <p:cNvSpPr>
+            <a:spLocks noGrp="1"/>
+          </p:cNvSpPr>
+          <p:nvPr>
+            <p:ph type="sldNum" sz="quarter" idx="12"/>
+          </p:nvPr>
+        </p:nvSpPr>
+        <p:spPr/>
+        <p:txBody>
+          <a:bodyPr/>
+          <a:lstStyle/>
+          <a:p>
+            <a:fld id="{7AB22DEB-E1FF-4BEE-A182-437B9452AE5B}" type="slidenum">
+              <a:rPr kumimoji="1" lang="ja-JP" altLang="en-US" smtClean="0"/>
+              <a:pPr/>
+              <a:t>19</a:t>
+            </a:fld>
+            <a:endParaRPr kumimoji="1" lang="ja-JP" altLang="en-US"/>
+          </a:p>
+        </p:txBody>
+      </p:sp>
     </p:spTree>
     <p:extLst>
       <p:ext uri="{BB962C8B-B14F-4D97-AF65-F5344CB8AC3E}">
@@ -8475,10 +8793,10 @@
       </p:sp>
       <p:sp>
         <p:nvSpPr>
-          <p:cNvPr id="4" name="フッター プレースホルダー 3">
+          <p:cNvPr id="5" name="スライド番号プレースホルダー 4">
             <a:extLst>
               <a:ext uri="{FF2B5EF4-FFF2-40B4-BE49-F238E27FC236}">
-                <a16:creationId xmlns:a16="http://schemas.microsoft.com/office/drawing/2014/main" id="{71CE009B-B5EB-4D78-8573-8EB0A26ACE68}"/>
+                <a16:creationId xmlns:a16="http://schemas.microsoft.com/office/drawing/2014/main" id="{F1B075B5-DF7E-4747-958C-6F66605B8F8B}"/>
               </a:ext>
             </a:extLst>
           </p:cNvPr>
@@ -8486,42 +8804,20 @@
             <a:spLocks noGrp="1"/>
           </p:cNvSpPr>
           <p:nvPr>
-            <p:ph type="ftr" sz="quarter" idx="11"/>
-          </p:nvPr>
-        </p:nvSpPr>
-        <p:spPr>
-          <a:xfrm>
-            <a:off x="1412097" y="4630986"/>
-            <a:ext cx="3617103" cy="365125"/>
-          </a:xfrm>
-        </p:spPr>
+            <p:ph type="sldNum" sz="quarter" idx="12"/>
+          </p:nvPr>
+        </p:nvSpPr>
+        <p:spPr/>
         <p:txBody>
           <a:bodyPr/>
           <a:lstStyle/>
           <a:p>
-            <a:pPr algn="l"/>
-            <a:r>
-              <a:rPr kumimoji="1" lang="en-US" altLang="ja-JP" sz="2000" dirty="0">
-                <a:solidFill>
-                  <a:schemeClr val="tx1">
-                    <a:lumMod val="75000"/>
-                    <a:lumOff val="25000"/>
-                  </a:schemeClr>
-                </a:solidFill>
-              </a:rPr>
-              <a:t>†</a:t>
-            </a:r>
-            <a:r>
-              <a:rPr kumimoji="1" lang="ja-JP" altLang="en-US" sz="2000" dirty="0">
-                <a:solidFill>
-                  <a:schemeClr val="tx1">
-                    <a:lumMod val="75000"/>
-                    <a:lumOff val="25000"/>
-                  </a:schemeClr>
-                </a:solidFill>
-              </a:rPr>
-              <a:t>九州工業大学</a:t>
-            </a:r>
+            <a:fld id="{7AB22DEB-E1FF-4BEE-A182-437B9452AE5B}" type="slidenum">
+              <a:rPr kumimoji="1" lang="ja-JP" altLang="en-US" smtClean="0"/>
+              <a:pPr/>
+              <a:t>2</a:t>
+            </a:fld>
+            <a:endParaRPr kumimoji="1" lang="ja-JP" altLang="en-US"/>
           </a:p>
         </p:txBody>
       </p:sp>
@@ -8785,6 +9081,36 @@
               <a:t>を用いる従来システム</a:t>
             </a:r>
             <a:endParaRPr kumimoji="1" lang="ja-JP" altLang="en-US" dirty="0"/>
+          </a:p>
+        </p:txBody>
+      </p:sp>
+      <p:sp>
+        <p:nvSpPr>
+          <p:cNvPr id="2" name="スライド番号プレースホルダー 1">
+            <a:extLst>
+              <a:ext uri="{FF2B5EF4-FFF2-40B4-BE49-F238E27FC236}">
+                <a16:creationId xmlns:a16="http://schemas.microsoft.com/office/drawing/2014/main" id="{7E4DF116-FD88-49E1-8971-7945B95C7929}"/>
+              </a:ext>
+            </a:extLst>
+          </p:cNvPr>
+          <p:cNvSpPr>
+            <a:spLocks noGrp="1"/>
+          </p:cNvSpPr>
+          <p:nvPr>
+            <p:ph type="sldNum" sz="quarter" idx="12"/>
+          </p:nvPr>
+        </p:nvSpPr>
+        <p:spPr/>
+        <p:txBody>
+          <a:bodyPr/>
+          <a:lstStyle/>
+          <a:p>
+            <a:fld id="{7AB22DEB-E1FF-4BEE-A182-437B9452AE5B}" type="slidenum">
+              <a:rPr kumimoji="1" lang="ja-JP" altLang="en-US" smtClean="0"/>
+              <a:pPr/>
+              <a:t>20</a:t>
+            </a:fld>
+            <a:endParaRPr kumimoji="1" lang="ja-JP" altLang="en-US"/>
           </a:p>
         </p:txBody>
       </p:sp>
@@ -9548,6 +9874,35 @@
           </a:graphicData>
         </a:graphic>
       </p:graphicFrame>
+      <p:sp>
+        <p:nvSpPr>
+          <p:cNvPr id="3" name="スライド番号プレースホルダー 2">
+            <a:extLst>
+              <a:ext uri="{FF2B5EF4-FFF2-40B4-BE49-F238E27FC236}">
+                <a16:creationId xmlns:a16="http://schemas.microsoft.com/office/drawing/2014/main" id="{DCAF2580-078E-44E3-9083-B93F619DB2EC}"/>
+              </a:ext>
+            </a:extLst>
+          </p:cNvPr>
+          <p:cNvSpPr>
+            <a:spLocks noGrp="1"/>
+          </p:cNvSpPr>
+          <p:nvPr>
+            <p:ph type="sldNum" sz="quarter" idx="12"/>
+          </p:nvPr>
+        </p:nvSpPr>
+        <p:spPr/>
+        <p:txBody>
+          <a:bodyPr/>
+          <a:lstStyle/>
+          <a:p>
+            <a:fld id="{7AB22DEB-E1FF-4BEE-A182-437B9452AE5B}" type="slidenum">
+              <a:rPr kumimoji="1" lang="ja-JP" altLang="en-US" smtClean="0"/>
+              <a:t>21</a:t>
+            </a:fld>
+            <a:endParaRPr kumimoji="1" lang="ja-JP" altLang="en-US"/>
+          </a:p>
+        </p:txBody>
+      </p:sp>
     </p:spTree>
     <p:extLst>
       <p:ext uri="{BB962C8B-B14F-4D97-AF65-F5344CB8AC3E}">
@@ -9953,6 +10308,36 @@
           </a:p>
         </p:txBody>
       </p:sp>
+      <p:sp>
+        <p:nvSpPr>
+          <p:cNvPr id="2" name="スライド番号プレースホルダー 1">
+            <a:extLst>
+              <a:ext uri="{FF2B5EF4-FFF2-40B4-BE49-F238E27FC236}">
+                <a16:creationId xmlns:a16="http://schemas.microsoft.com/office/drawing/2014/main" id="{ADBD2003-6BC7-4E69-8065-BD6C3B77F039}"/>
+              </a:ext>
+            </a:extLst>
+          </p:cNvPr>
+          <p:cNvSpPr>
+            <a:spLocks noGrp="1"/>
+          </p:cNvSpPr>
+          <p:nvPr>
+            <p:ph type="sldNum" sz="quarter" idx="12"/>
+          </p:nvPr>
+        </p:nvSpPr>
+        <p:spPr/>
+        <p:txBody>
+          <a:bodyPr/>
+          <a:lstStyle/>
+          <a:p>
+            <a:fld id="{7AB22DEB-E1FF-4BEE-A182-437B9452AE5B}" type="slidenum">
+              <a:rPr kumimoji="1" lang="ja-JP" altLang="en-US" smtClean="0"/>
+              <a:pPr/>
+              <a:t>22</a:t>
+            </a:fld>
+            <a:endParaRPr kumimoji="1" lang="ja-JP" altLang="en-US"/>
+          </a:p>
+        </p:txBody>
+      </p:sp>
     </p:spTree>
     <p:extLst>
       <p:ext uri="{BB962C8B-B14F-4D97-AF65-F5344CB8AC3E}">
@@ -10103,6 +10488,36 @@
           </a:prstGeom>
         </p:spPr>
       </p:pic>
+      <p:sp>
+        <p:nvSpPr>
+          <p:cNvPr id="5" name="スライド番号プレースホルダー 4">
+            <a:extLst>
+              <a:ext uri="{FF2B5EF4-FFF2-40B4-BE49-F238E27FC236}">
+                <a16:creationId xmlns:a16="http://schemas.microsoft.com/office/drawing/2014/main" id="{8932A9FA-4CBB-49CE-A840-61FD40086063}"/>
+              </a:ext>
+            </a:extLst>
+          </p:cNvPr>
+          <p:cNvSpPr>
+            <a:spLocks noGrp="1"/>
+          </p:cNvSpPr>
+          <p:nvPr>
+            <p:ph type="sldNum" sz="quarter" idx="12"/>
+          </p:nvPr>
+        </p:nvSpPr>
+        <p:spPr/>
+        <p:txBody>
+          <a:bodyPr/>
+          <a:lstStyle/>
+          <a:p>
+            <a:fld id="{7AB22DEB-E1FF-4BEE-A182-437B9452AE5B}" type="slidenum">
+              <a:rPr kumimoji="1" lang="ja-JP" altLang="en-US" smtClean="0"/>
+              <a:pPr/>
+              <a:t>23</a:t>
+            </a:fld>
+            <a:endParaRPr kumimoji="1" lang="ja-JP" altLang="en-US"/>
+          </a:p>
+        </p:txBody>
+      </p:sp>
     </p:spTree>
     <p:extLst>
       <p:ext uri="{BB962C8B-B14F-4D97-AF65-F5344CB8AC3E}">
@@ -10253,6 +10668,36 @@
           </a:p>
         </p:txBody>
       </p:sp>
+      <p:sp>
+        <p:nvSpPr>
+          <p:cNvPr id="4" name="スライド番号プレースホルダー 3">
+            <a:extLst>
+              <a:ext uri="{FF2B5EF4-FFF2-40B4-BE49-F238E27FC236}">
+                <a16:creationId xmlns:a16="http://schemas.microsoft.com/office/drawing/2014/main" id="{F8450906-1B94-4086-B73E-1A6FBDDE42A8}"/>
+              </a:ext>
+            </a:extLst>
+          </p:cNvPr>
+          <p:cNvSpPr>
+            <a:spLocks noGrp="1"/>
+          </p:cNvSpPr>
+          <p:nvPr>
+            <p:ph type="sldNum" sz="quarter" idx="12"/>
+          </p:nvPr>
+        </p:nvSpPr>
+        <p:spPr/>
+        <p:txBody>
+          <a:bodyPr/>
+          <a:lstStyle/>
+          <a:p>
+            <a:fld id="{7AB22DEB-E1FF-4BEE-A182-437B9452AE5B}" type="slidenum">
+              <a:rPr kumimoji="1" lang="ja-JP" altLang="en-US" smtClean="0"/>
+              <a:pPr/>
+              <a:t>24</a:t>
+            </a:fld>
+            <a:endParaRPr kumimoji="1" lang="ja-JP" altLang="en-US"/>
+          </a:p>
+        </p:txBody>
+      </p:sp>
     </p:spTree>
     <p:extLst>
       <p:ext uri="{BB962C8B-B14F-4D97-AF65-F5344CB8AC3E}">
@@ -10408,6 +10853,36 @@
           </a:prstGeom>
         </p:spPr>
       </p:pic>
+      <p:sp>
+        <p:nvSpPr>
+          <p:cNvPr id="4" name="スライド番号プレースホルダー 3">
+            <a:extLst>
+              <a:ext uri="{FF2B5EF4-FFF2-40B4-BE49-F238E27FC236}">
+                <a16:creationId xmlns:a16="http://schemas.microsoft.com/office/drawing/2014/main" id="{55B24F84-8822-466B-BCA9-1D35D08A2902}"/>
+              </a:ext>
+            </a:extLst>
+          </p:cNvPr>
+          <p:cNvSpPr>
+            <a:spLocks noGrp="1"/>
+          </p:cNvSpPr>
+          <p:nvPr>
+            <p:ph type="sldNum" sz="quarter" idx="12"/>
+          </p:nvPr>
+        </p:nvSpPr>
+        <p:spPr/>
+        <p:txBody>
+          <a:bodyPr/>
+          <a:lstStyle/>
+          <a:p>
+            <a:fld id="{7AB22DEB-E1FF-4BEE-A182-437B9452AE5B}" type="slidenum">
+              <a:rPr kumimoji="1" lang="ja-JP" altLang="en-US" smtClean="0"/>
+              <a:pPr/>
+              <a:t>25</a:t>
+            </a:fld>
+            <a:endParaRPr kumimoji="1" lang="ja-JP" altLang="en-US"/>
+          </a:p>
+        </p:txBody>
+      </p:sp>
     </p:spTree>
     <p:extLst>
       <p:ext uri="{BB962C8B-B14F-4D97-AF65-F5344CB8AC3E}">
@@ -10586,6 +11061,36 @@
           </a:p>
         </p:txBody>
       </p:sp>
+      <p:sp>
+        <p:nvSpPr>
+          <p:cNvPr id="4" name="スライド番号プレースホルダー 3">
+            <a:extLst>
+              <a:ext uri="{FF2B5EF4-FFF2-40B4-BE49-F238E27FC236}">
+                <a16:creationId xmlns:a16="http://schemas.microsoft.com/office/drawing/2014/main" id="{98FBEEDC-FAF2-4F1B-AEF3-F58206D5F2E3}"/>
+              </a:ext>
+            </a:extLst>
+          </p:cNvPr>
+          <p:cNvSpPr>
+            <a:spLocks noGrp="1"/>
+          </p:cNvSpPr>
+          <p:nvPr>
+            <p:ph type="sldNum" sz="quarter" idx="12"/>
+          </p:nvPr>
+        </p:nvSpPr>
+        <p:spPr/>
+        <p:txBody>
+          <a:bodyPr/>
+          <a:lstStyle/>
+          <a:p>
+            <a:fld id="{7AB22DEB-E1FF-4BEE-A182-437B9452AE5B}" type="slidenum">
+              <a:rPr kumimoji="1" lang="ja-JP" altLang="en-US" smtClean="0"/>
+              <a:pPr/>
+              <a:t>26</a:t>
+            </a:fld>
+            <a:endParaRPr kumimoji="1" lang="ja-JP" altLang="en-US"/>
+          </a:p>
+        </p:txBody>
+      </p:sp>
     </p:spTree>
     <p:extLst>
       <p:ext uri="{BB962C8B-B14F-4D97-AF65-F5344CB8AC3E}">
@@ -10781,6 +11286,36 @@
               <a:t>: ZFS</a:t>
             </a:r>
             <a:endParaRPr kumimoji="1" lang="ja-JP" altLang="en-US" dirty="0"/>
+          </a:p>
+        </p:txBody>
+      </p:sp>
+      <p:sp>
+        <p:nvSpPr>
+          <p:cNvPr id="4" name="スライド番号プレースホルダー 3">
+            <a:extLst>
+              <a:ext uri="{FF2B5EF4-FFF2-40B4-BE49-F238E27FC236}">
+                <a16:creationId xmlns:a16="http://schemas.microsoft.com/office/drawing/2014/main" id="{4F2DD09B-6DDF-431D-A68F-A0A5EAF64074}"/>
+              </a:ext>
+            </a:extLst>
+          </p:cNvPr>
+          <p:cNvSpPr>
+            <a:spLocks noGrp="1"/>
+          </p:cNvSpPr>
+          <p:nvPr>
+            <p:ph type="sldNum" sz="quarter" idx="12"/>
+          </p:nvPr>
+        </p:nvSpPr>
+        <p:spPr/>
+        <p:txBody>
+          <a:bodyPr/>
+          <a:lstStyle/>
+          <a:p>
+            <a:fld id="{7AB22DEB-E1FF-4BEE-A182-437B9452AE5B}" type="slidenum">
+              <a:rPr kumimoji="1" lang="ja-JP" altLang="en-US" smtClean="0"/>
+              <a:pPr/>
+              <a:t>27</a:t>
+            </a:fld>
+            <a:endParaRPr kumimoji="1" lang="ja-JP" altLang="en-US"/>
           </a:p>
         </p:txBody>
       </p:sp>
@@ -10989,6 +11524,36 @@
           </a:p>
         </p:txBody>
       </p:sp>
+      <p:sp>
+        <p:nvSpPr>
+          <p:cNvPr id="3" name="スライド番号プレースホルダー 2">
+            <a:extLst>
+              <a:ext uri="{FF2B5EF4-FFF2-40B4-BE49-F238E27FC236}">
+                <a16:creationId xmlns:a16="http://schemas.microsoft.com/office/drawing/2014/main" id="{87FA5A5D-A563-4ECA-ACA0-83640393025D}"/>
+              </a:ext>
+            </a:extLst>
+          </p:cNvPr>
+          <p:cNvSpPr>
+            <a:spLocks noGrp="1"/>
+          </p:cNvSpPr>
+          <p:nvPr>
+            <p:ph type="sldNum" sz="quarter" idx="12"/>
+          </p:nvPr>
+        </p:nvSpPr>
+        <p:spPr/>
+        <p:txBody>
+          <a:bodyPr/>
+          <a:lstStyle/>
+          <a:p>
+            <a:fld id="{7AB22DEB-E1FF-4BEE-A182-437B9452AE5B}" type="slidenum">
+              <a:rPr kumimoji="1" lang="ja-JP" altLang="en-US" smtClean="0"/>
+              <a:pPr/>
+              <a:t>28</a:t>
+            </a:fld>
+            <a:endParaRPr kumimoji="1" lang="ja-JP" altLang="en-US"/>
+          </a:p>
+        </p:txBody>
+      </p:sp>
     </p:spTree>
     <p:extLst>
       <p:ext uri="{BB962C8B-B14F-4D97-AF65-F5344CB8AC3E}">
@@ -11157,6 +11722,36 @@
           </a:prstGeom>
         </p:spPr>
       </p:pic>
+      <p:sp>
+        <p:nvSpPr>
+          <p:cNvPr id="4" name="スライド番号プレースホルダー 3">
+            <a:extLst>
+              <a:ext uri="{FF2B5EF4-FFF2-40B4-BE49-F238E27FC236}">
+                <a16:creationId xmlns:a16="http://schemas.microsoft.com/office/drawing/2014/main" id="{6E638927-CF8F-46B1-9A46-40F4B22E067C}"/>
+              </a:ext>
+            </a:extLst>
+          </p:cNvPr>
+          <p:cNvSpPr>
+            <a:spLocks noGrp="1"/>
+          </p:cNvSpPr>
+          <p:nvPr>
+            <p:ph type="sldNum" sz="quarter" idx="12"/>
+          </p:nvPr>
+        </p:nvSpPr>
+        <p:spPr/>
+        <p:txBody>
+          <a:bodyPr/>
+          <a:lstStyle/>
+          <a:p>
+            <a:fld id="{7AB22DEB-E1FF-4BEE-A182-437B9452AE5B}" type="slidenum">
+              <a:rPr kumimoji="1" lang="ja-JP" altLang="en-US" smtClean="0"/>
+              <a:pPr/>
+              <a:t>29</a:t>
+            </a:fld>
+            <a:endParaRPr kumimoji="1" lang="ja-JP" altLang="en-US"/>
+          </a:p>
+        </p:txBody>
+      </p:sp>
     </p:spTree>
     <p:extLst>
       <p:ext uri="{BB962C8B-B14F-4D97-AF65-F5344CB8AC3E}">
@@ -11322,6 +11917,36 @@
           </a:p>
         </p:txBody>
       </p:sp>
+      <p:sp>
+        <p:nvSpPr>
+          <p:cNvPr id="4" name="スライド番号プレースホルダー 3">
+            <a:extLst>
+              <a:ext uri="{FF2B5EF4-FFF2-40B4-BE49-F238E27FC236}">
+                <a16:creationId xmlns:a16="http://schemas.microsoft.com/office/drawing/2014/main" id="{6B983A68-1025-4EA9-883A-304A5A1E707F}"/>
+              </a:ext>
+            </a:extLst>
+          </p:cNvPr>
+          <p:cNvSpPr>
+            <a:spLocks noGrp="1"/>
+          </p:cNvSpPr>
+          <p:nvPr>
+            <p:ph type="sldNum" sz="quarter" idx="12"/>
+          </p:nvPr>
+        </p:nvSpPr>
+        <p:spPr/>
+        <p:txBody>
+          <a:bodyPr/>
+          <a:lstStyle/>
+          <a:p>
+            <a:fld id="{7AB22DEB-E1FF-4BEE-A182-437B9452AE5B}" type="slidenum">
+              <a:rPr kumimoji="1" lang="ja-JP" altLang="en-US" smtClean="0"/>
+              <a:pPr/>
+              <a:t>3</a:t>
+            </a:fld>
+            <a:endParaRPr kumimoji="1" lang="ja-JP" altLang="en-US"/>
+          </a:p>
+        </p:txBody>
+      </p:sp>
     </p:spTree>
     <p:extLst>
       <p:ext uri="{BB962C8B-B14F-4D97-AF65-F5344CB8AC3E}">
@@ -11480,6 +12105,36 @@
           </a:prstGeom>
         </p:spPr>
       </p:pic>
+      <p:sp>
+        <p:nvSpPr>
+          <p:cNvPr id="4" name="スライド番号プレースホルダー 3">
+            <a:extLst>
+              <a:ext uri="{FF2B5EF4-FFF2-40B4-BE49-F238E27FC236}">
+                <a16:creationId xmlns:a16="http://schemas.microsoft.com/office/drawing/2014/main" id="{7049316D-BC1C-42FC-AC04-D9F4E9950EA5}"/>
+              </a:ext>
+            </a:extLst>
+          </p:cNvPr>
+          <p:cNvSpPr>
+            <a:spLocks noGrp="1"/>
+          </p:cNvSpPr>
+          <p:nvPr>
+            <p:ph type="sldNum" sz="quarter" idx="12"/>
+          </p:nvPr>
+        </p:nvSpPr>
+        <p:spPr/>
+        <p:txBody>
+          <a:bodyPr/>
+          <a:lstStyle/>
+          <a:p>
+            <a:fld id="{7AB22DEB-E1FF-4BEE-A182-437B9452AE5B}" type="slidenum">
+              <a:rPr kumimoji="1" lang="ja-JP" altLang="en-US" smtClean="0"/>
+              <a:pPr/>
+              <a:t>30</a:t>
+            </a:fld>
+            <a:endParaRPr kumimoji="1" lang="ja-JP" altLang="en-US"/>
+          </a:p>
+        </p:txBody>
+      </p:sp>
     </p:spTree>
     <p:extLst>
       <p:ext uri="{BB962C8B-B14F-4D97-AF65-F5344CB8AC3E}">
@@ -11773,6 +12428,36 @@
           </a:graphicData>
         </a:graphic>
       </p:graphicFrame>
+      <p:sp>
+        <p:nvSpPr>
+          <p:cNvPr id="4" name="スライド番号プレースホルダー 3">
+            <a:extLst>
+              <a:ext uri="{FF2B5EF4-FFF2-40B4-BE49-F238E27FC236}">
+                <a16:creationId xmlns:a16="http://schemas.microsoft.com/office/drawing/2014/main" id="{86FF64C3-E69D-49C6-958B-B13CFB413832}"/>
+              </a:ext>
+            </a:extLst>
+          </p:cNvPr>
+          <p:cNvSpPr>
+            <a:spLocks noGrp="1"/>
+          </p:cNvSpPr>
+          <p:nvPr>
+            <p:ph type="sldNum" sz="quarter" idx="12"/>
+          </p:nvPr>
+        </p:nvSpPr>
+        <p:spPr/>
+        <p:txBody>
+          <a:bodyPr/>
+          <a:lstStyle/>
+          <a:p>
+            <a:fld id="{7AB22DEB-E1FF-4BEE-A182-437B9452AE5B}" type="slidenum">
+              <a:rPr kumimoji="1" lang="ja-JP" altLang="en-US" smtClean="0"/>
+              <a:pPr/>
+              <a:t>31</a:t>
+            </a:fld>
+            <a:endParaRPr kumimoji="1" lang="ja-JP" altLang="en-US"/>
+          </a:p>
+        </p:txBody>
+      </p:sp>
     </p:spTree>
     <p:extLst>
       <p:ext uri="{BB962C8B-B14F-4D97-AF65-F5344CB8AC3E}">
@@ -11957,6 +12642,36 @@
           </a:prstGeom>
         </p:spPr>
       </p:pic>
+      <p:sp>
+        <p:nvSpPr>
+          <p:cNvPr id="4" name="スライド番号プレースホルダー 3">
+            <a:extLst>
+              <a:ext uri="{FF2B5EF4-FFF2-40B4-BE49-F238E27FC236}">
+                <a16:creationId xmlns:a16="http://schemas.microsoft.com/office/drawing/2014/main" id="{70624EB9-5543-4E9C-A511-BFFE80723230}"/>
+              </a:ext>
+            </a:extLst>
+          </p:cNvPr>
+          <p:cNvSpPr>
+            <a:spLocks noGrp="1"/>
+          </p:cNvSpPr>
+          <p:nvPr>
+            <p:ph type="sldNum" sz="quarter" idx="12"/>
+          </p:nvPr>
+        </p:nvSpPr>
+        <p:spPr/>
+        <p:txBody>
+          <a:bodyPr/>
+          <a:lstStyle/>
+          <a:p>
+            <a:fld id="{7AB22DEB-E1FF-4BEE-A182-437B9452AE5B}" type="slidenum">
+              <a:rPr kumimoji="1" lang="ja-JP" altLang="en-US" smtClean="0"/>
+              <a:pPr/>
+              <a:t>32</a:t>
+            </a:fld>
+            <a:endParaRPr kumimoji="1" lang="ja-JP" altLang="en-US"/>
+          </a:p>
+        </p:txBody>
+      </p:sp>
     </p:spTree>
     <p:extLst>
       <p:ext uri="{BB962C8B-B14F-4D97-AF65-F5344CB8AC3E}">
@@ -12161,6 +12876,36 @@
           </a:p>
         </p:txBody>
       </p:sp>
+      <p:sp>
+        <p:nvSpPr>
+          <p:cNvPr id="4" name="スライド番号プレースホルダー 3">
+            <a:extLst>
+              <a:ext uri="{FF2B5EF4-FFF2-40B4-BE49-F238E27FC236}">
+                <a16:creationId xmlns:a16="http://schemas.microsoft.com/office/drawing/2014/main" id="{E7A5F23A-F690-4FBD-A70F-A5B52B3C643D}"/>
+              </a:ext>
+            </a:extLst>
+          </p:cNvPr>
+          <p:cNvSpPr>
+            <a:spLocks noGrp="1"/>
+          </p:cNvSpPr>
+          <p:nvPr>
+            <p:ph type="sldNum" sz="quarter" idx="12"/>
+          </p:nvPr>
+        </p:nvSpPr>
+        <p:spPr/>
+        <p:txBody>
+          <a:bodyPr/>
+          <a:lstStyle/>
+          <a:p>
+            <a:fld id="{7AB22DEB-E1FF-4BEE-A182-437B9452AE5B}" type="slidenum">
+              <a:rPr kumimoji="1" lang="ja-JP" altLang="en-US" smtClean="0"/>
+              <a:pPr/>
+              <a:t>33</a:t>
+            </a:fld>
+            <a:endParaRPr kumimoji="1" lang="ja-JP" altLang="en-US"/>
+          </a:p>
+        </p:txBody>
+      </p:sp>
     </p:spTree>
     <p:extLst>
       <p:ext uri="{BB962C8B-B14F-4D97-AF65-F5344CB8AC3E}">
@@ -12282,6 +13027,36 @@
           </a:p>
         </p:txBody>
       </p:sp>
+      <p:sp>
+        <p:nvSpPr>
+          <p:cNvPr id="4" name="スライド番号プレースホルダー 3">
+            <a:extLst>
+              <a:ext uri="{FF2B5EF4-FFF2-40B4-BE49-F238E27FC236}">
+                <a16:creationId xmlns:a16="http://schemas.microsoft.com/office/drawing/2014/main" id="{BFE490A5-55D7-4564-B054-E57B948F97AE}"/>
+              </a:ext>
+            </a:extLst>
+          </p:cNvPr>
+          <p:cNvSpPr>
+            <a:spLocks noGrp="1"/>
+          </p:cNvSpPr>
+          <p:nvPr>
+            <p:ph type="sldNum" sz="quarter" idx="12"/>
+          </p:nvPr>
+        </p:nvSpPr>
+        <p:spPr/>
+        <p:txBody>
+          <a:bodyPr/>
+          <a:lstStyle/>
+          <a:p>
+            <a:fld id="{7AB22DEB-E1FF-4BEE-A182-437B9452AE5B}" type="slidenum">
+              <a:rPr kumimoji="1" lang="ja-JP" altLang="en-US" smtClean="0"/>
+              <a:pPr/>
+              <a:t>34</a:t>
+            </a:fld>
+            <a:endParaRPr kumimoji="1" lang="ja-JP" altLang="en-US"/>
+          </a:p>
+        </p:txBody>
+      </p:sp>
     </p:spTree>
     <p:extLst>
       <p:ext uri="{BB962C8B-B14F-4D97-AF65-F5344CB8AC3E}">
@@ -12365,6 +13140,35 @@
               <a:rPr lang="ja-JP" altLang="en-US" dirty="0"/>
               <a:t>補足</a:t>
             </a:r>
+          </a:p>
+        </p:txBody>
+      </p:sp>
+      <p:sp>
+        <p:nvSpPr>
+          <p:cNvPr id="2" name="スライド番号プレースホルダー 1">
+            <a:extLst>
+              <a:ext uri="{FF2B5EF4-FFF2-40B4-BE49-F238E27FC236}">
+                <a16:creationId xmlns:a16="http://schemas.microsoft.com/office/drawing/2014/main" id="{A662BA70-9E4A-4FC8-A30F-030631E9225A}"/>
+              </a:ext>
+            </a:extLst>
+          </p:cNvPr>
+          <p:cNvSpPr>
+            <a:spLocks noGrp="1"/>
+          </p:cNvSpPr>
+          <p:nvPr>
+            <p:ph type="sldNum" sz="quarter" idx="12"/>
+          </p:nvPr>
+        </p:nvSpPr>
+        <p:spPr/>
+        <p:txBody>
+          <a:bodyPr/>
+          <a:lstStyle/>
+          <a:p>
+            <a:fld id="{7AB22DEB-E1FF-4BEE-A182-437B9452AE5B}" type="slidenum">
+              <a:rPr kumimoji="1" lang="ja-JP" altLang="en-US" smtClean="0"/>
+              <a:t>35</a:t>
+            </a:fld>
+            <a:endParaRPr kumimoji="1" lang="ja-JP" altLang="en-US"/>
           </a:p>
         </p:txBody>
       </p:sp>
@@ -12533,6 +13337,36 @@
           </a:p>
         </p:txBody>
       </p:sp>
+      <p:sp>
+        <p:nvSpPr>
+          <p:cNvPr id="4" name="スライド番号プレースホルダー 3">
+            <a:extLst>
+              <a:ext uri="{FF2B5EF4-FFF2-40B4-BE49-F238E27FC236}">
+                <a16:creationId xmlns:a16="http://schemas.microsoft.com/office/drawing/2014/main" id="{4D5490F5-AF14-4054-B60D-2397E6BB8ED2}"/>
+              </a:ext>
+            </a:extLst>
+          </p:cNvPr>
+          <p:cNvSpPr>
+            <a:spLocks noGrp="1"/>
+          </p:cNvSpPr>
+          <p:nvPr>
+            <p:ph type="sldNum" sz="quarter" idx="12"/>
+          </p:nvPr>
+        </p:nvSpPr>
+        <p:spPr/>
+        <p:txBody>
+          <a:bodyPr/>
+          <a:lstStyle/>
+          <a:p>
+            <a:fld id="{7AB22DEB-E1FF-4BEE-A182-437B9452AE5B}" type="slidenum">
+              <a:rPr kumimoji="1" lang="ja-JP" altLang="en-US" smtClean="0"/>
+              <a:pPr/>
+              <a:t>36</a:t>
+            </a:fld>
+            <a:endParaRPr kumimoji="1" lang="ja-JP" altLang="en-US"/>
+          </a:p>
+        </p:txBody>
+      </p:sp>
     </p:spTree>
     <p:extLst>
       <p:ext uri="{BB962C8B-B14F-4D97-AF65-F5344CB8AC3E}">
@@ -12674,6 +13508,36 @@
           </a:prstGeom>
         </p:spPr>
       </p:pic>
+      <p:sp>
+        <p:nvSpPr>
+          <p:cNvPr id="5" name="スライド番号プレースホルダー 4">
+            <a:extLst>
+              <a:ext uri="{FF2B5EF4-FFF2-40B4-BE49-F238E27FC236}">
+                <a16:creationId xmlns:a16="http://schemas.microsoft.com/office/drawing/2014/main" id="{44BBC0EB-F991-4427-975F-F672CA705894}"/>
+              </a:ext>
+            </a:extLst>
+          </p:cNvPr>
+          <p:cNvSpPr>
+            <a:spLocks noGrp="1"/>
+          </p:cNvSpPr>
+          <p:nvPr>
+            <p:ph type="sldNum" sz="quarter" idx="12"/>
+          </p:nvPr>
+        </p:nvSpPr>
+        <p:spPr/>
+        <p:txBody>
+          <a:bodyPr/>
+          <a:lstStyle/>
+          <a:p>
+            <a:fld id="{7AB22DEB-E1FF-4BEE-A182-437B9452AE5B}" type="slidenum">
+              <a:rPr kumimoji="1" lang="ja-JP" altLang="en-US" smtClean="0"/>
+              <a:pPr/>
+              <a:t>37</a:t>
+            </a:fld>
+            <a:endParaRPr kumimoji="1" lang="ja-JP" altLang="en-US"/>
+          </a:p>
+        </p:txBody>
+      </p:sp>
     </p:spTree>
     <p:extLst>
       <p:ext uri="{BB962C8B-B14F-4D97-AF65-F5344CB8AC3E}">
@@ -12862,6 +13726,36 @@
           </a:p>
         </p:txBody>
       </p:sp>
+      <p:sp>
+        <p:nvSpPr>
+          <p:cNvPr id="4" name="スライド番号プレースホルダー 3">
+            <a:extLst>
+              <a:ext uri="{FF2B5EF4-FFF2-40B4-BE49-F238E27FC236}">
+                <a16:creationId xmlns:a16="http://schemas.microsoft.com/office/drawing/2014/main" id="{30DEF094-D038-48C2-BF46-437DDF453625}"/>
+              </a:ext>
+            </a:extLst>
+          </p:cNvPr>
+          <p:cNvSpPr>
+            <a:spLocks noGrp="1"/>
+          </p:cNvSpPr>
+          <p:nvPr>
+            <p:ph type="sldNum" sz="quarter" idx="12"/>
+          </p:nvPr>
+        </p:nvSpPr>
+        <p:spPr/>
+        <p:txBody>
+          <a:bodyPr/>
+          <a:lstStyle/>
+          <a:p>
+            <a:fld id="{7AB22DEB-E1FF-4BEE-A182-437B9452AE5B}" type="slidenum">
+              <a:rPr kumimoji="1" lang="ja-JP" altLang="en-US" smtClean="0"/>
+              <a:pPr/>
+              <a:t>4</a:t>
+            </a:fld>
+            <a:endParaRPr kumimoji="1" lang="ja-JP" altLang="en-US"/>
+          </a:p>
+        </p:txBody>
+      </p:sp>
     </p:spTree>
     <p:extLst>
       <p:ext uri="{BB962C8B-B14F-4D97-AF65-F5344CB8AC3E}">
@@ -13003,6 +13897,36 @@
           </a:prstGeom>
         </p:spPr>
       </p:pic>
+      <p:sp>
+        <p:nvSpPr>
+          <p:cNvPr id="4" name="スライド番号プレースホルダー 3">
+            <a:extLst>
+              <a:ext uri="{FF2B5EF4-FFF2-40B4-BE49-F238E27FC236}">
+                <a16:creationId xmlns:a16="http://schemas.microsoft.com/office/drawing/2014/main" id="{99169793-3BAA-4617-887E-B4567DB740B8}"/>
+              </a:ext>
+            </a:extLst>
+          </p:cNvPr>
+          <p:cNvSpPr>
+            <a:spLocks noGrp="1"/>
+          </p:cNvSpPr>
+          <p:nvPr>
+            <p:ph type="sldNum" sz="quarter" idx="12"/>
+          </p:nvPr>
+        </p:nvSpPr>
+        <p:spPr/>
+        <p:txBody>
+          <a:bodyPr/>
+          <a:lstStyle/>
+          <a:p>
+            <a:fld id="{7AB22DEB-E1FF-4BEE-A182-437B9452AE5B}" type="slidenum">
+              <a:rPr kumimoji="1" lang="ja-JP" altLang="en-US" smtClean="0"/>
+              <a:pPr/>
+              <a:t>5</a:t>
+            </a:fld>
+            <a:endParaRPr kumimoji="1" lang="ja-JP" altLang="en-US"/>
+          </a:p>
+        </p:txBody>
+      </p:sp>
     </p:spTree>
     <p:extLst>
       <p:ext uri="{BB962C8B-B14F-4D97-AF65-F5344CB8AC3E}">
@@ -13144,6 +14068,36 @@
           </a:prstGeom>
         </p:spPr>
       </p:pic>
+      <p:sp>
+        <p:nvSpPr>
+          <p:cNvPr id="4" name="スライド番号プレースホルダー 3">
+            <a:extLst>
+              <a:ext uri="{FF2B5EF4-FFF2-40B4-BE49-F238E27FC236}">
+                <a16:creationId xmlns:a16="http://schemas.microsoft.com/office/drawing/2014/main" id="{F2759403-7B3C-493B-92C5-AED59F19372C}"/>
+              </a:ext>
+            </a:extLst>
+          </p:cNvPr>
+          <p:cNvSpPr>
+            <a:spLocks noGrp="1"/>
+          </p:cNvSpPr>
+          <p:nvPr>
+            <p:ph type="sldNum" sz="quarter" idx="12"/>
+          </p:nvPr>
+        </p:nvSpPr>
+        <p:spPr/>
+        <p:txBody>
+          <a:bodyPr/>
+          <a:lstStyle/>
+          <a:p>
+            <a:fld id="{7AB22DEB-E1FF-4BEE-A182-437B9452AE5B}" type="slidenum">
+              <a:rPr kumimoji="1" lang="ja-JP" altLang="en-US" smtClean="0"/>
+              <a:pPr/>
+              <a:t>6</a:t>
+            </a:fld>
+            <a:endParaRPr kumimoji="1" lang="ja-JP" altLang="en-US"/>
+          </a:p>
+        </p:txBody>
+      </p:sp>
     </p:spTree>
     <p:extLst>
       <p:ext uri="{BB962C8B-B14F-4D97-AF65-F5344CB8AC3E}">
@@ -13524,6 +14478,36 @@
           </a:p>
         </p:txBody>
       </p:sp>
+      <p:sp>
+        <p:nvSpPr>
+          <p:cNvPr id="7" name="スライド番号プレースホルダー 6">
+            <a:extLst>
+              <a:ext uri="{FF2B5EF4-FFF2-40B4-BE49-F238E27FC236}">
+                <a16:creationId xmlns:a16="http://schemas.microsoft.com/office/drawing/2014/main" id="{0A1EFEB3-4065-4BFE-B0E2-2526B2424270}"/>
+              </a:ext>
+            </a:extLst>
+          </p:cNvPr>
+          <p:cNvSpPr>
+            <a:spLocks noGrp="1"/>
+          </p:cNvSpPr>
+          <p:nvPr>
+            <p:ph type="sldNum" sz="quarter" idx="12"/>
+          </p:nvPr>
+        </p:nvSpPr>
+        <p:spPr/>
+        <p:txBody>
+          <a:bodyPr/>
+          <a:lstStyle/>
+          <a:p>
+            <a:fld id="{7AB22DEB-E1FF-4BEE-A182-437B9452AE5B}" type="slidenum">
+              <a:rPr kumimoji="1" lang="ja-JP" altLang="en-US" smtClean="0"/>
+              <a:pPr/>
+              <a:t>7</a:t>
+            </a:fld>
+            <a:endParaRPr kumimoji="1" lang="ja-JP" altLang="en-US"/>
+          </a:p>
+        </p:txBody>
+      </p:sp>
     </p:spTree>
     <p:extLst>
       <p:ext uri="{BB962C8B-B14F-4D97-AF65-F5344CB8AC3E}">
@@ -13768,6 +14752,36 @@
           </a:prstGeom>
         </p:spPr>
       </p:pic>
+      <p:sp>
+        <p:nvSpPr>
+          <p:cNvPr id="5" name="スライド番号プレースホルダー 4">
+            <a:extLst>
+              <a:ext uri="{FF2B5EF4-FFF2-40B4-BE49-F238E27FC236}">
+                <a16:creationId xmlns:a16="http://schemas.microsoft.com/office/drawing/2014/main" id="{2F9F9A9B-3EB4-4FE1-A125-38D5A89587D0}"/>
+              </a:ext>
+            </a:extLst>
+          </p:cNvPr>
+          <p:cNvSpPr>
+            <a:spLocks noGrp="1"/>
+          </p:cNvSpPr>
+          <p:nvPr>
+            <p:ph type="sldNum" sz="quarter" idx="12"/>
+          </p:nvPr>
+        </p:nvSpPr>
+        <p:spPr/>
+        <p:txBody>
+          <a:bodyPr/>
+          <a:lstStyle/>
+          <a:p>
+            <a:fld id="{7AB22DEB-E1FF-4BEE-A182-437B9452AE5B}" type="slidenum">
+              <a:rPr kumimoji="1" lang="ja-JP" altLang="en-US" smtClean="0"/>
+              <a:pPr/>
+              <a:t>8</a:t>
+            </a:fld>
+            <a:endParaRPr kumimoji="1" lang="ja-JP" altLang="en-US"/>
+          </a:p>
+        </p:txBody>
+      </p:sp>
     </p:spTree>
     <p:extLst>
       <p:ext uri="{BB962C8B-B14F-4D97-AF65-F5344CB8AC3E}">
@@ -14014,6 +15028,36 @@
           </a:prstGeom>
         </p:spPr>
       </p:pic>
+      <p:sp>
+        <p:nvSpPr>
+          <p:cNvPr id="5" name="スライド番号プレースホルダー 4">
+            <a:extLst>
+              <a:ext uri="{FF2B5EF4-FFF2-40B4-BE49-F238E27FC236}">
+                <a16:creationId xmlns:a16="http://schemas.microsoft.com/office/drawing/2014/main" id="{34463335-FD63-4625-92CF-6741C953CCE7}"/>
+              </a:ext>
+            </a:extLst>
+          </p:cNvPr>
+          <p:cNvSpPr>
+            <a:spLocks noGrp="1"/>
+          </p:cNvSpPr>
+          <p:nvPr>
+            <p:ph type="sldNum" sz="quarter" idx="12"/>
+          </p:nvPr>
+        </p:nvSpPr>
+        <p:spPr/>
+        <p:txBody>
+          <a:bodyPr/>
+          <a:lstStyle/>
+          <a:p>
+            <a:fld id="{7AB22DEB-E1FF-4BEE-A182-437B9452AE5B}" type="slidenum">
+              <a:rPr kumimoji="1" lang="ja-JP" altLang="en-US" smtClean="0"/>
+              <a:pPr/>
+              <a:t>9</a:t>
+            </a:fld>
+            <a:endParaRPr kumimoji="1" lang="ja-JP" altLang="en-US"/>
+          </a:p>
+        </p:txBody>
+      </p:sp>
     </p:spTree>
     <p:extLst>
       <p:ext uri="{BB962C8B-B14F-4D97-AF65-F5344CB8AC3E}">

--- a/輪講2019-1_鈴木洸太.pptx
+++ b/輪講2019-1_鈴木洸太.pptx
@@ -5,7 +5,7 @@
     <p:sldMasterId id="2147483819" r:id="rId1"/>
   </p:sldMasterIdLst>
   <p:notesMasterIdLst>
-    <p:notesMasterId r:id="rId39"/>
+    <p:notesMasterId r:id="rId41"/>
   </p:notesMasterIdLst>
   <p:sldIdLst>
     <p:sldId id="256" r:id="rId2"/>
@@ -17,34 +17,36 @@
     <p:sldId id="262" r:id="rId8"/>
     <p:sldId id="264" r:id="rId9"/>
     <p:sldId id="266" r:id="rId10"/>
-    <p:sldId id="263" r:id="rId11"/>
-    <p:sldId id="274" r:id="rId12"/>
-    <p:sldId id="275" r:id="rId13"/>
-    <p:sldId id="273" r:id="rId14"/>
-    <p:sldId id="267" r:id="rId15"/>
-    <p:sldId id="290" r:id="rId16"/>
-    <p:sldId id="268" r:id="rId17"/>
-    <p:sldId id="294" r:id="rId18"/>
-    <p:sldId id="270" r:id="rId19"/>
-    <p:sldId id="272" r:id="rId20"/>
-    <p:sldId id="277" r:id="rId21"/>
-    <p:sldId id="276" r:id="rId22"/>
-    <p:sldId id="280" r:id="rId23"/>
-    <p:sldId id="278" r:id="rId24"/>
-    <p:sldId id="279" r:id="rId25"/>
-    <p:sldId id="282" r:id="rId26"/>
-    <p:sldId id="283" r:id="rId27"/>
-    <p:sldId id="284" r:id="rId28"/>
-    <p:sldId id="285" r:id="rId29"/>
-    <p:sldId id="286" r:id="rId30"/>
-    <p:sldId id="287" r:id="rId31"/>
-    <p:sldId id="293" r:id="rId32"/>
-    <p:sldId id="295" r:id="rId33"/>
-    <p:sldId id="288" r:id="rId34"/>
-    <p:sldId id="289" r:id="rId35"/>
-    <p:sldId id="291" r:id="rId36"/>
-    <p:sldId id="269" r:id="rId37"/>
-    <p:sldId id="271" r:id="rId38"/>
+    <p:sldId id="299" r:id="rId11"/>
+    <p:sldId id="263" r:id="rId12"/>
+    <p:sldId id="274" r:id="rId13"/>
+    <p:sldId id="275" r:id="rId14"/>
+    <p:sldId id="273" r:id="rId15"/>
+    <p:sldId id="298" r:id="rId16"/>
+    <p:sldId id="267" r:id="rId17"/>
+    <p:sldId id="290" r:id="rId18"/>
+    <p:sldId id="268" r:id="rId19"/>
+    <p:sldId id="294" r:id="rId20"/>
+    <p:sldId id="270" r:id="rId21"/>
+    <p:sldId id="272" r:id="rId22"/>
+    <p:sldId id="277" r:id="rId23"/>
+    <p:sldId id="276" r:id="rId24"/>
+    <p:sldId id="280" r:id="rId25"/>
+    <p:sldId id="278" r:id="rId26"/>
+    <p:sldId id="279" r:id="rId27"/>
+    <p:sldId id="282" r:id="rId28"/>
+    <p:sldId id="283" r:id="rId29"/>
+    <p:sldId id="293" r:id="rId30"/>
+    <p:sldId id="295" r:id="rId31"/>
+    <p:sldId id="288" r:id="rId32"/>
+    <p:sldId id="289" r:id="rId33"/>
+    <p:sldId id="291" r:id="rId34"/>
+    <p:sldId id="269" r:id="rId35"/>
+    <p:sldId id="271" r:id="rId36"/>
+    <p:sldId id="284" r:id="rId37"/>
+    <p:sldId id="285" r:id="rId38"/>
+    <p:sldId id="286" r:id="rId39"/>
+    <p:sldId id="287" r:id="rId40"/>
   </p:sldIdLst>
   <p:sldSz cx="9144000" cy="6858000" type="screen4x3"/>
   <p:notesSz cx="6858000" cy="9144000"/>
@@ -2082,10 +2084,6 @@
           <a:bodyPr/>
           <a:lstStyle/>
           <a:p>
-            <a:r>
-              <a:rPr kumimoji="1" lang="en-US" altLang="ja-JP" dirty="0" err="1"/>
-              <a:t>VCRecavery</a:t>
-            </a:r>
             <a:endParaRPr kumimoji="1" lang="ja-JP" altLang="en-US" dirty="0"/>
           </a:p>
         </p:txBody>
@@ -2175,78 +2173,6 @@
           <a:bodyPr/>
           <a:lstStyle/>
           <a:p>
-            <a:r>
-              <a:rPr kumimoji="1" lang="ja-JP" altLang="en-US" sz="1200" b="1" i="0" kern="1200" dirty="0">
-                <a:solidFill>
-                  <a:schemeClr val="tx1"/>
-                </a:solidFill>
-                <a:effectLst/>
-                <a:latin typeface="+mn-lt"/>
-                <a:ea typeface="+mn-ea"/>
-                <a:cs typeface="+mn-cs"/>
-              </a:rPr>
-              <a:t>ライブ マイグレーション</a:t>
-            </a:r>
-            <a:r>
-              <a:rPr kumimoji="1" lang="ja-JP" altLang="en-US" sz="1200" b="0" i="0" kern="1200" dirty="0" err="1">
-                <a:solidFill>
-                  <a:schemeClr val="tx1"/>
-                </a:solidFill>
-                <a:effectLst/>
-                <a:latin typeface="+mn-lt"/>
-                <a:ea typeface="+mn-ea"/>
-                <a:cs typeface="+mn-cs"/>
-              </a:rPr>
-              <a:t>．．．</a:t>
-            </a:r>
-            <a:r>
-              <a:rPr kumimoji="1" lang="ja-JP" altLang="en-US" sz="1200" b="0" i="0" kern="1200" dirty="0">
-                <a:solidFill>
-                  <a:schemeClr val="tx1"/>
-                </a:solidFill>
-                <a:effectLst/>
-                <a:latin typeface="+mn-lt"/>
-                <a:ea typeface="+mn-ea"/>
-                <a:cs typeface="+mn-cs"/>
-              </a:rPr>
-              <a:t>サーバ仮想化環境で動いている仮想マシンを、</a:t>
-            </a:r>
-            <a:r>
-              <a:rPr kumimoji="1" lang="en-US" altLang="ja-JP" sz="1200" b="0" i="0" u="sng" kern="1200" dirty="0">
-                <a:solidFill>
-                  <a:schemeClr val="tx1"/>
-                </a:solidFill>
-                <a:effectLst/>
-                <a:latin typeface="+mn-lt"/>
-                <a:ea typeface="+mn-ea"/>
-                <a:cs typeface="+mn-cs"/>
-              </a:rPr>
-              <a:t>OS</a:t>
-            </a:r>
-            <a:r>
-              <a:rPr kumimoji="1" lang="ja-JP" altLang="en-US" sz="1200" b="0" i="0" u="sng" kern="1200" dirty="0">
-                <a:solidFill>
-                  <a:schemeClr val="tx1"/>
-                </a:solidFill>
-                <a:effectLst/>
-                <a:latin typeface="+mn-lt"/>
-                <a:ea typeface="+mn-ea"/>
-                <a:cs typeface="+mn-cs"/>
-              </a:rPr>
-              <a:t>やアプリケーションを停止させることなく</a:t>
-            </a:r>
-            <a:r>
-              <a:rPr kumimoji="1" lang="ja-JP" altLang="en-US" sz="1200" b="0" i="0" kern="1200" dirty="0">
-                <a:solidFill>
-                  <a:schemeClr val="tx1"/>
-                </a:solidFill>
-                <a:effectLst/>
-                <a:latin typeface="+mn-lt"/>
-                <a:ea typeface="+mn-ea"/>
-                <a:cs typeface="+mn-cs"/>
-              </a:rPr>
-              <a:t>、丸ごと別の物理サーバへと移動させること</a:t>
-            </a:r>
             <a:endParaRPr kumimoji="1" lang="ja-JP" altLang="en-US" dirty="0"/>
           </a:p>
         </p:txBody>
@@ -2268,7 +2194,7 @@
           <a:p>
             <a:fld id="{35A96F5C-B295-42E4-9B3C-54734D533512}" type="slidenum">
               <a:rPr kumimoji="1" lang="ja-JP" altLang="en-US" smtClean="0"/>
-              <a:t>13</a:t>
+              <a:t>8</a:t>
             </a:fld>
             <a:endParaRPr kumimoji="1" lang="ja-JP" altLang="en-US"/>
           </a:p>
@@ -2277,7 +2203,7 @@
     </p:spTree>
     <p:extLst>
       <p:ext uri="{BB962C8B-B14F-4D97-AF65-F5344CB8AC3E}">
-        <p14:creationId xmlns:p14="http://schemas.microsoft.com/office/powerpoint/2010/main" val="1334895982"/>
+        <p14:creationId xmlns:p14="http://schemas.microsoft.com/office/powerpoint/2010/main" val="3979186807"/>
       </p:ext>
     </p:extLst>
   </p:cSld>
@@ -2337,6 +2263,269 @@
           <a:lstStyle/>
           <a:p>
             <a:r>
+              <a:rPr kumimoji="1" lang="ja-JP" altLang="en-US" sz="1200" b="1" i="0" kern="1200" dirty="0">
+                <a:solidFill>
+                  <a:schemeClr val="tx1"/>
+                </a:solidFill>
+                <a:effectLst/>
+                <a:latin typeface="+mn-lt"/>
+                <a:ea typeface="+mn-ea"/>
+                <a:cs typeface="+mn-cs"/>
+              </a:rPr>
+              <a:t>ライブ マイグレーション</a:t>
+            </a:r>
+            <a:r>
+              <a:rPr kumimoji="1" lang="ja-JP" altLang="en-US" sz="1200" b="0" i="0" kern="1200" dirty="0" err="1">
+                <a:solidFill>
+                  <a:schemeClr val="tx1"/>
+                </a:solidFill>
+                <a:effectLst/>
+                <a:latin typeface="+mn-lt"/>
+                <a:ea typeface="+mn-ea"/>
+                <a:cs typeface="+mn-cs"/>
+              </a:rPr>
+              <a:t>．．．</a:t>
+            </a:r>
+            <a:r>
+              <a:rPr kumimoji="1" lang="ja-JP" altLang="en-US" sz="1200" b="0" i="0" kern="1200" dirty="0">
+                <a:solidFill>
+                  <a:schemeClr val="tx1"/>
+                </a:solidFill>
+                <a:effectLst/>
+                <a:latin typeface="+mn-lt"/>
+                <a:ea typeface="+mn-ea"/>
+                <a:cs typeface="+mn-cs"/>
+              </a:rPr>
+              <a:t>サーバ仮想化環境で動いている仮想マシンを、</a:t>
+            </a:r>
+            <a:r>
+              <a:rPr kumimoji="1" lang="en-US" altLang="ja-JP" sz="1200" b="0" i="0" u="sng" kern="1200" dirty="0">
+                <a:solidFill>
+                  <a:schemeClr val="tx1"/>
+                </a:solidFill>
+                <a:effectLst/>
+                <a:latin typeface="+mn-lt"/>
+                <a:ea typeface="+mn-ea"/>
+                <a:cs typeface="+mn-cs"/>
+              </a:rPr>
+              <a:t>OS</a:t>
+            </a:r>
+            <a:r>
+              <a:rPr kumimoji="1" lang="ja-JP" altLang="en-US" sz="1200" b="0" i="0" u="sng" kern="1200" dirty="0">
+                <a:solidFill>
+                  <a:schemeClr val="tx1"/>
+                </a:solidFill>
+                <a:effectLst/>
+                <a:latin typeface="+mn-lt"/>
+                <a:ea typeface="+mn-ea"/>
+                <a:cs typeface="+mn-cs"/>
+              </a:rPr>
+              <a:t>やアプリケーションを停止させることなく</a:t>
+            </a:r>
+            <a:r>
+              <a:rPr kumimoji="1" lang="ja-JP" altLang="en-US" sz="1200" b="0" i="0" kern="1200" dirty="0">
+                <a:solidFill>
+                  <a:schemeClr val="tx1"/>
+                </a:solidFill>
+                <a:effectLst/>
+                <a:latin typeface="+mn-lt"/>
+                <a:ea typeface="+mn-ea"/>
+                <a:cs typeface="+mn-cs"/>
+              </a:rPr>
+              <a:t>、丸ごと別の物理サーバへと移動させること</a:t>
+            </a:r>
+            <a:endParaRPr kumimoji="1" lang="ja-JP" altLang="en-US" dirty="0"/>
+          </a:p>
+        </p:txBody>
+      </p:sp>
+      <p:sp>
+        <p:nvSpPr>
+          <p:cNvPr id="4" name="スライド番号プレースホルダー 3"/>
+          <p:cNvSpPr>
+            <a:spLocks noGrp="1"/>
+          </p:cNvSpPr>
+          <p:nvPr>
+            <p:ph type="sldNum" sz="quarter" idx="5"/>
+          </p:nvPr>
+        </p:nvSpPr>
+        <p:spPr/>
+        <p:txBody>
+          <a:bodyPr/>
+          <a:lstStyle/>
+          <a:p>
+            <a:fld id="{35A96F5C-B295-42E4-9B3C-54734D533512}" type="slidenum">
+              <a:rPr kumimoji="1" lang="ja-JP" altLang="en-US" smtClean="0"/>
+              <a:t>14</a:t>
+            </a:fld>
+            <a:endParaRPr kumimoji="1" lang="ja-JP" altLang="en-US"/>
+          </a:p>
+        </p:txBody>
+      </p:sp>
+    </p:spTree>
+    <p:extLst>
+      <p:ext uri="{BB962C8B-B14F-4D97-AF65-F5344CB8AC3E}">
+        <p14:creationId xmlns:p14="http://schemas.microsoft.com/office/powerpoint/2010/main" val="1334895982"/>
+      </p:ext>
+    </p:extLst>
+  </p:cSld>
+  <p:clrMapOvr>
+    <a:masterClrMapping/>
+  </p:clrMapOvr>
+</p:notes>
+</file>
+
+<file path=ppt/notesSlides/notesSlide4.xml><?xml version="1.0" encoding="utf-8"?>
+<p:notes xmlns:a="http://schemas.openxmlformats.org/drawingml/2006/main" xmlns:r="http://schemas.openxmlformats.org/officeDocument/2006/relationships" xmlns:p="http://schemas.openxmlformats.org/presentationml/2006/main">
+  <p:cSld>
+    <p:spTree>
+      <p:nvGrpSpPr>
+        <p:cNvPr id="1" name=""/>
+        <p:cNvGrpSpPr/>
+        <p:nvPr/>
+      </p:nvGrpSpPr>
+      <p:grpSpPr>
+        <a:xfrm>
+          <a:off x="0" y="0"/>
+          <a:ext cx="0" cy="0"/>
+          <a:chOff x="0" y="0"/>
+          <a:chExt cx="0" cy="0"/>
+        </a:xfrm>
+      </p:grpSpPr>
+      <p:sp>
+        <p:nvSpPr>
+          <p:cNvPr id="2" name="スライド イメージ プレースホルダー 1"/>
+          <p:cNvSpPr>
+            <a:spLocks noGrp="1" noRot="1" noChangeAspect="1"/>
+          </p:cNvSpPr>
+          <p:nvPr>
+            <p:ph type="sldImg"/>
+          </p:nvPr>
+        </p:nvSpPr>
+        <p:spPr>
+          <a:xfrm>
+            <a:off x="1371600" y="1143000"/>
+            <a:ext cx="4114800" cy="3086100"/>
+          </a:xfrm>
+        </p:spPr>
+      </p:sp>
+      <p:sp>
+        <p:nvSpPr>
+          <p:cNvPr id="3" name="ノート プレースホルダー 2"/>
+          <p:cNvSpPr>
+            <a:spLocks noGrp="1"/>
+          </p:cNvSpPr>
+          <p:nvPr>
+            <p:ph type="body" idx="1"/>
+          </p:nvPr>
+        </p:nvSpPr>
+        <p:spPr/>
+        <p:txBody>
+          <a:bodyPr/>
+          <a:lstStyle/>
+          <a:p>
+            <a:r>
+              <a:rPr kumimoji="1" lang="ja-JP" altLang="en-US" sz="4000" dirty="0" err="1">
+                <a:latin typeface="+mn-ea"/>
+                <a:ea typeface="+mn-ea"/>
+              </a:rPr>
+              <a:t>りぶば</a:t>
+            </a:r>
+            <a:r>
+              <a:rPr kumimoji="1" lang="ja-JP" altLang="en-US" sz="4000" dirty="0">
+                <a:latin typeface="+mn-ea"/>
+                <a:ea typeface="+mn-ea"/>
+              </a:rPr>
+              <a:t>ーと</a:t>
+            </a:r>
+          </a:p>
+        </p:txBody>
+      </p:sp>
+      <p:sp>
+        <p:nvSpPr>
+          <p:cNvPr id="4" name="スライド番号プレースホルダー 3"/>
+          <p:cNvSpPr>
+            <a:spLocks noGrp="1"/>
+          </p:cNvSpPr>
+          <p:nvPr>
+            <p:ph type="sldNum" sz="quarter" idx="5"/>
+          </p:nvPr>
+        </p:nvSpPr>
+        <p:spPr/>
+        <p:txBody>
+          <a:bodyPr/>
+          <a:lstStyle/>
+          <a:p>
+            <a:fld id="{35A96F5C-B295-42E4-9B3C-54734D533512}" type="slidenum">
+              <a:rPr kumimoji="1" lang="ja-JP" altLang="en-US" smtClean="0"/>
+              <a:t>15</a:t>
+            </a:fld>
+            <a:endParaRPr kumimoji="1" lang="ja-JP" altLang="en-US"/>
+          </a:p>
+        </p:txBody>
+      </p:sp>
+    </p:spTree>
+    <p:extLst>
+      <p:ext uri="{BB962C8B-B14F-4D97-AF65-F5344CB8AC3E}">
+        <p14:creationId xmlns:p14="http://schemas.microsoft.com/office/powerpoint/2010/main" val="24224694"/>
+      </p:ext>
+    </p:extLst>
+  </p:cSld>
+  <p:clrMapOvr>
+    <a:masterClrMapping/>
+  </p:clrMapOvr>
+</p:notes>
+</file>
+
+<file path=ppt/notesSlides/notesSlide5.xml><?xml version="1.0" encoding="utf-8"?>
+<p:notes xmlns:a="http://schemas.openxmlformats.org/drawingml/2006/main" xmlns:r="http://schemas.openxmlformats.org/officeDocument/2006/relationships" xmlns:p="http://schemas.openxmlformats.org/presentationml/2006/main">
+  <p:cSld>
+    <p:spTree>
+      <p:nvGrpSpPr>
+        <p:cNvPr id="1" name=""/>
+        <p:cNvGrpSpPr/>
+        <p:nvPr/>
+      </p:nvGrpSpPr>
+      <p:grpSpPr>
+        <a:xfrm>
+          <a:off x="0" y="0"/>
+          <a:ext cx="0" cy="0"/>
+          <a:chOff x="0" y="0"/>
+          <a:chExt cx="0" cy="0"/>
+        </a:xfrm>
+      </p:grpSpPr>
+      <p:sp>
+        <p:nvSpPr>
+          <p:cNvPr id="2" name="スライド イメージ プレースホルダー 1"/>
+          <p:cNvSpPr>
+            <a:spLocks noGrp="1" noRot="1" noChangeAspect="1"/>
+          </p:cNvSpPr>
+          <p:nvPr>
+            <p:ph type="sldImg"/>
+          </p:nvPr>
+        </p:nvSpPr>
+        <p:spPr>
+          <a:xfrm>
+            <a:off x="1371600" y="1143000"/>
+            <a:ext cx="4114800" cy="3086100"/>
+          </a:xfrm>
+        </p:spPr>
+      </p:sp>
+      <p:sp>
+        <p:nvSpPr>
+          <p:cNvPr id="3" name="ノート プレースホルダー 2"/>
+          <p:cNvSpPr>
+            <a:spLocks noGrp="1"/>
+          </p:cNvSpPr>
+          <p:nvPr>
+            <p:ph type="body" idx="1"/>
+          </p:nvPr>
+        </p:nvSpPr>
+        <p:spPr/>
+        <p:txBody>
+          <a:bodyPr/>
+          <a:lstStyle/>
+          <a:p>
+            <a:r>
               <a:rPr kumimoji="1" lang="ja-JP" altLang="en-US" dirty="0"/>
               <a:t>ストレージバックエンド</a:t>
             </a:r>
@@ -2371,7 +2560,7 @@
           <a:p>
             <a:fld id="{35A96F5C-B295-42E4-9B3C-54734D533512}" type="slidenum">
               <a:rPr kumimoji="1" lang="ja-JP" altLang="en-US" smtClean="0"/>
-              <a:t>27</a:t>
+              <a:t>36</a:t>
             </a:fld>
             <a:endParaRPr kumimoji="1" lang="ja-JP" altLang="en-US"/>
           </a:p>
@@ -3259,7 +3448,7 @@
             <a:lvl2pPr marL="384048" indent="-182880">
               <a:buFont typeface="Wingdings" panose="05000000000000000000" pitchFamily="2" charset="2"/>
               <a:buChar char="Ø"/>
-              <a:defRPr sz="2000">
+              <a:defRPr sz="1800">
                 <a:latin typeface="+mj-ea"/>
                 <a:ea typeface="+mj-ea"/>
               </a:defRPr>
@@ -3425,13 +3614,18 @@
             <p:ph type="sldNum" sz="quarter" idx="12"/>
           </p:nvPr>
         </p:nvSpPr>
-        <p:spPr/>
+        <p:spPr>
+          <a:xfrm>
+            <a:off x="7874750" y="6459786"/>
+            <a:ext cx="984019" cy="365125"/>
+          </a:xfrm>
+        </p:spPr>
         <p:txBody>
           <a:bodyPr/>
           <a:lstStyle>
             <a:lvl1pPr>
               <a:defRPr sz="2000">
-                <a:latin typeface="+mj-ea"/>
+                <a:latin typeface="+mj-lt"/>
                 <a:ea typeface="+mj-ea"/>
               </a:defRPr>
             </a:lvl1pPr>
@@ -6529,40 +6723,6 @@
           </a:p>
         </p:txBody>
       </p:sp>
-      <p:sp>
-        <p:nvSpPr>
-          <p:cNvPr id="4" name="スライド番号プレースホルダー 3">
-            <a:extLst>
-              <a:ext uri="{FF2B5EF4-FFF2-40B4-BE49-F238E27FC236}">
-                <a16:creationId xmlns:a16="http://schemas.microsoft.com/office/drawing/2014/main" id="{C093B4BD-E68C-4950-A907-0E1957B1D004}"/>
-              </a:ext>
-            </a:extLst>
-          </p:cNvPr>
-          <p:cNvSpPr>
-            <a:spLocks noGrp="1"/>
-          </p:cNvSpPr>
-          <p:nvPr>
-            <p:ph type="sldNum" sz="quarter" idx="4294967295"/>
-          </p:nvPr>
-        </p:nvSpPr>
-        <p:spPr>
-          <a:xfrm>
-            <a:off x="7425344" y="6459786"/>
-            <a:ext cx="984019" cy="365125"/>
-          </a:xfrm>
-        </p:spPr>
-        <p:txBody>
-          <a:bodyPr/>
-          <a:lstStyle/>
-          <a:p>
-            <a:fld id="{7AB22DEB-E1FF-4BEE-A182-437B9452AE5B}" type="slidenum">
-              <a:rPr kumimoji="1" lang="ja-JP" altLang="en-US" smtClean="0"/>
-              <a:t>1</a:t>
-            </a:fld>
-            <a:endParaRPr kumimoji="1" lang="ja-JP" altLang="en-US"/>
-          </a:p>
-        </p:txBody>
-      </p:sp>
     </p:spTree>
     <p:extLst>
       <p:ext uri="{BB962C8B-B14F-4D97-AF65-F5344CB8AC3E}">
@@ -6598,7 +6758,7 @@
           <p:cNvPr id="2" name="タイトル 1">
             <a:extLst>
               <a:ext uri="{FF2B5EF4-FFF2-40B4-BE49-F238E27FC236}">
-                <a16:creationId xmlns:a16="http://schemas.microsoft.com/office/drawing/2014/main" id="{D81CBDBA-78DF-D54B-A075-6A4870536491}"/>
+                <a16:creationId xmlns:a16="http://schemas.microsoft.com/office/drawing/2014/main" id="{1100D290-2023-4D27-BA67-A59D28941D18}"/>
               </a:ext>
             </a:extLst>
           </p:cNvPr>
@@ -6615,16 +6775,8 @@
           <a:lstStyle/>
           <a:p>
             <a:r>
-              <a:rPr lang="ja-JP" altLang="en-US" dirty="0"/>
-              <a:t>提案システム概要（</a:t>
-            </a:r>
-            <a:r>
-              <a:rPr lang="en-US" altLang="ja-JP" dirty="0"/>
-              <a:t>1</a:t>
-            </a:r>
-            <a:r>
-              <a:rPr lang="ja-JP" altLang="en-US" dirty="0"/>
-              <a:t>）</a:t>
+              <a:rPr kumimoji="1" lang="ja-JP" altLang="en-US" dirty="0"/>
+              <a:t>研究目的</a:t>
             </a:r>
           </a:p>
         </p:txBody>
@@ -6634,7 +6786,7 @@
           <p:cNvPr id="3" name="コンテンツ プレースホルダー 2">
             <a:extLst>
               <a:ext uri="{FF2B5EF4-FFF2-40B4-BE49-F238E27FC236}">
-                <a16:creationId xmlns:a16="http://schemas.microsoft.com/office/drawing/2014/main" id="{D00786AB-28D5-6042-B522-8FA8B7A733DB}"/>
+                <a16:creationId xmlns:a16="http://schemas.microsoft.com/office/drawing/2014/main" id="{78885473-EBF0-4314-A2FC-588D1C7E299A}"/>
               </a:ext>
             </a:extLst>
           </p:cNvPr>
@@ -6645,12 +6797,7 @@
             <p:ph idx="1"/>
           </p:nvPr>
         </p:nvSpPr>
-        <p:spPr>
-          <a:xfrm>
-            <a:off x="822960" y="1845734"/>
-            <a:ext cx="7543800" cy="4023360"/>
-          </a:xfrm>
-        </p:spPr>
+        <p:spPr/>
         <p:txBody>
           <a:bodyPr/>
           <a:lstStyle/>
@@ -6660,65 +6807,86 @@
               <a:buChar char="l"/>
             </a:pPr>
             <a:r>
-              <a:rPr lang="en-US" altLang="ja-JP" dirty="0" err="1"/>
+              <a:rPr lang="ja-JP" altLang="en-US" dirty="0">
+                <a:latin typeface="+mn-ea"/>
+                <a:ea typeface="+mn-ea"/>
+              </a:rPr>
+              <a:t>低コストかつ迅速な復旧が行えるシステム</a:t>
+            </a:r>
+            <a:r>
+              <a:rPr lang="en-US" altLang="ja-JP" dirty="0" err="1">
+                <a:latin typeface="+mn-ea"/>
+                <a:ea typeface="+mn-ea"/>
+              </a:rPr>
               <a:t>VCRecovery</a:t>
             </a:r>
-            <a:endParaRPr lang="en-US" altLang="ja-JP" dirty="0"/>
-          </a:p>
-          <a:p>
-            <a:r>
-              <a:rPr lang="en-US" altLang="ja-JP" dirty="0"/>
-              <a:t>VM</a:t>
-            </a:r>
-            <a:r>
-              <a:rPr lang="ja-JP" altLang="en-US" dirty="0"/>
-              <a:t>とコンテナを用いて低コストかつ，高速な復旧を行えるシステム</a:t>
-            </a:r>
-          </a:p>
-        </p:txBody>
-      </p:sp>
-      <p:pic>
-        <p:nvPicPr>
-          <p:cNvPr id="5" name="図 4">
+            <a:r>
+              <a:rPr lang="ja-JP" altLang="en-US" dirty="0">
+                <a:latin typeface="+mn-ea"/>
+                <a:ea typeface="+mn-ea"/>
+              </a:rPr>
+              <a:t>の提案</a:t>
+            </a:r>
+            <a:endParaRPr lang="en-US" altLang="ja-JP" dirty="0">
+              <a:latin typeface="+mn-ea"/>
+              <a:ea typeface="+mn-ea"/>
+            </a:endParaRPr>
+          </a:p>
+          <a:p>
+            <a:pPr>
+              <a:buFont typeface="Wingdings" panose="05000000000000000000" pitchFamily="2" charset="2"/>
+              <a:buChar char="l"/>
+            </a:pPr>
+            <a:endParaRPr lang="en-US" altLang="ja-JP" dirty="0">
+              <a:latin typeface="+mn-ea"/>
+              <a:ea typeface="+mn-ea"/>
+            </a:endParaRPr>
+          </a:p>
+          <a:p>
+            <a:pPr>
+              <a:buFont typeface="Wingdings" panose="05000000000000000000" pitchFamily="2" charset="2"/>
+              <a:buChar char="l"/>
+            </a:pPr>
+            <a:r>
+              <a:rPr lang="en-US" altLang="ja-JP" dirty="0">
+                <a:latin typeface="+mn-ea"/>
+                <a:ea typeface="+mn-ea"/>
+              </a:rPr>
+              <a:t>Zabbix</a:t>
+            </a:r>
+            <a:r>
+              <a:rPr lang="ja-JP" altLang="en-US" dirty="0">
+                <a:latin typeface="+mn-ea"/>
+                <a:ea typeface="+mn-ea"/>
+              </a:rPr>
+              <a:t>と</a:t>
+            </a:r>
+            <a:r>
+              <a:rPr lang="en-US" altLang="ja-JP" dirty="0" err="1">
+                <a:latin typeface="+mn-ea"/>
+                <a:ea typeface="+mn-ea"/>
+              </a:rPr>
+              <a:t>libvirt-snmp</a:t>
+            </a:r>
+            <a:r>
+              <a:rPr lang="ja-JP" altLang="en-US" dirty="0">
+                <a:latin typeface="+mn-ea"/>
+                <a:ea typeface="+mn-ea"/>
+              </a:rPr>
+              <a:t>を用いた障害検知と復旧</a:t>
+            </a:r>
+          </a:p>
+          <a:p>
+            <a:endParaRPr kumimoji="1" lang="ja-JP" altLang="en-US" dirty="0"/>
+          </a:p>
+        </p:txBody>
+      </p:sp>
+      <p:sp>
+        <p:nvSpPr>
+          <p:cNvPr id="4" name="スライド番号プレースホルダー 3">
             <a:extLst>
               <a:ext uri="{FF2B5EF4-FFF2-40B4-BE49-F238E27FC236}">
-                <a16:creationId xmlns:a16="http://schemas.microsoft.com/office/drawing/2014/main" id="{CDD5E652-E889-4226-925E-E1A4203F03EF}"/>
-              </a:ext>
-            </a:extLst>
-          </p:cNvPr>
-          <p:cNvPicPr>
-            <a:picLocks noChangeAspect="1"/>
-          </p:cNvPicPr>
-          <p:nvPr/>
-        </p:nvPicPr>
-        <p:blipFill>
-          <a:blip r:embed="rId2">
-            <a:extLst>
-              <a:ext uri="{28A0092B-C50C-407E-A947-70E740481C1C}">
-                <a14:useLocalDpi xmlns:a14="http://schemas.microsoft.com/office/drawing/2010/main" val="0"/>
-              </a:ext>
-            </a:extLst>
-          </a:blip>
-          <a:stretch>
-            <a:fillRect/>
-          </a:stretch>
-        </p:blipFill>
-        <p:spPr>
-          <a:xfrm>
-            <a:off x="466985" y="2702302"/>
-            <a:ext cx="8210030" cy="3966076"/>
-          </a:xfrm>
-          <a:prstGeom prst="rect">
-            <a:avLst/>
-          </a:prstGeom>
-        </p:spPr>
-      </p:pic>
-      <p:sp>
-        <p:nvSpPr>
-          <p:cNvPr id="4" name="スライド番号プレースホルダー 3">
-            <a:extLst>
-              <a:ext uri="{FF2B5EF4-FFF2-40B4-BE49-F238E27FC236}">
-                <a16:creationId xmlns:a16="http://schemas.microsoft.com/office/drawing/2014/main" id="{36562710-8CD3-466B-8BFB-AB6AD4307AA2}"/>
+                <a16:creationId xmlns:a16="http://schemas.microsoft.com/office/drawing/2014/main" id="{118B27D2-08BE-4EE3-A7BB-BF43829BCBA3}"/>
               </a:ext>
             </a:extLst>
           </p:cNvPr>
@@ -6739,14 +6907,14 @@
               <a:pPr/>
               <a:t>10</a:t>
             </a:fld>
-            <a:endParaRPr kumimoji="1" lang="ja-JP" altLang="en-US"/>
+            <a:endParaRPr kumimoji="1" lang="ja-JP" altLang="en-US" dirty="0"/>
           </a:p>
         </p:txBody>
       </p:sp>
     </p:spTree>
     <p:extLst>
       <p:ext uri="{BB962C8B-B14F-4D97-AF65-F5344CB8AC3E}">
-        <p14:creationId xmlns:p14="http://schemas.microsoft.com/office/powerpoint/2010/main" val="3159620816"/>
+        <p14:creationId xmlns:p14="http://schemas.microsoft.com/office/powerpoint/2010/main" val="408896468"/>
       </p:ext>
     </p:extLst>
   </p:cSld>
@@ -6778,7 +6946,7 @@
           <p:cNvPr id="2" name="タイトル 1">
             <a:extLst>
               <a:ext uri="{FF2B5EF4-FFF2-40B4-BE49-F238E27FC236}">
-                <a16:creationId xmlns:a16="http://schemas.microsoft.com/office/drawing/2014/main" id="{7A70681D-3F14-4161-8C53-257F73A13768}"/>
+                <a16:creationId xmlns:a16="http://schemas.microsoft.com/office/drawing/2014/main" id="{D81CBDBA-78DF-D54B-A075-6A4870536491}"/>
               </a:ext>
             </a:extLst>
           </p:cNvPr>
@@ -6795,15 +6963,15 @@
           <a:lstStyle/>
           <a:p>
             <a:r>
-              <a:rPr kumimoji="1" lang="ja-JP" altLang="en-US" dirty="0"/>
+              <a:rPr lang="ja-JP" altLang="en-US" dirty="0"/>
               <a:t>提案システム概要（</a:t>
             </a:r>
             <a:r>
-              <a:rPr kumimoji="1" lang="en-US" altLang="ja-JP" dirty="0"/>
-              <a:t>2</a:t>
-            </a:r>
-            <a:r>
-              <a:rPr kumimoji="1" lang="ja-JP" altLang="en-US" dirty="0"/>
+              <a:rPr lang="en-US" altLang="ja-JP" dirty="0"/>
+              <a:t>1</a:t>
+            </a:r>
+            <a:r>
+              <a:rPr lang="ja-JP" altLang="en-US" dirty="0"/>
               <a:t>）</a:t>
             </a:r>
           </a:p>
@@ -6814,7 +6982,7 @@
           <p:cNvPr id="3" name="コンテンツ プレースホルダー 2">
             <a:extLst>
               <a:ext uri="{FF2B5EF4-FFF2-40B4-BE49-F238E27FC236}">
-                <a16:creationId xmlns:a16="http://schemas.microsoft.com/office/drawing/2014/main" id="{7E135AEA-599C-47A8-A1C3-611B834AC702}"/>
+                <a16:creationId xmlns:a16="http://schemas.microsoft.com/office/drawing/2014/main" id="{D00786AB-28D5-6042-B522-8FA8B7A733DB}"/>
               </a:ext>
             </a:extLst>
           </p:cNvPr>
@@ -6825,7 +6993,12 @@
             <p:ph idx="1"/>
           </p:nvPr>
         </p:nvSpPr>
-        <p:spPr/>
+        <p:spPr>
+          <a:xfrm>
+            <a:off x="822960" y="1845734"/>
+            <a:ext cx="7543800" cy="4023360"/>
+          </a:xfrm>
+        </p:spPr>
         <p:txBody>
           <a:bodyPr/>
           <a:lstStyle/>
@@ -6835,38 +7008,29 @@
               <a:buChar char="l"/>
             </a:pPr>
             <a:r>
-              <a:rPr kumimoji="1" lang="ja-JP" altLang="en-US" dirty="0"/>
-              <a:t>ウォームスタンバイ</a:t>
+              <a:rPr lang="en-US" altLang="ja-JP" dirty="0" err="1"/>
+              <a:t>VCRecovery</a:t>
             </a:r>
             <a:endParaRPr lang="en-US" altLang="ja-JP" dirty="0"/>
           </a:p>
           <a:p>
-            <a:pPr lvl="1">
-              <a:buFont typeface="Wingdings" panose="05000000000000000000" pitchFamily="2" charset="2"/>
-              <a:buChar char="l"/>
-            </a:pPr>
-            <a:r>
-              <a:rPr kumimoji="1" lang="ja-JP" altLang="en-US" dirty="0"/>
-              <a:t>障害対策コストは</a:t>
-            </a:r>
-            <a:r>
-              <a:rPr kumimoji="1" lang="en-US" altLang="ja-JP" dirty="0"/>
-              <a:t>VM1</a:t>
-            </a:r>
-            <a:r>
-              <a:rPr kumimoji="1" lang="ja-JP" altLang="en-US" dirty="0"/>
-              <a:t>台分</a:t>
-            </a:r>
-            <a:endParaRPr kumimoji="1" lang="en-US" altLang="ja-JP" dirty="0"/>
+            <a:r>
+              <a:rPr lang="en-US" altLang="ja-JP" dirty="0"/>
+              <a:t>VM</a:t>
+            </a:r>
+            <a:r>
+              <a:rPr lang="ja-JP" altLang="en-US" dirty="0"/>
+              <a:t>内でコンテナを用いて低コストかつ，高速な復旧を行うシステム</a:t>
+            </a:r>
           </a:p>
         </p:txBody>
       </p:sp>
       <p:pic>
         <p:nvPicPr>
-          <p:cNvPr id="6" name="図 5">
+          <p:cNvPr id="5" name="図 4">
             <a:extLst>
               <a:ext uri="{FF2B5EF4-FFF2-40B4-BE49-F238E27FC236}">
-                <a16:creationId xmlns:a16="http://schemas.microsoft.com/office/drawing/2014/main" id="{CC955239-6D37-4E29-9FC4-C3D40CCC53CA}"/>
+                <a16:creationId xmlns:a16="http://schemas.microsoft.com/office/drawing/2014/main" id="{CDD5E652-E889-4226-925E-E1A4203F03EF}"/>
               </a:ext>
             </a:extLst>
           </p:cNvPr>
@@ -6889,8 +7053,8 @@
         </p:blipFill>
         <p:spPr>
           <a:xfrm>
-            <a:off x="96982" y="2518139"/>
-            <a:ext cx="8950036" cy="3956275"/>
+            <a:off x="506542" y="2652495"/>
+            <a:ext cx="8130915" cy="3881655"/>
           </a:xfrm>
           <a:prstGeom prst="rect">
             <a:avLst/>
@@ -6902,7 +7066,7 @@
           <p:cNvPr id="4" name="スライド番号プレースホルダー 3">
             <a:extLst>
               <a:ext uri="{FF2B5EF4-FFF2-40B4-BE49-F238E27FC236}">
-                <a16:creationId xmlns:a16="http://schemas.microsoft.com/office/drawing/2014/main" id="{04DD8DD0-BC77-466C-AF74-34C2436FF711}"/>
+                <a16:creationId xmlns:a16="http://schemas.microsoft.com/office/drawing/2014/main" id="{36562710-8CD3-466B-8BFB-AB6AD4307AA2}"/>
               </a:ext>
             </a:extLst>
           </p:cNvPr>
@@ -6930,7 +7094,7 @@
     </p:spTree>
     <p:extLst>
       <p:ext uri="{BB962C8B-B14F-4D97-AF65-F5344CB8AC3E}">
-        <p14:creationId xmlns:p14="http://schemas.microsoft.com/office/powerpoint/2010/main" val="71306013"/>
+        <p14:creationId xmlns:p14="http://schemas.microsoft.com/office/powerpoint/2010/main" val="3159620816"/>
       </p:ext>
     </p:extLst>
   </p:cSld>
@@ -6983,8 +7147,8 @@
               <a:t>提案システム概要（</a:t>
             </a:r>
             <a:r>
-              <a:rPr lang="en-US" altLang="ja-JP" dirty="0"/>
-              <a:t>3</a:t>
+              <a:rPr kumimoji="1" lang="en-US" altLang="ja-JP" dirty="0"/>
+              <a:t>2</a:t>
             </a:r>
             <a:r>
               <a:rPr kumimoji="1" lang="ja-JP" altLang="en-US" dirty="0"/>
@@ -7019,12 +7183,16 @@
               <a:buChar char="l"/>
             </a:pPr>
             <a:r>
+              <a:rPr lang="en-US" altLang="ja-JP" dirty="0" err="1"/>
+              <a:t>VCRecovery</a:t>
+            </a:r>
+            <a:r>
               <a:rPr lang="ja-JP" altLang="en-US" dirty="0"/>
-              <a:t>コールド</a:t>
+              <a:t>を利用した</a:t>
             </a:r>
             <a:r>
               <a:rPr kumimoji="1" lang="ja-JP" altLang="en-US" dirty="0"/>
-              <a:t>スタンバイ</a:t>
+              <a:t>ウォームスタンバイ</a:t>
             </a:r>
             <a:endParaRPr lang="en-US" altLang="ja-JP" dirty="0"/>
           </a:p>
@@ -7034,27 +7202,16 @@
               <a:buChar char="l"/>
             </a:pPr>
             <a:r>
-              <a:rPr lang="ja-JP" altLang="en-US" dirty="0"/>
-              <a:t>高速な障害復旧が行える</a:t>
-            </a:r>
-            <a:endParaRPr lang="en-US" altLang="ja-JP" dirty="0"/>
-          </a:p>
-          <a:p>
-            <a:pPr lvl="1">
-              <a:buFont typeface="Wingdings" panose="05000000000000000000" pitchFamily="2" charset="2"/>
-              <a:buChar char="l"/>
-            </a:pPr>
-            <a:r>
               <a:rPr kumimoji="1" lang="ja-JP" altLang="en-US" dirty="0"/>
-              <a:t>待機系</a:t>
+              <a:t>障害対策コストは</a:t>
             </a:r>
             <a:r>
               <a:rPr kumimoji="1" lang="en-US" altLang="ja-JP" dirty="0"/>
-              <a:t>VM</a:t>
+              <a:t>VM1</a:t>
             </a:r>
             <a:r>
               <a:rPr kumimoji="1" lang="ja-JP" altLang="en-US" dirty="0"/>
-              <a:t>は他のサービスと共用利用によりコストを抑える</a:t>
+              <a:t>台分</a:t>
             </a:r>
             <a:endParaRPr kumimoji="1" lang="en-US" altLang="ja-JP" dirty="0"/>
           </a:p>
@@ -7065,7 +7222,7 @@
           <p:cNvPr id="6" name="図 5">
             <a:extLst>
               <a:ext uri="{FF2B5EF4-FFF2-40B4-BE49-F238E27FC236}">
-                <a16:creationId xmlns:a16="http://schemas.microsoft.com/office/drawing/2014/main" id="{4BA5B802-616F-4B0F-A068-52BB9BFBB949}"/>
+                <a16:creationId xmlns:a16="http://schemas.microsoft.com/office/drawing/2014/main" id="{CC955239-6D37-4E29-9FC4-C3D40CCC53CA}"/>
               </a:ext>
             </a:extLst>
           </p:cNvPr>
@@ -7088,8 +7245,8 @@
         </p:blipFill>
         <p:spPr>
           <a:xfrm>
-            <a:off x="90054" y="2552952"/>
-            <a:ext cx="8963891" cy="3767432"/>
+            <a:off x="96982" y="2518139"/>
+            <a:ext cx="8950036" cy="3956275"/>
           </a:xfrm>
           <a:prstGeom prst="rect">
             <a:avLst/>
@@ -7101,7 +7258,7 @@
           <p:cNvPr id="4" name="スライド番号プレースホルダー 3">
             <a:extLst>
               <a:ext uri="{FF2B5EF4-FFF2-40B4-BE49-F238E27FC236}">
-                <a16:creationId xmlns:a16="http://schemas.microsoft.com/office/drawing/2014/main" id="{A54B4541-C04F-4BD1-9C32-381A4579684F}"/>
+                <a16:creationId xmlns:a16="http://schemas.microsoft.com/office/drawing/2014/main" id="{04DD8DD0-BC77-466C-AF74-34C2436FF711}"/>
               </a:ext>
             </a:extLst>
           </p:cNvPr>
@@ -7129,7 +7286,7 @@
     </p:spTree>
     <p:extLst>
       <p:ext uri="{BB962C8B-B14F-4D97-AF65-F5344CB8AC3E}">
-        <p14:creationId xmlns:p14="http://schemas.microsoft.com/office/powerpoint/2010/main" val="2847783206"/>
+        <p14:creationId xmlns:p14="http://schemas.microsoft.com/office/powerpoint/2010/main" val="71306013"/>
       </p:ext>
     </p:extLst>
   </p:cSld>
@@ -7161,7 +7318,7 @@
           <p:cNvPr id="2" name="タイトル 1">
             <a:extLst>
               <a:ext uri="{FF2B5EF4-FFF2-40B4-BE49-F238E27FC236}">
-                <a16:creationId xmlns:a16="http://schemas.microsoft.com/office/drawing/2014/main" id="{BAE3C59E-8D4C-4FFF-8230-266B26C02D21}"/>
+                <a16:creationId xmlns:a16="http://schemas.microsoft.com/office/drawing/2014/main" id="{7A70681D-3F14-4161-8C53-257F73A13768}"/>
               </a:ext>
             </a:extLst>
           </p:cNvPr>
@@ -7178,18 +7335,17 @@
           <a:lstStyle/>
           <a:p>
             <a:r>
-              <a:rPr lang="ja-JP" altLang="en-US" dirty="0"/>
+              <a:rPr kumimoji="1" lang="ja-JP" altLang="en-US" dirty="0"/>
               <a:t>提案システム概要（</a:t>
             </a:r>
             <a:r>
               <a:rPr lang="en-US" altLang="ja-JP" dirty="0"/>
-              <a:t>4</a:t>
-            </a:r>
-            <a:r>
-              <a:rPr lang="ja-JP" altLang="en-US" dirty="0"/>
+              <a:t>3</a:t>
+            </a:r>
+            <a:r>
+              <a:rPr kumimoji="1" lang="ja-JP" altLang="en-US" dirty="0"/>
               <a:t>）</a:t>
             </a:r>
-            <a:endParaRPr kumimoji="1" lang="ja-JP" altLang="en-US" dirty="0"/>
           </a:p>
         </p:txBody>
       </p:sp>
@@ -7198,7 +7354,7 @@
           <p:cNvPr id="3" name="コンテンツ プレースホルダー 2">
             <a:extLst>
               <a:ext uri="{FF2B5EF4-FFF2-40B4-BE49-F238E27FC236}">
-                <a16:creationId xmlns:a16="http://schemas.microsoft.com/office/drawing/2014/main" id="{085C08DD-0913-40F1-9371-8262A332B14A}"/>
+                <a16:creationId xmlns:a16="http://schemas.microsoft.com/office/drawing/2014/main" id="{7E135AEA-599C-47A8-A1C3-611B834AC702}"/>
               </a:ext>
             </a:extLst>
           </p:cNvPr>
@@ -7219,9 +7375,18 @@
               <a:buChar char="l"/>
             </a:pPr>
             <a:r>
-              <a:rPr lang="en-US" altLang="ja-JP" dirty="0"/>
-              <a:t>LXD</a:t>
-            </a:r>
+              <a:rPr lang="en-US" altLang="ja-JP" dirty="0" err="1"/>
+              <a:t>VCRecovery</a:t>
+            </a:r>
+            <a:r>
+              <a:rPr lang="ja-JP" altLang="en-US" dirty="0"/>
+              <a:t>を利用したコールド</a:t>
+            </a:r>
+            <a:r>
+              <a:rPr kumimoji="1" lang="ja-JP" altLang="en-US" dirty="0"/>
+              <a:t>スタンバイ</a:t>
+            </a:r>
+            <a:endParaRPr lang="en-US" altLang="ja-JP" dirty="0"/>
           </a:p>
           <a:p>
             <a:pPr lvl="1">
@@ -7230,7 +7395,7 @@
             </a:pPr>
             <a:r>
               <a:rPr lang="ja-JP" altLang="en-US" dirty="0"/>
-              <a:t>コンテナを提供するシステム</a:t>
+              <a:t>高速な障害復旧が行える</a:t>
             </a:r>
             <a:endParaRPr lang="en-US" altLang="ja-JP" dirty="0"/>
           </a:p>
@@ -7240,57 +7405,27 @@
               <a:buChar char="l"/>
             </a:pPr>
             <a:r>
-              <a:rPr lang="ja-JP" altLang="en-US" dirty="0"/>
-              <a:t>コンテナを停止せずに</a:t>
-            </a:r>
-            <a:r>
-              <a:rPr lang="en-US" altLang="ja-JP" dirty="0"/>
+              <a:rPr kumimoji="1" lang="ja-JP" altLang="en-US" dirty="0"/>
+              <a:t>待機系</a:t>
+            </a:r>
+            <a:r>
+              <a:rPr kumimoji="1" lang="en-US" altLang="ja-JP" dirty="0"/>
               <a:t>VM</a:t>
             </a:r>
             <a:r>
-              <a:rPr lang="ja-JP" altLang="en-US" dirty="0"/>
-              <a:t>間でマイグレーション可能</a:t>
-            </a:r>
-            <a:endParaRPr lang="en-US" altLang="ja-JP" dirty="0"/>
-          </a:p>
-          <a:p>
-            <a:pPr lvl="1">
-              <a:buFont typeface="Wingdings" panose="05000000000000000000" pitchFamily="2" charset="2"/>
-              <a:buChar char="l"/>
-            </a:pPr>
-            <a:r>
-              <a:rPr lang="en-US" altLang="ja-JP" dirty="0"/>
-              <a:t>LXD</a:t>
-            </a:r>
-            <a:r>
-              <a:rPr lang="ja-JP" altLang="en-US" dirty="0"/>
-              <a:t> </a:t>
-            </a:r>
-            <a:r>
-              <a:rPr lang="en-US" altLang="ja-JP" dirty="0"/>
-              <a:t>2.21</a:t>
-            </a:r>
-            <a:r>
-              <a:rPr lang="ja-JP" altLang="en-US" dirty="0"/>
-              <a:t>ではライブマイグレーション可能</a:t>
-            </a:r>
-            <a:endParaRPr lang="en-US" altLang="ja-JP" dirty="0"/>
-          </a:p>
-          <a:p>
-            <a:pPr>
-              <a:buFont typeface="Wingdings" panose="05000000000000000000" pitchFamily="2" charset="2"/>
-              <a:buChar char="l"/>
-            </a:pPr>
-            <a:endParaRPr kumimoji="1" lang="ja-JP" altLang="en-US" dirty="0"/>
+              <a:rPr kumimoji="1" lang="ja-JP" altLang="en-US" dirty="0"/>
+              <a:t>は他のサービスと共用利用によりコストを抑える</a:t>
+            </a:r>
+            <a:endParaRPr kumimoji="1" lang="en-US" altLang="ja-JP" dirty="0"/>
           </a:p>
         </p:txBody>
       </p:sp>
       <p:pic>
         <p:nvPicPr>
-          <p:cNvPr id="5" name="図 4">
+          <p:cNvPr id="6" name="図 5">
             <a:extLst>
               <a:ext uri="{FF2B5EF4-FFF2-40B4-BE49-F238E27FC236}">
-                <a16:creationId xmlns:a16="http://schemas.microsoft.com/office/drawing/2014/main" id="{E4F07E5F-1C0D-4DC1-9B56-D97B38F8A8B9}"/>
+                <a16:creationId xmlns:a16="http://schemas.microsoft.com/office/drawing/2014/main" id="{4BA5B802-616F-4B0F-A068-52BB9BFBB949}"/>
               </a:ext>
             </a:extLst>
           </p:cNvPr>
@@ -7300,7 +7435,7 @@
           <p:nvPr/>
         </p:nvPicPr>
         <p:blipFill>
-          <a:blip r:embed="rId3">
+          <a:blip r:embed="rId2">
             <a:extLst>
               <a:ext uri="{28A0092B-C50C-407E-A947-70E740481C1C}">
                 <a14:useLocalDpi xmlns:a14="http://schemas.microsoft.com/office/drawing/2010/main" val="0"/>
@@ -7313,8 +7448,8 @@
         </p:blipFill>
         <p:spPr>
           <a:xfrm>
-            <a:off x="2200058" y="3616134"/>
-            <a:ext cx="4743883" cy="2148312"/>
+            <a:off x="90054" y="2803964"/>
+            <a:ext cx="8963891" cy="3767432"/>
           </a:xfrm>
           <a:prstGeom prst="rect">
             <a:avLst/>
@@ -7326,7 +7461,7 @@
           <p:cNvPr id="4" name="スライド番号プレースホルダー 3">
             <a:extLst>
               <a:ext uri="{FF2B5EF4-FFF2-40B4-BE49-F238E27FC236}">
-                <a16:creationId xmlns:a16="http://schemas.microsoft.com/office/drawing/2014/main" id="{1D4B421E-51B3-4479-A309-3B662C428650}"/>
+                <a16:creationId xmlns:a16="http://schemas.microsoft.com/office/drawing/2014/main" id="{A54B4541-C04F-4BD1-9C32-381A4579684F}"/>
               </a:ext>
             </a:extLst>
           </p:cNvPr>
@@ -7354,7 +7489,7 @@
     </p:spTree>
     <p:extLst>
       <p:ext uri="{BB962C8B-B14F-4D97-AF65-F5344CB8AC3E}">
-        <p14:creationId xmlns:p14="http://schemas.microsoft.com/office/powerpoint/2010/main" val="2218197693"/>
+        <p14:creationId xmlns:p14="http://schemas.microsoft.com/office/powerpoint/2010/main" val="2847783206"/>
       </p:ext>
     </p:extLst>
   </p:cSld>
@@ -7381,12 +7516,180 @@
           <a:chExt cx="0" cy="0"/>
         </a:xfrm>
       </p:grpSpPr>
+      <p:sp>
+        <p:nvSpPr>
+          <p:cNvPr id="2" name="タイトル 1">
+            <a:extLst>
+              <a:ext uri="{FF2B5EF4-FFF2-40B4-BE49-F238E27FC236}">
+                <a16:creationId xmlns:a16="http://schemas.microsoft.com/office/drawing/2014/main" id="{BAE3C59E-8D4C-4FFF-8230-266B26C02D21}"/>
+              </a:ext>
+            </a:extLst>
+          </p:cNvPr>
+          <p:cNvSpPr>
+            <a:spLocks noGrp="1"/>
+          </p:cNvSpPr>
+          <p:nvPr>
+            <p:ph type="title"/>
+          </p:nvPr>
+        </p:nvSpPr>
+        <p:spPr/>
+        <p:txBody>
+          <a:bodyPr/>
+          <a:lstStyle/>
+          <a:p>
+            <a:r>
+              <a:rPr lang="ja-JP" altLang="en-US" dirty="0"/>
+              <a:t>提案システム概要（</a:t>
+            </a:r>
+            <a:r>
+              <a:rPr lang="en-US" altLang="ja-JP" dirty="0"/>
+              <a:t>4</a:t>
+            </a:r>
+            <a:r>
+              <a:rPr lang="ja-JP" altLang="en-US" dirty="0"/>
+              <a:t>）</a:t>
+            </a:r>
+            <a:endParaRPr kumimoji="1" lang="ja-JP" altLang="en-US" dirty="0"/>
+          </a:p>
+        </p:txBody>
+      </p:sp>
+      <p:sp>
+        <p:nvSpPr>
+          <p:cNvPr id="3" name="コンテンツ プレースホルダー 2">
+            <a:extLst>
+              <a:ext uri="{FF2B5EF4-FFF2-40B4-BE49-F238E27FC236}">
+                <a16:creationId xmlns:a16="http://schemas.microsoft.com/office/drawing/2014/main" id="{085C08DD-0913-40F1-9371-8262A332B14A}"/>
+              </a:ext>
+            </a:extLst>
+          </p:cNvPr>
+          <p:cNvSpPr>
+            <a:spLocks noGrp="1"/>
+          </p:cNvSpPr>
+          <p:nvPr>
+            <p:ph idx="1"/>
+          </p:nvPr>
+        </p:nvSpPr>
+        <p:spPr/>
+        <p:txBody>
+          <a:bodyPr/>
+          <a:lstStyle/>
+          <a:p>
+            <a:pPr>
+              <a:buFont typeface="Wingdings" panose="05000000000000000000" pitchFamily="2" charset="2"/>
+              <a:buChar char="l"/>
+            </a:pPr>
+            <a:r>
+              <a:rPr lang="en-US" altLang="ja-JP" dirty="0"/>
+              <a:t>LXD</a:t>
+            </a:r>
+          </a:p>
+          <a:p>
+            <a:pPr lvl="1">
+              <a:buFont typeface="Wingdings" panose="05000000000000000000" pitchFamily="2" charset="2"/>
+              <a:buChar char="l"/>
+            </a:pPr>
+            <a:r>
+              <a:rPr lang="ja-JP" altLang="en-US" dirty="0"/>
+              <a:t>コンテナを提供するシステム</a:t>
+            </a:r>
+            <a:endParaRPr lang="en-US" altLang="ja-JP" dirty="0"/>
+          </a:p>
+          <a:p>
+            <a:pPr lvl="1">
+              <a:buFont typeface="Wingdings" panose="05000000000000000000" pitchFamily="2" charset="2"/>
+              <a:buChar char="l"/>
+            </a:pPr>
+            <a:r>
+              <a:rPr lang="ja-JP" altLang="en-US" dirty="0"/>
+              <a:t>コンテナを停止せずに</a:t>
+            </a:r>
+            <a:r>
+              <a:rPr lang="en-US" altLang="ja-JP" dirty="0"/>
+              <a:t>VM</a:t>
+            </a:r>
+            <a:r>
+              <a:rPr lang="ja-JP" altLang="en-US" dirty="0"/>
+              <a:t>間でマイグレーション可能</a:t>
+            </a:r>
+            <a:endParaRPr lang="en-US" altLang="ja-JP" dirty="0"/>
+          </a:p>
+          <a:p>
+            <a:pPr lvl="1">
+              <a:buFont typeface="Wingdings" panose="05000000000000000000" pitchFamily="2" charset="2"/>
+              <a:buChar char="l"/>
+            </a:pPr>
+            <a:r>
+              <a:rPr lang="en-US" altLang="ja-JP" dirty="0"/>
+              <a:t>LXD</a:t>
+            </a:r>
+            <a:r>
+              <a:rPr lang="ja-JP" altLang="en-US" dirty="0"/>
+              <a:t> </a:t>
+            </a:r>
+            <a:r>
+              <a:rPr lang="en-US" altLang="ja-JP" dirty="0"/>
+              <a:t>2.21</a:t>
+            </a:r>
+            <a:r>
+              <a:rPr lang="ja-JP" altLang="en-US" dirty="0"/>
+              <a:t>ではライブマイグレーション可能</a:t>
+            </a:r>
+            <a:endParaRPr lang="en-US" altLang="ja-JP" dirty="0"/>
+          </a:p>
+          <a:p>
+            <a:pPr lvl="1">
+              <a:buFont typeface="Wingdings" panose="05000000000000000000" pitchFamily="2" charset="2"/>
+              <a:buChar char="l"/>
+            </a:pPr>
+            <a:endParaRPr lang="en-US" altLang="ja-JP" dirty="0"/>
+          </a:p>
+          <a:p>
+            <a:pPr>
+              <a:buFont typeface="Wingdings" panose="05000000000000000000" pitchFamily="2" charset="2"/>
+              <a:buChar char="l"/>
+            </a:pPr>
+            <a:r>
+              <a:rPr lang="en-US" altLang="ja-JP" dirty="0"/>
+              <a:t>Zabbix</a:t>
+            </a:r>
+          </a:p>
+          <a:p>
+            <a:pPr lvl="1">
+              <a:buFont typeface="Wingdings" panose="05000000000000000000" pitchFamily="2" charset="2"/>
+              <a:buChar char="l"/>
+            </a:pPr>
+            <a:r>
+              <a:rPr lang="ja-JP" altLang="en-US" dirty="0"/>
+              <a:t>サーバやネットワークを集中管理するソフトウェア</a:t>
+            </a:r>
+            <a:endParaRPr lang="en-US" altLang="ja-JP" dirty="0"/>
+          </a:p>
+          <a:p>
+            <a:pPr lvl="1">
+              <a:buFont typeface="Wingdings" panose="05000000000000000000" pitchFamily="2" charset="2"/>
+              <a:buChar char="l"/>
+            </a:pPr>
+            <a:r>
+              <a:rPr lang="ja-JP" altLang="en-US" dirty="0"/>
+              <a:t>監視，障害検知が可能</a:t>
+            </a:r>
+            <a:endParaRPr lang="en-US" altLang="ja-JP" dirty="0"/>
+          </a:p>
+          <a:p>
+            <a:pPr>
+              <a:buFont typeface="Wingdings" panose="05000000000000000000" pitchFamily="2" charset="2"/>
+              <a:buChar char="l"/>
+            </a:pPr>
+            <a:endParaRPr kumimoji="1" lang="ja-JP" altLang="en-US" dirty="0"/>
+          </a:p>
+        </p:txBody>
+      </p:sp>
       <p:pic>
         <p:nvPicPr>
-          <p:cNvPr id="6" name="図 5">
+          <p:cNvPr id="5" name="図 4">
             <a:extLst>
               <a:ext uri="{FF2B5EF4-FFF2-40B4-BE49-F238E27FC236}">
-                <a16:creationId xmlns:a16="http://schemas.microsoft.com/office/drawing/2014/main" id="{A9D477F1-66BF-497E-9592-C4FC21F3196B}"/>
+                <a16:creationId xmlns:a16="http://schemas.microsoft.com/office/drawing/2014/main" id="{E4F07E5F-1C0D-4DC1-9B56-D97B38F8A8B9}"/>
               </a:ext>
             </a:extLst>
           </p:cNvPr>
@@ -7395,21 +7698,22 @@
           </p:cNvPicPr>
           <p:nvPr/>
         </p:nvPicPr>
-        <p:blipFill rotWithShape="1">
-          <a:blip r:embed="rId2">
+        <p:blipFill>
+          <a:blip r:embed="rId3">
             <a:extLst>
               <a:ext uri="{28A0092B-C50C-407E-A947-70E740481C1C}">
                 <a14:useLocalDpi xmlns:a14="http://schemas.microsoft.com/office/drawing/2010/main" val="0"/>
               </a:ext>
             </a:extLst>
           </a:blip>
-          <a:srcRect t="7937" r="37035"/>
-          <a:stretch/>
+          <a:stretch>
+            <a:fillRect/>
+          </a:stretch>
         </p:blipFill>
         <p:spPr>
           <a:xfrm>
-            <a:off x="2256212" y="2881745"/>
-            <a:ext cx="4677295" cy="3689651"/>
+            <a:off x="6234361" y="2882235"/>
+            <a:ext cx="2414721" cy="1093529"/>
           </a:xfrm>
           <a:prstGeom prst="rect">
             <a:avLst/>
@@ -7418,150 +7722,10 @@
       </p:pic>
       <p:sp>
         <p:nvSpPr>
-          <p:cNvPr id="2" name="タイトル 1">
+          <p:cNvPr id="4" name="スライド番号プレースホルダー 3">
             <a:extLst>
               <a:ext uri="{FF2B5EF4-FFF2-40B4-BE49-F238E27FC236}">
-                <a16:creationId xmlns:a16="http://schemas.microsoft.com/office/drawing/2014/main" id="{EC4A469D-1792-4868-8D82-EBD2C4459C92}"/>
-              </a:ext>
-            </a:extLst>
-          </p:cNvPr>
-          <p:cNvSpPr>
-            <a:spLocks noGrp="1"/>
-          </p:cNvSpPr>
-          <p:nvPr>
-            <p:ph type="title"/>
-          </p:nvPr>
-        </p:nvSpPr>
-        <p:spPr/>
-        <p:txBody>
-          <a:bodyPr/>
-          <a:lstStyle/>
-          <a:p>
-            <a:r>
-              <a:rPr kumimoji="1" lang="ja-JP" altLang="en-US" dirty="0"/>
-              <a:t>障害検知（</a:t>
-            </a:r>
-            <a:r>
-              <a:rPr kumimoji="1" lang="en-US" altLang="ja-JP" dirty="0"/>
-              <a:t>1</a:t>
-            </a:r>
-            <a:r>
-              <a:rPr kumimoji="1" lang="ja-JP" altLang="en-US" dirty="0"/>
-              <a:t>）</a:t>
-            </a:r>
-          </a:p>
-        </p:txBody>
-      </p:sp>
-      <p:sp>
-        <p:nvSpPr>
-          <p:cNvPr id="3" name="コンテンツ プレースホルダー 2">
-            <a:extLst>
-              <a:ext uri="{FF2B5EF4-FFF2-40B4-BE49-F238E27FC236}">
-                <a16:creationId xmlns:a16="http://schemas.microsoft.com/office/drawing/2014/main" id="{AFD79DFF-18FD-4ED2-9DA6-5A77D8747F64}"/>
-              </a:ext>
-            </a:extLst>
-          </p:cNvPr>
-          <p:cNvSpPr>
-            <a:spLocks noGrp="1"/>
-          </p:cNvSpPr>
-          <p:nvPr>
-            <p:ph idx="1"/>
-          </p:nvPr>
-        </p:nvSpPr>
-        <p:spPr/>
-        <p:txBody>
-          <a:bodyPr/>
-          <a:lstStyle/>
-          <a:p>
-            <a:pPr>
-              <a:buFont typeface="Wingdings" panose="05000000000000000000" pitchFamily="2" charset="2"/>
-              <a:buChar char="l"/>
-            </a:pPr>
-            <a:r>
-              <a:rPr kumimoji="1" lang="en-US" altLang="ja-JP" dirty="0" err="1"/>
-              <a:t>libvirt-snmp</a:t>
-            </a:r>
-            <a:r>
-              <a:rPr kumimoji="1" lang="ja-JP" altLang="en-US" dirty="0"/>
-              <a:t>を用いて</a:t>
-            </a:r>
-            <a:r>
-              <a:rPr kumimoji="1" lang="en-US" altLang="ja-JP" dirty="0"/>
-              <a:t>VM</a:t>
-            </a:r>
-            <a:r>
-              <a:rPr kumimoji="1" lang="ja-JP" altLang="en-US" dirty="0"/>
-              <a:t>の</a:t>
-            </a:r>
-            <a:r>
-              <a:rPr kumimoji="1" lang="en-US" altLang="ja-JP" dirty="0"/>
-              <a:t>CPU</a:t>
-            </a:r>
-            <a:r>
-              <a:rPr kumimoji="1" lang="ja-JP" altLang="en-US" dirty="0"/>
-              <a:t>使用量を</a:t>
-            </a:r>
-            <a:r>
-              <a:rPr kumimoji="1" lang="en-US" altLang="ja-JP" dirty="0"/>
-              <a:t>5</a:t>
-            </a:r>
-            <a:r>
-              <a:rPr kumimoji="1" lang="ja-JP" altLang="en-US" dirty="0"/>
-              <a:t>秒間隔で取得</a:t>
-            </a:r>
-            <a:endParaRPr kumimoji="1" lang="en-US" altLang="ja-JP" dirty="0"/>
-          </a:p>
-          <a:p>
-            <a:pPr>
-              <a:buFont typeface="Wingdings" panose="05000000000000000000" pitchFamily="2" charset="2"/>
-              <a:buChar char="l"/>
-            </a:pPr>
-            <a:r>
-              <a:rPr lang="ja-JP" altLang="en-US" dirty="0"/>
-              <a:t>取得した</a:t>
-            </a:r>
-            <a:r>
-              <a:rPr lang="en-US" altLang="ja-JP" dirty="0"/>
-              <a:t>CPU</a:t>
-            </a:r>
-            <a:r>
-              <a:rPr lang="ja-JP" altLang="en-US" dirty="0"/>
-              <a:t>使用量と</a:t>
-            </a:r>
-            <a:r>
-              <a:rPr lang="en-US" altLang="ja-JP" dirty="0"/>
-              <a:t>5</a:t>
-            </a:r>
-            <a:r>
-              <a:rPr lang="ja-JP" altLang="en-US" dirty="0"/>
-              <a:t>秒前の</a:t>
-            </a:r>
-            <a:r>
-              <a:rPr lang="en-US" altLang="ja-JP" dirty="0"/>
-              <a:t>CPU</a:t>
-            </a:r>
-            <a:r>
-              <a:rPr lang="ja-JP" altLang="en-US" dirty="0"/>
-              <a:t>使用量の差分から</a:t>
-            </a:r>
-            <a:r>
-              <a:rPr lang="en-US" altLang="ja-JP" dirty="0"/>
-              <a:t>CPU</a:t>
-            </a:r>
-            <a:r>
-              <a:rPr lang="ja-JP" altLang="en-US" dirty="0"/>
-              <a:t>使用率を算出</a:t>
-            </a:r>
-            <a:endParaRPr kumimoji="1" lang="en-US" altLang="ja-JP" dirty="0"/>
-          </a:p>
-        </p:txBody>
-      </p:sp>
-      <p:sp>
-        <p:nvSpPr>
-          <p:cNvPr id="4" name="スライド番号プレースホルダー 3">
-            <a:extLst>
-              <a:ext uri="{FF2B5EF4-FFF2-40B4-BE49-F238E27FC236}">
-                <a16:creationId xmlns:a16="http://schemas.microsoft.com/office/drawing/2014/main" id="{1E9D32E2-09D0-45A1-9AFF-4BD82277AC75}"/>
+                <a16:creationId xmlns:a16="http://schemas.microsoft.com/office/drawing/2014/main" id="{1D4B421E-51B3-4479-A309-3B662C428650}"/>
               </a:ext>
             </a:extLst>
           </p:cNvPr>
@@ -7586,10 +7750,46 @@
           </a:p>
         </p:txBody>
       </p:sp>
+      <p:pic>
+        <p:nvPicPr>
+          <p:cNvPr id="6" name="図 5">
+            <a:extLst>
+              <a:ext uri="{FF2B5EF4-FFF2-40B4-BE49-F238E27FC236}">
+                <a16:creationId xmlns:a16="http://schemas.microsoft.com/office/drawing/2014/main" id="{806C2F97-8C2B-431C-9B3C-A81BA4837A64}"/>
+              </a:ext>
+            </a:extLst>
+          </p:cNvPr>
+          <p:cNvPicPr>
+            <a:picLocks noChangeAspect="1"/>
+          </p:cNvPicPr>
+          <p:nvPr/>
+        </p:nvPicPr>
+        <p:blipFill>
+          <a:blip r:embed="rId4">
+            <a:extLst>
+              <a:ext uri="{28A0092B-C50C-407E-A947-70E740481C1C}">
+                <a14:useLocalDpi xmlns:a14="http://schemas.microsoft.com/office/drawing/2010/main" val="0"/>
+              </a:ext>
+            </a:extLst>
+          </a:blip>
+          <a:stretch>
+            <a:fillRect/>
+          </a:stretch>
+        </p:blipFill>
+        <p:spPr>
+          <a:xfrm>
+            <a:off x="6124300" y="4826875"/>
+            <a:ext cx="2242459" cy="587525"/>
+          </a:xfrm>
+          <a:prstGeom prst="rect">
+            <a:avLst/>
+          </a:prstGeom>
+        </p:spPr>
+      </p:pic>
     </p:spTree>
     <p:extLst>
       <p:ext uri="{BB962C8B-B14F-4D97-AF65-F5344CB8AC3E}">
-        <p14:creationId xmlns:p14="http://schemas.microsoft.com/office/powerpoint/2010/main" val="3497055469"/>
+        <p14:creationId xmlns:p14="http://schemas.microsoft.com/office/powerpoint/2010/main" val="2218197693"/>
       </p:ext>
     </p:extLst>
   </p:cSld>
@@ -7621,7 +7821,7 @@
           <p:cNvPr id="2" name="タイトル 1">
             <a:extLst>
               <a:ext uri="{FF2B5EF4-FFF2-40B4-BE49-F238E27FC236}">
-                <a16:creationId xmlns:a16="http://schemas.microsoft.com/office/drawing/2014/main" id="{8A2D1C3F-B10C-460E-9001-E30CE39DA005}"/>
+                <a16:creationId xmlns:a16="http://schemas.microsoft.com/office/drawing/2014/main" id="{3DE79DCE-1290-4CAA-B0AF-56BFEC1305B7}"/>
               </a:ext>
             </a:extLst>
           </p:cNvPr>
@@ -7639,11 +7839,11 @@
           <a:p>
             <a:r>
               <a:rPr lang="ja-JP" altLang="en-US" dirty="0"/>
-              <a:t>障害検知（</a:t>
+              <a:t>提案システム概要（</a:t>
             </a:r>
             <a:r>
               <a:rPr lang="en-US" altLang="ja-JP" dirty="0"/>
-              <a:t>2</a:t>
+              <a:t>5</a:t>
             </a:r>
             <a:r>
               <a:rPr lang="ja-JP" altLang="en-US" dirty="0"/>
@@ -7658,7 +7858,7 @@
           <p:cNvPr id="3" name="コンテンツ プレースホルダー 2">
             <a:extLst>
               <a:ext uri="{FF2B5EF4-FFF2-40B4-BE49-F238E27FC236}">
-                <a16:creationId xmlns:a16="http://schemas.microsoft.com/office/drawing/2014/main" id="{9080E59D-C54C-4700-9A72-4CE5AB3DB76A}"/>
+                <a16:creationId xmlns:a16="http://schemas.microsoft.com/office/drawing/2014/main" id="{E36ADB52-1693-4654-8727-A868B27BF592}"/>
               </a:ext>
             </a:extLst>
           </p:cNvPr>
@@ -7679,40 +7879,8 @@
               <a:buChar char="l"/>
             </a:pPr>
             <a:r>
-              <a:rPr lang="ja-JP" altLang="en-US" dirty="0"/>
-              <a:t>求めた</a:t>
-            </a:r>
-            <a:r>
-              <a:rPr lang="en-US" altLang="ja-JP" dirty="0"/>
-              <a:t>CPU</a:t>
-            </a:r>
-            <a:r>
-              <a:rPr lang="ja-JP" altLang="en-US" dirty="0"/>
-              <a:t>使用率を</a:t>
-            </a:r>
-            <a:r>
-              <a:rPr lang="en-US" altLang="ja-JP" dirty="0"/>
-              <a:t>Zabbix</a:t>
-            </a:r>
-            <a:r>
-              <a:rPr lang="ja-JP" altLang="en-US" dirty="0"/>
-              <a:t> </a:t>
-            </a:r>
-            <a:r>
-              <a:rPr lang="en-US" altLang="ja-JP" dirty="0"/>
-              <a:t>Sender</a:t>
-            </a:r>
-            <a:r>
-              <a:rPr lang="ja-JP" altLang="en-US" dirty="0"/>
-              <a:t>を利用して</a:t>
-            </a:r>
-            <a:r>
-              <a:rPr lang="en-US" altLang="ja-JP" dirty="0"/>
-              <a:t>Zabbix</a:t>
-            </a:r>
-            <a:r>
-              <a:rPr lang="ja-JP" altLang="en-US" dirty="0"/>
-              <a:t>サーバに送信</a:t>
+              <a:rPr lang="en-US" altLang="ja-JP" dirty="0" err="1"/>
+              <a:t>libvirt-snmp</a:t>
             </a:r>
             <a:endParaRPr lang="en-US" altLang="ja-JP" dirty="0"/>
           </a:p>
@@ -7722,25 +7890,100 @@
               <a:buChar char="l"/>
             </a:pPr>
             <a:r>
+              <a:rPr lang="en-US" altLang="ja-JP" dirty="0" err="1"/>
+              <a:t>libvirt-snmp</a:t>
+            </a:r>
+            <a:r>
+              <a:rPr lang="ja-JP" altLang="en-US" dirty="0"/>
+              <a:t>は</a:t>
+            </a:r>
+            <a:r>
+              <a:rPr lang="en-US" altLang="ja-JP" dirty="0" err="1"/>
+              <a:t>libvirt</a:t>
+            </a:r>
+            <a:r>
+              <a:rPr lang="ja-JP" altLang="en-US" dirty="0"/>
+              <a:t>に</a:t>
+            </a:r>
+            <a:r>
               <a:rPr lang="en-US" altLang="ja-JP" dirty="0"/>
+              <a:t>SNMP</a:t>
+            </a:r>
+            <a:r>
+              <a:rPr lang="ja-JP" altLang="en-US" dirty="0"/>
+              <a:t>機能を提供</a:t>
+            </a:r>
+            <a:endParaRPr lang="en-US" altLang="ja-JP" dirty="0"/>
+          </a:p>
+          <a:p>
+            <a:pPr lvl="1">
+              <a:buFont typeface="Wingdings" panose="05000000000000000000" pitchFamily="2" charset="2"/>
+              <a:buChar char="l"/>
+            </a:pPr>
+            <a:r>
+              <a:rPr lang="en-US" altLang="ja-JP" dirty="0" err="1"/>
+              <a:t>libvirt</a:t>
+            </a:r>
+            <a:r>
+              <a:rPr lang="en-US" altLang="ja-JP" dirty="0"/>
+              <a:t> </a:t>
+            </a:r>
+            <a:r>
+              <a:rPr lang="ja-JP" altLang="en-US" dirty="0"/>
+              <a:t>は</a:t>
+            </a:r>
+            <a:r>
+              <a:rPr kumimoji="1" lang="en-US" altLang="ja-JP" dirty="0"/>
               <a:t>VM</a:t>
             </a:r>
             <a:r>
               <a:rPr lang="ja-JP" altLang="en-US" dirty="0"/>
-              <a:t>内システムの過負荷状態，異常停止を検出</a:t>
-            </a:r>
-          </a:p>
-          <a:p>
+              <a:t>を管理するための共通</a:t>
+            </a:r>
+            <a:r>
+              <a:rPr lang="en-US" altLang="ja-JP" dirty="0"/>
+              <a:t>API</a:t>
+            </a:r>
+            <a:endParaRPr kumimoji="1" lang="en-US" altLang="ja-JP" dirty="0"/>
+          </a:p>
+        </p:txBody>
+      </p:sp>
+      <p:sp>
+        <p:nvSpPr>
+          <p:cNvPr id="4" name="スライド番号プレースホルダー 3">
+            <a:extLst>
+              <a:ext uri="{FF2B5EF4-FFF2-40B4-BE49-F238E27FC236}">
+                <a16:creationId xmlns:a16="http://schemas.microsoft.com/office/drawing/2014/main" id="{14900992-7CDE-4DD2-9505-FBDA6D1A47F8}"/>
+              </a:ext>
+            </a:extLst>
+          </p:cNvPr>
+          <p:cNvSpPr>
+            <a:spLocks noGrp="1"/>
+          </p:cNvSpPr>
+          <p:nvPr>
+            <p:ph type="sldNum" sz="quarter" idx="12"/>
+          </p:nvPr>
+        </p:nvSpPr>
+        <p:spPr/>
+        <p:txBody>
+          <a:bodyPr/>
+          <a:lstStyle/>
+          <a:p>
+            <a:fld id="{7AB22DEB-E1FF-4BEE-A182-437B9452AE5B}" type="slidenum">
+              <a:rPr kumimoji="1" lang="ja-JP" altLang="en-US" smtClean="0"/>
+              <a:pPr/>
+              <a:t>15</a:t>
+            </a:fld>
             <a:endParaRPr kumimoji="1" lang="ja-JP" altLang="en-US" dirty="0"/>
           </a:p>
         </p:txBody>
       </p:sp>
       <p:pic>
         <p:nvPicPr>
-          <p:cNvPr id="4" name="図 3">
+          <p:cNvPr id="8" name="図 7">
             <a:extLst>
               <a:ext uri="{FF2B5EF4-FFF2-40B4-BE49-F238E27FC236}">
-                <a16:creationId xmlns:a16="http://schemas.microsoft.com/office/drawing/2014/main" id="{BA113745-7DCE-4D17-ABDA-E09B1633C707}"/>
+                <a16:creationId xmlns:a16="http://schemas.microsoft.com/office/drawing/2014/main" id="{F67D0327-3E44-41C5-9593-EC74CA8E2583}"/>
               </a:ext>
             </a:extLst>
           </p:cNvPr>
@@ -7749,61 +7992,32 @@
           </p:cNvPicPr>
           <p:nvPr/>
         </p:nvPicPr>
-        <p:blipFill rotWithShape="1">
-          <a:blip r:embed="rId2">
+        <p:blipFill>
+          <a:blip r:embed="rId3">
             <a:extLst>
               <a:ext uri="{28A0092B-C50C-407E-A947-70E740481C1C}">
                 <a14:useLocalDpi xmlns:a14="http://schemas.microsoft.com/office/drawing/2010/main" val="0"/>
               </a:ext>
             </a:extLst>
           </a:blip>
-          <a:srcRect t="4406" b="1905"/>
-          <a:stretch/>
+          <a:stretch>
+            <a:fillRect/>
+          </a:stretch>
         </p:blipFill>
         <p:spPr>
           <a:xfrm>
-            <a:off x="124486" y="2604653"/>
-            <a:ext cx="8895027" cy="3782291"/>
+            <a:off x="5550998" y="2957102"/>
+            <a:ext cx="2562487" cy="1141472"/>
           </a:xfrm>
           <a:prstGeom prst="rect">
             <a:avLst/>
           </a:prstGeom>
         </p:spPr>
       </p:pic>
-      <p:sp>
-        <p:nvSpPr>
-          <p:cNvPr id="5" name="スライド番号プレースホルダー 4">
-            <a:extLst>
-              <a:ext uri="{FF2B5EF4-FFF2-40B4-BE49-F238E27FC236}">
-                <a16:creationId xmlns:a16="http://schemas.microsoft.com/office/drawing/2014/main" id="{9E9A192A-62C7-4E24-9662-4A59E392460D}"/>
-              </a:ext>
-            </a:extLst>
-          </p:cNvPr>
-          <p:cNvSpPr>
-            <a:spLocks noGrp="1"/>
-          </p:cNvSpPr>
-          <p:nvPr>
-            <p:ph type="sldNum" sz="quarter" idx="12"/>
-          </p:nvPr>
-        </p:nvSpPr>
-        <p:spPr/>
-        <p:txBody>
-          <a:bodyPr/>
-          <a:lstStyle/>
-          <a:p>
-            <a:fld id="{7AB22DEB-E1FF-4BEE-A182-437B9452AE5B}" type="slidenum">
-              <a:rPr kumimoji="1" lang="ja-JP" altLang="en-US" smtClean="0"/>
-              <a:pPr/>
-              <a:t>15</a:t>
-            </a:fld>
-            <a:endParaRPr kumimoji="1" lang="ja-JP" altLang="en-US"/>
-          </a:p>
-        </p:txBody>
-      </p:sp>
     </p:spTree>
     <p:extLst>
       <p:ext uri="{BB962C8B-B14F-4D97-AF65-F5344CB8AC3E}">
-        <p14:creationId xmlns:p14="http://schemas.microsoft.com/office/powerpoint/2010/main" val="1601281987"/>
+        <p14:creationId xmlns:p14="http://schemas.microsoft.com/office/powerpoint/2010/main" val="1713024996"/>
       </p:ext>
     </p:extLst>
   </p:cSld>
@@ -7830,116 +8044,12 @@
           <a:chExt cx="0" cy="0"/>
         </a:xfrm>
       </p:grpSpPr>
-      <p:sp>
-        <p:nvSpPr>
-          <p:cNvPr id="2" name="タイトル 1">
-            <a:extLst>
-              <a:ext uri="{FF2B5EF4-FFF2-40B4-BE49-F238E27FC236}">
-                <a16:creationId xmlns:a16="http://schemas.microsoft.com/office/drawing/2014/main" id="{9C751177-16DB-4629-AD8D-69C32D890478}"/>
-              </a:ext>
-            </a:extLst>
-          </p:cNvPr>
-          <p:cNvSpPr>
-            <a:spLocks noGrp="1"/>
-          </p:cNvSpPr>
-          <p:nvPr>
-            <p:ph type="title"/>
-          </p:nvPr>
-        </p:nvSpPr>
-        <p:spPr/>
-        <p:txBody>
-          <a:bodyPr/>
-          <a:lstStyle/>
-          <a:p>
-            <a:r>
-              <a:rPr kumimoji="1" lang="ja-JP" altLang="en-US" dirty="0"/>
-              <a:t>障害検知（</a:t>
-            </a:r>
-            <a:r>
-              <a:rPr kumimoji="1" lang="en-US" altLang="ja-JP" dirty="0"/>
-              <a:t>3</a:t>
-            </a:r>
-            <a:r>
-              <a:rPr kumimoji="1" lang="ja-JP" altLang="en-US" dirty="0"/>
-              <a:t>）</a:t>
-            </a:r>
-          </a:p>
-        </p:txBody>
-      </p:sp>
-      <p:sp>
-        <p:nvSpPr>
-          <p:cNvPr id="3" name="コンテンツ プレースホルダー 2">
-            <a:extLst>
-              <a:ext uri="{FF2B5EF4-FFF2-40B4-BE49-F238E27FC236}">
-                <a16:creationId xmlns:a16="http://schemas.microsoft.com/office/drawing/2014/main" id="{4635BF75-0A18-49DA-9319-6F7ED7B8582E}"/>
-              </a:ext>
-            </a:extLst>
-          </p:cNvPr>
-          <p:cNvSpPr>
-            <a:spLocks noGrp="1"/>
-          </p:cNvSpPr>
-          <p:nvPr>
-            <p:ph idx="1"/>
-          </p:nvPr>
-        </p:nvSpPr>
-        <p:spPr/>
-        <p:txBody>
-          <a:bodyPr/>
-          <a:lstStyle/>
-          <a:p>
-            <a:pPr>
-              <a:buFont typeface="Wingdings" panose="05000000000000000000" pitchFamily="2" charset="2"/>
-              <a:buChar char="l"/>
-            </a:pPr>
-            <a:r>
-              <a:rPr kumimoji="1" lang="en-US" altLang="ja-JP" dirty="0" err="1"/>
-              <a:t>libvirt-snmp</a:t>
-            </a:r>
-            <a:r>
-              <a:rPr kumimoji="1" lang="ja-JP" altLang="en-US" dirty="0"/>
-              <a:t>は</a:t>
-            </a:r>
-            <a:r>
-              <a:rPr kumimoji="1" lang="en-US" altLang="ja-JP" dirty="0"/>
-              <a:t>VM</a:t>
-            </a:r>
-            <a:r>
-              <a:rPr kumimoji="1" lang="ja-JP" altLang="en-US" dirty="0"/>
-              <a:t>のステータスが変化すると</a:t>
-            </a:r>
-            <a:r>
-              <a:rPr lang="en-US" altLang="ja-JP" dirty="0"/>
-              <a:t>SNMP</a:t>
-            </a:r>
-            <a:r>
-              <a:rPr lang="ja-JP" altLang="en-US" dirty="0"/>
-              <a:t>トラップを発行</a:t>
-            </a:r>
-            <a:endParaRPr lang="en-US" altLang="ja-JP" dirty="0"/>
-          </a:p>
-          <a:p>
-            <a:pPr>
-              <a:buFont typeface="Wingdings" panose="05000000000000000000" pitchFamily="2" charset="2"/>
-              <a:buChar char="l"/>
-            </a:pPr>
-            <a:r>
-              <a:rPr lang="en-US" altLang="ja-JP" dirty="0"/>
-              <a:t>SNMP</a:t>
-            </a:r>
-            <a:r>
-              <a:rPr lang="ja-JP" altLang="en-US" dirty="0"/>
-              <a:t>トラップの内容をログファイルに保管</a:t>
-            </a:r>
-            <a:endParaRPr lang="en-US" altLang="ja-JP" dirty="0"/>
-          </a:p>
-        </p:txBody>
-      </p:sp>
       <p:pic>
         <p:nvPicPr>
-          <p:cNvPr id="6" name="図 5">
+          <p:cNvPr id="7" name="図 6">
             <a:extLst>
               <a:ext uri="{FF2B5EF4-FFF2-40B4-BE49-F238E27FC236}">
-                <a16:creationId xmlns:a16="http://schemas.microsoft.com/office/drawing/2014/main" id="{1D58C555-2D07-4ABA-90D4-4DA449AFB0C9}"/>
+                <a16:creationId xmlns:a16="http://schemas.microsoft.com/office/drawing/2014/main" id="{37535B9D-251B-483F-8FBE-E441A91C7017}"/>
               </a:ext>
             </a:extLst>
           </p:cNvPr>
@@ -7948,7 +8058,7 @@
           </p:cNvPicPr>
           <p:nvPr/>
         </p:nvPicPr>
-        <p:blipFill>
+        <p:blipFill rotWithShape="1">
           <a:blip r:embed="rId2">
             <a:extLst>
               <a:ext uri="{28A0092B-C50C-407E-A947-70E740481C1C}">
@@ -7956,14 +8066,13 @@
               </a:ext>
             </a:extLst>
           </a:blip>
-          <a:stretch>
-            <a:fillRect/>
-          </a:stretch>
+          <a:srcRect t="5472" b="1904"/>
+          <a:stretch/>
         </p:blipFill>
         <p:spPr>
           <a:xfrm>
-            <a:off x="1186792" y="2727363"/>
-            <a:ext cx="6509408" cy="3844033"/>
+            <a:off x="349220" y="2909455"/>
+            <a:ext cx="8445559" cy="3550331"/>
           </a:xfrm>
           <a:prstGeom prst="rect">
             <a:avLst/>
@@ -7972,10 +8081,150 @@
       </p:pic>
       <p:sp>
         <p:nvSpPr>
+          <p:cNvPr id="2" name="タイトル 1">
+            <a:extLst>
+              <a:ext uri="{FF2B5EF4-FFF2-40B4-BE49-F238E27FC236}">
+                <a16:creationId xmlns:a16="http://schemas.microsoft.com/office/drawing/2014/main" id="{EC4A469D-1792-4868-8D82-EBD2C4459C92}"/>
+              </a:ext>
+            </a:extLst>
+          </p:cNvPr>
+          <p:cNvSpPr>
+            <a:spLocks noGrp="1"/>
+          </p:cNvSpPr>
+          <p:nvPr>
+            <p:ph type="title"/>
+          </p:nvPr>
+        </p:nvSpPr>
+        <p:spPr/>
+        <p:txBody>
+          <a:bodyPr/>
+          <a:lstStyle/>
+          <a:p>
+            <a:r>
+              <a:rPr kumimoji="1" lang="ja-JP" altLang="en-US" dirty="0"/>
+              <a:t>障害検知（</a:t>
+            </a:r>
+            <a:r>
+              <a:rPr kumimoji="1" lang="en-US" altLang="ja-JP" dirty="0"/>
+              <a:t>1</a:t>
+            </a:r>
+            <a:r>
+              <a:rPr kumimoji="1" lang="ja-JP" altLang="en-US" dirty="0"/>
+              <a:t>）</a:t>
+            </a:r>
+          </a:p>
+        </p:txBody>
+      </p:sp>
+      <p:sp>
+        <p:nvSpPr>
+          <p:cNvPr id="3" name="コンテンツ プレースホルダー 2">
+            <a:extLst>
+              <a:ext uri="{FF2B5EF4-FFF2-40B4-BE49-F238E27FC236}">
+                <a16:creationId xmlns:a16="http://schemas.microsoft.com/office/drawing/2014/main" id="{AFD79DFF-18FD-4ED2-9DA6-5A77D8747F64}"/>
+              </a:ext>
+            </a:extLst>
+          </p:cNvPr>
+          <p:cNvSpPr>
+            <a:spLocks noGrp="1"/>
+          </p:cNvSpPr>
+          <p:nvPr>
+            <p:ph idx="1"/>
+          </p:nvPr>
+        </p:nvSpPr>
+        <p:spPr/>
+        <p:txBody>
+          <a:bodyPr/>
+          <a:lstStyle/>
+          <a:p>
+            <a:pPr>
+              <a:buFont typeface="Wingdings" panose="05000000000000000000" pitchFamily="2" charset="2"/>
+              <a:buChar char="l"/>
+            </a:pPr>
+            <a:r>
+              <a:rPr kumimoji="1" lang="en-US" altLang="ja-JP" dirty="0" err="1"/>
+              <a:t>libvirt-snmp</a:t>
+            </a:r>
+            <a:r>
+              <a:rPr kumimoji="1" lang="ja-JP" altLang="en-US" dirty="0"/>
+              <a:t>を用いて</a:t>
+            </a:r>
+            <a:r>
+              <a:rPr kumimoji="1" lang="en-US" altLang="ja-JP" dirty="0"/>
+              <a:t>VM</a:t>
+            </a:r>
+            <a:r>
+              <a:rPr kumimoji="1" lang="ja-JP" altLang="en-US" dirty="0"/>
+              <a:t>の</a:t>
+            </a:r>
+            <a:r>
+              <a:rPr kumimoji="1" lang="en-US" altLang="ja-JP" dirty="0"/>
+              <a:t>CPU</a:t>
+            </a:r>
+            <a:r>
+              <a:rPr kumimoji="1" lang="ja-JP" altLang="en-US" dirty="0"/>
+              <a:t>使用量を</a:t>
+            </a:r>
+            <a:r>
+              <a:rPr kumimoji="1" lang="en-US" altLang="ja-JP" dirty="0"/>
+              <a:t>5</a:t>
+            </a:r>
+            <a:r>
+              <a:rPr kumimoji="1" lang="ja-JP" altLang="en-US" dirty="0"/>
+              <a:t>秒間隔で取得</a:t>
+            </a:r>
+            <a:endParaRPr kumimoji="1" lang="en-US" altLang="ja-JP" dirty="0"/>
+          </a:p>
+          <a:p>
+            <a:pPr>
+              <a:buFont typeface="Wingdings" panose="05000000000000000000" pitchFamily="2" charset="2"/>
+              <a:buChar char="l"/>
+            </a:pPr>
+            <a:r>
+              <a:rPr lang="ja-JP" altLang="en-US" dirty="0"/>
+              <a:t>取得した</a:t>
+            </a:r>
+            <a:r>
+              <a:rPr lang="en-US" altLang="ja-JP" dirty="0"/>
+              <a:t>CPU</a:t>
+            </a:r>
+            <a:r>
+              <a:rPr lang="ja-JP" altLang="en-US" dirty="0"/>
+              <a:t>使用量と</a:t>
+            </a:r>
+            <a:r>
+              <a:rPr lang="en-US" altLang="ja-JP" dirty="0"/>
+              <a:t>5</a:t>
+            </a:r>
+            <a:r>
+              <a:rPr lang="ja-JP" altLang="en-US" dirty="0"/>
+              <a:t>秒前の</a:t>
+            </a:r>
+            <a:r>
+              <a:rPr lang="en-US" altLang="ja-JP" dirty="0"/>
+              <a:t>CPU</a:t>
+            </a:r>
+            <a:r>
+              <a:rPr lang="ja-JP" altLang="en-US" dirty="0"/>
+              <a:t>使用量の差分から</a:t>
+            </a:r>
+            <a:r>
+              <a:rPr lang="en-US" altLang="ja-JP" dirty="0"/>
+              <a:t>CPU</a:t>
+            </a:r>
+            <a:r>
+              <a:rPr lang="ja-JP" altLang="en-US" dirty="0"/>
+              <a:t>使用率を算出</a:t>
+            </a:r>
+            <a:endParaRPr kumimoji="1" lang="en-US" altLang="ja-JP" dirty="0"/>
+          </a:p>
+        </p:txBody>
+      </p:sp>
+      <p:sp>
+        <p:nvSpPr>
           <p:cNvPr id="4" name="スライド番号プレースホルダー 3">
             <a:extLst>
               <a:ext uri="{FF2B5EF4-FFF2-40B4-BE49-F238E27FC236}">
-                <a16:creationId xmlns:a16="http://schemas.microsoft.com/office/drawing/2014/main" id="{660F72D4-618A-4AB3-9494-69AE2D21F9D7}"/>
+                <a16:creationId xmlns:a16="http://schemas.microsoft.com/office/drawing/2014/main" id="{1E9D32E2-09D0-45A1-9AFF-4BD82277AC75}"/>
               </a:ext>
             </a:extLst>
           </p:cNvPr>
@@ -8000,10 +8249,62 @@
           </a:p>
         </p:txBody>
       </p:sp>
+      <p:sp>
+        <p:nvSpPr>
+          <p:cNvPr id="5" name="四角形: 角を丸くする 4">
+            <a:extLst>
+              <a:ext uri="{FF2B5EF4-FFF2-40B4-BE49-F238E27FC236}">
+                <a16:creationId xmlns:a16="http://schemas.microsoft.com/office/drawing/2014/main" id="{45234E3A-6856-4A5C-AE39-772384AED7CB}"/>
+              </a:ext>
+            </a:extLst>
+          </p:cNvPr>
+          <p:cNvSpPr/>
+          <p:nvPr/>
+        </p:nvSpPr>
+        <p:spPr>
+          <a:xfrm>
+            <a:off x="540326" y="3384551"/>
+            <a:ext cx="4197927" cy="2933700"/>
+          </a:xfrm>
+          <a:prstGeom prst="roundRect">
+            <a:avLst/>
+          </a:prstGeom>
+          <a:noFill/>
+          <a:ln w="44450">
+            <a:solidFill>
+              <a:srgbClr val="FF0000"/>
+            </a:solidFill>
+          </a:ln>
+        </p:spPr>
+        <p:style>
+          <a:lnRef idx="2">
+            <a:schemeClr val="accent1">
+              <a:shade val="50000"/>
+            </a:schemeClr>
+          </a:lnRef>
+          <a:fillRef idx="1">
+            <a:schemeClr val="accent1"/>
+          </a:fillRef>
+          <a:effectRef idx="0">
+            <a:schemeClr val="accent1"/>
+          </a:effectRef>
+          <a:fontRef idx="minor">
+            <a:schemeClr val="lt1"/>
+          </a:fontRef>
+        </p:style>
+        <p:txBody>
+          <a:bodyPr rtlCol="0" anchor="ctr"/>
+          <a:lstStyle/>
+          <a:p>
+            <a:pPr algn="ctr"/>
+            <a:endParaRPr kumimoji="1" lang="ja-JP" altLang="en-US"/>
+          </a:p>
+        </p:txBody>
+      </p:sp>
     </p:spTree>
     <p:extLst>
       <p:ext uri="{BB962C8B-B14F-4D97-AF65-F5344CB8AC3E}">
-        <p14:creationId xmlns:p14="http://schemas.microsoft.com/office/powerpoint/2010/main" val="227703362"/>
+        <p14:creationId xmlns:p14="http://schemas.microsoft.com/office/powerpoint/2010/main" val="3497055469"/>
       </p:ext>
     </p:extLst>
   </p:cSld>
@@ -8030,12 +8331,161 @@
           <a:chExt cx="0" cy="0"/>
         </a:xfrm>
       </p:grpSpPr>
+      <p:sp>
+        <p:nvSpPr>
+          <p:cNvPr id="2" name="タイトル 1">
+            <a:extLst>
+              <a:ext uri="{FF2B5EF4-FFF2-40B4-BE49-F238E27FC236}">
+                <a16:creationId xmlns:a16="http://schemas.microsoft.com/office/drawing/2014/main" id="{8A2D1C3F-B10C-460E-9001-E30CE39DA005}"/>
+              </a:ext>
+            </a:extLst>
+          </p:cNvPr>
+          <p:cNvSpPr>
+            <a:spLocks noGrp="1"/>
+          </p:cNvSpPr>
+          <p:nvPr>
+            <p:ph type="title"/>
+          </p:nvPr>
+        </p:nvSpPr>
+        <p:spPr/>
+        <p:txBody>
+          <a:bodyPr/>
+          <a:lstStyle/>
+          <a:p>
+            <a:r>
+              <a:rPr lang="ja-JP" altLang="en-US" dirty="0"/>
+              <a:t>障害検知（</a:t>
+            </a:r>
+            <a:r>
+              <a:rPr lang="en-US" altLang="ja-JP" dirty="0"/>
+              <a:t>2</a:t>
+            </a:r>
+            <a:r>
+              <a:rPr lang="ja-JP" altLang="en-US" dirty="0"/>
+              <a:t>）</a:t>
+            </a:r>
+            <a:endParaRPr kumimoji="1" lang="ja-JP" altLang="en-US" dirty="0"/>
+          </a:p>
+        </p:txBody>
+      </p:sp>
+      <p:sp>
+        <p:nvSpPr>
+          <p:cNvPr id="3" name="コンテンツ プレースホルダー 2">
+            <a:extLst>
+              <a:ext uri="{FF2B5EF4-FFF2-40B4-BE49-F238E27FC236}">
+                <a16:creationId xmlns:a16="http://schemas.microsoft.com/office/drawing/2014/main" id="{9080E59D-C54C-4700-9A72-4CE5AB3DB76A}"/>
+              </a:ext>
+            </a:extLst>
+          </p:cNvPr>
+          <p:cNvSpPr>
+            <a:spLocks noGrp="1"/>
+          </p:cNvSpPr>
+          <p:nvPr>
+            <p:ph idx="1"/>
+          </p:nvPr>
+        </p:nvSpPr>
+        <p:spPr/>
+        <p:txBody>
+          <a:bodyPr/>
+          <a:lstStyle/>
+          <a:p>
+            <a:pPr>
+              <a:buFont typeface="Wingdings" panose="05000000000000000000" pitchFamily="2" charset="2"/>
+              <a:buChar char="l"/>
+            </a:pPr>
+            <a:r>
+              <a:rPr lang="ja-JP" altLang="en-US" dirty="0"/>
+              <a:t>求めた</a:t>
+            </a:r>
+            <a:r>
+              <a:rPr lang="en-US" altLang="ja-JP" dirty="0"/>
+              <a:t>CPU</a:t>
+            </a:r>
+            <a:r>
+              <a:rPr lang="ja-JP" altLang="en-US" dirty="0"/>
+              <a:t>使用率を</a:t>
+            </a:r>
+            <a:r>
+              <a:rPr lang="en-US" altLang="ja-JP" dirty="0"/>
+              <a:t>Zabbix</a:t>
+            </a:r>
+            <a:r>
+              <a:rPr lang="ja-JP" altLang="en-US" dirty="0"/>
+              <a:t> </a:t>
+            </a:r>
+            <a:r>
+              <a:rPr lang="en-US" altLang="ja-JP" dirty="0"/>
+              <a:t>Sender</a:t>
+            </a:r>
+            <a:r>
+              <a:rPr lang="ja-JP" altLang="en-US" dirty="0"/>
+              <a:t>を利用して</a:t>
+            </a:r>
+            <a:r>
+              <a:rPr lang="en-US" altLang="ja-JP" dirty="0"/>
+              <a:t>Zabbix</a:t>
+            </a:r>
+            <a:r>
+              <a:rPr lang="ja-JP" altLang="en-US" dirty="0"/>
+              <a:t>サーバに送信</a:t>
+            </a:r>
+            <a:endParaRPr lang="en-US" altLang="ja-JP" dirty="0"/>
+          </a:p>
+          <a:p>
+            <a:pPr lvl="1">
+              <a:buFont typeface="Wingdings" panose="05000000000000000000" pitchFamily="2" charset="2"/>
+              <a:buChar char="l"/>
+            </a:pPr>
+            <a:r>
+              <a:rPr lang="en-US" altLang="ja-JP" dirty="0"/>
+              <a:t>VM</a:t>
+            </a:r>
+            <a:r>
+              <a:rPr lang="ja-JP" altLang="en-US" dirty="0"/>
+              <a:t>内システムの過負荷状態，異常停止を検出</a:t>
+            </a:r>
+          </a:p>
+          <a:p>
+            <a:endParaRPr kumimoji="1" lang="ja-JP" altLang="en-US" dirty="0"/>
+          </a:p>
+        </p:txBody>
+      </p:sp>
+      <p:sp>
+        <p:nvSpPr>
+          <p:cNvPr id="5" name="スライド番号プレースホルダー 4">
+            <a:extLst>
+              <a:ext uri="{FF2B5EF4-FFF2-40B4-BE49-F238E27FC236}">
+                <a16:creationId xmlns:a16="http://schemas.microsoft.com/office/drawing/2014/main" id="{9E9A192A-62C7-4E24-9662-4A59E392460D}"/>
+              </a:ext>
+            </a:extLst>
+          </p:cNvPr>
+          <p:cNvSpPr>
+            <a:spLocks noGrp="1"/>
+          </p:cNvSpPr>
+          <p:nvPr>
+            <p:ph type="sldNum" sz="quarter" idx="12"/>
+          </p:nvPr>
+        </p:nvSpPr>
+        <p:spPr/>
+        <p:txBody>
+          <a:bodyPr/>
+          <a:lstStyle/>
+          <a:p>
+            <a:fld id="{7AB22DEB-E1FF-4BEE-A182-437B9452AE5B}" type="slidenum">
+              <a:rPr kumimoji="1" lang="ja-JP" altLang="en-US" smtClean="0"/>
+              <a:pPr/>
+              <a:t>17</a:t>
+            </a:fld>
+            <a:endParaRPr kumimoji="1" lang="ja-JP" altLang="en-US"/>
+          </a:p>
+        </p:txBody>
+      </p:sp>
       <p:pic>
         <p:nvPicPr>
-          <p:cNvPr id="5" name="図 4">
+          <p:cNvPr id="6" name="図 5">
             <a:extLst>
               <a:ext uri="{FF2B5EF4-FFF2-40B4-BE49-F238E27FC236}">
-                <a16:creationId xmlns:a16="http://schemas.microsoft.com/office/drawing/2014/main" id="{6C417F89-38EB-4395-A224-F50D62E1B356}"/>
+                <a16:creationId xmlns:a16="http://schemas.microsoft.com/office/drawing/2014/main" id="{6B978433-5CC5-4DE7-ABF9-95EE50295391}"/>
               </a:ext>
             </a:extLst>
           </p:cNvPr>
@@ -8052,13 +8502,13 @@
               </a:ext>
             </a:extLst>
           </a:blip>
-          <a:srcRect b="4690"/>
+          <a:srcRect t="5472" b="1904"/>
           <a:stretch/>
         </p:blipFill>
         <p:spPr>
           <a:xfrm>
-            <a:off x="164943" y="3095170"/>
-            <a:ext cx="8814114" cy="3623129"/>
+            <a:off x="349220" y="2909455"/>
+            <a:ext cx="8445559" cy="3550331"/>
           </a:xfrm>
           <a:prstGeom prst="rect">
             <a:avLst/>
@@ -8067,150 +8517,60 @@
       </p:pic>
       <p:sp>
         <p:nvSpPr>
-          <p:cNvPr id="2" name="タイトル 1">
+          <p:cNvPr id="7" name="四角形: 角を丸くする 6">
             <a:extLst>
               <a:ext uri="{FF2B5EF4-FFF2-40B4-BE49-F238E27FC236}">
-                <a16:creationId xmlns:a16="http://schemas.microsoft.com/office/drawing/2014/main" id="{9C751177-16DB-4629-AD8D-69C32D890478}"/>
+                <a16:creationId xmlns:a16="http://schemas.microsoft.com/office/drawing/2014/main" id="{0A721559-7EE0-47C5-BBE0-F0B1E5CFC95C}"/>
               </a:ext>
             </a:extLst>
           </p:cNvPr>
-          <p:cNvSpPr>
-            <a:spLocks noGrp="1"/>
-          </p:cNvSpPr>
-          <p:nvPr>
-            <p:ph type="title"/>
-          </p:nvPr>
-        </p:nvSpPr>
-        <p:spPr/>
-        <p:txBody>
-          <a:bodyPr/>
-          <a:lstStyle/>
-          <a:p>
-            <a:r>
-              <a:rPr kumimoji="1" lang="ja-JP" altLang="en-US" dirty="0"/>
-              <a:t>障害検知（</a:t>
-            </a:r>
-            <a:r>
-              <a:rPr lang="en-US" altLang="ja-JP" dirty="0"/>
-              <a:t>4</a:t>
-            </a:r>
-            <a:r>
-              <a:rPr kumimoji="1" lang="ja-JP" altLang="en-US" dirty="0"/>
-              <a:t>）</a:t>
-            </a:r>
-          </a:p>
-        </p:txBody>
-      </p:sp>
-      <p:sp>
-        <p:nvSpPr>
-          <p:cNvPr id="3" name="コンテンツ プレースホルダー 2">
-            <a:extLst>
-              <a:ext uri="{FF2B5EF4-FFF2-40B4-BE49-F238E27FC236}">
-                <a16:creationId xmlns:a16="http://schemas.microsoft.com/office/drawing/2014/main" id="{4635BF75-0A18-49DA-9319-6F7ED7B8582E}"/>
-              </a:ext>
-            </a:extLst>
-          </p:cNvPr>
-          <p:cNvSpPr>
-            <a:spLocks noGrp="1"/>
-          </p:cNvSpPr>
-          <p:nvPr>
-            <p:ph idx="1"/>
-          </p:nvPr>
-        </p:nvSpPr>
-        <p:spPr/>
-        <p:txBody>
-          <a:bodyPr/>
-          <a:lstStyle/>
-          <a:p>
-            <a:pPr>
-              <a:buFont typeface="Wingdings" panose="05000000000000000000" pitchFamily="2" charset="2"/>
-              <a:buChar char="l"/>
-            </a:pPr>
-            <a:r>
-              <a:rPr lang="en-US" altLang="ja-JP" dirty="0"/>
-              <a:t>Zabbix</a:t>
-            </a:r>
-            <a:r>
-              <a:rPr lang="ja-JP" altLang="en-US" dirty="0"/>
-              <a:t>サーバに</a:t>
-            </a:r>
-            <a:r>
-              <a:rPr lang="en-US" altLang="ja-JP" dirty="0"/>
-              <a:t>SNMP</a:t>
-            </a:r>
-            <a:r>
-              <a:rPr lang="ja-JP" altLang="en-US" dirty="0"/>
-              <a:t>トラップの情報を送信</a:t>
-            </a:r>
-            <a:endParaRPr lang="en-US" altLang="ja-JP" dirty="0"/>
-          </a:p>
-          <a:p>
-            <a:pPr>
-              <a:buFont typeface="Wingdings" panose="05000000000000000000" pitchFamily="2" charset="2"/>
-              <a:buChar char="l"/>
-            </a:pPr>
-            <a:r>
-              <a:rPr lang="en-US" altLang="ja-JP" dirty="0"/>
-              <a:t>VM</a:t>
-            </a:r>
-            <a:r>
-              <a:rPr lang="ja-JP" altLang="en-US" dirty="0"/>
-              <a:t>の状態変化が「</a:t>
-            </a:r>
-            <a:r>
-              <a:rPr lang="en-US" altLang="ja-JP" dirty="0"/>
-              <a:t>shutoff</a:t>
-            </a:r>
-            <a:r>
-              <a:rPr lang="ja-JP" altLang="en-US" dirty="0"/>
-              <a:t>」の場合に</a:t>
-            </a:r>
-            <a:r>
-              <a:rPr lang="en-US" altLang="ja-JP" dirty="0"/>
-              <a:t>VM</a:t>
-            </a:r>
-            <a:r>
-              <a:rPr lang="ja-JP" altLang="en-US" dirty="0"/>
-              <a:t>がクラッシュしたことを検知</a:t>
-            </a:r>
-            <a:endParaRPr lang="en-US" altLang="ja-JP" dirty="0"/>
-          </a:p>
-        </p:txBody>
-      </p:sp>
-      <p:sp>
-        <p:nvSpPr>
-          <p:cNvPr id="4" name="スライド番号プレースホルダー 3">
-            <a:extLst>
-              <a:ext uri="{FF2B5EF4-FFF2-40B4-BE49-F238E27FC236}">
-                <a16:creationId xmlns:a16="http://schemas.microsoft.com/office/drawing/2014/main" id="{CFDB60BE-AE61-4FC1-98C9-DA078E000927}"/>
-              </a:ext>
-            </a:extLst>
-          </p:cNvPr>
-          <p:cNvSpPr>
-            <a:spLocks noGrp="1"/>
-          </p:cNvSpPr>
-          <p:nvPr>
-            <p:ph type="sldNum" sz="quarter" idx="12"/>
-          </p:nvPr>
-        </p:nvSpPr>
-        <p:spPr/>
-        <p:txBody>
-          <a:bodyPr/>
-          <a:lstStyle/>
-          <a:p>
-            <a:fld id="{7AB22DEB-E1FF-4BEE-A182-437B9452AE5B}" type="slidenum">
-              <a:rPr kumimoji="1" lang="ja-JP" altLang="en-US" smtClean="0"/>
-              <a:pPr/>
-              <a:t>17</a:t>
-            </a:fld>
-            <a:endParaRPr kumimoji="1" lang="ja-JP" altLang="en-US"/>
+          <p:cNvSpPr/>
+          <p:nvPr/>
+        </p:nvSpPr>
+        <p:spPr>
+          <a:xfrm>
+            <a:off x="4810861" y="2940038"/>
+            <a:ext cx="4197927" cy="3519747"/>
+          </a:xfrm>
+          <a:prstGeom prst="roundRect">
+            <a:avLst/>
+          </a:prstGeom>
+          <a:noFill/>
+          <a:ln w="44450">
+            <a:solidFill>
+              <a:srgbClr val="FF0000"/>
+            </a:solidFill>
+          </a:ln>
+        </p:spPr>
+        <p:style>
+          <a:lnRef idx="2">
+            <a:schemeClr val="accent1">
+              <a:shade val="50000"/>
+            </a:schemeClr>
+          </a:lnRef>
+          <a:fillRef idx="1">
+            <a:schemeClr val="accent1"/>
+          </a:fillRef>
+          <a:effectRef idx="0">
+            <a:schemeClr val="accent1"/>
+          </a:effectRef>
+          <a:fontRef idx="minor">
+            <a:schemeClr val="lt1"/>
+          </a:fontRef>
+        </p:style>
+        <p:txBody>
+          <a:bodyPr rtlCol="0" anchor="ctr"/>
+          <a:lstStyle/>
+          <a:p>
+            <a:pPr algn="ctr"/>
+            <a:endParaRPr kumimoji="1" lang="ja-JP" altLang="en-US" dirty="0"/>
           </a:p>
         </p:txBody>
       </p:sp>
     </p:spTree>
     <p:extLst>
       <p:ext uri="{BB962C8B-B14F-4D97-AF65-F5344CB8AC3E}">
-        <p14:creationId xmlns:p14="http://schemas.microsoft.com/office/powerpoint/2010/main" val="4084849007"/>
+        <p14:creationId xmlns:p14="http://schemas.microsoft.com/office/powerpoint/2010/main" val="1601281987"/>
       </p:ext>
     </p:extLst>
   </p:cSld>
@@ -8237,12 +8597,146 @@
           <a:chExt cx="0" cy="0"/>
         </a:xfrm>
       </p:grpSpPr>
+      <p:sp>
+        <p:nvSpPr>
+          <p:cNvPr id="2" name="タイトル 1">
+            <a:extLst>
+              <a:ext uri="{FF2B5EF4-FFF2-40B4-BE49-F238E27FC236}">
+                <a16:creationId xmlns:a16="http://schemas.microsoft.com/office/drawing/2014/main" id="{9C751177-16DB-4629-AD8D-69C32D890478}"/>
+              </a:ext>
+            </a:extLst>
+          </p:cNvPr>
+          <p:cNvSpPr>
+            <a:spLocks noGrp="1"/>
+          </p:cNvSpPr>
+          <p:nvPr>
+            <p:ph type="title"/>
+          </p:nvPr>
+        </p:nvSpPr>
+        <p:spPr/>
+        <p:txBody>
+          <a:bodyPr/>
+          <a:lstStyle/>
+          <a:p>
+            <a:r>
+              <a:rPr kumimoji="1" lang="ja-JP" altLang="en-US" dirty="0"/>
+              <a:t>障害検知（</a:t>
+            </a:r>
+            <a:r>
+              <a:rPr kumimoji="1" lang="en-US" altLang="ja-JP" dirty="0"/>
+              <a:t>3</a:t>
+            </a:r>
+            <a:r>
+              <a:rPr kumimoji="1" lang="ja-JP" altLang="en-US" dirty="0"/>
+              <a:t>）</a:t>
+            </a:r>
+          </a:p>
+        </p:txBody>
+      </p:sp>
+      <p:sp>
+        <p:nvSpPr>
+          <p:cNvPr id="3" name="コンテンツ プレースホルダー 2">
+            <a:extLst>
+              <a:ext uri="{FF2B5EF4-FFF2-40B4-BE49-F238E27FC236}">
+                <a16:creationId xmlns:a16="http://schemas.microsoft.com/office/drawing/2014/main" id="{4635BF75-0A18-49DA-9319-6F7ED7B8582E}"/>
+              </a:ext>
+            </a:extLst>
+          </p:cNvPr>
+          <p:cNvSpPr>
+            <a:spLocks noGrp="1"/>
+          </p:cNvSpPr>
+          <p:nvPr>
+            <p:ph idx="1"/>
+          </p:nvPr>
+        </p:nvSpPr>
+        <p:spPr/>
+        <p:txBody>
+          <a:bodyPr/>
+          <a:lstStyle/>
+          <a:p>
+            <a:pPr>
+              <a:buFont typeface="Wingdings" panose="05000000000000000000" pitchFamily="2" charset="2"/>
+              <a:buChar char="l"/>
+            </a:pPr>
+            <a:r>
+              <a:rPr kumimoji="1" lang="en-US" altLang="ja-JP" dirty="0" err="1"/>
+              <a:t>libvirt-snmp</a:t>
+            </a:r>
+            <a:r>
+              <a:rPr kumimoji="1" lang="ja-JP" altLang="en-US" dirty="0"/>
+              <a:t>は</a:t>
+            </a:r>
+            <a:r>
+              <a:rPr kumimoji="1" lang="en-US" altLang="ja-JP" dirty="0"/>
+              <a:t>VM</a:t>
+            </a:r>
+            <a:r>
+              <a:rPr kumimoji="1" lang="ja-JP" altLang="en-US" dirty="0"/>
+              <a:t>のステータスが変化すると</a:t>
+            </a:r>
+            <a:r>
+              <a:rPr lang="en-US" altLang="ja-JP" dirty="0"/>
+              <a:t>SNMP</a:t>
+            </a:r>
+            <a:r>
+              <a:rPr lang="ja-JP" altLang="en-US" dirty="0"/>
+              <a:t>トラップを発行</a:t>
+            </a:r>
+            <a:endParaRPr lang="en-US" altLang="ja-JP" dirty="0"/>
+          </a:p>
+          <a:p>
+            <a:pPr>
+              <a:buFont typeface="Wingdings" panose="05000000000000000000" pitchFamily="2" charset="2"/>
+              <a:buChar char="l"/>
+            </a:pPr>
+            <a:r>
+              <a:rPr lang="en-US" altLang="ja-JP" dirty="0"/>
+              <a:t>SNMP</a:t>
+            </a:r>
+            <a:r>
+              <a:rPr lang="ja-JP" altLang="en-US" dirty="0"/>
+              <a:t>トラップの内容をログファイルに保管</a:t>
+            </a:r>
+            <a:endParaRPr lang="en-US" altLang="ja-JP" dirty="0"/>
+          </a:p>
+        </p:txBody>
+      </p:sp>
+      <p:sp>
+        <p:nvSpPr>
+          <p:cNvPr id="4" name="スライド番号プレースホルダー 3">
+            <a:extLst>
+              <a:ext uri="{FF2B5EF4-FFF2-40B4-BE49-F238E27FC236}">
+                <a16:creationId xmlns:a16="http://schemas.microsoft.com/office/drawing/2014/main" id="{660F72D4-618A-4AB3-9494-69AE2D21F9D7}"/>
+              </a:ext>
+            </a:extLst>
+          </p:cNvPr>
+          <p:cNvSpPr>
+            <a:spLocks noGrp="1"/>
+          </p:cNvSpPr>
+          <p:nvPr>
+            <p:ph type="sldNum" sz="quarter" idx="12"/>
+          </p:nvPr>
+        </p:nvSpPr>
+        <p:spPr/>
+        <p:txBody>
+          <a:bodyPr/>
+          <a:lstStyle/>
+          <a:p>
+            <a:fld id="{7AB22DEB-E1FF-4BEE-A182-437B9452AE5B}" type="slidenum">
+              <a:rPr kumimoji="1" lang="ja-JP" altLang="en-US" smtClean="0"/>
+              <a:pPr/>
+              <a:t>18</a:t>
+            </a:fld>
+            <a:endParaRPr kumimoji="1" lang="ja-JP" altLang="en-US"/>
+          </a:p>
+        </p:txBody>
+      </p:sp>
       <p:pic>
         <p:nvPicPr>
-          <p:cNvPr id="6" name="図 5">
+          <p:cNvPr id="7" name="図 6">
             <a:extLst>
               <a:ext uri="{FF2B5EF4-FFF2-40B4-BE49-F238E27FC236}">
-                <a16:creationId xmlns:a16="http://schemas.microsoft.com/office/drawing/2014/main" id="{196A6001-61B6-4811-AF2B-3BE2D9A82894}"/>
+                <a16:creationId xmlns:a16="http://schemas.microsoft.com/office/drawing/2014/main" id="{1436CDC6-0438-41AC-A483-BBA95FCF064E}"/>
               </a:ext>
             </a:extLst>
           </p:cNvPr>
@@ -8251,7 +8745,7 @@
           </p:cNvPicPr>
           <p:nvPr/>
         </p:nvPicPr>
-        <p:blipFill>
+        <p:blipFill rotWithShape="1">
           <a:blip r:embed="rId2">
             <a:extLst>
               <a:ext uri="{28A0092B-C50C-407E-A947-70E740481C1C}">
@@ -8259,155 +8753,23 @@
               </a:ext>
             </a:extLst>
           </a:blip>
-          <a:stretch>
-            <a:fillRect/>
-          </a:stretch>
+          <a:srcRect b="4690"/>
+          <a:stretch/>
         </p:blipFill>
         <p:spPr>
           <a:xfrm>
-            <a:off x="569855" y="3098485"/>
-            <a:ext cx="8050010" cy="3592140"/>
+            <a:off x="164943" y="3095170"/>
+            <a:ext cx="8814114" cy="3623129"/>
           </a:xfrm>
           <a:prstGeom prst="rect">
             <a:avLst/>
           </a:prstGeom>
         </p:spPr>
       </p:pic>
-      <p:sp>
-        <p:nvSpPr>
-          <p:cNvPr id="2" name="タイトル 1">
-            <a:extLst>
-              <a:ext uri="{FF2B5EF4-FFF2-40B4-BE49-F238E27FC236}">
-                <a16:creationId xmlns:a16="http://schemas.microsoft.com/office/drawing/2014/main" id="{E9D9CB0E-30A8-4099-AADF-4AC2E5B1190B}"/>
-              </a:ext>
-            </a:extLst>
-          </p:cNvPr>
-          <p:cNvSpPr>
-            <a:spLocks noGrp="1"/>
-          </p:cNvSpPr>
-          <p:nvPr>
-            <p:ph type="title"/>
-          </p:nvPr>
-        </p:nvSpPr>
-        <p:spPr/>
-        <p:txBody>
-          <a:bodyPr/>
-          <a:lstStyle/>
-          <a:p>
-            <a:r>
-              <a:rPr kumimoji="1" lang="ja-JP" altLang="en-US" dirty="0"/>
-              <a:t>障害復旧（</a:t>
-            </a:r>
-            <a:r>
-              <a:rPr kumimoji="1" lang="en-US" altLang="ja-JP" dirty="0"/>
-              <a:t>1</a:t>
-            </a:r>
-            <a:r>
-              <a:rPr kumimoji="1" lang="ja-JP" altLang="en-US" dirty="0"/>
-              <a:t>）</a:t>
-            </a:r>
-          </a:p>
-        </p:txBody>
-      </p:sp>
-      <p:sp>
-        <p:nvSpPr>
-          <p:cNvPr id="3" name="コンテンツ プレースホルダー 2">
-            <a:extLst>
-              <a:ext uri="{FF2B5EF4-FFF2-40B4-BE49-F238E27FC236}">
-                <a16:creationId xmlns:a16="http://schemas.microsoft.com/office/drawing/2014/main" id="{D74D4EC6-8838-48AD-B620-2CDB881CF769}"/>
-              </a:ext>
-            </a:extLst>
-          </p:cNvPr>
-          <p:cNvSpPr>
-            <a:spLocks noGrp="1"/>
-          </p:cNvSpPr>
-          <p:nvPr>
-            <p:ph idx="1"/>
-          </p:nvPr>
-        </p:nvSpPr>
-        <p:spPr/>
-        <p:txBody>
-          <a:bodyPr/>
-          <a:lstStyle/>
-          <a:p>
-            <a:pPr>
-              <a:buFont typeface="Wingdings" panose="05000000000000000000" pitchFamily="2" charset="2"/>
-              <a:buChar char="l"/>
-            </a:pPr>
-            <a:r>
-              <a:rPr lang="ja-JP" altLang="en-US" dirty="0"/>
-              <a:t>復旧用スクリプトの実行</a:t>
-            </a:r>
-            <a:endParaRPr lang="en-US" altLang="ja-JP" dirty="0"/>
-          </a:p>
-          <a:p>
-            <a:pPr lvl="1">
-              <a:buFont typeface="Wingdings" panose="05000000000000000000" pitchFamily="2" charset="2"/>
-              <a:buChar char="l"/>
-            </a:pPr>
-            <a:r>
-              <a:rPr kumimoji="1" lang="ja-JP" altLang="en-US" dirty="0"/>
-              <a:t>障害検知時に，復旧用スクリプトを実行</a:t>
-            </a:r>
-            <a:endParaRPr kumimoji="1" lang="en-US" altLang="ja-JP" dirty="0"/>
-          </a:p>
-          <a:p>
-            <a:pPr lvl="1">
-              <a:buFont typeface="Wingdings" panose="05000000000000000000" pitchFamily="2" charset="2"/>
-              <a:buChar char="l"/>
-            </a:pPr>
-            <a:r>
-              <a:rPr lang="ja-JP" altLang="en-US" dirty="0"/>
-              <a:t>必要に応じてコンテナの起動</a:t>
-            </a:r>
-            <a:endParaRPr lang="en-US" altLang="ja-JP" dirty="0"/>
-          </a:p>
-          <a:p>
-            <a:pPr lvl="1">
-              <a:buFont typeface="Wingdings" panose="05000000000000000000" pitchFamily="2" charset="2"/>
-              <a:buChar char="l"/>
-            </a:pPr>
-            <a:r>
-              <a:rPr kumimoji="1" lang="ja-JP" altLang="en-US" dirty="0"/>
-              <a:t>バックアップから運用系の状態に復元</a:t>
-            </a:r>
-          </a:p>
-        </p:txBody>
-      </p:sp>
-      <p:sp>
-        <p:nvSpPr>
-          <p:cNvPr id="4" name="スライド番号プレースホルダー 3">
-            <a:extLst>
-              <a:ext uri="{FF2B5EF4-FFF2-40B4-BE49-F238E27FC236}">
-                <a16:creationId xmlns:a16="http://schemas.microsoft.com/office/drawing/2014/main" id="{71FD4C74-7423-42C9-A9DF-F27251EDFBB7}"/>
-              </a:ext>
-            </a:extLst>
-          </p:cNvPr>
-          <p:cNvSpPr>
-            <a:spLocks noGrp="1"/>
-          </p:cNvSpPr>
-          <p:nvPr>
-            <p:ph type="sldNum" sz="quarter" idx="12"/>
-          </p:nvPr>
-        </p:nvSpPr>
-        <p:spPr/>
-        <p:txBody>
-          <a:bodyPr/>
-          <a:lstStyle/>
-          <a:p>
-            <a:fld id="{7AB22DEB-E1FF-4BEE-A182-437B9452AE5B}" type="slidenum">
-              <a:rPr kumimoji="1" lang="ja-JP" altLang="en-US" smtClean="0"/>
-              <a:pPr/>
-              <a:t>18</a:t>
-            </a:fld>
-            <a:endParaRPr kumimoji="1" lang="ja-JP" altLang="en-US"/>
-          </a:p>
-        </p:txBody>
-      </p:sp>
     </p:spTree>
     <p:extLst>
       <p:ext uri="{BB962C8B-B14F-4D97-AF65-F5344CB8AC3E}">
-        <p14:creationId xmlns:p14="http://schemas.microsoft.com/office/powerpoint/2010/main" val="3417753094"/>
+        <p14:creationId xmlns:p14="http://schemas.microsoft.com/office/powerpoint/2010/main" val="227703362"/>
       </p:ext>
     </p:extLst>
   </p:cSld>
@@ -8436,10 +8798,10 @@
       </p:grpSpPr>
       <p:pic>
         <p:nvPicPr>
-          <p:cNvPr id="8" name="図 7">
+          <p:cNvPr id="5" name="図 4">
             <a:extLst>
               <a:ext uri="{FF2B5EF4-FFF2-40B4-BE49-F238E27FC236}">
-                <a16:creationId xmlns:a16="http://schemas.microsoft.com/office/drawing/2014/main" id="{3F0B5E88-36EB-48B2-825A-4A914EC37705}"/>
+                <a16:creationId xmlns:a16="http://schemas.microsoft.com/office/drawing/2014/main" id="{6C417F89-38EB-4395-A224-F50D62E1B356}"/>
               </a:ext>
             </a:extLst>
           </p:cNvPr>
@@ -8456,13 +8818,13 @@
               </a:ext>
             </a:extLst>
           </a:blip>
-          <a:srcRect t="10782"/>
+          <a:srcRect b="4690"/>
           <a:stretch/>
         </p:blipFill>
         <p:spPr>
           <a:xfrm>
-            <a:off x="87687" y="2894877"/>
-            <a:ext cx="8968626" cy="3381232"/>
+            <a:off x="164943" y="2836657"/>
+            <a:ext cx="8814114" cy="3623129"/>
           </a:xfrm>
           <a:prstGeom prst="rect">
             <a:avLst/>
@@ -8474,7 +8836,7 @@
           <p:cNvPr id="2" name="タイトル 1">
             <a:extLst>
               <a:ext uri="{FF2B5EF4-FFF2-40B4-BE49-F238E27FC236}">
-                <a16:creationId xmlns:a16="http://schemas.microsoft.com/office/drawing/2014/main" id="{E9D9CB0E-30A8-4099-AADF-4AC2E5B1190B}"/>
+                <a16:creationId xmlns:a16="http://schemas.microsoft.com/office/drawing/2014/main" id="{9C751177-16DB-4629-AD8D-69C32D890478}"/>
               </a:ext>
             </a:extLst>
           </p:cNvPr>
@@ -8492,11 +8854,11 @@
           <a:p>
             <a:r>
               <a:rPr kumimoji="1" lang="ja-JP" altLang="en-US" dirty="0"/>
-              <a:t>障害復旧（</a:t>
+              <a:t>障害検知（</a:t>
             </a:r>
             <a:r>
               <a:rPr lang="en-US" altLang="ja-JP" dirty="0"/>
-              <a:t>2</a:t>
+              <a:t>4</a:t>
             </a:r>
             <a:r>
               <a:rPr kumimoji="1" lang="ja-JP" altLang="en-US" dirty="0"/>
@@ -8510,7 +8872,7 @@
           <p:cNvPr id="3" name="コンテンツ プレースホルダー 2">
             <a:extLst>
               <a:ext uri="{FF2B5EF4-FFF2-40B4-BE49-F238E27FC236}">
-                <a16:creationId xmlns:a16="http://schemas.microsoft.com/office/drawing/2014/main" id="{D74D4EC6-8838-48AD-B620-2CDB881CF769}"/>
+                <a16:creationId xmlns:a16="http://schemas.microsoft.com/office/drawing/2014/main" id="{4635BF75-0A18-49DA-9319-6F7ED7B8582E}"/>
               </a:ext>
             </a:extLst>
           </p:cNvPr>
@@ -8531,44 +8893,53 @@
               <a:buChar char="l"/>
             </a:pPr>
             <a:r>
+              <a:rPr lang="en-US" altLang="ja-JP" dirty="0"/>
+              <a:t>Zabbix</a:t>
+            </a:r>
+            <a:r>
               <a:rPr lang="ja-JP" altLang="en-US" dirty="0"/>
-              <a:t>サービス提供元の切り替え</a:t>
+              <a:t>サーバに</a:t>
+            </a:r>
+            <a:r>
+              <a:rPr lang="en-US" altLang="ja-JP" dirty="0"/>
+              <a:t>SNMP</a:t>
+            </a:r>
+            <a:r>
+              <a:rPr lang="ja-JP" altLang="en-US" dirty="0"/>
+              <a:t>トラップの情報を送信</a:t>
             </a:r>
             <a:endParaRPr lang="en-US" altLang="ja-JP" dirty="0"/>
           </a:p>
           <a:p>
-            <a:pPr lvl="1">
+            <a:pPr>
               <a:buFont typeface="Wingdings" panose="05000000000000000000" pitchFamily="2" charset="2"/>
               <a:buChar char="l"/>
             </a:pPr>
             <a:r>
-              <a:rPr kumimoji="1" lang="ja-JP" altLang="en-US" dirty="0"/>
-              <a:t>コンテナが使用するネットワークポートの確認</a:t>
-            </a:r>
-            <a:endParaRPr kumimoji="1" lang="en-US" altLang="ja-JP" dirty="0"/>
-          </a:p>
-          <a:p>
-            <a:pPr lvl="1">
-              <a:buFont typeface="Wingdings" panose="05000000000000000000" pitchFamily="2" charset="2"/>
-              <a:buChar char="l"/>
-            </a:pPr>
-            <a:r>
-              <a:rPr lang="en-US" altLang="ja-JP" dirty="0" err="1"/>
-              <a:t>DNSupdate</a:t>
+              <a:rPr lang="en-US" altLang="ja-JP" dirty="0"/>
+              <a:t>VM</a:t>
             </a:r>
             <a:r>
               <a:rPr lang="ja-JP" altLang="en-US" dirty="0"/>
-              <a:t>を実行し，</a:t>
+              <a:t>の状態変化が「</a:t>
             </a:r>
             <a:r>
               <a:rPr lang="en-US" altLang="ja-JP" dirty="0"/>
-              <a:t>DNS</a:t>
+              <a:t>shutoff</a:t>
             </a:r>
             <a:r>
               <a:rPr lang="ja-JP" altLang="en-US" dirty="0"/>
-              <a:t>レコードの更新</a:t>
-            </a:r>
-            <a:endParaRPr kumimoji="1" lang="ja-JP" altLang="en-US" dirty="0"/>
+              <a:t>」の場合に</a:t>
+            </a:r>
+            <a:r>
+              <a:rPr lang="en-US" altLang="ja-JP" dirty="0"/>
+              <a:t>VM</a:t>
+            </a:r>
+            <a:r>
+              <a:rPr lang="ja-JP" altLang="en-US" dirty="0"/>
+              <a:t>がクラッシュしたことを検知</a:t>
+            </a:r>
+            <a:endParaRPr lang="en-US" altLang="ja-JP" dirty="0"/>
           </a:p>
         </p:txBody>
       </p:sp>
@@ -8577,7 +8948,7 @@
           <p:cNvPr id="4" name="スライド番号プレースホルダー 3">
             <a:extLst>
               <a:ext uri="{FF2B5EF4-FFF2-40B4-BE49-F238E27FC236}">
-                <a16:creationId xmlns:a16="http://schemas.microsoft.com/office/drawing/2014/main" id="{987A5D15-2912-4130-96DC-58DCE5155E7E}"/>
+                <a16:creationId xmlns:a16="http://schemas.microsoft.com/office/drawing/2014/main" id="{CFDB60BE-AE61-4FC1-98C9-DA078E000927}"/>
               </a:ext>
             </a:extLst>
           </p:cNvPr>
@@ -8605,7 +8976,7 @@
     </p:spTree>
     <p:extLst>
       <p:ext uri="{BB962C8B-B14F-4D97-AF65-F5344CB8AC3E}">
-        <p14:creationId xmlns:p14="http://schemas.microsoft.com/office/powerpoint/2010/main" val="2255954668"/>
+        <p14:creationId xmlns:p14="http://schemas.microsoft.com/office/powerpoint/2010/main" val="4084849007"/>
       </p:ext>
     </p:extLst>
   </p:cSld>
@@ -8769,8 +9140,8 @@
               <a:t>著者：森川　智紀</a:t>
             </a:r>
             <a:r>
-              <a:rPr lang="en-US" altLang="ja-JP" sz="2100" dirty="0"/>
-              <a:t>†</a:t>
+              <a:rPr lang="en-US" altLang="ja-JP" sz="2100" baseline="30000" dirty="0"/>
+              <a:t>*</a:t>
             </a:r>
             <a:r>
               <a:rPr lang="ja-JP" altLang="en-US" sz="2100" dirty="0" err="1"/>
@@ -8781,8 +9152,21 @@
               <a:t>光来　健一</a:t>
             </a:r>
             <a:r>
+              <a:rPr lang="en-US" altLang="ja-JP" sz="2100" baseline="30000" dirty="0"/>
+              <a:t>*</a:t>
+            </a:r>
+          </a:p>
+          <a:p>
+            <a:pPr marL="0" indent="0">
+              <a:buNone/>
+            </a:pPr>
+            <a:r>
               <a:rPr lang="en-US" altLang="ja-JP" sz="2100" dirty="0"/>
-              <a:t>†</a:t>
+              <a:t>* :</a:t>
+            </a:r>
+            <a:r>
+              <a:rPr lang="ja-JP" altLang="en-US" sz="2100" dirty="0"/>
+              <a:t>九州工業大学</a:t>
             </a:r>
             <a:endParaRPr kumimoji="1" lang="en-US" altLang="ja-JP" sz="2100" dirty="0"/>
           </a:p>
@@ -8851,15 +9235,51 @@
           <a:chExt cx="0" cy="0"/>
         </a:xfrm>
       </p:grpSpPr>
-      <p:sp>
-        <p:nvSpPr>
-          <p:cNvPr id="7" name="タイトル 6">
+      <p:pic>
+        <p:nvPicPr>
+          <p:cNvPr id="6" name="図 5">
             <a:extLst>
               <a:ext uri="{FF2B5EF4-FFF2-40B4-BE49-F238E27FC236}">
-                <a16:creationId xmlns:a16="http://schemas.microsoft.com/office/drawing/2014/main" id="{5AD979AA-5C71-4C57-AF17-BCD6412B2151}"/>
+                <a16:creationId xmlns:a16="http://schemas.microsoft.com/office/drawing/2014/main" id="{196A6001-61B6-4811-AF2B-3BE2D9A82894}"/>
               </a:ext>
             </a:extLst>
           </p:cNvPr>
+          <p:cNvPicPr>
+            <a:picLocks noChangeAspect="1"/>
+          </p:cNvPicPr>
+          <p:nvPr/>
+        </p:nvPicPr>
+        <p:blipFill>
+          <a:blip r:embed="rId2">
+            <a:extLst>
+              <a:ext uri="{28A0092B-C50C-407E-A947-70E740481C1C}">
+                <a14:useLocalDpi xmlns:a14="http://schemas.microsoft.com/office/drawing/2010/main" val="0"/>
+              </a:ext>
+            </a:extLst>
+          </a:blip>
+          <a:stretch>
+            <a:fillRect/>
+          </a:stretch>
+        </p:blipFill>
+        <p:spPr>
+          <a:xfrm>
+            <a:off x="569855" y="3098485"/>
+            <a:ext cx="8050010" cy="3592140"/>
+          </a:xfrm>
+          <a:prstGeom prst="rect">
+            <a:avLst/>
+          </a:prstGeom>
+        </p:spPr>
+      </p:pic>
+      <p:sp>
+        <p:nvSpPr>
+          <p:cNvPr id="2" name="タイトル 1">
+            <a:extLst>
+              <a:ext uri="{FF2B5EF4-FFF2-40B4-BE49-F238E27FC236}">
+                <a16:creationId xmlns:a16="http://schemas.microsoft.com/office/drawing/2014/main" id="{E9D9CB0E-30A8-4099-AADF-4AC2E5B1190B}"/>
+              </a:ext>
+            </a:extLst>
+          </p:cNvPr>
           <p:cNvSpPr>
             <a:spLocks noGrp="1"/>
           </p:cNvSpPr>
@@ -8873,27 +9293,26 @@
           <a:lstStyle/>
           <a:p>
             <a:r>
-              <a:rPr lang="ja-JP" altLang="en-US" dirty="0"/>
-              <a:t>実験環境（</a:t>
-            </a:r>
-            <a:r>
-              <a:rPr lang="en-US" altLang="ja-JP" dirty="0"/>
+              <a:rPr kumimoji="1" lang="ja-JP" altLang="en-US" dirty="0"/>
+              <a:t>障害復旧（</a:t>
+            </a:r>
+            <a:r>
+              <a:rPr kumimoji="1" lang="en-US" altLang="ja-JP" dirty="0"/>
               <a:t>1</a:t>
             </a:r>
             <a:r>
-              <a:rPr lang="ja-JP" altLang="en-US" dirty="0"/>
+              <a:rPr kumimoji="1" lang="ja-JP" altLang="en-US" dirty="0"/>
               <a:t>）</a:t>
             </a:r>
-            <a:endParaRPr kumimoji="1" lang="ja-JP" altLang="en-US" dirty="0"/>
-          </a:p>
-        </p:txBody>
-      </p:sp>
-      <p:sp>
-        <p:nvSpPr>
-          <p:cNvPr id="8" name="コンテンツ プレースホルダー 7">
+          </a:p>
+        </p:txBody>
+      </p:sp>
+      <p:sp>
+        <p:nvSpPr>
+          <p:cNvPr id="3" name="コンテンツ プレースホルダー 2">
             <a:extLst>
               <a:ext uri="{FF2B5EF4-FFF2-40B4-BE49-F238E27FC236}">
-                <a16:creationId xmlns:a16="http://schemas.microsoft.com/office/drawing/2014/main" id="{2443C0A3-7A8C-41B4-A124-B6E47D909578}"/>
+                <a16:creationId xmlns:a16="http://schemas.microsoft.com/office/drawing/2014/main" id="{D74D4EC6-8838-48AD-B620-2CDB881CF769}"/>
               </a:ext>
             </a:extLst>
           </p:cNvPr>
@@ -8908,26 +9327,16 @@
         <p:txBody>
           <a:bodyPr/>
           <a:lstStyle/>
-          <a:p>
-            <a:pPr marL="0" indent="0">
-              <a:buNone/>
-            </a:pPr>
-            <a:r>
-              <a:rPr lang="ja-JP" altLang="en-US" dirty="0"/>
-              <a:t>復旧時間，障害対策コストの比較を行う</a:t>
-            </a:r>
-            <a:endParaRPr kumimoji="1" lang="en-US" altLang="ja-JP" dirty="0"/>
-          </a:p>
           <a:p>
             <a:pPr>
               <a:buFont typeface="Wingdings" panose="05000000000000000000" pitchFamily="2" charset="2"/>
               <a:buChar char="l"/>
             </a:pPr>
             <a:r>
-              <a:rPr kumimoji="1" lang="ja-JP" altLang="en-US" dirty="0"/>
-              <a:t>運用系</a:t>
-            </a:r>
-            <a:endParaRPr kumimoji="1" lang="en-US" altLang="ja-JP" dirty="0"/>
+              <a:rPr lang="ja-JP" altLang="en-US" dirty="0"/>
+              <a:t>復旧用スクリプトの実行</a:t>
+            </a:r>
+            <a:endParaRPr lang="en-US" altLang="ja-JP" dirty="0"/>
           </a:p>
           <a:p>
             <a:pPr lvl="1">
@@ -8935,20 +9344,8 @@
               <a:buChar char="l"/>
             </a:pPr>
             <a:r>
-              <a:rPr kumimoji="1" lang="en-US" altLang="ja-JP" dirty="0"/>
-              <a:t>4</a:t>
-            </a:r>
-            <a:r>
-              <a:rPr lang="ja-JP" altLang="en-US" dirty="0"/>
-              <a:t>台の</a:t>
-            </a:r>
-            <a:r>
-              <a:rPr lang="en-US" altLang="ja-JP" dirty="0"/>
-              <a:t>VM</a:t>
-            </a:r>
-            <a:r>
-              <a:rPr lang="ja-JP" altLang="en-US" dirty="0"/>
-              <a:t>を動作</a:t>
+              <a:rPr kumimoji="1" lang="ja-JP" altLang="en-US" dirty="0"/>
+              <a:t>障害検知時に，復旧用スクリプトを実行</a:t>
             </a:r>
             <a:endParaRPr kumimoji="1" lang="en-US" altLang="ja-JP" dirty="0"/>
           </a:p>
@@ -8958,49 +9355,10 @@
               <a:buChar char="l"/>
             </a:pPr>
             <a:r>
-              <a:rPr lang="en-US" altLang="ja-JP" dirty="0"/>
-              <a:t>Apache Web</a:t>
-            </a:r>
-            <a:r>
               <a:rPr lang="ja-JP" altLang="en-US" dirty="0"/>
-              <a:t>サーバ</a:t>
-            </a:r>
-            <a:r>
-              <a:rPr lang="en-US" altLang="ja-JP" dirty="0"/>
-              <a:t>3</a:t>
-            </a:r>
-            <a:r>
-              <a:rPr lang="ja-JP" altLang="en-US" dirty="0"/>
-              <a:t>台，</a:t>
-            </a:r>
-            <a:r>
-              <a:rPr lang="en-US" altLang="ja-JP" dirty="0"/>
-              <a:t>MySQL</a:t>
-            </a:r>
-            <a:r>
-              <a:rPr lang="ja-JP" altLang="en-US" dirty="0"/>
-              <a:t>サーバ</a:t>
-            </a:r>
-            <a:r>
-              <a:rPr lang="en-US" altLang="ja-JP" dirty="0"/>
-              <a:t>1</a:t>
-            </a:r>
-            <a:r>
-              <a:rPr lang="ja-JP" altLang="en-US" dirty="0"/>
-              <a:t>台</a:t>
+              <a:t>必要に応じてコンテナの起動</a:t>
             </a:r>
             <a:endParaRPr lang="en-US" altLang="ja-JP" dirty="0"/>
-          </a:p>
-          <a:p>
-            <a:pPr>
-              <a:buFont typeface="Wingdings" panose="05000000000000000000" pitchFamily="2" charset="2"/>
-              <a:buChar char="l"/>
-            </a:pPr>
-            <a:r>
-              <a:rPr kumimoji="1" lang="ja-JP" altLang="en-US" dirty="0"/>
-              <a:t>待機系</a:t>
-            </a:r>
-            <a:endParaRPr kumimoji="1" lang="en-US" altLang="ja-JP" dirty="0"/>
           </a:p>
           <a:p>
             <a:pPr lvl="1">
@@ -9008,88 +9366,18 @@
               <a:buChar char="l"/>
             </a:pPr>
             <a:r>
-              <a:rPr lang="en-US" altLang="ja-JP" dirty="0"/>
-              <a:t>1</a:t>
-            </a:r>
-            <a:r>
-              <a:rPr lang="ja-JP" altLang="en-US" dirty="0"/>
-              <a:t>台の</a:t>
-            </a:r>
-            <a:r>
-              <a:rPr lang="en-US" altLang="ja-JP" dirty="0"/>
-              <a:t>VM</a:t>
-            </a:r>
-            <a:r>
-              <a:rPr lang="ja-JP" altLang="en-US" dirty="0"/>
-              <a:t>上に</a:t>
-            </a:r>
-            <a:r>
-              <a:rPr lang="en-US" altLang="ja-JP" dirty="0"/>
-              <a:t>4</a:t>
-            </a:r>
-            <a:r>
-              <a:rPr lang="ja-JP" altLang="en-US" dirty="0" err="1"/>
-              <a:t>つの</a:t>
-            </a:r>
-            <a:r>
-              <a:rPr lang="ja-JP" altLang="en-US" dirty="0"/>
-              <a:t>コンテナ</a:t>
-            </a:r>
-            <a:endParaRPr lang="en-US" altLang="ja-JP" dirty="0"/>
-          </a:p>
-          <a:p>
-            <a:pPr lvl="1">
-              <a:buFont typeface="Wingdings" panose="05000000000000000000" pitchFamily="2" charset="2"/>
-              <a:buChar char="l"/>
-            </a:pPr>
-            <a:endParaRPr lang="en-US" altLang="ja-JP" dirty="0"/>
-          </a:p>
-          <a:p>
-            <a:pPr>
-              <a:buFont typeface="Wingdings" panose="05000000000000000000" pitchFamily="2" charset="2"/>
-              <a:buChar char="l"/>
-            </a:pPr>
-            <a:r>
               <a:rPr kumimoji="1" lang="ja-JP" altLang="en-US" dirty="0"/>
-              <a:t>比較対象</a:t>
-            </a:r>
-            <a:endParaRPr kumimoji="1" lang="en-US" altLang="ja-JP" dirty="0"/>
-          </a:p>
-          <a:p>
-            <a:pPr lvl="1">
-              <a:buFont typeface="Wingdings" panose="05000000000000000000" pitchFamily="2" charset="2"/>
-              <a:buChar char="l"/>
-            </a:pPr>
-            <a:r>
-              <a:rPr kumimoji="1" lang="ja-JP" altLang="en-US" dirty="0"/>
-              <a:t>運用系，待機系ともに</a:t>
-            </a:r>
-            <a:r>
-              <a:rPr kumimoji="1" lang="en-US" altLang="ja-JP" dirty="0"/>
-              <a:t>4</a:t>
-            </a:r>
-            <a:r>
-              <a:rPr lang="ja-JP" altLang="en-US" dirty="0"/>
-              <a:t>台の</a:t>
-            </a:r>
-            <a:r>
-              <a:rPr lang="en-US" altLang="ja-JP" dirty="0"/>
-              <a:t>VM</a:t>
-            </a:r>
-            <a:r>
-              <a:rPr lang="ja-JP" altLang="en-US" dirty="0"/>
-              <a:t>を用いる従来システム</a:t>
-            </a:r>
-            <a:endParaRPr kumimoji="1" lang="ja-JP" altLang="en-US" dirty="0"/>
-          </a:p>
-        </p:txBody>
-      </p:sp>
-      <p:sp>
-        <p:nvSpPr>
-          <p:cNvPr id="2" name="スライド番号プレースホルダー 1">
+              <a:t>バックアップから運用系の状態に復元</a:t>
+            </a:r>
+          </a:p>
+        </p:txBody>
+      </p:sp>
+      <p:sp>
+        <p:nvSpPr>
+          <p:cNvPr id="4" name="スライド番号プレースホルダー 3">
             <a:extLst>
               <a:ext uri="{FF2B5EF4-FFF2-40B4-BE49-F238E27FC236}">
-                <a16:creationId xmlns:a16="http://schemas.microsoft.com/office/drawing/2014/main" id="{7E4DF116-FD88-49E1-8971-7945B95C7929}"/>
+                <a16:creationId xmlns:a16="http://schemas.microsoft.com/office/drawing/2014/main" id="{71FD4C74-7423-42C9-A9DF-F27251EDFBB7}"/>
               </a:ext>
             </a:extLst>
           </p:cNvPr>
@@ -9117,7 +9405,7 @@
     </p:spTree>
     <p:extLst>
       <p:ext uri="{BB962C8B-B14F-4D97-AF65-F5344CB8AC3E}">
-        <p14:creationId xmlns:p14="http://schemas.microsoft.com/office/powerpoint/2010/main" val="3972706105"/>
+        <p14:creationId xmlns:p14="http://schemas.microsoft.com/office/powerpoint/2010/main" val="3417753094"/>
       </p:ext>
     </p:extLst>
   </p:cSld>
@@ -9144,6 +9432,497 @@
           <a:chExt cx="0" cy="0"/>
         </a:xfrm>
       </p:grpSpPr>
+      <p:pic>
+        <p:nvPicPr>
+          <p:cNvPr id="8" name="図 7">
+            <a:extLst>
+              <a:ext uri="{FF2B5EF4-FFF2-40B4-BE49-F238E27FC236}">
+                <a16:creationId xmlns:a16="http://schemas.microsoft.com/office/drawing/2014/main" id="{3F0B5E88-36EB-48B2-825A-4A914EC37705}"/>
+              </a:ext>
+            </a:extLst>
+          </p:cNvPr>
+          <p:cNvPicPr>
+            <a:picLocks noChangeAspect="1"/>
+          </p:cNvPicPr>
+          <p:nvPr/>
+        </p:nvPicPr>
+        <p:blipFill rotWithShape="1">
+          <a:blip r:embed="rId2">
+            <a:extLst>
+              <a:ext uri="{28A0092B-C50C-407E-A947-70E740481C1C}">
+                <a14:useLocalDpi xmlns:a14="http://schemas.microsoft.com/office/drawing/2010/main" val="0"/>
+              </a:ext>
+            </a:extLst>
+          </a:blip>
+          <a:srcRect t="10782"/>
+          <a:stretch/>
+        </p:blipFill>
+        <p:spPr>
+          <a:xfrm>
+            <a:off x="87687" y="2894877"/>
+            <a:ext cx="8968626" cy="3381232"/>
+          </a:xfrm>
+          <a:prstGeom prst="rect">
+            <a:avLst/>
+          </a:prstGeom>
+        </p:spPr>
+      </p:pic>
+      <p:sp>
+        <p:nvSpPr>
+          <p:cNvPr id="2" name="タイトル 1">
+            <a:extLst>
+              <a:ext uri="{FF2B5EF4-FFF2-40B4-BE49-F238E27FC236}">
+                <a16:creationId xmlns:a16="http://schemas.microsoft.com/office/drawing/2014/main" id="{E9D9CB0E-30A8-4099-AADF-4AC2E5B1190B}"/>
+              </a:ext>
+            </a:extLst>
+          </p:cNvPr>
+          <p:cNvSpPr>
+            <a:spLocks noGrp="1"/>
+          </p:cNvSpPr>
+          <p:nvPr>
+            <p:ph type="title"/>
+          </p:nvPr>
+        </p:nvSpPr>
+        <p:spPr/>
+        <p:txBody>
+          <a:bodyPr/>
+          <a:lstStyle/>
+          <a:p>
+            <a:r>
+              <a:rPr kumimoji="1" lang="ja-JP" altLang="en-US" dirty="0"/>
+              <a:t>障害復旧（</a:t>
+            </a:r>
+            <a:r>
+              <a:rPr lang="en-US" altLang="ja-JP" dirty="0"/>
+              <a:t>2</a:t>
+            </a:r>
+            <a:r>
+              <a:rPr kumimoji="1" lang="ja-JP" altLang="en-US" dirty="0"/>
+              <a:t>）</a:t>
+            </a:r>
+          </a:p>
+        </p:txBody>
+      </p:sp>
+      <p:sp>
+        <p:nvSpPr>
+          <p:cNvPr id="3" name="コンテンツ プレースホルダー 2">
+            <a:extLst>
+              <a:ext uri="{FF2B5EF4-FFF2-40B4-BE49-F238E27FC236}">
+                <a16:creationId xmlns:a16="http://schemas.microsoft.com/office/drawing/2014/main" id="{D74D4EC6-8838-48AD-B620-2CDB881CF769}"/>
+              </a:ext>
+            </a:extLst>
+          </p:cNvPr>
+          <p:cNvSpPr>
+            <a:spLocks noGrp="1"/>
+          </p:cNvSpPr>
+          <p:nvPr>
+            <p:ph idx="1"/>
+          </p:nvPr>
+        </p:nvSpPr>
+        <p:spPr/>
+        <p:txBody>
+          <a:bodyPr/>
+          <a:lstStyle/>
+          <a:p>
+            <a:pPr>
+              <a:buFont typeface="Wingdings" panose="05000000000000000000" pitchFamily="2" charset="2"/>
+              <a:buChar char="l"/>
+            </a:pPr>
+            <a:r>
+              <a:rPr lang="ja-JP" altLang="en-US" dirty="0"/>
+              <a:t>サービス提供元の切り替え</a:t>
+            </a:r>
+            <a:endParaRPr lang="en-US" altLang="ja-JP" dirty="0"/>
+          </a:p>
+          <a:p>
+            <a:pPr lvl="1">
+              <a:buFont typeface="Wingdings" panose="05000000000000000000" pitchFamily="2" charset="2"/>
+              <a:buChar char="l"/>
+            </a:pPr>
+            <a:r>
+              <a:rPr kumimoji="1" lang="ja-JP" altLang="en-US" dirty="0"/>
+              <a:t>コンテナが使用するネットワークポートの確認</a:t>
+            </a:r>
+            <a:endParaRPr kumimoji="1" lang="en-US" altLang="ja-JP" dirty="0"/>
+          </a:p>
+          <a:p>
+            <a:pPr lvl="1">
+              <a:buFont typeface="Wingdings" panose="05000000000000000000" pitchFamily="2" charset="2"/>
+              <a:buChar char="l"/>
+            </a:pPr>
+            <a:r>
+              <a:rPr lang="en-US" altLang="ja-JP" dirty="0" err="1"/>
+              <a:t>DNSupdate</a:t>
+            </a:r>
+            <a:r>
+              <a:rPr lang="ja-JP" altLang="en-US" dirty="0"/>
+              <a:t>を実行し，</a:t>
+            </a:r>
+            <a:r>
+              <a:rPr lang="en-US" altLang="ja-JP" dirty="0"/>
+              <a:t>DNS</a:t>
+            </a:r>
+            <a:r>
+              <a:rPr lang="ja-JP" altLang="en-US" dirty="0"/>
+              <a:t>レコードの更新</a:t>
+            </a:r>
+            <a:endParaRPr kumimoji="1" lang="ja-JP" altLang="en-US" dirty="0"/>
+          </a:p>
+        </p:txBody>
+      </p:sp>
+      <p:sp>
+        <p:nvSpPr>
+          <p:cNvPr id="4" name="スライド番号プレースホルダー 3">
+            <a:extLst>
+              <a:ext uri="{FF2B5EF4-FFF2-40B4-BE49-F238E27FC236}">
+                <a16:creationId xmlns:a16="http://schemas.microsoft.com/office/drawing/2014/main" id="{987A5D15-2912-4130-96DC-58DCE5155E7E}"/>
+              </a:ext>
+            </a:extLst>
+          </p:cNvPr>
+          <p:cNvSpPr>
+            <a:spLocks noGrp="1"/>
+          </p:cNvSpPr>
+          <p:nvPr>
+            <p:ph type="sldNum" sz="quarter" idx="12"/>
+          </p:nvPr>
+        </p:nvSpPr>
+        <p:spPr/>
+        <p:txBody>
+          <a:bodyPr/>
+          <a:lstStyle/>
+          <a:p>
+            <a:fld id="{7AB22DEB-E1FF-4BEE-A182-437B9452AE5B}" type="slidenum">
+              <a:rPr kumimoji="1" lang="ja-JP" altLang="en-US" smtClean="0"/>
+              <a:pPr/>
+              <a:t>21</a:t>
+            </a:fld>
+            <a:endParaRPr kumimoji="1" lang="ja-JP" altLang="en-US"/>
+          </a:p>
+        </p:txBody>
+      </p:sp>
+    </p:spTree>
+    <p:extLst>
+      <p:ext uri="{BB962C8B-B14F-4D97-AF65-F5344CB8AC3E}">
+        <p14:creationId xmlns:p14="http://schemas.microsoft.com/office/powerpoint/2010/main" val="2255954668"/>
+      </p:ext>
+    </p:extLst>
+  </p:cSld>
+  <p:clrMapOvr>
+    <a:masterClrMapping/>
+  </p:clrMapOvr>
+</p:sld>
+</file>
+
+<file path=ppt/slides/slide22.xml><?xml version="1.0" encoding="utf-8"?>
+<p:sld xmlns:a="http://schemas.openxmlformats.org/drawingml/2006/main" xmlns:r="http://schemas.openxmlformats.org/officeDocument/2006/relationships" xmlns:p="http://schemas.openxmlformats.org/presentationml/2006/main">
+  <p:cSld>
+    <p:spTree>
+      <p:nvGrpSpPr>
+        <p:cNvPr id="1" name=""/>
+        <p:cNvGrpSpPr/>
+        <p:nvPr/>
+      </p:nvGrpSpPr>
+      <p:grpSpPr>
+        <a:xfrm>
+          <a:off x="0" y="0"/>
+          <a:ext cx="0" cy="0"/>
+          <a:chOff x="0" y="0"/>
+          <a:chExt cx="0" cy="0"/>
+        </a:xfrm>
+      </p:grpSpPr>
+      <p:sp>
+        <p:nvSpPr>
+          <p:cNvPr id="7" name="タイトル 6">
+            <a:extLst>
+              <a:ext uri="{FF2B5EF4-FFF2-40B4-BE49-F238E27FC236}">
+                <a16:creationId xmlns:a16="http://schemas.microsoft.com/office/drawing/2014/main" id="{5AD979AA-5C71-4C57-AF17-BCD6412B2151}"/>
+              </a:ext>
+            </a:extLst>
+          </p:cNvPr>
+          <p:cNvSpPr>
+            <a:spLocks noGrp="1"/>
+          </p:cNvSpPr>
+          <p:nvPr>
+            <p:ph type="title"/>
+          </p:nvPr>
+        </p:nvSpPr>
+        <p:spPr/>
+        <p:txBody>
+          <a:bodyPr/>
+          <a:lstStyle/>
+          <a:p>
+            <a:r>
+              <a:rPr lang="ja-JP" altLang="en-US" dirty="0"/>
+              <a:t>実験環境（</a:t>
+            </a:r>
+            <a:r>
+              <a:rPr lang="en-US" altLang="ja-JP" dirty="0"/>
+              <a:t>1</a:t>
+            </a:r>
+            <a:r>
+              <a:rPr lang="ja-JP" altLang="en-US" dirty="0"/>
+              <a:t>）</a:t>
+            </a:r>
+            <a:endParaRPr kumimoji="1" lang="ja-JP" altLang="en-US" dirty="0"/>
+          </a:p>
+        </p:txBody>
+      </p:sp>
+      <p:sp>
+        <p:nvSpPr>
+          <p:cNvPr id="8" name="コンテンツ プレースホルダー 7">
+            <a:extLst>
+              <a:ext uri="{FF2B5EF4-FFF2-40B4-BE49-F238E27FC236}">
+                <a16:creationId xmlns:a16="http://schemas.microsoft.com/office/drawing/2014/main" id="{2443C0A3-7A8C-41B4-A124-B6E47D909578}"/>
+              </a:ext>
+            </a:extLst>
+          </p:cNvPr>
+          <p:cNvSpPr>
+            <a:spLocks noGrp="1"/>
+          </p:cNvSpPr>
+          <p:nvPr>
+            <p:ph idx="1"/>
+          </p:nvPr>
+        </p:nvSpPr>
+        <p:spPr/>
+        <p:txBody>
+          <a:bodyPr/>
+          <a:lstStyle/>
+          <a:p>
+            <a:pPr marL="0" indent="0">
+              <a:buNone/>
+            </a:pPr>
+            <a:r>
+              <a:rPr lang="ja-JP" altLang="en-US" dirty="0"/>
+              <a:t>復旧時間，障害対策コストの比較を行う</a:t>
+            </a:r>
+            <a:endParaRPr kumimoji="1" lang="en-US" altLang="ja-JP" dirty="0"/>
+          </a:p>
+          <a:p>
+            <a:pPr>
+              <a:buFont typeface="Wingdings" panose="05000000000000000000" pitchFamily="2" charset="2"/>
+              <a:buChar char="l"/>
+            </a:pPr>
+            <a:r>
+              <a:rPr kumimoji="1" lang="ja-JP" altLang="en-US" dirty="0"/>
+              <a:t>運用系</a:t>
+            </a:r>
+            <a:endParaRPr kumimoji="1" lang="en-US" altLang="ja-JP" dirty="0"/>
+          </a:p>
+          <a:p>
+            <a:pPr lvl="1">
+              <a:buFont typeface="Wingdings" panose="05000000000000000000" pitchFamily="2" charset="2"/>
+              <a:buChar char="l"/>
+            </a:pPr>
+            <a:r>
+              <a:rPr kumimoji="1" lang="en-US" altLang="ja-JP" dirty="0"/>
+              <a:t>4</a:t>
+            </a:r>
+            <a:r>
+              <a:rPr lang="ja-JP" altLang="en-US" dirty="0"/>
+              <a:t>台の</a:t>
+            </a:r>
+            <a:r>
+              <a:rPr lang="en-US" altLang="ja-JP" dirty="0"/>
+              <a:t>VM</a:t>
+            </a:r>
+            <a:r>
+              <a:rPr lang="ja-JP" altLang="en-US" dirty="0"/>
+              <a:t>を動作</a:t>
+            </a:r>
+            <a:endParaRPr kumimoji="1" lang="en-US" altLang="ja-JP" dirty="0"/>
+          </a:p>
+          <a:p>
+            <a:pPr lvl="1">
+              <a:buFont typeface="Wingdings" panose="05000000000000000000" pitchFamily="2" charset="2"/>
+              <a:buChar char="l"/>
+            </a:pPr>
+            <a:r>
+              <a:rPr lang="en-US" altLang="ja-JP" dirty="0"/>
+              <a:t>Apache Web</a:t>
+            </a:r>
+            <a:r>
+              <a:rPr lang="ja-JP" altLang="en-US" dirty="0"/>
+              <a:t>サーバ</a:t>
+            </a:r>
+            <a:r>
+              <a:rPr lang="en-US" altLang="ja-JP" dirty="0"/>
+              <a:t>3</a:t>
+            </a:r>
+            <a:r>
+              <a:rPr lang="ja-JP" altLang="en-US" dirty="0"/>
+              <a:t>台，</a:t>
+            </a:r>
+            <a:r>
+              <a:rPr lang="en-US" altLang="ja-JP" dirty="0"/>
+              <a:t>MySQL</a:t>
+            </a:r>
+            <a:r>
+              <a:rPr lang="ja-JP" altLang="en-US" dirty="0"/>
+              <a:t>サーバ</a:t>
+            </a:r>
+            <a:r>
+              <a:rPr lang="en-US" altLang="ja-JP" dirty="0"/>
+              <a:t>1</a:t>
+            </a:r>
+            <a:r>
+              <a:rPr lang="ja-JP" altLang="en-US" dirty="0"/>
+              <a:t>台</a:t>
+            </a:r>
+            <a:endParaRPr lang="en-US" altLang="ja-JP" dirty="0"/>
+          </a:p>
+          <a:p>
+            <a:pPr>
+              <a:buFont typeface="Wingdings" panose="05000000000000000000" pitchFamily="2" charset="2"/>
+              <a:buChar char="l"/>
+            </a:pPr>
+            <a:r>
+              <a:rPr kumimoji="1" lang="ja-JP" altLang="en-US" dirty="0"/>
+              <a:t>待機系</a:t>
+            </a:r>
+            <a:endParaRPr kumimoji="1" lang="en-US" altLang="ja-JP" dirty="0"/>
+          </a:p>
+          <a:p>
+            <a:pPr lvl="1">
+              <a:buFont typeface="Wingdings" panose="05000000000000000000" pitchFamily="2" charset="2"/>
+              <a:buChar char="l"/>
+            </a:pPr>
+            <a:r>
+              <a:rPr lang="en-US" altLang="ja-JP" dirty="0"/>
+              <a:t>1</a:t>
+            </a:r>
+            <a:r>
+              <a:rPr lang="ja-JP" altLang="en-US" dirty="0"/>
+              <a:t>台の</a:t>
+            </a:r>
+            <a:r>
+              <a:rPr lang="en-US" altLang="ja-JP" dirty="0"/>
+              <a:t>VM</a:t>
+            </a:r>
+            <a:r>
+              <a:rPr lang="ja-JP" altLang="en-US" dirty="0"/>
+              <a:t>上に</a:t>
+            </a:r>
+            <a:r>
+              <a:rPr lang="en-US" altLang="ja-JP" dirty="0"/>
+              <a:t>4</a:t>
+            </a:r>
+            <a:r>
+              <a:rPr lang="ja-JP" altLang="en-US" dirty="0" err="1"/>
+              <a:t>つの</a:t>
+            </a:r>
+            <a:r>
+              <a:rPr lang="ja-JP" altLang="en-US" dirty="0"/>
+              <a:t>コンテナ</a:t>
+            </a:r>
+            <a:endParaRPr lang="en-US" altLang="ja-JP" dirty="0"/>
+          </a:p>
+          <a:p>
+            <a:pPr lvl="1">
+              <a:buFont typeface="Wingdings" panose="05000000000000000000" pitchFamily="2" charset="2"/>
+              <a:buChar char="l"/>
+            </a:pPr>
+            <a:endParaRPr lang="en-US" altLang="ja-JP" dirty="0"/>
+          </a:p>
+          <a:p>
+            <a:pPr>
+              <a:buFont typeface="Wingdings" panose="05000000000000000000" pitchFamily="2" charset="2"/>
+              <a:buChar char="l"/>
+            </a:pPr>
+            <a:r>
+              <a:rPr kumimoji="1" lang="ja-JP" altLang="en-US" dirty="0"/>
+              <a:t>比較対象</a:t>
+            </a:r>
+            <a:endParaRPr kumimoji="1" lang="en-US" altLang="ja-JP" dirty="0"/>
+          </a:p>
+          <a:p>
+            <a:pPr lvl="1">
+              <a:buFont typeface="Wingdings" panose="05000000000000000000" pitchFamily="2" charset="2"/>
+              <a:buChar char="l"/>
+            </a:pPr>
+            <a:r>
+              <a:rPr kumimoji="1" lang="ja-JP" altLang="en-US" dirty="0"/>
+              <a:t>運用系，待機系ともに</a:t>
+            </a:r>
+            <a:r>
+              <a:rPr kumimoji="1" lang="en-US" altLang="ja-JP" dirty="0"/>
+              <a:t>4</a:t>
+            </a:r>
+            <a:r>
+              <a:rPr lang="ja-JP" altLang="en-US" dirty="0"/>
+              <a:t>台の</a:t>
+            </a:r>
+            <a:r>
+              <a:rPr lang="en-US" altLang="ja-JP" dirty="0"/>
+              <a:t>VM</a:t>
+            </a:r>
+            <a:r>
+              <a:rPr lang="ja-JP" altLang="en-US" dirty="0"/>
+              <a:t>を用いる従来システム</a:t>
+            </a:r>
+            <a:endParaRPr kumimoji="1" lang="ja-JP" altLang="en-US" dirty="0"/>
+          </a:p>
+        </p:txBody>
+      </p:sp>
+      <p:sp>
+        <p:nvSpPr>
+          <p:cNvPr id="2" name="スライド番号プレースホルダー 1">
+            <a:extLst>
+              <a:ext uri="{FF2B5EF4-FFF2-40B4-BE49-F238E27FC236}">
+                <a16:creationId xmlns:a16="http://schemas.microsoft.com/office/drawing/2014/main" id="{7E4DF116-FD88-49E1-8971-7945B95C7929}"/>
+              </a:ext>
+            </a:extLst>
+          </p:cNvPr>
+          <p:cNvSpPr>
+            <a:spLocks noGrp="1"/>
+          </p:cNvSpPr>
+          <p:nvPr>
+            <p:ph type="sldNum" sz="quarter" idx="12"/>
+          </p:nvPr>
+        </p:nvSpPr>
+        <p:spPr/>
+        <p:txBody>
+          <a:bodyPr/>
+          <a:lstStyle/>
+          <a:p>
+            <a:fld id="{7AB22DEB-E1FF-4BEE-A182-437B9452AE5B}" type="slidenum">
+              <a:rPr kumimoji="1" lang="ja-JP" altLang="en-US" smtClean="0"/>
+              <a:pPr/>
+              <a:t>22</a:t>
+            </a:fld>
+            <a:endParaRPr kumimoji="1" lang="ja-JP" altLang="en-US"/>
+          </a:p>
+        </p:txBody>
+      </p:sp>
+    </p:spTree>
+    <p:extLst>
+      <p:ext uri="{BB962C8B-B14F-4D97-AF65-F5344CB8AC3E}">
+        <p14:creationId xmlns:p14="http://schemas.microsoft.com/office/powerpoint/2010/main" val="3972706105"/>
+      </p:ext>
+    </p:extLst>
+  </p:cSld>
+  <p:clrMapOvr>
+    <a:masterClrMapping/>
+  </p:clrMapOvr>
+</p:sld>
+</file>
+
+<file path=ppt/slides/slide23.xml><?xml version="1.0" encoding="utf-8"?>
+<p:sld xmlns:a="http://schemas.openxmlformats.org/drawingml/2006/main" xmlns:r="http://schemas.openxmlformats.org/officeDocument/2006/relationships" xmlns:p="http://schemas.openxmlformats.org/presentationml/2006/main">
+  <p:cSld>
+    <p:spTree>
+      <p:nvGrpSpPr>
+        <p:cNvPr id="1" name=""/>
+        <p:cNvGrpSpPr/>
+        <p:nvPr/>
+      </p:nvGrpSpPr>
+      <p:grpSpPr>
+        <a:xfrm>
+          <a:off x="0" y="0"/>
+          <a:ext cx="0" cy="0"/>
+          <a:chOff x="0" y="0"/>
+          <a:chExt cx="0" cy="0"/>
+        </a:xfrm>
+      </p:grpSpPr>
       <p:sp>
         <p:nvSpPr>
           <p:cNvPr id="2" name="タイトル 1">
@@ -9166,22 +9945,32 @@
           <a:lstStyle/>
           <a:p>
             <a:r>
-              <a:rPr kumimoji="1" lang="ja-JP" altLang="en-US" dirty="0"/>
+              <a:rPr kumimoji="1" lang="ja-JP" altLang="en-US" dirty="0">
+                <a:latin typeface="+mj-ea"/>
+              </a:rPr>
               <a:t>実験環境</a:t>
             </a:r>
             <a:r>
-              <a:rPr lang="ja-JP" altLang="en-US" dirty="0"/>
+              <a:rPr lang="ja-JP" altLang="en-US" dirty="0">
+                <a:latin typeface="+mj-ea"/>
+              </a:rPr>
               <a:t>（</a:t>
             </a:r>
             <a:r>
-              <a:rPr lang="en-US" altLang="ja-JP" dirty="0"/>
+              <a:rPr lang="en-US" altLang="ja-JP" dirty="0">
+                <a:latin typeface="+mj-ea"/>
+              </a:rPr>
               <a:t>2</a:t>
             </a:r>
             <a:r>
-              <a:rPr lang="ja-JP" altLang="en-US" dirty="0"/>
+              <a:rPr lang="ja-JP" altLang="en-US" dirty="0">
+                <a:latin typeface="+mj-ea"/>
+              </a:rPr>
               <a:t>）</a:t>
             </a:r>
-            <a:endParaRPr kumimoji="1" lang="ja-JP" altLang="en-US" dirty="0"/>
+            <a:endParaRPr kumimoji="1" lang="ja-JP" altLang="en-US" dirty="0">
+              <a:latin typeface="+mj-ea"/>
+            </a:endParaRPr>
           </a:p>
         </p:txBody>
       </p:sp>
@@ -9897,7 +10686,7 @@
           <a:p>
             <a:fld id="{7AB22DEB-E1FF-4BEE-A182-437B9452AE5B}" type="slidenum">
               <a:rPr kumimoji="1" lang="ja-JP" altLang="en-US" smtClean="0"/>
-              <a:t>21</a:t>
+              <a:t>23</a:t>
             </a:fld>
             <a:endParaRPr kumimoji="1" lang="ja-JP" altLang="en-US"/>
           </a:p>
@@ -9916,7 +10705,7 @@
 </p:sld>
 </file>
 
-<file path=ppt/slides/slide22.xml><?xml version="1.0" encoding="utf-8"?>
+<file path=ppt/slides/slide24.xml><?xml version="1.0" encoding="utf-8"?>
 <p:sld xmlns:a="http://schemas.openxmlformats.org/drawingml/2006/main" xmlns:r="http://schemas.openxmlformats.org/officeDocument/2006/relationships" xmlns:p="http://schemas.openxmlformats.org/presentationml/2006/main">
   <p:cSld>
     <p:spTree>
@@ -10332,7 +11121,7 @@
             <a:fld id="{7AB22DEB-E1FF-4BEE-A182-437B9452AE5B}" type="slidenum">
               <a:rPr kumimoji="1" lang="ja-JP" altLang="en-US" smtClean="0"/>
               <a:pPr/>
-              <a:t>22</a:t>
+              <a:t>24</a:t>
             </a:fld>
             <a:endParaRPr kumimoji="1" lang="ja-JP" altLang="en-US"/>
           </a:p>
@@ -10342,366 +11131,6 @@
     <p:extLst>
       <p:ext uri="{BB962C8B-B14F-4D97-AF65-F5344CB8AC3E}">
         <p14:creationId xmlns:p14="http://schemas.microsoft.com/office/powerpoint/2010/main" val="957928999"/>
-      </p:ext>
-    </p:extLst>
-  </p:cSld>
-  <p:clrMapOvr>
-    <a:masterClrMapping/>
-  </p:clrMapOvr>
-</p:sld>
-</file>
-
-<file path=ppt/slides/slide23.xml><?xml version="1.0" encoding="utf-8"?>
-<p:sld xmlns:a="http://schemas.openxmlformats.org/drawingml/2006/main" xmlns:r="http://schemas.openxmlformats.org/officeDocument/2006/relationships" xmlns:p="http://schemas.openxmlformats.org/presentationml/2006/main">
-  <p:cSld>
-    <p:spTree>
-      <p:nvGrpSpPr>
-        <p:cNvPr id="1" name=""/>
-        <p:cNvGrpSpPr/>
-        <p:nvPr/>
-      </p:nvGrpSpPr>
-      <p:grpSpPr>
-        <a:xfrm>
-          <a:off x="0" y="0"/>
-          <a:ext cx="0" cy="0"/>
-          <a:chOff x="0" y="0"/>
-          <a:chExt cx="0" cy="0"/>
-        </a:xfrm>
-      </p:grpSpPr>
-      <p:sp>
-        <p:nvSpPr>
-          <p:cNvPr id="2" name="タイトル 1">
-            <a:extLst>
-              <a:ext uri="{FF2B5EF4-FFF2-40B4-BE49-F238E27FC236}">
-                <a16:creationId xmlns:a16="http://schemas.microsoft.com/office/drawing/2014/main" id="{5E05EC68-FDCA-4622-B175-AAA7972D3458}"/>
-              </a:ext>
-            </a:extLst>
-          </p:cNvPr>
-          <p:cNvSpPr>
-            <a:spLocks noGrp="1"/>
-          </p:cNvSpPr>
-          <p:nvPr>
-            <p:ph type="title"/>
-          </p:nvPr>
-        </p:nvSpPr>
-        <p:spPr/>
-        <p:txBody>
-          <a:bodyPr/>
-          <a:lstStyle/>
-          <a:p>
-            <a:r>
-              <a:rPr kumimoji="1" lang="ja-JP" altLang="en-US" dirty="0"/>
-              <a:t>実験結果（</a:t>
-            </a:r>
-            <a:r>
-              <a:rPr lang="en-US" altLang="ja-JP" dirty="0"/>
-              <a:t>1</a:t>
-            </a:r>
-            <a:r>
-              <a:rPr kumimoji="1" lang="ja-JP" altLang="en-US" dirty="0"/>
-              <a:t>）</a:t>
-            </a:r>
-          </a:p>
-        </p:txBody>
-      </p:sp>
-      <p:sp>
-        <p:nvSpPr>
-          <p:cNvPr id="3" name="コンテンツ プレースホルダー 2">
-            <a:extLst>
-              <a:ext uri="{FF2B5EF4-FFF2-40B4-BE49-F238E27FC236}">
-                <a16:creationId xmlns:a16="http://schemas.microsoft.com/office/drawing/2014/main" id="{F0399936-406A-49F1-8F63-A33BC9021651}"/>
-              </a:ext>
-            </a:extLst>
-          </p:cNvPr>
-          <p:cNvSpPr>
-            <a:spLocks noGrp="1"/>
-          </p:cNvSpPr>
-          <p:nvPr>
-            <p:ph idx="1"/>
-          </p:nvPr>
-        </p:nvSpPr>
-        <p:spPr>
-          <a:xfrm>
-            <a:off x="822960" y="1845734"/>
-            <a:ext cx="7543800" cy="4023360"/>
-          </a:xfrm>
-        </p:spPr>
-        <p:txBody>
-          <a:bodyPr/>
-          <a:lstStyle/>
-          <a:p>
-            <a:pPr>
-              <a:buFont typeface="Wingdings" panose="05000000000000000000" pitchFamily="2" charset="2"/>
-              <a:buChar char="l"/>
-            </a:pPr>
-            <a:r>
-              <a:rPr kumimoji="1" lang="ja-JP" altLang="en-US" dirty="0"/>
-              <a:t>ウォームスタンバイにおける復旧時間の比較</a:t>
-            </a:r>
-            <a:endParaRPr kumimoji="1" lang="en-US" altLang="ja-JP" dirty="0"/>
-          </a:p>
-          <a:p>
-            <a:pPr lvl="1">
-              <a:buFont typeface="Wingdings" panose="05000000000000000000" pitchFamily="2" charset="2"/>
-              <a:buChar char="l"/>
-            </a:pPr>
-            <a:r>
-              <a:rPr lang="ja-JP" altLang="en-US" dirty="0"/>
-              <a:t>同等の時間でサービスの切り替えが可能</a:t>
-            </a:r>
-            <a:endParaRPr kumimoji="1" lang="ja-JP" altLang="en-US" dirty="0"/>
-          </a:p>
-        </p:txBody>
-      </p:sp>
-      <p:pic>
-        <p:nvPicPr>
-          <p:cNvPr id="4" name="図 3">
-            <a:extLst>
-              <a:ext uri="{FF2B5EF4-FFF2-40B4-BE49-F238E27FC236}">
-                <a16:creationId xmlns:a16="http://schemas.microsoft.com/office/drawing/2014/main" id="{21362A7B-A516-48E8-AF79-73C77A155929}"/>
-              </a:ext>
-            </a:extLst>
-          </p:cNvPr>
-          <p:cNvPicPr>
-            <a:picLocks noChangeAspect="1"/>
-          </p:cNvPicPr>
-          <p:nvPr/>
-        </p:nvPicPr>
-        <p:blipFill rotWithShape="1">
-          <a:blip r:embed="rId2">
-            <a:extLst>
-              <a:ext uri="{28A0092B-C50C-407E-A947-70E740481C1C}">
-                <a14:useLocalDpi xmlns:a14="http://schemas.microsoft.com/office/drawing/2010/main" val="0"/>
-              </a:ext>
-            </a:extLst>
-          </a:blip>
-          <a:srcRect b="3755"/>
-          <a:stretch/>
-        </p:blipFill>
-        <p:spPr>
-          <a:xfrm>
-            <a:off x="1892112" y="2852722"/>
-            <a:ext cx="5405496" cy="3395678"/>
-          </a:xfrm>
-          <a:prstGeom prst="rect">
-            <a:avLst/>
-          </a:prstGeom>
-        </p:spPr>
-      </p:pic>
-      <p:sp>
-        <p:nvSpPr>
-          <p:cNvPr id="5" name="スライド番号プレースホルダー 4">
-            <a:extLst>
-              <a:ext uri="{FF2B5EF4-FFF2-40B4-BE49-F238E27FC236}">
-                <a16:creationId xmlns:a16="http://schemas.microsoft.com/office/drawing/2014/main" id="{8932A9FA-4CBB-49CE-A840-61FD40086063}"/>
-              </a:ext>
-            </a:extLst>
-          </p:cNvPr>
-          <p:cNvSpPr>
-            <a:spLocks noGrp="1"/>
-          </p:cNvSpPr>
-          <p:nvPr>
-            <p:ph type="sldNum" sz="quarter" idx="12"/>
-          </p:nvPr>
-        </p:nvSpPr>
-        <p:spPr/>
-        <p:txBody>
-          <a:bodyPr/>
-          <a:lstStyle/>
-          <a:p>
-            <a:fld id="{7AB22DEB-E1FF-4BEE-A182-437B9452AE5B}" type="slidenum">
-              <a:rPr kumimoji="1" lang="ja-JP" altLang="en-US" smtClean="0"/>
-              <a:pPr/>
-              <a:t>23</a:t>
-            </a:fld>
-            <a:endParaRPr kumimoji="1" lang="ja-JP" altLang="en-US"/>
-          </a:p>
-        </p:txBody>
-      </p:sp>
-    </p:spTree>
-    <p:extLst>
-      <p:ext uri="{BB962C8B-B14F-4D97-AF65-F5344CB8AC3E}">
-        <p14:creationId xmlns:p14="http://schemas.microsoft.com/office/powerpoint/2010/main" val="1227120619"/>
-      </p:ext>
-    </p:extLst>
-  </p:cSld>
-  <p:clrMapOvr>
-    <a:masterClrMapping/>
-  </p:clrMapOvr>
-</p:sld>
-</file>
-
-<file path=ppt/slides/slide24.xml><?xml version="1.0" encoding="utf-8"?>
-<p:sld xmlns:a="http://schemas.openxmlformats.org/drawingml/2006/main" xmlns:r="http://schemas.openxmlformats.org/officeDocument/2006/relationships" xmlns:p="http://schemas.openxmlformats.org/presentationml/2006/main">
-  <p:cSld>
-    <p:spTree>
-      <p:nvGrpSpPr>
-        <p:cNvPr id="1" name=""/>
-        <p:cNvGrpSpPr/>
-        <p:nvPr/>
-      </p:nvGrpSpPr>
-      <p:grpSpPr>
-        <a:xfrm>
-          <a:off x="0" y="0"/>
-          <a:ext cx="0" cy="0"/>
-          <a:chOff x="0" y="0"/>
-          <a:chExt cx="0" cy="0"/>
-        </a:xfrm>
-      </p:grpSpPr>
-      <p:pic>
-        <p:nvPicPr>
-          <p:cNvPr id="7" name="図 6">
-            <a:extLst>
-              <a:ext uri="{FF2B5EF4-FFF2-40B4-BE49-F238E27FC236}">
-                <a16:creationId xmlns:a16="http://schemas.microsoft.com/office/drawing/2014/main" id="{E3E54BC9-3958-44DF-BB8C-2593559491DD}"/>
-              </a:ext>
-            </a:extLst>
-          </p:cNvPr>
-          <p:cNvPicPr>
-            <a:picLocks noChangeAspect="1"/>
-          </p:cNvPicPr>
-          <p:nvPr/>
-        </p:nvPicPr>
-        <p:blipFill>
-          <a:blip r:embed="rId2">
-            <a:extLst>
-              <a:ext uri="{28A0092B-C50C-407E-A947-70E740481C1C}">
-                <a14:useLocalDpi xmlns:a14="http://schemas.microsoft.com/office/drawing/2010/main" val="0"/>
-              </a:ext>
-            </a:extLst>
-          </a:blip>
-          <a:stretch>
-            <a:fillRect/>
-          </a:stretch>
-        </p:blipFill>
-        <p:spPr>
-          <a:xfrm>
-            <a:off x="1540387" y="2501900"/>
-            <a:ext cx="6063225" cy="3769530"/>
-          </a:xfrm>
-          <a:prstGeom prst="rect">
-            <a:avLst/>
-          </a:prstGeom>
-        </p:spPr>
-      </p:pic>
-      <p:sp>
-        <p:nvSpPr>
-          <p:cNvPr id="2" name="タイトル 1">
-            <a:extLst>
-              <a:ext uri="{FF2B5EF4-FFF2-40B4-BE49-F238E27FC236}">
-                <a16:creationId xmlns:a16="http://schemas.microsoft.com/office/drawing/2014/main" id="{5E05EC68-FDCA-4622-B175-AAA7972D3458}"/>
-              </a:ext>
-            </a:extLst>
-          </p:cNvPr>
-          <p:cNvSpPr>
-            <a:spLocks noGrp="1"/>
-          </p:cNvSpPr>
-          <p:nvPr>
-            <p:ph type="title"/>
-          </p:nvPr>
-        </p:nvSpPr>
-        <p:spPr/>
-        <p:txBody>
-          <a:bodyPr/>
-          <a:lstStyle/>
-          <a:p>
-            <a:r>
-              <a:rPr kumimoji="1" lang="ja-JP" altLang="en-US" dirty="0"/>
-              <a:t>実験結果（</a:t>
-            </a:r>
-            <a:r>
-              <a:rPr kumimoji="1" lang="en-US" altLang="ja-JP" dirty="0"/>
-              <a:t>2</a:t>
-            </a:r>
-            <a:r>
-              <a:rPr kumimoji="1" lang="ja-JP" altLang="en-US" dirty="0"/>
-              <a:t>）</a:t>
-            </a:r>
-          </a:p>
-        </p:txBody>
-      </p:sp>
-      <p:sp>
-        <p:nvSpPr>
-          <p:cNvPr id="3" name="コンテンツ プレースホルダー 2">
-            <a:extLst>
-              <a:ext uri="{FF2B5EF4-FFF2-40B4-BE49-F238E27FC236}">
-                <a16:creationId xmlns:a16="http://schemas.microsoft.com/office/drawing/2014/main" id="{F0399936-406A-49F1-8F63-A33BC9021651}"/>
-              </a:ext>
-            </a:extLst>
-          </p:cNvPr>
-          <p:cNvSpPr>
-            <a:spLocks noGrp="1"/>
-          </p:cNvSpPr>
-          <p:nvPr>
-            <p:ph idx="1"/>
-          </p:nvPr>
-        </p:nvSpPr>
-        <p:spPr/>
-        <p:txBody>
-          <a:bodyPr/>
-          <a:lstStyle/>
-          <a:p>
-            <a:pPr>
-              <a:buFont typeface="Wingdings" panose="05000000000000000000" pitchFamily="2" charset="2"/>
-              <a:buChar char="l"/>
-            </a:pPr>
-            <a:r>
-              <a:rPr kumimoji="1" lang="ja-JP" altLang="en-US" dirty="0"/>
-              <a:t>ウォームスタンバイにおけるコスト試算の比較</a:t>
-            </a:r>
-            <a:endParaRPr kumimoji="1" lang="en-US" altLang="ja-JP" dirty="0"/>
-          </a:p>
-          <a:p>
-            <a:pPr lvl="1">
-              <a:buFont typeface="Wingdings" panose="05000000000000000000" pitchFamily="2" charset="2"/>
-              <a:buChar char="l"/>
-            </a:pPr>
-            <a:r>
-              <a:rPr lang="en-US" altLang="ja-JP" dirty="0" err="1"/>
-              <a:t>VCRecovery</a:t>
-            </a:r>
-            <a:r>
-              <a:rPr lang="ja-JP" altLang="en-US" dirty="0"/>
-              <a:t>を利用することで障害対策コストの削減が可能</a:t>
-            </a:r>
-            <a:endParaRPr kumimoji="1" lang="ja-JP" altLang="en-US" dirty="0"/>
-          </a:p>
-        </p:txBody>
-      </p:sp>
-      <p:sp>
-        <p:nvSpPr>
-          <p:cNvPr id="4" name="スライド番号プレースホルダー 3">
-            <a:extLst>
-              <a:ext uri="{FF2B5EF4-FFF2-40B4-BE49-F238E27FC236}">
-                <a16:creationId xmlns:a16="http://schemas.microsoft.com/office/drawing/2014/main" id="{F8450906-1B94-4086-B73E-1A6FBDDE42A8}"/>
-              </a:ext>
-            </a:extLst>
-          </p:cNvPr>
-          <p:cNvSpPr>
-            <a:spLocks noGrp="1"/>
-          </p:cNvSpPr>
-          <p:nvPr>
-            <p:ph type="sldNum" sz="quarter" idx="12"/>
-          </p:nvPr>
-        </p:nvSpPr>
-        <p:spPr/>
-        <p:txBody>
-          <a:bodyPr/>
-          <a:lstStyle/>
-          <a:p>
-            <a:fld id="{7AB22DEB-E1FF-4BEE-A182-437B9452AE5B}" type="slidenum">
-              <a:rPr kumimoji="1" lang="ja-JP" altLang="en-US" smtClean="0"/>
-              <a:pPr/>
-              <a:t>24</a:t>
-            </a:fld>
-            <a:endParaRPr kumimoji="1" lang="ja-JP" altLang="en-US"/>
-          </a:p>
-        </p:txBody>
-      </p:sp>
-    </p:spTree>
-    <p:extLst>
-      <p:ext uri="{BB962C8B-B14F-4D97-AF65-F5344CB8AC3E}">
-        <p14:creationId xmlns:p14="http://schemas.microsoft.com/office/powerpoint/2010/main" val="2136184816"/>
       </p:ext>
     </p:extLst>
   </p:cSld>
@@ -10754,8 +11183,8 @@
               <a:t>実験結果（</a:t>
             </a:r>
             <a:r>
-              <a:rPr kumimoji="1" lang="en-US" altLang="ja-JP" dirty="0"/>
-              <a:t>3</a:t>
+              <a:rPr lang="en-US" altLang="ja-JP" dirty="0"/>
+              <a:t>1</a:t>
             </a:r>
             <a:r>
               <a:rPr kumimoji="1" lang="ja-JP" altLang="en-US" dirty="0"/>
@@ -10795,12 +11224,8 @@
               <a:buChar char="l"/>
             </a:pPr>
             <a:r>
-              <a:rPr lang="ja-JP" altLang="en-US" dirty="0"/>
-              <a:t>コールドスタンバイ</a:t>
-            </a:r>
-            <a:r>
               <a:rPr kumimoji="1" lang="ja-JP" altLang="en-US" dirty="0"/>
-              <a:t>における復旧時間の比較</a:t>
+              <a:t>ウォームスタンバイにおける復旧時間の比較</a:t>
             </a:r>
             <a:endParaRPr kumimoji="1" lang="en-US" altLang="ja-JP" dirty="0"/>
           </a:p>
@@ -10811,7 +11236,7 @@
             </a:pPr>
             <a:r>
               <a:rPr lang="ja-JP" altLang="en-US" dirty="0"/>
-              <a:t>従来システムの半分程度の時間でサービスの切り替えが可能</a:t>
+              <a:t>同等の時間でサービスの切り替えが可能</a:t>
             </a:r>
             <a:endParaRPr kumimoji="1" lang="ja-JP" altLang="en-US" dirty="0"/>
           </a:p>
@@ -10819,10 +11244,10 @@
       </p:sp>
       <p:pic>
         <p:nvPicPr>
-          <p:cNvPr id="6" name="図 5">
+          <p:cNvPr id="4" name="図 3">
             <a:extLst>
               <a:ext uri="{FF2B5EF4-FFF2-40B4-BE49-F238E27FC236}">
-                <a16:creationId xmlns:a16="http://schemas.microsoft.com/office/drawing/2014/main" id="{2624D9E0-6009-4678-B689-C648492A6D50}"/>
+                <a16:creationId xmlns:a16="http://schemas.microsoft.com/office/drawing/2014/main" id="{21362A7B-A516-48E8-AF79-73C77A155929}"/>
               </a:ext>
             </a:extLst>
           </p:cNvPr>
@@ -10831,7 +11256,7 @@
           </p:cNvPicPr>
           <p:nvPr/>
         </p:nvPicPr>
-        <p:blipFill>
+        <p:blipFill rotWithShape="1">
           <a:blip r:embed="rId2">
             <a:extLst>
               <a:ext uri="{28A0092B-C50C-407E-A947-70E740481C1C}">
@@ -10839,14 +11264,13 @@
               </a:ext>
             </a:extLst>
           </a:blip>
-          <a:stretch>
-            <a:fillRect/>
-          </a:stretch>
+          <a:srcRect b="3755"/>
+          <a:stretch/>
         </p:blipFill>
         <p:spPr>
           <a:xfrm>
-            <a:off x="1714650" y="2655306"/>
-            <a:ext cx="5714700" cy="3651742"/>
+            <a:off x="1892112" y="2852722"/>
+            <a:ext cx="5405496" cy="3395678"/>
           </a:xfrm>
           <a:prstGeom prst="rect">
             <a:avLst/>
@@ -10855,10 +11279,10 @@
       </p:pic>
       <p:sp>
         <p:nvSpPr>
-          <p:cNvPr id="4" name="スライド番号プレースホルダー 3">
+          <p:cNvPr id="5" name="スライド番号プレースホルダー 4">
             <a:extLst>
               <a:ext uri="{FF2B5EF4-FFF2-40B4-BE49-F238E27FC236}">
-                <a16:creationId xmlns:a16="http://schemas.microsoft.com/office/drawing/2014/main" id="{55B24F84-8822-466B-BCA9-1D35D08A2902}"/>
+                <a16:creationId xmlns:a16="http://schemas.microsoft.com/office/drawing/2014/main" id="{8932A9FA-4CBB-49CE-A840-61FD40086063}"/>
               </a:ext>
             </a:extLst>
           </p:cNvPr>
@@ -10886,7 +11310,7 @@
     </p:spTree>
     <p:extLst>
       <p:ext uri="{BB962C8B-B14F-4D97-AF65-F5344CB8AC3E}">
-        <p14:creationId xmlns:p14="http://schemas.microsoft.com/office/powerpoint/2010/main" val="193885068"/>
+        <p14:creationId xmlns:p14="http://schemas.microsoft.com/office/powerpoint/2010/main" val="1227120619"/>
       </p:ext>
     </p:extLst>
   </p:cSld>
@@ -10915,10 +11339,10 @@
       </p:grpSpPr>
       <p:pic>
         <p:nvPicPr>
-          <p:cNvPr id="5" name="図 4">
+          <p:cNvPr id="7" name="図 6">
             <a:extLst>
               <a:ext uri="{FF2B5EF4-FFF2-40B4-BE49-F238E27FC236}">
-                <a16:creationId xmlns:a16="http://schemas.microsoft.com/office/drawing/2014/main" id="{705EBAD3-0F80-4539-999A-8FDE81F3638E}"/>
+                <a16:creationId xmlns:a16="http://schemas.microsoft.com/office/drawing/2014/main" id="{E3E54BC9-3958-44DF-BB8C-2593559491DD}"/>
               </a:ext>
             </a:extLst>
           </p:cNvPr>
@@ -10941,8 +11365,8 @@
         </p:blipFill>
         <p:spPr>
           <a:xfrm>
-            <a:off x="1953948" y="2839396"/>
-            <a:ext cx="5236104" cy="3460773"/>
+            <a:off x="1540387" y="2501900"/>
+            <a:ext cx="6063225" cy="3769530"/>
           </a:xfrm>
           <a:prstGeom prst="rect">
             <a:avLst/>
@@ -10975,8 +11399,8 @@
               <a:t>実験結果（</a:t>
             </a:r>
             <a:r>
-              <a:rPr lang="en-US" altLang="ja-JP" dirty="0"/>
-              <a:t>4</a:t>
+              <a:rPr kumimoji="1" lang="en-US" altLang="ja-JP" dirty="0"/>
+              <a:t>2</a:t>
             </a:r>
             <a:r>
               <a:rPr kumimoji="1" lang="ja-JP" altLang="en-US" dirty="0"/>
@@ -11001,12 +11425,7 @@
             <p:ph idx="1"/>
           </p:nvPr>
         </p:nvSpPr>
-        <p:spPr>
-          <a:xfrm>
-            <a:off x="822960" y="1859589"/>
-            <a:ext cx="7543800" cy="4023360"/>
-          </a:xfrm>
-        </p:spPr>
+        <p:spPr/>
         <p:txBody>
           <a:bodyPr/>
           <a:lstStyle/>
@@ -11016,12 +11435,8 @@
               <a:buChar char="l"/>
             </a:pPr>
             <a:r>
-              <a:rPr lang="ja-JP" altLang="en-US" dirty="0"/>
-              <a:t>コールド</a:t>
-            </a:r>
-            <a:r>
               <a:rPr kumimoji="1" lang="ja-JP" altLang="en-US" dirty="0"/>
-              <a:t>スタンバイにおけるコスト</a:t>
+              <a:t>ウォームスタンバイにおけるコスト試算の比較</a:t>
             </a:r>
             <a:endParaRPr kumimoji="1" lang="en-US" altLang="ja-JP" dirty="0"/>
           </a:p>
@@ -11031,33 +11446,14 @@
               <a:buChar char="l"/>
             </a:pPr>
             <a:r>
-              <a:rPr kumimoji="1" lang="en-US" altLang="ja-JP" dirty="0" err="1"/>
+              <a:rPr lang="en-US" altLang="ja-JP" dirty="0" err="1"/>
               <a:t>VCRecovery</a:t>
             </a:r>
             <a:r>
-              <a:rPr kumimoji="1" lang="ja-JP" altLang="en-US" dirty="0"/>
-              <a:t>は</a:t>
-            </a:r>
-            <a:r>
-              <a:rPr kumimoji="1" lang="en-US" altLang="ja-JP" dirty="0"/>
-              <a:t>VM1</a:t>
-            </a:r>
-            <a:r>
-              <a:rPr kumimoji="1" lang="ja-JP" altLang="en-US" dirty="0"/>
-              <a:t>台分のコストが必要</a:t>
-            </a:r>
-            <a:endParaRPr kumimoji="1" lang="en-US" altLang="ja-JP" dirty="0"/>
-          </a:p>
-          <a:p>
-            <a:pPr lvl="1">
-              <a:buFont typeface="Wingdings" panose="05000000000000000000" pitchFamily="2" charset="2"/>
-              <a:buChar char="l"/>
-            </a:pPr>
-            <a:r>
-              <a:rPr kumimoji="1" lang="ja-JP" altLang="en-US" dirty="0"/>
-              <a:t>待機系の共有ユーザを増やすことでコストを抑えることが可能</a:t>
-            </a:r>
-            <a:endParaRPr kumimoji="1" lang="en-US" altLang="ja-JP" dirty="0"/>
+              <a:rPr lang="ja-JP" altLang="en-US" dirty="0"/>
+              <a:t>を利用することで障害対策コストの削減が可能</a:t>
+            </a:r>
+            <a:endParaRPr kumimoji="1" lang="ja-JP" altLang="en-US" dirty="0"/>
           </a:p>
         </p:txBody>
       </p:sp>
@@ -11066,7 +11462,7 @@
           <p:cNvPr id="4" name="スライド番号プレースホルダー 3">
             <a:extLst>
               <a:ext uri="{FF2B5EF4-FFF2-40B4-BE49-F238E27FC236}">
-                <a16:creationId xmlns:a16="http://schemas.microsoft.com/office/drawing/2014/main" id="{98FBEEDC-FAF2-4F1B-AEF3-F58206D5F2E3}"/>
+                <a16:creationId xmlns:a16="http://schemas.microsoft.com/office/drawing/2014/main" id="{F8450906-1B94-4086-B73E-1A6FBDDE42A8}"/>
               </a:ext>
             </a:extLst>
           </p:cNvPr>
@@ -11094,7 +11490,7 @@
     </p:spTree>
     <p:extLst>
       <p:ext uri="{BB962C8B-B14F-4D97-AF65-F5344CB8AC3E}">
-        <p14:creationId xmlns:p14="http://schemas.microsoft.com/office/powerpoint/2010/main" val="36441602"/>
+        <p14:creationId xmlns:p14="http://schemas.microsoft.com/office/powerpoint/2010/main" val="2136184816"/>
       </p:ext>
     </p:extLst>
   </p:cSld>
@@ -11126,7 +11522,7 @@
           <p:cNvPr id="2" name="タイトル 1">
             <a:extLst>
               <a:ext uri="{FF2B5EF4-FFF2-40B4-BE49-F238E27FC236}">
-                <a16:creationId xmlns:a16="http://schemas.microsoft.com/office/drawing/2014/main" id="{DA2AD9AE-C2BD-4526-A254-E64B481F90F9}"/>
+                <a16:creationId xmlns:a16="http://schemas.microsoft.com/office/drawing/2014/main" id="{5E05EC68-FDCA-4622-B175-AAA7972D3458}"/>
               </a:ext>
             </a:extLst>
           </p:cNvPr>
@@ -11143,18 +11539,17 @@
           <a:lstStyle/>
           <a:p>
             <a:r>
-              <a:rPr lang="ja-JP" altLang="en-US" dirty="0"/>
-              <a:t>コンテナ性能評価（</a:t>
-            </a:r>
-            <a:r>
-              <a:rPr lang="en-US" altLang="ja-JP" dirty="0"/>
-              <a:t>1</a:t>
-            </a:r>
-            <a:r>
-              <a:rPr lang="ja-JP" altLang="en-US" dirty="0"/>
+              <a:rPr kumimoji="1" lang="ja-JP" altLang="en-US" dirty="0"/>
+              <a:t>実験結果（</a:t>
+            </a:r>
+            <a:r>
+              <a:rPr kumimoji="1" lang="en-US" altLang="ja-JP" dirty="0"/>
+              <a:t>3</a:t>
+            </a:r>
+            <a:r>
+              <a:rPr kumimoji="1" lang="ja-JP" altLang="en-US" dirty="0"/>
               <a:t>）</a:t>
             </a:r>
-            <a:endParaRPr kumimoji="1" lang="ja-JP" altLang="en-US" dirty="0"/>
           </a:p>
         </p:txBody>
       </p:sp>
@@ -11163,7 +11558,7 @@
           <p:cNvPr id="3" name="コンテンツ プレースホルダー 2">
             <a:extLst>
               <a:ext uri="{FF2B5EF4-FFF2-40B4-BE49-F238E27FC236}">
-                <a16:creationId xmlns:a16="http://schemas.microsoft.com/office/drawing/2014/main" id="{0AA9BC43-B8E7-4AA7-8788-99183C8EDE4D}"/>
+                <a16:creationId xmlns:a16="http://schemas.microsoft.com/office/drawing/2014/main" id="{F0399936-406A-49F1-8F63-A33BC9021651}"/>
               </a:ext>
             </a:extLst>
           </p:cNvPr>
@@ -11174,53 +11569,27 @@
             <p:ph idx="1"/>
           </p:nvPr>
         </p:nvSpPr>
-        <p:spPr/>
+        <p:spPr>
+          <a:xfrm>
+            <a:off x="822960" y="1845734"/>
+            <a:ext cx="7543800" cy="4023360"/>
+          </a:xfrm>
+        </p:spPr>
         <p:txBody>
           <a:bodyPr/>
           <a:lstStyle/>
-          <a:p>
-            <a:r>
-              <a:rPr kumimoji="1" lang="ja-JP" altLang="en-US" dirty="0"/>
-              <a:t>ベンチマークで</a:t>
-            </a:r>
-            <a:r>
-              <a:rPr kumimoji="1" lang="en-US" altLang="ja-JP" dirty="0"/>
-              <a:t>VM</a:t>
-            </a:r>
-            <a:r>
-              <a:rPr kumimoji="1" lang="ja-JP" altLang="en-US" dirty="0"/>
-              <a:t>と</a:t>
-            </a:r>
-            <a:r>
-              <a:rPr kumimoji="1" lang="en-US" altLang="ja-JP" dirty="0"/>
-              <a:t>VM</a:t>
-            </a:r>
-            <a:r>
-              <a:rPr kumimoji="1" lang="ja-JP" altLang="en-US" dirty="0"/>
-              <a:t>内コンテナの</a:t>
-            </a:r>
-            <a:r>
-              <a:rPr lang="ja-JP" altLang="en-US" dirty="0"/>
-              <a:t>各種</a:t>
-            </a:r>
-            <a:r>
-              <a:rPr kumimoji="1" lang="ja-JP" altLang="en-US" dirty="0"/>
-              <a:t>性能を</a:t>
-            </a:r>
-            <a:r>
-              <a:rPr lang="ja-JP" altLang="en-US" dirty="0"/>
-              <a:t>測定</a:t>
-            </a:r>
-            <a:endParaRPr lang="en-US" altLang="ja-JP" dirty="0"/>
-          </a:p>
           <a:p>
             <a:pPr>
               <a:buFont typeface="Wingdings" panose="05000000000000000000" pitchFamily="2" charset="2"/>
               <a:buChar char="l"/>
             </a:pPr>
             <a:r>
+              <a:rPr lang="ja-JP" altLang="en-US" dirty="0"/>
+              <a:t>コールドスタンバイ</a:t>
+            </a:r>
+            <a:r>
               <a:rPr kumimoji="1" lang="ja-JP" altLang="en-US" dirty="0"/>
-              <a:t>測定対象</a:t>
+              <a:t>における復旧時間の比較</a:t>
             </a:r>
             <a:endParaRPr kumimoji="1" lang="en-US" altLang="ja-JP" dirty="0"/>
           </a:p>
@@ -11230,71 +11599,55 @@
               <a:buChar char="l"/>
             </a:pPr>
             <a:r>
-              <a:rPr lang="en-US" altLang="ja-JP" dirty="0"/>
-              <a:t>VM</a:t>
-            </a:r>
-          </a:p>
-          <a:p>
-            <a:pPr lvl="1">
-              <a:buFont typeface="Wingdings" panose="05000000000000000000" pitchFamily="2" charset="2"/>
-              <a:buChar char="l"/>
-            </a:pPr>
-            <a:r>
-              <a:rPr kumimoji="1" lang="en-US" altLang="ja-JP" dirty="0"/>
-              <a:t>LXD</a:t>
-            </a:r>
-            <a:r>
               <a:rPr lang="ja-JP" altLang="en-US" dirty="0"/>
-              <a:t>　ストレージバックエンド</a:t>
-            </a:r>
-            <a:r>
-              <a:rPr lang="en-US" altLang="ja-JP" dirty="0"/>
-              <a:t>:</a:t>
-            </a:r>
-            <a:r>
-              <a:rPr lang="ja-JP" altLang="en-US" dirty="0"/>
-              <a:t>ディレクトリ</a:t>
-            </a:r>
-            <a:r>
-              <a:rPr lang="en-US" altLang="ja-JP" dirty="0"/>
-              <a:t>(</a:t>
-            </a:r>
-            <a:r>
-              <a:rPr lang="en-US" altLang="ja-JP" dirty="0" err="1"/>
-              <a:t>dir</a:t>
-            </a:r>
-            <a:r>
-              <a:rPr lang="en-US" altLang="ja-JP" dirty="0"/>
-              <a:t>)</a:t>
-            </a:r>
-          </a:p>
-          <a:p>
-            <a:pPr lvl="1">
-              <a:buFont typeface="Wingdings" panose="05000000000000000000" pitchFamily="2" charset="2"/>
-              <a:buChar char="l"/>
-            </a:pPr>
-            <a:r>
-              <a:rPr kumimoji="1" lang="en-US" altLang="ja-JP" dirty="0"/>
-              <a:t>LXD</a:t>
-            </a:r>
-            <a:r>
-              <a:rPr lang="ja-JP" altLang="en-US" dirty="0"/>
-              <a:t>　ストレージバックエンド</a:t>
-            </a:r>
-            <a:r>
-              <a:rPr lang="en-US" altLang="ja-JP" dirty="0"/>
-              <a:t>: ZFS</a:t>
+              <a:t>従来システムの半分程度の時間でサービスの切り替えが可能</a:t>
             </a:r>
             <a:endParaRPr kumimoji="1" lang="ja-JP" altLang="en-US" dirty="0"/>
           </a:p>
         </p:txBody>
       </p:sp>
+      <p:pic>
+        <p:nvPicPr>
+          <p:cNvPr id="6" name="図 5">
+            <a:extLst>
+              <a:ext uri="{FF2B5EF4-FFF2-40B4-BE49-F238E27FC236}">
+                <a16:creationId xmlns:a16="http://schemas.microsoft.com/office/drawing/2014/main" id="{2624D9E0-6009-4678-B689-C648492A6D50}"/>
+              </a:ext>
+            </a:extLst>
+          </p:cNvPr>
+          <p:cNvPicPr>
+            <a:picLocks noChangeAspect="1"/>
+          </p:cNvPicPr>
+          <p:nvPr/>
+        </p:nvPicPr>
+        <p:blipFill>
+          <a:blip r:embed="rId2">
+            <a:extLst>
+              <a:ext uri="{28A0092B-C50C-407E-A947-70E740481C1C}">
+                <a14:useLocalDpi xmlns:a14="http://schemas.microsoft.com/office/drawing/2010/main" val="0"/>
+              </a:ext>
+            </a:extLst>
+          </a:blip>
+          <a:stretch>
+            <a:fillRect/>
+          </a:stretch>
+        </p:blipFill>
+        <p:spPr>
+          <a:xfrm>
+            <a:off x="1714650" y="2655306"/>
+            <a:ext cx="5714700" cy="3651742"/>
+          </a:xfrm>
+          <a:prstGeom prst="rect">
+            <a:avLst/>
+          </a:prstGeom>
+        </p:spPr>
+      </p:pic>
       <p:sp>
         <p:nvSpPr>
           <p:cNvPr id="4" name="スライド番号プレースホルダー 3">
             <a:extLst>
               <a:ext uri="{FF2B5EF4-FFF2-40B4-BE49-F238E27FC236}">
-                <a16:creationId xmlns:a16="http://schemas.microsoft.com/office/drawing/2014/main" id="{4F2DD09B-6DDF-431D-A68F-A0A5EAF64074}"/>
+                <a16:creationId xmlns:a16="http://schemas.microsoft.com/office/drawing/2014/main" id="{55B24F84-8822-466B-BCA9-1D35D08A2902}"/>
               </a:ext>
             </a:extLst>
           </p:cNvPr>
@@ -11322,7 +11675,7 @@
     </p:spTree>
     <p:extLst>
       <p:ext uri="{BB962C8B-B14F-4D97-AF65-F5344CB8AC3E}">
-        <p14:creationId xmlns:p14="http://schemas.microsoft.com/office/powerpoint/2010/main" val="153343277"/>
+        <p14:creationId xmlns:p14="http://schemas.microsoft.com/office/powerpoint/2010/main" val="193885068"/>
       </p:ext>
     </p:extLst>
   </p:cSld>
@@ -11351,10 +11704,10 @@
       </p:grpSpPr>
       <p:pic>
         <p:nvPicPr>
-          <p:cNvPr id="7" name="コンテンツ プレースホルダー 4">
+          <p:cNvPr id="5" name="図 4">
             <a:extLst>
               <a:ext uri="{FF2B5EF4-FFF2-40B4-BE49-F238E27FC236}">
-                <a16:creationId xmlns:a16="http://schemas.microsoft.com/office/drawing/2014/main" id="{3DD1F033-D79A-4E4F-B9F3-67D8CB8FC756}"/>
+                <a16:creationId xmlns:a16="http://schemas.microsoft.com/office/drawing/2014/main" id="{705EBAD3-0F80-4539-999A-8FDE81F3638E}"/>
               </a:ext>
             </a:extLst>
           </p:cNvPr>
@@ -11363,7 +11716,7 @@
           </p:cNvPicPr>
           <p:nvPr/>
         </p:nvPicPr>
-        <p:blipFill rotWithShape="1">
+        <p:blipFill>
           <a:blip r:embed="rId2">
             <a:extLst>
               <a:ext uri="{28A0092B-C50C-407E-A947-70E740481C1C}">
@@ -11371,13 +11724,14 @@
               </a:ext>
             </a:extLst>
           </a:blip>
-          <a:srcRect t="5863"/>
-          <a:stretch/>
+          <a:stretch>
+            <a:fillRect/>
+          </a:stretch>
         </p:blipFill>
         <p:spPr>
           <a:xfrm>
-            <a:off x="0" y="3084575"/>
-            <a:ext cx="9144000" cy="3632642"/>
+            <a:off x="1953948" y="2839396"/>
+            <a:ext cx="5236104" cy="3460773"/>
           </a:xfrm>
           <a:prstGeom prst="rect">
             <a:avLst/>
@@ -11389,7 +11743,7 @@
           <p:cNvPr id="2" name="タイトル 1">
             <a:extLst>
               <a:ext uri="{FF2B5EF4-FFF2-40B4-BE49-F238E27FC236}">
-                <a16:creationId xmlns:a16="http://schemas.microsoft.com/office/drawing/2014/main" id="{54264D4C-A8E4-4755-AEFA-2A802262E6CB}"/>
+                <a16:creationId xmlns:a16="http://schemas.microsoft.com/office/drawing/2014/main" id="{5E05EC68-FDCA-4622-B175-AAA7972D3458}"/>
               </a:ext>
             </a:extLst>
           </p:cNvPr>
@@ -11406,27 +11760,26 @@
           <a:lstStyle/>
           <a:p>
             <a:r>
-              <a:rPr lang="ja-JP" altLang="en-US" dirty="0"/>
-              <a:t>コンテナ性能評価（</a:t>
+              <a:rPr kumimoji="1" lang="ja-JP" altLang="en-US" dirty="0"/>
+              <a:t>実験結果（</a:t>
             </a:r>
             <a:r>
               <a:rPr lang="en-US" altLang="ja-JP" dirty="0"/>
-              <a:t>2</a:t>
-            </a:r>
-            <a:r>
-              <a:rPr lang="ja-JP" altLang="en-US" dirty="0"/>
+              <a:t>4</a:t>
+            </a:r>
+            <a:r>
+              <a:rPr kumimoji="1" lang="ja-JP" altLang="en-US" dirty="0"/>
               <a:t>）</a:t>
             </a:r>
-            <a:endParaRPr kumimoji="1" lang="ja-JP" altLang="en-US" dirty="0"/>
-          </a:p>
-        </p:txBody>
-      </p:sp>
-      <p:sp>
-        <p:nvSpPr>
-          <p:cNvPr id="6" name="コンテンツ プレースホルダー 5">
+          </a:p>
+        </p:txBody>
+      </p:sp>
+      <p:sp>
+        <p:nvSpPr>
+          <p:cNvPr id="3" name="コンテンツ プレースホルダー 2">
             <a:extLst>
               <a:ext uri="{FF2B5EF4-FFF2-40B4-BE49-F238E27FC236}">
-                <a16:creationId xmlns:a16="http://schemas.microsoft.com/office/drawing/2014/main" id="{E7C15753-C172-4D65-9A35-0A16CC9311A0}"/>
+                <a16:creationId xmlns:a16="http://schemas.microsoft.com/office/drawing/2014/main" id="{F0399936-406A-49F1-8F63-A33BC9021651}"/>
               </a:ext>
             </a:extLst>
           </p:cNvPr>
@@ -11437,99 +11790,72 @@
             <p:ph idx="1"/>
           </p:nvPr>
         </p:nvSpPr>
-        <p:spPr/>
+        <p:spPr>
+          <a:xfrm>
+            <a:off x="822960" y="1859589"/>
+            <a:ext cx="7543800" cy="4023360"/>
+          </a:xfrm>
+        </p:spPr>
         <p:txBody>
           <a:bodyPr/>
           <a:lstStyle/>
-          <a:p>
-            <a:r>
-              <a:rPr kumimoji="1" lang="en-US" altLang="ja-JP" dirty="0" err="1"/>
-              <a:t>UnixBench</a:t>
-            </a:r>
-            <a:r>
-              <a:rPr lang="ja-JP" altLang="en-US" dirty="0"/>
-              <a:t>による性能評価</a:t>
-            </a:r>
-            <a:endParaRPr lang="en-US" altLang="ja-JP" dirty="0"/>
-          </a:p>
           <a:p>
             <a:pPr>
               <a:buFont typeface="Wingdings" panose="05000000000000000000" pitchFamily="2" charset="2"/>
               <a:buChar char="l"/>
             </a:pPr>
             <a:r>
-              <a:rPr kumimoji="1" lang="en-US" altLang="ja-JP" dirty="0"/>
-              <a:t>LXD</a:t>
+              <a:rPr lang="ja-JP" altLang="en-US" dirty="0"/>
+              <a:t>コールド</a:t>
             </a:r>
             <a:r>
               <a:rPr kumimoji="1" lang="ja-JP" altLang="en-US" dirty="0"/>
-              <a:t>ディレクトリ</a:t>
-            </a:r>
-            <a:r>
-              <a:rPr kumimoji="1" lang="en-US" altLang="ja-JP" dirty="0"/>
-              <a:t>(</a:t>
-            </a:r>
-            <a:r>
-              <a:rPr kumimoji="1" lang="en-US" altLang="ja-JP" dirty="0" err="1"/>
-              <a:t>dir</a:t>
-            </a:r>
-            <a:r>
-              <a:rPr kumimoji="1" lang="en-US" altLang="ja-JP" dirty="0"/>
-              <a:t>)</a:t>
-            </a:r>
-            <a:r>
-              <a:rPr kumimoji="1" lang="ja-JP" altLang="en-US" dirty="0"/>
-              <a:t>の場合，</a:t>
-            </a:r>
-            <a:r>
-              <a:rPr kumimoji="1" lang="en-US" altLang="ja-JP" dirty="0"/>
-              <a:t>6.6</a:t>
-            </a:r>
-            <a:r>
-              <a:rPr lang="en-US" altLang="ja-JP" dirty="0"/>
-              <a:t>%</a:t>
-            </a:r>
-            <a:r>
-              <a:rPr lang="ja-JP" altLang="en-US" dirty="0"/>
-              <a:t>の</a:t>
-            </a:r>
-            <a:r>
-              <a:rPr kumimoji="1" lang="ja-JP" altLang="en-US" dirty="0"/>
-              <a:t>性能低下</a:t>
+              <a:t>スタンバイにおけるコスト</a:t>
             </a:r>
             <a:endParaRPr kumimoji="1" lang="en-US" altLang="ja-JP" dirty="0"/>
           </a:p>
           <a:p>
-            <a:pPr>
+            <a:pPr lvl="1">
               <a:buFont typeface="Wingdings" panose="05000000000000000000" pitchFamily="2" charset="2"/>
               <a:buChar char="l"/>
             </a:pPr>
             <a:r>
-              <a:rPr lang="en-US" altLang="ja-JP" dirty="0"/>
-              <a:t>LXD ZFS</a:t>
-            </a:r>
-            <a:r>
-              <a:rPr lang="ja-JP" altLang="en-US" dirty="0"/>
-              <a:t>の場合，</a:t>
-            </a:r>
-            <a:r>
-              <a:rPr lang="en-US" altLang="ja-JP" dirty="0"/>
-              <a:t>43.1%</a:t>
-            </a:r>
-            <a:r>
-              <a:rPr lang="ja-JP" altLang="en-US" dirty="0"/>
-              <a:t>の性能低下</a:t>
+              <a:rPr kumimoji="1" lang="en-US" altLang="ja-JP" dirty="0" err="1"/>
+              <a:t>VCRecovery</a:t>
+            </a:r>
+            <a:r>
+              <a:rPr kumimoji="1" lang="ja-JP" altLang="en-US" dirty="0"/>
+              <a:t>は</a:t>
+            </a:r>
+            <a:r>
+              <a:rPr kumimoji="1" lang="en-US" altLang="ja-JP" dirty="0"/>
+              <a:t>VM1</a:t>
+            </a:r>
+            <a:r>
+              <a:rPr kumimoji="1" lang="ja-JP" altLang="en-US" dirty="0"/>
+              <a:t>台分のコストが必要</a:t>
             </a:r>
             <a:endParaRPr kumimoji="1" lang="en-US" altLang="ja-JP" dirty="0"/>
           </a:p>
-        </p:txBody>
-      </p:sp>
-      <p:sp>
-        <p:nvSpPr>
-          <p:cNvPr id="3" name="スライド番号プレースホルダー 2">
+          <a:p>
+            <a:pPr lvl="1">
+              <a:buFont typeface="Wingdings" panose="05000000000000000000" pitchFamily="2" charset="2"/>
+              <a:buChar char="l"/>
+            </a:pPr>
+            <a:r>
+              <a:rPr kumimoji="1" lang="ja-JP" altLang="en-US" dirty="0"/>
+              <a:t>待機系の共有ユーザを増やすことでコストを抑えることが可能</a:t>
+            </a:r>
+            <a:endParaRPr kumimoji="1" lang="en-US" altLang="ja-JP" dirty="0"/>
+          </a:p>
+        </p:txBody>
+      </p:sp>
+      <p:sp>
+        <p:nvSpPr>
+          <p:cNvPr id="4" name="スライド番号プレースホルダー 3">
             <a:extLst>
               <a:ext uri="{FF2B5EF4-FFF2-40B4-BE49-F238E27FC236}">
-                <a16:creationId xmlns:a16="http://schemas.microsoft.com/office/drawing/2014/main" id="{87FA5A5D-A563-4ECA-ACA0-83640393025D}"/>
+                <a16:creationId xmlns:a16="http://schemas.microsoft.com/office/drawing/2014/main" id="{98FBEEDC-FAF2-4F1B-AEF3-F58206D5F2E3}"/>
               </a:ext>
             </a:extLst>
           </p:cNvPr>
@@ -11557,7 +11883,7 @@
     </p:spTree>
     <p:extLst>
       <p:ext uri="{BB962C8B-B14F-4D97-AF65-F5344CB8AC3E}">
-        <p14:creationId xmlns:p14="http://schemas.microsoft.com/office/powerpoint/2010/main" val="3681653150"/>
+        <p14:creationId xmlns:p14="http://schemas.microsoft.com/office/powerpoint/2010/main" val="36441602"/>
       </p:ext>
     </p:extLst>
   </p:cSld>
@@ -11568,587 +11894,6 @@
 </file>
 
 <file path=ppt/slides/slide29.xml><?xml version="1.0" encoding="utf-8"?>
-<p:sld xmlns:a="http://schemas.openxmlformats.org/drawingml/2006/main" xmlns:r="http://schemas.openxmlformats.org/officeDocument/2006/relationships" xmlns:p="http://schemas.openxmlformats.org/presentationml/2006/main">
-  <p:cSld>
-    <p:spTree>
-      <p:nvGrpSpPr>
-        <p:cNvPr id="1" name=""/>
-        <p:cNvGrpSpPr/>
-        <p:nvPr/>
-      </p:nvGrpSpPr>
-      <p:grpSpPr>
-        <a:xfrm>
-          <a:off x="0" y="0"/>
-          <a:ext cx="0" cy="0"/>
-          <a:chOff x="0" y="0"/>
-          <a:chExt cx="0" cy="0"/>
-        </a:xfrm>
-      </p:grpSpPr>
-      <p:sp>
-        <p:nvSpPr>
-          <p:cNvPr id="2" name="タイトル 1">
-            <a:extLst>
-              <a:ext uri="{FF2B5EF4-FFF2-40B4-BE49-F238E27FC236}">
-                <a16:creationId xmlns:a16="http://schemas.microsoft.com/office/drawing/2014/main" id="{8F7C95E6-B748-4A83-B05E-862BE65226A7}"/>
-              </a:ext>
-            </a:extLst>
-          </p:cNvPr>
-          <p:cNvSpPr>
-            <a:spLocks noGrp="1"/>
-          </p:cNvSpPr>
-          <p:nvPr>
-            <p:ph type="title"/>
-          </p:nvPr>
-        </p:nvSpPr>
-        <p:spPr/>
-        <p:txBody>
-          <a:bodyPr/>
-          <a:lstStyle/>
-          <a:p>
-            <a:r>
-              <a:rPr lang="ja-JP" altLang="en-US" dirty="0"/>
-              <a:t>コンテナ性能評価（</a:t>
-            </a:r>
-            <a:r>
-              <a:rPr lang="en-US" altLang="ja-JP" dirty="0"/>
-              <a:t>3</a:t>
-            </a:r>
-            <a:r>
-              <a:rPr lang="ja-JP" altLang="en-US" dirty="0"/>
-              <a:t>）</a:t>
-            </a:r>
-            <a:endParaRPr kumimoji="1" lang="ja-JP" altLang="en-US" dirty="0"/>
-          </a:p>
-        </p:txBody>
-      </p:sp>
-      <p:sp>
-        <p:nvSpPr>
-          <p:cNvPr id="3" name="コンテンツ プレースホルダー 2">
-            <a:extLst>
-              <a:ext uri="{FF2B5EF4-FFF2-40B4-BE49-F238E27FC236}">
-                <a16:creationId xmlns:a16="http://schemas.microsoft.com/office/drawing/2014/main" id="{89449CDD-37CA-4159-95CA-F42CE6F93AE9}"/>
-              </a:ext>
-            </a:extLst>
-          </p:cNvPr>
-          <p:cNvSpPr>
-            <a:spLocks noGrp="1"/>
-          </p:cNvSpPr>
-          <p:nvPr>
-            <p:ph idx="1"/>
-          </p:nvPr>
-        </p:nvSpPr>
-        <p:spPr/>
-        <p:txBody>
-          <a:bodyPr/>
-          <a:lstStyle/>
-          <a:p>
-            <a:r>
-              <a:rPr kumimoji="1" lang="en-US" altLang="ja-JP" dirty="0" err="1"/>
-              <a:t>fio</a:t>
-            </a:r>
-            <a:r>
-              <a:rPr kumimoji="1" lang="ja-JP" altLang="en-US" dirty="0"/>
-              <a:t>によるディスクアクセスのスループット測定</a:t>
-            </a:r>
-            <a:endParaRPr kumimoji="1" lang="en-US" altLang="ja-JP" dirty="0"/>
-          </a:p>
-          <a:p>
-            <a:pPr>
-              <a:buFont typeface="Wingdings" panose="05000000000000000000" pitchFamily="2" charset="2"/>
-              <a:buChar char="l"/>
-            </a:pPr>
-            <a:r>
-              <a:rPr lang="ja-JP" altLang="en-US" dirty="0"/>
-              <a:t>ストレージバックエンドがディレクトリの場合</a:t>
-            </a:r>
-            <a:r>
-              <a:rPr lang="en-US" altLang="ja-JP" dirty="0"/>
-              <a:t>28%</a:t>
-            </a:r>
-            <a:r>
-              <a:rPr lang="ja-JP" altLang="en-US" dirty="0"/>
-              <a:t>の性能低下</a:t>
-            </a:r>
-            <a:endParaRPr lang="en-US" altLang="ja-JP" dirty="0"/>
-          </a:p>
-          <a:p>
-            <a:pPr>
-              <a:buFont typeface="Wingdings" panose="05000000000000000000" pitchFamily="2" charset="2"/>
-              <a:buChar char="l"/>
-            </a:pPr>
-            <a:r>
-              <a:rPr kumimoji="1" lang="en-US" altLang="ja-JP" dirty="0"/>
-              <a:t>ZFS</a:t>
-            </a:r>
-            <a:r>
-              <a:rPr kumimoji="1" lang="ja-JP" altLang="en-US" dirty="0"/>
-              <a:t>の場合では，エラーのため測定不能</a:t>
-            </a:r>
-          </a:p>
-        </p:txBody>
-      </p:sp>
-      <p:pic>
-        <p:nvPicPr>
-          <p:cNvPr id="5" name="図 4">
-            <a:extLst>
-              <a:ext uri="{FF2B5EF4-FFF2-40B4-BE49-F238E27FC236}">
-                <a16:creationId xmlns:a16="http://schemas.microsoft.com/office/drawing/2014/main" id="{883BD888-3EEB-4491-8BD1-AC22CE6FF1C0}"/>
-              </a:ext>
-            </a:extLst>
-          </p:cNvPr>
-          <p:cNvPicPr>
-            <a:picLocks noChangeAspect="1"/>
-          </p:cNvPicPr>
-          <p:nvPr/>
-        </p:nvPicPr>
-        <p:blipFill rotWithShape="1">
-          <a:blip r:embed="rId2">
-            <a:extLst>
-              <a:ext uri="{28A0092B-C50C-407E-A947-70E740481C1C}">
-                <a14:useLocalDpi xmlns:a14="http://schemas.microsoft.com/office/drawing/2010/main" val="0"/>
-              </a:ext>
-            </a:extLst>
-          </a:blip>
-          <a:srcRect t="5999" b="3914"/>
-          <a:stretch/>
-        </p:blipFill>
-        <p:spPr>
-          <a:xfrm>
-            <a:off x="1829302" y="3096178"/>
-            <a:ext cx="5485396" cy="3380822"/>
-          </a:xfrm>
-          <a:prstGeom prst="rect">
-            <a:avLst/>
-          </a:prstGeom>
-        </p:spPr>
-      </p:pic>
-      <p:sp>
-        <p:nvSpPr>
-          <p:cNvPr id="4" name="スライド番号プレースホルダー 3">
-            <a:extLst>
-              <a:ext uri="{FF2B5EF4-FFF2-40B4-BE49-F238E27FC236}">
-                <a16:creationId xmlns:a16="http://schemas.microsoft.com/office/drawing/2014/main" id="{6E638927-CF8F-46B1-9A46-40F4B22E067C}"/>
-              </a:ext>
-            </a:extLst>
-          </p:cNvPr>
-          <p:cNvSpPr>
-            <a:spLocks noGrp="1"/>
-          </p:cNvSpPr>
-          <p:nvPr>
-            <p:ph type="sldNum" sz="quarter" idx="12"/>
-          </p:nvPr>
-        </p:nvSpPr>
-        <p:spPr/>
-        <p:txBody>
-          <a:bodyPr/>
-          <a:lstStyle/>
-          <a:p>
-            <a:fld id="{7AB22DEB-E1FF-4BEE-A182-437B9452AE5B}" type="slidenum">
-              <a:rPr kumimoji="1" lang="ja-JP" altLang="en-US" smtClean="0"/>
-              <a:pPr/>
-              <a:t>29</a:t>
-            </a:fld>
-            <a:endParaRPr kumimoji="1" lang="ja-JP" altLang="en-US"/>
-          </a:p>
-        </p:txBody>
-      </p:sp>
-    </p:spTree>
-    <p:extLst>
-      <p:ext uri="{BB962C8B-B14F-4D97-AF65-F5344CB8AC3E}">
-        <p14:creationId xmlns:p14="http://schemas.microsoft.com/office/powerpoint/2010/main" val="1310561433"/>
-      </p:ext>
-    </p:extLst>
-  </p:cSld>
-  <p:clrMapOvr>
-    <a:masterClrMapping/>
-  </p:clrMapOvr>
-</p:sld>
-</file>
-
-<file path=ppt/slides/slide3.xml><?xml version="1.0" encoding="utf-8"?>
-<p:sld xmlns:a="http://schemas.openxmlformats.org/drawingml/2006/main" xmlns:r="http://schemas.openxmlformats.org/officeDocument/2006/relationships" xmlns:p="http://schemas.openxmlformats.org/presentationml/2006/main">
-  <p:cSld>
-    <p:spTree>
-      <p:nvGrpSpPr>
-        <p:cNvPr id="1" name=""/>
-        <p:cNvGrpSpPr/>
-        <p:nvPr/>
-      </p:nvGrpSpPr>
-      <p:grpSpPr>
-        <a:xfrm>
-          <a:off x="0" y="0"/>
-          <a:ext cx="0" cy="0"/>
-          <a:chOff x="0" y="0"/>
-          <a:chExt cx="0" cy="0"/>
-        </a:xfrm>
-      </p:grpSpPr>
-      <p:graphicFrame>
-        <p:nvGraphicFramePr>
-          <p:cNvPr id="5" name="グラフ 4">
-            <a:extLst>
-              <a:ext uri="{FF2B5EF4-FFF2-40B4-BE49-F238E27FC236}">
-                <a16:creationId xmlns:a16="http://schemas.microsoft.com/office/drawing/2014/main" id="{379CC04E-B205-480D-ABF2-AD749E497199}"/>
-              </a:ext>
-            </a:extLst>
-          </p:cNvPr>
-          <p:cNvGraphicFramePr>
-            <a:graphicFrameLocks/>
-          </p:cNvGraphicFramePr>
-          <p:nvPr>
-            <p:extLst>
-              <p:ext uri="{D42A27DB-BD31-4B8C-83A1-F6EECF244321}">
-                <p14:modId xmlns:p14="http://schemas.microsoft.com/office/powerpoint/2010/main" val="426881336"/>
-              </p:ext>
-            </p:extLst>
-          </p:nvPr>
-        </p:nvGraphicFramePr>
-        <p:xfrm>
-          <a:off x="-1" y="2253313"/>
-          <a:ext cx="9144001" cy="4131733"/>
-        </p:xfrm>
-        <a:graphic>
-          <a:graphicData uri="http://schemas.openxmlformats.org/drawingml/2006/chart">
-            <c:chart xmlns:c="http://schemas.openxmlformats.org/drawingml/2006/chart" xmlns:r="http://schemas.openxmlformats.org/officeDocument/2006/relationships" r:id="rId2"/>
-          </a:graphicData>
-        </a:graphic>
-      </p:graphicFrame>
-      <p:sp>
-        <p:nvSpPr>
-          <p:cNvPr id="2" name="タイトル 1">
-            <a:extLst>
-              <a:ext uri="{FF2B5EF4-FFF2-40B4-BE49-F238E27FC236}">
-                <a16:creationId xmlns:a16="http://schemas.microsoft.com/office/drawing/2014/main" id="{E91F66BC-449B-4A0A-9D1D-C94C1893D514}"/>
-              </a:ext>
-            </a:extLst>
-          </p:cNvPr>
-          <p:cNvSpPr>
-            <a:spLocks noGrp="1"/>
-          </p:cNvSpPr>
-          <p:nvPr>
-            <p:ph type="title"/>
-          </p:nvPr>
-        </p:nvSpPr>
-        <p:spPr/>
-        <p:txBody>
-          <a:bodyPr/>
-          <a:lstStyle/>
-          <a:p>
-            <a:r>
-              <a:rPr kumimoji="1" lang="ja-JP" altLang="en-US" dirty="0"/>
-              <a:t>研究背景（</a:t>
-            </a:r>
-            <a:r>
-              <a:rPr kumimoji="1" lang="en-US" altLang="ja-JP" dirty="0"/>
-              <a:t>1</a:t>
-            </a:r>
-            <a:r>
-              <a:rPr kumimoji="1" lang="ja-JP" altLang="en-US" dirty="0"/>
-              <a:t>）</a:t>
-            </a:r>
-          </a:p>
-        </p:txBody>
-      </p:sp>
-      <p:sp>
-        <p:nvSpPr>
-          <p:cNvPr id="3" name="コンテンツ プレースホルダー 2">
-            <a:extLst>
-              <a:ext uri="{FF2B5EF4-FFF2-40B4-BE49-F238E27FC236}">
-                <a16:creationId xmlns:a16="http://schemas.microsoft.com/office/drawing/2014/main" id="{33B41385-BE17-44ED-98ED-0BEAAFF1799A}"/>
-              </a:ext>
-            </a:extLst>
-          </p:cNvPr>
-          <p:cNvSpPr>
-            <a:spLocks noGrp="1"/>
-          </p:cNvSpPr>
-          <p:nvPr>
-            <p:ph idx="1"/>
-          </p:nvPr>
-        </p:nvSpPr>
-        <p:spPr/>
-        <p:txBody>
-          <a:bodyPr/>
-          <a:lstStyle/>
-          <a:p>
-            <a:r>
-              <a:rPr kumimoji="1" lang="ja-JP" altLang="en-US" dirty="0"/>
-              <a:t>近年，</a:t>
-            </a:r>
-            <a:r>
-              <a:rPr lang="ja-JP" altLang="en-US" dirty="0"/>
-              <a:t>様々なサービスの提供にクラウド環境を活用することが増えている</a:t>
-            </a:r>
-            <a:endParaRPr kumimoji="1" lang="ja-JP" altLang="en-US" dirty="0"/>
-          </a:p>
-        </p:txBody>
-      </p:sp>
-      <p:sp>
-        <p:nvSpPr>
-          <p:cNvPr id="6" name="テキスト ボックス 5">
-            <a:extLst>
-              <a:ext uri="{FF2B5EF4-FFF2-40B4-BE49-F238E27FC236}">
-                <a16:creationId xmlns:a16="http://schemas.microsoft.com/office/drawing/2014/main" id="{15C045FA-220E-4C91-B7DE-94D978F110F6}"/>
-              </a:ext>
-            </a:extLst>
-          </p:cNvPr>
-          <p:cNvSpPr txBox="1"/>
-          <p:nvPr/>
-        </p:nvSpPr>
-        <p:spPr>
-          <a:xfrm>
-            <a:off x="204715" y="6385046"/>
-            <a:ext cx="6549165" cy="369332"/>
-          </a:xfrm>
-          <a:prstGeom prst="rect">
-            <a:avLst/>
-          </a:prstGeom>
-          <a:noFill/>
-        </p:spPr>
-        <p:txBody>
-          <a:bodyPr wrap="none" rtlCol="0">
-            <a:spAutoFit/>
-          </a:bodyPr>
-          <a:lstStyle/>
-          <a:p>
-            <a:r>
-              <a:rPr kumimoji="1" lang="en-US" altLang="zh-TW" dirty="0"/>
-              <a:t>http://www.soumu.go.jp/johotsusintokei/statistics/statistics05.html</a:t>
-            </a:r>
-            <a:endParaRPr kumimoji="1" lang="ja-JP" altLang="en-US" dirty="0"/>
-          </a:p>
-        </p:txBody>
-      </p:sp>
-      <p:sp>
-        <p:nvSpPr>
-          <p:cNvPr id="4" name="スライド番号プレースホルダー 3">
-            <a:extLst>
-              <a:ext uri="{FF2B5EF4-FFF2-40B4-BE49-F238E27FC236}">
-                <a16:creationId xmlns:a16="http://schemas.microsoft.com/office/drawing/2014/main" id="{6B983A68-1025-4EA9-883A-304A5A1E707F}"/>
-              </a:ext>
-            </a:extLst>
-          </p:cNvPr>
-          <p:cNvSpPr>
-            <a:spLocks noGrp="1"/>
-          </p:cNvSpPr>
-          <p:nvPr>
-            <p:ph type="sldNum" sz="quarter" idx="12"/>
-          </p:nvPr>
-        </p:nvSpPr>
-        <p:spPr/>
-        <p:txBody>
-          <a:bodyPr/>
-          <a:lstStyle/>
-          <a:p>
-            <a:fld id="{7AB22DEB-E1FF-4BEE-A182-437B9452AE5B}" type="slidenum">
-              <a:rPr kumimoji="1" lang="ja-JP" altLang="en-US" smtClean="0"/>
-              <a:pPr/>
-              <a:t>3</a:t>
-            </a:fld>
-            <a:endParaRPr kumimoji="1" lang="ja-JP" altLang="en-US"/>
-          </a:p>
-        </p:txBody>
-      </p:sp>
-    </p:spTree>
-    <p:extLst>
-      <p:ext uri="{BB962C8B-B14F-4D97-AF65-F5344CB8AC3E}">
-        <p14:creationId xmlns:p14="http://schemas.microsoft.com/office/powerpoint/2010/main" val="3018890183"/>
-      </p:ext>
-    </p:extLst>
-  </p:cSld>
-  <p:clrMapOvr>
-    <a:masterClrMapping/>
-  </p:clrMapOvr>
-</p:sld>
-</file>
-
-<file path=ppt/slides/slide30.xml><?xml version="1.0" encoding="utf-8"?>
-<p:sld xmlns:a="http://schemas.openxmlformats.org/drawingml/2006/main" xmlns:r="http://schemas.openxmlformats.org/officeDocument/2006/relationships" xmlns:p="http://schemas.openxmlformats.org/presentationml/2006/main">
-  <p:cSld>
-    <p:spTree>
-      <p:nvGrpSpPr>
-        <p:cNvPr id="1" name=""/>
-        <p:cNvGrpSpPr/>
-        <p:nvPr/>
-      </p:nvGrpSpPr>
-      <p:grpSpPr>
-        <a:xfrm>
-          <a:off x="0" y="0"/>
-          <a:ext cx="0" cy="0"/>
-          <a:chOff x="0" y="0"/>
-          <a:chExt cx="0" cy="0"/>
-        </a:xfrm>
-      </p:grpSpPr>
-      <p:sp>
-        <p:nvSpPr>
-          <p:cNvPr id="2" name="タイトル 1">
-            <a:extLst>
-              <a:ext uri="{FF2B5EF4-FFF2-40B4-BE49-F238E27FC236}">
-                <a16:creationId xmlns:a16="http://schemas.microsoft.com/office/drawing/2014/main" id="{DE79394E-7F91-47BC-8212-A7551844C720}"/>
-              </a:ext>
-            </a:extLst>
-          </p:cNvPr>
-          <p:cNvSpPr>
-            <a:spLocks noGrp="1"/>
-          </p:cNvSpPr>
-          <p:nvPr>
-            <p:ph type="title"/>
-          </p:nvPr>
-        </p:nvSpPr>
-        <p:spPr/>
-        <p:txBody>
-          <a:bodyPr/>
-          <a:lstStyle/>
-          <a:p>
-            <a:r>
-              <a:rPr lang="ja-JP" altLang="en-US" dirty="0"/>
-              <a:t>コンテナ性能評価（</a:t>
-            </a:r>
-            <a:r>
-              <a:rPr lang="en-US" altLang="ja-JP" dirty="0"/>
-              <a:t>4</a:t>
-            </a:r>
-            <a:r>
-              <a:rPr lang="ja-JP" altLang="en-US" dirty="0"/>
-              <a:t>）</a:t>
-            </a:r>
-            <a:endParaRPr kumimoji="1" lang="ja-JP" altLang="en-US" dirty="0"/>
-          </a:p>
-        </p:txBody>
-      </p:sp>
-      <p:sp>
-        <p:nvSpPr>
-          <p:cNvPr id="3" name="コンテンツ プレースホルダー 2">
-            <a:extLst>
-              <a:ext uri="{FF2B5EF4-FFF2-40B4-BE49-F238E27FC236}">
-                <a16:creationId xmlns:a16="http://schemas.microsoft.com/office/drawing/2014/main" id="{CB7C504E-E3FE-4419-A253-7DF9F77AB438}"/>
-              </a:ext>
-            </a:extLst>
-          </p:cNvPr>
-          <p:cNvSpPr>
-            <a:spLocks noGrp="1"/>
-          </p:cNvSpPr>
-          <p:nvPr>
-            <p:ph idx="1"/>
-          </p:nvPr>
-        </p:nvSpPr>
-        <p:spPr/>
-        <p:txBody>
-          <a:bodyPr/>
-          <a:lstStyle/>
-          <a:p>
-            <a:r>
-              <a:rPr kumimoji="1" lang="en-US" altLang="ja-JP" dirty="0"/>
-              <a:t>Iperf3</a:t>
-            </a:r>
-            <a:r>
-              <a:rPr kumimoji="1" lang="ja-JP" altLang="en-US" dirty="0"/>
-              <a:t>による</a:t>
-            </a:r>
-            <a:r>
-              <a:rPr kumimoji="1" lang="en-US" altLang="ja-JP" dirty="0"/>
-              <a:t>TCP</a:t>
-            </a:r>
-            <a:r>
-              <a:rPr kumimoji="1" lang="ja-JP" altLang="en-US" dirty="0"/>
-              <a:t>スループットの測定</a:t>
-            </a:r>
-            <a:endParaRPr kumimoji="1" lang="en-US" altLang="ja-JP" dirty="0"/>
-          </a:p>
-          <a:p>
-            <a:pPr>
-              <a:buFont typeface="Wingdings" panose="05000000000000000000" pitchFamily="2" charset="2"/>
-              <a:buChar char="l"/>
-            </a:pPr>
-            <a:r>
-              <a:rPr lang="en-US" altLang="ja-JP" dirty="0"/>
-              <a:t>VM</a:t>
-            </a:r>
-            <a:r>
-              <a:rPr lang="ja-JP" altLang="en-US" dirty="0"/>
-              <a:t>内コンテナ利用による性能低下は確認できず</a:t>
-            </a:r>
-            <a:endParaRPr kumimoji="1" lang="ja-JP" altLang="en-US" dirty="0"/>
-          </a:p>
-        </p:txBody>
-      </p:sp>
-      <p:pic>
-        <p:nvPicPr>
-          <p:cNvPr id="5" name="図 4">
-            <a:extLst>
-              <a:ext uri="{FF2B5EF4-FFF2-40B4-BE49-F238E27FC236}">
-                <a16:creationId xmlns:a16="http://schemas.microsoft.com/office/drawing/2014/main" id="{85BADC42-4087-4B53-8E5F-F4AED7F0407B}"/>
-              </a:ext>
-            </a:extLst>
-          </p:cNvPr>
-          <p:cNvPicPr>
-            <a:picLocks noChangeAspect="1"/>
-          </p:cNvPicPr>
-          <p:nvPr/>
-        </p:nvPicPr>
-        <p:blipFill rotWithShape="1">
-          <a:blip r:embed="rId2">
-            <a:extLst>
-              <a:ext uri="{28A0092B-C50C-407E-A947-70E740481C1C}">
-                <a14:useLocalDpi xmlns:a14="http://schemas.microsoft.com/office/drawing/2010/main" val="0"/>
-              </a:ext>
-            </a:extLst>
-          </a:blip>
-          <a:srcRect t="7823" b="2906"/>
-          <a:stretch/>
-        </p:blipFill>
-        <p:spPr>
-          <a:xfrm>
-            <a:off x="1237306" y="2634396"/>
-            <a:ext cx="6669387" cy="3664804"/>
-          </a:xfrm>
-          <a:prstGeom prst="rect">
-            <a:avLst/>
-          </a:prstGeom>
-        </p:spPr>
-      </p:pic>
-      <p:sp>
-        <p:nvSpPr>
-          <p:cNvPr id="4" name="スライド番号プレースホルダー 3">
-            <a:extLst>
-              <a:ext uri="{FF2B5EF4-FFF2-40B4-BE49-F238E27FC236}">
-                <a16:creationId xmlns:a16="http://schemas.microsoft.com/office/drawing/2014/main" id="{7049316D-BC1C-42FC-AC04-D9F4E9950EA5}"/>
-              </a:ext>
-            </a:extLst>
-          </p:cNvPr>
-          <p:cNvSpPr>
-            <a:spLocks noGrp="1"/>
-          </p:cNvSpPr>
-          <p:nvPr>
-            <p:ph type="sldNum" sz="quarter" idx="12"/>
-          </p:nvPr>
-        </p:nvSpPr>
-        <p:spPr/>
-        <p:txBody>
-          <a:bodyPr/>
-          <a:lstStyle/>
-          <a:p>
-            <a:fld id="{7AB22DEB-E1FF-4BEE-A182-437B9452AE5B}" type="slidenum">
-              <a:rPr kumimoji="1" lang="ja-JP" altLang="en-US" smtClean="0"/>
-              <a:pPr/>
-              <a:t>30</a:t>
-            </a:fld>
-            <a:endParaRPr kumimoji="1" lang="ja-JP" altLang="en-US"/>
-          </a:p>
-        </p:txBody>
-      </p:sp>
-    </p:spTree>
-    <p:extLst>
-      <p:ext uri="{BB962C8B-B14F-4D97-AF65-F5344CB8AC3E}">
-        <p14:creationId xmlns:p14="http://schemas.microsoft.com/office/powerpoint/2010/main" val="3218518026"/>
-      </p:ext>
-    </p:extLst>
-  </p:cSld>
-  <p:clrMapOvr>
-    <a:masterClrMapping/>
-  </p:clrMapOvr>
-</p:sld>
-</file>
-
-<file path=ppt/slides/slide31.xml><?xml version="1.0" encoding="utf-8"?>
 <p:sld xmlns:a="http://schemas.openxmlformats.org/drawingml/2006/main" xmlns:r="http://schemas.openxmlformats.org/officeDocument/2006/relationships" xmlns:p="http://schemas.openxmlformats.org/presentationml/2006/main">
   <p:cSld>
     <p:spTree>
@@ -12452,7 +12197,7 @@
             <a:fld id="{7AB22DEB-E1FF-4BEE-A182-437B9452AE5B}" type="slidenum">
               <a:rPr kumimoji="1" lang="ja-JP" altLang="en-US" smtClean="0"/>
               <a:pPr/>
-              <a:t>31</a:t>
+              <a:t>29</a:t>
             </a:fld>
             <a:endParaRPr kumimoji="1" lang="ja-JP" altLang="en-US"/>
           </a:p>
@@ -12462,6 +12207,657 @@
     <p:extLst>
       <p:ext uri="{BB962C8B-B14F-4D97-AF65-F5344CB8AC3E}">
         <p14:creationId xmlns:p14="http://schemas.microsoft.com/office/powerpoint/2010/main" val="3839690059"/>
+      </p:ext>
+    </p:extLst>
+  </p:cSld>
+  <p:clrMapOvr>
+    <a:masterClrMapping/>
+  </p:clrMapOvr>
+</p:sld>
+</file>
+
+<file path=ppt/slides/slide3.xml><?xml version="1.0" encoding="utf-8"?>
+<p:sld xmlns:a="http://schemas.openxmlformats.org/drawingml/2006/main" xmlns:r="http://schemas.openxmlformats.org/officeDocument/2006/relationships" xmlns:p="http://schemas.openxmlformats.org/presentationml/2006/main">
+  <p:cSld>
+    <p:spTree>
+      <p:nvGrpSpPr>
+        <p:cNvPr id="1" name=""/>
+        <p:cNvGrpSpPr/>
+        <p:nvPr/>
+      </p:nvGrpSpPr>
+      <p:grpSpPr>
+        <a:xfrm>
+          <a:off x="0" y="0"/>
+          <a:ext cx="0" cy="0"/>
+          <a:chOff x="0" y="0"/>
+          <a:chExt cx="0" cy="0"/>
+        </a:xfrm>
+      </p:grpSpPr>
+      <p:graphicFrame>
+        <p:nvGraphicFramePr>
+          <p:cNvPr id="5" name="グラフ 4">
+            <a:extLst>
+              <a:ext uri="{FF2B5EF4-FFF2-40B4-BE49-F238E27FC236}">
+                <a16:creationId xmlns:a16="http://schemas.microsoft.com/office/drawing/2014/main" id="{379CC04E-B205-480D-ABF2-AD749E497199}"/>
+              </a:ext>
+            </a:extLst>
+          </p:cNvPr>
+          <p:cNvGraphicFramePr>
+            <a:graphicFrameLocks/>
+          </p:cNvGraphicFramePr>
+          <p:nvPr>
+            <p:extLst>
+              <p:ext uri="{D42A27DB-BD31-4B8C-83A1-F6EECF244321}">
+                <p14:modId xmlns:p14="http://schemas.microsoft.com/office/powerpoint/2010/main" val="426881336"/>
+              </p:ext>
+            </p:extLst>
+          </p:nvPr>
+        </p:nvGraphicFramePr>
+        <p:xfrm>
+          <a:off x="-1" y="2253313"/>
+          <a:ext cx="9144001" cy="4131733"/>
+        </p:xfrm>
+        <a:graphic>
+          <a:graphicData uri="http://schemas.openxmlformats.org/drawingml/2006/chart">
+            <c:chart xmlns:c="http://schemas.openxmlformats.org/drawingml/2006/chart" xmlns:r="http://schemas.openxmlformats.org/officeDocument/2006/relationships" r:id="rId2"/>
+          </a:graphicData>
+        </a:graphic>
+      </p:graphicFrame>
+      <p:sp>
+        <p:nvSpPr>
+          <p:cNvPr id="2" name="タイトル 1">
+            <a:extLst>
+              <a:ext uri="{FF2B5EF4-FFF2-40B4-BE49-F238E27FC236}">
+                <a16:creationId xmlns:a16="http://schemas.microsoft.com/office/drawing/2014/main" id="{E91F66BC-449B-4A0A-9D1D-C94C1893D514}"/>
+              </a:ext>
+            </a:extLst>
+          </p:cNvPr>
+          <p:cNvSpPr>
+            <a:spLocks noGrp="1"/>
+          </p:cNvSpPr>
+          <p:nvPr>
+            <p:ph type="title"/>
+          </p:nvPr>
+        </p:nvSpPr>
+        <p:spPr/>
+        <p:txBody>
+          <a:bodyPr/>
+          <a:lstStyle/>
+          <a:p>
+            <a:r>
+              <a:rPr kumimoji="1" lang="ja-JP" altLang="en-US" dirty="0"/>
+              <a:t>研究背景（</a:t>
+            </a:r>
+            <a:r>
+              <a:rPr kumimoji="1" lang="en-US" altLang="ja-JP" dirty="0"/>
+              <a:t>1</a:t>
+            </a:r>
+            <a:r>
+              <a:rPr kumimoji="1" lang="ja-JP" altLang="en-US" dirty="0"/>
+              <a:t>）</a:t>
+            </a:r>
+          </a:p>
+        </p:txBody>
+      </p:sp>
+      <p:sp>
+        <p:nvSpPr>
+          <p:cNvPr id="3" name="コンテンツ プレースホルダー 2">
+            <a:extLst>
+              <a:ext uri="{FF2B5EF4-FFF2-40B4-BE49-F238E27FC236}">
+                <a16:creationId xmlns:a16="http://schemas.microsoft.com/office/drawing/2014/main" id="{33B41385-BE17-44ED-98ED-0BEAAFF1799A}"/>
+              </a:ext>
+            </a:extLst>
+          </p:cNvPr>
+          <p:cNvSpPr>
+            <a:spLocks noGrp="1"/>
+          </p:cNvSpPr>
+          <p:nvPr>
+            <p:ph idx="1"/>
+          </p:nvPr>
+        </p:nvSpPr>
+        <p:spPr/>
+        <p:txBody>
+          <a:bodyPr/>
+          <a:lstStyle/>
+          <a:p>
+            <a:r>
+              <a:rPr kumimoji="1" lang="ja-JP" altLang="en-US" dirty="0"/>
+              <a:t>近年，</a:t>
+            </a:r>
+            <a:r>
+              <a:rPr lang="ja-JP" altLang="en-US" dirty="0"/>
+              <a:t>様々なサービスの提供にクラウド環境を活用することが増加</a:t>
+            </a:r>
+            <a:endParaRPr kumimoji="1" lang="ja-JP" altLang="en-US" dirty="0"/>
+          </a:p>
+        </p:txBody>
+      </p:sp>
+      <p:sp>
+        <p:nvSpPr>
+          <p:cNvPr id="6" name="テキスト ボックス 5">
+            <a:extLst>
+              <a:ext uri="{FF2B5EF4-FFF2-40B4-BE49-F238E27FC236}">
+                <a16:creationId xmlns:a16="http://schemas.microsoft.com/office/drawing/2014/main" id="{15C045FA-220E-4C91-B7DE-94D978F110F6}"/>
+              </a:ext>
+            </a:extLst>
+          </p:cNvPr>
+          <p:cNvSpPr txBox="1"/>
+          <p:nvPr/>
+        </p:nvSpPr>
+        <p:spPr>
+          <a:xfrm>
+            <a:off x="204715" y="6385046"/>
+            <a:ext cx="6549165" cy="369332"/>
+          </a:xfrm>
+          <a:prstGeom prst="rect">
+            <a:avLst/>
+          </a:prstGeom>
+          <a:noFill/>
+        </p:spPr>
+        <p:txBody>
+          <a:bodyPr wrap="none" rtlCol="0">
+            <a:spAutoFit/>
+          </a:bodyPr>
+          <a:lstStyle/>
+          <a:p>
+            <a:r>
+              <a:rPr kumimoji="1" lang="en-US" altLang="zh-TW" dirty="0">
+                <a:solidFill>
+                  <a:schemeClr val="bg1"/>
+                </a:solidFill>
+              </a:rPr>
+              <a:t>http://www.soumu.go.jp/johotsusintokei/statistics/statistics05.html</a:t>
+            </a:r>
+            <a:endParaRPr kumimoji="1" lang="ja-JP" altLang="en-US" dirty="0">
+              <a:solidFill>
+                <a:schemeClr val="bg1"/>
+              </a:solidFill>
+            </a:endParaRPr>
+          </a:p>
+        </p:txBody>
+      </p:sp>
+      <p:sp>
+        <p:nvSpPr>
+          <p:cNvPr id="4" name="スライド番号プレースホルダー 3">
+            <a:extLst>
+              <a:ext uri="{FF2B5EF4-FFF2-40B4-BE49-F238E27FC236}">
+                <a16:creationId xmlns:a16="http://schemas.microsoft.com/office/drawing/2014/main" id="{6B983A68-1025-4EA9-883A-304A5A1E707F}"/>
+              </a:ext>
+            </a:extLst>
+          </p:cNvPr>
+          <p:cNvSpPr>
+            <a:spLocks noGrp="1"/>
+          </p:cNvSpPr>
+          <p:nvPr>
+            <p:ph type="sldNum" sz="quarter" idx="12"/>
+          </p:nvPr>
+        </p:nvSpPr>
+        <p:spPr/>
+        <p:txBody>
+          <a:bodyPr/>
+          <a:lstStyle/>
+          <a:p>
+            <a:fld id="{7AB22DEB-E1FF-4BEE-A182-437B9452AE5B}" type="slidenum">
+              <a:rPr kumimoji="1" lang="ja-JP" altLang="en-US" smtClean="0"/>
+              <a:pPr/>
+              <a:t>3</a:t>
+            </a:fld>
+            <a:endParaRPr kumimoji="1" lang="ja-JP" altLang="en-US" dirty="0"/>
+          </a:p>
+        </p:txBody>
+      </p:sp>
+    </p:spTree>
+    <p:extLst>
+      <p:ext uri="{BB962C8B-B14F-4D97-AF65-F5344CB8AC3E}">
+        <p14:creationId xmlns:p14="http://schemas.microsoft.com/office/powerpoint/2010/main" val="3018890183"/>
+      </p:ext>
+    </p:extLst>
+  </p:cSld>
+  <p:clrMapOvr>
+    <a:masterClrMapping/>
+  </p:clrMapOvr>
+</p:sld>
+</file>
+
+<file path=ppt/slides/slide30.xml><?xml version="1.0" encoding="utf-8"?>
+<p:sld xmlns:a="http://schemas.openxmlformats.org/drawingml/2006/main" xmlns:r="http://schemas.openxmlformats.org/officeDocument/2006/relationships" xmlns:p="http://schemas.openxmlformats.org/presentationml/2006/main">
+  <p:cSld>
+    <p:spTree>
+      <p:nvGrpSpPr>
+        <p:cNvPr id="1" name=""/>
+        <p:cNvGrpSpPr/>
+        <p:nvPr/>
+      </p:nvGrpSpPr>
+      <p:grpSpPr>
+        <a:xfrm>
+          <a:off x="0" y="0"/>
+          <a:ext cx="0" cy="0"/>
+          <a:chOff x="0" y="0"/>
+          <a:chExt cx="0" cy="0"/>
+        </a:xfrm>
+      </p:grpSpPr>
+      <p:sp>
+        <p:nvSpPr>
+          <p:cNvPr id="2" name="タイトル 1">
+            <a:extLst>
+              <a:ext uri="{FF2B5EF4-FFF2-40B4-BE49-F238E27FC236}">
+                <a16:creationId xmlns:a16="http://schemas.microsoft.com/office/drawing/2014/main" id="{31F30708-8EAC-4834-B096-AF5AD7EE2B50}"/>
+              </a:ext>
+            </a:extLst>
+          </p:cNvPr>
+          <p:cNvSpPr>
+            <a:spLocks noGrp="1"/>
+          </p:cNvSpPr>
+          <p:nvPr>
+            <p:ph type="title"/>
+          </p:nvPr>
+        </p:nvSpPr>
+        <p:spPr/>
+        <p:txBody>
+          <a:bodyPr/>
+          <a:lstStyle/>
+          <a:p>
+            <a:r>
+              <a:rPr lang="ja-JP" altLang="en-US" dirty="0"/>
+              <a:t>マイグレーション性能評価</a:t>
+            </a:r>
+            <a:r>
+              <a:rPr lang="en-US" altLang="ja-JP" dirty="0"/>
+              <a:t>(2)</a:t>
+            </a:r>
+            <a:endParaRPr kumimoji="1" lang="ja-JP" altLang="en-US" dirty="0"/>
+          </a:p>
+        </p:txBody>
+      </p:sp>
+      <p:sp>
+        <p:nvSpPr>
+          <p:cNvPr id="3" name="コンテンツ プレースホルダー 2">
+            <a:extLst>
+              <a:ext uri="{FF2B5EF4-FFF2-40B4-BE49-F238E27FC236}">
+                <a16:creationId xmlns:a16="http://schemas.microsoft.com/office/drawing/2014/main" id="{5FF227AC-7A76-4EBF-B037-874361773D3D}"/>
+              </a:ext>
+            </a:extLst>
+          </p:cNvPr>
+          <p:cNvSpPr>
+            <a:spLocks noGrp="1"/>
+          </p:cNvSpPr>
+          <p:nvPr>
+            <p:ph idx="1"/>
+          </p:nvPr>
+        </p:nvSpPr>
+        <p:spPr/>
+        <p:txBody>
+          <a:bodyPr/>
+          <a:lstStyle/>
+          <a:p>
+            <a:pPr>
+              <a:buFont typeface="Wingdings" panose="05000000000000000000" pitchFamily="2" charset="2"/>
+              <a:buChar char="l"/>
+            </a:pPr>
+            <a:r>
+              <a:rPr kumimoji="1" lang="ja-JP" altLang="en-US" dirty="0"/>
+              <a:t>マイグレーション時間は</a:t>
+            </a:r>
+            <a:r>
+              <a:rPr kumimoji="1" lang="en-US" altLang="ja-JP" dirty="0"/>
+              <a:t>VM</a:t>
+            </a:r>
+            <a:r>
+              <a:rPr kumimoji="1" lang="ja-JP" altLang="en-US" dirty="0"/>
+              <a:t>内コンテナのほうが</a:t>
+            </a:r>
+            <a:r>
+              <a:rPr kumimoji="1" lang="en-US" altLang="ja-JP" dirty="0"/>
+              <a:t>1</a:t>
+            </a:r>
+            <a:r>
+              <a:rPr kumimoji="1" lang="ja-JP" altLang="en-US" dirty="0"/>
+              <a:t>秒程度高速化</a:t>
+            </a:r>
+            <a:endParaRPr kumimoji="1" lang="en-US" altLang="ja-JP" dirty="0"/>
+          </a:p>
+          <a:p>
+            <a:pPr lvl="1">
+              <a:buFont typeface="Wingdings" panose="05000000000000000000" pitchFamily="2" charset="2"/>
+              <a:buChar char="l"/>
+            </a:pPr>
+            <a:r>
+              <a:rPr lang="en-US" altLang="ja-JP" dirty="0"/>
+              <a:t>VM</a:t>
+            </a:r>
+            <a:r>
+              <a:rPr lang="ja-JP" altLang="en-US" dirty="0"/>
+              <a:t>内コンテナのオーバヘッドは無い</a:t>
+            </a:r>
+            <a:endParaRPr lang="en-US" altLang="ja-JP" dirty="0"/>
+          </a:p>
+          <a:p>
+            <a:pPr>
+              <a:buFont typeface="Wingdings" panose="05000000000000000000" pitchFamily="2" charset="2"/>
+              <a:buChar char="l"/>
+            </a:pPr>
+            <a:r>
+              <a:rPr kumimoji="1" lang="en-US" altLang="ja-JP" dirty="0"/>
+              <a:t>VM</a:t>
+            </a:r>
+            <a:r>
+              <a:rPr kumimoji="1" lang="ja-JP" altLang="en-US" dirty="0"/>
+              <a:t>内コンテナのダウンタイムは</a:t>
+            </a:r>
+            <a:r>
+              <a:rPr kumimoji="1" lang="en-US" altLang="ja-JP" dirty="0"/>
+              <a:t>5.6</a:t>
+            </a:r>
+            <a:r>
+              <a:rPr kumimoji="1" lang="ja-JP" altLang="en-US" dirty="0"/>
+              <a:t>秒</a:t>
+            </a:r>
+          </a:p>
+        </p:txBody>
+      </p:sp>
+      <p:pic>
+        <p:nvPicPr>
+          <p:cNvPr id="5" name="図 4">
+            <a:extLst>
+              <a:ext uri="{FF2B5EF4-FFF2-40B4-BE49-F238E27FC236}">
+                <a16:creationId xmlns:a16="http://schemas.microsoft.com/office/drawing/2014/main" id="{25F82072-E88C-446A-904B-DE9F8FFF2F90}"/>
+              </a:ext>
+            </a:extLst>
+          </p:cNvPr>
+          <p:cNvPicPr>
+            <a:picLocks noChangeAspect="1"/>
+          </p:cNvPicPr>
+          <p:nvPr/>
+        </p:nvPicPr>
+        <p:blipFill rotWithShape="1">
+          <a:blip r:embed="rId2">
+            <a:extLst>
+              <a:ext uri="{28A0092B-C50C-407E-A947-70E740481C1C}">
+                <a14:useLocalDpi xmlns:a14="http://schemas.microsoft.com/office/drawing/2010/main" val="0"/>
+              </a:ext>
+            </a:extLst>
+          </a:blip>
+          <a:srcRect t="4213"/>
+          <a:stretch/>
+        </p:blipFill>
+        <p:spPr>
+          <a:xfrm>
+            <a:off x="2016892" y="2941504"/>
+            <a:ext cx="5110215" cy="3629892"/>
+          </a:xfrm>
+          <a:prstGeom prst="rect">
+            <a:avLst/>
+          </a:prstGeom>
+        </p:spPr>
+      </p:pic>
+      <p:sp>
+        <p:nvSpPr>
+          <p:cNvPr id="4" name="スライド番号プレースホルダー 3">
+            <a:extLst>
+              <a:ext uri="{FF2B5EF4-FFF2-40B4-BE49-F238E27FC236}">
+                <a16:creationId xmlns:a16="http://schemas.microsoft.com/office/drawing/2014/main" id="{70624EB9-5543-4E9C-A511-BFFE80723230}"/>
+              </a:ext>
+            </a:extLst>
+          </p:cNvPr>
+          <p:cNvSpPr>
+            <a:spLocks noGrp="1"/>
+          </p:cNvSpPr>
+          <p:nvPr>
+            <p:ph type="sldNum" sz="quarter" idx="12"/>
+          </p:nvPr>
+        </p:nvSpPr>
+        <p:spPr/>
+        <p:txBody>
+          <a:bodyPr/>
+          <a:lstStyle/>
+          <a:p>
+            <a:fld id="{7AB22DEB-E1FF-4BEE-A182-437B9452AE5B}" type="slidenum">
+              <a:rPr kumimoji="1" lang="ja-JP" altLang="en-US" smtClean="0"/>
+              <a:pPr/>
+              <a:t>30</a:t>
+            </a:fld>
+            <a:endParaRPr kumimoji="1" lang="ja-JP" altLang="en-US"/>
+          </a:p>
+        </p:txBody>
+      </p:sp>
+    </p:spTree>
+    <p:extLst>
+      <p:ext uri="{BB962C8B-B14F-4D97-AF65-F5344CB8AC3E}">
+        <p14:creationId xmlns:p14="http://schemas.microsoft.com/office/powerpoint/2010/main" val="1055151996"/>
+      </p:ext>
+    </p:extLst>
+  </p:cSld>
+  <p:clrMapOvr>
+    <a:masterClrMapping/>
+  </p:clrMapOvr>
+</p:sld>
+</file>
+
+<file path=ppt/slides/slide31.xml><?xml version="1.0" encoding="utf-8"?>
+<p:sld xmlns:a="http://schemas.openxmlformats.org/drawingml/2006/main" xmlns:r="http://schemas.openxmlformats.org/officeDocument/2006/relationships" xmlns:p="http://schemas.openxmlformats.org/presentationml/2006/main">
+  <p:cSld>
+    <p:spTree>
+      <p:nvGrpSpPr>
+        <p:cNvPr id="1" name=""/>
+        <p:cNvGrpSpPr/>
+        <p:nvPr/>
+      </p:nvGrpSpPr>
+      <p:grpSpPr>
+        <a:xfrm>
+          <a:off x="0" y="0"/>
+          <a:ext cx="0" cy="0"/>
+          <a:chOff x="0" y="0"/>
+          <a:chExt cx="0" cy="0"/>
+        </a:xfrm>
+      </p:grpSpPr>
+      <p:sp>
+        <p:nvSpPr>
+          <p:cNvPr id="2" name="タイトル 1">
+            <a:extLst>
+              <a:ext uri="{FF2B5EF4-FFF2-40B4-BE49-F238E27FC236}">
+                <a16:creationId xmlns:a16="http://schemas.microsoft.com/office/drawing/2014/main" id="{F005CF57-C002-4A92-B7C6-CD0818E3DF30}"/>
+              </a:ext>
+            </a:extLst>
+          </p:cNvPr>
+          <p:cNvSpPr>
+            <a:spLocks noGrp="1"/>
+          </p:cNvSpPr>
+          <p:nvPr>
+            <p:ph type="title"/>
+          </p:nvPr>
+        </p:nvSpPr>
+        <p:spPr/>
+        <p:txBody>
+          <a:bodyPr/>
+          <a:lstStyle/>
+          <a:p>
+            <a:r>
+              <a:rPr kumimoji="1" lang="ja-JP" altLang="en-US" dirty="0"/>
+              <a:t>まとめ</a:t>
+            </a:r>
+          </a:p>
+        </p:txBody>
+      </p:sp>
+      <p:sp>
+        <p:nvSpPr>
+          <p:cNvPr id="3" name="コンテンツ プレースホルダー 2">
+            <a:extLst>
+              <a:ext uri="{FF2B5EF4-FFF2-40B4-BE49-F238E27FC236}">
+                <a16:creationId xmlns:a16="http://schemas.microsoft.com/office/drawing/2014/main" id="{938F7423-73BE-4A3E-9C58-8B36E6018190}"/>
+              </a:ext>
+            </a:extLst>
+          </p:cNvPr>
+          <p:cNvSpPr>
+            <a:spLocks noGrp="1"/>
+          </p:cNvSpPr>
+          <p:nvPr>
+            <p:ph idx="1"/>
+          </p:nvPr>
+        </p:nvSpPr>
+        <p:spPr/>
+        <p:txBody>
+          <a:bodyPr/>
+          <a:lstStyle/>
+          <a:p>
+            <a:pPr>
+              <a:buFont typeface="Wingdings" panose="05000000000000000000" pitchFamily="2" charset="2"/>
+              <a:buChar char="l"/>
+            </a:pPr>
+            <a:r>
+              <a:rPr kumimoji="1" lang="en-US" altLang="ja-JP" dirty="0"/>
+              <a:t>VM</a:t>
+            </a:r>
+            <a:r>
+              <a:rPr kumimoji="1" lang="ja-JP" altLang="en-US" dirty="0"/>
+              <a:t>内でコンテナを用いるシステム</a:t>
+            </a:r>
+            <a:r>
+              <a:rPr lang="en-US" altLang="ja-JP" dirty="0" err="1"/>
+              <a:t>VCRecovery</a:t>
+            </a:r>
+            <a:r>
+              <a:rPr lang="ja-JP" altLang="en-US" dirty="0"/>
+              <a:t>の提案</a:t>
+            </a:r>
+            <a:r>
+              <a:rPr kumimoji="1" lang="ja-JP" altLang="en-US" dirty="0"/>
+              <a:t>により低コスト，高速な障害復旧が可能</a:t>
+            </a:r>
+            <a:endParaRPr kumimoji="1" lang="en-US" altLang="ja-JP" dirty="0"/>
+          </a:p>
+          <a:p>
+            <a:pPr>
+              <a:buFont typeface="Wingdings" panose="05000000000000000000" pitchFamily="2" charset="2"/>
+              <a:buChar char="l"/>
+            </a:pPr>
+            <a:r>
+              <a:rPr lang="en-US" altLang="ja-JP" dirty="0"/>
+              <a:t>Zabbix</a:t>
+            </a:r>
+            <a:r>
+              <a:rPr lang="ja-JP" altLang="en-US" dirty="0"/>
+              <a:t>や</a:t>
+            </a:r>
+            <a:r>
+              <a:rPr lang="en-US" altLang="ja-JP" dirty="0"/>
+              <a:t>LXD</a:t>
+            </a:r>
+            <a:r>
+              <a:rPr lang="ja-JP" altLang="en-US" dirty="0"/>
+              <a:t>により自動で障害検知，復旧を行うことが可能</a:t>
+            </a:r>
+            <a:endParaRPr lang="en-US" altLang="ja-JP" dirty="0"/>
+          </a:p>
+          <a:p>
+            <a:pPr>
+              <a:buFont typeface="Wingdings" panose="05000000000000000000" pitchFamily="2" charset="2"/>
+              <a:buChar char="l"/>
+            </a:pPr>
+            <a:endParaRPr kumimoji="1" lang="en-US" altLang="ja-JP" dirty="0"/>
+          </a:p>
+          <a:p>
+            <a:pPr>
+              <a:buFont typeface="Wingdings" panose="05000000000000000000" pitchFamily="2" charset="2"/>
+              <a:buChar char="l"/>
+            </a:pPr>
+            <a:r>
+              <a:rPr lang="ja-JP" altLang="en-US" dirty="0"/>
+              <a:t>今後の課題</a:t>
+            </a:r>
+            <a:endParaRPr lang="en-US" altLang="ja-JP" dirty="0"/>
+          </a:p>
+          <a:p>
+            <a:pPr lvl="1">
+              <a:buFont typeface="Wingdings" panose="05000000000000000000" pitchFamily="2" charset="2"/>
+              <a:buChar char="l"/>
+            </a:pPr>
+            <a:r>
+              <a:rPr kumimoji="1" lang="ja-JP" altLang="en-US" dirty="0"/>
+              <a:t>運用系</a:t>
+            </a:r>
+            <a:r>
+              <a:rPr kumimoji="1" lang="en-US" altLang="ja-JP" dirty="0"/>
+              <a:t>VM</a:t>
+            </a:r>
+            <a:r>
+              <a:rPr kumimoji="1" lang="ja-JP" altLang="en-US" dirty="0"/>
+              <a:t>と待機系</a:t>
+            </a:r>
+            <a:r>
+              <a:rPr kumimoji="1" lang="en-US" altLang="ja-JP" dirty="0"/>
+              <a:t>VM</a:t>
+            </a:r>
+            <a:r>
+              <a:rPr kumimoji="1" lang="ja-JP" altLang="en-US" dirty="0"/>
+              <a:t>内コンテナの間で</a:t>
+            </a:r>
+            <a:r>
+              <a:rPr kumimoji="1" lang="en-US" altLang="ja-JP" dirty="0"/>
+              <a:t>VM</a:t>
+            </a:r>
+            <a:r>
+              <a:rPr kumimoji="1" lang="ja-JP" altLang="en-US" dirty="0"/>
+              <a:t>状態の同期をどのようにとるか検討</a:t>
+            </a:r>
+            <a:endParaRPr kumimoji="1" lang="en-US" altLang="ja-JP" dirty="0"/>
+          </a:p>
+          <a:p>
+            <a:pPr lvl="1">
+              <a:buFont typeface="Wingdings" panose="05000000000000000000" pitchFamily="2" charset="2"/>
+              <a:buChar char="l"/>
+            </a:pPr>
+            <a:r>
+              <a:rPr lang="ja-JP" altLang="en-US" dirty="0"/>
+              <a:t>障害規模に応じた障害対策の実現</a:t>
+            </a:r>
+            <a:endParaRPr lang="en-US" altLang="ja-JP" dirty="0"/>
+          </a:p>
+          <a:p>
+            <a:pPr lvl="1">
+              <a:buFont typeface="Wingdings" panose="05000000000000000000" pitchFamily="2" charset="2"/>
+              <a:buChar char="l"/>
+            </a:pPr>
+            <a:r>
+              <a:rPr kumimoji="1" lang="ja-JP" altLang="en-US" dirty="0"/>
+              <a:t>ライブマイグレーション利用によるダウンタイムの削減</a:t>
+            </a:r>
+          </a:p>
+        </p:txBody>
+      </p:sp>
+      <p:sp>
+        <p:nvSpPr>
+          <p:cNvPr id="4" name="スライド番号プレースホルダー 3">
+            <a:extLst>
+              <a:ext uri="{FF2B5EF4-FFF2-40B4-BE49-F238E27FC236}">
+                <a16:creationId xmlns:a16="http://schemas.microsoft.com/office/drawing/2014/main" id="{E7A5F23A-F690-4FBD-A70F-A5B52B3C643D}"/>
+              </a:ext>
+            </a:extLst>
+          </p:cNvPr>
+          <p:cNvSpPr>
+            <a:spLocks noGrp="1"/>
+          </p:cNvSpPr>
+          <p:nvPr>
+            <p:ph type="sldNum" sz="quarter" idx="12"/>
+          </p:nvPr>
+        </p:nvSpPr>
+        <p:spPr/>
+        <p:txBody>
+          <a:bodyPr/>
+          <a:lstStyle/>
+          <a:p>
+            <a:fld id="{7AB22DEB-E1FF-4BEE-A182-437B9452AE5B}" type="slidenum">
+              <a:rPr kumimoji="1" lang="ja-JP" altLang="en-US" smtClean="0"/>
+              <a:pPr/>
+              <a:t>31</a:t>
+            </a:fld>
+            <a:endParaRPr kumimoji="1" lang="ja-JP" altLang="en-US"/>
+          </a:p>
+        </p:txBody>
+      </p:sp>
+    </p:spTree>
+    <p:extLst>
+      <p:ext uri="{BB962C8B-B14F-4D97-AF65-F5344CB8AC3E}">
+        <p14:creationId xmlns:p14="http://schemas.microsoft.com/office/powerpoint/2010/main" val="2731036769"/>
       </p:ext>
     </p:extLst>
   </p:cSld>
@@ -12493,7 +12889,7 @@
           <p:cNvPr id="2" name="タイトル 1">
             <a:extLst>
               <a:ext uri="{FF2B5EF4-FFF2-40B4-BE49-F238E27FC236}">
-                <a16:creationId xmlns:a16="http://schemas.microsoft.com/office/drawing/2014/main" id="{31F30708-8EAC-4834-B096-AF5AD7EE2B50}"/>
+                <a16:creationId xmlns:a16="http://schemas.microsoft.com/office/drawing/2014/main" id="{BC7FAB1B-214F-4A64-B51C-359E05439608}"/>
               </a:ext>
             </a:extLst>
           </p:cNvPr>
@@ -12510,14 +12906,9 @@
           <a:lstStyle/>
           <a:p>
             <a:r>
-              <a:rPr lang="ja-JP" altLang="en-US" dirty="0"/>
-              <a:t>マイグレーション性能評価</a:t>
-            </a:r>
-            <a:r>
-              <a:rPr lang="en-US" altLang="ja-JP" dirty="0"/>
-              <a:t>(2)</a:t>
-            </a:r>
-            <a:endParaRPr kumimoji="1" lang="ja-JP" altLang="en-US" dirty="0"/>
+              <a:rPr kumimoji="1" lang="ja-JP" altLang="en-US" dirty="0"/>
+              <a:t>不明点，疑問点</a:t>
+            </a:r>
           </a:p>
         </p:txBody>
       </p:sp>
@@ -12526,7 +12917,7 @@
           <p:cNvPr id="3" name="コンテンツ プレースホルダー 2">
             <a:extLst>
               <a:ext uri="{FF2B5EF4-FFF2-40B4-BE49-F238E27FC236}">
-                <a16:creationId xmlns:a16="http://schemas.microsoft.com/office/drawing/2014/main" id="{5FF227AC-7A76-4EBF-B037-874361773D3D}"/>
+                <a16:creationId xmlns:a16="http://schemas.microsoft.com/office/drawing/2014/main" id="{53CEC786-F177-4B1D-AA3D-5050ED87ABE3}"/>
               </a:ext>
             </a:extLst>
           </p:cNvPr>
@@ -12547,26 +12938,27 @@
               <a:buChar char="l"/>
             </a:pPr>
             <a:r>
-              <a:rPr kumimoji="1" lang="ja-JP" altLang="en-US" dirty="0"/>
-              <a:t>マイグレーション時間は</a:t>
-            </a:r>
-            <a:r>
-              <a:rPr kumimoji="1" lang="en-US" altLang="ja-JP" dirty="0"/>
-              <a:t>VM</a:t>
-            </a:r>
-            <a:r>
-              <a:rPr kumimoji="1" lang="ja-JP" altLang="en-US" dirty="0"/>
-              <a:t>内コンテナのほうが</a:t>
-            </a:r>
-            <a:r>
-              <a:rPr kumimoji="1" lang="en-US" altLang="ja-JP" dirty="0"/>
-              <a:t>1</a:t>
-            </a:r>
-            <a:r>
-              <a:rPr kumimoji="1" lang="ja-JP" altLang="en-US" dirty="0"/>
-              <a:t>秒程度高速化</a:t>
-            </a:r>
-            <a:endParaRPr kumimoji="1" lang="en-US" altLang="ja-JP" dirty="0"/>
+              <a:rPr lang="en-US" altLang="ja-JP" dirty="0" err="1"/>
+              <a:t>VCRecovery</a:t>
+            </a:r>
+            <a:r>
+              <a:rPr lang="ja-JP" altLang="en-US" dirty="0"/>
+              <a:t>コールドスタンバイでの共有して使う待機系の</a:t>
+            </a:r>
+            <a:endParaRPr lang="en-US" altLang="ja-JP" dirty="0"/>
+          </a:p>
+          <a:p>
+            <a:pPr marL="0" indent="0">
+              <a:lnSpc>
+                <a:spcPct val="50000"/>
+              </a:lnSpc>
+              <a:buNone/>
+            </a:pPr>
+            <a:r>
+              <a:rPr lang="ja-JP" altLang="en-US" dirty="0"/>
+              <a:t>セキュリティ</a:t>
+            </a:r>
+            <a:endParaRPr lang="en-US" altLang="ja-JP" dirty="0"/>
           </a:p>
           <a:p>
             <a:pPr lvl="1">
@@ -12574,12 +12966,8 @@
               <a:buChar char="l"/>
             </a:pPr>
             <a:r>
-              <a:rPr lang="en-US" altLang="ja-JP" dirty="0"/>
-              <a:t>VM</a:t>
-            </a:r>
-            <a:r>
               <a:rPr lang="ja-JP" altLang="en-US" dirty="0"/>
-              <a:t>内コンテナのオーバヘッドは無い</a:t>
+              <a:t>コンテナを利用することでセキュリティが担保される根拠が不明</a:t>
             </a:r>
             <a:endParaRPr lang="en-US" altLang="ja-JP" dirty="0"/>
           </a:p>
@@ -12589,65 +12977,23 @@
               <a:buChar char="l"/>
             </a:pPr>
             <a:r>
-              <a:rPr kumimoji="1" lang="en-US" altLang="ja-JP" dirty="0"/>
-              <a:t>VM</a:t>
-            </a:r>
-            <a:r>
-              <a:rPr kumimoji="1" lang="ja-JP" altLang="en-US" dirty="0"/>
-              <a:t>内コンテナのダウンタイムは</a:t>
-            </a:r>
-            <a:r>
-              <a:rPr kumimoji="1" lang="en-US" altLang="ja-JP" dirty="0"/>
+              <a:rPr lang="en-US" altLang="ja-JP" dirty="0"/>
               <a:t>5.6</a:t>
             </a:r>
             <a:r>
-              <a:rPr kumimoji="1" lang="ja-JP" altLang="en-US" dirty="0"/>
-              <a:t>秒</a:t>
-            </a:r>
-          </a:p>
-        </p:txBody>
-      </p:sp>
-      <p:pic>
-        <p:nvPicPr>
-          <p:cNvPr id="5" name="図 4">
+              <a:rPr lang="ja-JP" altLang="en-US" dirty="0"/>
+              <a:t>秒のダウンタイムは何に対してかなり長いのかが不明</a:t>
+            </a:r>
+            <a:endParaRPr lang="en-US" altLang="ja-JP" dirty="0"/>
+          </a:p>
+        </p:txBody>
+      </p:sp>
+      <p:sp>
+        <p:nvSpPr>
+          <p:cNvPr id="4" name="スライド番号プレースホルダー 3">
             <a:extLst>
               <a:ext uri="{FF2B5EF4-FFF2-40B4-BE49-F238E27FC236}">
-                <a16:creationId xmlns:a16="http://schemas.microsoft.com/office/drawing/2014/main" id="{25F82072-E88C-446A-904B-DE9F8FFF2F90}"/>
-              </a:ext>
-            </a:extLst>
-          </p:cNvPr>
-          <p:cNvPicPr>
-            <a:picLocks noChangeAspect="1"/>
-          </p:cNvPicPr>
-          <p:nvPr/>
-        </p:nvPicPr>
-        <p:blipFill rotWithShape="1">
-          <a:blip r:embed="rId2">
-            <a:extLst>
-              <a:ext uri="{28A0092B-C50C-407E-A947-70E740481C1C}">
-                <a14:useLocalDpi xmlns:a14="http://schemas.microsoft.com/office/drawing/2010/main" val="0"/>
-              </a:ext>
-            </a:extLst>
-          </a:blip>
-          <a:srcRect t="4213"/>
-          <a:stretch/>
-        </p:blipFill>
-        <p:spPr>
-          <a:xfrm>
-            <a:off x="2016892" y="2941504"/>
-            <a:ext cx="5110215" cy="3629892"/>
-          </a:xfrm>
-          <a:prstGeom prst="rect">
-            <a:avLst/>
-          </a:prstGeom>
-        </p:spPr>
-      </p:pic>
-      <p:sp>
-        <p:nvSpPr>
-          <p:cNvPr id="4" name="スライド番号プレースホルダー 3">
-            <a:extLst>
-              <a:ext uri="{FF2B5EF4-FFF2-40B4-BE49-F238E27FC236}">
-                <a16:creationId xmlns:a16="http://schemas.microsoft.com/office/drawing/2014/main" id="{70624EB9-5543-4E9C-A511-BFFE80723230}"/>
+                <a16:creationId xmlns:a16="http://schemas.microsoft.com/office/drawing/2014/main" id="{BFE490A5-55D7-4564-B054-E57B948F97AE}"/>
               </a:ext>
             </a:extLst>
           </p:cNvPr>
@@ -12675,7 +13021,7 @@
     </p:spTree>
     <p:extLst>
       <p:ext uri="{BB962C8B-B14F-4D97-AF65-F5344CB8AC3E}">
-        <p14:creationId xmlns:p14="http://schemas.microsoft.com/office/powerpoint/2010/main" val="1055151996"/>
+        <p14:creationId xmlns:p14="http://schemas.microsoft.com/office/powerpoint/2010/main" val="962646475"/>
       </p:ext>
     </p:extLst>
   </p:cSld>
@@ -12704,184 +13050,66 @@
       </p:grpSpPr>
       <p:sp>
         <p:nvSpPr>
-          <p:cNvPr id="2" name="タイトル 1">
+          <p:cNvPr id="6" name="タイトル 3">
             <a:extLst>
               <a:ext uri="{FF2B5EF4-FFF2-40B4-BE49-F238E27FC236}">
-                <a16:creationId xmlns:a16="http://schemas.microsoft.com/office/drawing/2014/main" id="{F005CF57-C002-4A92-B7C6-CD0818E3DF30}"/>
+                <a16:creationId xmlns:a16="http://schemas.microsoft.com/office/drawing/2014/main" id="{2BFB61AF-8222-46FB-96E0-214DDFACFD40}"/>
               </a:ext>
             </a:extLst>
           </p:cNvPr>
-          <p:cNvSpPr>
-            <a:spLocks noGrp="1"/>
-          </p:cNvSpPr>
-          <p:nvPr>
-            <p:ph type="title"/>
-          </p:nvPr>
-        </p:nvSpPr>
-        <p:spPr/>
+          <p:cNvSpPr txBox="1">
+            <a:spLocks/>
+          </p:cNvSpPr>
+          <p:nvPr/>
+        </p:nvSpPr>
+        <p:spPr>
+          <a:xfrm>
+            <a:off x="800100" y="2787350"/>
+            <a:ext cx="7543800" cy="641650"/>
+          </a:xfrm>
+          <a:prstGeom prst="rect">
+            <a:avLst/>
+          </a:prstGeom>
+        </p:spPr>
         <p:txBody>
           <a:bodyPr/>
-          <a:lstStyle/>
-          <a:p>
-            <a:r>
-              <a:rPr kumimoji="1" lang="ja-JP" altLang="en-US" dirty="0"/>
-              <a:t>まとめ</a:t>
-            </a:r>
-          </a:p>
-        </p:txBody>
-      </p:sp>
-      <p:sp>
-        <p:nvSpPr>
-          <p:cNvPr id="3" name="コンテンツ プレースホルダー 2">
+          <a:lstStyle>
+            <a:lvl1pPr algn="l" defTabSz="914400" rtl="0" eaLnBrk="1" latinLnBrk="0" hangingPunct="1">
+              <a:lnSpc>
+                <a:spcPct val="85000"/>
+              </a:lnSpc>
+              <a:spcBef>
+                <a:spcPct val="0"/>
+              </a:spcBef>
+              <a:buNone/>
+              <a:defRPr kumimoji="1" sz="4800" kern="1200" spc="-50" baseline="0">
+                <a:solidFill>
+                  <a:schemeClr val="tx1">
+                    <a:lumMod val="75000"/>
+                    <a:lumOff val="25000"/>
+                  </a:schemeClr>
+                </a:solidFill>
+                <a:latin typeface="+mj-lt"/>
+                <a:ea typeface="+mj-ea"/>
+                <a:cs typeface="+mj-cs"/>
+              </a:defRPr>
+            </a:lvl1pPr>
+          </a:lstStyle>
+          <a:p>
+            <a:pPr algn="ctr"/>
+            <a:r>
+              <a:rPr lang="ja-JP" altLang="en-US" dirty="0"/>
+              <a:t>補足</a:t>
+            </a:r>
+          </a:p>
+        </p:txBody>
+      </p:sp>
+      <p:sp>
+        <p:nvSpPr>
+          <p:cNvPr id="2" name="スライド番号プレースホルダー 1">
             <a:extLst>
               <a:ext uri="{FF2B5EF4-FFF2-40B4-BE49-F238E27FC236}">
-                <a16:creationId xmlns:a16="http://schemas.microsoft.com/office/drawing/2014/main" id="{938F7423-73BE-4A3E-9C58-8B36E6018190}"/>
-              </a:ext>
-            </a:extLst>
-          </p:cNvPr>
-          <p:cNvSpPr>
-            <a:spLocks noGrp="1"/>
-          </p:cNvSpPr>
-          <p:nvPr>
-            <p:ph idx="1"/>
-          </p:nvPr>
-        </p:nvSpPr>
-        <p:spPr/>
-        <p:txBody>
-          <a:bodyPr/>
-          <a:lstStyle/>
-          <a:p>
-            <a:pPr>
-              <a:buFont typeface="Wingdings" panose="05000000000000000000" pitchFamily="2" charset="2"/>
-              <a:buChar char="l"/>
-            </a:pPr>
-            <a:r>
-              <a:rPr kumimoji="1" lang="ja-JP" altLang="en-US" dirty="0"/>
-              <a:t>提案手法</a:t>
-            </a:r>
-            <a:r>
-              <a:rPr kumimoji="1" lang="en-US" altLang="ja-JP" dirty="0"/>
-              <a:t>(</a:t>
-            </a:r>
-            <a:r>
-              <a:rPr kumimoji="1" lang="en-US" altLang="ja-JP" dirty="0" err="1"/>
-              <a:t>VCRecovery</a:t>
-            </a:r>
-            <a:r>
-              <a:rPr kumimoji="1" lang="en-US" altLang="ja-JP" dirty="0"/>
-              <a:t>)</a:t>
-            </a:r>
-            <a:r>
-              <a:rPr kumimoji="1" lang="ja-JP" altLang="en-US" dirty="0"/>
-              <a:t>により低コスト，高速な障害復旧が可能</a:t>
-            </a:r>
-            <a:endParaRPr kumimoji="1" lang="en-US" altLang="ja-JP" dirty="0"/>
-          </a:p>
-          <a:p>
-            <a:pPr>
-              <a:buFont typeface="Wingdings" panose="05000000000000000000" pitchFamily="2" charset="2"/>
-              <a:buChar char="l"/>
-            </a:pPr>
-            <a:r>
-              <a:rPr lang="en-US" altLang="ja-JP" dirty="0"/>
-              <a:t>Zabbix</a:t>
-            </a:r>
-            <a:r>
-              <a:rPr lang="ja-JP" altLang="en-US" dirty="0"/>
-              <a:t>や</a:t>
-            </a:r>
-            <a:r>
-              <a:rPr lang="en-US" altLang="ja-JP" dirty="0"/>
-              <a:t>LXD</a:t>
-            </a:r>
-            <a:r>
-              <a:rPr lang="ja-JP" altLang="en-US" dirty="0"/>
-              <a:t>により自動で障害検知，復旧を行うことが可能</a:t>
-            </a:r>
-            <a:endParaRPr lang="en-US" altLang="ja-JP" dirty="0"/>
-          </a:p>
-          <a:p>
-            <a:pPr>
-              <a:buFont typeface="Wingdings" panose="05000000000000000000" pitchFamily="2" charset="2"/>
-              <a:buChar char="l"/>
-            </a:pPr>
-            <a:endParaRPr kumimoji="1" lang="en-US" altLang="ja-JP" dirty="0"/>
-          </a:p>
-          <a:p>
-            <a:pPr>
-              <a:buFont typeface="Wingdings" panose="05000000000000000000" pitchFamily="2" charset="2"/>
-              <a:buChar char="l"/>
-            </a:pPr>
-            <a:r>
-              <a:rPr lang="ja-JP" altLang="en-US" dirty="0"/>
-              <a:t>今後の課題</a:t>
-            </a:r>
-            <a:endParaRPr lang="en-US" altLang="ja-JP" dirty="0"/>
-          </a:p>
-          <a:p>
-            <a:pPr lvl="1">
-              <a:buFont typeface="Wingdings" panose="05000000000000000000" pitchFamily="2" charset="2"/>
-              <a:buChar char="l"/>
-            </a:pPr>
-            <a:r>
-              <a:rPr kumimoji="1" lang="ja-JP" altLang="en-US" dirty="0"/>
-              <a:t>運用系</a:t>
-            </a:r>
-            <a:r>
-              <a:rPr kumimoji="1" lang="en-US" altLang="ja-JP" dirty="0"/>
-              <a:t>VM</a:t>
-            </a:r>
-            <a:r>
-              <a:rPr kumimoji="1" lang="ja-JP" altLang="en-US" dirty="0"/>
-              <a:t>と待機系</a:t>
-            </a:r>
-            <a:r>
-              <a:rPr kumimoji="1" lang="en-US" altLang="ja-JP" dirty="0"/>
-              <a:t>VM</a:t>
-            </a:r>
-            <a:r>
-              <a:rPr kumimoji="1" lang="ja-JP" altLang="en-US" dirty="0"/>
-              <a:t>内コンテナの間で</a:t>
-            </a:r>
-            <a:r>
-              <a:rPr kumimoji="1" lang="en-US" altLang="ja-JP" dirty="0"/>
-              <a:t>VM</a:t>
-            </a:r>
-            <a:r>
-              <a:rPr kumimoji="1" lang="ja-JP" altLang="en-US" dirty="0"/>
-              <a:t>状態の同期をどのようにとるか検討</a:t>
-            </a:r>
-            <a:endParaRPr kumimoji="1" lang="en-US" altLang="ja-JP" dirty="0"/>
-          </a:p>
-          <a:p>
-            <a:pPr lvl="1">
-              <a:buFont typeface="Wingdings" panose="05000000000000000000" pitchFamily="2" charset="2"/>
-              <a:buChar char="l"/>
-            </a:pPr>
-            <a:r>
-              <a:rPr lang="ja-JP" altLang="en-US" dirty="0"/>
-              <a:t>障害規模に応じた障害対策の実現</a:t>
-            </a:r>
-            <a:endParaRPr lang="en-US" altLang="ja-JP" dirty="0"/>
-          </a:p>
-          <a:p>
-            <a:pPr lvl="1">
-              <a:buFont typeface="Wingdings" panose="05000000000000000000" pitchFamily="2" charset="2"/>
-              <a:buChar char="l"/>
-            </a:pPr>
-            <a:r>
-              <a:rPr kumimoji="1" lang="ja-JP" altLang="en-US" dirty="0"/>
-              <a:t>ライブマイグレーション利用によるダウンタイムの削減</a:t>
-            </a:r>
-          </a:p>
-        </p:txBody>
-      </p:sp>
-      <p:sp>
-        <p:nvSpPr>
-          <p:cNvPr id="4" name="スライド番号プレースホルダー 3">
-            <a:extLst>
-              <a:ext uri="{FF2B5EF4-FFF2-40B4-BE49-F238E27FC236}">
-                <a16:creationId xmlns:a16="http://schemas.microsoft.com/office/drawing/2014/main" id="{E7A5F23A-F690-4FBD-A70F-A5B52B3C643D}"/>
+                <a16:creationId xmlns:a16="http://schemas.microsoft.com/office/drawing/2014/main" id="{A662BA70-9E4A-4FC8-A30F-030631E9225A}"/>
               </a:ext>
             </a:extLst>
           </p:cNvPr>
@@ -12899,7 +13127,6 @@
           <a:p>
             <a:fld id="{7AB22DEB-E1FF-4BEE-A182-437B9452AE5B}" type="slidenum">
               <a:rPr kumimoji="1" lang="ja-JP" altLang="en-US" smtClean="0"/>
-              <a:pPr/>
               <a:t>33</a:t>
             </a:fld>
             <a:endParaRPr kumimoji="1" lang="ja-JP" altLang="en-US"/>
@@ -12909,7 +13136,7 @@
     </p:spTree>
     <p:extLst>
       <p:ext uri="{BB962C8B-B14F-4D97-AF65-F5344CB8AC3E}">
-        <p14:creationId xmlns:p14="http://schemas.microsoft.com/office/powerpoint/2010/main" val="2731036769"/>
+        <p14:creationId xmlns:p14="http://schemas.microsoft.com/office/powerpoint/2010/main" val="3545044364"/>
       </p:ext>
     </p:extLst>
   </p:cSld>
@@ -12936,12 +13163,47 @@
           <a:chExt cx="0" cy="0"/>
         </a:xfrm>
       </p:grpSpPr>
+      <p:pic>
+        <p:nvPicPr>
+          <p:cNvPr id="6" name="図 5">
+            <a:extLst>
+              <a:ext uri="{FF2B5EF4-FFF2-40B4-BE49-F238E27FC236}">
+                <a16:creationId xmlns:a16="http://schemas.microsoft.com/office/drawing/2014/main" id="{EBD14847-38B9-4119-AB0B-86F4FE2C1910}"/>
+              </a:ext>
+            </a:extLst>
+          </p:cNvPr>
+          <p:cNvPicPr>
+            <a:picLocks noChangeAspect="1"/>
+          </p:cNvPicPr>
+          <p:nvPr/>
+        </p:nvPicPr>
+        <p:blipFill rotWithShape="1">
+          <a:blip r:embed="rId2">
+            <a:extLst>
+              <a:ext uri="{28A0092B-C50C-407E-A947-70E740481C1C}">
+                <a14:useLocalDpi xmlns:a14="http://schemas.microsoft.com/office/drawing/2010/main" val="0"/>
+              </a:ext>
+            </a:extLst>
+          </a:blip>
+          <a:srcRect t="3863" b="3832"/>
+          <a:stretch/>
+        </p:blipFill>
+        <p:spPr>
+          <a:xfrm>
+            <a:off x="714201" y="2746155"/>
+            <a:ext cx="7879815" cy="3682354"/>
+          </a:xfrm>
+          <a:prstGeom prst="rect">
+            <a:avLst/>
+          </a:prstGeom>
+        </p:spPr>
+      </p:pic>
       <p:sp>
         <p:nvSpPr>
           <p:cNvPr id="2" name="タイトル 1">
             <a:extLst>
               <a:ext uri="{FF2B5EF4-FFF2-40B4-BE49-F238E27FC236}">
-                <a16:creationId xmlns:a16="http://schemas.microsoft.com/office/drawing/2014/main" id="{BC7FAB1B-214F-4A64-B51C-359E05439608}"/>
+                <a16:creationId xmlns:a16="http://schemas.microsoft.com/office/drawing/2014/main" id="{4E5E1896-14F4-4223-B7AB-CA2BC7F75E9F}"/>
               </a:ext>
             </a:extLst>
           </p:cNvPr>
@@ -12959,7 +13221,15 @@
           <a:p>
             <a:r>
               <a:rPr kumimoji="1" lang="ja-JP" altLang="en-US" dirty="0"/>
-              <a:t>不明点，疑問点</a:t>
+              <a:t>障害検知（</a:t>
+            </a:r>
+            <a:r>
+              <a:rPr lang="ja-JP" altLang="en-US" dirty="0"/>
+              <a:t>ホスト</a:t>
+            </a:r>
+            <a:r>
+              <a:rPr kumimoji="1" lang="ja-JP" altLang="en-US" dirty="0"/>
+              <a:t>）</a:t>
             </a:r>
           </a:p>
         </p:txBody>
@@ -12969,7 +13239,7 @@
           <p:cNvPr id="3" name="コンテンツ プレースホルダー 2">
             <a:extLst>
               <a:ext uri="{FF2B5EF4-FFF2-40B4-BE49-F238E27FC236}">
-                <a16:creationId xmlns:a16="http://schemas.microsoft.com/office/drawing/2014/main" id="{53CEC786-F177-4B1D-AA3D-5050ED87ABE3}"/>
+                <a16:creationId xmlns:a16="http://schemas.microsoft.com/office/drawing/2014/main" id="{5E3906CF-A294-479D-9A0D-77EB7A6E43D6}"/>
               </a:ext>
             </a:extLst>
           </p:cNvPr>
@@ -12990,14 +13260,22 @@
               <a:buChar char="l"/>
             </a:pPr>
             <a:r>
-              <a:rPr lang="en-US" altLang="ja-JP" dirty="0" err="1"/>
-              <a:t>VCRecovery</a:t>
-            </a:r>
-            <a:r>
-              <a:rPr lang="ja-JP" altLang="en-US" dirty="0"/>
-              <a:t>コールドスタンバイでの共有して使う待機系のセキュリティ</a:t>
-            </a:r>
-            <a:endParaRPr lang="en-US" altLang="ja-JP" dirty="0"/>
+              <a:rPr kumimoji="1" lang="en-US" altLang="ja-JP" dirty="0"/>
+              <a:t>Zabbix</a:t>
+            </a:r>
+            <a:r>
+              <a:rPr kumimoji="1" lang="ja-JP" altLang="en-US" dirty="0"/>
+              <a:t>サーバと</a:t>
+            </a:r>
+            <a:r>
+              <a:rPr kumimoji="1" lang="en-US" altLang="ja-JP" dirty="0" err="1"/>
+              <a:t>Zabbbix</a:t>
+            </a:r>
+            <a:r>
+              <a:rPr kumimoji="1" lang="ja-JP" altLang="en-US" dirty="0"/>
+              <a:t>エージェント間で死活監視を行う</a:t>
+            </a:r>
+            <a:endParaRPr kumimoji="1" lang="en-US" altLang="ja-JP" dirty="0"/>
           </a:p>
           <a:p>
             <a:pPr lvl="1">
@@ -13006,25 +13284,18 @@
             </a:pPr>
             <a:r>
               <a:rPr lang="ja-JP" altLang="en-US" dirty="0"/>
-              <a:t>コンテナを利用するためセキュリティが担保される理由がわからない</a:t>
+              <a:t>一定期間</a:t>
+            </a:r>
+            <a:r>
+              <a:rPr lang="en-US" altLang="ja-JP" dirty="0"/>
+              <a:t>Zabbix</a:t>
+            </a:r>
+            <a:r>
+              <a:rPr lang="ja-JP" altLang="en-US" dirty="0"/>
+              <a:t>エージェントから応答がない場合，ホストに障害が発生していると判断</a:t>
             </a:r>
             <a:endParaRPr lang="en-US" altLang="ja-JP" dirty="0"/>
           </a:p>
-          <a:p>
-            <a:pPr>
-              <a:buFont typeface="Wingdings" panose="05000000000000000000" pitchFamily="2" charset="2"/>
-              <a:buChar char="l"/>
-            </a:pPr>
-            <a:r>
-              <a:rPr lang="en-US" altLang="ja-JP" dirty="0"/>
-              <a:t>5.6</a:t>
-            </a:r>
-            <a:r>
-              <a:rPr lang="ja-JP" altLang="en-US" dirty="0"/>
-              <a:t>秒のダウンタイムは何に対してかなり長いのかが不明</a:t>
-            </a:r>
-            <a:endParaRPr lang="en-US" altLang="ja-JP" dirty="0"/>
-          </a:p>
         </p:txBody>
       </p:sp>
       <p:sp>
@@ -13032,7 +13303,7 @@
           <p:cNvPr id="4" name="スライド番号プレースホルダー 3">
             <a:extLst>
               <a:ext uri="{FF2B5EF4-FFF2-40B4-BE49-F238E27FC236}">
-                <a16:creationId xmlns:a16="http://schemas.microsoft.com/office/drawing/2014/main" id="{BFE490A5-55D7-4564-B054-E57B948F97AE}"/>
+                <a16:creationId xmlns:a16="http://schemas.microsoft.com/office/drawing/2014/main" id="{4D5490F5-AF14-4054-B60D-2397E6BB8ED2}"/>
               </a:ext>
             </a:extLst>
           </p:cNvPr>
@@ -13060,7 +13331,7 @@
     </p:spTree>
     <p:extLst>
       <p:ext uri="{BB962C8B-B14F-4D97-AF65-F5344CB8AC3E}">
-        <p14:creationId xmlns:p14="http://schemas.microsoft.com/office/powerpoint/2010/main" val="962646475"/>
+        <p14:creationId xmlns:p14="http://schemas.microsoft.com/office/powerpoint/2010/main" val="204814852"/>
       </p:ext>
     </p:extLst>
   </p:cSld>
@@ -13089,66 +13360,121 @@
       </p:grpSpPr>
       <p:sp>
         <p:nvSpPr>
-          <p:cNvPr id="6" name="タイトル 3">
+          <p:cNvPr id="2" name="タイトル 1">
             <a:extLst>
               <a:ext uri="{FF2B5EF4-FFF2-40B4-BE49-F238E27FC236}">
-                <a16:creationId xmlns:a16="http://schemas.microsoft.com/office/drawing/2014/main" id="{2BFB61AF-8222-46FB-96E0-214DDFACFD40}"/>
+                <a16:creationId xmlns:a16="http://schemas.microsoft.com/office/drawing/2014/main" id="{0BBE482C-D599-4F6B-96DB-900945280BA2}"/>
               </a:ext>
             </a:extLst>
           </p:cNvPr>
-          <p:cNvSpPr txBox="1">
-            <a:spLocks/>
-          </p:cNvSpPr>
+          <p:cNvSpPr>
+            <a:spLocks noGrp="1"/>
+          </p:cNvSpPr>
+          <p:nvPr>
+            <p:ph type="title"/>
+          </p:nvPr>
+        </p:nvSpPr>
+        <p:spPr/>
+        <p:txBody>
+          <a:bodyPr/>
+          <a:lstStyle/>
+          <a:p>
+            <a:r>
+              <a:rPr kumimoji="1" lang="ja-JP" altLang="en-US" dirty="0"/>
+              <a:t>障害検知（クラウド）</a:t>
+            </a:r>
+          </a:p>
+        </p:txBody>
+      </p:sp>
+      <p:sp>
+        <p:nvSpPr>
+          <p:cNvPr id="3" name="コンテンツ プレースホルダー 2">
+            <a:extLst>
+              <a:ext uri="{FF2B5EF4-FFF2-40B4-BE49-F238E27FC236}">
+                <a16:creationId xmlns:a16="http://schemas.microsoft.com/office/drawing/2014/main" id="{BE7CBCCB-0916-4514-B473-A6456C0221C7}"/>
+              </a:ext>
+            </a:extLst>
+          </p:cNvPr>
+          <p:cNvSpPr>
+            <a:spLocks noGrp="1"/>
+          </p:cNvSpPr>
+          <p:nvPr>
+            <p:ph idx="1"/>
+          </p:nvPr>
+        </p:nvSpPr>
+        <p:spPr/>
+        <p:txBody>
+          <a:bodyPr/>
+          <a:lstStyle/>
+          <a:p>
+            <a:pPr lvl="1">
+              <a:buFont typeface="Wingdings" panose="05000000000000000000" pitchFamily="2" charset="2"/>
+              <a:buChar char="l"/>
+            </a:pPr>
+            <a:r>
+              <a:rPr lang="ja-JP" altLang="en-US" dirty="0"/>
+              <a:t>特定のクラウド内の</a:t>
+            </a:r>
+            <a:r>
+              <a:rPr lang="en-US" altLang="ja-JP" dirty="0"/>
+              <a:t>Zabbix</a:t>
+            </a:r>
+            <a:r>
+              <a:rPr lang="ja-JP" altLang="en-US" dirty="0"/>
+              <a:t>エージェントからの応答がない場合，クラウドに障害が発生していると判断</a:t>
+            </a:r>
+          </a:p>
+          <a:p>
+            <a:pPr lvl="1">
+              <a:buFont typeface="Wingdings" panose="05000000000000000000" pitchFamily="2" charset="2"/>
+              <a:buChar char="l"/>
+            </a:pPr>
+            <a:endParaRPr kumimoji="1" lang="ja-JP" altLang="en-US" dirty="0"/>
+          </a:p>
+        </p:txBody>
+      </p:sp>
+      <p:pic>
+        <p:nvPicPr>
+          <p:cNvPr id="4" name="図 3">
+            <a:extLst>
+              <a:ext uri="{FF2B5EF4-FFF2-40B4-BE49-F238E27FC236}">
+                <a16:creationId xmlns:a16="http://schemas.microsoft.com/office/drawing/2014/main" id="{203A3F29-68D1-467E-8992-B3715225B1DD}"/>
+              </a:ext>
+            </a:extLst>
+          </p:cNvPr>
+          <p:cNvPicPr>
+            <a:picLocks noChangeAspect="1"/>
+          </p:cNvPicPr>
           <p:nvPr/>
-        </p:nvSpPr>
+        </p:nvPicPr>
+        <p:blipFill>
+          <a:blip r:embed="rId2">
+            <a:extLst>
+              <a:ext uri="{28A0092B-C50C-407E-A947-70E740481C1C}">
+                <a14:useLocalDpi xmlns:a14="http://schemas.microsoft.com/office/drawing/2010/main" val="0"/>
+              </a:ext>
+            </a:extLst>
+          </a:blip>
+          <a:stretch>
+            <a:fillRect/>
+          </a:stretch>
+        </p:blipFill>
         <p:spPr>
           <a:xfrm>
-            <a:off x="800100" y="2787350"/>
-            <a:ext cx="7543800" cy="641650"/>
+            <a:off x="228600" y="2779626"/>
+            <a:ext cx="8686800" cy="3432345"/>
           </a:xfrm>
           <a:prstGeom prst="rect">
             <a:avLst/>
           </a:prstGeom>
         </p:spPr>
-        <p:txBody>
-          <a:bodyPr/>
-          <a:lstStyle>
-            <a:lvl1pPr algn="l" defTabSz="914400" rtl="0" eaLnBrk="1" latinLnBrk="0" hangingPunct="1">
-              <a:lnSpc>
-                <a:spcPct val="85000"/>
-              </a:lnSpc>
-              <a:spcBef>
-                <a:spcPct val="0"/>
-              </a:spcBef>
-              <a:buNone/>
-              <a:defRPr kumimoji="1" sz="4800" kern="1200" spc="-50" baseline="0">
-                <a:solidFill>
-                  <a:schemeClr val="tx1">
-                    <a:lumMod val="75000"/>
-                    <a:lumOff val="25000"/>
-                  </a:schemeClr>
-                </a:solidFill>
-                <a:latin typeface="+mj-lt"/>
-                <a:ea typeface="+mj-ea"/>
-                <a:cs typeface="+mj-cs"/>
-              </a:defRPr>
-            </a:lvl1pPr>
-          </a:lstStyle>
-          <a:p>
-            <a:pPr algn="ctr"/>
-            <a:r>
-              <a:rPr lang="ja-JP" altLang="en-US" dirty="0"/>
-              <a:t>補足</a:t>
-            </a:r>
-          </a:p>
-        </p:txBody>
-      </p:sp>
-      <p:sp>
-        <p:nvSpPr>
-          <p:cNvPr id="2" name="スライド番号プレースホルダー 1">
+      </p:pic>
+      <p:sp>
+        <p:nvSpPr>
+          <p:cNvPr id="5" name="スライド番号プレースホルダー 4">
             <a:extLst>
               <a:ext uri="{FF2B5EF4-FFF2-40B4-BE49-F238E27FC236}">
-                <a16:creationId xmlns:a16="http://schemas.microsoft.com/office/drawing/2014/main" id="{A662BA70-9E4A-4FC8-A30F-030631E9225A}"/>
+                <a16:creationId xmlns:a16="http://schemas.microsoft.com/office/drawing/2014/main" id="{44BBC0EB-F991-4427-975F-F672CA705894}"/>
               </a:ext>
             </a:extLst>
           </p:cNvPr>
@@ -13166,6 +13492,7 @@
           <a:p>
             <a:fld id="{7AB22DEB-E1FF-4BEE-A182-437B9452AE5B}" type="slidenum">
               <a:rPr kumimoji="1" lang="ja-JP" altLang="en-US" smtClean="0"/>
+              <a:pPr/>
               <a:t>35</a:t>
             </a:fld>
             <a:endParaRPr kumimoji="1" lang="ja-JP" altLang="en-US"/>
@@ -13175,7 +13502,7 @@
     </p:spTree>
     <p:extLst>
       <p:ext uri="{BB962C8B-B14F-4D97-AF65-F5344CB8AC3E}">
-        <p14:creationId xmlns:p14="http://schemas.microsoft.com/office/powerpoint/2010/main" val="3545044364"/>
+        <p14:creationId xmlns:p14="http://schemas.microsoft.com/office/powerpoint/2010/main" val="2664875199"/>
       </p:ext>
     </p:extLst>
   </p:cSld>
@@ -13202,47 +13529,49 @@
           <a:chExt cx="0" cy="0"/>
         </a:xfrm>
       </p:grpSpPr>
-      <p:pic>
-        <p:nvPicPr>
-          <p:cNvPr id="6" name="図 5">
+      <p:sp>
+        <p:nvSpPr>
+          <p:cNvPr id="2" name="タイトル 1">
             <a:extLst>
               <a:ext uri="{FF2B5EF4-FFF2-40B4-BE49-F238E27FC236}">
-                <a16:creationId xmlns:a16="http://schemas.microsoft.com/office/drawing/2014/main" id="{EBD14847-38B9-4119-AB0B-86F4FE2C1910}"/>
+                <a16:creationId xmlns:a16="http://schemas.microsoft.com/office/drawing/2014/main" id="{DA2AD9AE-C2BD-4526-A254-E64B481F90F9}"/>
               </a:ext>
             </a:extLst>
           </p:cNvPr>
-          <p:cNvPicPr>
-            <a:picLocks noChangeAspect="1"/>
-          </p:cNvPicPr>
-          <p:nvPr/>
-        </p:nvPicPr>
-        <p:blipFill rotWithShape="1">
-          <a:blip r:embed="rId2">
-            <a:extLst>
-              <a:ext uri="{28A0092B-C50C-407E-A947-70E740481C1C}">
-                <a14:useLocalDpi xmlns:a14="http://schemas.microsoft.com/office/drawing/2010/main" val="0"/>
-              </a:ext>
-            </a:extLst>
-          </a:blip>
-          <a:srcRect t="3863" b="3832"/>
-          <a:stretch/>
-        </p:blipFill>
-        <p:spPr>
-          <a:xfrm>
-            <a:off x="714201" y="2746155"/>
-            <a:ext cx="7879815" cy="3682354"/>
-          </a:xfrm>
-          <a:prstGeom prst="rect">
-            <a:avLst/>
-          </a:prstGeom>
-        </p:spPr>
-      </p:pic>
-      <p:sp>
-        <p:nvSpPr>
-          <p:cNvPr id="2" name="タイトル 1">
+          <p:cNvSpPr>
+            <a:spLocks noGrp="1"/>
+          </p:cNvSpPr>
+          <p:nvPr>
+            <p:ph type="title"/>
+          </p:nvPr>
+        </p:nvSpPr>
+        <p:spPr/>
+        <p:txBody>
+          <a:bodyPr/>
+          <a:lstStyle/>
+          <a:p>
+            <a:r>
+              <a:rPr lang="ja-JP" altLang="en-US" dirty="0"/>
+              <a:t>コンテナ性能評価（</a:t>
+            </a:r>
+            <a:r>
+              <a:rPr lang="en-US" altLang="ja-JP" dirty="0"/>
+              <a:t>1</a:t>
+            </a:r>
+            <a:r>
+              <a:rPr lang="ja-JP" altLang="en-US" dirty="0"/>
+              <a:t>）</a:t>
+            </a:r>
+            <a:endParaRPr kumimoji="1" lang="ja-JP" altLang="en-US" dirty="0"/>
+          </a:p>
+        </p:txBody>
+      </p:sp>
+      <p:sp>
+        <p:nvSpPr>
+          <p:cNvPr id="3" name="コンテンツ プレースホルダー 2">
             <a:extLst>
               <a:ext uri="{FF2B5EF4-FFF2-40B4-BE49-F238E27FC236}">
-                <a16:creationId xmlns:a16="http://schemas.microsoft.com/office/drawing/2014/main" id="{4E5E1896-14F4-4223-B7AB-CA2BC7F75E9F}"/>
+                <a16:creationId xmlns:a16="http://schemas.microsoft.com/office/drawing/2014/main" id="{0AA9BC43-B8E7-4AA7-8788-99183C8EDE4D}"/>
               </a:ext>
             </a:extLst>
           </p:cNvPr>
@@ -13250,7 +13579,7 @@
             <a:spLocks noGrp="1"/>
           </p:cNvSpPr>
           <p:nvPr>
-            <p:ph type="title"/>
+            <p:ph idx="1"/>
           </p:nvPr>
         </p:nvSpPr>
         <p:spPr/>
@@ -13260,59 +13589,46 @@
           <a:p>
             <a:r>
               <a:rPr kumimoji="1" lang="ja-JP" altLang="en-US" dirty="0"/>
-              <a:t>障害検知（</a:t>
+              <a:t>ベンチマークで</a:t>
+            </a:r>
+            <a:r>
+              <a:rPr kumimoji="1" lang="en-US" altLang="ja-JP" dirty="0"/>
+              <a:t>VM</a:t>
+            </a:r>
+            <a:r>
+              <a:rPr kumimoji="1" lang="ja-JP" altLang="en-US" dirty="0"/>
+              <a:t>と</a:t>
+            </a:r>
+            <a:r>
+              <a:rPr kumimoji="1" lang="en-US" altLang="ja-JP" dirty="0"/>
+              <a:t>VM</a:t>
+            </a:r>
+            <a:r>
+              <a:rPr kumimoji="1" lang="ja-JP" altLang="en-US" dirty="0"/>
+              <a:t>内コンテナの</a:t>
             </a:r>
             <a:r>
               <a:rPr lang="ja-JP" altLang="en-US" dirty="0"/>
-              <a:t>ホスト</a:t>
+              <a:t>各種</a:t>
             </a:r>
             <a:r>
               <a:rPr kumimoji="1" lang="ja-JP" altLang="en-US" dirty="0"/>
-              <a:t>）</a:t>
-            </a:r>
-          </a:p>
-        </p:txBody>
-      </p:sp>
-      <p:sp>
-        <p:nvSpPr>
-          <p:cNvPr id="3" name="コンテンツ プレースホルダー 2">
-            <a:extLst>
-              <a:ext uri="{FF2B5EF4-FFF2-40B4-BE49-F238E27FC236}">
-                <a16:creationId xmlns:a16="http://schemas.microsoft.com/office/drawing/2014/main" id="{5E3906CF-A294-479D-9A0D-77EB7A6E43D6}"/>
-              </a:ext>
-            </a:extLst>
-          </p:cNvPr>
-          <p:cNvSpPr>
-            <a:spLocks noGrp="1"/>
-          </p:cNvSpPr>
-          <p:nvPr>
-            <p:ph idx="1"/>
-          </p:nvPr>
-        </p:nvSpPr>
-        <p:spPr/>
-        <p:txBody>
-          <a:bodyPr/>
-          <a:lstStyle/>
+              <a:t>性能を</a:t>
+            </a:r>
+            <a:r>
+              <a:rPr lang="ja-JP" altLang="en-US" dirty="0"/>
+              <a:t>測定</a:t>
+            </a:r>
+            <a:endParaRPr lang="en-US" altLang="ja-JP" dirty="0"/>
+          </a:p>
           <a:p>
             <a:pPr>
               <a:buFont typeface="Wingdings" panose="05000000000000000000" pitchFamily="2" charset="2"/>
               <a:buChar char="l"/>
             </a:pPr>
             <a:r>
-              <a:rPr kumimoji="1" lang="en-US" altLang="ja-JP" dirty="0"/>
-              <a:t>Zabbix</a:t>
-            </a:r>
-            <a:r>
               <a:rPr kumimoji="1" lang="ja-JP" altLang="en-US" dirty="0"/>
-              <a:t>サーバと</a:t>
-            </a:r>
-            <a:r>
-              <a:rPr kumimoji="1" lang="en-US" altLang="ja-JP" dirty="0" err="1"/>
-              <a:t>Zabbbix</a:t>
-            </a:r>
-            <a:r>
-              <a:rPr kumimoji="1" lang="ja-JP" altLang="en-US" dirty="0"/>
-              <a:t>エージェント間で死活監視を行う</a:t>
+              <a:t>測定対象</a:t>
             </a:r>
             <a:endParaRPr kumimoji="1" lang="en-US" altLang="ja-JP" dirty="0"/>
           </a:p>
@@ -13322,18 +13638,62 @@
               <a:buChar char="l"/>
             </a:pPr>
             <a:r>
+              <a:rPr lang="en-US" altLang="ja-JP" dirty="0"/>
+              <a:t>VM</a:t>
+            </a:r>
+          </a:p>
+          <a:p>
+            <a:pPr lvl="1">
+              <a:buFont typeface="Wingdings" panose="05000000000000000000" pitchFamily="2" charset="2"/>
+              <a:buChar char="l"/>
+            </a:pPr>
+            <a:r>
+              <a:rPr kumimoji="1" lang="en-US" altLang="ja-JP" dirty="0"/>
+              <a:t>LXD</a:t>
+            </a:r>
+            <a:r>
               <a:rPr lang="ja-JP" altLang="en-US" dirty="0"/>
-              <a:t>一定期間</a:t>
+              <a:t>　ストレージバックエンド</a:t>
             </a:r>
             <a:r>
               <a:rPr lang="en-US" altLang="ja-JP" dirty="0"/>
-              <a:t>Zabbix</a:t>
+              <a:t>:</a:t>
             </a:r>
             <a:r>
               <a:rPr lang="ja-JP" altLang="en-US" dirty="0"/>
-              <a:t>エージェントから応答がない場合，ホストに障害が発生していると判断</a:t>
-            </a:r>
-            <a:endParaRPr lang="en-US" altLang="ja-JP" dirty="0"/>
+              <a:t>ディレクトリ</a:t>
+            </a:r>
+            <a:r>
+              <a:rPr lang="en-US" altLang="ja-JP" dirty="0"/>
+              <a:t>(</a:t>
+            </a:r>
+            <a:r>
+              <a:rPr lang="en-US" altLang="ja-JP" dirty="0" err="1"/>
+              <a:t>dir</a:t>
+            </a:r>
+            <a:r>
+              <a:rPr lang="en-US" altLang="ja-JP" dirty="0"/>
+              <a:t>)</a:t>
+            </a:r>
+          </a:p>
+          <a:p>
+            <a:pPr lvl="1">
+              <a:buFont typeface="Wingdings" panose="05000000000000000000" pitchFamily="2" charset="2"/>
+              <a:buChar char="l"/>
+            </a:pPr>
+            <a:r>
+              <a:rPr kumimoji="1" lang="en-US" altLang="ja-JP" dirty="0"/>
+              <a:t>LXD</a:t>
+            </a:r>
+            <a:r>
+              <a:rPr lang="ja-JP" altLang="en-US" dirty="0"/>
+              <a:t>　ストレージバックエンド</a:t>
+            </a:r>
+            <a:r>
+              <a:rPr lang="en-US" altLang="ja-JP" dirty="0"/>
+              <a:t>: ZFS</a:t>
+            </a:r>
+            <a:endParaRPr kumimoji="1" lang="ja-JP" altLang="en-US" dirty="0"/>
           </a:p>
         </p:txBody>
       </p:sp>
@@ -13342,7 +13702,7 @@
           <p:cNvPr id="4" name="スライド番号プレースホルダー 3">
             <a:extLst>
               <a:ext uri="{FF2B5EF4-FFF2-40B4-BE49-F238E27FC236}">
-                <a16:creationId xmlns:a16="http://schemas.microsoft.com/office/drawing/2014/main" id="{4D5490F5-AF14-4054-B60D-2397E6BB8ED2}"/>
+                <a16:creationId xmlns:a16="http://schemas.microsoft.com/office/drawing/2014/main" id="{4F2DD09B-6DDF-431D-A68F-A0A5EAF64074}"/>
               </a:ext>
             </a:extLst>
           </p:cNvPr>
@@ -13370,7 +13730,7 @@
     </p:spTree>
     <p:extLst>
       <p:ext uri="{BB962C8B-B14F-4D97-AF65-F5344CB8AC3E}">
-        <p14:creationId xmlns:p14="http://schemas.microsoft.com/office/powerpoint/2010/main" val="204814852"/>
+        <p14:creationId xmlns:p14="http://schemas.microsoft.com/office/powerpoint/2010/main" val="153343277"/>
       </p:ext>
     </p:extLst>
   </p:cSld>
@@ -13397,87 +13757,12 @@
           <a:chExt cx="0" cy="0"/>
         </a:xfrm>
       </p:grpSpPr>
-      <p:sp>
-        <p:nvSpPr>
-          <p:cNvPr id="2" name="タイトル 1">
-            <a:extLst>
-              <a:ext uri="{FF2B5EF4-FFF2-40B4-BE49-F238E27FC236}">
-                <a16:creationId xmlns:a16="http://schemas.microsoft.com/office/drawing/2014/main" id="{0BBE482C-D599-4F6B-96DB-900945280BA2}"/>
-              </a:ext>
-            </a:extLst>
-          </p:cNvPr>
-          <p:cNvSpPr>
-            <a:spLocks noGrp="1"/>
-          </p:cNvSpPr>
-          <p:nvPr>
-            <p:ph type="title"/>
-          </p:nvPr>
-        </p:nvSpPr>
-        <p:spPr/>
-        <p:txBody>
-          <a:bodyPr/>
-          <a:lstStyle/>
-          <a:p>
-            <a:r>
-              <a:rPr kumimoji="1" lang="ja-JP" altLang="en-US" dirty="0"/>
-              <a:t>障害検知（クラウド）</a:t>
-            </a:r>
-          </a:p>
-        </p:txBody>
-      </p:sp>
-      <p:sp>
-        <p:nvSpPr>
-          <p:cNvPr id="3" name="コンテンツ プレースホルダー 2">
-            <a:extLst>
-              <a:ext uri="{FF2B5EF4-FFF2-40B4-BE49-F238E27FC236}">
-                <a16:creationId xmlns:a16="http://schemas.microsoft.com/office/drawing/2014/main" id="{BE7CBCCB-0916-4514-B473-A6456C0221C7}"/>
-              </a:ext>
-            </a:extLst>
-          </p:cNvPr>
-          <p:cNvSpPr>
-            <a:spLocks noGrp="1"/>
-          </p:cNvSpPr>
-          <p:nvPr>
-            <p:ph idx="1"/>
-          </p:nvPr>
-        </p:nvSpPr>
-        <p:spPr/>
-        <p:txBody>
-          <a:bodyPr/>
-          <a:lstStyle/>
-          <a:p>
-            <a:pPr lvl="1">
-              <a:buFont typeface="Wingdings" panose="05000000000000000000" pitchFamily="2" charset="2"/>
-              <a:buChar char="l"/>
-            </a:pPr>
-            <a:r>
-              <a:rPr lang="ja-JP" altLang="en-US" dirty="0"/>
-              <a:t>特定のクラウド内の</a:t>
-            </a:r>
-            <a:r>
-              <a:rPr lang="en-US" altLang="ja-JP" dirty="0"/>
-              <a:t>Zabbix</a:t>
-            </a:r>
-            <a:r>
-              <a:rPr lang="ja-JP" altLang="en-US" dirty="0"/>
-              <a:t>エージェントからの応答がない場合，クラウドに障害が発生していると判断</a:t>
-            </a:r>
-          </a:p>
-          <a:p>
-            <a:pPr lvl="1">
-              <a:buFont typeface="Wingdings" panose="05000000000000000000" pitchFamily="2" charset="2"/>
-              <a:buChar char="l"/>
-            </a:pPr>
-            <a:endParaRPr kumimoji="1" lang="ja-JP" altLang="en-US" dirty="0"/>
-          </a:p>
-        </p:txBody>
-      </p:sp>
       <p:pic>
         <p:nvPicPr>
-          <p:cNvPr id="4" name="図 3">
+          <p:cNvPr id="7" name="コンテンツ プレースホルダー 4">
             <a:extLst>
               <a:ext uri="{FF2B5EF4-FFF2-40B4-BE49-F238E27FC236}">
-                <a16:creationId xmlns:a16="http://schemas.microsoft.com/office/drawing/2014/main" id="{203A3F29-68D1-467E-8992-B3715225B1DD}"/>
+                <a16:creationId xmlns:a16="http://schemas.microsoft.com/office/drawing/2014/main" id="{3DD1F033-D79A-4E4F-B9F3-67D8CB8FC756}"/>
               </a:ext>
             </a:extLst>
           </p:cNvPr>
@@ -13486,7 +13771,7 @@
           </p:cNvPicPr>
           <p:nvPr/>
         </p:nvPicPr>
-        <p:blipFill>
+        <p:blipFill rotWithShape="1">
           <a:blip r:embed="rId2">
             <a:extLst>
               <a:ext uri="{28A0092B-C50C-407E-A947-70E740481C1C}">
@@ -13494,14 +13779,13 @@
               </a:ext>
             </a:extLst>
           </a:blip>
-          <a:stretch>
-            <a:fillRect/>
-          </a:stretch>
+          <a:srcRect t="5863"/>
+          <a:stretch/>
         </p:blipFill>
         <p:spPr>
           <a:xfrm>
-            <a:off x="228600" y="2779626"/>
-            <a:ext cx="8686800" cy="3432345"/>
+            <a:off x="0" y="3084575"/>
+            <a:ext cx="9144000" cy="3632642"/>
           </a:xfrm>
           <a:prstGeom prst="rect">
             <a:avLst/>
@@ -13510,10 +13794,150 @@
       </p:pic>
       <p:sp>
         <p:nvSpPr>
-          <p:cNvPr id="5" name="スライド番号プレースホルダー 4">
+          <p:cNvPr id="2" name="タイトル 1">
             <a:extLst>
               <a:ext uri="{FF2B5EF4-FFF2-40B4-BE49-F238E27FC236}">
-                <a16:creationId xmlns:a16="http://schemas.microsoft.com/office/drawing/2014/main" id="{44BBC0EB-F991-4427-975F-F672CA705894}"/>
+                <a16:creationId xmlns:a16="http://schemas.microsoft.com/office/drawing/2014/main" id="{54264D4C-A8E4-4755-AEFA-2A802262E6CB}"/>
+              </a:ext>
+            </a:extLst>
+          </p:cNvPr>
+          <p:cNvSpPr>
+            <a:spLocks noGrp="1"/>
+          </p:cNvSpPr>
+          <p:nvPr>
+            <p:ph type="title"/>
+          </p:nvPr>
+        </p:nvSpPr>
+        <p:spPr/>
+        <p:txBody>
+          <a:bodyPr/>
+          <a:lstStyle/>
+          <a:p>
+            <a:r>
+              <a:rPr lang="ja-JP" altLang="en-US" dirty="0"/>
+              <a:t>コンテナ性能評価（</a:t>
+            </a:r>
+            <a:r>
+              <a:rPr lang="en-US" altLang="ja-JP" dirty="0"/>
+              <a:t>2</a:t>
+            </a:r>
+            <a:r>
+              <a:rPr lang="ja-JP" altLang="en-US" dirty="0"/>
+              <a:t>）</a:t>
+            </a:r>
+            <a:endParaRPr kumimoji="1" lang="ja-JP" altLang="en-US" dirty="0"/>
+          </a:p>
+        </p:txBody>
+      </p:sp>
+      <p:sp>
+        <p:nvSpPr>
+          <p:cNvPr id="6" name="コンテンツ プレースホルダー 5">
+            <a:extLst>
+              <a:ext uri="{FF2B5EF4-FFF2-40B4-BE49-F238E27FC236}">
+                <a16:creationId xmlns:a16="http://schemas.microsoft.com/office/drawing/2014/main" id="{E7C15753-C172-4D65-9A35-0A16CC9311A0}"/>
+              </a:ext>
+            </a:extLst>
+          </p:cNvPr>
+          <p:cNvSpPr>
+            <a:spLocks noGrp="1"/>
+          </p:cNvSpPr>
+          <p:nvPr>
+            <p:ph idx="1"/>
+          </p:nvPr>
+        </p:nvSpPr>
+        <p:spPr/>
+        <p:txBody>
+          <a:bodyPr/>
+          <a:lstStyle/>
+          <a:p>
+            <a:r>
+              <a:rPr kumimoji="1" lang="en-US" altLang="ja-JP" dirty="0" err="1"/>
+              <a:t>UnixBench</a:t>
+            </a:r>
+            <a:r>
+              <a:rPr lang="ja-JP" altLang="en-US" dirty="0"/>
+              <a:t>による性能評価</a:t>
+            </a:r>
+            <a:endParaRPr lang="en-US" altLang="ja-JP" dirty="0"/>
+          </a:p>
+          <a:p>
+            <a:pPr>
+              <a:buFont typeface="Wingdings" panose="05000000000000000000" pitchFamily="2" charset="2"/>
+              <a:buChar char="l"/>
+            </a:pPr>
+            <a:r>
+              <a:rPr kumimoji="1" lang="en-US" altLang="ja-JP" dirty="0"/>
+              <a:t>LXD</a:t>
+            </a:r>
+            <a:r>
+              <a:rPr kumimoji="1" lang="ja-JP" altLang="en-US" dirty="0"/>
+              <a:t>ディレクトリ</a:t>
+            </a:r>
+            <a:r>
+              <a:rPr kumimoji="1" lang="en-US" altLang="ja-JP" dirty="0"/>
+              <a:t>(</a:t>
+            </a:r>
+            <a:r>
+              <a:rPr kumimoji="1" lang="en-US" altLang="ja-JP" dirty="0" err="1"/>
+              <a:t>dir</a:t>
+            </a:r>
+            <a:r>
+              <a:rPr kumimoji="1" lang="en-US" altLang="ja-JP" dirty="0"/>
+              <a:t>)</a:t>
+            </a:r>
+            <a:r>
+              <a:rPr kumimoji="1" lang="ja-JP" altLang="en-US" dirty="0"/>
+              <a:t>の場合，</a:t>
+            </a:r>
+            <a:r>
+              <a:rPr kumimoji="1" lang="en-US" altLang="ja-JP" dirty="0"/>
+              <a:t>6.6</a:t>
+            </a:r>
+            <a:r>
+              <a:rPr lang="en-US" altLang="ja-JP" dirty="0"/>
+              <a:t>%</a:t>
+            </a:r>
+            <a:r>
+              <a:rPr lang="ja-JP" altLang="en-US" dirty="0"/>
+              <a:t>の</a:t>
+            </a:r>
+            <a:r>
+              <a:rPr kumimoji="1" lang="ja-JP" altLang="en-US" dirty="0"/>
+              <a:t>性能低下</a:t>
+            </a:r>
+            <a:endParaRPr kumimoji="1" lang="en-US" altLang="ja-JP" dirty="0"/>
+          </a:p>
+          <a:p>
+            <a:pPr>
+              <a:buFont typeface="Wingdings" panose="05000000000000000000" pitchFamily="2" charset="2"/>
+              <a:buChar char="l"/>
+            </a:pPr>
+            <a:r>
+              <a:rPr lang="en-US" altLang="ja-JP" dirty="0"/>
+              <a:t>LXD ZFS</a:t>
+            </a:r>
+            <a:r>
+              <a:rPr lang="ja-JP" altLang="en-US" dirty="0"/>
+              <a:t>の場合，</a:t>
+            </a:r>
+            <a:r>
+              <a:rPr lang="en-US" altLang="ja-JP" dirty="0"/>
+              <a:t>43.1%</a:t>
+            </a:r>
+            <a:r>
+              <a:rPr lang="ja-JP" altLang="en-US" dirty="0"/>
+              <a:t>の性能低下</a:t>
+            </a:r>
+            <a:endParaRPr kumimoji="1" lang="en-US" altLang="ja-JP" dirty="0"/>
+          </a:p>
+        </p:txBody>
+      </p:sp>
+      <p:sp>
+        <p:nvSpPr>
+          <p:cNvPr id="3" name="スライド番号プレースホルダー 2">
+            <a:extLst>
+              <a:ext uri="{FF2B5EF4-FFF2-40B4-BE49-F238E27FC236}">
+                <a16:creationId xmlns:a16="http://schemas.microsoft.com/office/drawing/2014/main" id="{87FA5A5D-A563-4ECA-ACA0-83640393025D}"/>
               </a:ext>
             </a:extLst>
           </p:cNvPr>
@@ -13541,7 +13965,393 @@
     </p:spTree>
     <p:extLst>
       <p:ext uri="{BB962C8B-B14F-4D97-AF65-F5344CB8AC3E}">
-        <p14:creationId xmlns:p14="http://schemas.microsoft.com/office/powerpoint/2010/main" val="2664875199"/>
+        <p14:creationId xmlns:p14="http://schemas.microsoft.com/office/powerpoint/2010/main" val="3681653150"/>
+      </p:ext>
+    </p:extLst>
+  </p:cSld>
+  <p:clrMapOvr>
+    <a:masterClrMapping/>
+  </p:clrMapOvr>
+</p:sld>
+</file>
+
+<file path=ppt/slides/slide38.xml><?xml version="1.0" encoding="utf-8"?>
+<p:sld xmlns:a="http://schemas.openxmlformats.org/drawingml/2006/main" xmlns:r="http://schemas.openxmlformats.org/officeDocument/2006/relationships" xmlns:p="http://schemas.openxmlformats.org/presentationml/2006/main">
+  <p:cSld>
+    <p:spTree>
+      <p:nvGrpSpPr>
+        <p:cNvPr id="1" name=""/>
+        <p:cNvGrpSpPr/>
+        <p:nvPr/>
+      </p:nvGrpSpPr>
+      <p:grpSpPr>
+        <a:xfrm>
+          <a:off x="0" y="0"/>
+          <a:ext cx="0" cy="0"/>
+          <a:chOff x="0" y="0"/>
+          <a:chExt cx="0" cy="0"/>
+        </a:xfrm>
+      </p:grpSpPr>
+      <p:sp>
+        <p:nvSpPr>
+          <p:cNvPr id="2" name="タイトル 1">
+            <a:extLst>
+              <a:ext uri="{FF2B5EF4-FFF2-40B4-BE49-F238E27FC236}">
+                <a16:creationId xmlns:a16="http://schemas.microsoft.com/office/drawing/2014/main" id="{8F7C95E6-B748-4A83-B05E-862BE65226A7}"/>
+              </a:ext>
+            </a:extLst>
+          </p:cNvPr>
+          <p:cNvSpPr>
+            <a:spLocks noGrp="1"/>
+          </p:cNvSpPr>
+          <p:nvPr>
+            <p:ph type="title"/>
+          </p:nvPr>
+        </p:nvSpPr>
+        <p:spPr/>
+        <p:txBody>
+          <a:bodyPr/>
+          <a:lstStyle/>
+          <a:p>
+            <a:r>
+              <a:rPr lang="ja-JP" altLang="en-US" dirty="0"/>
+              <a:t>コンテナ性能評価（</a:t>
+            </a:r>
+            <a:r>
+              <a:rPr lang="en-US" altLang="ja-JP" dirty="0"/>
+              <a:t>3</a:t>
+            </a:r>
+            <a:r>
+              <a:rPr lang="ja-JP" altLang="en-US" dirty="0"/>
+              <a:t>）</a:t>
+            </a:r>
+            <a:endParaRPr kumimoji="1" lang="ja-JP" altLang="en-US" dirty="0"/>
+          </a:p>
+        </p:txBody>
+      </p:sp>
+      <p:sp>
+        <p:nvSpPr>
+          <p:cNvPr id="3" name="コンテンツ プレースホルダー 2">
+            <a:extLst>
+              <a:ext uri="{FF2B5EF4-FFF2-40B4-BE49-F238E27FC236}">
+                <a16:creationId xmlns:a16="http://schemas.microsoft.com/office/drawing/2014/main" id="{89449CDD-37CA-4159-95CA-F42CE6F93AE9}"/>
+              </a:ext>
+            </a:extLst>
+          </p:cNvPr>
+          <p:cNvSpPr>
+            <a:spLocks noGrp="1"/>
+          </p:cNvSpPr>
+          <p:nvPr>
+            <p:ph idx="1"/>
+          </p:nvPr>
+        </p:nvSpPr>
+        <p:spPr/>
+        <p:txBody>
+          <a:bodyPr/>
+          <a:lstStyle/>
+          <a:p>
+            <a:r>
+              <a:rPr kumimoji="1" lang="en-US" altLang="ja-JP" dirty="0" err="1"/>
+              <a:t>fio</a:t>
+            </a:r>
+            <a:r>
+              <a:rPr kumimoji="1" lang="ja-JP" altLang="en-US" dirty="0"/>
+              <a:t>によるディスクアクセスのスループット測定</a:t>
+            </a:r>
+            <a:endParaRPr kumimoji="1" lang="en-US" altLang="ja-JP" dirty="0"/>
+          </a:p>
+          <a:p>
+            <a:pPr>
+              <a:buFont typeface="Wingdings" panose="05000000000000000000" pitchFamily="2" charset="2"/>
+              <a:buChar char="l"/>
+            </a:pPr>
+            <a:r>
+              <a:rPr lang="ja-JP" altLang="en-US" dirty="0"/>
+              <a:t>ストレージバックエンドがディレクトリの場合</a:t>
+            </a:r>
+            <a:r>
+              <a:rPr lang="en-US" altLang="ja-JP" dirty="0"/>
+              <a:t>28%</a:t>
+            </a:r>
+            <a:r>
+              <a:rPr lang="ja-JP" altLang="en-US" dirty="0"/>
+              <a:t>の性能低下</a:t>
+            </a:r>
+            <a:endParaRPr lang="en-US" altLang="ja-JP" dirty="0"/>
+          </a:p>
+          <a:p>
+            <a:pPr>
+              <a:buFont typeface="Wingdings" panose="05000000000000000000" pitchFamily="2" charset="2"/>
+              <a:buChar char="l"/>
+            </a:pPr>
+            <a:r>
+              <a:rPr kumimoji="1" lang="en-US" altLang="ja-JP" dirty="0"/>
+              <a:t>ZFS</a:t>
+            </a:r>
+            <a:r>
+              <a:rPr kumimoji="1" lang="ja-JP" altLang="en-US" dirty="0"/>
+              <a:t>の場合では，エラーのため測定不能</a:t>
+            </a:r>
+          </a:p>
+        </p:txBody>
+      </p:sp>
+      <p:pic>
+        <p:nvPicPr>
+          <p:cNvPr id="5" name="図 4">
+            <a:extLst>
+              <a:ext uri="{FF2B5EF4-FFF2-40B4-BE49-F238E27FC236}">
+                <a16:creationId xmlns:a16="http://schemas.microsoft.com/office/drawing/2014/main" id="{883BD888-3EEB-4491-8BD1-AC22CE6FF1C0}"/>
+              </a:ext>
+            </a:extLst>
+          </p:cNvPr>
+          <p:cNvPicPr>
+            <a:picLocks noChangeAspect="1"/>
+          </p:cNvPicPr>
+          <p:nvPr/>
+        </p:nvPicPr>
+        <p:blipFill rotWithShape="1">
+          <a:blip r:embed="rId2">
+            <a:extLst>
+              <a:ext uri="{28A0092B-C50C-407E-A947-70E740481C1C}">
+                <a14:useLocalDpi xmlns:a14="http://schemas.microsoft.com/office/drawing/2010/main" val="0"/>
+              </a:ext>
+            </a:extLst>
+          </a:blip>
+          <a:srcRect t="5999" b="3914"/>
+          <a:stretch/>
+        </p:blipFill>
+        <p:spPr>
+          <a:xfrm>
+            <a:off x="1829302" y="3096178"/>
+            <a:ext cx="5485396" cy="3380822"/>
+          </a:xfrm>
+          <a:prstGeom prst="rect">
+            <a:avLst/>
+          </a:prstGeom>
+        </p:spPr>
+      </p:pic>
+      <p:sp>
+        <p:nvSpPr>
+          <p:cNvPr id="4" name="スライド番号プレースホルダー 3">
+            <a:extLst>
+              <a:ext uri="{FF2B5EF4-FFF2-40B4-BE49-F238E27FC236}">
+                <a16:creationId xmlns:a16="http://schemas.microsoft.com/office/drawing/2014/main" id="{6E638927-CF8F-46B1-9A46-40F4B22E067C}"/>
+              </a:ext>
+            </a:extLst>
+          </p:cNvPr>
+          <p:cNvSpPr>
+            <a:spLocks noGrp="1"/>
+          </p:cNvSpPr>
+          <p:nvPr>
+            <p:ph type="sldNum" sz="quarter" idx="12"/>
+          </p:nvPr>
+        </p:nvSpPr>
+        <p:spPr/>
+        <p:txBody>
+          <a:bodyPr/>
+          <a:lstStyle/>
+          <a:p>
+            <a:fld id="{7AB22DEB-E1FF-4BEE-A182-437B9452AE5B}" type="slidenum">
+              <a:rPr kumimoji="1" lang="ja-JP" altLang="en-US" smtClean="0"/>
+              <a:pPr/>
+              <a:t>38</a:t>
+            </a:fld>
+            <a:endParaRPr kumimoji="1" lang="ja-JP" altLang="en-US"/>
+          </a:p>
+        </p:txBody>
+      </p:sp>
+    </p:spTree>
+    <p:extLst>
+      <p:ext uri="{BB962C8B-B14F-4D97-AF65-F5344CB8AC3E}">
+        <p14:creationId xmlns:p14="http://schemas.microsoft.com/office/powerpoint/2010/main" val="1310561433"/>
+      </p:ext>
+    </p:extLst>
+  </p:cSld>
+  <p:clrMapOvr>
+    <a:masterClrMapping/>
+  </p:clrMapOvr>
+</p:sld>
+</file>
+
+<file path=ppt/slides/slide39.xml><?xml version="1.0" encoding="utf-8"?>
+<p:sld xmlns:a="http://schemas.openxmlformats.org/drawingml/2006/main" xmlns:r="http://schemas.openxmlformats.org/officeDocument/2006/relationships" xmlns:p="http://schemas.openxmlformats.org/presentationml/2006/main">
+  <p:cSld>
+    <p:spTree>
+      <p:nvGrpSpPr>
+        <p:cNvPr id="1" name=""/>
+        <p:cNvGrpSpPr/>
+        <p:nvPr/>
+      </p:nvGrpSpPr>
+      <p:grpSpPr>
+        <a:xfrm>
+          <a:off x="0" y="0"/>
+          <a:ext cx="0" cy="0"/>
+          <a:chOff x="0" y="0"/>
+          <a:chExt cx="0" cy="0"/>
+        </a:xfrm>
+      </p:grpSpPr>
+      <p:sp>
+        <p:nvSpPr>
+          <p:cNvPr id="2" name="タイトル 1">
+            <a:extLst>
+              <a:ext uri="{FF2B5EF4-FFF2-40B4-BE49-F238E27FC236}">
+                <a16:creationId xmlns:a16="http://schemas.microsoft.com/office/drawing/2014/main" id="{DE79394E-7F91-47BC-8212-A7551844C720}"/>
+              </a:ext>
+            </a:extLst>
+          </p:cNvPr>
+          <p:cNvSpPr>
+            <a:spLocks noGrp="1"/>
+          </p:cNvSpPr>
+          <p:nvPr>
+            <p:ph type="title"/>
+          </p:nvPr>
+        </p:nvSpPr>
+        <p:spPr/>
+        <p:txBody>
+          <a:bodyPr/>
+          <a:lstStyle/>
+          <a:p>
+            <a:r>
+              <a:rPr lang="ja-JP" altLang="en-US" dirty="0"/>
+              <a:t>コンテナ性能評価（</a:t>
+            </a:r>
+            <a:r>
+              <a:rPr lang="en-US" altLang="ja-JP" dirty="0"/>
+              <a:t>4</a:t>
+            </a:r>
+            <a:r>
+              <a:rPr lang="ja-JP" altLang="en-US" dirty="0"/>
+              <a:t>）</a:t>
+            </a:r>
+            <a:endParaRPr kumimoji="1" lang="ja-JP" altLang="en-US" dirty="0"/>
+          </a:p>
+        </p:txBody>
+      </p:sp>
+      <p:sp>
+        <p:nvSpPr>
+          <p:cNvPr id="3" name="コンテンツ プレースホルダー 2">
+            <a:extLst>
+              <a:ext uri="{FF2B5EF4-FFF2-40B4-BE49-F238E27FC236}">
+                <a16:creationId xmlns:a16="http://schemas.microsoft.com/office/drawing/2014/main" id="{CB7C504E-E3FE-4419-A253-7DF9F77AB438}"/>
+              </a:ext>
+            </a:extLst>
+          </p:cNvPr>
+          <p:cNvSpPr>
+            <a:spLocks noGrp="1"/>
+          </p:cNvSpPr>
+          <p:nvPr>
+            <p:ph idx="1"/>
+          </p:nvPr>
+        </p:nvSpPr>
+        <p:spPr/>
+        <p:txBody>
+          <a:bodyPr/>
+          <a:lstStyle/>
+          <a:p>
+            <a:r>
+              <a:rPr kumimoji="1" lang="en-US" altLang="ja-JP" dirty="0"/>
+              <a:t>Iperf3</a:t>
+            </a:r>
+            <a:r>
+              <a:rPr kumimoji="1" lang="ja-JP" altLang="en-US" dirty="0"/>
+              <a:t>による</a:t>
+            </a:r>
+            <a:r>
+              <a:rPr kumimoji="1" lang="en-US" altLang="ja-JP" dirty="0"/>
+              <a:t>TCP</a:t>
+            </a:r>
+            <a:r>
+              <a:rPr kumimoji="1" lang="ja-JP" altLang="en-US" dirty="0"/>
+              <a:t>スループットの測定</a:t>
+            </a:r>
+            <a:endParaRPr kumimoji="1" lang="en-US" altLang="ja-JP" dirty="0"/>
+          </a:p>
+          <a:p>
+            <a:pPr>
+              <a:buFont typeface="Wingdings" panose="05000000000000000000" pitchFamily="2" charset="2"/>
+              <a:buChar char="l"/>
+            </a:pPr>
+            <a:r>
+              <a:rPr lang="en-US" altLang="ja-JP" dirty="0"/>
+              <a:t>VM</a:t>
+            </a:r>
+            <a:r>
+              <a:rPr lang="ja-JP" altLang="en-US" dirty="0"/>
+              <a:t>内コンテナ利用による性能低下は確認できず</a:t>
+            </a:r>
+            <a:endParaRPr kumimoji="1" lang="ja-JP" altLang="en-US" dirty="0"/>
+          </a:p>
+        </p:txBody>
+      </p:sp>
+      <p:pic>
+        <p:nvPicPr>
+          <p:cNvPr id="5" name="図 4">
+            <a:extLst>
+              <a:ext uri="{FF2B5EF4-FFF2-40B4-BE49-F238E27FC236}">
+                <a16:creationId xmlns:a16="http://schemas.microsoft.com/office/drawing/2014/main" id="{85BADC42-4087-4B53-8E5F-F4AED7F0407B}"/>
+              </a:ext>
+            </a:extLst>
+          </p:cNvPr>
+          <p:cNvPicPr>
+            <a:picLocks noChangeAspect="1"/>
+          </p:cNvPicPr>
+          <p:nvPr/>
+        </p:nvPicPr>
+        <p:blipFill rotWithShape="1">
+          <a:blip r:embed="rId2">
+            <a:extLst>
+              <a:ext uri="{28A0092B-C50C-407E-A947-70E740481C1C}">
+                <a14:useLocalDpi xmlns:a14="http://schemas.microsoft.com/office/drawing/2010/main" val="0"/>
+              </a:ext>
+            </a:extLst>
+          </a:blip>
+          <a:srcRect t="7823" b="2906"/>
+          <a:stretch/>
+        </p:blipFill>
+        <p:spPr>
+          <a:xfrm>
+            <a:off x="1237306" y="2634396"/>
+            <a:ext cx="6669387" cy="3664804"/>
+          </a:xfrm>
+          <a:prstGeom prst="rect">
+            <a:avLst/>
+          </a:prstGeom>
+        </p:spPr>
+      </p:pic>
+      <p:sp>
+        <p:nvSpPr>
+          <p:cNvPr id="4" name="スライド番号プレースホルダー 3">
+            <a:extLst>
+              <a:ext uri="{FF2B5EF4-FFF2-40B4-BE49-F238E27FC236}">
+                <a16:creationId xmlns:a16="http://schemas.microsoft.com/office/drawing/2014/main" id="{7049316D-BC1C-42FC-AC04-D9F4E9950EA5}"/>
+              </a:ext>
+            </a:extLst>
+          </p:cNvPr>
+          <p:cNvSpPr>
+            <a:spLocks noGrp="1"/>
+          </p:cNvSpPr>
+          <p:nvPr>
+            <p:ph type="sldNum" sz="quarter" idx="12"/>
+          </p:nvPr>
+        </p:nvSpPr>
+        <p:spPr/>
+        <p:txBody>
+          <a:bodyPr/>
+          <a:lstStyle/>
+          <a:p>
+            <a:fld id="{7AB22DEB-E1FF-4BEE-A182-437B9452AE5B}" type="slidenum">
+              <a:rPr kumimoji="1" lang="ja-JP" altLang="en-US" smtClean="0"/>
+              <a:pPr/>
+              <a:t>39</a:t>
+            </a:fld>
+            <a:endParaRPr kumimoji="1" lang="ja-JP" altLang="en-US"/>
+          </a:p>
+        </p:txBody>
+      </p:sp>
+    </p:spTree>
+    <p:extLst>
+      <p:ext uri="{BB962C8B-B14F-4D97-AF65-F5344CB8AC3E}">
+        <p14:creationId xmlns:p14="http://schemas.microsoft.com/office/powerpoint/2010/main" val="3218518026"/>
       </p:ext>
     </p:extLst>
   </p:cSld>
@@ -14151,7 +14961,15 @@
           <a:p>
             <a:r>
               <a:rPr lang="ja-JP" altLang="en-US" dirty="0"/>
-              <a:t>研究目的</a:t>
+              <a:t>研究背景（</a:t>
+            </a:r>
+            <a:r>
+              <a:rPr lang="en-US" altLang="ja-JP" dirty="0"/>
+              <a:t>4</a:t>
+            </a:r>
+            <a:r>
+              <a:rPr lang="ja-JP" altLang="en-US" dirty="0"/>
+              <a:t>）</a:t>
             </a:r>
           </a:p>
         </p:txBody>
@@ -14366,7 +15184,7 @@
         </p:nvSpPr>
         <p:spPr>
           <a:xfrm>
-            <a:off x="800101" y="4038859"/>
+            <a:off x="800101" y="4174069"/>
             <a:ext cx="7543798" cy="438582"/>
           </a:xfrm>
           <a:prstGeom prst="rect">
@@ -14382,99 +15200,11 @@
           <a:p>
             <a:pPr algn="ctr"/>
             <a:r>
-              <a:rPr lang="ja-JP" altLang="en-US" sz="2400" b="1" dirty="0"/>
+              <a:rPr lang="ja-JP" altLang="en-US" sz="2400" b="1" dirty="0">
+                <a:latin typeface="+mn-ea"/>
+              </a:rPr>
               <a:t>コストと復旧の速さがトレードオフ</a:t>
             </a:r>
-          </a:p>
-        </p:txBody>
-      </p:sp>
-      <p:sp>
-        <p:nvSpPr>
-          <p:cNvPr id="5" name="テキスト ボックス 4">
-            <a:extLst>
-              <a:ext uri="{FF2B5EF4-FFF2-40B4-BE49-F238E27FC236}">
-                <a16:creationId xmlns:a16="http://schemas.microsoft.com/office/drawing/2014/main" id="{12413476-D80E-466E-A3EE-7D1481CB6C5B}"/>
-              </a:ext>
-            </a:extLst>
-          </p:cNvPr>
-          <p:cNvSpPr txBox="1"/>
-          <p:nvPr/>
-        </p:nvSpPr>
-        <p:spPr>
-          <a:xfrm>
-            <a:off x="-110837" y="5666703"/>
-            <a:ext cx="9365674" cy="438582"/>
-          </a:xfrm>
-          <a:prstGeom prst="rect">
-            <a:avLst/>
-          </a:prstGeom>
-          <a:noFill/>
-        </p:spPr>
-        <p:txBody>
-          <a:bodyPr wrap="square" lIns="68580" tIns="34290" rIns="68580" bIns="34290" rtlCol="0">
-            <a:spAutoFit/>
-          </a:bodyPr>
-          <a:lstStyle/>
-          <a:p>
-            <a:pPr algn="ctr"/>
-            <a:r>
-              <a:rPr lang="ja-JP" altLang="en-US" sz="2400" b="1" dirty="0"/>
-              <a:t>低コストかつ迅速な復旧が行えるシステム</a:t>
-            </a:r>
-            <a:r>
-              <a:rPr kumimoji="1" lang="en-US" altLang="ja-JP" sz="2400" b="1" dirty="0" err="1"/>
-              <a:t>VCRecavery</a:t>
-            </a:r>
-            <a:r>
-              <a:rPr lang="ja-JP" altLang="en-US" sz="2400" b="1" dirty="0"/>
-              <a:t>の提案</a:t>
-            </a:r>
-          </a:p>
-        </p:txBody>
-      </p:sp>
-      <p:sp>
-        <p:nvSpPr>
-          <p:cNvPr id="3" name="矢印: 下 2">
-            <a:extLst>
-              <a:ext uri="{FF2B5EF4-FFF2-40B4-BE49-F238E27FC236}">
-                <a16:creationId xmlns:a16="http://schemas.microsoft.com/office/drawing/2014/main" id="{CFFE8862-158E-4A3F-9A31-190AF7713057}"/>
-              </a:ext>
-            </a:extLst>
-          </p:cNvPr>
-          <p:cNvSpPr/>
-          <p:nvPr/>
-        </p:nvSpPr>
-        <p:spPr>
-          <a:xfrm>
-            <a:off x="4130733" y="4705235"/>
-            <a:ext cx="928254" cy="780372"/>
-          </a:xfrm>
-          <a:prstGeom prst="downArrow">
-            <a:avLst/>
-          </a:prstGeom>
-        </p:spPr>
-        <p:style>
-          <a:lnRef idx="2">
-            <a:schemeClr val="accent1">
-              <a:shade val="50000"/>
-            </a:schemeClr>
-          </a:lnRef>
-          <a:fillRef idx="1">
-            <a:schemeClr val="accent1"/>
-          </a:fillRef>
-          <a:effectRef idx="0">
-            <a:schemeClr val="accent1"/>
-          </a:effectRef>
-          <a:fontRef idx="minor">
-            <a:schemeClr val="lt1"/>
-          </a:fontRef>
-        </p:style>
-        <p:txBody>
-          <a:bodyPr rtlCol="0" anchor="ctr"/>
-          <a:lstStyle/>
-          <a:p>
-            <a:pPr algn="ctr"/>
-            <a:endParaRPr kumimoji="1" lang="ja-JP" altLang="en-US"/>
           </a:p>
         </p:txBody>
       </p:sp>
@@ -14590,7 +15320,12 @@
             <p:ph idx="1"/>
           </p:nvPr>
         </p:nvSpPr>
-        <p:spPr/>
+        <p:spPr>
+          <a:xfrm>
+            <a:off x="822960" y="1757136"/>
+            <a:ext cx="7543800" cy="4023360"/>
+          </a:xfrm>
+        </p:spPr>
         <p:txBody>
           <a:bodyPr/>
           <a:lstStyle/>
@@ -14618,6 +15353,12 @@
               <a:rPr lang="ja-JP" altLang="en-US" dirty="0"/>
               <a:t>されないサービスを</a:t>
             </a:r>
+            <a:endParaRPr lang="en-US" altLang="ja-JP" dirty="0"/>
+          </a:p>
+          <a:p>
+            <a:pPr marL="201168" lvl="1" indent="0">
+              <a:buNone/>
+            </a:pPr>
             <a:r>
               <a:rPr lang="en-US" altLang="ja-JP" dirty="0"/>
               <a:t>VM</a:t>
@@ -14655,8 +15396,8 @@
         </p:nvSpPr>
         <p:spPr>
           <a:xfrm>
-            <a:off x="0" y="6248230"/>
-            <a:ext cx="9144000" cy="646331"/>
+            <a:off x="0" y="6271314"/>
+            <a:ext cx="8617527" cy="600164"/>
           </a:xfrm>
           <a:prstGeom prst="rect">
             <a:avLst/>
@@ -14670,50 +15411,98 @@
           <a:lstStyle/>
           <a:p>
             <a:r>
-              <a:rPr kumimoji="1" lang="en-US" altLang="ja-JP" sz="1200" dirty="0"/>
+              <a:rPr kumimoji="1" lang="en-US" altLang="ja-JP" sz="1100" dirty="0">
+                <a:solidFill>
+                  <a:schemeClr val="bg1"/>
+                </a:solidFill>
+              </a:rPr>
               <a:t>Zhang, Liang and Litton, James and </a:t>
             </a:r>
             <a:r>
-              <a:rPr kumimoji="1" lang="en-US" altLang="ja-JP" sz="1200" dirty="0" err="1"/>
+              <a:rPr kumimoji="1" lang="en-US" altLang="ja-JP" sz="1100" dirty="0" err="1">
+                <a:solidFill>
+                  <a:schemeClr val="bg1"/>
+                </a:solidFill>
+              </a:rPr>
               <a:t>Cangialosi</a:t>
             </a:r>
             <a:r>
-              <a:rPr kumimoji="1" lang="en-US" altLang="ja-JP" sz="1200" dirty="0"/>
+              <a:rPr kumimoji="1" lang="en-US" altLang="ja-JP" sz="1100" dirty="0">
+                <a:solidFill>
+                  <a:schemeClr val="bg1"/>
+                </a:solidFill>
+              </a:rPr>
               <a:t>, Frank and Benson, Theophilus and Levin, Dave and </a:t>
             </a:r>
             <a:r>
-              <a:rPr kumimoji="1" lang="en-US" altLang="ja-JP" sz="1200" dirty="0" err="1"/>
+              <a:rPr kumimoji="1" lang="en-US" altLang="ja-JP" sz="1100" dirty="0" err="1">
+                <a:solidFill>
+                  <a:schemeClr val="bg1"/>
+                </a:solidFill>
+              </a:rPr>
               <a:t>Mislove</a:t>
             </a:r>
             <a:r>
-              <a:rPr kumimoji="1" lang="en-US" altLang="ja-JP" sz="1200" dirty="0"/>
+              <a:rPr kumimoji="1" lang="en-US" altLang="ja-JP" sz="1100" dirty="0">
+                <a:solidFill>
+                  <a:schemeClr val="bg1"/>
+                </a:solidFill>
+              </a:rPr>
               <a:t>, Alan,"</a:t>
             </a:r>
             <a:r>
-              <a:rPr kumimoji="1" lang="en-US" altLang="ja-JP" sz="1200" dirty="0" err="1"/>
+              <a:rPr kumimoji="1" lang="en-US" altLang="ja-JP" sz="1100" dirty="0" err="1">
+                <a:solidFill>
+                  <a:schemeClr val="bg1"/>
+                </a:solidFill>
+              </a:rPr>
               <a:t>Picocenter</a:t>
             </a:r>
             <a:r>
-              <a:rPr kumimoji="1" lang="en-US" altLang="ja-JP" sz="1200" dirty="0"/>
+              <a:rPr kumimoji="1" lang="en-US" altLang="ja-JP" sz="1100" dirty="0">
+                <a:solidFill>
+                  <a:schemeClr val="bg1"/>
+                </a:solidFill>
+              </a:rPr>
               <a:t>: Supporting Long-lived, Mostly-idle Applications in Cloud </a:t>
             </a:r>
             <a:r>
-              <a:rPr kumimoji="1" lang="en-US" altLang="ja-JP" sz="1200" dirty="0" err="1"/>
+              <a:rPr kumimoji="1" lang="en-US" altLang="ja-JP" sz="1100" dirty="0" err="1">
+                <a:solidFill>
+                  <a:schemeClr val="bg1"/>
+                </a:solidFill>
+              </a:rPr>
               <a:t>Environments",Proceedings</a:t>
             </a:r>
             <a:r>
-              <a:rPr kumimoji="1" lang="en-US" altLang="ja-JP" sz="1200" dirty="0"/>
+              <a:rPr kumimoji="1" lang="en-US" altLang="ja-JP" sz="1100" dirty="0">
+                <a:solidFill>
+                  <a:schemeClr val="bg1"/>
+                </a:solidFill>
+              </a:rPr>
               <a:t> of the Eleventh European Conference on Computer </a:t>
             </a:r>
             <a:r>
-              <a:rPr kumimoji="1" lang="en-US" altLang="ja-JP" sz="1200" dirty="0" err="1"/>
+              <a:rPr kumimoji="1" lang="en-US" altLang="ja-JP" sz="1100" dirty="0" err="1">
+                <a:solidFill>
+                  <a:schemeClr val="bg1"/>
+                </a:solidFill>
+              </a:rPr>
               <a:t>Systems,EuroSys</a:t>
             </a:r>
             <a:r>
-              <a:rPr kumimoji="1" lang="en-US" altLang="ja-JP" sz="1200" dirty="0"/>
+              <a:rPr kumimoji="1" lang="en-US" altLang="ja-JP" sz="1100" dirty="0">
+                <a:solidFill>
+                  <a:schemeClr val="bg1"/>
+                </a:solidFill>
+              </a:rPr>
               <a:t> ‘16, pp.37:1--37:16</a:t>
             </a:r>
-            <a:endParaRPr kumimoji="1" lang="ja-JP" altLang="en-US" sz="1200" dirty="0"/>
+            <a:endParaRPr kumimoji="1" lang="ja-JP" altLang="en-US" sz="1100" dirty="0">
+              <a:solidFill>
+                <a:schemeClr val="bg1"/>
+              </a:solidFill>
+            </a:endParaRPr>
           </a:p>
         </p:txBody>
       </p:sp>
@@ -14732,7 +15521,7 @@
           <p:nvPr/>
         </p:nvPicPr>
         <p:blipFill rotWithShape="1">
-          <a:blip r:embed="rId2">
+          <a:blip r:embed="rId3">
             <a:extLst>
               <a:ext uri="{28A0092B-C50C-407E-A947-70E740481C1C}">
                 <a14:useLocalDpi xmlns:a14="http://schemas.microsoft.com/office/drawing/2010/main" val="0"/>
@@ -14744,7 +15533,7 @@
         </p:blipFill>
         <p:spPr>
           <a:xfrm>
-            <a:off x="401089" y="3143657"/>
+            <a:off x="423949" y="3143657"/>
             <a:ext cx="8341821" cy="3104573"/>
           </a:xfrm>
           <a:prstGeom prst="rect">
@@ -14945,7 +15734,7 @@
         <p:spPr>
           <a:xfrm>
             <a:off x="0" y="6386730"/>
-            <a:ext cx="8971495" cy="492443"/>
+            <a:ext cx="8283871" cy="461665"/>
           </a:xfrm>
           <a:prstGeom prst="rect">
             <a:avLst/>
@@ -14959,36 +15748,68 @@
           <a:lstStyle/>
           <a:p>
             <a:r>
-              <a:rPr lang="en-US" altLang="ja-JP" sz="1300" dirty="0"/>
+              <a:rPr lang="en-US" altLang="ja-JP" sz="1200" dirty="0">
+                <a:solidFill>
+                  <a:schemeClr val="bg1"/>
+                </a:solidFill>
+              </a:rPr>
               <a:t>K. Kourai and K. </a:t>
             </a:r>
             <a:r>
-              <a:rPr lang="en-US" altLang="ja-JP" sz="1300" dirty="0" err="1"/>
+              <a:rPr lang="en-US" altLang="ja-JP" sz="1200" dirty="0" err="1">
+                <a:solidFill>
+                  <a:schemeClr val="bg1"/>
+                </a:solidFill>
+              </a:rPr>
               <a:t>Sannomiya</a:t>
             </a:r>
             <a:r>
-              <a:rPr lang="en-US" altLang="ja-JP" sz="1300" dirty="0"/>
+              <a:rPr lang="en-US" altLang="ja-JP" sz="1200" dirty="0">
+                <a:solidFill>
+                  <a:schemeClr val="bg1"/>
+                </a:solidFill>
+              </a:rPr>
               <a:t>, "Seamless and Secure Application Consolidation for Optimizing Instance Deployment in Clouds,“</a:t>
             </a:r>
           </a:p>
           <a:p>
             <a:r>
-              <a:rPr lang="en-US" altLang="ja-JP" sz="1300" i="1" dirty="0"/>
+              <a:rPr lang="en-US" altLang="ja-JP" sz="1200" i="1" dirty="0">
+                <a:solidFill>
+                  <a:schemeClr val="bg1"/>
+                </a:solidFill>
+              </a:rPr>
               <a:t>2016 IEEE International Conference on Cloud Computing Technology and Science (</a:t>
             </a:r>
             <a:r>
-              <a:rPr lang="en-US" altLang="ja-JP" sz="1300" i="1" dirty="0" err="1"/>
+              <a:rPr lang="en-US" altLang="ja-JP" sz="1200" i="1" dirty="0" err="1">
+                <a:solidFill>
+                  <a:schemeClr val="bg1"/>
+                </a:solidFill>
+              </a:rPr>
               <a:t>CloudCom</a:t>
             </a:r>
             <a:r>
-              <a:rPr lang="en-US" altLang="ja-JP" sz="1300" i="1" dirty="0"/>
+              <a:rPr lang="en-US" altLang="ja-JP" sz="1200" i="1" dirty="0">
+                <a:solidFill>
+                  <a:schemeClr val="bg1"/>
+                </a:solidFill>
+              </a:rPr>
               <a:t>)</a:t>
             </a:r>
             <a:r>
-              <a:rPr lang="en-US" altLang="ja-JP" sz="1300" dirty="0"/>
+              <a:rPr lang="en-US" altLang="ja-JP" sz="1200" dirty="0">
+                <a:solidFill>
+                  <a:schemeClr val="bg1"/>
+                </a:solidFill>
+              </a:rPr>
               <a:t>, Luxembourg City, 2016, pp. 318-325.</a:t>
             </a:r>
-            <a:endParaRPr kumimoji="1" lang="ja-JP" altLang="en-US" sz="1300" dirty="0"/>
+            <a:endParaRPr kumimoji="1" lang="ja-JP" altLang="en-US" sz="1200" dirty="0">
+              <a:solidFill>
+                <a:schemeClr val="bg1"/>
+              </a:solidFill>
+            </a:endParaRPr>
           </a:p>
         </p:txBody>
       </p:sp>
@@ -15054,7 +15875,7 @@
               <a:pPr/>
               <a:t>9</a:t>
             </a:fld>
-            <a:endParaRPr kumimoji="1" lang="ja-JP" altLang="en-US"/>
+            <a:endParaRPr kumimoji="1" lang="ja-JP" altLang="en-US" dirty="0"/>
           </a:p>
         </p:txBody>
       </p:sp>
